--- a/dokumen/ppt_skripsi.pptx
+++ b/dokumen/ppt_skripsi.pptx
@@ -5,7 +5,10 @@
     <p:sldMasterId id="2147483648" r:id="rId1"/>
   </p:sldMasterIdLst>
   <p:sldIdLst>
-    <p:sldId id="256" r:id="rId2"/>
+    <p:sldId id="257" r:id="rId2"/>
+    <p:sldId id="259" r:id="rId3"/>
+    <p:sldId id="258" r:id="rId4"/>
+    <p:sldId id="256" r:id="rId5"/>
   </p:sldIdLst>
   <p:sldSz cx="12192000" cy="6858000"/>
   <p:notesSz cx="6858000" cy="9144000"/>
@@ -104,6 +107,11 @@
       </a:defRPr>
     </a:lvl9pPr>
   </p:defaultTextStyle>
+  <p:extLst>
+    <p:ext uri="{EFAFB233-063F-42B5-8137-9DF3F51BA10A}">
+      <p15:sldGuideLst xmlns:p15="http://schemas.microsoft.com/office/powerpoint/2012/main"/>
+    </p:ext>
+  </p:extLst>
 </p:presentation>
 </file>
 
@@ -256,7 +264,7 @@
           <a:p>
             <a:fld id="{F5671809-4E7C-4B4C-B35D-BEB3A7116895}" type="datetimeFigureOut">
               <a:rPr lang="en-ID" smtClean="0"/>
-              <a:t>04/06/2022</a:t>
+              <a:t>07/06/2022</a:t>
             </a:fld>
             <a:endParaRPr lang="en-ID"/>
           </a:p>
@@ -456,7 +464,7 @@
           <a:p>
             <a:fld id="{F5671809-4E7C-4B4C-B35D-BEB3A7116895}" type="datetimeFigureOut">
               <a:rPr lang="en-ID" smtClean="0"/>
-              <a:t>04/06/2022</a:t>
+              <a:t>07/06/2022</a:t>
             </a:fld>
             <a:endParaRPr lang="en-ID"/>
           </a:p>
@@ -666,7 +674,7 @@
           <a:p>
             <a:fld id="{F5671809-4E7C-4B4C-B35D-BEB3A7116895}" type="datetimeFigureOut">
               <a:rPr lang="en-ID" smtClean="0"/>
-              <a:t>04/06/2022</a:t>
+              <a:t>07/06/2022</a:t>
             </a:fld>
             <a:endParaRPr lang="en-ID"/>
           </a:p>
@@ -866,7 +874,7 @@
           <a:p>
             <a:fld id="{F5671809-4E7C-4B4C-B35D-BEB3A7116895}" type="datetimeFigureOut">
               <a:rPr lang="en-ID" smtClean="0"/>
-              <a:t>04/06/2022</a:t>
+              <a:t>07/06/2022</a:t>
             </a:fld>
             <a:endParaRPr lang="en-ID"/>
           </a:p>
@@ -1142,7 +1150,7 @@
           <a:p>
             <a:fld id="{F5671809-4E7C-4B4C-B35D-BEB3A7116895}" type="datetimeFigureOut">
               <a:rPr lang="en-ID" smtClean="0"/>
-              <a:t>04/06/2022</a:t>
+              <a:t>07/06/2022</a:t>
             </a:fld>
             <a:endParaRPr lang="en-ID"/>
           </a:p>
@@ -1410,7 +1418,7 @@
           <a:p>
             <a:fld id="{F5671809-4E7C-4B4C-B35D-BEB3A7116895}" type="datetimeFigureOut">
               <a:rPr lang="en-ID" smtClean="0"/>
-              <a:t>04/06/2022</a:t>
+              <a:t>07/06/2022</a:t>
             </a:fld>
             <a:endParaRPr lang="en-ID"/>
           </a:p>
@@ -1825,7 +1833,7 @@
           <a:p>
             <a:fld id="{F5671809-4E7C-4B4C-B35D-BEB3A7116895}" type="datetimeFigureOut">
               <a:rPr lang="en-ID" smtClean="0"/>
-              <a:t>04/06/2022</a:t>
+              <a:t>07/06/2022</a:t>
             </a:fld>
             <a:endParaRPr lang="en-ID"/>
           </a:p>
@@ -1967,7 +1975,7 @@
           <a:p>
             <a:fld id="{F5671809-4E7C-4B4C-B35D-BEB3A7116895}" type="datetimeFigureOut">
               <a:rPr lang="en-ID" smtClean="0"/>
-              <a:t>04/06/2022</a:t>
+              <a:t>07/06/2022</a:t>
             </a:fld>
             <a:endParaRPr lang="en-ID"/>
           </a:p>
@@ -2080,7 +2088,7 @@
           <a:p>
             <a:fld id="{F5671809-4E7C-4B4C-B35D-BEB3A7116895}" type="datetimeFigureOut">
               <a:rPr lang="en-ID" smtClean="0"/>
-              <a:t>04/06/2022</a:t>
+              <a:t>07/06/2022</a:t>
             </a:fld>
             <a:endParaRPr lang="en-ID"/>
           </a:p>
@@ -2393,7 +2401,7 @@
           <a:p>
             <a:fld id="{F5671809-4E7C-4B4C-B35D-BEB3A7116895}" type="datetimeFigureOut">
               <a:rPr lang="en-ID" smtClean="0"/>
-              <a:t>04/06/2022</a:t>
+              <a:t>07/06/2022</a:t>
             </a:fld>
             <a:endParaRPr lang="en-ID"/>
           </a:p>
@@ -2682,7 +2690,7 @@
           <a:p>
             <a:fld id="{F5671809-4E7C-4B4C-B35D-BEB3A7116895}" type="datetimeFigureOut">
               <a:rPr lang="en-ID" smtClean="0"/>
-              <a:t>04/06/2022</a:t>
+              <a:t>07/06/2022</a:t>
             </a:fld>
             <a:endParaRPr lang="en-ID"/>
           </a:p>
@@ -2925,7 +2933,7 @@
           <a:p>
             <a:fld id="{F5671809-4E7C-4B4C-B35D-BEB3A7116895}" type="datetimeFigureOut">
               <a:rPr lang="en-ID" smtClean="0"/>
-              <a:t>04/06/2022</a:t>
+              <a:t>07/06/2022</a:t>
             </a:fld>
             <a:endParaRPr lang="en-ID"/>
           </a:p>
@@ -3344,6 +3352,2099 @@
       </p:grpSpPr>
       <p:sp>
         <p:nvSpPr>
+          <p:cNvPr id="2" name="TextBox 1">
+            <a:extLst>
+              <a:ext uri="{FF2B5EF4-FFF2-40B4-BE49-F238E27FC236}">
+                <a16:creationId xmlns:a16="http://schemas.microsoft.com/office/drawing/2014/main" id="{F5D344A1-39FE-052D-1B9C-3C500FCD5362}"/>
+              </a:ext>
+            </a:extLst>
+          </p:cNvPr>
+          <p:cNvSpPr txBox="1"/>
+          <p:nvPr/>
+        </p:nvSpPr>
+        <p:spPr>
+          <a:xfrm>
+            <a:off x="2522375" y="2454845"/>
+            <a:ext cx="7147249" cy="1128450"/>
+          </a:xfrm>
+          <a:prstGeom prst="rect">
+            <a:avLst/>
+          </a:prstGeom>
+          <a:noFill/>
+        </p:spPr>
+        <p:txBody>
+          <a:bodyPr wrap="square" rtlCol="0">
+            <a:spAutoFit/>
+          </a:bodyPr>
+          <a:lstStyle/>
+          <a:p>
+            <a:pPr algn="ctr">
+              <a:lnSpc>
+                <a:spcPct val="107000"/>
+              </a:lnSpc>
+              <a:spcAft>
+                <a:spcPts val="800"/>
+              </a:spcAft>
+            </a:pPr>
+            <a:r>
+              <a:rPr lang="en-ID" sz="1600" b="1" spc="75" dirty="0">
+                <a:solidFill>
+                  <a:srgbClr val="000000"/>
+                </a:solidFill>
+                <a:effectLst/>
+                <a:latin typeface="Arial" panose="020B0604020202020204" pitchFamily="34" charset="0"/>
+                <a:ea typeface="Times New Roman" panose="02020603050405020304" pitchFamily="18" charset="0"/>
+                <a:cs typeface="Arial" panose="020B0604020202020204" pitchFamily="34" charset="0"/>
+              </a:rPr>
+              <a:t>PENGEMBANGAN APLIKASI MOBILE PRESENSI PEGAWAI BERBASIS </a:t>
+            </a:r>
+            <a:r>
+              <a:rPr lang="en-ID" sz="1600" b="1" i="1" spc="75" dirty="0">
+                <a:solidFill>
+                  <a:srgbClr val="000000"/>
+                </a:solidFill>
+                <a:effectLst/>
+                <a:latin typeface="Arial" panose="020B0604020202020204" pitchFamily="34" charset="0"/>
+                <a:ea typeface="Times New Roman" panose="02020603050405020304" pitchFamily="18" charset="0"/>
+                <a:cs typeface="Arial" panose="020B0604020202020204" pitchFamily="34" charset="0"/>
+              </a:rPr>
+              <a:t>GPS</a:t>
+            </a:r>
+            <a:r>
+              <a:rPr lang="en-ID" sz="1600" b="1" spc="75" dirty="0">
+                <a:solidFill>
+                  <a:srgbClr val="000000"/>
+                </a:solidFill>
+                <a:effectLst/>
+                <a:latin typeface="Arial" panose="020B0604020202020204" pitchFamily="34" charset="0"/>
+                <a:ea typeface="Times New Roman" panose="02020603050405020304" pitchFamily="18" charset="0"/>
+                <a:cs typeface="Arial" panose="020B0604020202020204" pitchFamily="34" charset="0"/>
+              </a:rPr>
+              <a:t> DAN </a:t>
+            </a:r>
+            <a:r>
+              <a:rPr lang="en-ID" sz="1600" b="1" i="1" spc="75" dirty="0">
+                <a:solidFill>
+                  <a:srgbClr val="000000"/>
+                </a:solidFill>
+                <a:effectLst/>
+                <a:latin typeface="Arial" panose="020B0604020202020204" pitchFamily="34" charset="0"/>
+                <a:ea typeface="Times New Roman" panose="02020603050405020304" pitchFamily="18" charset="0"/>
+                <a:cs typeface="Arial" panose="020B0604020202020204" pitchFamily="34" charset="0"/>
+              </a:rPr>
+              <a:t>GEOCODING </a:t>
+            </a:r>
+            <a:r>
+              <a:rPr lang="en-ID" sz="1600" b="1" spc="75" dirty="0">
+                <a:solidFill>
+                  <a:srgbClr val="000000"/>
+                </a:solidFill>
+                <a:effectLst/>
+                <a:latin typeface="Arial" panose="020B0604020202020204" pitchFamily="34" charset="0"/>
+                <a:ea typeface="Times New Roman" panose="02020603050405020304" pitchFamily="18" charset="0"/>
+                <a:cs typeface="Arial" panose="020B0604020202020204" pitchFamily="34" charset="0"/>
+              </a:rPr>
+              <a:t>MENGGUNAKAN METODE PENGUKURAN JARAK HAVERSINE [STUDI KASUS: BALAI DESA WARUREJA, KABUPATEN TEGAL]</a:t>
+            </a:r>
+            <a:endParaRPr lang="en-ID" sz="1600" spc="75" dirty="0">
+              <a:solidFill>
+                <a:srgbClr val="000000"/>
+              </a:solidFill>
+              <a:effectLst/>
+              <a:latin typeface="Arial" panose="020B0604020202020204" pitchFamily="34" charset="0"/>
+              <a:ea typeface="Times New Roman" panose="02020603050405020304" pitchFamily="18" charset="0"/>
+              <a:cs typeface="Arial" panose="020B0604020202020204" pitchFamily="34" charset="0"/>
+            </a:endParaRPr>
+          </a:p>
+        </p:txBody>
+      </p:sp>
+      <p:pic>
+        <p:nvPicPr>
+          <p:cNvPr id="3" name="Picture 2">
+            <a:extLst>
+              <a:ext uri="{FF2B5EF4-FFF2-40B4-BE49-F238E27FC236}">
+                <a16:creationId xmlns:a16="http://schemas.microsoft.com/office/drawing/2014/main" id="{7F066D29-7D8F-FA43-C481-2058A9CC61DC}"/>
+              </a:ext>
+            </a:extLst>
+          </p:cNvPr>
+          <p:cNvPicPr>
+            <a:picLocks noChangeAspect="1"/>
+          </p:cNvPicPr>
+          <p:nvPr/>
+        </p:nvPicPr>
+        <p:blipFill>
+          <a:blip r:embed="rId2">
+            <a:extLst>
+              <a:ext uri="{28A0092B-C50C-407E-A947-70E740481C1C}">
+                <a14:useLocalDpi xmlns:a14="http://schemas.microsoft.com/office/drawing/2010/main" val="0"/>
+              </a:ext>
+            </a:extLst>
+          </a:blip>
+          <a:stretch>
+            <a:fillRect/>
+          </a:stretch>
+        </p:blipFill>
+        <p:spPr>
+          <a:xfrm>
+            <a:off x="5410199" y="868355"/>
+            <a:ext cx="1371600" cy="1371600"/>
+          </a:xfrm>
+          <a:prstGeom prst="rect">
+            <a:avLst/>
+          </a:prstGeom>
+        </p:spPr>
+      </p:pic>
+      <p:sp>
+        <p:nvSpPr>
+          <p:cNvPr id="5" name="TextBox 4">
+            <a:extLst>
+              <a:ext uri="{FF2B5EF4-FFF2-40B4-BE49-F238E27FC236}">
+                <a16:creationId xmlns:a16="http://schemas.microsoft.com/office/drawing/2014/main" id="{53E14643-6F12-4DB6-320D-F12DF44B068C}"/>
+              </a:ext>
+            </a:extLst>
+          </p:cNvPr>
+          <p:cNvSpPr txBox="1"/>
+          <p:nvPr/>
+        </p:nvSpPr>
+        <p:spPr>
+          <a:xfrm>
+            <a:off x="2743200" y="3928188"/>
+            <a:ext cx="6680718" cy="830997"/>
+          </a:xfrm>
+          <a:prstGeom prst="rect">
+            <a:avLst/>
+          </a:prstGeom>
+          <a:noFill/>
+        </p:spPr>
+        <p:txBody>
+          <a:bodyPr wrap="square" rtlCol="0">
+            <a:spAutoFit/>
+          </a:bodyPr>
+          <a:lstStyle/>
+          <a:p>
+            <a:pPr algn="ctr"/>
+            <a:r>
+              <a:rPr lang="en-US" sz="1600" dirty="0">
+                <a:latin typeface="Arial" panose="020B0604020202020204" pitchFamily="34" charset="0"/>
+                <a:cs typeface="Arial" panose="020B0604020202020204" pitchFamily="34" charset="0"/>
+              </a:rPr>
+              <a:t>Guna Dermawan</a:t>
+            </a:r>
+          </a:p>
+          <a:p>
+            <a:pPr algn="ctr"/>
+            <a:r>
+              <a:rPr lang="en-US" sz="1600" dirty="0">
+                <a:latin typeface="Arial" panose="020B0604020202020204" pitchFamily="34" charset="0"/>
+                <a:cs typeface="Arial" panose="020B0604020202020204" pitchFamily="34" charset="0"/>
+              </a:rPr>
+              <a:t>A11.2018.11538</a:t>
+            </a:r>
+          </a:p>
+          <a:p>
+            <a:pPr algn="ctr"/>
+            <a:r>
+              <a:rPr lang="en-US" sz="1600" dirty="0">
+                <a:latin typeface="Arial" panose="020B0604020202020204" pitchFamily="34" charset="0"/>
+                <a:cs typeface="Arial" panose="020B0604020202020204" pitchFamily="34" charset="0"/>
+              </a:rPr>
+              <a:t>S1 – Teknik </a:t>
+            </a:r>
+            <a:r>
+              <a:rPr lang="en-US" sz="1600" dirty="0" err="1">
+                <a:latin typeface="Arial" panose="020B0604020202020204" pitchFamily="34" charset="0"/>
+                <a:cs typeface="Arial" panose="020B0604020202020204" pitchFamily="34" charset="0"/>
+              </a:rPr>
+              <a:t>Informatika</a:t>
+            </a:r>
+            <a:endParaRPr lang="en-ID" sz="1600" dirty="0">
+              <a:latin typeface="Arial" panose="020B0604020202020204" pitchFamily="34" charset="0"/>
+              <a:cs typeface="Arial" panose="020B0604020202020204" pitchFamily="34" charset="0"/>
+            </a:endParaRPr>
+          </a:p>
+        </p:txBody>
+      </p:sp>
+      <p:sp>
+        <p:nvSpPr>
+          <p:cNvPr id="6" name="TextBox 5">
+            <a:extLst>
+              <a:ext uri="{FF2B5EF4-FFF2-40B4-BE49-F238E27FC236}">
+                <a16:creationId xmlns:a16="http://schemas.microsoft.com/office/drawing/2014/main" id="{48C68885-5C70-3F56-C500-60DEA1C1A9BA}"/>
+              </a:ext>
+            </a:extLst>
+          </p:cNvPr>
+          <p:cNvSpPr txBox="1"/>
+          <p:nvPr/>
+        </p:nvSpPr>
+        <p:spPr>
+          <a:xfrm>
+            <a:off x="2743200" y="5196411"/>
+            <a:ext cx="6680718" cy="1077218"/>
+          </a:xfrm>
+          <a:prstGeom prst="rect">
+            <a:avLst/>
+          </a:prstGeom>
+          <a:noFill/>
+        </p:spPr>
+        <p:txBody>
+          <a:bodyPr wrap="square" rtlCol="0">
+            <a:spAutoFit/>
+          </a:bodyPr>
+          <a:lstStyle/>
+          <a:p>
+            <a:pPr algn="ctr"/>
+            <a:r>
+              <a:rPr lang="en-US" sz="1600" b="1" dirty="0">
+                <a:latin typeface="Arial" panose="020B0604020202020204" pitchFamily="34" charset="0"/>
+                <a:cs typeface="Arial" panose="020B0604020202020204" pitchFamily="34" charset="0"/>
+              </a:rPr>
+              <a:t>FAKULTAS ILMU KOMPUTER</a:t>
+            </a:r>
+          </a:p>
+          <a:p>
+            <a:pPr algn="ctr"/>
+            <a:r>
+              <a:rPr lang="en-US" sz="1600" b="1" dirty="0">
+                <a:latin typeface="Arial" panose="020B0604020202020204" pitchFamily="34" charset="0"/>
+                <a:cs typeface="Arial" panose="020B0604020202020204" pitchFamily="34" charset="0"/>
+              </a:rPr>
+              <a:t>UNIVERSITAS DIAN NUSWANTORO</a:t>
+            </a:r>
+          </a:p>
+          <a:p>
+            <a:pPr algn="ctr"/>
+            <a:r>
+              <a:rPr lang="en-US" sz="1600" b="1" dirty="0">
+                <a:latin typeface="Arial" panose="020B0604020202020204" pitchFamily="34" charset="0"/>
+                <a:cs typeface="Arial" panose="020B0604020202020204" pitchFamily="34" charset="0"/>
+              </a:rPr>
+              <a:t>SEMARANG</a:t>
+            </a:r>
+          </a:p>
+          <a:p>
+            <a:pPr algn="ctr"/>
+            <a:r>
+              <a:rPr lang="en-US" sz="1600" b="1" dirty="0">
+                <a:latin typeface="Arial" panose="020B0604020202020204" pitchFamily="34" charset="0"/>
+                <a:cs typeface="Arial" panose="020B0604020202020204" pitchFamily="34" charset="0"/>
+              </a:rPr>
+              <a:t>2022</a:t>
+            </a:r>
+            <a:endParaRPr lang="en-ID" sz="1600" b="1" dirty="0">
+              <a:latin typeface="Arial" panose="020B0604020202020204" pitchFamily="34" charset="0"/>
+              <a:cs typeface="Arial" panose="020B0604020202020204" pitchFamily="34" charset="0"/>
+            </a:endParaRPr>
+          </a:p>
+        </p:txBody>
+      </p:sp>
+    </p:spTree>
+    <p:extLst>
+      <p:ext uri="{BB962C8B-B14F-4D97-AF65-F5344CB8AC3E}">
+        <p14:creationId xmlns:p14="http://schemas.microsoft.com/office/powerpoint/2010/main" val="2505102128"/>
+      </p:ext>
+    </p:extLst>
+  </p:cSld>
+  <p:clrMapOvr>
+    <a:masterClrMapping/>
+  </p:clrMapOvr>
+  <mc:AlternateContent xmlns:mc="http://schemas.openxmlformats.org/markup-compatibility/2006">
+    <mc:Choice xmlns:p159="http://schemas.microsoft.com/office/powerpoint/2015/09/main" Requires="p159">
+      <p:transition xmlns:p14="http://schemas.microsoft.com/office/powerpoint/2010/main" spd="slow" p14:dur="2000">
+        <p159:morph option="byObject"/>
+      </p:transition>
+    </mc:Choice>
+    <mc:Fallback>
+      <p:transition spd="slow">
+        <p:fade/>
+      </p:transition>
+    </mc:Fallback>
+  </mc:AlternateContent>
+</p:sld>
+</file>
+
+<file path=ppt/slides/slide2.xml><?xml version="1.0" encoding="utf-8"?>
+<p:sld xmlns:a="http://schemas.openxmlformats.org/drawingml/2006/main" xmlns:r="http://schemas.openxmlformats.org/officeDocument/2006/relationships" xmlns:p="http://schemas.openxmlformats.org/presentationml/2006/main">
+  <p:cSld>
+    <p:spTree>
+      <p:nvGrpSpPr>
+        <p:cNvPr id="1" name=""/>
+        <p:cNvGrpSpPr/>
+        <p:nvPr/>
+      </p:nvGrpSpPr>
+      <p:grpSpPr>
+        <a:xfrm>
+          <a:off x="0" y="0"/>
+          <a:ext cx="0" cy="0"/>
+          <a:chOff x="0" y="0"/>
+          <a:chExt cx="0" cy="0"/>
+        </a:xfrm>
+      </p:grpSpPr>
+      <p:sp>
+        <p:nvSpPr>
+          <p:cNvPr id="2" name="TextBox 1">
+            <a:extLst>
+              <a:ext uri="{FF2B5EF4-FFF2-40B4-BE49-F238E27FC236}">
+                <a16:creationId xmlns:a16="http://schemas.microsoft.com/office/drawing/2014/main" id="{F5D344A1-39FE-052D-1B9C-3C500FCD5362}"/>
+              </a:ext>
+            </a:extLst>
+          </p:cNvPr>
+          <p:cNvSpPr txBox="1"/>
+          <p:nvPr/>
+        </p:nvSpPr>
+        <p:spPr>
+          <a:xfrm>
+            <a:off x="2522375" y="524445"/>
+            <a:ext cx="7147249" cy="458780"/>
+          </a:xfrm>
+          <a:prstGeom prst="rect">
+            <a:avLst/>
+          </a:prstGeom>
+          <a:noFill/>
+        </p:spPr>
+        <p:txBody>
+          <a:bodyPr wrap="square" rtlCol="0">
+            <a:spAutoFit/>
+          </a:bodyPr>
+          <a:lstStyle/>
+          <a:p>
+            <a:pPr algn="ctr">
+              <a:lnSpc>
+                <a:spcPct val="107000"/>
+              </a:lnSpc>
+              <a:spcAft>
+                <a:spcPts val="800"/>
+              </a:spcAft>
+            </a:pPr>
+            <a:r>
+              <a:rPr lang="en-US" sz="2400" b="1" spc="75" dirty="0">
+                <a:solidFill>
+                  <a:srgbClr val="000000"/>
+                </a:solidFill>
+                <a:latin typeface="Arial" panose="020B0604020202020204" pitchFamily="34" charset="0"/>
+                <a:ea typeface="Times New Roman" panose="02020603050405020304" pitchFamily="18" charset="0"/>
+                <a:cs typeface="Arial" panose="020B0604020202020204" pitchFamily="34" charset="0"/>
+              </a:rPr>
+              <a:t>PENDAHULUAN </a:t>
+            </a:r>
+            <a:endParaRPr lang="en-ID" sz="2400" spc="75" dirty="0">
+              <a:solidFill>
+                <a:srgbClr val="000000"/>
+              </a:solidFill>
+              <a:effectLst/>
+              <a:latin typeface="Arial" panose="020B0604020202020204" pitchFamily="34" charset="0"/>
+              <a:ea typeface="Times New Roman" panose="02020603050405020304" pitchFamily="18" charset="0"/>
+              <a:cs typeface="Arial" panose="020B0604020202020204" pitchFamily="34" charset="0"/>
+            </a:endParaRPr>
+          </a:p>
+        </p:txBody>
+      </p:sp>
+      <p:pic>
+        <p:nvPicPr>
+          <p:cNvPr id="3" name="Picture 2">
+            <a:extLst>
+              <a:ext uri="{FF2B5EF4-FFF2-40B4-BE49-F238E27FC236}">
+                <a16:creationId xmlns:a16="http://schemas.microsoft.com/office/drawing/2014/main" id="{7F066D29-7D8F-FA43-C481-2058A9CC61DC}"/>
+              </a:ext>
+            </a:extLst>
+          </p:cNvPr>
+          <p:cNvPicPr>
+            <a:picLocks noChangeAspect="1"/>
+          </p:cNvPicPr>
+          <p:nvPr/>
+        </p:nvPicPr>
+        <p:blipFill>
+          <a:blip r:embed="rId2">
+            <a:extLst>
+              <a:ext uri="{28A0092B-C50C-407E-A947-70E740481C1C}">
+                <a14:useLocalDpi xmlns:a14="http://schemas.microsoft.com/office/drawing/2010/main" val="0"/>
+              </a:ext>
+            </a:extLst>
+          </a:blip>
+          <a:stretch>
+            <a:fillRect/>
+          </a:stretch>
+        </p:blipFill>
+        <p:spPr>
+          <a:xfrm>
+            <a:off x="11161903" y="5812413"/>
+            <a:ext cx="922432" cy="922432"/>
+          </a:xfrm>
+          <a:prstGeom prst="rect">
+            <a:avLst/>
+          </a:prstGeom>
+        </p:spPr>
+      </p:pic>
+      <p:grpSp>
+        <p:nvGrpSpPr>
+          <p:cNvPr id="33" name="Group 32">
+            <a:extLst>
+              <a:ext uri="{FF2B5EF4-FFF2-40B4-BE49-F238E27FC236}">
+                <a16:creationId xmlns:a16="http://schemas.microsoft.com/office/drawing/2014/main" id="{48DFBA83-4922-1EFC-D665-FF2EE4EE71F9}"/>
+              </a:ext>
+            </a:extLst>
+          </p:cNvPr>
+          <p:cNvGrpSpPr/>
+          <p:nvPr/>
+        </p:nvGrpSpPr>
+        <p:grpSpPr>
+          <a:xfrm>
+            <a:off x="5016206" y="2468956"/>
+            <a:ext cx="2159584" cy="2055880"/>
+            <a:chOff x="5016206" y="2468956"/>
+            <a:chExt cx="2159584" cy="2055880"/>
+          </a:xfrm>
+        </p:grpSpPr>
+        <p:pic>
+          <p:nvPicPr>
+            <p:cNvPr id="6" name="Picture 5">
+              <a:extLst>
+                <a:ext uri="{FF2B5EF4-FFF2-40B4-BE49-F238E27FC236}">
+                  <a16:creationId xmlns:a16="http://schemas.microsoft.com/office/drawing/2014/main" id="{15F557CE-6190-BFB9-7215-5AD03DE330DD}"/>
+                </a:ext>
+              </a:extLst>
+            </p:cNvPr>
+            <p:cNvPicPr>
+              <a:picLocks noChangeAspect="1"/>
+            </p:cNvPicPr>
+            <p:nvPr/>
+          </p:nvPicPr>
+          <p:blipFill>
+            <a:blip r:embed="rId3">
+              <a:biLevel thresh="75000"/>
+              <a:extLst>
+                <a:ext uri="{BEBA8EAE-BF5A-486C-A8C5-ECC9F3942E4B}">
+                  <a14:imgProps xmlns:a14="http://schemas.microsoft.com/office/drawing/2010/main">
+                    <a14:imgLayer r:embed="rId4">
+                      <a14:imgEffect>
+                        <a14:sharpenSoften amount="50000"/>
+                      </a14:imgEffect>
+                    </a14:imgLayer>
+                  </a14:imgProps>
+                </a:ext>
+                <a:ext uri="{28A0092B-C50C-407E-A947-70E740481C1C}">
+                  <a14:useLocalDpi xmlns:a14="http://schemas.microsoft.com/office/drawing/2010/main" val="0"/>
+                </a:ext>
+              </a:extLst>
+            </a:blip>
+            <a:stretch>
+              <a:fillRect/>
+            </a:stretch>
+          </p:blipFill>
+          <p:spPr>
+            <a:xfrm>
+              <a:off x="5135954" y="2468956"/>
+              <a:ext cx="1920088" cy="1920088"/>
+            </a:xfrm>
+            <a:prstGeom prst="rect">
+              <a:avLst/>
+            </a:prstGeom>
+          </p:spPr>
+        </p:pic>
+        <p:sp>
+          <p:nvSpPr>
+            <p:cNvPr id="7" name="TextBox 6">
+              <a:extLst>
+                <a:ext uri="{FF2B5EF4-FFF2-40B4-BE49-F238E27FC236}">
+                  <a16:creationId xmlns:a16="http://schemas.microsoft.com/office/drawing/2014/main" id="{2D71416F-E789-3D69-3D49-D1DB8F6C300C}"/>
+                </a:ext>
+              </a:extLst>
+            </p:cNvPr>
+            <p:cNvSpPr txBox="1"/>
+            <p:nvPr/>
+          </p:nvSpPr>
+          <p:spPr>
+            <a:xfrm>
+              <a:off x="5016206" y="4186282"/>
+              <a:ext cx="2159584" cy="338554"/>
+            </a:xfrm>
+            <a:prstGeom prst="rect">
+              <a:avLst/>
+            </a:prstGeom>
+            <a:noFill/>
+          </p:spPr>
+          <p:txBody>
+            <a:bodyPr wrap="square" rtlCol="0">
+              <a:spAutoFit/>
+            </a:bodyPr>
+            <a:lstStyle/>
+            <a:p>
+              <a:r>
+                <a:rPr lang="en-US" sz="1600" b="1" dirty="0" err="1">
+                  <a:latin typeface="Arial" panose="020B0604020202020204" pitchFamily="34" charset="0"/>
+                  <a:cs typeface="Arial" panose="020B0604020202020204" pitchFamily="34" charset="0"/>
+                </a:rPr>
+                <a:t>Balai</a:t>
+              </a:r>
+              <a:r>
+                <a:rPr lang="en-US" sz="1600" b="1" dirty="0">
+                  <a:latin typeface="Arial" panose="020B0604020202020204" pitchFamily="34" charset="0"/>
+                  <a:cs typeface="Arial" panose="020B0604020202020204" pitchFamily="34" charset="0"/>
+                </a:rPr>
+                <a:t> </a:t>
+              </a:r>
+              <a:r>
+                <a:rPr lang="en-US" sz="1600" b="1" dirty="0" err="1">
+                  <a:latin typeface="Arial" panose="020B0604020202020204" pitchFamily="34" charset="0"/>
+                  <a:cs typeface="Arial" panose="020B0604020202020204" pitchFamily="34" charset="0"/>
+                </a:rPr>
+                <a:t>Desa</a:t>
+              </a:r>
+              <a:r>
+                <a:rPr lang="en-US" sz="1600" b="1" dirty="0">
+                  <a:latin typeface="Arial" panose="020B0604020202020204" pitchFamily="34" charset="0"/>
+                  <a:cs typeface="Arial" panose="020B0604020202020204" pitchFamily="34" charset="0"/>
+                </a:rPr>
+                <a:t> </a:t>
+              </a:r>
+              <a:r>
+                <a:rPr lang="en-US" sz="1600" b="1" dirty="0" err="1">
+                  <a:latin typeface="Arial" panose="020B0604020202020204" pitchFamily="34" charset="0"/>
+                  <a:cs typeface="Arial" panose="020B0604020202020204" pitchFamily="34" charset="0"/>
+                </a:rPr>
+                <a:t>Warureja</a:t>
+              </a:r>
+              <a:endParaRPr lang="en-ID" sz="1600" b="1" dirty="0">
+                <a:latin typeface="Arial" panose="020B0604020202020204" pitchFamily="34" charset="0"/>
+                <a:cs typeface="Arial" panose="020B0604020202020204" pitchFamily="34" charset="0"/>
+              </a:endParaRPr>
+            </a:p>
+          </p:txBody>
+        </p:sp>
+      </p:grpSp>
+      <p:grpSp>
+        <p:nvGrpSpPr>
+          <p:cNvPr id="29" name="Group 28">
+            <a:extLst>
+              <a:ext uri="{FF2B5EF4-FFF2-40B4-BE49-F238E27FC236}">
+                <a16:creationId xmlns:a16="http://schemas.microsoft.com/office/drawing/2014/main" id="{7052B79E-4D10-029F-7E4A-1D39EE60254D}"/>
+              </a:ext>
+            </a:extLst>
+          </p:cNvPr>
+          <p:cNvGrpSpPr/>
+          <p:nvPr/>
+        </p:nvGrpSpPr>
+        <p:grpSpPr>
+          <a:xfrm>
+            <a:off x="2493018" y="2468956"/>
+            <a:ext cx="2705425" cy="1233750"/>
+            <a:chOff x="2493018" y="2468956"/>
+            <a:chExt cx="2705425" cy="1233750"/>
+          </a:xfrm>
+        </p:grpSpPr>
+        <p:pic>
+          <p:nvPicPr>
+            <p:cNvPr id="17" name="Picture 16">
+              <a:extLst>
+                <a:ext uri="{FF2B5EF4-FFF2-40B4-BE49-F238E27FC236}">
+                  <a16:creationId xmlns:a16="http://schemas.microsoft.com/office/drawing/2014/main" id="{65A0A2C1-7C0A-A32C-7379-F8A6FA1EDC73}"/>
+                </a:ext>
+              </a:extLst>
+            </p:cNvPr>
+            <p:cNvPicPr>
+              <a:picLocks noChangeAspect="1"/>
+            </p:cNvPicPr>
+            <p:nvPr/>
+          </p:nvPicPr>
+          <p:blipFill>
+            <a:blip r:embed="rId5">
+              <a:extLst>
+                <a:ext uri="{28A0092B-C50C-407E-A947-70E740481C1C}">
+                  <a14:useLocalDpi xmlns:a14="http://schemas.microsoft.com/office/drawing/2010/main" val="0"/>
+                </a:ext>
+              </a:extLst>
+            </a:blip>
+            <a:stretch>
+              <a:fillRect/>
+            </a:stretch>
+          </p:blipFill>
+          <p:spPr>
+            <a:xfrm rot="14933640">
+              <a:off x="4009723" y="2513986"/>
+              <a:ext cx="1188720" cy="1188720"/>
+            </a:xfrm>
+            <a:prstGeom prst="rect">
+              <a:avLst/>
+            </a:prstGeom>
+          </p:spPr>
+        </p:pic>
+        <p:sp>
+          <p:nvSpPr>
+            <p:cNvPr id="18" name="TextBox 17">
+              <a:extLst>
+                <a:ext uri="{FF2B5EF4-FFF2-40B4-BE49-F238E27FC236}">
+                  <a16:creationId xmlns:a16="http://schemas.microsoft.com/office/drawing/2014/main" id="{AA897424-5653-1845-F8D3-0A373523AFBB}"/>
+                </a:ext>
+              </a:extLst>
+            </p:cNvPr>
+            <p:cNvSpPr txBox="1"/>
+            <p:nvPr/>
+          </p:nvSpPr>
+          <p:spPr>
+            <a:xfrm>
+              <a:off x="2493018" y="2468956"/>
+              <a:ext cx="1679486" cy="338554"/>
+            </a:xfrm>
+            <a:prstGeom prst="rect">
+              <a:avLst/>
+            </a:prstGeom>
+            <a:noFill/>
+          </p:spPr>
+          <p:txBody>
+            <a:bodyPr wrap="square" rtlCol="0">
+              <a:spAutoFit/>
+            </a:bodyPr>
+            <a:lstStyle/>
+            <a:p>
+              <a:pPr algn="ctr"/>
+              <a:r>
+                <a:rPr lang="en-US" sz="1600" dirty="0" err="1">
+                  <a:latin typeface="Arial" panose="020B0604020202020204" pitchFamily="34" charset="0"/>
+                  <a:cs typeface="Arial" panose="020B0604020202020204" pitchFamily="34" charset="0"/>
+                </a:rPr>
+                <a:t>Konvensional</a:t>
+              </a:r>
+              <a:r>
+                <a:rPr lang="en-US" sz="1600" dirty="0">
+                  <a:latin typeface="Arial" panose="020B0604020202020204" pitchFamily="34" charset="0"/>
+                  <a:cs typeface="Arial" panose="020B0604020202020204" pitchFamily="34" charset="0"/>
+                </a:rPr>
+                <a:t> </a:t>
+              </a:r>
+              <a:endParaRPr lang="en-ID" sz="1600" dirty="0">
+                <a:latin typeface="Arial" panose="020B0604020202020204" pitchFamily="34" charset="0"/>
+                <a:cs typeface="Arial" panose="020B0604020202020204" pitchFamily="34" charset="0"/>
+              </a:endParaRPr>
+            </a:p>
+          </p:txBody>
+        </p:sp>
+      </p:grpSp>
+      <p:grpSp>
+        <p:nvGrpSpPr>
+          <p:cNvPr id="30" name="Group 29">
+            <a:extLst>
+              <a:ext uri="{FF2B5EF4-FFF2-40B4-BE49-F238E27FC236}">
+                <a16:creationId xmlns:a16="http://schemas.microsoft.com/office/drawing/2014/main" id="{80E043C7-4455-335F-B435-E771F00BD011}"/>
+              </a:ext>
+            </a:extLst>
+          </p:cNvPr>
+          <p:cNvGrpSpPr/>
+          <p:nvPr/>
+        </p:nvGrpSpPr>
+        <p:grpSpPr>
+          <a:xfrm>
+            <a:off x="2543921" y="3312053"/>
+            <a:ext cx="2739848" cy="1323212"/>
+            <a:chOff x="2543921" y="3312053"/>
+            <a:chExt cx="2739848" cy="1323212"/>
+          </a:xfrm>
+        </p:grpSpPr>
+        <p:pic>
+          <p:nvPicPr>
+            <p:cNvPr id="19" name="Picture 18">
+              <a:extLst>
+                <a:ext uri="{FF2B5EF4-FFF2-40B4-BE49-F238E27FC236}">
+                  <a16:creationId xmlns:a16="http://schemas.microsoft.com/office/drawing/2014/main" id="{4E2F812B-FFE7-C35F-40A7-7B95CE2E2576}"/>
+                </a:ext>
+              </a:extLst>
+            </p:cNvPr>
+            <p:cNvPicPr>
+              <a:picLocks noChangeAspect="1"/>
+            </p:cNvPicPr>
+            <p:nvPr/>
+          </p:nvPicPr>
+          <p:blipFill>
+            <a:blip r:embed="rId5">
+              <a:extLst>
+                <a:ext uri="{28A0092B-C50C-407E-A947-70E740481C1C}">
+                  <a14:useLocalDpi xmlns:a14="http://schemas.microsoft.com/office/drawing/2010/main" val="0"/>
+                </a:ext>
+              </a:extLst>
+            </a:blip>
+            <a:stretch>
+              <a:fillRect/>
+            </a:stretch>
+          </p:blipFill>
+          <p:spPr>
+            <a:xfrm rot="11750969">
+              <a:off x="4095049" y="3312053"/>
+              <a:ext cx="1188720" cy="1188720"/>
+            </a:xfrm>
+            <a:prstGeom prst="rect">
+              <a:avLst/>
+            </a:prstGeom>
+          </p:spPr>
+        </p:pic>
+        <p:sp>
+          <p:nvSpPr>
+            <p:cNvPr id="20" name="TextBox 19">
+              <a:extLst>
+                <a:ext uri="{FF2B5EF4-FFF2-40B4-BE49-F238E27FC236}">
+                  <a16:creationId xmlns:a16="http://schemas.microsoft.com/office/drawing/2014/main" id="{EC6E8821-B9CC-A032-BB61-AF2547FD0FB9}"/>
+                </a:ext>
+              </a:extLst>
+            </p:cNvPr>
+            <p:cNvSpPr txBox="1"/>
+            <p:nvPr/>
+          </p:nvSpPr>
+          <p:spPr>
+            <a:xfrm>
+              <a:off x="2543921" y="4050490"/>
+              <a:ext cx="1679486" cy="584775"/>
+            </a:xfrm>
+            <a:prstGeom prst="rect">
+              <a:avLst/>
+            </a:prstGeom>
+            <a:noFill/>
+          </p:spPr>
+          <p:txBody>
+            <a:bodyPr wrap="square" rtlCol="0">
+              <a:spAutoFit/>
+            </a:bodyPr>
+            <a:lstStyle/>
+            <a:p>
+              <a:pPr algn="ctr"/>
+              <a:r>
+                <a:rPr lang="en-US" sz="1600" dirty="0" err="1">
+                  <a:latin typeface="Arial" panose="020B0604020202020204" pitchFamily="34" charset="0"/>
+                  <a:cs typeface="Arial" panose="020B0604020202020204" pitchFamily="34" charset="0"/>
+                </a:rPr>
+                <a:t>Rekapitulasi</a:t>
+              </a:r>
+              <a:r>
+                <a:rPr lang="en-US" sz="1600" dirty="0">
+                  <a:latin typeface="Arial" panose="020B0604020202020204" pitchFamily="34" charset="0"/>
+                  <a:cs typeface="Arial" panose="020B0604020202020204" pitchFamily="34" charset="0"/>
+                </a:rPr>
+                <a:t> </a:t>
+              </a:r>
+              <a:r>
+                <a:rPr lang="en-US" sz="1600" dirty="0" err="1">
+                  <a:latin typeface="Arial" panose="020B0604020202020204" pitchFamily="34" charset="0"/>
+                  <a:cs typeface="Arial" panose="020B0604020202020204" pitchFamily="34" charset="0"/>
+                </a:rPr>
+                <a:t>presensi</a:t>
+              </a:r>
+              <a:endParaRPr lang="en-ID" sz="1600" dirty="0">
+                <a:latin typeface="Arial" panose="020B0604020202020204" pitchFamily="34" charset="0"/>
+                <a:cs typeface="Arial" panose="020B0604020202020204" pitchFamily="34" charset="0"/>
+              </a:endParaRPr>
+            </a:p>
+          </p:txBody>
+        </p:sp>
+      </p:grpSp>
+      <p:grpSp>
+        <p:nvGrpSpPr>
+          <p:cNvPr id="24" name="Group 23">
+            <a:extLst>
+              <a:ext uri="{FF2B5EF4-FFF2-40B4-BE49-F238E27FC236}">
+                <a16:creationId xmlns:a16="http://schemas.microsoft.com/office/drawing/2014/main" id="{E2558761-0DE3-B41A-E383-AB9F823A1150}"/>
+              </a:ext>
+            </a:extLst>
+          </p:cNvPr>
+          <p:cNvGrpSpPr/>
+          <p:nvPr/>
+        </p:nvGrpSpPr>
+        <p:grpSpPr>
+          <a:xfrm>
+            <a:off x="5016206" y="1412236"/>
+            <a:ext cx="2159584" cy="1288315"/>
+            <a:chOff x="5016206" y="1418764"/>
+            <a:chExt cx="2159584" cy="1288315"/>
+          </a:xfrm>
+        </p:grpSpPr>
+        <p:pic>
+          <p:nvPicPr>
+            <p:cNvPr id="12" name="Picture 11">
+              <a:extLst>
+                <a:ext uri="{FF2B5EF4-FFF2-40B4-BE49-F238E27FC236}">
+                  <a16:creationId xmlns:a16="http://schemas.microsoft.com/office/drawing/2014/main" id="{DBB53589-0DAD-53CC-619F-A15C87246931}"/>
+                </a:ext>
+              </a:extLst>
+            </p:cNvPr>
+            <p:cNvPicPr>
+              <a:picLocks noChangeAspect="1"/>
+            </p:cNvPicPr>
+            <p:nvPr/>
+          </p:nvPicPr>
+          <p:blipFill>
+            <a:blip r:embed="rId6">
+              <a:extLst>
+                <a:ext uri="{BEBA8EAE-BF5A-486C-A8C5-ECC9F3942E4B}">
+                  <a14:imgProps xmlns:a14="http://schemas.microsoft.com/office/drawing/2010/main">
+                    <a14:imgLayer r:embed="rId7">
+                      <a14:imgEffect>
+                        <a14:sharpenSoften amount="50000"/>
+                      </a14:imgEffect>
+                    </a14:imgLayer>
+                  </a14:imgProps>
+                </a:ext>
+                <a:ext uri="{28A0092B-C50C-407E-A947-70E740481C1C}">
+                  <a14:useLocalDpi xmlns:a14="http://schemas.microsoft.com/office/drawing/2010/main" val="0"/>
+                </a:ext>
+              </a:extLst>
+            </a:blip>
+            <a:stretch>
+              <a:fillRect/>
+            </a:stretch>
+          </p:blipFill>
+          <p:spPr>
+            <a:xfrm>
+              <a:off x="5638798" y="1418764"/>
+              <a:ext cx="914400" cy="914400"/>
+            </a:xfrm>
+            <a:prstGeom prst="rect">
+              <a:avLst/>
+            </a:prstGeom>
+          </p:spPr>
+        </p:pic>
+        <p:sp>
+          <p:nvSpPr>
+            <p:cNvPr id="23" name="TextBox 22">
+              <a:extLst>
+                <a:ext uri="{FF2B5EF4-FFF2-40B4-BE49-F238E27FC236}">
+                  <a16:creationId xmlns:a16="http://schemas.microsoft.com/office/drawing/2014/main" id="{AB844ACD-1540-B1DD-9DFC-F21425A2E70C}"/>
+                </a:ext>
+              </a:extLst>
+            </p:cNvPr>
+            <p:cNvSpPr txBox="1"/>
+            <p:nvPr/>
+          </p:nvSpPr>
+          <p:spPr>
+            <a:xfrm>
+              <a:off x="5016206" y="2368525"/>
+              <a:ext cx="2159584" cy="338554"/>
+            </a:xfrm>
+            <a:prstGeom prst="rect">
+              <a:avLst/>
+            </a:prstGeom>
+            <a:noFill/>
+          </p:spPr>
+          <p:txBody>
+            <a:bodyPr wrap="square" rtlCol="0">
+              <a:spAutoFit/>
+            </a:bodyPr>
+            <a:lstStyle/>
+            <a:p>
+              <a:pPr algn="ctr"/>
+              <a:r>
+                <a:rPr lang="en-US" sz="1600" b="1" dirty="0">
+                  <a:solidFill>
+                    <a:srgbClr val="F2472C"/>
+                  </a:solidFill>
+                  <a:latin typeface="Arial" panose="020B0604020202020204" pitchFamily="34" charset="0"/>
+                  <a:cs typeface="Arial" panose="020B0604020202020204" pitchFamily="34" charset="0"/>
+                </a:rPr>
+                <a:t>PRESENSI</a:t>
+              </a:r>
+              <a:endParaRPr lang="en-ID" sz="1600" b="1" dirty="0">
+                <a:solidFill>
+                  <a:srgbClr val="F2472C"/>
+                </a:solidFill>
+                <a:latin typeface="Arial" panose="020B0604020202020204" pitchFamily="34" charset="0"/>
+                <a:cs typeface="Arial" panose="020B0604020202020204" pitchFamily="34" charset="0"/>
+              </a:endParaRPr>
+            </a:p>
+          </p:txBody>
+        </p:sp>
+      </p:grpSp>
+      <p:grpSp>
+        <p:nvGrpSpPr>
+          <p:cNvPr id="31" name="Group 30">
+            <a:extLst>
+              <a:ext uri="{FF2B5EF4-FFF2-40B4-BE49-F238E27FC236}">
+                <a16:creationId xmlns:a16="http://schemas.microsoft.com/office/drawing/2014/main" id="{37CDC83C-B9A9-9FB8-2676-3AF8FAC68277}"/>
+              </a:ext>
+            </a:extLst>
+          </p:cNvPr>
+          <p:cNvGrpSpPr/>
+          <p:nvPr/>
+        </p:nvGrpSpPr>
+        <p:grpSpPr>
+          <a:xfrm>
+            <a:off x="6983465" y="3312053"/>
+            <a:ext cx="2932699" cy="1188720"/>
+            <a:chOff x="6983465" y="3312053"/>
+            <a:chExt cx="2932699" cy="1188720"/>
+          </a:xfrm>
+        </p:grpSpPr>
+        <p:pic>
+          <p:nvPicPr>
+            <p:cNvPr id="25" name="Picture 24">
+              <a:extLst>
+                <a:ext uri="{FF2B5EF4-FFF2-40B4-BE49-F238E27FC236}">
+                  <a16:creationId xmlns:a16="http://schemas.microsoft.com/office/drawing/2014/main" id="{37337C13-F79C-F459-4D3D-06B26A65448F}"/>
+                </a:ext>
+              </a:extLst>
+            </p:cNvPr>
+            <p:cNvPicPr>
+              <a:picLocks noChangeAspect="1"/>
+            </p:cNvPicPr>
+            <p:nvPr/>
+          </p:nvPicPr>
+          <p:blipFill>
+            <a:blip r:embed="rId5">
+              <a:extLst>
+                <a:ext uri="{28A0092B-C50C-407E-A947-70E740481C1C}">
+                  <a14:useLocalDpi xmlns:a14="http://schemas.microsoft.com/office/drawing/2010/main" val="0"/>
+                </a:ext>
+              </a:extLst>
+            </a:blip>
+            <a:stretch>
+              <a:fillRect/>
+            </a:stretch>
+          </p:blipFill>
+          <p:spPr>
+            <a:xfrm rot="4042613">
+              <a:off x="6983465" y="3312053"/>
+              <a:ext cx="1188720" cy="1188720"/>
+            </a:xfrm>
+            <a:prstGeom prst="rect">
+              <a:avLst/>
+            </a:prstGeom>
+          </p:spPr>
+        </p:pic>
+        <p:sp>
+          <p:nvSpPr>
+            <p:cNvPr id="26" name="TextBox 25">
+              <a:extLst>
+                <a:ext uri="{FF2B5EF4-FFF2-40B4-BE49-F238E27FC236}">
+                  <a16:creationId xmlns:a16="http://schemas.microsoft.com/office/drawing/2014/main" id="{D6CB32D7-CF1B-EE3A-152F-BEE7EA4660FD}"/>
+                </a:ext>
+              </a:extLst>
+            </p:cNvPr>
+            <p:cNvSpPr txBox="1"/>
+            <p:nvPr/>
+          </p:nvSpPr>
+          <p:spPr>
+            <a:xfrm>
+              <a:off x="8236678" y="4023073"/>
+              <a:ext cx="1679486" cy="338554"/>
+            </a:xfrm>
+            <a:prstGeom prst="rect">
+              <a:avLst/>
+            </a:prstGeom>
+            <a:noFill/>
+          </p:spPr>
+          <p:txBody>
+            <a:bodyPr wrap="square" rtlCol="0">
+              <a:spAutoFit/>
+            </a:bodyPr>
+            <a:lstStyle/>
+            <a:p>
+              <a:pPr algn="ctr"/>
+              <a:r>
+                <a:rPr lang="en-US" sz="1600" dirty="0" err="1">
+                  <a:latin typeface="Arial" panose="020B0604020202020204" pitchFamily="34" charset="0"/>
+                  <a:cs typeface="Arial" panose="020B0604020202020204" pitchFamily="34" charset="0"/>
+                </a:rPr>
+                <a:t>kedisplinan</a:t>
+              </a:r>
+              <a:endParaRPr lang="en-ID" sz="1600" dirty="0">
+                <a:latin typeface="Arial" panose="020B0604020202020204" pitchFamily="34" charset="0"/>
+                <a:cs typeface="Arial" panose="020B0604020202020204" pitchFamily="34" charset="0"/>
+              </a:endParaRPr>
+            </a:p>
+          </p:txBody>
+        </p:sp>
+      </p:grpSp>
+      <p:grpSp>
+        <p:nvGrpSpPr>
+          <p:cNvPr id="32" name="Group 31">
+            <a:extLst>
+              <a:ext uri="{FF2B5EF4-FFF2-40B4-BE49-F238E27FC236}">
+                <a16:creationId xmlns:a16="http://schemas.microsoft.com/office/drawing/2014/main" id="{C0EEB66A-4A19-43C6-E172-70E32A9FC269}"/>
+              </a:ext>
+            </a:extLst>
+          </p:cNvPr>
+          <p:cNvGrpSpPr/>
+          <p:nvPr/>
+        </p:nvGrpSpPr>
+        <p:grpSpPr>
+          <a:xfrm>
+            <a:off x="7029832" y="2577963"/>
+            <a:ext cx="2886332" cy="1188720"/>
+            <a:chOff x="7029832" y="2577963"/>
+            <a:chExt cx="2886332" cy="1188720"/>
+          </a:xfrm>
+        </p:grpSpPr>
+        <p:pic>
+          <p:nvPicPr>
+            <p:cNvPr id="27" name="Picture 26">
+              <a:extLst>
+                <a:ext uri="{FF2B5EF4-FFF2-40B4-BE49-F238E27FC236}">
+                  <a16:creationId xmlns:a16="http://schemas.microsoft.com/office/drawing/2014/main" id="{8DF2A185-D50F-F04C-9DA9-26DBD379C8DA}"/>
+                </a:ext>
+              </a:extLst>
+            </p:cNvPr>
+            <p:cNvPicPr>
+              <a:picLocks noChangeAspect="1"/>
+            </p:cNvPicPr>
+            <p:nvPr/>
+          </p:nvPicPr>
+          <p:blipFill>
+            <a:blip r:embed="rId5">
+              <a:extLst>
+                <a:ext uri="{28A0092B-C50C-407E-A947-70E740481C1C}">
+                  <a14:useLocalDpi xmlns:a14="http://schemas.microsoft.com/office/drawing/2010/main" val="0"/>
+                </a:ext>
+              </a:extLst>
+            </a:blip>
+            <a:stretch>
+              <a:fillRect/>
+            </a:stretch>
+          </p:blipFill>
+          <p:spPr>
+            <a:xfrm rot="1166516">
+              <a:off x="7029832" y="2577963"/>
+              <a:ext cx="1188720" cy="1188720"/>
+            </a:xfrm>
+            <a:prstGeom prst="rect">
+              <a:avLst/>
+            </a:prstGeom>
+          </p:spPr>
+        </p:pic>
+        <p:sp>
+          <p:nvSpPr>
+            <p:cNvPr id="28" name="TextBox 27">
+              <a:extLst>
+                <a:ext uri="{FF2B5EF4-FFF2-40B4-BE49-F238E27FC236}">
+                  <a16:creationId xmlns:a16="http://schemas.microsoft.com/office/drawing/2014/main" id="{2729F611-AA94-C24B-F508-AC4AD3A323CD}"/>
+                </a:ext>
+              </a:extLst>
+            </p:cNvPr>
+            <p:cNvSpPr txBox="1"/>
+            <p:nvPr/>
+          </p:nvSpPr>
+          <p:spPr>
+            <a:xfrm>
+              <a:off x="8236678" y="2764589"/>
+              <a:ext cx="1679486" cy="584775"/>
+            </a:xfrm>
+            <a:prstGeom prst="rect">
+              <a:avLst/>
+            </a:prstGeom>
+            <a:noFill/>
+          </p:spPr>
+          <p:txBody>
+            <a:bodyPr wrap="square" rtlCol="0">
+              <a:spAutoFit/>
+            </a:bodyPr>
+            <a:lstStyle/>
+            <a:p>
+              <a:pPr algn="ctr"/>
+              <a:r>
+                <a:rPr lang="en-US" sz="1600" dirty="0" err="1">
+                  <a:latin typeface="Arial" panose="020B0604020202020204" pitchFamily="34" charset="0"/>
+                  <a:cs typeface="Arial" panose="020B0604020202020204" pitchFamily="34" charset="0"/>
+                </a:rPr>
+                <a:t>Pengambilan</a:t>
+              </a:r>
+              <a:r>
+                <a:rPr lang="en-US" sz="1600" dirty="0">
+                  <a:latin typeface="Arial" panose="020B0604020202020204" pitchFamily="34" charset="0"/>
+                  <a:cs typeface="Arial" panose="020B0604020202020204" pitchFamily="34" charset="0"/>
+                </a:rPr>
+                <a:t> </a:t>
+              </a:r>
+              <a:r>
+                <a:rPr lang="en-US" sz="1600" dirty="0" err="1">
+                  <a:latin typeface="Arial" panose="020B0604020202020204" pitchFamily="34" charset="0"/>
+                  <a:cs typeface="Arial" panose="020B0604020202020204" pitchFamily="34" charset="0"/>
+                </a:rPr>
+                <a:t>keputusan</a:t>
+              </a:r>
+              <a:r>
+                <a:rPr lang="en-US" sz="1600" dirty="0">
+                  <a:latin typeface="Arial" panose="020B0604020202020204" pitchFamily="34" charset="0"/>
+                  <a:cs typeface="Arial" panose="020B0604020202020204" pitchFamily="34" charset="0"/>
+                </a:rPr>
+                <a:t> </a:t>
+              </a:r>
+              <a:endParaRPr lang="en-ID" sz="1600" dirty="0">
+                <a:latin typeface="Arial" panose="020B0604020202020204" pitchFamily="34" charset="0"/>
+                <a:cs typeface="Arial" panose="020B0604020202020204" pitchFamily="34" charset="0"/>
+              </a:endParaRPr>
+            </a:p>
+          </p:txBody>
+        </p:sp>
+      </p:grpSp>
+    </p:spTree>
+    <p:extLst>
+      <p:ext uri="{BB962C8B-B14F-4D97-AF65-F5344CB8AC3E}">
+        <p14:creationId xmlns:p14="http://schemas.microsoft.com/office/powerpoint/2010/main" val="3311337874"/>
+      </p:ext>
+    </p:extLst>
+  </p:cSld>
+  <p:clrMapOvr>
+    <a:masterClrMapping/>
+  </p:clrMapOvr>
+  <mc:AlternateContent xmlns:mc="http://schemas.openxmlformats.org/markup-compatibility/2006">
+    <mc:Choice xmlns:p159="http://schemas.microsoft.com/office/powerpoint/2015/09/main" Requires="p159">
+      <p:transition xmlns:p14="http://schemas.microsoft.com/office/powerpoint/2010/main" spd="slow" p14:dur="2000">
+        <p159:morph option="byObject"/>
+      </p:transition>
+    </mc:Choice>
+    <mc:Fallback>
+      <p:transition spd="slow">
+        <p:fade/>
+      </p:transition>
+    </mc:Fallback>
+  </mc:AlternateContent>
+  <p:timing>
+    <p:tnLst>
+      <p:par>
+        <p:cTn id="1" dur="indefinite" restart="never" nodeType="tmRoot">
+          <p:childTnLst>
+            <p:seq concurrent="1" nextAc="seek">
+              <p:cTn id="2" dur="indefinite" nodeType="mainSeq">
+                <p:childTnLst>
+                  <p:par>
+                    <p:cTn id="3" fill="hold">
+                      <p:stCondLst>
+                        <p:cond delay="indefinite"/>
+                      </p:stCondLst>
+                      <p:childTnLst>
+                        <p:par>
+                          <p:cTn id="4" fill="hold">
+                            <p:stCondLst>
+                              <p:cond delay="0"/>
+                            </p:stCondLst>
+                            <p:childTnLst>
+                              <p:par>
+                                <p:cTn id="5" presetID="42" presetClass="entr" presetSubtype="0" fill="hold" nodeType="clickEffect">
+                                  <p:stCondLst>
+                                    <p:cond delay="0"/>
+                                  </p:stCondLst>
+                                  <p:childTnLst>
+                                    <p:set>
+                                      <p:cBhvr>
+                                        <p:cTn id="6" dur="1" fill="hold">
+                                          <p:stCondLst>
+                                            <p:cond delay="0"/>
+                                          </p:stCondLst>
+                                        </p:cTn>
+                                        <p:tgtEl>
+                                          <p:spTgt spid="24"/>
+                                        </p:tgtEl>
+                                        <p:attrNameLst>
+                                          <p:attrName>style.visibility</p:attrName>
+                                        </p:attrNameLst>
+                                      </p:cBhvr>
+                                      <p:to>
+                                        <p:strVal val="visible"/>
+                                      </p:to>
+                                    </p:set>
+                                    <p:animEffect transition="in" filter="fade">
+                                      <p:cBhvr>
+                                        <p:cTn id="7" dur="1000"/>
+                                        <p:tgtEl>
+                                          <p:spTgt spid="24"/>
+                                        </p:tgtEl>
+                                      </p:cBhvr>
+                                    </p:animEffect>
+                                    <p:anim calcmode="lin" valueType="num">
+                                      <p:cBhvr>
+                                        <p:cTn id="8" dur="1000" fill="hold"/>
+                                        <p:tgtEl>
+                                          <p:spTgt spid="24"/>
+                                        </p:tgtEl>
+                                        <p:attrNameLst>
+                                          <p:attrName>ppt_x</p:attrName>
+                                        </p:attrNameLst>
+                                      </p:cBhvr>
+                                      <p:tavLst>
+                                        <p:tav tm="0">
+                                          <p:val>
+                                            <p:strVal val="#ppt_x"/>
+                                          </p:val>
+                                        </p:tav>
+                                        <p:tav tm="100000">
+                                          <p:val>
+                                            <p:strVal val="#ppt_x"/>
+                                          </p:val>
+                                        </p:tav>
+                                      </p:tavLst>
+                                    </p:anim>
+                                    <p:anim calcmode="lin" valueType="num">
+                                      <p:cBhvr>
+                                        <p:cTn id="9" dur="1000" fill="hold"/>
+                                        <p:tgtEl>
+                                          <p:spTgt spid="24"/>
+                                        </p:tgtEl>
+                                        <p:attrNameLst>
+                                          <p:attrName>ppt_y</p:attrName>
+                                        </p:attrNameLst>
+                                      </p:cBhvr>
+                                      <p:tavLst>
+                                        <p:tav tm="0">
+                                          <p:val>
+                                            <p:strVal val="#ppt_y+.1"/>
+                                          </p:val>
+                                        </p:tav>
+                                        <p:tav tm="100000">
+                                          <p:val>
+                                            <p:strVal val="#ppt_y"/>
+                                          </p:val>
+                                        </p:tav>
+                                      </p:tavLst>
+                                    </p:anim>
+                                  </p:childTnLst>
+                                </p:cTn>
+                              </p:par>
+                            </p:childTnLst>
+                          </p:cTn>
+                        </p:par>
+                      </p:childTnLst>
+                    </p:cTn>
+                  </p:par>
+                  <p:par>
+                    <p:cTn id="10" fill="hold">
+                      <p:stCondLst>
+                        <p:cond delay="indefinite"/>
+                      </p:stCondLst>
+                      <p:childTnLst>
+                        <p:par>
+                          <p:cTn id="11" fill="hold">
+                            <p:stCondLst>
+                              <p:cond delay="0"/>
+                            </p:stCondLst>
+                            <p:childTnLst>
+                              <p:par>
+                                <p:cTn id="12" presetID="10" presetClass="entr" presetSubtype="0" fill="hold" nodeType="clickEffect">
+                                  <p:stCondLst>
+                                    <p:cond delay="0"/>
+                                  </p:stCondLst>
+                                  <p:childTnLst>
+                                    <p:set>
+                                      <p:cBhvr>
+                                        <p:cTn id="13" dur="1" fill="hold">
+                                          <p:stCondLst>
+                                            <p:cond delay="0"/>
+                                          </p:stCondLst>
+                                        </p:cTn>
+                                        <p:tgtEl>
+                                          <p:spTgt spid="29"/>
+                                        </p:tgtEl>
+                                        <p:attrNameLst>
+                                          <p:attrName>style.visibility</p:attrName>
+                                        </p:attrNameLst>
+                                      </p:cBhvr>
+                                      <p:to>
+                                        <p:strVal val="visible"/>
+                                      </p:to>
+                                    </p:set>
+                                    <p:animEffect transition="in" filter="fade">
+                                      <p:cBhvr>
+                                        <p:cTn id="14" dur="500"/>
+                                        <p:tgtEl>
+                                          <p:spTgt spid="29"/>
+                                        </p:tgtEl>
+                                      </p:cBhvr>
+                                    </p:animEffect>
+                                  </p:childTnLst>
+                                </p:cTn>
+                              </p:par>
+                            </p:childTnLst>
+                          </p:cTn>
+                        </p:par>
+                      </p:childTnLst>
+                    </p:cTn>
+                  </p:par>
+                  <p:par>
+                    <p:cTn id="15" fill="hold">
+                      <p:stCondLst>
+                        <p:cond delay="indefinite"/>
+                      </p:stCondLst>
+                      <p:childTnLst>
+                        <p:par>
+                          <p:cTn id="16" fill="hold">
+                            <p:stCondLst>
+                              <p:cond delay="0"/>
+                            </p:stCondLst>
+                            <p:childTnLst>
+                              <p:par>
+                                <p:cTn id="17" presetID="10" presetClass="entr" presetSubtype="0" fill="hold" nodeType="clickEffect">
+                                  <p:stCondLst>
+                                    <p:cond delay="0"/>
+                                  </p:stCondLst>
+                                  <p:childTnLst>
+                                    <p:set>
+                                      <p:cBhvr>
+                                        <p:cTn id="18" dur="1" fill="hold">
+                                          <p:stCondLst>
+                                            <p:cond delay="0"/>
+                                          </p:stCondLst>
+                                        </p:cTn>
+                                        <p:tgtEl>
+                                          <p:spTgt spid="30"/>
+                                        </p:tgtEl>
+                                        <p:attrNameLst>
+                                          <p:attrName>style.visibility</p:attrName>
+                                        </p:attrNameLst>
+                                      </p:cBhvr>
+                                      <p:to>
+                                        <p:strVal val="visible"/>
+                                      </p:to>
+                                    </p:set>
+                                    <p:animEffect transition="in" filter="fade">
+                                      <p:cBhvr>
+                                        <p:cTn id="19" dur="500"/>
+                                        <p:tgtEl>
+                                          <p:spTgt spid="30"/>
+                                        </p:tgtEl>
+                                      </p:cBhvr>
+                                    </p:animEffect>
+                                  </p:childTnLst>
+                                </p:cTn>
+                              </p:par>
+                            </p:childTnLst>
+                          </p:cTn>
+                        </p:par>
+                      </p:childTnLst>
+                    </p:cTn>
+                  </p:par>
+                  <p:par>
+                    <p:cTn id="20" fill="hold">
+                      <p:stCondLst>
+                        <p:cond delay="indefinite"/>
+                      </p:stCondLst>
+                      <p:childTnLst>
+                        <p:par>
+                          <p:cTn id="21" fill="hold">
+                            <p:stCondLst>
+                              <p:cond delay="0"/>
+                            </p:stCondLst>
+                            <p:childTnLst>
+                              <p:par>
+                                <p:cTn id="22" presetID="10" presetClass="entr" presetSubtype="0" fill="hold" nodeType="clickEffect">
+                                  <p:stCondLst>
+                                    <p:cond delay="0"/>
+                                  </p:stCondLst>
+                                  <p:childTnLst>
+                                    <p:set>
+                                      <p:cBhvr>
+                                        <p:cTn id="23" dur="1" fill="hold">
+                                          <p:stCondLst>
+                                            <p:cond delay="0"/>
+                                          </p:stCondLst>
+                                        </p:cTn>
+                                        <p:tgtEl>
+                                          <p:spTgt spid="31"/>
+                                        </p:tgtEl>
+                                        <p:attrNameLst>
+                                          <p:attrName>style.visibility</p:attrName>
+                                        </p:attrNameLst>
+                                      </p:cBhvr>
+                                      <p:to>
+                                        <p:strVal val="visible"/>
+                                      </p:to>
+                                    </p:set>
+                                    <p:animEffect transition="in" filter="fade">
+                                      <p:cBhvr>
+                                        <p:cTn id="24" dur="500"/>
+                                        <p:tgtEl>
+                                          <p:spTgt spid="31"/>
+                                        </p:tgtEl>
+                                      </p:cBhvr>
+                                    </p:animEffect>
+                                  </p:childTnLst>
+                                </p:cTn>
+                              </p:par>
+                            </p:childTnLst>
+                          </p:cTn>
+                        </p:par>
+                      </p:childTnLst>
+                    </p:cTn>
+                  </p:par>
+                  <p:par>
+                    <p:cTn id="25" fill="hold">
+                      <p:stCondLst>
+                        <p:cond delay="indefinite"/>
+                      </p:stCondLst>
+                      <p:childTnLst>
+                        <p:par>
+                          <p:cTn id="26" fill="hold">
+                            <p:stCondLst>
+                              <p:cond delay="0"/>
+                            </p:stCondLst>
+                            <p:childTnLst>
+                              <p:par>
+                                <p:cTn id="27" presetID="10" presetClass="entr" presetSubtype="0" fill="hold" nodeType="clickEffect">
+                                  <p:stCondLst>
+                                    <p:cond delay="0"/>
+                                  </p:stCondLst>
+                                  <p:childTnLst>
+                                    <p:set>
+                                      <p:cBhvr>
+                                        <p:cTn id="28" dur="1" fill="hold">
+                                          <p:stCondLst>
+                                            <p:cond delay="0"/>
+                                          </p:stCondLst>
+                                        </p:cTn>
+                                        <p:tgtEl>
+                                          <p:spTgt spid="32"/>
+                                        </p:tgtEl>
+                                        <p:attrNameLst>
+                                          <p:attrName>style.visibility</p:attrName>
+                                        </p:attrNameLst>
+                                      </p:cBhvr>
+                                      <p:to>
+                                        <p:strVal val="visible"/>
+                                      </p:to>
+                                    </p:set>
+                                    <p:animEffect transition="in" filter="fade">
+                                      <p:cBhvr>
+                                        <p:cTn id="29" dur="500"/>
+                                        <p:tgtEl>
+                                          <p:spTgt spid="32"/>
+                                        </p:tgtEl>
+                                      </p:cBhvr>
+                                    </p:animEffect>
+                                  </p:childTnLst>
+                                </p:cTn>
+                              </p:par>
+                            </p:childTnLst>
+                          </p:cTn>
+                        </p:par>
+                      </p:childTnLst>
+                    </p:cTn>
+                  </p:par>
+                </p:childTnLst>
+              </p:cTn>
+              <p:prevCondLst>
+                <p:cond evt="onPrev" delay="0">
+                  <p:tgtEl>
+                    <p:sldTgt/>
+                  </p:tgtEl>
+                </p:cond>
+              </p:prevCondLst>
+              <p:nextCondLst>
+                <p:cond evt="onNext" delay="0">
+                  <p:tgtEl>
+                    <p:sldTgt/>
+                  </p:tgtEl>
+                </p:cond>
+              </p:nextCondLst>
+            </p:seq>
+          </p:childTnLst>
+        </p:cTn>
+      </p:par>
+    </p:tnLst>
+  </p:timing>
+</p:sld>
+</file>
+
+<file path=ppt/slides/slide3.xml><?xml version="1.0" encoding="utf-8"?>
+<p:sld xmlns:a="http://schemas.openxmlformats.org/drawingml/2006/main" xmlns:r="http://schemas.openxmlformats.org/officeDocument/2006/relationships" xmlns:p="http://schemas.openxmlformats.org/presentationml/2006/main">
+  <p:cSld>
+    <p:bg>
+      <p:bgPr>
+        <a:solidFill>
+          <a:schemeClr val="bg1"/>
+        </a:solidFill>
+        <a:effectLst/>
+      </p:bgPr>
+    </p:bg>
+    <p:spTree>
+      <p:nvGrpSpPr>
+        <p:cNvPr id="1" name=""/>
+        <p:cNvGrpSpPr/>
+        <p:nvPr/>
+      </p:nvGrpSpPr>
+      <p:grpSpPr>
+        <a:xfrm>
+          <a:off x="0" y="0"/>
+          <a:ext cx="0" cy="0"/>
+          <a:chOff x="0" y="0"/>
+          <a:chExt cx="0" cy="0"/>
+        </a:xfrm>
+      </p:grpSpPr>
+      <p:sp>
+        <p:nvSpPr>
+          <p:cNvPr id="2" name="TextBox 1">
+            <a:extLst>
+              <a:ext uri="{FF2B5EF4-FFF2-40B4-BE49-F238E27FC236}">
+                <a16:creationId xmlns:a16="http://schemas.microsoft.com/office/drawing/2014/main" id="{F5D344A1-39FE-052D-1B9C-3C500FCD5362}"/>
+              </a:ext>
+            </a:extLst>
+          </p:cNvPr>
+          <p:cNvSpPr txBox="1"/>
+          <p:nvPr/>
+        </p:nvSpPr>
+        <p:spPr>
+          <a:xfrm>
+            <a:off x="2522375" y="524445"/>
+            <a:ext cx="7147249" cy="458780"/>
+          </a:xfrm>
+          <a:prstGeom prst="rect">
+            <a:avLst/>
+          </a:prstGeom>
+          <a:noFill/>
+        </p:spPr>
+        <p:txBody>
+          <a:bodyPr wrap="square" rtlCol="0">
+            <a:spAutoFit/>
+          </a:bodyPr>
+          <a:lstStyle/>
+          <a:p>
+            <a:pPr algn="ctr">
+              <a:lnSpc>
+                <a:spcPct val="107000"/>
+              </a:lnSpc>
+              <a:spcAft>
+                <a:spcPts val="800"/>
+              </a:spcAft>
+            </a:pPr>
+            <a:r>
+              <a:rPr lang="en-US" sz="2400" b="1" spc="75" dirty="0">
+                <a:solidFill>
+                  <a:srgbClr val="000000"/>
+                </a:solidFill>
+                <a:latin typeface="Arial" panose="020B0604020202020204" pitchFamily="34" charset="0"/>
+                <a:ea typeface="Times New Roman" panose="02020603050405020304" pitchFamily="18" charset="0"/>
+                <a:cs typeface="Arial" panose="020B0604020202020204" pitchFamily="34" charset="0"/>
+              </a:rPr>
+              <a:t>PENDAHULUAN </a:t>
+            </a:r>
+            <a:endParaRPr lang="en-ID" sz="2400" spc="75" dirty="0">
+              <a:solidFill>
+                <a:srgbClr val="000000"/>
+              </a:solidFill>
+              <a:effectLst/>
+              <a:latin typeface="Arial" panose="020B0604020202020204" pitchFamily="34" charset="0"/>
+              <a:ea typeface="Times New Roman" panose="02020603050405020304" pitchFamily="18" charset="0"/>
+              <a:cs typeface="Arial" panose="020B0604020202020204" pitchFamily="34" charset="0"/>
+            </a:endParaRPr>
+          </a:p>
+        </p:txBody>
+      </p:sp>
+      <p:pic>
+        <p:nvPicPr>
+          <p:cNvPr id="3" name="Picture 2">
+            <a:extLst>
+              <a:ext uri="{FF2B5EF4-FFF2-40B4-BE49-F238E27FC236}">
+                <a16:creationId xmlns:a16="http://schemas.microsoft.com/office/drawing/2014/main" id="{7F066D29-7D8F-FA43-C481-2058A9CC61DC}"/>
+              </a:ext>
+            </a:extLst>
+          </p:cNvPr>
+          <p:cNvPicPr>
+            <a:picLocks noChangeAspect="1"/>
+          </p:cNvPicPr>
+          <p:nvPr/>
+        </p:nvPicPr>
+        <p:blipFill>
+          <a:blip r:embed="rId2">
+            <a:extLst>
+              <a:ext uri="{28A0092B-C50C-407E-A947-70E740481C1C}">
+                <a14:useLocalDpi xmlns:a14="http://schemas.microsoft.com/office/drawing/2010/main" val="0"/>
+              </a:ext>
+            </a:extLst>
+          </a:blip>
+          <a:stretch>
+            <a:fillRect/>
+          </a:stretch>
+        </p:blipFill>
+        <p:spPr>
+          <a:xfrm>
+            <a:off x="11161903" y="5812413"/>
+            <a:ext cx="922432" cy="922432"/>
+          </a:xfrm>
+          <a:prstGeom prst="rect">
+            <a:avLst/>
+          </a:prstGeom>
+        </p:spPr>
+      </p:pic>
+      <p:graphicFrame>
+        <p:nvGraphicFramePr>
+          <p:cNvPr id="4" name="Table 6">
+            <a:extLst>
+              <a:ext uri="{FF2B5EF4-FFF2-40B4-BE49-F238E27FC236}">
+                <a16:creationId xmlns:a16="http://schemas.microsoft.com/office/drawing/2014/main" id="{BBCF6BA6-0500-2FD0-9FD4-66109AB07B88}"/>
+              </a:ext>
+            </a:extLst>
+          </p:cNvPr>
+          <p:cNvGraphicFramePr>
+            <a:graphicFrameLocks noGrp="1"/>
+          </p:cNvGraphicFramePr>
+          <p:nvPr>
+            <p:extLst>
+              <p:ext uri="{D42A27DB-BD31-4B8C-83A1-F6EECF244321}">
+                <p14:modId xmlns:p14="http://schemas.microsoft.com/office/powerpoint/2010/main" val="748989524"/>
+              </p:ext>
+            </p:extLst>
+          </p:nvPr>
+        </p:nvGraphicFramePr>
+        <p:xfrm>
+          <a:off x="1440178" y="1252453"/>
+          <a:ext cx="9311642" cy="4353094"/>
+        </p:xfrm>
+        <a:graphic>
+          <a:graphicData uri="http://schemas.openxmlformats.org/drawingml/2006/table">
+            <a:tbl>
+              <a:tblPr firstRow="1" bandRow="1">
+                <a:tableStyleId>{5C22544A-7EE6-4342-B048-85BDC9FD1C3A}</a:tableStyleId>
+              </a:tblPr>
+              <a:tblGrid>
+                <a:gridCol w="4655821">
+                  <a:extLst>
+                    <a:ext uri="{9D8B030D-6E8A-4147-A177-3AD203B41FA5}">
+                      <a16:colId xmlns:a16="http://schemas.microsoft.com/office/drawing/2014/main" val="4274514598"/>
+                    </a:ext>
+                  </a:extLst>
+                </a:gridCol>
+                <a:gridCol w="4655821">
+                  <a:extLst>
+                    <a:ext uri="{9D8B030D-6E8A-4147-A177-3AD203B41FA5}">
+                      <a16:colId xmlns:a16="http://schemas.microsoft.com/office/drawing/2014/main" val="2962316481"/>
+                    </a:ext>
+                  </a:extLst>
+                </a:gridCol>
+              </a:tblGrid>
+              <a:tr h="2176547">
+                <a:tc>
+                  <a:txBody>
+                    <a:bodyPr/>
+                    <a:lstStyle/>
+                    <a:p>
+                      <a:pPr algn="ctr"/>
+                      <a:r>
+                        <a:rPr lang="en-US" sz="1600" dirty="0">
+                          <a:solidFill>
+                            <a:schemeClr val="tx1"/>
+                          </a:solidFill>
+                          <a:latin typeface="Arial" panose="020B0604020202020204" pitchFamily="34" charset="0"/>
+                          <a:cs typeface="Arial" panose="020B0604020202020204" pitchFamily="34" charset="0"/>
+                        </a:rPr>
+                        <a:t>RUMUSAN MASALAH</a:t>
+                      </a:r>
+                      <a:endParaRPr lang="en-ID" sz="1400" dirty="0">
+                        <a:solidFill>
+                          <a:schemeClr val="tx1"/>
+                        </a:solidFill>
+                        <a:latin typeface="Arial" panose="020B0604020202020204" pitchFamily="34" charset="0"/>
+                        <a:cs typeface="Arial" panose="020B0604020202020204" pitchFamily="34" charset="0"/>
+                      </a:endParaRPr>
+                    </a:p>
+                  </a:txBody>
+                  <a:tcPr>
+                    <a:lnR w="38100" cap="flat" cmpd="sng" algn="ctr">
+                      <a:solidFill>
+                        <a:schemeClr val="tx1"/>
+                      </a:solidFill>
+                      <a:prstDash val="solid"/>
+                      <a:round/>
+                      <a:headEnd type="none" w="med" len="med"/>
+                      <a:tailEnd type="none" w="med" len="med"/>
+                    </a:lnR>
+                    <a:lnB w="38100" cap="flat" cmpd="sng" algn="ctr">
+                      <a:solidFill>
+                        <a:schemeClr val="tx1"/>
+                      </a:solidFill>
+                      <a:prstDash val="solid"/>
+                      <a:round/>
+                      <a:headEnd type="none" w="med" len="med"/>
+                      <a:tailEnd type="none" w="med" len="med"/>
+                    </a:lnB>
+                    <a:noFill/>
+                  </a:tcPr>
+                </a:tc>
+                <a:tc>
+                  <a:txBody>
+                    <a:bodyPr/>
+                    <a:lstStyle/>
+                    <a:p>
+                      <a:endParaRPr lang="en-ID" dirty="0"/>
+                    </a:p>
+                  </a:txBody>
+                  <a:tcPr>
+                    <a:lnL w="38100" cap="flat" cmpd="sng" algn="ctr">
+                      <a:solidFill>
+                        <a:schemeClr val="tx1"/>
+                      </a:solidFill>
+                      <a:prstDash val="solid"/>
+                      <a:round/>
+                      <a:headEnd type="none" w="med" len="med"/>
+                      <a:tailEnd type="none" w="med" len="med"/>
+                    </a:lnL>
+                    <a:lnB w="38100" cap="flat" cmpd="sng" algn="ctr">
+                      <a:solidFill>
+                        <a:schemeClr val="tx1"/>
+                      </a:solidFill>
+                      <a:prstDash val="solid"/>
+                      <a:round/>
+                      <a:headEnd type="none" w="med" len="med"/>
+                      <a:tailEnd type="none" w="med" len="med"/>
+                    </a:lnB>
+                    <a:noFill/>
+                  </a:tcPr>
+                </a:tc>
+                <a:extLst>
+                  <a:ext uri="{0D108BD9-81ED-4DB2-BD59-A6C34878D82A}">
+                    <a16:rowId xmlns:a16="http://schemas.microsoft.com/office/drawing/2014/main" val="2404183944"/>
+                  </a:ext>
+                </a:extLst>
+              </a:tr>
+              <a:tr h="2176547">
+                <a:tc>
+                  <a:txBody>
+                    <a:bodyPr/>
+                    <a:lstStyle/>
+                    <a:p>
+                      <a:endParaRPr lang="en-ID"/>
+                    </a:p>
+                  </a:txBody>
+                  <a:tcPr>
+                    <a:lnR w="38100" cap="flat" cmpd="sng" algn="ctr">
+                      <a:solidFill>
+                        <a:schemeClr val="tx1"/>
+                      </a:solidFill>
+                      <a:prstDash val="solid"/>
+                      <a:round/>
+                      <a:headEnd type="none" w="med" len="med"/>
+                      <a:tailEnd type="none" w="med" len="med"/>
+                    </a:lnR>
+                    <a:lnT w="38100" cap="flat" cmpd="sng" algn="ctr">
+                      <a:solidFill>
+                        <a:schemeClr val="tx1"/>
+                      </a:solidFill>
+                      <a:prstDash val="solid"/>
+                      <a:round/>
+                      <a:headEnd type="none" w="med" len="med"/>
+                      <a:tailEnd type="none" w="med" len="med"/>
+                    </a:lnT>
+                    <a:noFill/>
+                  </a:tcPr>
+                </a:tc>
+                <a:tc>
+                  <a:txBody>
+                    <a:bodyPr/>
+                    <a:lstStyle/>
+                    <a:p>
+                      <a:endParaRPr lang="en-ID" dirty="0"/>
+                    </a:p>
+                  </a:txBody>
+                  <a:tcPr>
+                    <a:lnL w="38100" cap="flat" cmpd="sng" algn="ctr">
+                      <a:solidFill>
+                        <a:schemeClr val="tx1"/>
+                      </a:solidFill>
+                      <a:prstDash val="solid"/>
+                      <a:round/>
+                      <a:headEnd type="none" w="med" len="med"/>
+                      <a:tailEnd type="none" w="med" len="med"/>
+                    </a:lnL>
+                    <a:lnT w="38100" cap="flat" cmpd="sng" algn="ctr">
+                      <a:solidFill>
+                        <a:schemeClr val="tx1"/>
+                      </a:solidFill>
+                      <a:prstDash val="solid"/>
+                      <a:round/>
+                      <a:headEnd type="none" w="med" len="med"/>
+                      <a:tailEnd type="none" w="med" len="med"/>
+                    </a:lnT>
+                    <a:noFill/>
+                  </a:tcPr>
+                </a:tc>
+                <a:extLst>
+                  <a:ext uri="{0D108BD9-81ED-4DB2-BD59-A6C34878D82A}">
+                    <a16:rowId xmlns:a16="http://schemas.microsoft.com/office/drawing/2014/main" val="2247436212"/>
+                  </a:ext>
+                </a:extLst>
+              </a:tr>
+            </a:tbl>
+          </a:graphicData>
+        </a:graphic>
+      </p:graphicFrame>
+      <p:sp>
+        <p:nvSpPr>
+          <p:cNvPr id="9" name="TextBox 8">
+            <a:extLst>
+              <a:ext uri="{FF2B5EF4-FFF2-40B4-BE49-F238E27FC236}">
+                <a16:creationId xmlns:a16="http://schemas.microsoft.com/office/drawing/2014/main" id="{80A57D68-CBCF-D235-F676-F3B6E2DFC6A9}"/>
+              </a:ext>
+            </a:extLst>
+          </p:cNvPr>
+          <p:cNvSpPr txBox="1"/>
+          <p:nvPr/>
+        </p:nvSpPr>
+        <p:spPr>
+          <a:xfrm>
+            <a:off x="2611843" y="1728133"/>
+            <a:ext cx="2956560" cy="1077218"/>
+          </a:xfrm>
+          <a:prstGeom prst="rect">
+            <a:avLst/>
+          </a:prstGeom>
+          <a:noFill/>
+        </p:spPr>
+        <p:txBody>
+          <a:bodyPr wrap="square" rtlCol="0">
+            <a:spAutoFit/>
+          </a:bodyPr>
+          <a:lstStyle/>
+          <a:p>
+            <a:pPr marL="342900" indent="-342900" algn="just">
+              <a:buFont typeface="Courier New" panose="02070309020205020404" pitchFamily="49" charset="0"/>
+              <a:buChar char="o"/>
+            </a:pPr>
+            <a:r>
+              <a:rPr lang="en-US" sz="1600" dirty="0" err="1">
+                <a:latin typeface="Arial" panose="020B0604020202020204" pitchFamily="34" charset="0"/>
+                <a:cs typeface="Arial" panose="020B0604020202020204" pitchFamily="34" charset="0"/>
+              </a:rPr>
+              <a:t>Presensi</a:t>
+            </a:r>
+            <a:r>
+              <a:rPr lang="en-US" sz="1600" dirty="0">
+                <a:latin typeface="Arial" panose="020B0604020202020204" pitchFamily="34" charset="0"/>
+                <a:cs typeface="Arial" panose="020B0604020202020204" pitchFamily="34" charset="0"/>
+              </a:rPr>
+              <a:t> </a:t>
+            </a:r>
+            <a:r>
+              <a:rPr lang="en-US" sz="1600" dirty="0" err="1">
+                <a:latin typeface="Arial" panose="020B0604020202020204" pitchFamily="34" charset="0"/>
+                <a:cs typeface="Arial" panose="020B0604020202020204" pitchFamily="34" charset="0"/>
+              </a:rPr>
+              <a:t>menggunakan</a:t>
+            </a:r>
+            <a:r>
+              <a:rPr lang="en-US" sz="1600" dirty="0">
+                <a:latin typeface="Arial" panose="020B0604020202020204" pitchFamily="34" charset="0"/>
+                <a:cs typeface="Arial" panose="020B0604020202020204" pitchFamily="34" charset="0"/>
+              </a:rPr>
+              <a:t> </a:t>
+            </a:r>
+            <a:r>
+              <a:rPr lang="en-US" sz="1600" dirty="0" err="1">
+                <a:latin typeface="Arial" panose="020B0604020202020204" pitchFamily="34" charset="0"/>
+                <a:cs typeface="Arial" panose="020B0604020202020204" pitchFamily="34" charset="0"/>
+              </a:rPr>
+              <a:t>cara</a:t>
+            </a:r>
+            <a:r>
+              <a:rPr lang="en-US" sz="1600" dirty="0">
+                <a:latin typeface="Arial" panose="020B0604020202020204" pitchFamily="34" charset="0"/>
+                <a:cs typeface="Arial" panose="020B0604020202020204" pitchFamily="34" charset="0"/>
+              </a:rPr>
+              <a:t> </a:t>
+            </a:r>
+            <a:r>
+              <a:rPr lang="en-US" sz="1600" dirty="0" err="1">
+                <a:latin typeface="Arial" panose="020B0604020202020204" pitchFamily="34" charset="0"/>
+                <a:cs typeface="Arial" panose="020B0604020202020204" pitchFamily="34" charset="0"/>
+              </a:rPr>
+              <a:t>konvensional</a:t>
+            </a:r>
+            <a:endParaRPr lang="en-US" sz="1600" dirty="0">
+              <a:latin typeface="Arial" panose="020B0604020202020204" pitchFamily="34" charset="0"/>
+              <a:cs typeface="Arial" panose="020B0604020202020204" pitchFamily="34" charset="0"/>
+            </a:endParaRPr>
+          </a:p>
+          <a:p>
+            <a:pPr marL="342900" indent="-342900" algn="just">
+              <a:buFont typeface="Courier New" panose="02070309020205020404" pitchFamily="49" charset="0"/>
+              <a:buChar char="o"/>
+            </a:pPr>
+            <a:r>
+              <a:rPr lang="en-ID" sz="1600" dirty="0" err="1">
+                <a:latin typeface="Arial" panose="020B0604020202020204" pitchFamily="34" charset="0"/>
+                <a:cs typeface="Arial" panose="020B0604020202020204" pitchFamily="34" charset="0"/>
+              </a:rPr>
+              <a:t>Kedisiplinan</a:t>
+            </a:r>
+            <a:r>
+              <a:rPr lang="en-ID" sz="1600" dirty="0">
+                <a:latin typeface="Arial" panose="020B0604020202020204" pitchFamily="34" charset="0"/>
+                <a:cs typeface="Arial" panose="020B0604020202020204" pitchFamily="34" charset="0"/>
+              </a:rPr>
+              <a:t> </a:t>
+            </a:r>
+            <a:r>
+              <a:rPr lang="en-ID" sz="1600" dirty="0" err="1">
+                <a:latin typeface="Arial" panose="020B0604020202020204" pitchFamily="34" charset="0"/>
+                <a:cs typeface="Arial" panose="020B0604020202020204" pitchFamily="34" charset="0"/>
+              </a:rPr>
+              <a:t>pegawai</a:t>
+            </a:r>
+            <a:r>
+              <a:rPr lang="en-ID" sz="1600" dirty="0">
+                <a:latin typeface="Arial" panose="020B0604020202020204" pitchFamily="34" charset="0"/>
+                <a:cs typeface="Arial" panose="020B0604020202020204" pitchFamily="34" charset="0"/>
+              </a:rPr>
+              <a:t> </a:t>
+            </a:r>
+          </a:p>
+          <a:p>
+            <a:pPr marL="342900" indent="-342900" algn="just">
+              <a:buFont typeface="Courier New" panose="02070309020205020404" pitchFamily="49" charset="0"/>
+              <a:buChar char="o"/>
+            </a:pPr>
+            <a:r>
+              <a:rPr lang="en-US" sz="1600" dirty="0" err="1">
+                <a:latin typeface="Arial" panose="020B0604020202020204" pitchFamily="34" charset="0"/>
+                <a:cs typeface="Arial" panose="020B0604020202020204" pitchFamily="34" charset="0"/>
+              </a:rPr>
+              <a:t>Pengambilan</a:t>
+            </a:r>
+            <a:r>
+              <a:rPr lang="en-US" sz="1600" dirty="0">
+                <a:latin typeface="Arial" panose="020B0604020202020204" pitchFamily="34" charset="0"/>
+                <a:cs typeface="Arial" panose="020B0604020202020204" pitchFamily="34" charset="0"/>
+              </a:rPr>
+              <a:t> </a:t>
+            </a:r>
+            <a:r>
+              <a:rPr lang="en-US" sz="1600" dirty="0" err="1">
+                <a:latin typeface="Arial" panose="020B0604020202020204" pitchFamily="34" charset="0"/>
+                <a:cs typeface="Arial" panose="020B0604020202020204" pitchFamily="34" charset="0"/>
+              </a:rPr>
+              <a:t>keputusan</a:t>
+            </a:r>
+            <a:r>
+              <a:rPr lang="en-US" sz="1600" dirty="0">
+                <a:latin typeface="Arial" panose="020B0604020202020204" pitchFamily="34" charset="0"/>
+                <a:cs typeface="Arial" panose="020B0604020202020204" pitchFamily="34" charset="0"/>
+              </a:rPr>
+              <a:t> </a:t>
+            </a:r>
+            <a:endParaRPr lang="en-ID" sz="1600" dirty="0">
+              <a:latin typeface="Arial" panose="020B0604020202020204" pitchFamily="34" charset="0"/>
+              <a:cs typeface="Arial" panose="020B0604020202020204" pitchFamily="34" charset="0"/>
+            </a:endParaRPr>
+          </a:p>
+        </p:txBody>
+      </p:sp>
+      <p:pic>
+        <p:nvPicPr>
+          <p:cNvPr id="8" name="Picture 7">
+            <a:extLst>
+              <a:ext uri="{FF2B5EF4-FFF2-40B4-BE49-F238E27FC236}">
+                <a16:creationId xmlns:a16="http://schemas.microsoft.com/office/drawing/2014/main" id="{BF6F8536-85DB-DF14-A594-B95FED9961CF}"/>
+              </a:ext>
+            </a:extLst>
+          </p:cNvPr>
+          <p:cNvPicPr>
+            <a:picLocks noChangeAspect="1"/>
+          </p:cNvPicPr>
+          <p:nvPr/>
+        </p:nvPicPr>
+        <p:blipFill>
+          <a:blip r:embed="rId3">
+            <a:lum bright="70000" contrast="-70000"/>
+            <a:extLst>
+              <a:ext uri="{28A0092B-C50C-407E-A947-70E740481C1C}">
+                <a14:useLocalDpi xmlns:a14="http://schemas.microsoft.com/office/drawing/2010/main" val="0"/>
+              </a:ext>
+            </a:extLst>
+          </a:blip>
+          <a:stretch>
+            <a:fillRect/>
+          </a:stretch>
+        </p:blipFill>
+        <p:spPr>
+          <a:xfrm>
+            <a:off x="1242215" y="1728133"/>
+            <a:ext cx="1280160" cy="1280160"/>
+          </a:xfrm>
+          <a:prstGeom prst="rect">
+            <a:avLst/>
+          </a:prstGeom>
+          <a:noFill/>
+          <a:ln>
+            <a:noFill/>
+          </a:ln>
+        </p:spPr>
+      </p:pic>
+      <p:pic>
+        <p:nvPicPr>
+          <p:cNvPr id="11" name="Picture 10">
+            <a:extLst>
+              <a:ext uri="{FF2B5EF4-FFF2-40B4-BE49-F238E27FC236}">
+                <a16:creationId xmlns:a16="http://schemas.microsoft.com/office/drawing/2014/main" id="{8400DBD7-970A-999E-3B0C-4CB5D0995651}"/>
+              </a:ext>
+            </a:extLst>
+          </p:cNvPr>
+          <p:cNvPicPr>
+            <a:picLocks noChangeAspect="1"/>
+          </p:cNvPicPr>
+          <p:nvPr/>
+        </p:nvPicPr>
+        <p:blipFill>
+          <a:blip r:embed="rId4">
+            <a:lum bright="70000" contrast="-70000"/>
+            <a:extLst>
+              <a:ext uri="{28A0092B-C50C-407E-A947-70E740481C1C}">
+                <a14:useLocalDpi xmlns:a14="http://schemas.microsoft.com/office/drawing/2010/main" val="0"/>
+              </a:ext>
+            </a:extLst>
+          </a:blip>
+          <a:stretch>
+            <a:fillRect/>
+          </a:stretch>
+        </p:blipFill>
+        <p:spPr>
+          <a:xfrm>
+            <a:off x="6239871" y="1626662"/>
+            <a:ext cx="1280160" cy="1280160"/>
+          </a:xfrm>
+          <a:prstGeom prst="rect">
+            <a:avLst/>
+          </a:prstGeom>
+        </p:spPr>
+      </p:pic>
+    </p:spTree>
+    <p:extLst>
+      <p:ext uri="{BB962C8B-B14F-4D97-AF65-F5344CB8AC3E}">
+        <p14:creationId xmlns:p14="http://schemas.microsoft.com/office/powerpoint/2010/main" val="507316956"/>
+      </p:ext>
+    </p:extLst>
+  </p:cSld>
+  <p:clrMapOvr>
+    <a:masterClrMapping/>
+  </p:clrMapOvr>
+  <mc:AlternateContent xmlns:mc="http://schemas.openxmlformats.org/markup-compatibility/2006">
+    <mc:Choice xmlns:p159="http://schemas.microsoft.com/office/powerpoint/2015/09/main" Requires="p159">
+      <p:transition xmlns:p14="http://schemas.microsoft.com/office/powerpoint/2010/main" spd="slow" p14:dur="2000">
+        <p159:morph option="byObject"/>
+      </p:transition>
+    </mc:Choice>
+    <mc:Fallback>
+      <p:transition spd="slow">
+        <p:fade/>
+      </p:transition>
+    </mc:Fallback>
+  </mc:AlternateContent>
+</p:sld>
+</file>
+
+<file path=ppt/slides/slide4.xml><?xml version="1.0" encoding="utf-8"?>
+<p:sld xmlns:a="http://schemas.openxmlformats.org/drawingml/2006/main" xmlns:r="http://schemas.openxmlformats.org/officeDocument/2006/relationships" xmlns:p="http://schemas.openxmlformats.org/presentationml/2006/main">
+  <p:cSld>
+    <p:bg>
+      <p:bgPr>
+        <a:solidFill>
+          <a:srgbClr val="5CA0CA"/>
+        </a:solidFill>
+        <a:effectLst/>
+      </p:bgPr>
+    </p:bg>
+    <p:spTree>
+      <p:nvGrpSpPr>
+        <p:cNvPr id="1" name=""/>
+        <p:cNvGrpSpPr/>
+        <p:nvPr/>
+      </p:nvGrpSpPr>
+      <p:grpSpPr>
+        <a:xfrm>
+          <a:off x="0" y="0"/>
+          <a:ext cx="0" cy="0"/>
+          <a:chOff x="0" y="0"/>
+          <a:chExt cx="0" cy="0"/>
+        </a:xfrm>
+      </p:grpSpPr>
+      <p:sp>
+        <p:nvSpPr>
           <p:cNvPr id="2" name="Title 1">
             <a:extLst>
               <a:ext uri="{FF2B5EF4-FFF2-40B4-BE49-F238E27FC236}">

--- a/dokumen/ppt_skripsi.pptx
+++ b/dokumen/ppt_skripsi.pptx
@@ -264,7 +264,7 @@
           <a:p>
             <a:fld id="{F5671809-4E7C-4B4C-B35D-BEB3A7116895}" type="datetimeFigureOut">
               <a:rPr lang="en-ID" smtClean="0"/>
-              <a:t>07/06/2022</a:t>
+              <a:t>08/06/2022</a:t>
             </a:fld>
             <a:endParaRPr lang="en-ID"/>
           </a:p>
@@ -464,7 +464,7 @@
           <a:p>
             <a:fld id="{F5671809-4E7C-4B4C-B35D-BEB3A7116895}" type="datetimeFigureOut">
               <a:rPr lang="en-ID" smtClean="0"/>
-              <a:t>07/06/2022</a:t>
+              <a:t>08/06/2022</a:t>
             </a:fld>
             <a:endParaRPr lang="en-ID"/>
           </a:p>
@@ -674,7 +674,7 @@
           <a:p>
             <a:fld id="{F5671809-4E7C-4B4C-B35D-BEB3A7116895}" type="datetimeFigureOut">
               <a:rPr lang="en-ID" smtClean="0"/>
-              <a:t>07/06/2022</a:t>
+              <a:t>08/06/2022</a:t>
             </a:fld>
             <a:endParaRPr lang="en-ID"/>
           </a:p>
@@ -874,7 +874,7 @@
           <a:p>
             <a:fld id="{F5671809-4E7C-4B4C-B35D-BEB3A7116895}" type="datetimeFigureOut">
               <a:rPr lang="en-ID" smtClean="0"/>
-              <a:t>07/06/2022</a:t>
+              <a:t>08/06/2022</a:t>
             </a:fld>
             <a:endParaRPr lang="en-ID"/>
           </a:p>
@@ -1150,7 +1150,7 @@
           <a:p>
             <a:fld id="{F5671809-4E7C-4B4C-B35D-BEB3A7116895}" type="datetimeFigureOut">
               <a:rPr lang="en-ID" smtClean="0"/>
-              <a:t>07/06/2022</a:t>
+              <a:t>08/06/2022</a:t>
             </a:fld>
             <a:endParaRPr lang="en-ID"/>
           </a:p>
@@ -1418,7 +1418,7 @@
           <a:p>
             <a:fld id="{F5671809-4E7C-4B4C-B35D-BEB3A7116895}" type="datetimeFigureOut">
               <a:rPr lang="en-ID" smtClean="0"/>
-              <a:t>07/06/2022</a:t>
+              <a:t>08/06/2022</a:t>
             </a:fld>
             <a:endParaRPr lang="en-ID"/>
           </a:p>
@@ -1833,7 +1833,7 @@
           <a:p>
             <a:fld id="{F5671809-4E7C-4B4C-B35D-BEB3A7116895}" type="datetimeFigureOut">
               <a:rPr lang="en-ID" smtClean="0"/>
-              <a:t>07/06/2022</a:t>
+              <a:t>08/06/2022</a:t>
             </a:fld>
             <a:endParaRPr lang="en-ID"/>
           </a:p>
@@ -1975,7 +1975,7 @@
           <a:p>
             <a:fld id="{F5671809-4E7C-4B4C-B35D-BEB3A7116895}" type="datetimeFigureOut">
               <a:rPr lang="en-ID" smtClean="0"/>
-              <a:t>07/06/2022</a:t>
+              <a:t>08/06/2022</a:t>
             </a:fld>
             <a:endParaRPr lang="en-ID"/>
           </a:p>
@@ -2088,7 +2088,7 @@
           <a:p>
             <a:fld id="{F5671809-4E7C-4B4C-B35D-BEB3A7116895}" type="datetimeFigureOut">
               <a:rPr lang="en-ID" smtClean="0"/>
-              <a:t>07/06/2022</a:t>
+              <a:t>08/06/2022</a:t>
             </a:fld>
             <a:endParaRPr lang="en-ID"/>
           </a:p>
@@ -2401,7 +2401,7 @@
           <a:p>
             <a:fld id="{F5671809-4E7C-4B4C-B35D-BEB3A7116895}" type="datetimeFigureOut">
               <a:rPr lang="en-ID" smtClean="0"/>
-              <a:t>07/06/2022</a:t>
+              <a:t>08/06/2022</a:t>
             </a:fld>
             <a:endParaRPr lang="en-ID"/>
           </a:p>
@@ -2690,7 +2690,7 @@
           <a:p>
             <a:fld id="{F5671809-4E7C-4B4C-B35D-BEB3A7116895}" type="datetimeFigureOut">
               <a:rPr lang="en-ID" smtClean="0"/>
-              <a:t>07/06/2022</a:t>
+              <a:t>08/06/2022</a:t>
             </a:fld>
             <a:endParaRPr lang="en-ID"/>
           </a:p>
@@ -2933,7 +2933,7 @@
           <a:p>
             <a:fld id="{F5671809-4E7C-4B4C-B35D-BEB3A7116895}" type="datetimeFigureOut">
               <a:rPr lang="en-ID" smtClean="0"/>
-              <a:t>07/06/2022</a:t>
+              <a:t>08/06/2022</a:t>
             </a:fld>
             <a:endParaRPr lang="en-ID"/>
           </a:p>
@@ -3647,13 +3647,13 @@
   <p:clrMapOvr>
     <a:masterClrMapping/>
   </p:clrMapOvr>
-  <mc:AlternateContent xmlns:mc="http://schemas.openxmlformats.org/markup-compatibility/2006">
-    <mc:Choice xmlns:p159="http://schemas.microsoft.com/office/powerpoint/2015/09/main" Requires="p159">
+  <mc:AlternateContent xmlns:mc="http://schemas.openxmlformats.org/markup-compatibility/2006" xmlns:p159="http://schemas.microsoft.com/office/powerpoint/2015/09/main">
+    <mc:Choice Requires="p159">
       <p:transition xmlns:p14="http://schemas.microsoft.com/office/powerpoint/2010/main" spd="slow" p14:dur="2000">
         <p159:morph option="byObject"/>
       </p:transition>
     </mc:Choice>
-    <mc:Fallback>
+    <mc:Fallback xmlns="">
       <p:transition spd="slow">
         <p:fade/>
       </p:transition>
@@ -4361,10 +4361,10 @@
         </p:nvGrpSpPr>
         <p:grpSpPr>
           <a:xfrm>
-            <a:off x="7029832" y="2577963"/>
-            <a:ext cx="2886332" cy="1188720"/>
-            <a:chOff x="7029832" y="2577963"/>
-            <a:chExt cx="2886332" cy="1188720"/>
+            <a:off x="7029832" y="2407646"/>
+            <a:ext cx="2886332" cy="1327353"/>
+            <a:chOff x="7029832" y="2439330"/>
+            <a:chExt cx="2886332" cy="1327353"/>
           </a:xfrm>
         </p:grpSpPr>
         <p:pic>
@@ -4417,7 +4417,7 @@
           </p:nvSpPr>
           <p:spPr>
             <a:xfrm>
-              <a:off x="8236678" y="2764589"/>
+              <a:off x="8236678" y="2439330"/>
               <a:ext cx="1679486" cy="584775"/>
             </a:xfrm>
             <a:prstGeom prst="rect">
@@ -4478,13 +4478,13 @@
   <p:clrMapOvr>
     <a:masterClrMapping/>
   </p:clrMapOvr>
-  <mc:AlternateContent xmlns:mc="http://schemas.openxmlformats.org/markup-compatibility/2006">
-    <mc:Choice xmlns:p159="http://schemas.microsoft.com/office/powerpoint/2015/09/main" Requires="p159">
+  <mc:AlternateContent xmlns:mc="http://schemas.openxmlformats.org/markup-compatibility/2006" xmlns:p159="http://schemas.microsoft.com/office/powerpoint/2015/09/main">
+    <mc:Choice Requires="p159">
       <p:transition xmlns:p14="http://schemas.microsoft.com/office/powerpoint/2010/main" spd="slow" p14:dur="2000">
         <p159:morph option="byObject"/>
       </p:transition>
     </mc:Choice>
-    <mc:Fallback>
+    <mc:Fallback xmlns="">
       <p:transition spd="slow">
         <p:fade/>
       </p:transition>
@@ -5403,13 +5403,13 @@
   <p:clrMapOvr>
     <a:masterClrMapping/>
   </p:clrMapOvr>
-  <mc:AlternateContent xmlns:mc="http://schemas.openxmlformats.org/markup-compatibility/2006">
-    <mc:Choice xmlns:p159="http://schemas.microsoft.com/office/powerpoint/2015/09/main" Requires="p159">
+  <mc:AlternateContent xmlns:mc="http://schemas.openxmlformats.org/markup-compatibility/2006" xmlns:p159="http://schemas.microsoft.com/office/powerpoint/2015/09/main">
+    <mc:Choice Requires="p159">
       <p:transition xmlns:p14="http://schemas.microsoft.com/office/powerpoint/2010/main" spd="slow" p14:dur="2000">
         <p159:morph option="byObject"/>
       </p:transition>
     </mc:Choice>
-    <mc:Fallback>
+    <mc:Fallback xmlns="">
       <p:transition spd="slow">
         <p:fade/>
       </p:transition>

--- a/dokumen/ppt_skripsi.pptx
+++ b/dokumen/ppt_skripsi.pptx
@@ -8,7 +8,12 @@
     <p:sldId id="257" r:id="rId2"/>
     <p:sldId id="259" r:id="rId3"/>
     <p:sldId id="258" r:id="rId4"/>
-    <p:sldId id="256" r:id="rId5"/>
+    <p:sldId id="261" r:id="rId5"/>
+    <p:sldId id="262" r:id="rId6"/>
+    <p:sldId id="263" r:id="rId7"/>
+    <p:sldId id="264" r:id="rId8"/>
+    <p:sldId id="265" r:id="rId9"/>
+    <p:sldId id="256" r:id="rId10"/>
   </p:sldIdLst>
   <p:sldSz cx="12192000" cy="6858000"/>
   <p:notesSz cx="6858000" cy="9144000"/>
@@ -4969,7 +4974,7 @@
           <p:nvPr>
             <p:extLst>
               <p:ext uri="{D42A27DB-BD31-4B8C-83A1-F6EECF244321}">
-                <p14:modId xmlns:p14="http://schemas.microsoft.com/office/powerpoint/2010/main" val="748989524"/>
+                <p14:modId xmlns:p14="http://schemas.microsoft.com/office/powerpoint/2010/main" val="159093610"/>
               </p:ext>
             </p:extLst>
           </p:nvPr>
@@ -5053,7 +5058,24 @@
                     <a:bodyPr/>
                     <a:lstStyle/>
                     <a:p>
-                      <a:endParaRPr lang="en-ID" dirty="0"/>
+                      <a:pPr algn="ctr"/>
+                      <a:r>
+                        <a:rPr lang="en-US" sz="1600" dirty="0">
+                          <a:solidFill>
+                            <a:schemeClr val="tx1"/>
+                          </a:solidFill>
+                          <a:latin typeface="Arial" panose="020B0604020202020204" pitchFamily="34" charset="0"/>
+                          <a:cs typeface="Arial" panose="020B0604020202020204" pitchFamily="34" charset="0"/>
+                        </a:rPr>
+                        <a:t>BATASAN MASALAH</a:t>
+                      </a:r>
+                      <a:endParaRPr lang="en-ID" sz="1600" dirty="0">
+                        <a:solidFill>
+                          <a:schemeClr val="tx1"/>
+                        </a:solidFill>
+                        <a:latin typeface="Arial" panose="020B0604020202020204" pitchFamily="34" charset="0"/>
+                        <a:cs typeface="Arial" panose="020B0604020202020204" pitchFamily="34" charset="0"/>
+                      </a:endParaRPr>
                     </a:p>
                   </a:txBody>
                   <a:tcPr>
@@ -5090,7 +5112,18 @@
                     <a:bodyPr/>
                     <a:lstStyle/>
                     <a:p>
-                      <a:endParaRPr lang="en-ID"/>
+                      <a:pPr algn="ctr"/>
+                      <a:r>
+                        <a:rPr lang="en-US" b="1" dirty="0">
+                          <a:latin typeface="Arial" panose="020B0604020202020204" pitchFamily="34" charset="0"/>
+                          <a:cs typeface="Arial" panose="020B0604020202020204" pitchFamily="34" charset="0"/>
+                        </a:rPr>
+                        <a:t>TUJUAN PENELITIAN </a:t>
+                      </a:r>
+                      <a:endParaRPr lang="en-ID" b="1" dirty="0">
+                        <a:latin typeface="Arial" panose="020B0604020202020204" pitchFamily="34" charset="0"/>
+                        <a:cs typeface="Arial" panose="020B0604020202020204" pitchFamily="34" charset="0"/>
+                      </a:endParaRPr>
                     </a:p>
                   </a:txBody>
                   <a:tcPr>
@@ -5120,7 +5153,12 @@
                     <a:bodyPr/>
                     <a:lstStyle/>
                     <a:p>
-                      <a:endParaRPr lang="en-ID" dirty="0"/>
+                      <a:pPr algn="ctr"/>
+                      <a:r>
+                        <a:rPr lang="en-US" b="1" dirty="0"/>
+                        <a:t>MANFAAT PENELITIAN</a:t>
+                      </a:r>
+                      <a:endParaRPr lang="en-ID" b="1" dirty="0"/>
                     </a:p>
                   </a:txBody>
                   <a:tcPr>
@@ -5169,7 +5207,450 @@
         </p:nvSpPr>
         <p:spPr>
           <a:xfrm>
-            <a:off x="2611843" y="1728133"/>
+            <a:off x="2267782" y="1626662"/>
+            <a:ext cx="2956560" cy="830997"/>
+          </a:xfrm>
+          <a:prstGeom prst="rect">
+            <a:avLst/>
+          </a:prstGeom>
+          <a:noFill/>
+        </p:spPr>
+        <p:txBody>
+          <a:bodyPr wrap="square" rtlCol="0">
+            <a:spAutoFit/>
+          </a:bodyPr>
+          <a:lstStyle/>
+          <a:p>
+            <a:pPr marL="342900" indent="-342900" algn="just">
+              <a:buFont typeface="Courier New" panose="02070309020205020404" pitchFamily="49" charset="0"/>
+              <a:buChar char="o"/>
+            </a:pPr>
+            <a:r>
+              <a:rPr lang="en-US" sz="1600" dirty="0" err="1">
+                <a:latin typeface="Arial" panose="020B0604020202020204" pitchFamily="34" charset="0"/>
+                <a:cs typeface="Arial" panose="020B0604020202020204" pitchFamily="34" charset="0"/>
+              </a:rPr>
+              <a:t>Presensi</a:t>
+            </a:r>
+            <a:r>
+              <a:rPr lang="en-US" sz="1600" dirty="0">
+                <a:latin typeface="Arial" panose="020B0604020202020204" pitchFamily="34" charset="0"/>
+                <a:cs typeface="Arial" panose="020B0604020202020204" pitchFamily="34" charset="0"/>
+              </a:rPr>
+              <a:t> </a:t>
+            </a:r>
+            <a:r>
+              <a:rPr lang="en-US" sz="1600" dirty="0" err="1">
+                <a:latin typeface="Arial" panose="020B0604020202020204" pitchFamily="34" charset="0"/>
+                <a:cs typeface="Arial" panose="020B0604020202020204" pitchFamily="34" charset="0"/>
+              </a:rPr>
+              <a:t>menggunakan</a:t>
+            </a:r>
+            <a:r>
+              <a:rPr lang="en-US" sz="1600" dirty="0">
+                <a:latin typeface="Arial" panose="020B0604020202020204" pitchFamily="34" charset="0"/>
+                <a:cs typeface="Arial" panose="020B0604020202020204" pitchFamily="34" charset="0"/>
+              </a:rPr>
+              <a:t> </a:t>
+            </a:r>
+            <a:r>
+              <a:rPr lang="en-US" sz="1600" dirty="0" err="1">
+                <a:latin typeface="Arial" panose="020B0604020202020204" pitchFamily="34" charset="0"/>
+                <a:cs typeface="Arial" panose="020B0604020202020204" pitchFamily="34" charset="0"/>
+              </a:rPr>
+              <a:t>cara</a:t>
+            </a:r>
+            <a:r>
+              <a:rPr lang="en-US" sz="1600" dirty="0">
+                <a:latin typeface="Arial" panose="020B0604020202020204" pitchFamily="34" charset="0"/>
+                <a:cs typeface="Arial" panose="020B0604020202020204" pitchFamily="34" charset="0"/>
+              </a:rPr>
+              <a:t> </a:t>
+            </a:r>
+            <a:r>
+              <a:rPr lang="en-US" sz="1600" dirty="0" err="1">
+                <a:latin typeface="Arial" panose="020B0604020202020204" pitchFamily="34" charset="0"/>
+                <a:cs typeface="Arial" panose="020B0604020202020204" pitchFamily="34" charset="0"/>
+              </a:rPr>
+              <a:t>konvensional</a:t>
+            </a:r>
+            <a:endParaRPr lang="en-US" sz="1600" dirty="0">
+              <a:latin typeface="Arial" panose="020B0604020202020204" pitchFamily="34" charset="0"/>
+              <a:cs typeface="Arial" panose="020B0604020202020204" pitchFamily="34" charset="0"/>
+            </a:endParaRPr>
+          </a:p>
+          <a:p>
+            <a:pPr marL="342900" indent="-342900" algn="just">
+              <a:buFont typeface="Courier New" panose="02070309020205020404" pitchFamily="49" charset="0"/>
+              <a:buChar char="o"/>
+            </a:pPr>
+            <a:r>
+              <a:rPr lang="en-ID" sz="1600" dirty="0" err="1">
+                <a:latin typeface="Arial" panose="020B0604020202020204" pitchFamily="34" charset="0"/>
+                <a:cs typeface="Arial" panose="020B0604020202020204" pitchFamily="34" charset="0"/>
+              </a:rPr>
+              <a:t>Kedisiplinan</a:t>
+            </a:r>
+            <a:r>
+              <a:rPr lang="en-ID" sz="1600" dirty="0">
+                <a:latin typeface="Arial" panose="020B0604020202020204" pitchFamily="34" charset="0"/>
+                <a:cs typeface="Arial" panose="020B0604020202020204" pitchFamily="34" charset="0"/>
+              </a:rPr>
+              <a:t> </a:t>
+            </a:r>
+            <a:r>
+              <a:rPr lang="en-ID" sz="1600" dirty="0" err="1">
+                <a:latin typeface="Arial" panose="020B0604020202020204" pitchFamily="34" charset="0"/>
+                <a:cs typeface="Arial" panose="020B0604020202020204" pitchFamily="34" charset="0"/>
+              </a:rPr>
+              <a:t>pegawai</a:t>
+            </a:r>
+            <a:r>
+              <a:rPr lang="en-ID" sz="1600" dirty="0">
+                <a:latin typeface="Arial" panose="020B0604020202020204" pitchFamily="34" charset="0"/>
+                <a:cs typeface="Arial" panose="020B0604020202020204" pitchFamily="34" charset="0"/>
+              </a:rPr>
+              <a:t> </a:t>
+            </a:r>
+          </a:p>
+        </p:txBody>
+      </p:sp>
+      <p:pic>
+        <p:nvPicPr>
+          <p:cNvPr id="8" name="Picture 7">
+            <a:extLst>
+              <a:ext uri="{FF2B5EF4-FFF2-40B4-BE49-F238E27FC236}">
+                <a16:creationId xmlns:a16="http://schemas.microsoft.com/office/drawing/2014/main" id="{BF6F8536-85DB-DF14-A594-B95FED9961CF}"/>
+              </a:ext>
+            </a:extLst>
+          </p:cNvPr>
+          <p:cNvPicPr>
+            <a:picLocks noChangeAspect="1"/>
+          </p:cNvPicPr>
+          <p:nvPr/>
+        </p:nvPicPr>
+        <p:blipFill>
+          <a:blip r:embed="rId3">
+            <a:lum bright="70000" contrast="-70000"/>
+            <a:extLst>
+              <a:ext uri="{28A0092B-C50C-407E-A947-70E740481C1C}">
+                <a14:useLocalDpi xmlns:a14="http://schemas.microsoft.com/office/drawing/2010/main" val="0"/>
+              </a:ext>
+            </a:extLst>
+          </a:blip>
+          <a:stretch>
+            <a:fillRect/>
+          </a:stretch>
+        </p:blipFill>
+        <p:spPr>
+          <a:xfrm>
+            <a:off x="5037730" y="2269284"/>
+            <a:ext cx="914400" cy="914400"/>
+          </a:xfrm>
+          <a:prstGeom prst="rect">
+            <a:avLst/>
+          </a:prstGeom>
+          <a:noFill/>
+          <a:ln>
+            <a:noFill/>
+          </a:ln>
+        </p:spPr>
+      </p:pic>
+      <p:sp>
+        <p:nvSpPr>
+          <p:cNvPr id="10" name="TextBox 9">
+            <a:extLst>
+              <a:ext uri="{FF2B5EF4-FFF2-40B4-BE49-F238E27FC236}">
+                <a16:creationId xmlns:a16="http://schemas.microsoft.com/office/drawing/2014/main" id="{2BE2EB12-875A-2023-419B-5557593347A2}"/>
+              </a:ext>
+            </a:extLst>
+          </p:cNvPr>
+          <p:cNvSpPr txBox="1"/>
+          <p:nvPr/>
+        </p:nvSpPr>
+        <p:spPr>
+          <a:xfrm>
+            <a:off x="6967660" y="1583313"/>
+            <a:ext cx="2956560" cy="1323439"/>
+          </a:xfrm>
+          <a:prstGeom prst="rect">
+            <a:avLst/>
+          </a:prstGeom>
+          <a:noFill/>
+        </p:spPr>
+        <p:txBody>
+          <a:bodyPr wrap="square" rtlCol="0">
+            <a:spAutoFit/>
+          </a:bodyPr>
+          <a:lstStyle/>
+          <a:p>
+            <a:pPr marL="342900" indent="-342900" algn="just">
+              <a:buFont typeface="Courier New" panose="02070309020205020404" pitchFamily="49" charset="0"/>
+              <a:buChar char="o"/>
+            </a:pPr>
+            <a:r>
+              <a:rPr lang="en-US" sz="1600" dirty="0" err="1">
+                <a:latin typeface="Arial" panose="020B0604020202020204" pitchFamily="34" charset="0"/>
+                <a:cs typeface="Arial" panose="020B0604020202020204" pitchFamily="34" charset="0"/>
+              </a:rPr>
+              <a:t>Implementasi</a:t>
+            </a:r>
+            <a:r>
+              <a:rPr lang="en-US" sz="1600" dirty="0">
+                <a:latin typeface="Arial" panose="020B0604020202020204" pitchFamily="34" charset="0"/>
+                <a:cs typeface="Arial" panose="020B0604020202020204" pitchFamily="34" charset="0"/>
+              </a:rPr>
+              <a:t> </a:t>
+            </a:r>
+            <a:r>
+              <a:rPr lang="en-US" sz="1600" dirty="0" err="1">
+                <a:latin typeface="Arial" panose="020B0604020202020204" pitchFamily="34" charset="0"/>
+                <a:cs typeface="Arial" panose="020B0604020202020204" pitchFamily="34" charset="0"/>
+              </a:rPr>
+              <a:t>berbasis</a:t>
+            </a:r>
+            <a:r>
+              <a:rPr lang="en-US" sz="1600" dirty="0">
+                <a:latin typeface="Arial" panose="020B0604020202020204" pitchFamily="34" charset="0"/>
+                <a:cs typeface="Arial" panose="020B0604020202020204" pitchFamily="34" charset="0"/>
+              </a:rPr>
+              <a:t> Android</a:t>
+            </a:r>
+          </a:p>
+          <a:p>
+            <a:pPr marL="342900" indent="-342900" algn="just">
+              <a:buFont typeface="Courier New" panose="02070309020205020404" pitchFamily="49" charset="0"/>
+              <a:buChar char="o"/>
+            </a:pPr>
+            <a:r>
+              <a:rPr lang="en-US" sz="1600" dirty="0">
+                <a:latin typeface="Arial" panose="020B0604020202020204" pitchFamily="34" charset="0"/>
+                <a:cs typeface="Arial" panose="020B0604020202020204" pitchFamily="34" charset="0"/>
+              </a:rPr>
+              <a:t>Radius </a:t>
+            </a:r>
+            <a:r>
+              <a:rPr lang="en-US" sz="1600" dirty="0" err="1">
+                <a:latin typeface="Arial" panose="020B0604020202020204" pitchFamily="34" charset="0"/>
+                <a:cs typeface="Arial" panose="020B0604020202020204" pitchFamily="34" charset="0"/>
+              </a:rPr>
+              <a:t>presensi</a:t>
+            </a:r>
+            <a:r>
+              <a:rPr lang="en-US" sz="1600" dirty="0">
+                <a:latin typeface="Arial" panose="020B0604020202020204" pitchFamily="34" charset="0"/>
+                <a:cs typeface="Arial" panose="020B0604020202020204" pitchFamily="34" charset="0"/>
+              </a:rPr>
+              <a:t> 10 Meter</a:t>
+            </a:r>
+          </a:p>
+          <a:p>
+            <a:pPr marL="342900" indent="-342900" algn="just">
+              <a:buFont typeface="Courier New" panose="02070309020205020404" pitchFamily="49" charset="0"/>
+              <a:buChar char="o"/>
+            </a:pPr>
+            <a:r>
+              <a:rPr lang="en-US" sz="1600" dirty="0" err="1">
+                <a:latin typeface="Arial" panose="020B0604020202020204" pitchFamily="34" charset="0"/>
+                <a:cs typeface="Arial" panose="020B0604020202020204" pitchFamily="34" charset="0"/>
+              </a:rPr>
+              <a:t>Algoritma</a:t>
+            </a:r>
+            <a:r>
+              <a:rPr lang="en-US" sz="1600" dirty="0">
+                <a:latin typeface="Arial" panose="020B0604020202020204" pitchFamily="34" charset="0"/>
+                <a:cs typeface="Arial" panose="020B0604020202020204" pitchFamily="34" charset="0"/>
+              </a:rPr>
+              <a:t> </a:t>
+            </a:r>
+            <a:r>
+              <a:rPr lang="en-US" sz="1600" dirty="0" err="1">
+                <a:latin typeface="Arial" panose="020B0604020202020204" pitchFamily="34" charset="0"/>
+                <a:cs typeface="Arial" panose="020B0604020202020204" pitchFamily="34" charset="0"/>
+              </a:rPr>
+              <a:t>pengukur</a:t>
+            </a:r>
+            <a:r>
+              <a:rPr lang="en-US" sz="1600" dirty="0">
+                <a:latin typeface="Arial" panose="020B0604020202020204" pitchFamily="34" charset="0"/>
+                <a:cs typeface="Arial" panose="020B0604020202020204" pitchFamily="34" charset="0"/>
+              </a:rPr>
+              <a:t> </a:t>
+            </a:r>
+            <a:r>
+              <a:rPr lang="en-US" sz="1600" dirty="0" err="1">
+                <a:latin typeface="Arial" panose="020B0604020202020204" pitchFamily="34" charset="0"/>
+                <a:cs typeface="Arial" panose="020B0604020202020204" pitchFamily="34" charset="0"/>
+              </a:rPr>
+              <a:t>jarak</a:t>
+            </a:r>
+            <a:r>
+              <a:rPr lang="en-US" sz="1600" dirty="0">
+                <a:latin typeface="Arial" panose="020B0604020202020204" pitchFamily="34" charset="0"/>
+                <a:cs typeface="Arial" panose="020B0604020202020204" pitchFamily="34" charset="0"/>
+              </a:rPr>
+              <a:t> Haversine </a:t>
+            </a:r>
+            <a:endParaRPr lang="en-ID" sz="1600" dirty="0">
+              <a:latin typeface="Arial" panose="020B0604020202020204" pitchFamily="34" charset="0"/>
+              <a:cs typeface="Arial" panose="020B0604020202020204" pitchFamily="34" charset="0"/>
+            </a:endParaRPr>
+          </a:p>
+        </p:txBody>
+      </p:sp>
+      <p:pic>
+        <p:nvPicPr>
+          <p:cNvPr id="6" name="Picture 5">
+            <a:extLst>
+              <a:ext uri="{FF2B5EF4-FFF2-40B4-BE49-F238E27FC236}">
+                <a16:creationId xmlns:a16="http://schemas.microsoft.com/office/drawing/2014/main" id="{A6F2B733-11EB-C8AD-ADB0-218572F86F2B}"/>
+              </a:ext>
+            </a:extLst>
+          </p:cNvPr>
+          <p:cNvPicPr>
+            <a:picLocks noChangeAspect="1"/>
+          </p:cNvPicPr>
+          <p:nvPr/>
+        </p:nvPicPr>
+        <p:blipFill>
+          <a:blip r:embed="rId4">
+            <a:lum bright="70000" contrast="-70000"/>
+            <a:extLst>
+              <a:ext uri="{BEBA8EAE-BF5A-486C-A8C5-ECC9F3942E4B}">
+                <a14:imgProps xmlns:a14="http://schemas.microsoft.com/office/drawing/2010/main">
+                  <a14:imgLayer r:embed="rId5">
+                    <a14:imgEffect>
+                      <a14:sharpenSoften amount="50000"/>
+                    </a14:imgEffect>
+                  </a14:imgLayer>
+                </a14:imgProps>
+              </a:ext>
+              <a:ext uri="{28A0092B-C50C-407E-A947-70E740481C1C}">
+                <a14:useLocalDpi xmlns:a14="http://schemas.microsoft.com/office/drawing/2010/main" val="0"/>
+              </a:ext>
+            </a:extLst>
+          </a:blip>
+          <a:stretch>
+            <a:fillRect/>
+          </a:stretch>
+        </p:blipFill>
+        <p:spPr>
+          <a:xfrm>
+            <a:off x="5037730" y="3567223"/>
+            <a:ext cx="914400" cy="914400"/>
+          </a:xfrm>
+          <a:prstGeom prst="rect">
+            <a:avLst/>
+          </a:prstGeom>
+        </p:spPr>
+      </p:pic>
+      <p:pic>
+        <p:nvPicPr>
+          <p:cNvPr id="12" name="Picture 11">
+            <a:extLst>
+              <a:ext uri="{FF2B5EF4-FFF2-40B4-BE49-F238E27FC236}">
+                <a16:creationId xmlns:a16="http://schemas.microsoft.com/office/drawing/2014/main" id="{307E7448-8105-63BA-544D-AE665F602743}"/>
+              </a:ext>
+            </a:extLst>
+          </p:cNvPr>
+          <p:cNvPicPr>
+            <a:picLocks noChangeAspect="1"/>
+          </p:cNvPicPr>
+          <p:nvPr/>
+        </p:nvPicPr>
+        <p:blipFill>
+          <a:blip r:embed="rId6">
+            <a:lum bright="70000" contrast="-70000"/>
+            <a:extLst>
+              <a:ext uri="{BEBA8EAE-BF5A-486C-A8C5-ECC9F3942E4B}">
+                <a14:imgProps xmlns:a14="http://schemas.microsoft.com/office/drawing/2010/main">
+                  <a14:imgLayer r:embed="rId7">
+                    <a14:imgEffect>
+                      <a14:sharpenSoften amount="50000"/>
+                    </a14:imgEffect>
+                  </a14:imgLayer>
+                </a14:imgProps>
+              </a:ext>
+              <a:ext uri="{28A0092B-C50C-407E-A947-70E740481C1C}">
+                <a14:useLocalDpi xmlns:a14="http://schemas.microsoft.com/office/drawing/2010/main" val="0"/>
+              </a:ext>
+            </a:extLst>
+          </a:blip>
+          <a:stretch>
+            <a:fillRect/>
+          </a:stretch>
+        </p:blipFill>
+        <p:spPr>
+          <a:xfrm>
+            <a:off x="6239872" y="2269284"/>
+            <a:ext cx="914400" cy="914400"/>
+          </a:xfrm>
+          <a:prstGeom prst="rect">
+            <a:avLst/>
+          </a:prstGeom>
+        </p:spPr>
+      </p:pic>
+      <p:pic>
+        <p:nvPicPr>
+          <p:cNvPr id="14" name="Picture 13">
+            <a:extLst>
+              <a:ext uri="{FF2B5EF4-FFF2-40B4-BE49-F238E27FC236}">
+                <a16:creationId xmlns:a16="http://schemas.microsoft.com/office/drawing/2014/main" id="{C19CD41F-4CBB-32CB-C539-7A2A07360577}"/>
+              </a:ext>
+            </a:extLst>
+          </p:cNvPr>
+          <p:cNvPicPr>
+            <a:picLocks noChangeAspect="1"/>
+          </p:cNvPicPr>
+          <p:nvPr/>
+        </p:nvPicPr>
+        <p:blipFill>
+          <a:blip r:embed="rId8">
+            <a:lum bright="70000" contrast="-70000"/>
+            <a:extLst>
+              <a:ext uri="{BEBA8EAE-BF5A-486C-A8C5-ECC9F3942E4B}">
+                <a14:imgProps xmlns:a14="http://schemas.microsoft.com/office/drawing/2010/main">
+                  <a14:imgLayer r:embed="rId9">
+                    <a14:imgEffect>
+                      <a14:sharpenSoften amount="50000"/>
+                    </a14:imgEffect>
+                  </a14:imgLayer>
+                </a14:imgProps>
+              </a:ext>
+              <a:ext uri="{28A0092B-C50C-407E-A947-70E740481C1C}">
+                <a14:useLocalDpi xmlns:a14="http://schemas.microsoft.com/office/drawing/2010/main" val="0"/>
+              </a:ext>
+            </a:extLst>
+          </a:blip>
+          <a:stretch>
+            <a:fillRect/>
+          </a:stretch>
+        </p:blipFill>
+        <p:spPr>
+          <a:xfrm>
+            <a:off x="6239872" y="3567223"/>
+            <a:ext cx="914400" cy="914400"/>
+          </a:xfrm>
+          <a:prstGeom prst="rect">
+            <a:avLst/>
+          </a:prstGeom>
+        </p:spPr>
+      </p:pic>
+      <p:sp>
+        <p:nvSpPr>
+          <p:cNvPr id="15" name="TextBox 14">
+            <a:extLst>
+              <a:ext uri="{FF2B5EF4-FFF2-40B4-BE49-F238E27FC236}">
+                <a16:creationId xmlns:a16="http://schemas.microsoft.com/office/drawing/2014/main" id="{D875026E-6996-9E96-B651-90622EDDE2CF}"/>
+              </a:ext>
+            </a:extLst>
+          </p:cNvPr>
+          <p:cNvSpPr txBox="1"/>
+          <p:nvPr/>
+        </p:nvSpPr>
+        <p:spPr>
+          <a:xfrm>
+            <a:off x="2267782" y="3907899"/>
             <a:ext cx="2956560" cy="1077218"/>
           </a:xfrm>
           <a:prstGeom prst="rect">
@@ -5192,7 +5673,7 @@
                 <a:latin typeface="Arial" panose="020B0604020202020204" pitchFamily="34" charset="0"/>
                 <a:cs typeface="Arial" panose="020B0604020202020204" pitchFamily="34" charset="0"/>
               </a:rPr>
-              <a:t>Presensi</a:t>
+              <a:t>Membangun</a:t>
             </a:r>
             <a:r>
               <a:rPr lang="en-US" sz="1600" dirty="0">
@@ -5206,7 +5687,7 @@
                 <a:latin typeface="Arial" panose="020B0604020202020204" pitchFamily="34" charset="0"/>
                 <a:cs typeface="Arial" panose="020B0604020202020204" pitchFamily="34" charset="0"/>
               </a:rPr>
-              <a:t>menggunakan</a:t>
+              <a:t>sistem</a:t>
             </a:r>
             <a:r>
               <a:rPr lang="en-US" sz="1600" dirty="0">
@@ -5220,7 +5701,7 @@
                 <a:latin typeface="Arial" panose="020B0604020202020204" pitchFamily="34" charset="0"/>
                 <a:cs typeface="Arial" panose="020B0604020202020204" pitchFamily="34" charset="0"/>
               </a:rPr>
-              <a:t>cara</a:t>
+              <a:t>presensi</a:t>
             </a:r>
             <a:r>
               <a:rPr lang="en-US" sz="1600" dirty="0">
@@ -5234,12 +5715,15 @@
                 <a:latin typeface="Arial" panose="020B0604020202020204" pitchFamily="34" charset="0"/>
                 <a:cs typeface="Arial" panose="020B0604020202020204" pitchFamily="34" charset="0"/>
               </a:rPr>
-              <a:t>konvensional</a:t>
-            </a:r>
-            <a:endParaRPr lang="en-US" sz="1600" dirty="0">
-              <a:latin typeface="Arial" panose="020B0604020202020204" pitchFamily="34" charset="0"/>
-              <a:cs typeface="Arial" panose="020B0604020202020204" pitchFamily="34" charset="0"/>
-            </a:endParaRPr>
+              <a:t>berbasis</a:t>
+            </a:r>
+            <a:r>
+              <a:rPr lang="en-US" sz="1600" dirty="0">
+                <a:latin typeface="Arial" panose="020B0604020202020204" pitchFamily="34" charset="0"/>
+                <a:cs typeface="Arial" panose="020B0604020202020204" pitchFamily="34" charset="0"/>
+              </a:rPr>
+              <a:t> Android</a:t>
+            </a:r>
           </a:p>
           <a:p>
             <a:pPr marL="342900" indent="-342900" algn="just">
@@ -5247,59 +5731,53 @@
               <a:buChar char="o"/>
             </a:pPr>
             <a:r>
-              <a:rPr lang="en-ID" sz="1600" dirty="0" err="1">
-                <a:latin typeface="Arial" panose="020B0604020202020204" pitchFamily="34" charset="0"/>
-                <a:cs typeface="Arial" panose="020B0604020202020204" pitchFamily="34" charset="0"/>
-              </a:rPr>
-              <a:t>Kedisiplinan</a:t>
-            </a:r>
-            <a:r>
-              <a:rPr lang="en-ID" sz="1600" dirty="0">
+              <a:rPr lang="en-US" sz="1600" dirty="0" err="1">
+                <a:latin typeface="Arial" panose="020B0604020202020204" pitchFamily="34" charset="0"/>
+                <a:cs typeface="Arial" panose="020B0604020202020204" pitchFamily="34" charset="0"/>
+              </a:rPr>
+              <a:t>Meningkatkan</a:t>
+            </a:r>
+            <a:r>
+              <a:rPr lang="en-US" sz="1600" dirty="0">
                 <a:latin typeface="Arial" panose="020B0604020202020204" pitchFamily="34" charset="0"/>
                 <a:cs typeface="Arial" panose="020B0604020202020204" pitchFamily="34" charset="0"/>
               </a:rPr>
               <a:t> </a:t>
             </a:r>
             <a:r>
-              <a:rPr lang="en-ID" sz="1600" dirty="0" err="1">
+              <a:rPr lang="en-US" sz="1600" dirty="0" err="1">
+                <a:latin typeface="Arial" panose="020B0604020202020204" pitchFamily="34" charset="0"/>
+                <a:cs typeface="Arial" panose="020B0604020202020204" pitchFamily="34" charset="0"/>
+              </a:rPr>
+              <a:t>kedisiplinan</a:t>
+            </a:r>
+            <a:r>
+              <a:rPr lang="en-US" sz="1600" dirty="0">
+                <a:latin typeface="Arial" panose="020B0604020202020204" pitchFamily="34" charset="0"/>
+                <a:cs typeface="Arial" panose="020B0604020202020204" pitchFamily="34" charset="0"/>
+              </a:rPr>
+              <a:t> </a:t>
+            </a:r>
+            <a:r>
+              <a:rPr lang="en-US" sz="1600" dirty="0" err="1">
+                <a:latin typeface="Arial" panose="020B0604020202020204" pitchFamily="34" charset="0"/>
+                <a:cs typeface="Arial" panose="020B0604020202020204" pitchFamily="34" charset="0"/>
+              </a:rPr>
+              <a:t>presensi</a:t>
+            </a:r>
+            <a:r>
+              <a:rPr lang="en-US" sz="1600" dirty="0">
+                <a:latin typeface="Arial" panose="020B0604020202020204" pitchFamily="34" charset="0"/>
+                <a:cs typeface="Arial" panose="020B0604020202020204" pitchFamily="34" charset="0"/>
+              </a:rPr>
+              <a:t> </a:t>
+            </a:r>
+            <a:r>
+              <a:rPr lang="en-US" sz="1600" dirty="0" err="1">
                 <a:latin typeface="Arial" panose="020B0604020202020204" pitchFamily="34" charset="0"/>
                 <a:cs typeface="Arial" panose="020B0604020202020204" pitchFamily="34" charset="0"/>
               </a:rPr>
               <a:t>pegawai</a:t>
-            </a:r>
-            <a:r>
-              <a:rPr lang="en-ID" sz="1600" dirty="0">
-                <a:latin typeface="Arial" panose="020B0604020202020204" pitchFamily="34" charset="0"/>
-                <a:cs typeface="Arial" panose="020B0604020202020204" pitchFamily="34" charset="0"/>
-              </a:rPr>
-              <a:t> </a:t>
-            </a:r>
-          </a:p>
-          <a:p>
-            <a:pPr marL="342900" indent="-342900" algn="just">
-              <a:buFont typeface="Courier New" panose="02070309020205020404" pitchFamily="49" charset="0"/>
-              <a:buChar char="o"/>
-            </a:pPr>
-            <a:r>
-              <a:rPr lang="en-US" sz="1600" dirty="0" err="1">
-                <a:latin typeface="Arial" panose="020B0604020202020204" pitchFamily="34" charset="0"/>
-                <a:cs typeface="Arial" panose="020B0604020202020204" pitchFamily="34" charset="0"/>
-              </a:rPr>
-              <a:t>Pengambilan</a:t>
-            </a:r>
-            <a:r>
-              <a:rPr lang="en-US" sz="1600" dirty="0">
-                <a:latin typeface="Arial" panose="020B0604020202020204" pitchFamily="34" charset="0"/>
-                <a:cs typeface="Arial" panose="020B0604020202020204" pitchFamily="34" charset="0"/>
-              </a:rPr>
-              <a:t> </a:t>
-            </a:r>
-            <a:r>
-              <a:rPr lang="en-US" sz="1600" dirty="0" err="1">
-                <a:latin typeface="Arial" panose="020B0604020202020204" pitchFamily="34" charset="0"/>
-                <a:cs typeface="Arial" panose="020B0604020202020204" pitchFamily="34" charset="0"/>
-              </a:rPr>
-              <a:t>keputusan</a:t>
             </a:r>
             <a:r>
               <a:rPr lang="en-US" sz="1600" dirty="0">
@@ -5315,84 +5793,209 @@
           </a:p>
         </p:txBody>
       </p:sp>
-      <p:pic>
-        <p:nvPicPr>
-          <p:cNvPr id="8" name="Picture 7">
-            <a:extLst>
-              <a:ext uri="{FF2B5EF4-FFF2-40B4-BE49-F238E27FC236}">
-                <a16:creationId xmlns:a16="http://schemas.microsoft.com/office/drawing/2014/main" id="{BF6F8536-85DB-DF14-A594-B95FED9961CF}"/>
-              </a:ext>
-            </a:extLst>
-          </p:cNvPr>
-          <p:cNvPicPr>
-            <a:picLocks noChangeAspect="1"/>
-          </p:cNvPicPr>
+      <p:sp>
+        <p:nvSpPr>
+          <p:cNvPr id="16" name="TextBox 15">
+            <a:extLst>
+              <a:ext uri="{FF2B5EF4-FFF2-40B4-BE49-F238E27FC236}">
+                <a16:creationId xmlns:a16="http://schemas.microsoft.com/office/drawing/2014/main" id="{08A92FC8-01DF-8FCF-ABF8-95CD34EAB6D7}"/>
+              </a:ext>
+            </a:extLst>
+          </p:cNvPr>
+          <p:cNvSpPr txBox="1"/>
           <p:nvPr/>
-        </p:nvPicPr>
-        <p:blipFill>
-          <a:blip r:embed="rId3">
-            <a:lum bright="70000" contrast="-70000"/>
-            <a:extLst>
-              <a:ext uri="{28A0092B-C50C-407E-A947-70E740481C1C}">
-                <a14:useLocalDpi xmlns:a14="http://schemas.microsoft.com/office/drawing/2010/main" val="0"/>
-              </a:ext>
-            </a:extLst>
-          </a:blip>
-          <a:stretch>
-            <a:fillRect/>
-          </a:stretch>
-        </p:blipFill>
+        </p:nvSpPr>
         <p:spPr>
           <a:xfrm>
-            <a:off x="1242215" y="1728133"/>
-            <a:ext cx="1280160" cy="1280160"/>
+            <a:off x="6967660" y="3907899"/>
+            <a:ext cx="2956560" cy="1323439"/>
           </a:xfrm>
           <a:prstGeom prst="rect">
             <a:avLst/>
           </a:prstGeom>
           <a:noFill/>
-          <a:ln>
-            <a:noFill/>
-          </a:ln>
         </p:spPr>
-      </p:pic>
-      <p:pic>
-        <p:nvPicPr>
-          <p:cNvPr id="11" name="Picture 10">
-            <a:extLst>
-              <a:ext uri="{FF2B5EF4-FFF2-40B4-BE49-F238E27FC236}">
-                <a16:creationId xmlns:a16="http://schemas.microsoft.com/office/drawing/2014/main" id="{8400DBD7-970A-999E-3B0C-4CB5D0995651}"/>
-              </a:ext>
-            </a:extLst>
-          </p:cNvPr>
-          <p:cNvPicPr>
-            <a:picLocks noChangeAspect="1"/>
-          </p:cNvPicPr>
-          <p:nvPr/>
-        </p:nvPicPr>
-        <p:blipFill>
-          <a:blip r:embed="rId4">
-            <a:lum bright="70000" contrast="-70000"/>
-            <a:extLst>
-              <a:ext uri="{28A0092B-C50C-407E-A947-70E740481C1C}">
-                <a14:useLocalDpi xmlns:a14="http://schemas.microsoft.com/office/drawing/2010/main" val="0"/>
-              </a:ext>
-            </a:extLst>
-          </a:blip>
-          <a:stretch>
-            <a:fillRect/>
-          </a:stretch>
-        </p:blipFill>
-        <p:spPr>
-          <a:xfrm>
-            <a:off x="6239871" y="1626662"/>
-            <a:ext cx="1280160" cy="1280160"/>
-          </a:xfrm>
-          <a:prstGeom prst="rect">
-            <a:avLst/>
-          </a:prstGeom>
-        </p:spPr>
-      </p:pic>
+        <p:txBody>
+          <a:bodyPr wrap="square" rtlCol="0">
+            <a:spAutoFit/>
+          </a:bodyPr>
+          <a:lstStyle/>
+          <a:p>
+            <a:pPr marL="342900" indent="-342900" algn="just">
+              <a:buFont typeface="Courier New" panose="02070309020205020404" pitchFamily="49" charset="0"/>
+              <a:buChar char="o"/>
+            </a:pPr>
+            <a:r>
+              <a:rPr lang="en-US" sz="1600" dirty="0" err="1">
+                <a:latin typeface="Arial" panose="020B0604020202020204" pitchFamily="34" charset="0"/>
+                <a:cs typeface="Arial" panose="020B0604020202020204" pitchFamily="34" charset="0"/>
+              </a:rPr>
+              <a:t>Rekap</a:t>
+            </a:r>
+            <a:r>
+              <a:rPr lang="en-US" sz="1600" dirty="0">
+                <a:latin typeface="Arial" panose="020B0604020202020204" pitchFamily="34" charset="0"/>
+                <a:cs typeface="Arial" panose="020B0604020202020204" pitchFamily="34" charset="0"/>
+              </a:rPr>
+              <a:t> </a:t>
+            </a:r>
+            <a:r>
+              <a:rPr lang="en-US" sz="1600" dirty="0" err="1">
+                <a:latin typeface="Arial" panose="020B0604020202020204" pitchFamily="34" charset="0"/>
+                <a:cs typeface="Arial" panose="020B0604020202020204" pitchFamily="34" charset="0"/>
+              </a:rPr>
+              <a:t>presensi</a:t>
+            </a:r>
+            <a:r>
+              <a:rPr lang="en-US" sz="1600" dirty="0">
+                <a:latin typeface="Arial" panose="020B0604020202020204" pitchFamily="34" charset="0"/>
+                <a:cs typeface="Arial" panose="020B0604020202020204" pitchFamily="34" charset="0"/>
+              </a:rPr>
+              <a:t> </a:t>
+            </a:r>
+            <a:r>
+              <a:rPr lang="en-US" sz="1600" dirty="0" err="1">
+                <a:latin typeface="Arial" panose="020B0604020202020204" pitchFamily="34" charset="0"/>
+                <a:cs typeface="Arial" panose="020B0604020202020204" pitchFamily="34" charset="0"/>
+              </a:rPr>
+              <a:t>pegawai</a:t>
+            </a:r>
+            <a:r>
+              <a:rPr lang="en-US" sz="1600" dirty="0">
+                <a:latin typeface="Arial" panose="020B0604020202020204" pitchFamily="34" charset="0"/>
+                <a:cs typeface="Arial" panose="020B0604020202020204" pitchFamily="34" charset="0"/>
+              </a:rPr>
+              <a:t> </a:t>
+            </a:r>
+            <a:r>
+              <a:rPr lang="en-US" sz="1600" dirty="0" err="1">
+                <a:latin typeface="Arial" panose="020B0604020202020204" pitchFamily="34" charset="0"/>
+                <a:cs typeface="Arial" panose="020B0604020202020204" pitchFamily="34" charset="0"/>
+              </a:rPr>
+              <a:t>dapat</a:t>
+            </a:r>
+            <a:r>
+              <a:rPr lang="en-US" sz="1600" dirty="0">
+                <a:latin typeface="Arial" panose="020B0604020202020204" pitchFamily="34" charset="0"/>
+                <a:cs typeface="Arial" panose="020B0604020202020204" pitchFamily="34" charset="0"/>
+              </a:rPr>
+              <a:t> </a:t>
+            </a:r>
+            <a:r>
+              <a:rPr lang="en-US" sz="1600" dirty="0" err="1">
+                <a:latin typeface="Arial" panose="020B0604020202020204" pitchFamily="34" charset="0"/>
+                <a:cs typeface="Arial" panose="020B0604020202020204" pitchFamily="34" charset="0"/>
+              </a:rPr>
+              <a:t>terpantau</a:t>
+            </a:r>
+            <a:r>
+              <a:rPr lang="en-US" sz="1600" dirty="0">
+                <a:latin typeface="Arial" panose="020B0604020202020204" pitchFamily="34" charset="0"/>
+                <a:cs typeface="Arial" panose="020B0604020202020204" pitchFamily="34" charset="0"/>
+              </a:rPr>
+              <a:t> </a:t>
+            </a:r>
+            <a:r>
+              <a:rPr lang="en-US" sz="1600" dirty="0" err="1">
+                <a:latin typeface="Arial" panose="020B0604020202020204" pitchFamily="34" charset="0"/>
+                <a:cs typeface="Arial" panose="020B0604020202020204" pitchFamily="34" charset="0"/>
+              </a:rPr>
+              <a:t>dengan</a:t>
+            </a:r>
+            <a:r>
+              <a:rPr lang="en-US" sz="1600" dirty="0">
+                <a:latin typeface="Arial" panose="020B0604020202020204" pitchFamily="34" charset="0"/>
+                <a:cs typeface="Arial" panose="020B0604020202020204" pitchFamily="34" charset="0"/>
+              </a:rPr>
+              <a:t> </a:t>
+            </a:r>
+            <a:r>
+              <a:rPr lang="en-US" sz="1600" dirty="0" err="1">
+                <a:latin typeface="Arial" panose="020B0604020202020204" pitchFamily="34" charset="0"/>
+                <a:cs typeface="Arial" panose="020B0604020202020204" pitchFamily="34" charset="0"/>
+              </a:rPr>
+              <a:t>baik</a:t>
+            </a:r>
+            <a:endParaRPr lang="en-US" sz="1600" dirty="0">
+              <a:latin typeface="Arial" panose="020B0604020202020204" pitchFamily="34" charset="0"/>
+              <a:cs typeface="Arial" panose="020B0604020202020204" pitchFamily="34" charset="0"/>
+            </a:endParaRPr>
+          </a:p>
+          <a:p>
+            <a:pPr marL="342900" indent="-342900" algn="just">
+              <a:buFont typeface="Courier New" panose="02070309020205020404" pitchFamily="49" charset="0"/>
+              <a:buChar char="o"/>
+            </a:pPr>
+            <a:r>
+              <a:rPr lang="en-US" sz="1600" dirty="0" err="1">
+                <a:latin typeface="Arial" panose="020B0604020202020204" pitchFamily="34" charset="0"/>
+                <a:cs typeface="Arial" panose="020B0604020202020204" pitchFamily="34" charset="0"/>
+              </a:rPr>
+              <a:t>Membantu</a:t>
+            </a:r>
+            <a:r>
+              <a:rPr lang="en-US" sz="1600" dirty="0">
+                <a:latin typeface="Arial" panose="020B0604020202020204" pitchFamily="34" charset="0"/>
+                <a:cs typeface="Arial" panose="020B0604020202020204" pitchFamily="34" charset="0"/>
+              </a:rPr>
+              <a:t> </a:t>
+            </a:r>
+            <a:r>
+              <a:rPr lang="en-US" sz="1600" dirty="0" err="1">
+                <a:latin typeface="Arial" panose="020B0604020202020204" pitchFamily="34" charset="0"/>
+                <a:cs typeface="Arial" panose="020B0604020202020204" pitchFamily="34" charset="0"/>
+              </a:rPr>
+              <a:t>mengambil</a:t>
+            </a:r>
+            <a:r>
+              <a:rPr lang="en-US" sz="1600" dirty="0">
+                <a:latin typeface="Arial" panose="020B0604020202020204" pitchFamily="34" charset="0"/>
+                <a:cs typeface="Arial" panose="020B0604020202020204" pitchFamily="34" charset="0"/>
+              </a:rPr>
+              <a:t> </a:t>
+            </a:r>
+            <a:r>
+              <a:rPr lang="en-US" sz="1600" dirty="0" err="1">
+                <a:latin typeface="Arial" panose="020B0604020202020204" pitchFamily="34" charset="0"/>
+                <a:cs typeface="Arial" panose="020B0604020202020204" pitchFamily="34" charset="0"/>
+              </a:rPr>
+              <a:t>kebijakan</a:t>
+            </a:r>
+            <a:r>
+              <a:rPr lang="en-US" sz="1600" dirty="0">
+                <a:latin typeface="Arial" panose="020B0604020202020204" pitchFamily="34" charset="0"/>
+                <a:cs typeface="Arial" panose="020B0604020202020204" pitchFamily="34" charset="0"/>
+              </a:rPr>
+              <a:t> </a:t>
+            </a:r>
+            <a:r>
+              <a:rPr lang="en-US" sz="1600" dirty="0" err="1">
+                <a:latin typeface="Arial" panose="020B0604020202020204" pitchFamily="34" charset="0"/>
+                <a:cs typeface="Arial" panose="020B0604020202020204" pitchFamily="34" charset="0"/>
+              </a:rPr>
+              <a:t>terkait</a:t>
+            </a:r>
+            <a:r>
+              <a:rPr lang="en-US" sz="1600" dirty="0">
+                <a:latin typeface="Arial" panose="020B0604020202020204" pitchFamily="34" charset="0"/>
+                <a:cs typeface="Arial" panose="020B0604020202020204" pitchFamily="34" charset="0"/>
+              </a:rPr>
+              <a:t> </a:t>
+            </a:r>
+            <a:r>
+              <a:rPr lang="en-US" sz="1600" dirty="0" err="1">
+                <a:latin typeface="Arial" panose="020B0604020202020204" pitchFamily="34" charset="0"/>
+                <a:cs typeface="Arial" panose="020B0604020202020204" pitchFamily="34" charset="0"/>
+              </a:rPr>
+              <a:t>presensi</a:t>
+            </a:r>
+            <a:endParaRPr lang="en-ID" sz="1600" dirty="0">
+              <a:latin typeface="Arial" panose="020B0604020202020204" pitchFamily="34" charset="0"/>
+              <a:cs typeface="Arial" panose="020B0604020202020204" pitchFamily="34" charset="0"/>
+            </a:endParaRPr>
+          </a:p>
+        </p:txBody>
+      </p:sp>
     </p:spTree>
     <p:extLst>
       <p:ext uri="{BB962C8B-B14F-4D97-AF65-F5344CB8AC3E}">
@@ -5419,6 +6022,4188 @@
 </file>
 
 <file path=ppt/slides/slide4.xml><?xml version="1.0" encoding="utf-8"?>
+<p:sld xmlns:a="http://schemas.openxmlformats.org/drawingml/2006/main" xmlns:r="http://schemas.openxmlformats.org/officeDocument/2006/relationships" xmlns:p="http://schemas.openxmlformats.org/presentationml/2006/main">
+  <p:cSld>
+    <p:spTree>
+      <p:nvGrpSpPr>
+        <p:cNvPr id="1" name=""/>
+        <p:cNvGrpSpPr/>
+        <p:nvPr/>
+      </p:nvGrpSpPr>
+      <p:grpSpPr>
+        <a:xfrm>
+          <a:off x="0" y="0"/>
+          <a:ext cx="0" cy="0"/>
+          <a:chOff x="0" y="0"/>
+          <a:chExt cx="0" cy="0"/>
+        </a:xfrm>
+      </p:grpSpPr>
+      <p:sp>
+        <p:nvSpPr>
+          <p:cNvPr id="2" name="TextBox 1">
+            <a:extLst>
+              <a:ext uri="{FF2B5EF4-FFF2-40B4-BE49-F238E27FC236}">
+                <a16:creationId xmlns:a16="http://schemas.microsoft.com/office/drawing/2014/main" id="{F5D344A1-39FE-052D-1B9C-3C500FCD5362}"/>
+              </a:ext>
+            </a:extLst>
+          </p:cNvPr>
+          <p:cNvSpPr txBox="1"/>
+          <p:nvPr/>
+        </p:nvSpPr>
+        <p:spPr>
+          <a:xfrm>
+            <a:off x="2522375" y="524445"/>
+            <a:ext cx="7147249" cy="458780"/>
+          </a:xfrm>
+          <a:prstGeom prst="rect">
+            <a:avLst/>
+          </a:prstGeom>
+          <a:noFill/>
+        </p:spPr>
+        <p:txBody>
+          <a:bodyPr wrap="square" rtlCol="0">
+            <a:spAutoFit/>
+          </a:bodyPr>
+          <a:lstStyle/>
+          <a:p>
+            <a:pPr algn="ctr">
+              <a:lnSpc>
+                <a:spcPct val="107000"/>
+              </a:lnSpc>
+              <a:spcAft>
+                <a:spcPts val="800"/>
+              </a:spcAft>
+            </a:pPr>
+            <a:r>
+              <a:rPr lang="en-US" sz="2400" b="1" spc="75" dirty="0">
+                <a:solidFill>
+                  <a:srgbClr val="000000"/>
+                </a:solidFill>
+                <a:latin typeface="Arial" panose="020B0604020202020204" pitchFamily="34" charset="0"/>
+                <a:ea typeface="Times New Roman" panose="02020603050405020304" pitchFamily="18" charset="0"/>
+                <a:cs typeface="Arial" panose="020B0604020202020204" pitchFamily="34" charset="0"/>
+              </a:rPr>
+              <a:t>LANDASAN TEORI</a:t>
+            </a:r>
+            <a:endParaRPr lang="en-ID" sz="2400" spc="75" dirty="0">
+              <a:solidFill>
+                <a:srgbClr val="000000"/>
+              </a:solidFill>
+              <a:effectLst/>
+              <a:latin typeface="Arial" panose="020B0604020202020204" pitchFamily="34" charset="0"/>
+              <a:ea typeface="Times New Roman" panose="02020603050405020304" pitchFamily="18" charset="0"/>
+              <a:cs typeface="Arial" panose="020B0604020202020204" pitchFamily="34" charset="0"/>
+            </a:endParaRPr>
+          </a:p>
+        </p:txBody>
+      </p:sp>
+      <p:pic>
+        <p:nvPicPr>
+          <p:cNvPr id="3" name="Picture 2">
+            <a:extLst>
+              <a:ext uri="{FF2B5EF4-FFF2-40B4-BE49-F238E27FC236}">
+                <a16:creationId xmlns:a16="http://schemas.microsoft.com/office/drawing/2014/main" id="{7F066D29-7D8F-FA43-C481-2058A9CC61DC}"/>
+              </a:ext>
+            </a:extLst>
+          </p:cNvPr>
+          <p:cNvPicPr>
+            <a:picLocks noChangeAspect="1"/>
+          </p:cNvPicPr>
+          <p:nvPr/>
+        </p:nvPicPr>
+        <p:blipFill>
+          <a:blip r:embed="rId2">
+            <a:extLst>
+              <a:ext uri="{28A0092B-C50C-407E-A947-70E740481C1C}">
+                <a14:useLocalDpi xmlns:a14="http://schemas.microsoft.com/office/drawing/2010/main" val="0"/>
+              </a:ext>
+            </a:extLst>
+          </a:blip>
+          <a:stretch>
+            <a:fillRect/>
+          </a:stretch>
+        </p:blipFill>
+        <p:spPr>
+          <a:xfrm>
+            <a:off x="11161903" y="5812413"/>
+            <a:ext cx="922432" cy="922432"/>
+          </a:xfrm>
+          <a:prstGeom prst="rect">
+            <a:avLst/>
+          </a:prstGeom>
+        </p:spPr>
+      </p:pic>
+      <p:sp>
+        <p:nvSpPr>
+          <p:cNvPr id="9" name="TextBox 8">
+            <a:extLst>
+              <a:ext uri="{FF2B5EF4-FFF2-40B4-BE49-F238E27FC236}">
+                <a16:creationId xmlns:a16="http://schemas.microsoft.com/office/drawing/2014/main" id="{80A57D68-CBCF-D235-F676-F3B6E2DFC6A9}"/>
+              </a:ext>
+            </a:extLst>
+          </p:cNvPr>
+          <p:cNvSpPr txBox="1"/>
+          <p:nvPr/>
+        </p:nvSpPr>
+        <p:spPr>
+          <a:xfrm>
+            <a:off x="3139439" y="1918997"/>
+            <a:ext cx="2956560" cy="830997"/>
+          </a:xfrm>
+          <a:prstGeom prst="rect">
+            <a:avLst/>
+          </a:prstGeom>
+          <a:noFill/>
+        </p:spPr>
+        <p:txBody>
+          <a:bodyPr wrap="square" rtlCol="0">
+            <a:spAutoFit/>
+          </a:bodyPr>
+          <a:lstStyle/>
+          <a:p>
+            <a:pPr marL="342900" indent="-342900" algn="just">
+              <a:buFont typeface="Courier New" panose="02070309020205020404" pitchFamily="49" charset="0"/>
+              <a:buChar char="o"/>
+            </a:pPr>
+            <a:r>
+              <a:rPr lang="en-US" sz="1600" dirty="0">
+                <a:latin typeface="Arial" panose="020B0604020202020204" pitchFamily="34" charset="0"/>
+                <a:cs typeface="Arial" panose="020B0604020202020204" pitchFamily="34" charset="0"/>
+              </a:rPr>
+              <a:t>Android </a:t>
+            </a:r>
+            <a:r>
+              <a:rPr lang="en-US" sz="1600" dirty="0" err="1">
+                <a:latin typeface="Arial" panose="020B0604020202020204" pitchFamily="34" charset="0"/>
+                <a:cs typeface="Arial" panose="020B0604020202020204" pitchFamily="34" charset="0"/>
+              </a:rPr>
+              <a:t>dengan</a:t>
+            </a:r>
+            <a:r>
+              <a:rPr lang="en-US" sz="1600" dirty="0">
+                <a:latin typeface="Arial" panose="020B0604020202020204" pitchFamily="34" charset="0"/>
+                <a:cs typeface="Arial" panose="020B0604020202020204" pitchFamily="34" charset="0"/>
+              </a:rPr>
+              <a:t> IDE android studio</a:t>
+            </a:r>
+          </a:p>
+          <a:p>
+            <a:pPr marL="342900" indent="-342900" algn="just">
+              <a:buFont typeface="Courier New" panose="02070309020205020404" pitchFamily="49" charset="0"/>
+              <a:buChar char="o"/>
+            </a:pPr>
+            <a:r>
+              <a:rPr lang="en-US" sz="1600" dirty="0">
+                <a:latin typeface="Arial" panose="020B0604020202020204" pitchFamily="34" charset="0"/>
+                <a:cs typeface="Arial" panose="020B0604020202020204" pitchFamily="34" charset="0"/>
+              </a:rPr>
+              <a:t>Kotlin</a:t>
+            </a:r>
+            <a:endParaRPr lang="en-ID" sz="1600" dirty="0">
+              <a:latin typeface="Arial" panose="020B0604020202020204" pitchFamily="34" charset="0"/>
+              <a:cs typeface="Arial" panose="020B0604020202020204" pitchFamily="34" charset="0"/>
+            </a:endParaRPr>
+          </a:p>
+        </p:txBody>
+      </p:sp>
+      <p:sp>
+        <p:nvSpPr>
+          <p:cNvPr id="10" name="TextBox 9">
+            <a:extLst>
+              <a:ext uri="{FF2B5EF4-FFF2-40B4-BE49-F238E27FC236}">
+                <a16:creationId xmlns:a16="http://schemas.microsoft.com/office/drawing/2014/main" id="{2BE2EB12-875A-2023-419B-5557593347A2}"/>
+              </a:ext>
+            </a:extLst>
+          </p:cNvPr>
+          <p:cNvSpPr txBox="1"/>
+          <p:nvPr/>
+        </p:nvSpPr>
+        <p:spPr>
+          <a:xfrm>
+            <a:off x="8405948" y="1794072"/>
+            <a:ext cx="2956560" cy="1077218"/>
+          </a:xfrm>
+          <a:prstGeom prst="rect">
+            <a:avLst/>
+          </a:prstGeom>
+          <a:noFill/>
+        </p:spPr>
+        <p:txBody>
+          <a:bodyPr wrap="square" rtlCol="0">
+            <a:spAutoFit/>
+          </a:bodyPr>
+          <a:lstStyle/>
+          <a:p>
+            <a:pPr marL="342900" indent="-342900" algn="just">
+              <a:buFont typeface="Courier New" panose="02070309020205020404" pitchFamily="49" charset="0"/>
+              <a:buChar char="o"/>
+            </a:pPr>
+            <a:r>
+              <a:rPr lang="en-US" sz="1600" dirty="0">
+                <a:latin typeface="Arial" panose="020B0604020202020204" pitchFamily="34" charset="0"/>
+                <a:cs typeface="Arial" panose="020B0604020202020204" pitchFamily="34" charset="0"/>
+              </a:rPr>
+              <a:t>Google Firebase</a:t>
+            </a:r>
+          </a:p>
+          <a:p>
+            <a:pPr marL="625475" lvl="1" indent="-285750" algn="just">
+              <a:buFont typeface="Wingdings" panose="05000000000000000000" pitchFamily="2" charset="2"/>
+              <a:buChar char="§"/>
+            </a:pPr>
+            <a:r>
+              <a:rPr lang="en-US" sz="1600" dirty="0" err="1">
+                <a:latin typeface="Arial" panose="020B0604020202020204" pitchFamily="34" charset="0"/>
+                <a:cs typeface="Arial" panose="020B0604020202020204" pitchFamily="34" charset="0"/>
+              </a:rPr>
+              <a:t>Autentikasi</a:t>
+            </a:r>
+            <a:endParaRPr lang="en-US" sz="1600" dirty="0">
+              <a:latin typeface="Arial" panose="020B0604020202020204" pitchFamily="34" charset="0"/>
+              <a:cs typeface="Arial" panose="020B0604020202020204" pitchFamily="34" charset="0"/>
+            </a:endParaRPr>
+          </a:p>
+          <a:p>
+            <a:pPr marL="625475" lvl="1" indent="-285750" algn="just">
+              <a:buFont typeface="Wingdings" panose="05000000000000000000" pitchFamily="2" charset="2"/>
+              <a:buChar char="§"/>
+            </a:pPr>
+            <a:r>
+              <a:rPr lang="en-US" sz="1600" dirty="0">
+                <a:latin typeface="Arial" panose="020B0604020202020204" pitchFamily="34" charset="0"/>
+                <a:cs typeface="Arial" panose="020B0604020202020204" pitchFamily="34" charset="0"/>
+              </a:rPr>
+              <a:t>Realtime database</a:t>
+            </a:r>
+          </a:p>
+          <a:p>
+            <a:pPr marL="625475" lvl="1" indent="-285750" algn="just">
+              <a:buFont typeface="Wingdings" panose="05000000000000000000" pitchFamily="2" charset="2"/>
+              <a:buChar char="§"/>
+            </a:pPr>
+            <a:r>
+              <a:rPr lang="en-US" sz="1600" dirty="0">
+                <a:latin typeface="Arial" panose="020B0604020202020204" pitchFamily="34" charset="0"/>
+                <a:cs typeface="Arial" panose="020B0604020202020204" pitchFamily="34" charset="0"/>
+              </a:rPr>
+              <a:t>Storage</a:t>
+            </a:r>
+            <a:endParaRPr lang="en-ID" sz="1600" dirty="0">
+              <a:latin typeface="Arial" panose="020B0604020202020204" pitchFamily="34" charset="0"/>
+              <a:cs typeface="Arial" panose="020B0604020202020204" pitchFamily="34" charset="0"/>
+            </a:endParaRPr>
+          </a:p>
+        </p:txBody>
+      </p:sp>
+      <p:sp>
+        <p:nvSpPr>
+          <p:cNvPr id="15" name="TextBox 14">
+            <a:extLst>
+              <a:ext uri="{FF2B5EF4-FFF2-40B4-BE49-F238E27FC236}">
+                <a16:creationId xmlns:a16="http://schemas.microsoft.com/office/drawing/2014/main" id="{D875026E-6996-9E96-B651-90622EDDE2CF}"/>
+              </a:ext>
+            </a:extLst>
+          </p:cNvPr>
+          <p:cNvSpPr txBox="1"/>
+          <p:nvPr/>
+        </p:nvSpPr>
+        <p:spPr>
+          <a:xfrm>
+            <a:off x="3035212" y="4301673"/>
+            <a:ext cx="2956560" cy="1077218"/>
+          </a:xfrm>
+          <a:prstGeom prst="rect">
+            <a:avLst/>
+          </a:prstGeom>
+          <a:noFill/>
+        </p:spPr>
+        <p:txBody>
+          <a:bodyPr wrap="square" rtlCol="0">
+            <a:spAutoFit/>
+          </a:bodyPr>
+          <a:lstStyle/>
+          <a:p>
+            <a:pPr marL="342900" indent="-342900" algn="just">
+              <a:buFont typeface="Courier New" panose="02070309020205020404" pitchFamily="49" charset="0"/>
+              <a:buChar char="o"/>
+            </a:pPr>
+            <a:r>
+              <a:rPr lang="en-US" sz="1600" dirty="0">
+                <a:latin typeface="Arial" panose="020B0604020202020204" pitchFamily="34" charset="0"/>
+                <a:cs typeface="Arial" panose="020B0604020202020204" pitchFamily="34" charset="0"/>
+              </a:rPr>
+              <a:t>GPS </a:t>
+            </a:r>
+            <a:r>
+              <a:rPr lang="en-US" sz="1600" dirty="0" err="1">
+                <a:latin typeface="Arial" panose="020B0604020202020204" pitchFamily="34" charset="0"/>
+                <a:cs typeface="Arial" panose="020B0604020202020204" pitchFamily="34" charset="0"/>
+              </a:rPr>
+              <a:t>dengan</a:t>
+            </a:r>
+            <a:r>
+              <a:rPr lang="en-US" sz="1600" dirty="0">
+                <a:latin typeface="Arial" panose="020B0604020202020204" pitchFamily="34" charset="0"/>
+                <a:cs typeface="Arial" panose="020B0604020202020204" pitchFamily="34" charset="0"/>
+              </a:rPr>
+              <a:t> </a:t>
+            </a:r>
+            <a:r>
+              <a:rPr lang="en-US" sz="1600" dirty="0" err="1">
+                <a:latin typeface="Arial" panose="020B0604020202020204" pitchFamily="34" charset="0"/>
+                <a:cs typeface="Arial" panose="020B0604020202020204" pitchFamily="34" charset="0"/>
+              </a:rPr>
+              <a:t>menggunakan</a:t>
+            </a:r>
+            <a:r>
+              <a:rPr lang="en-US" sz="1600" dirty="0">
+                <a:latin typeface="Arial" panose="020B0604020202020204" pitchFamily="34" charset="0"/>
+                <a:cs typeface="Arial" panose="020B0604020202020204" pitchFamily="34" charset="0"/>
+              </a:rPr>
+              <a:t> LBS (</a:t>
+            </a:r>
+            <a:r>
+              <a:rPr lang="en-US" sz="1600" i="1" dirty="0">
+                <a:latin typeface="Arial" panose="020B0604020202020204" pitchFamily="34" charset="0"/>
+                <a:cs typeface="Arial" panose="020B0604020202020204" pitchFamily="34" charset="0"/>
+              </a:rPr>
+              <a:t>location based service</a:t>
+            </a:r>
+            <a:r>
+              <a:rPr lang="en-US" sz="1600" dirty="0">
+                <a:latin typeface="Arial" panose="020B0604020202020204" pitchFamily="34" charset="0"/>
+                <a:cs typeface="Arial" panose="020B0604020202020204" pitchFamily="34" charset="0"/>
+              </a:rPr>
+              <a:t>) Geocoder</a:t>
+            </a:r>
+            <a:endParaRPr lang="en-ID" sz="1600" dirty="0">
+              <a:latin typeface="Arial" panose="020B0604020202020204" pitchFamily="34" charset="0"/>
+              <a:cs typeface="Arial" panose="020B0604020202020204" pitchFamily="34" charset="0"/>
+            </a:endParaRPr>
+          </a:p>
+        </p:txBody>
+      </p:sp>
+      <p:sp>
+        <p:nvSpPr>
+          <p:cNvPr id="16" name="TextBox 15">
+            <a:extLst>
+              <a:ext uri="{FF2B5EF4-FFF2-40B4-BE49-F238E27FC236}">
+                <a16:creationId xmlns:a16="http://schemas.microsoft.com/office/drawing/2014/main" id="{08A92FC8-01DF-8FCF-ABF8-95CD34EAB6D7}"/>
+              </a:ext>
+            </a:extLst>
+          </p:cNvPr>
+          <p:cNvSpPr txBox="1"/>
+          <p:nvPr/>
+        </p:nvSpPr>
+        <p:spPr>
+          <a:xfrm>
+            <a:off x="8405948" y="4301673"/>
+            <a:ext cx="2956560" cy="584775"/>
+          </a:xfrm>
+          <a:prstGeom prst="rect">
+            <a:avLst/>
+          </a:prstGeom>
+          <a:noFill/>
+        </p:spPr>
+        <p:txBody>
+          <a:bodyPr wrap="square" rtlCol="0">
+            <a:spAutoFit/>
+          </a:bodyPr>
+          <a:lstStyle/>
+          <a:p>
+            <a:pPr marL="342900" indent="-342900" algn="just">
+              <a:buFont typeface="Courier New" panose="02070309020205020404" pitchFamily="49" charset="0"/>
+              <a:buChar char="o"/>
+            </a:pPr>
+            <a:r>
+              <a:rPr lang="en-US" sz="1600" dirty="0" err="1">
+                <a:latin typeface="Arial" panose="020B0604020202020204" pitchFamily="34" charset="0"/>
+                <a:cs typeface="Arial" panose="020B0604020202020204" pitchFamily="34" charset="0"/>
+              </a:rPr>
+              <a:t>Metode</a:t>
+            </a:r>
+            <a:r>
+              <a:rPr lang="en-US" sz="1600" dirty="0">
+                <a:latin typeface="Arial" panose="020B0604020202020204" pitchFamily="34" charset="0"/>
+                <a:cs typeface="Arial" panose="020B0604020202020204" pitchFamily="34" charset="0"/>
+              </a:rPr>
+              <a:t> </a:t>
+            </a:r>
+            <a:r>
+              <a:rPr lang="en-US" sz="1600" dirty="0" err="1">
+                <a:latin typeface="Arial" panose="020B0604020202020204" pitchFamily="34" charset="0"/>
+                <a:cs typeface="Arial" panose="020B0604020202020204" pitchFamily="34" charset="0"/>
+              </a:rPr>
+              <a:t>pengukur</a:t>
+            </a:r>
+            <a:r>
+              <a:rPr lang="en-US" sz="1600" dirty="0">
+                <a:latin typeface="Arial" panose="020B0604020202020204" pitchFamily="34" charset="0"/>
+                <a:cs typeface="Arial" panose="020B0604020202020204" pitchFamily="34" charset="0"/>
+              </a:rPr>
+              <a:t> </a:t>
+            </a:r>
+            <a:r>
+              <a:rPr lang="en-US" sz="1600" dirty="0" err="1">
+                <a:latin typeface="Arial" panose="020B0604020202020204" pitchFamily="34" charset="0"/>
+                <a:cs typeface="Arial" panose="020B0604020202020204" pitchFamily="34" charset="0"/>
+              </a:rPr>
+              <a:t>jarak</a:t>
+            </a:r>
+            <a:r>
+              <a:rPr lang="en-US" sz="1600" dirty="0">
+                <a:latin typeface="Arial" panose="020B0604020202020204" pitchFamily="34" charset="0"/>
+                <a:cs typeface="Arial" panose="020B0604020202020204" pitchFamily="34" charset="0"/>
+              </a:rPr>
+              <a:t> Haversine </a:t>
+            </a:r>
+            <a:endParaRPr lang="en-ID" sz="1600" dirty="0">
+              <a:latin typeface="Arial" panose="020B0604020202020204" pitchFamily="34" charset="0"/>
+              <a:cs typeface="Arial" panose="020B0604020202020204" pitchFamily="34" charset="0"/>
+            </a:endParaRPr>
+          </a:p>
+        </p:txBody>
+      </p:sp>
+      <p:pic>
+        <p:nvPicPr>
+          <p:cNvPr id="7" name="Picture 6">
+            <a:extLst>
+              <a:ext uri="{FF2B5EF4-FFF2-40B4-BE49-F238E27FC236}">
+                <a16:creationId xmlns:a16="http://schemas.microsoft.com/office/drawing/2014/main" id="{37EDDFA2-3E3F-9FFB-B6FE-25A976329F48}"/>
+              </a:ext>
+            </a:extLst>
+          </p:cNvPr>
+          <p:cNvPicPr>
+            <a:picLocks noChangeAspect="1"/>
+          </p:cNvPicPr>
+          <p:nvPr/>
+        </p:nvPicPr>
+        <p:blipFill>
+          <a:blip r:embed="rId3">
+            <a:lum bright="70000" contrast="-70000"/>
+            <a:extLst>
+              <a:ext uri="{BEBA8EAE-BF5A-486C-A8C5-ECC9F3942E4B}">
+                <a14:imgProps xmlns:a14="http://schemas.microsoft.com/office/drawing/2010/main">
+                  <a14:imgLayer r:embed="rId4">
+                    <a14:imgEffect>
+                      <a14:sharpenSoften amount="50000"/>
+                    </a14:imgEffect>
+                  </a14:imgLayer>
+                </a14:imgProps>
+              </a:ext>
+              <a:ext uri="{28A0092B-C50C-407E-A947-70E740481C1C}">
+                <a14:useLocalDpi xmlns:a14="http://schemas.microsoft.com/office/drawing/2010/main" val="0"/>
+              </a:ext>
+            </a:extLst>
+          </a:blip>
+          <a:stretch>
+            <a:fillRect/>
+          </a:stretch>
+        </p:blipFill>
+        <p:spPr>
+          <a:xfrm>
+            <a:off x="1310639" y="1559021"/>
+            <a:ext cx="1828800" cy="1828800"/>
+          </a:xfrm>
+          <a:prstGeom prst="rect">
+            <a:avLst/>
+          </a:prstGeom>
+        </p:spPr>
+      </p:pic>
+      <p:pic>
+        <p:nvPicPr>
+          <p:cNvPr id="13" name="Picture 12">
+            <a:extLst>
+              <a:ext uri="{FF2B5EF4-FFF2-40B4-BE49-F238E27FC236}">
+                <a16:creationId xmlns:a16="http://schemas.microsoft.com/office/drawing/2014/main" id="{EABA3C61-9DD2-2212-8B3C-21547BF20922}"/>
+              </a:ext>
+            </a:extLst>
+          </p:cNvPr>
+          <p:cNvPicPr>
+            <a:picLocks noChangeAspect="1"/>
+          </p:cNvPicPr>
+          <p:nvPr/>
+        </p:nvPicPr>
+        <p:blipFill>
+          <a:blip r:embed="rId5">
+            <a:lum bright="70000" contrast="-70000"/>
+            <a:extLst>
+              <a:ext uri="{BEBA8EAE-BF5A-486C-A8C5-ECC9F3942E4B}">
+                <a14:imgProps xmlns:a14="http://schemas.microsoft.com/office/drawing/2010/main">
+                  <a14:imgLayer r:embed="rId6">
+                    <a14:imgEffect>
+                      <a14:sharpenSoften amount="50000"/>
+                    </a14:imgEffect>
+                  </a14:imgLayer>
+                </a14:imgProps>
+              </a:ext>
+              <a:ext uri="{28A0092B-C50C-407E-A947-70E740481C1C}">
+                <a14:useLocalDpi xmlns:a14="http://schemas.microsoft.com/office/drawing/2010/main" val="0"/>
+              </a:ext>
+            </a:extLst>
+          </a:blip>
+          <a:stretch>
+            <a:fillRect/>
+          </a:stretch>
+        </p:blipFill>
+        <p:spPr>
+          <a:xfrm>
+            <a:off x="6831744" y="1835594"/>
+            <a:ext cx="1828800" cy="1828800"/>
+          </a:xfrm>
+          <a:prstGeom prst="rect">
+            <a:avLst/>
+          </a:prstGeom>
+        </p:spPr>
+      </p:pic>
+      <p:pic>
+        <p:nvPicPr>
+          <p:cNvPr id="18" name="Picture 17">
+            <a:extLst>
+              <a:ext uri="{FF2B5EF4-FFF2-40B4-BE49-F238E27FC236}">
+                <a16:creationId xmlns:a16="http://schemas.microsoft.com/office/drawing/2014/main" id="{DD2690F9-9565-1D80-8E84-E1F747C29E1D}"/>
+              </a:ext>
+            </a:extLst>
+          </p:cNvPr>
+          <p:cNvPicPr>
+            <a:picLocks noChangeAspect="1"/>
+          </p:cNvPicPr>
+          <p:nvPr/>
+        </p:nvPicPr>
+        <p:blipFill>
+          <a:blip r:embed="rId7">
+            <a:lum bright="70000" contrast="-70000"/>
+            <a:extLst>
+              <a:ext uri="{BEBA8EAE-BF5A-486C-A8C5-ECC9F3942E4B}">
+                <a14:imgProps xmlns:a14="http://schemas.microsoft.com/office/drawing/2010/main">
+                  <a14:imgLayer r:embed="rId8">
+                    <a14:imgEffect>
+                      <a14:sharpenSoften amount="50000"/>
+                    </a14:imgEffect>
+                  </a14:imgLayer>
+                </a14:imgProps>
+              </a:ext>
+              <a:ext uri="{28A0092B-C50C-407E-A947-70E740481C1C}">
+                <a14:useLocalDpi xmlns:a14="http://schemas.microsoft.com/office/drawing/2010/main" val="0"/>
+              </a:ext>
+            </a:extLst>
+          </a:blip>
+          <a:stretch>
+            <a:fillRect/>
+          </a:stretch>
+        </p:blipFill>
+        <p:spPr>
+          <a:xfrm>
+            <a:off x="1305662" y="4256489"/>
+            <a:ext cx="1828800" cy="1828800"/>
+          </a:xfrm>
+          <a:prstGeom prst="rect">
+            <a:avLst/>
+          </a:prstGeom>
+        </p:spPr>
+      </p:pic>
+      <p:pic>
+        <p:nvPicPr>
+          <p:cNvPr id="20" name="Picture 19">
+            <a:extLst>
+              <a:ext uri="{FF2B5EF4-FFF2-40B4-BE49-F238E27FC236}">
+                <a16:creationId xmlns:a16="http://schemas.microsoft.com/office/drawing/2014/main" id="{C4954F85-CE0E-5E98-4966-B0419B40B5E9}"/>
+              </a:ext>
+            </a:extLst>
+          </p:cNvPr>
+          <p:cNvPicPr>
+            <a:picLocks noChangeAspect="1"/>
+          </p:cNvPicPr>
+          <p:nvPr/>
+        </p:nvPicPr>
+        <p:blipFill>
+          <a:blip r:embed="rId9">
+            <a:lum bright="70000" contrast="-70000"/>
+            <a:extLst>
+              <a:ext uri="{BEBA8EAE-BF5A-486C-A8C5-ECC9F3942E4B}">
+                <a14:imgProps xmlns:a14="http://schemas.microsoft.com/office/drawing/2010/main">
+                  <a14:imgLayer r:embed="rId10">
+                    <a14:imgEffect>
+                      <a14:sharpenSoften amount="50000"/>
+                    </a14:imgEffect>
+                  </a14:imgLayer>
+                </a14:imgProps>
+              </a:ext>
+              <a:ext uri="{28A0092B-C50C-407E-A947-70E740481C1C}">
+                <a14:useLocalDpi xmlns:a14="http://schemas.microsoft.com/office/drawing/2010/main" val="0"/>
+              </a:ext>
+            </a:extLst>
+          </a:blip>
+          <a:stretch>
+            <a:fillRect/>
+          </a:stretch>
+        </p:blipFill>
+        <p:spPr>
+          <a:xfrm>
+            <a:off x="6831744" y="4256489"/>
+            <a:ext cx="1828800" cy="1828800"/>
+          </a:xfrm>
+          <a:prstGeom prst="rect">
+            <a:avLst/>
+          </a:prstGeom>
+        </p:spPr>
+      </p:pic>
+      <p:sp>
+        <p:nvSpPr>
+          <p:cNvPr id="14" name="TextBox 13">
+            <a:extLst>
+              <a:ext uri="{FF2B5EF4-FFF2-40B4-BE49-F238E27FC236}">
+                <a16:creationId xmlns:a16="http://schemas.microsoft.com/office/drawing/2014/main" id="{DCED8A74-3B99-B381-1616-9BE7393F9E46}"/>
+              </a:ext>
+            </a:extLst>
+          </p:cNvPr>
+          <p:cNvSpPr txBox="1"/>
+          <p:nvPr/>
+        </p:nvSpPr>
+        <p:spPr>
+          <a:xfrm>
+            <a:off x="977382" y="1189688"/>
+            <a:ext cx="2717540" cy="307777"/>
+          </a:xfrm>
+          <a:prstGeom prst="rect">
+            <a:avLst/>
+          </a:prstGeom>
+          <a:noFill/>
+        </p:spPr>
+        <p:txBody>
+          <a:bodyPr wrap="square">
+            <a:spAutoFit/>
+          </a:bodyPr>
+          <a:lstStyle/>
+          <a:p>
+            <a:pPr algn="ctr"/>
+            <a:r>
+              <a:rPr lang="en-US" sz="1400" b="1" dirty="0">
+                <a:solidFill>
+                  <a:schemeClr val="bg2">
+                    <a:lumMod val="75000"/>
+                  </a:schemeClr>
+                </a:solidFill>
+                <a:latin typeface="Arial" panose="020B0604020202020204" pitchFamily="34" charset="0"/>
+                <a:cs typeface="Arial" panose="020B0604020202020204" pitchFamily="34" charset="0"/>
+              </a:rPr>
+              <a:t>TEKNOLOGI APLIKASI</a:t>
+            </a:r>
+            <a:endParaRPr lang="en-ID" sz="1400" b="1" dirty="0">
+              <a:solidFill>
+                <a:schemeClr val="bg2">
+                  <a:lumMod val="75000"/>
+                </a:schemeClr>
+              </a:solidFill>
+              <a:latin typeface="Arial" panose="020B0604020202020204" pitchFamily="34" charset="0"/>
+              <a:cs typeface="Arial" panose="020B0604020202020204" pitchFamily="34" charset="0"/>
+            </a:endParaRPr>
+          </a:p>
+        </p:txBody>
+      </p:sp>
+      <p:sp>
+        <p:nvSpPr>
+          <p:cNvPr id="17" name="TextBox 16">
+            <a:extLst>
+              <a:ext uri="{FF2B5EF4-FFF2-40B4-BE49-F238E27FC236}">
+                <a16:creationId xmlns:a16="http://schemas.microsoft.com/office/drawing/2014/main" id="{A3137999-640C-0EA6-C111-623DFEE9CD95}"/>
+              </a:ext>
+            </a:extLst>
+          </p:cNvPr>
+          <p:cNvSpPr txBox="1"/>
+          <p:nvPr/>
+        </p:nvSpPr>
+        <p:spPr>
+          <a:xfrm>
+            <a:off x="6233627" y="1189687"/>
+            <a:ext cx="2717540" cy="307777"/>
+          </a:xfrm>
+          <a:prstGeom prst="rect">
+            <a:avLst/>
+          </a:prstGeom>
+          <a:noFill/>
+        </p:spPr>
+        <p:txBody>
+          <a:bodyPr wrap="square">
+            <a:spAutoFit/>
+          </a:bodyPr>
+          <a:lstStyle/>
+          <a:p>
+            <a:pPr algn="ctr"/>
+            <a:r>
+              <a:rPr lang="en-US" sz="1400" b="1" dirty="0">
+                <a:solidFill>
+                  <a:schemeClr val="bg2">
+                    <a:lumMod val="75000"/>
+                  </a:schemeClr>
+                </a:solidFill>
+                <a:latin typeface="Arial" panose="020B0604020202020204" pitchFamily="34" charset="0"/>
+                <a:cs typeface="Arial" panose="020B0604020202020204" pitchFamily="34" charset="0"/>
+              </a:rPr>
+              <a:t>DATABASE</a:t>
+            </a:r>
+            <a:endParaRPr lang="en-ID" sz="1400" b="1" dirty="0">
+              <a:solidFill>
+                <a:schemeClr val="bg2">
+                  <a:lumMod val="75000"/>
+                </a:schemeClr>
+              </a:solidFill>
+              <a:latin typeface="Arial" panose="020B0604020202020204" pitchFamily="34" charset="0"/>
+              <a:cs typeface="Arial" panose="020B0604020202020204" pitchFamily="34" charset="0"/>
+            </a:endParaRPr>
+          </a:p>
+        </p:txBody>
+      </p:sp>
+      <p:sp>
+        <p:nvSpPr>
+          <p:cNvPr id="19" name="TextBox 18">
+            <a:extLst>
+              <a:ext uri="{FF2B5EF4-FFF2-40B4-BE49-F238E27FC236}">
+                <a16:creationId xmlns:a16="http://schemas.microsoft.com/office/drawing/2014/main" id="{9A784521-5967-0C2B-A7F7-9EC131C29A95}"/>
+              </a:ext>
+            </a:extLst>
+          </p:cNvPr>
+          <p:cNvSpPr txBox="1"/>
+          <p:nvPr/>
+        </p:nvSpPr>
+        <p:spPr>
+          <a:xfrm>
+            <a:off x="977382" y="3779435"/>
+            <a:ext cx="2717540" cy="307777"/>
+          </a:xfrm>
+          <a:prstGeom prst="rect">
+            <a:avLst/>
+          </a:prstGeom>
+          <a:noFill/>
+        </p:spPr>
+        <p:txBody>
+          <a:bodyPr wrap="square">
+            <a:spAutoFit/>
+          </a:bodyPr>
+          <a:lstStyle/>
+          <a:p>
+            <a:pPr algn="ctr"/>
+            <a:r>
+              <a:rPr lang="en-US" sz="1400" b="1" dirty="0">
+                <a:solidFill>
+                  <a:schemeClr val="bg2">
+                    <a:lumMod val="75000"/>
+                  </a:schemeClr>
+                </a:solidFill>
+                <a:latin typeface="Arial" panose="020B0604020202020204" pitchFamily="34" charset="0"/>
+                <a:cs typeface="Arial" panose="020B0604020202020204" pitchFamily="34" charset="0"/>
+              </a:rPr>
+              <a:t>AKSES LOKASI</a:t>
+            </a:r>
+            <a:endParaRPr lang="en-ID" sz="1400" b="1" dirty="0">
+              <a:solidFill>
+                <a:schemeClr val="bg2">
+                  <a:lumMod val="75000"/>
+                </a:schemeClr>
+              </a:solidFill>
+              <a:latin typeface="Arial" panose="020B0604020202020204" pitchFamily="34" charset="0"/>
+              <a:cs typeface="Arial" panose="020B0604020202020204" pitchFamily="34" charset="0"/>
+            </a:endParaRPr>
+          </a:p>
+        </p:txBody>
+      </p:sp>
+      <p:sp>
+        <p:nvSpPr>
+          <p:cNvPr id="21" name="TextBox 20">
+            <a:extLst>
+              <a:ext uri="{FF2B5EF4-FFF2-40B4-BE49-F238E27FC236}">
+                <a16:creationId xmlns:a16="http://schemas.microsoft.com/office/drawing/2014/main" id="{1D43883A-F2AB-0708-29D8-D5F448CC675D}"/>
+              </a:ext>
+            </a:extLst>
+          </p:cNvPr>
+          <p:cNvSpPr txBox="1"/>
+          <p:nvPr/>
+        </p:nvSpPr>
+        <p:spPr>
+          <a:xfrm>
+            <a:off x="6387374" y="3777368"/>
+            <a:ext cx="2717540" cy="307777"/>
+          </a:xfrm>
+          <a:prstGeom prst="rect">
+            <a:avLst/>
+          </a:prstGeom>
+          <a:noFill/>
+        </p:spPr>
+        <p:txBody>
+          <a:bodyPr wrap="square">
+            <a:spAutoFit/>
+          </a:bodyPr>
+          <a:lstStyle/>
+          <a:p>
+            <a:pPr algn="ctr"/>
+            <a:r>
+              <a:rPr lang="en-US" sz="1400" b="1" dirty="0">
+                <a:solidFill>
+                  <a:schemeClr val="bg2">
+                    <a:lumMod val="75000"/>
+                  </a:schemeClr>
+                </a:solidFill>
+                <a:latin typeface="Arial" panose="020B0604020202020204" pitchFamily="34" charset="0"/>
+                <a:cs typeface="Arial" panose="020B0604020202020204" pitchFamily="34" charset="0"/>
+              </a:rPr>
+              <a:t>ALGORITMA</a:t>
+            </a:r>
+            <a:endParaRPr lang="en-ID" sz="1400" b="1" dirty="0">
+              <a:solidFill>
+                <a:schemeClr val="bg2">
+                  <a:lumMod val="75000"/>
+                </a:schemeClr>
+              </a:solidFill>
+              <a:latin typeface="Arial" panose="020B0604020202020204" pitchFamily="34" charset="0"/>
+              <a:cs typeface="Arial" panose="020B0604020202020204" pitchFamily="34" charset="0"/>
+            </a:endParaRPr>
+          </a:p>
+        </p:txBody>
+      </p:sp>
+    </p:spTree>
+    <p:extLst>
+      <p:ext uri="{BB962C8B-B14F-4D97-AF65-F5344CB8AC3E}">
+        <p14:creationId xmlns:p14="http://schemas.microsoft.com/office/powerpoint/2010/main" val="3568506352"/>
+      </p:ext>
+    </p:extLst>
+  </p:cSld>
+  <p:clrMapOvr>
+    <a:masterClrMapping/>
+  </p:clrMapOvr>
+  <mc:AlternateContent xmlns:mc="http://schemas.openxmlformats.org/markup-compatibility/2006" xmlns:p159="http://schemas.microsoft.com/office/powerpoint/2015/09/main">
+    <mc:Choice Requires="p159">
+      <p:transition xmlns:p14="http://schemas.microsoft.com/office/powerpoint/2010/main" spd="slow" p14:dur="2000">
+        <p159:morph option="byObject"/>
+      </p:transition>
+    </mc:Choice>
+    <mc:Fallback xmlns="">
+      <p:transition spd="slow">
+        <p:fade/>
+      </p:transition>
+    </mc:Fallback>
+  </mc:AlternateContent>
+</p:sld>
+</file>
+
+<file path=ppt/slides/slide5.xml><?xml version="1.0" encoding="utf-8"?>
+<p:sld xmlns:a="http://schemas.openxmlformats.org/drawingml/2006/main" xmlns:r="http://schemas.openxmlformats.org/officeDocument/2006/relationships" xmlns:p="http://schemas.openxmlformats.org/presentationml/2006/main">
+  <p:cSld>
+    <p:spTree>
+      <p:nvGrpSpPr>
+        <p:cNvPr id="1" name=""/>
+        <p:cNvGrpSpPr/>
+        <p:nvPr/>
+      </p:nvGrpSpPr>
+      <p:grpSpPr>
+        <a:xfrm>
+          <a:off x="0" y="0"/>
+          <a:ext cx="0" cy="0"/>
+          <a:chOff x="0" y="0"/>
+          <a:chExt cx="0" cy="0"/>
+        </a:xfrm>
+      </p:grpSpPr>
+      <p:sp>
+        <p:nvSpPr>
+          <p:cNvPr id="2" name="TextBox 1">
+            <a:extLst>
+              <a:ext uri="{FF2B5EF4-FFF2-40B4-BE49-F238E27FC236}">
+                <a16:creationId xmlns:a16="http://schemas.microsoft.com/office/drawing/2014/main" id="{F5D344A1-39FE-052D-1B9C-3C500FCD5362}"/>
+              </a:ext>
+            </a:extLst>
+          </p:cNvPr>
+          <p:cNvSpPr txBox="1"/>
+          <p:nvPr/>
+        </p:nvSpPr>
+        <p:spPr>
+          <a:xfrm>
+            <a:off x="2522375" y="524445"/>
+            <a:ext cx="7147249" cy="458780"/>
+          </a:xfrm>
+          <a:prstGeom prst="rect">
+            <a:avLst/>
+          </a:prstGeom>
+          <a:noFill/>
+        </p:spPr>
+        <p:txBody>
+          <a:bodyPr wrap="square" rtlCol="0">
+            <a:spAutoFit/>
+          </a:bodyPr>
+          <a:lstStyle/>
+          <a:p>
+            <a:pPr algn="ctr">
+              <a:lnSpc>
+                <a:spcPct val="107000"/>
+              </a:lnSpc>
+              <a:spcAft>
+                <a:spcPts val="800"/>
+              </a:spcAft>
+            </a:pPr>
+            <a:r>
+              <a:rPr lang="en-US" sz="2400" b="1" spc="75" dirty="0">
+                <a:solidFill>
+                  <a:srgbClr val="000000"/>
+                </a:solidFill>
+                <a:latin typeface="Arial" panose="020B0604020202020204" pitchFamily="34" charset="0"/>
+                <a:ea typeface="Times New Roman" panose="02020603050405020304" pitchFamily="18" charset="0"/>
+                <a:cs typeface="Arial" panose="020B0604020202020204" pitchFamily="34" charset="0"/>
+              </a:rPr>
+              <a:t>LANDASAN TEORI</a:t>
+            </a:r>
+            <a:endParaRPr lang="en-ID" sz="2400" spc="75" dirty="0">
+              <a:solidFill>
+                <a:srgbClr val="000000"/>
+              </a:solidFill>
+              <a:effectLst/>
+              <a:latin typeface="Arial" panose="020B0604020202020204" pitchFamily="34" charset="0"/>
+              <a:ea typeface="Times New Roman" panose="02020603050405020304" pitchFamily="18" charset="0"/>
+              <a:cs typeface="Arial" panose="020B0604020202020204" pitchFamily="34" charset="0"/>
+            </a:endParaRPr>
+          </a:p>
+        </p:txBody>
+      </p:sp>
+      <p:pic>
+        <p:nvPicPr>
+          <p:cNvPr id="3" name="Picture 2">
+            <a:extLst>
+              <a:ext uri="{FF2B5EF4-FFF2-40B4-BE49-F238E27FC236}">
+                <a16:creationId xmlns:a16="http://schemas.microsoft.com/office/drawing/2014/main" id="{7F066D29-7D8F-FA43-C481-2058A9CC61DC}"/>
+              </a:ext>
+            </a:extLst>
+          </p:cNvPr>
+          <p:cNvPicPr>
+            <a:picLocks noChangeAspect="1"/>
+          </p:cNvPicPr>
+          <p:nvPr/>
+        </p:nvPicPr>
+        <p:blipFill>
+          <a:blip r:embed="rId2">
+            <a:extLst>
+              <a:ext uri="{28A0092B-C50C-407E-A947-70E740481C1C}">
+                <a14:useLocalDpi xmlns:a14="http://schemas.microsoft.com/office/drawing/2010/main" val="0"/>
+              </a:ext>
+            </a:extLst>
+          </a:blip>
+          <a:stretch>
+            <a:fillRect/>
+          </a:stretch>
+        </p:blipFill>
+        <p:spPr>
+          <a:xfrm>
+            <a:off x="11161903" y="5812413"/>
+            <a:ext cx="922432" cy="922432"/>
+          </a:xfrm>
+          <a:prstGeom prst="rect">
+            <a:avLst/>
+          </a:prstGeom>
+        </p:spPr>
+      </p:pic>
+      <p:sp>
+        <p:nvSpPr>
+          <p:cNvPr id="9" name="TextBox 8">
+            <a:extLst>
+              <a:ext uri="{FF2B5EF4-FFF2-40B4-BE49-F238E27FC236}">
+                <a16:creationId xmlns:a16="http://schemas.microsoft.com/office/drawing/2014/main" id="{80A57D68-CBCF-D235-F676-F3B6E2DFC6A9}"/>
+              </a:ext>
+            </a:extLst>
+          </p:cNvPr>
+          <p:cNvSpPr txBox="1"/>
+          <p:nvPr/>
+        </p:nvSpPr>
+        <p:spPr>
+          <a:xfrm>
+            <a:off x="1609176" y="4175832"/>
+            <a:ext cx="1986526" cy="338554"/>
+          </a:xfrm>
+          <a:prstGeom prst="rect">
+            <a:avLst/>
+          </a:prstGeom>
+          <a:noFill/>
+        </p:spPr>
+        <p:txBody>
+          <a:bodyPr wrap="square" rtlCol="0">
+            <a:spAutoFit/>
+          </a:bodyPr>
+          <a:lstStyle/>
+          <a:p>
+            <a:pPr algn="ctr"/>
+            <a:r>
+              <a:rPr lang="en-US" sz="1600" dirty="0">
+                <a:latin typeface="Arial" panose="020B0604020202020204" pitchFamily="34" charset="0"/>
+                <a:cs typeface="Arial" panose="020B0604020202020204" pitchFamily="34" charset="0"/>
+              </a:rPr>
+              <a:t>IDE Android studio</a:t>
+            </a:r>
+            <a:endParaRPr lang="en-ID" sz="1600" dirty="0">
+              <a:latin typeface="Arial" panose="020B0604020202020204" pitchFamily="34" charset="0"/>
+              <a:cs typeface="Arial" panose="020B0604020202020204" pitchFamily="34" charset="0"/>
+            </a:endParaRPr>
+          </a:p>
+        </p:txBody>
+      </p:sp>
+      <p:pic>
+        <p:nvPicPr>
+          <p:cNvPr id="7" name="Picture 6">
+            <a:extLst>
+              <a:ext uri="{FF2B5EF4-FFF2-40B4-BE49-F238E27FC236}">
+                <a16:creationId xmlns:a16="http://schemas.microsoft.com/office/drawing/2014/main" id="{37EDDFA2-3E3F-9FFB-B6FE-25A976329F48}"/>
+              </a:ext>
+            </a:extLst>
+          </p:cNvPr>
+          <p:cNvPicPr>
+            <a:picLocks noChangeAspect="1"/>
+          </p:cNvPicPr>
+          <p:nvPr/>
+        </p:nvPicPr>
+        <p:blipFill>
+          <a:blip r:embed="rId3">
+            <a:lum bright="70000" contrast="-70000"/>
+            <a:extLst>
+              <a:ext uri="{BEBA8EAE-BF5A-486C-A8C5-ECC9F3942E4B}">
+                <a14:imgProps xmlns:a14="http://schemas.microsoft.com/office/drawing/2010/main">
+                  <a14:imgLayer r:embed="rId4">
+                    <a14:imgEffect>
+                      <a14:sharpenSoften amount="50000"/>
+                    </a14:imgEffect>
+                  </a14:imgLayer>
+                </a14:imgProps>
+              </a:ext>
+              <a:ext uri="{28A0092B-C50C-407E-A947-70E740481C1C}">
+                <a14:useLocalDpi xmlns:a14="http://schemas.microsoft.com/office/drawing/2010/main" val="0"/>
+              </a:ext>
+            </a:extLst>
+          </a:blip>
+          <a:stretch>
+            <a:fillRect/>
+          </a:stretch>
+        </p:blipFill>
+        <p:spPr>
+          <a:xfrm>
+            <a:off x="5172269" y="1821465"/>
+            <a:ext cx="1828800" cy="1828800"/>
+          </a:xfrm>
+          <a:prstGeom prst="rect">
+            <a:avLst/>
+          </a:prstGeom>
+        </p:spPr>
+      </p:pic>
+      <p:sp>
+        <p:nvSpPr>
+          <p:cNvPr id="14" name="TextBox 13">
+            <a:extLst>
+              <a:ext uri="{FF2B5EF4-FFF2-40B4-BE49-F238E27FC236}">
+                <a16:creationId xmlns:a16="http://schemas.microsoft.com/office/drawing/2014/main" id="{DCED8A74-3B99-B381-1616-9BE7393F9E46}"/>
+              </a:ext>
+            </a:extLst>
+          </p:cNvPr>
+          <p:cNvSpPr txBox="1"/>
+          <p:nvPr/>
+        </p:nvSpPr>
+        <p:spPr>
+          <a:xfrm>
+            <a:off x="3006107" y="1010501"/>
+            <a:ext cx="6179783" cy="707886"/>
+          </a:xfrm>
+          <a:prstGeom prst="rect">
+            <a:avLst/>
+          </a:prstGeom>
+          <a:noFill/>
+        </p:spPr>
+        <p:txBody>
+          <a:bodyPr wrap="square">
+            <a:spAutoFit/>
+          </a:bodyPr>
+          <a:lstStyle/>
+          <a:p>
+            <a:pPr algn="ctr"/>
+            <a:r>
+              <a:rPr lang="en-US" sz="4000" b="1" dirty="0">
+                <a:solidFill>
+                  <a:schemeClr val="bg2">
+                    <a:lumMod val="75000"/>
+                  </a:schemeClr>
+                </a:solidFill>
+                <a:latin typeface="Arial" panose="020B0604020202020204" pitchFamily="34" charset="0"/>
+                <a:cs typeface="Arial" panose="020B0604020202020204" pitchFamily="34" charset="0"/>
+              </a:rPr>
+              <a:t>TEKNOLOGI APLIKASI</a:t>
+            </a:r>
+            <a:endParaRPr lang="en-ID" sz="4000" b="1" dirty="0">
+              <a:solidFill>
+                <a:schemeClr val="bg2">
+                  <a:lumMod val="75000"/>
+                </a:schemeClr>
+              </a:solidFill>
+              <a:latin typeface="Arial" panose="020B0604020202020204" pitchFamily="34" charset="0"/>
+              <a:cs typeface="Arial" panose="020B0604020202020204" pitchFamily="34" charset="0"/>
+            </a:endParaRPr>
+          </a:p>
+        </p:txBody>
+      </p:sp>
+      <p:pic>
+        <p:nvPicPr>
+          <p:cNvPr id="5" name="Picture 4">
+            <a:extLst>
+              <a:ext uri="{FF2B5EF4-FFF2-40B4-BE49-F238E27FC236}">
+                <a16:creationId xmlns:a16="http://schemas.microsoft.com/office/drawing/2014/main" id="{C4CC401B-D268-FFA0-E380-4D1F40639874}"/>
+              </a:ext>
+            </a:extLst>
+          </p:cNvPr>
+          <p:cNvPicPr>
+            <a:picLocks noChangeAspect="1"/>
+          </p:cNvPicPr>
+          <p:nvPr/>
+        </p:nvPicPr>
+        <p:blipFill>
+          <a:blip r:embed="rId5">
+            <a:extLst>
+              <a:ext uri="{28A0092B-C50C-407E-A947-70E740481C1C}">
+                <a14:useLocalDpi xmlns:a14="http://schemas.microsoft.com/office/drawing/2010/main" val="0"/>
+              </a:ext>
+            </a:extLst>
+          </a:blip>
+          <a:stretch>
+            <a:fillRect/>
+          </a:stretch>
+        </p:blipFill>
+        <p:spPr>
+          <a:xfrm>
+            <a:off x="1678961" y="2558047"/>
+            <a:ext cx="2298364" cy="1519580"/>
+          </a:xfrm>
+          <a:prstGeom prst="rect">
+            <a:avLst/>
+          </a:prstGeom>
+        </p:spPr>
+      </p:pic>
+      <p:pic>
+        <p:nvPicPr>
+          <p:cNvPr id="8" name="Picture 7">
+            <a:extLst>
+              <a:ext uri="{FF2B5EF4-FFF2-40B4-BE49-F238E27FC236}">
+                <a16:creationId xmlns:a16="http://schemas.microsoft.com/office/drawing/2014/main" id="{06BDF1C5-C294-97AE-9BBC-C81F222B25E6}"/>
+              </a:ext>
+            </a:extLst>
+          </p:cNvPr>
+          <p:cNvPicPr>
+            <a:picLocks noChangeAspect="1"/>
+          </p:cNvPicPr>
+          <p:nvPr/>
+        </p:nvPicPr>
+        <p:blipFill>
+          <a:blip r:embed="rId6">
+            <a:extLst>
+              <a:ext uri="{28A0092B-C50C-407E-A947-70E740481C1C}">
+                <a14:useLocalDpi xmlns:a14="http://schemas.microsoft.com/office/drawing/2010/main" val="0"/>
+              </a:ext>
+            </a:extLst>
+          </a:blip>
+          <a:stretch>
+            <a:fillRect/>
+          </a:stretch>
+        </p:blipFill>
+        <p:spPr>
+          <a:xfrm>
+            <a:off x="8196013" y="2973566"/>
+            <a:ext cx="3200400" cy="694834"/>
+          </a:xfrm>
+          <a:prstGeom prst="rect">
+            <a:avLst/>
+          </a:prstGeom>
+        </p:spPr>
+      </p:pic>
+      <p:sp>
+        <p:nvSpPr>
+          <p:cNvPr id="23" name="TextBox 22">
+            <a:extLst>
+              <a:ext uri="{FF2B5EF4-FFF2-40B4-BE49-F238E27FC236}">
+                <a16:creationId xmlns:a16="http://schemas.microsoft.com/office/drawing/2014/main" id="{F8705D82-26F3-61F8-7D58-1935C1360A08}"/>
+              </a:ext>
+            </a:extLst>
+          </p:cNvPr>
+          <p:cNvSpPr txBox="1"/>
+          <p:nvPr/>
+        </p:nvSpPr>
+        <p:spPr>
+          <a:xfrm>
+            <a:off x="8408854" y="3818570"/>
+            <a:ext cx="2987559" cy="338554"/>
+          </a:xfrm>
+          <a:prstGeom prst="rect">
+            <a:avLst/>
+          </a:prstGeom>
+          <a:noFill/>
+        </p:spPr>
+        <p:txBody>
+          <a:bodyPr wrap="square" rtlCol="0">
+            <a:spAutoFit/>
+          </a:bodyPr>
+          <a:lstStyle/>
+          <a:p>
+            <a:pPr algn="ctr"/>
+            <a:r>
+              <a:rPr lang="en-US" sz="1600" dirty="0">
+                <a:latin typeface="Arial" panose="020B0604020202020204" pitchFamily="34" charset="0"/>
+                <a:cs typeface="Arial" panose="020B0604020202020204" pitchFamily="34" charset="0"/>
+              </a:rPr>
+              <a:t>Bahasa </a:t>
+            </a:r>
+            <a:r>
+              <a:rPr lang="en-US" sz="1600" dirty="0" err="1">
+                <a:latin typeface="Arial" panose="020B0604020202020204" pitchFamily="34" charset="0"/>
+                <a:cs typeface="Arial" panose="020B0604020202020204" pitchFamily="34" charset="0"/>
+              </a:rPr>
+              <a:t>pemrograman</a:t>
+            </a:r>
+            <a:r>
+              <a:rPr lang="en-US" sz="1600" dirty="0">
+                <a:latin typeface="Arial" panose="020B0604020202020204" pitchFamily="34" charset="0"/>
+                <a:cs typeface="Arial" panose="020B0604020202020204" pitchFamily="34" charset="0"/>
+              </a:rPr>
+              <a:t> Kotlin</a:t>
+            </a:r>
+            <a:endParaRPr lang="en-ID" sz="1600" dirty="0">
+              <a:latin typeface="Arial" panose="020B0604020202020204" pitchFamily="34" charset="0"/>
+              <a:cs typeface="Arial" panose="020B0604020202020204" pitchFamily="34" charset="0"/>
+            </a:endParaRPr>
+          </a:p>
+        </p:txBody>
+      </p:sp>
+      <p:pic>
+        <p:nvPicPr>
+          <p:cNvPr id="24" name="Picture 23">
+            <a:extLst>
+              <a:ext uri="{FF2B5EF4-FFF2-40B4-BE49-F238E27FC236}">
+                <a16:creationId xmlns:a16="http://schemas.microsoft.com/office/drawing/2014/main" id="{87971E23-A89C-F098-6CC6-1F336FE8EB88}"/>
+              </a:ext>
+            </a:extLst>
+          </p:cNvPr>
+          <p:cNvPicPr>
+            <a:picLocks noChangeAspect="1"/>
+          </p:cNvPicPr>
+          <p:nvPr/>
+        </p:nvPicPr>
+        <p:blipFill>
+          <a:blip r:embed="rId7">
+            <a:lum bright="70000" contrast="-70000"/>
+            <a:extLst>
+              <a:ext uri="{BEBA8EAE-BF5A-486C-A8C5-ECC9F3942E4B}">
+                <a14:imgProps xmlns:a14="http://schemas.microsoft.com/office/drawing/2010/main">
+                  <a14:imgLayer r:embed="rId8">
+                    <a14:imgEffect>
+                      <a14:sharpenSoften amount="50000"/>
+                    </a14:imgEffect>
+                  </a14:imgLayer>
+                </a14:imgProps>
+              </a:ext>
+              <a:ext uri="{28A0092B-C50C-407E-A947-70E740481C1C}">
+                <a14:useLocalDpi xmlns:a14="http://schemas.microsoft.com/office/drawing/2010/main" val="0"/>
+              </a:ext>
+            </a:extLst>
+          </a:blip>
+          <a:stretch>
+            <a:fillRect/>
+          </a:stretch>
+        </p:blipFill>
+        <p:spPr>
+          <a:xfrm rot="12026241">
+            <a:off x="3980437" y="2291417"/>
+            <a:ext cx="1188720" cy="1188720"/>
+          </a:xfrm>
+          <a:prstGeom prst="rect">
+            <a:avLst/>
+          </a:prstGeom>
+        </p:spPr>
+      </p:pic>
+      <p:pic>
+        <p:nvPicPr>
+          <p:cNvPr id="25" name="Picture 24">
+            <a:extLst>
+              <a:ext uri="{FF2B5EF4-FFF2-40B4-BE49-F238E27FC236}">
+                <a16:creationId xmlns:a16="http://schemas.microsoft.com/office/drawing/2014/main" id="{9D54D959-596D-DF70-45E7-A60EE98954CC}"/>
+              </a:ext>
+            </a:extLst>
+          </p:cNvPr>
+          <p:cNvPicPr>
+            <a:picLocks noChangeAspect="1"/>
+          </p:cNvPicPr>
+          <p:nvPr/>
+        </p:nvPicPr>
+        <p:blipFill>
+          <a:blip r:embed="rId7">
+            <a:lum bright="70000" contrast="-70000"/>
+            <a:extLst>
+              <a:ext uri="{BEBA8EAE-BF5A-486C-A8C5-ECC9F3942E4B}">
+                <a14:imgProps xmlns:a14="http://schemas.microsoft.com/office/drawing/2010/main">
+                  <a14:imgLayer r:embed="rId8">
+                    <a14:imgEffect>
+                      <a14:sharpenSoften amount="50000"/>
+                    </a14:imgEffect>
+                  </a14:imgLayer>
+                </a14:imgProps>
+              </a:ext>
+              <a:ext uri="{28A0092B-C50C-407E-A947-70E740481C1C}">
+                <a14:useLocalDpi xmlns:a14="http://schemas.microsoft.com/office/drawing/2010/main" val="0"/>
+              </a:ext>
+            </a:extLst>
+          </a:blip>
+          <a:stretch>
+            <a:fillRect/>
+          </a:stretch>
+        </p:blipFill>
+        <p:spPr>
+          <a:xfrm rot="3603491">
+            <a:off x="6918577" y="2224483"/>
+            <a:ext cx="1188720" cy="1188720"/>
+          </a:xfrm>
+          <a:prstGeom prst="rect">
+            <a:avLst/>
+          </a:prstGeom>
+        </p:spPr>
+      </p:pic>
+      <p:sp>
+        <p:nvSpPr>
+          <p:cNvPr id="26" name="TextBox 25">
+            <a:extLst>
+              <a:ext uri="{FF2B5EF4-FFF2-40B4-BE49-F238E27FC236}">
+                <a16:creationId xmlns:a16="http://schemas.microsoft.com/office/drawing/2014/main" id="{D2C4A663-4E68-4D2C-A23D-230BA8A9BD45}"/>
+              </a:ext>
+            </a:extLst>
+          </p:cNvPr>
+          <p:cNvSpPr txBox="1"/>
+          <p:nvPr/>
+        </p:nvSpPr>
+        <p:spPr>
+          <a:xfrm>
+            <a:off x="8487287" y="4184915"/>
+            <a:ext cx="2909126" cy="1477328"/>
+          </a:xfrm>
+          <a:prstGeom prst="rect">
+            <a:avLst/>
+          </a:prstGeom>
+          <a:noFill/>
+        </p:spPr>
+        <p:txBody>
+          <a:bodyPr wrap="square" rtlCol="0">
+            <a:spAutoFit/>
+          </a:bodyPr>
+          <a:lstStyle/>
+          <a:p>
+            <a:pPr marL="285750" indent="-285750">
+              <a:buFont typeface="Courier New" panose="02070309020205020404" pitchFamily="49" charset="0"/>
+              <a:buChar char="o"/>
+            </a:pPr>
+            <a:r>
+              <a:rPr lang="en-US" dirty="0" err="1"/>
+              <a:t>Kompatibel</a:t>
+            </a:r>
+            <a:r>
+              <a:rPr lang="en-US" dirty="0"/>
+              <a:t> JDK 6</a:t>
+            </a:r>
+          </a:p>
+          <a:p>
+            <a:pPr marL="285750" indent="-285750">
+              <a:buFont typeface="Courier New" panose="02070309020205020404" pitchFamily="49" charset="0"/>
+              <a:buChar char="o"/>
+            </a:pPr>
+            <a:r>
+              <a:rPr lang="en-US" dirty="0"/>
+              <a:t>Performa </a:t>
+            </a:r>
+            <a:r>
+              <a:rPr lang="en-US" dirty="0" err="1"/>
+              <a:t>cepat</a:t>
+            </a:r>
+            <a:endParaRPr lang="en-US" dirty="0"/>
+          </a:p>
+          <a:p>
+            <a:pPr marL="285750" indent="-285750">
+              <a:buFont typeface="Courier New" panose="02070309020205020404" pitchFamily="49" charset="0"/>
+              <a:buChar char="o"/>
+            </a:pPr>
+            <a:r>
+              <a:rPr lang="en-US" dirty="0"/>
+              <a:t>Interoperability </a:t>
+            </a:r>
+          </a:p>
+          <a:p>
+            <a:pPr marL="285750" indent="-285750">
+              <a:buFont typeface="Courier New" panose="02070309020205020404" pitchFamily="49" charset="0"/>
+              <a:buChar char="o"/>
+            </a:pPr>
+            <a:r>
+              <a:rPr lang="en-US" dirty="0" err="1"/>
+              <a:t>Kompilasi</a:t>
+            </a:r>
+            <a:r>
+              <a:rPr lang="en-US" dirty="0"/>
+              <a:t> incremental yang </a:t>
+            </a:r>
+            <a:r>
+              <a:rPr lang="en-US" dirty="0" err="1"/>
+              <a:t>efisien</a:t>
+            </a:r>
+            <a:endParaRPr lang="en-ID" dirty="0"/>
+          </a:p>
+        </p:txBody>
+      </p:sp>
+      <p:sp>
+        <p:nvSpPr>
+          <p:cNvPr id="27" name="TextBox 26">
+            <a:extLst>
+              <a:ext uri="{FF2B5EF4-FFF2-40B4-BE49-F238E27FC236}">
+                <a16:creationId xmlns:a16="http://schemas.microsoft.com/office/drawing/2014/main" id="{B4B2ADCF-3F7E-EEF2-3AAE-7999D105B214}"/>
+              </a:ext>
+            </a:extLst>
+          </p:cNvPr>
+          <p:cNvSpPr txBox="1"/>
+          <p:nvPr/>
+        </p:nvSpPr>
+        <p:spPr>
+          <a:xfrm>
+            <a:off x="1678961" y="4486423"/>
+            <a:ext cx="3594017" cy="1477328"/>
+          </a:xfrm>
+          <a:prstGeom prst="rect">
+            <a:avLst/>
+          </a:prstGeom>
+          <a:noFill/>
+        </p:spPr>
+        <p:txBody>
+          <a:bodyPr wrap="square" rtlCol="0">
+            <a:spAutoFit/>
+          </a:bodyPr>
+          <a:lstStyle/>
+          <a:p>
+            <a:pPr marL="285750" indent="-285750">
+              <a:buFont typeface="Courier New" panose="02070309020205020404" pitchFamily="49" charset="0"/>
+              <a:buChar char="o"/>
+            </a:pPr>
+            <a:r>
+              <a:rPr lang="en-US" dirty="0"/>
+              <a:t>Integrasi </a:t>
+            </a:r>
+            <a:r>
+              <a:rPr lang="en-US" dirty="0" err="1"/>
+              <a:t>layanan</a:t>
+            </a:r>
+            <a:r>
+              <a:rPr lang="en-US" dirty="0"/>
+              <a:t> Google</a:t>
+            </a:r>
+          </a:p>
+          <a:p>
+            <a:pPr marL="285750" indent="-285750">
+              <a:buFont typeface="Courier New" panose="02070309020205020404" pitchFamily="49" charset="0"/>
+              <a:buChar char="o"/>
+            </a:pPr>
+            <a:r>
+              <a:rPr lang="en-US" dirty="0" err="1"/>
+              <a:t>Mendukung</a:t>
+            </a:r>
+            <a:r>
+              <a:rPr lang="en-US" dirty="0"/>
+              <a:t> </a:t>
+            </a:r>
+            <a:r>
+              <a:rPr lang="en-US" dirty="0" err="1"/>
+              <a:t>pengembangan</a:t>
+            </a:r>
+            <a:r>
+              <a:rPr lang="en-US" dirty="0"/>
+              <a:t> </a:t>
+            </a:r>
+            <a:r>
+              <a:rPr lang="en-US" dirty="0" err="1"/>
+              <a:t>penuh</a:t>
+            </a:r>
+            <a:r>
+              <a:rPr lang="en-US" dirty="0"/>
+              <a:t> </a:t>
+            </a:r>
+            <a:r>
+              <a:rPr lang="en-US" dirty="0" err="1"/>
+              <a:t>aplikasi</a:t>
+            </a:r>
+            <a:r>
+              <a:rPr lang="en-US" dirty="0"/>
+              <a:t> android</a:t>
+            </a:r>
+          </a:p>
+          <a:p>
+            <a:pPr marL="285750" indent="-285750">
+              <a:buFont typeface="Courier New" panose="02070309020205020404" pitchFamily="49" charset="0"/>
+              <a:buChar char="o"/>
+            </a:pPr>
+            <a:r>
+              <a:rPr lang="en-US" dirty="0"/>
+              <a:t>Built in </a:t>
+            </a:r>
+            <a:r>
+              <a:rPr lang="en-US" dirty="0" err="1"/>
+              <a:t>fitur</a:t>
+            </a:r>
+            <a:r>
+              <a:rPr lang="en-US" dirty="0"/>
+              <a:t> </a:t>
+            </a:r>
+            <a:r>
+              <a:rPr lang="en-US" dirty="0" err="1"/>
+              <a:t>untuk</a:t>
+            </a:r>
+            <a:r>
+              <a:rPr lang="en-US" dirty="0"/>
+              <a:t> </a:t>
+            </a:r>
+            <a:r>
+              <a:rPr lang="en-US" dirty="0" err="1"/>
+              <a:t>membantu</a:t>
+            </a:r>
+            <a:r>
+              <a:rPr lang="en-US" dirty="0"/>
+              <a:t> proses </a:t>
+            </a:r>
+            <a:r>
+              <a:rPr lang="en-US" dirty="0" err="1"/>
+              <a:t>penambangan</a:t>
+            </a:r>
+            <a:r>
+              <a:rPr lang="en-US" dirty="0"/>
+              <a:t> </a:t>
+            </a:r>
+            <a:r>
+              <a:rPr lang="en-US" dirty="0" err="1"/>
+              <a:t>aplikasi</a:t>
+            </a:r>
+            <a:endParaRPr lang="en-ID" dirty="0"/>
+          </a:p>
+        </p:txBody>
+      </p:sp>
+    </p:spTree>
+    <p:extLst>
+      <p:ext uri="{BB962C8B-B14F-4D97-AF65-F5344CB8AC3E}">
+        <p14:creationId xmlns:p14="http://schemas.microsoft.com/office/powerpoint/2010/main" val="1319494753"/>
+      </p:ext>
+    </p:extLst>
+  </p:cSld>
+  <p:clrMapOvr>
+    <a:masterClrMapping/>
+  </p:clrMapOvr>
+  <mc:AlternateContent xmlns:mc="http://schemas.openxmlformats.org/markup-compatibility/2006" xmlns:p159="http://schemas.microsoft.com/office/powerpoint/2015/09/main">
+    <mc:Choice Requires="p159">
+      <p:transition xmlns:p14="http://schemas.microsoft.com/office/powerpoint/2010/main" spd="slow" p14:dur="2000">
+        <p159:morph option="byObject"/>
+      </p:transition>
+    </mc:Choice>
+    <mc:Fallback xmlns="">
+      <p:transition spd="slow">
+        <p:fade/>
+      </p:transition>
+    </mc:Fallback>
+  </mc:AlternateContent>
+</p:sld>
+</file>
+
+<file path=ppt/slides/slide6.xml><?xml version="1.0" encoding="utf-8"?>
+<p:sld xmlns:a="http://schemas.openxmlformats.org/drawingml/2006/main" xmlns:r="http://schemas.openxmlformats.org/officeDocument/2006/relationships" xmlns:p="http://schemas.openxmlformats.org/presentationml/2006/main">
+  <p:cSld>
+    <p:spTree>
+      <p:nvGrpSpPr>
+        <p:cNvPr id="1" name=""/>
+        <p:cNvGrpSpPr/>
+        <p:nvPr/>
+      </p:nvGrpSpPr>
+      <p:grpSpPr>
+        <a:xfrm>
+          <a:off x="0" y="0"/>
+          <a:ext cx="0" cy="0"/>
+          <a:chOff x="0" y="0"/>
+          <a:chExt cx="0" cy="0"/>
+        </a:xfrm>
+      </p:grpSpPr>
+      <p:sp>
+        <p:nvSpPr>
+          <p:cNvPr id="2" name="TextBox 1">
+            <a:extLst>
+              <a:ext uri="{FF2B5EF4-FFF2-40B4-BE49-F238E27FC236}">
+                <a16:creationId xmlns:a16="http://schemas.microsoft.com/office/drawing/2014/main" id="{F5D344A1-39FE-052D-1B9C-3C500FCD5362}"/>
+              </a:ext>
+            </a:extLst>
+          </p:cNvPr>
+          <p:cNvSpPr txBox="1"/>
+          <p:nvPr/>
+        </p:nvSpPr>
+        <p:spPr>
+          <a:xfrm>
+            <a:off x="2522375" y="524445"/>
+            <a:ext cx="7147249" cy="458780"/>
+          </a:xfrm>
+          <a:prstGeom prst="rect">
+            <a:avLst/>
+          </a:prstGeom>
+          <a:noFill/>
+        </p:spPr>
+        <p:txBody>
+          <a:bodyPr wrap="square" rtlCol="0">
+            <a:spAutoFit/>
+          </a:bodyPr>
+          <a:lstStyle/>
+          <a:p>
+            <a:pPr algn="ctr">
+              <a:lnSpc>
+                <a:spcPct val="107000"/>
+              </a:lnSpc>
+              <a:spcAft>
+                <a:spcPts val="800"/>
+              </a:spcAft>
+            </a:pPr>
+            <a:r>
+              <a:rPr lang="en-US" sz="2400" b="1" spc="75" dirty="0">
+                <a:solidFill>
+                  <a:srgbClr val="000000"/>
+                </a:solidFill>
+                <a:latin typeface="Arial" panose="020B0604020202020204" pitchFamily="34" charset="0"/>
+                <a:ea typeface="Times New Roman" panose="02020603050405020304" pitchFamily="18" charset="0"/>
+                <a:cs typeface="Arial" panose="020B0604020202020204" pitchFamily="34" charset="0"/>
+              </a:rPr>
+              <a:t>LANDASAN TEORI</a:t>
+            </a:r>
+            <a:endParaRPr lang="en-ID" sz="2400" spc="75" dirty="0">
+              <a:solidFill>
+                <a:srgbClr val="000000"/>
+              </a:solidFill>
+              <a:effectLst/>
+              <a:latin typeface="Arial" panose="020B0604020202020204" pitchFamily="34" charset="0"/>
+              <a:ea typeface="Times New Roman" panose="02020603050405020304" pitchFamily="18" charset="0"/>
+              <a:cs typeface="Arial" panose="020B0604020202020204" pitchFamily="34" charset="0"/>
+            </a:endParaRPr>
+          </a:p>
+        </p:txBody>
+      </p:sp>
+      <p:pic>
+        <p:nvPicPr>
+          <p:cNvPr id="3" name="Picture 2">
+            <a:extLst>
+              <a:ext uri="{FF2B5EF4-FFF2-40B4-BE49-F238E27FC236}">
+                <a16:creationId xmlns:a16="http://schemas.microsoft.com/office/drawing/2014/main" id="{7F066D29-7D8F-FA43-C481-2058A9CC61DC}"/>
+              </a:ext>
+            </a:extLst>
+          </p:cNvPr>
+          <p:cNvPicPr>
+            <a:picLocks noChangeAspect="1"/>
+          </p:cNvPicPr>
+          <p:nvPr/>
+        </p:nvPicPr>
+        <p:blipFill>
+          <a:blip r:embed="rId2">
+            <a:extLst>
+              <a:ext uri="{28A0092B-C50C-407E-A947-70E740481C1C}">
+                <a14:useLocalDpi xmlns:a14="http://schemas.microsoft.com/office/drawing/2010/main" val="0"/>
+              </a:ext>
+            </a:extLst>
+          </a:blip>
+          <a:stretch>
+            <a:fillRect/>
+          </a:stretch>
+        </p:blipFill>
+        <p:spPr>
+          <a:xfrm>
+            <a:off x="11161903" y="5812413"/>
+            <a:ext cx="922432" cy="922432"/>
+          </a:xfrm>
+          <a:prstGeom prst="rect">
+            <a:avLst/>
+          </a:prstGeom>
+        </p:spPr>
+      </p:pic>
+      <p:sp>
+        <p:nvSpPr>
+          <p:cNvPr id="14" name="TextBox 13">
+            <a:extLst>
+              <a:ext uri="{FF2B5EF4-FFF2-40B4-BE49-F238E27FC236}">
+                <a16:creationId xmlns:a16="http://schemas.microsoft.com/office/drawing/2014/main" id="{DCED8A74-3B99-B381-1616-9BE7393F9E46}"/>
+              </a:ext>
+            </a:extLst>
+          </p:cNvPr>
+          <p:cNvSpPr txBox="1"/>
+          <p:nvPr/>
+        </p:nvSpPr>
+        <p:spPr>
+          <a:xfrm>
+            <a:off x="3006107" y="1010501"/>
+            <a:ext cx="6179783" cy="707886"/>
+          </a:xfrm>
+          <a:prstGeom prst="rect">
+            <a:avLst/>
+          </a:prstGeom>
+          <a:noFill/>
+        </p:spPr>
+        <p:txBody>
+          <a:bodyPr wrap="square">
+            <a:spAutoFit/>
+          </a:bodyPr>
+          <a:lstStyle/>
+          <a:p>
+            <a:pPr algn="ctr"/>
+            <a:r>
+              <a:rPr lang="en-US" sz="4000" b="1" dirty="0">
+                <a:solidFill>
+                  <a:schemeClr val="bg2">
+                    <a:lumMod val="75000"/>
+                  </a:schemeClr>
+                </a:solidFill>
+                <a:latin typeface="Arial" panose="020B0604020202020204" pitchFamily="34" charset="0"/>
+                <a:cs typeface="Arial" panose="020B0604020202020204" pitchFamily="34" charset="0"/>
+              </a:rPr>
+              <a:t>DATABASE</a:t>
+            </a:r>
+            <a:endParaRPr lang="en-ID" sz="4000" b="1" dirty="0">
+              <a:solidFill>
+                <a:schemeClr val="bg2">
+                  <a:lumMod val="75000"/>
+                </a:schemeClr>
+              </a:solidFill>
+              <a:latin typeface="Arial" panose="020B0604020202020204" pitchFamily="34" charset="0"/>
+              <a:cs typeface="Arial" panose="020B0604020202020204" pitchFamily="34" charset="0"/>
+            </a:endParaRPr>
+          </a:p>
+        </p:txBody>
+      </p:sp>
+      <p:pic>
+        <p:nvPicPr>
+          <p:cNvPr id="25" name="Picture 24">
+            <a:extLst>
+              <a:ext uri="{FF2B5EF4-FFF2-40B4-BE49-F238E27FC236}">
+                <a16:creationId xmlns:a16="http://schemas.microsoft.com/office/drawing/2014/main" id="{9D54D959-596D-DF70-45E7-A60EE98954CC}"/>
+              </a:ext>
+            </a:extLst>
+          </p:cNvPr>
+          <p:cNvPicPr>
+            <a:picLocks noChangeAspect="1"/>
+          </p:cNvPicPr>
+          <p:nvPr/>
+        </p:nvPicPr>
+        <p:blipFill>
+          <a:blip r:embed="rId3">
+            <a:lum bright="70000" contrast="-70000"/>
+            <a:extLst>
+              <a:ext uri="{BEBA8EAE-BF5A-486C-A8C5-ECC9F3942E4B}">
+                <a14:imgProps xmlns:a14="http://schemas.microsoft.com/office/drawing/2010/main">
+                  <a14:imgLayer r:embed="rId4">
+                    <a14:imgEffect>
+                      <a14:sharpenSoften amount="50000"/>
+                    </a14:imgEffect>
+                  </a14:imgLayer>
+                </a14:imgProps>
+              </a:ext>
+              <a:ext uri="{28A0092B-C50C-407E-A947-70E740481C1C}">
+                <a14:useLocalDpi xmlns:a14="http://schemas.microsoft.com/office/drawing/2010/main" val="0"/>
+              </a:ext>
+            </a:extLst>
+          </a:blip>
+          <a:stretch>
+            <a:fillRect/>
+          </a:stretch>
+        </p:blipFill>
+        <p:spPr>
+          <a:xfrm rot="2473072">
+            <a:off x="2969584" y="2834639"/>
+            <a:ext cx="1188721" cy="1188721"/>
+          </a:xfrm>
+          <a:prstGeom prst="rect">
+            <a:avLst/>
+          </a:prstGeom>
+        </p:spPr>
+      </p:pic>
+      <p:pic>
+        <p:nvPicPr>
+          <p:cNvPr id="15" name="Picture 14">
+            <a:extLst>
+              <a:ext uri="{FF2B5EF4-FFF2-40B4-BE49-F238E27FC236}">
+                <a16:creationId xmlns:a16="http://schemas.microsoft.com/office/drawing/2014/main" id="{110E6376-2261-C2FB-93ED-931476926542}"/>
+              </a:ext>
+            </a:extLst>
+          </p:cNvPr>
+          <p:cNvPicPr>
+            <a:picLocks noChangeAspect="1"/>
+          </p:cNvPicPr>
+          <p:nvPr/>
+        </p:nvPicPr>
+        <p:blipFill>
+          <a:blip r:embed="rId5">
+            <a:lum bright="70000" contrast="-70000"/>
+            <a:extLst>
+              <a:ext uri="{BEBA8EAE-BF5A-486C-A8C5-ECC9F3942E4B}">
+                <a14:imgProps xmlns:a14="http://schemas.microsoft.com/office/drawing/2010/main">
+                  <a14:imgLayer r:embed="rId6">
+                    <a14:imgEffect>
+                      <a14:sharpenSoften amount="50000"/>
+                    </a14:imgEffect>
+                  </a14:imgLayer>
+                </a14:imgProps>
+              </a:ext>
+              <a:ext uri="{28A0092B-C50C-407E-A947-70E740481C1C}">
+                <a14:useLocalDpi xmlns:a14="http://schemas.microsoft.com/office/drawing/2010/main" val="0"/>
+              </a:ext>
+            </a:extLst>
+          </a:blip>
+          <a:stretch>
+            <a:fillRect/>
+          </a:stretch>
+        </p:blipFill>
+        <p:spPr>
+          <a:xfrm>
+            <a:off x="1166787" y="2514599"/>
+            <a:ext cx="1828802" cy="1828802"/>
+          </a:xfrm>
+          <a:prstGeom prst="rect">
+            <a:avLst/>
+          </a:prstGeom>
+        </p:spPr>
+      </p:pic>
+      <p:pic>
+        <p:nvPicPr>
+          <p:cNvPr id="16" name="Picture 15">
+            <a:extLst>
+              <a:ext uri="{FF2B5EF4-FFF2-40B4-BE49-F238E27FC236}">
+                <a16:creationId xmlns:a16="http://schemas.microsoft.com/office/drawing/2014/main" id="{757D5479-9E6B-4612-86CD-2B160C2229E5}"/>
+              </a:ext>
+            </a:extLst>
+          </p:cNvPr>
+          <p:cNvPicPr>
+            <a:picLocks noChangeAspect="1"/>
+          </p:cNvPicPr>
+          <p:nvPr/>
+        </p:nvPicPr>
+        <p:blipFill>
+          <a:blip r:embed="rId7">
+            <a:extLst>
+              <a:ext uri="{28A0092B-C50C-407E-A947-70E740481C1C}">
+                <a14:useLocalDpi xmlns:a14="http://schemas.microsoft.com/office/drawing/2010/main" val="0"/>
+              </a:ext>
+            </a:extLst>
+          </a:blip>
+          <a:stretch>
+            <a:fillRect/>
+          </a:stretch>
+        </p:blipFill>
+        <p:spPr>
+          <a:xfrm>
+            <a:off x="4132298" y="2971799"/>
+            <a:ext cx="2615984" cy="914400"/>
+          </a:xfrm>
+          <a:prstGeom prst="rect">
+            <a:avLst/>
+          </a:prstGeom>
+        </p:spPr>
+      </p:pic>
+      <p:sp>
+        <p:nvSpPr>
+          <p:cNvPr id="17" name="TextBox 16">
+            <a:extLst>
+              <a:ext uri="{FF2B5EF4-FFF2-40B4-BE49-F238E27FC236}">
+                <a16:creationId xmlns:a16="http://schemas.microsoft.com/office/drawing/2014/main" id="{818DE12C-1BD1-FFF4-2AB7-E421473E7DCA}"/>
+              </a:ext>
+            </a:extLst>
+          </p:cNvPr>
+          <p:cNvSpPr txBox="1"/>
+          <p:nvPr/>
+        </p:nvSpPr>
+        <p:spPr>
+          <a:xfrm>
+            <a:off x="8192627" y="2132890"/>
+            <a:ext cx="1986526" cy="369332"/>
+          </a:xfrm>
+          <a:prstGeom prst="rect">
+            <a:avLst/>
+          </a:prstGeom>
+          <a:noFill/>
+        </p:spPr>
+        <p:txBody>
+          <a:bodyPr wrap="square" rtlCol="0">
+            <a:spAutoFit/>
+          </a:bodyPr>
+          <a:lstStyle/>
+          <a:p>
+            <a:r>
+              <a:rPr lang="en-US" b="1" dirty="0">
+                <a:solidFill>
+                  <a:schemeClr val="bg2">
+                    <a:lumMod val="50000"/>
+                  </a:schemeClr>
+                </a:solidFill>
+                <a:latin typeface="Arial" panose="020B0604020202020204" pitchFamily="34" charset="0"/>
+                <a:cs typeface="Arial" panose="020B0604020202020204" pitchFamily="34" charset="0"/>
+              </a:rPr>
+              <a:t>AUTENTIKASI</a:t>
+            </a:r>
+            <a:endParaRPr lang="en-ID" b="1" dirty="0">
+              <a:solidFill>
+                <a:schemeClr val="bg2">
+                  <a:lumMod val="50000"/>
+                </a:schemeClr>
+              </a:solidFill>
+              <a:latin typeface="Arial" panose="020B0604020202020204" pitchFamily="34" charset="0"/>
+              <a:cs typeface="Arial" panose="020B0604020202020204" pitchFamily="34" charset="0"/>
+            </a:endParaRPr>
+          </a:p>
+        </p:txBody>
+      </p:sp>
+      <p:pic>
+        <p:nvPicPr>
+          <p:cNvPr id="18" name="Picture 17">
+            <a:extLst>
+              <a:ext uri="{FF2B5EF4-FFF2-40B4-BE49-F238E27FC236}">
+                <a16:creationId xmlns:a16="http://schemas.microsoft.com/office/drawing/2014/main" id="{1A024F18-ADDE-B154-2698-3EAEA5A67E17}"/>
+              </a:ext>
+            </a:extLst>
+          </p:cNvPr>
+          <p:cNvPicPr>
+            <a:picLocks noChangeAspect="1"/>
+          </p:cNvPicPr>
+          <p:nvPr/>
+        </p:nvPicPr>
+        <p:blipFill>
+          <a:blip r:embed="rId3">
+            <a:lum bright="70000" contrast="-70000"/>
+            <a:extLst>
+              <a:ext uri="{BEBA8EAE-BF5A-486C-A8C5-ECC9F3942E4B}">
+                <a14:imgProps xmlns:a14="http://schemas.microsoft.com/office/drawing/2010/main">
+                  <a14:imgLayer r:embed="rId4">
+                    <a14:imgEffect>
+                      <a14:sharpenSoften amount="50000"/>
+                    </a14:imgEffect>
+                  </a14:imgLayer>
+                </a14:imgProps>
+              </a:ext>
+              <a:ext uri="{28A0092B-C50C-407E-A947-70E740481C1C}">
+                <a14:useLocalDpi xmlns:a14="http://schemas.microsoft.com/office/drawing/2010/main" val="0"/>
+              </a:ext>
+            </a:extLst>
+          </a:blip>
+          <a:stretch>
+            <a:fillRect/>
+          </a:stretch>
+        </p:blipFill>
+        <p:spPr>
+          <a:xfrm rot="418640">
+            <a:off x="6647258" y="2129994"/>
+            <a:ext cx="1619173" cy="1619173"/>
+          </a:xfrm>
+          <a:prstGeom prst="rect">
+            <a:avLst/>
+          </a:prstGeom>
+        </p:spPr>
+      </p:pic>
+      <p:sp>
+        <p:nvSpPr>
+          <p:cNvPr id="19" name="TextBox 18">
+            <a:extLst>
+              <a:ext uri="{FF2B5EF4-FFF2-40B4-BE49-F238E27FC236}">
+                <a16:creationId xmlns:a16="http://schemas.microsoft.com/office/drawing/2014/main" id="{DE7FAEEE-6849-4EA4-7AAF-BC451DB6477B}"/>
+              </a:ext>
+            </a:extLst>
+          </p:cNvPr>
+          <p:cNvSpPr txBox="1"/>
+          <p:nvPr/>
+        </p:nvSpPr>
+        <p:spPr>
+          <a:xfrm>
+            <a:off x="8245493" y="3244332"/>
+            <a:ext cx="1986526" cy="369332"/>
+          </a:xfrm>
+          <a:prstGeom prst="rect">
+            <a:avLst/>
+          </a:prstGeom>
+          <a:noFill/>
+        </p:spPr>
+        <p:txBody>
+          <a:bodyPr wrap="square" rtlCol="0">
+            <a:spAutoFit/>
+          </a:bodyPr>
+          <a:lstStyle/>
+          <a:p>
+            <a:r>
+              <a:rPr lang="en-US" b="1" dirty="0">
+                <a:solidFill>
+                  <a:schemeClr val="bg2">
+                    <a:lumMod val="50000"/>
+                  </a:schemeClr>
+                </a:solidFill>
+                <a:latin typeface="Arial" panose="020B0604020202020204" pitchFamily="34" charset="0"/>
+                <a:cs typeface="Arial" panose="020B0604020202020204" pitchFamily="34" charset="0"/>
+              </a:rPr>
+              <a:t>REALTIME</a:t>
+            </a:r>
+            <a:endParaRPr lang="en-ID" b="1" dirty="0">
+              <a:solidFill>
+                <a:schemeClr val="bg2">
+                  <a:lumMod val="50000"/>
+                </a:schemeClr>
+              </a:solidFill>
+              <a:latin typeface="Arial" panose="020B0604020202020204" pitchFamily="34" charset="0"/>
+              <a:cs typeface="Arial" panose="020B0604020202020204" pitchFamily="34" charset="0"/>
+            </a:endParaRPr>
+          </a:p>
+        </p:txBody>
+      </p:sp>
+      <p:pic>
+        <p:nvPicPr>
+          <p:cNvPr id="20" name="Picture 19">
+            <a:extLst>
+              <a:ext uri="{FF2B5EF4-FFF2-40B4-BE49-F238E27FC236}">
+                <a16:creationId xmlns:a16="http://schemas.microsoft.com/office/drawing/2014/main" id="{52A23849-AE67-9A03-5B5E-31B9268ABA4E}"/>
+              </a:ext>
+            </a:extLst>
+          </p:cNvPr>
+          <p:cNvPicPr>
+            <a:picLocks noChangeAspect="1"/>
+          </p:cNvPicPr>
+          <p:nvPr/>
+        </p:nvPicPr>
+        <p:blipFill>
+          <a:blip r:embed="rId3">
+            <a:lum bright="70000" contrast="-70000"/>
+            <a:extLst>
+              <a:ext uri="{BEBA8EAE-BF5A-486C-A8C5-ECC9F3942E4B}">
+                <a14:imgProps xmlns:a14="http://schemas.microsoft.com/office/drawing/2010/main">
+                  <a14:imgLayer r:embed="rId4">
+                    <a14:imgEffect>
+                      <a14:sharpenSoften amount="50000"/>
+                    </a14:imgEffect>
+                  </a14:imgLayer>
+                </a14:imgProps>
+              </a:ext>
+              <a:ext uri="{28A0092B-C50C-407E-A947-70E740481C1C}">
+                <a14:useLocalDpi xmlns:a14="http://schemas.microsoft.com/office/drawing/2010/main" val="0"/>
+              </a:ext>
+            </a:extLst>
+          </a:blip>
+          <a:stretch>
+            <a:fillRect/>
+          </a:stretch>
+        </p:blipFill>
+        <p:spPr>
+          <a:xfrm rot="2562112">
+            <a:off x="6793032" y="2669560"/>
+            <a:ext cx="1518877" cy="1518877"/>
+          </a:xfrm>
+          <a:prstGeom prst="rect">
+            <a:avLst/>
+          </a:prstGeom>
+        </p:spPr>
+      </p:pic>
+      <p:pic>
+        <p:nvPicPr>
+          <p:cNvPr id="21" name="Picture 20">
+            <a:extLst>
+              <a:ext uri="{FF2B5EF4-FFF2-40B4-BE49-F238E27FC236}">
+                <a16:creationId xmlns:a16="http://schemas.microsoft.com/office/drawing/2014/main" id="{80AB5C86-A3BF-6AAB-A5B0-B2DA32FB4DA5}"/>
+              </a:ext>
+            </a:extLst>
+          </p:cNvPr>
+          <p:cNvPicPr>
+            <a:picLocks noChangeAspect="1"/>
+          </p:cNvPicPr>
+          <p:nvPr/>
+        </p:nvPicPr>
+        <p:blipFill>
+          <a:blip r:embed="rId3">
+            <a:lum bright="70000" contrast="-70000"/>
+            <a:extLst>
+              <a:ext uri="{BEBA8EAE-BF5A-486C-A8C5-ECC9F3942E4B}">
+                <a14:imgProps xmlns:a14="http://schemas.microsoft.com/office/drawing/2010/main">
+                  <a14:imgLayer r:embed="rId4">
+                    <a14:imgEffect>
+                      <a14:sharpenSoften amount="50000"/>
+                    </a14:imgEffect>
+                  </a14:imgLayer>
+                </a14:imgProps>
+              </a:ext>
+              <a:ext uri="{28A0092B-C50C-407E-A947-70E740481C1C}">
+                <a14:useLocalDpi xmlns:a14="http://schemas.microsoft.com/office/drawing/2010/main" val="0"/>
+              </a:ext>
+            </a:extLst>
+          </a:blip>
+          <a:stretch>
+            <a:fillRect/>
+          </a:stretch>
+        </p:blipFill>
+        <p:spPr>
+          <a:xfrm rot="4690880">
+            <a:off x="6671749" y="3202175"/>
+            <a:ext cx="1518877" cy="1518877"/>
+          </a:xfrm>
+          <a:prstGeom prst="rect">
+            <a:avLst/>
+          </a:prstGeom>
+        </p:spPr>
+      </p:pic>
+      <p:sp>
+        <p:nvSpPr>
+          <p:cNvPr id="22" name="TextBox 21">
+            <a:extLst>
+              <a:ext uri="{FF2B5EF4-FFF2-40B4-BE49-F238E27FC236}">
+                <a16:creationId xmlns:a16="http://schemas.microsoft.com/office/drawing/2014/main" id="{3FA77A7F-D460-3248-C14E-EF852B3B5288}"/>
+              </a:ext>
+            </a:extLst>
+          </p:cNvPr>
+          <p:cNvSpPr txBox="1"/>
+          <p:nvPr/>
+        </p:nvSpPr>
+        <p:spPr>
+          <a:xfrm>
+            <a:off x="8192627" y="4397648"/>
+            <a:ext cx="1986526" cy="369332"/>
+          </a:xfrm>
+          <a:prstGeom prst="rect">
+            <a:avLst/>
+          </a:prstGeom>
+          <a:noFill/>
+        </p:spPr>
+        <p:txBody>
+          <a:bodyPr wrap="square" rtlCol="0">
+            <a:spAutoFit/>
+          </a:bodyPr>
+          <a:lstStyle/>
+          <a:p>
+            <a:r>
+              <a:rPr lang="en-US" b="1" dirty="0">
+                <a:solidFill>
+                  <a:schemeClr val="bg2">
+                    <a:lumMod val="50000"/>
+                  </a:schemeClr>
+                </a:solidFill>
+                <a:latin typeface="Arial" panose="020B0604020202020204" pitchFamily="34" charset="0"/>
+                <a:cs typeface="Arial" panose="020B0604020202020204" pitchFamily="34" charset="0"/>
+              </a:rPr>
+              <a:t>STORAGE</a:t>
+            </a:r>
+            <a:endParaRPr lang="en-ID" b="1" dirty="0">
+              <a:solidFill>
+                <a:schemeClr val="bg2">
+                  <a:lumMod val="50000"/>
+                </a:schemeClr>
+              </a:solidFill>
+              <a:latin typeface="Arial" panose="020B0604020202020204" pitchFamily="34" charset="0"/>
+              <a:cs typeface="Arial" panose="020B0604020202020204" pitchFamily="34" charset="0"/>
+            </a:endParaRPr>
+          </a:p>
+        </p:txBody>
+      </p:sp>
+      <p:sp>
+        <p:nvSpPr>
+          <p:cNvPr id="28" name="TextBox 27">
+            <a:extLst>
+              <a:ext uri="{FF2B5EF4-FFF2-40B4-BE49-F238E27FC236}">
+                <a16:creationId xmlns:a16="http://schemas.microsoft.com/office/drawing/2014/main" id="{7BAAB495-12AE-ED77-F62E-0D26B436BE40}"/>
+              </a:ext>
+            </a:extLst>
+          </p:cNvPr>
+          <p:cNvSpPr txBox="1"/>
+          <p:nvPr/>
+        </p:nvSpPr>
+        <p:spPr>
+          <a:xfrm>
+            <a:off x="8192627" y="2545410"/>
+            <a:ext cx="3215326" cy="338554"/>
+          </a:xfrm>
+          <a:prstGeom prst="rect">
+            <a:avLst/>
+          </a:prstGeom>
+          <a:noFill/>
+        </p:spPr>
+        <p:txBody>
+          <a:bodyPr wrap="square" rtlCol="0">
+            <a:spAutoFit/>
+          </a:bodyPr>
+          <a:lstStyle/>
+          <a:p>
+            <a:pPr marL="342900" indent="-342900">
+              <a:buFont typeface="Courier New" panose="02070309020205020404" pitchFamily="49" charset="0"/>
+              <a:buChar char="o"/>
+            </a:pPr>
+            <a:r>
+              <a:rPr lang="en-US" sz="1600" dirty="0" err="1">
+                <a:latin typeface="Arial" panose="020B0604020202020204" pitchFamily="34" charset="0"/>
+                <a:cs typeface="Arial" panose="020B0604020202020204" pitchFamily="34" charset="0"/>
+              </a:rPr>
+              <a:t>Manajemen</a:t>
+            </a:r>
+            <a:r>
+              <a:rPr lang="en-US" sz="1600" dirty="0">
+                <a:latin typeface="Arial" panose="020B0604020202020204" pitchFamily="34" charset="0"/>
+                <a:cs typeface="Arial" panose="020B0604020202020204" pitchFamily="34" charset="0"/>
+              </a:rPr>
+              <a:t> </a:t>
+            </a:r>
+            <a:r>
+              <a:rPr lang="en-US" sz="1600" dirty="0" err="1">
+                <a:latin typeface="Arial" panose="020B0604020202020204" pitchFamily="34" charset="0"/>
+                <a:cs typeface="Arial" panose="020B0604020202020204" pitchFamily="34" charset="0"/>
+              </a:rPr>
+              <a:t>akun</a:t>
+            </a:r>
+            <a:r>
+              <a:rPr lang="en-US" sz="1600" dirty="0">
+                <a:latin typeface="Arial" panose="020B0604020202020204" pitchFamily="34" charset="0"/>
+                <a:cs typeface="Arial" panose="020B0604020202020204" pitchFamily="34" charset="0"/>
+              </a:rPr>
+              <a:t> </a:t>
+            </a:r>
+            <a:r>
+              <a:rPr lang="en-US" sz="1600" dirty="0" err="1">
+                <a:latin typeface="Arial" panose="020B0604020202020204" pitchFamily="34" charset="0"/>
+                <a:cs typeface="Arial" panose="020B0604020202020204" pitchFamily="34" charset="0"/>
+              </a:rPr>
+              <a:t>pengguna</a:t>
+            </a:r>
+            <a:r>
+              <a:rPr lang="en-US" sz="1600" dirty="0">
+                <a:latin typeface="Arial" panose="020B0604020202020204" pitchFamily="34" charset="0"/>
+                <a:cs typeface="Arial" panose="020B0604020202020204" pitchFamily="34" charset="0"/>
+              </a:rPr>
+              <a:t> </a:t>
+            </a:r>
+            <a:endParaRPr lang="en-ID" sz="1600" dirty="0">
+              <a:latin typeface="Arial" panose="020B0604020202020204" pitchFamily="34" charset="0"/>
+              <a:cs typeface="Arial" panose="020B0604020202020204" pitchFamily="34" charset="0"/>
+            </a:endParaRPr>
+          </a:p>
+        </p:txBody>
+      </p:sp>
+      <p:sp>
+        <p:nvSpPr>
+          <p:cNvPr id="29" name="TextBox 28">
+            <a:extLst>
+              <a:ext uri="{FF2B5EF4-FFF2-40B4-BE49-F238E27FC236}">
+                <a16:creationId xmlns:a16="http://schemas.microsoft.com/office/drawing/2014/main" id="{DBEF3A63-33A4-90CA-3BEE-7AD03F5D057E}"/>
+              </a:ext>
+            </a:extLst>
+          </p:cNvPr>
+          <p:cNvSpPr txBox="1"/>
+          <p:nvPr/>
+        </p:nvSpPr>
+        <p:spPr>
+          <a:xfrm>
+            <a:off x="8192627" y="3693835"/>
+            <a:ext cx="3215326" cy="584775"/>
+          </a:xfrm>
+          <a:prstGeom prst="rect">
+            <a:avLst/>
+          </a:prstGeom>
+          <a:noFill/>
+        </p:spPr>
+        <p:txBody>
+          <a:bodyPr wrap="square" rtlCol="0">
+            <a:spAutoFit/>
+          </a:bodyPr>
+          <a:lstStyle/>
+          <a:p>
+            <a:pPr marL="342900" indent="-342900">
+              <a:buFont typeface="Courier New" panose="02070309020205020404" pitchFamily="49" charset="0"/>
+              <a:buChar char="o"/>
+            </a:pPr>
+            <a:r>
+              <a:rPr lang="en-US" sz="1600" dirty="0" err="1">
+                <a:latin typeface="Arial" panose="020B0604020202020204" pitchFamily="34" charset="0"/>
+                <a:cs typeface="Arial" panose="020B0604020202020204" pitchFamily="34" charset="0"/>
+              </a:rPr>
+              <a:t>Menyimpan</a:t>
+            </a:r>
+            <a:r>
+              <a:rPr lang="en-US" sz="1600" dirty="0">
+                <a:latin typeface="Arial" panose="020B0604020202020204" pitchFamily="34" charset="0"/>
+                <a:cs typeface="Arial" panose="020B0604020202020204" pitchFamily="34" charset="0"/>
+              </a:rPr>
+              <a:t> </a:t>
+            </a:r>
+            <a:r>
+              <a:rPr lang="en-US" sz="1600" dirty="0" err="1">
+                <a:latin typeface="Arial" panose="020B0604020202020204" pitchFamily="34" charset="0"/>
+                <a:cs typeface="Arial" panose="020B0604020202020204" pitchFamily="34" charset="0"/>
+              </a:rPr>
+              <a:t>histori</a:t>
+            </a:r>
+            <a:r>
+              <a:rPr lang="en-US" sz="1600" dirty="0">
+                <a:latin typeface="Arial" panose="020B0604020202020204" pitchFamily="34" charset="0"/>
+                <a:cs typeface="Arial" panose="020B0604020202020204" pitchFamily="34" charset="0"/>
+              </a:rPr>
+              <a:t> </a:t>
+            </a:r>
+            <a:r>
+              <a:rPr lang="en-US" sz="1600" dirty="0" err="1">
+                <a:latin typeface="Arial" panose="020B0604020202020204" pitchFamily="34" charset="0"/>
+                <a:cs typeface="Arial" panose="020B0604020202020204" pitchFamily="34" charset="0"/>
+              </a:rPr>
+              <a:t>presensi</a:t>
+            </a:r>
+            <a:r>
+              <a:rPr lang="en-US" sz="1600" dirty="0">
+                <a:latin typeface="Arial" panose="020B0604020202020204" pitchFamily="34" charset="0"/>
+                <a:cs typeface="Arial" panose="020B0604020202020204" pitchFamily="34" charset="0"/>
+              </a:rPr>
+              <a:t> </a:t>
+            </a:r>
+            <a:r>
+              <a:rPr lang="en-US" sz="1600" dirty="0" err="1">
+                <a:latin typeface="Arial" panose="020B0604020202020204" pitchFamily="34" charset="0"/>
+                <a:cs typeface="Arial" panose="020B0604020202020204" pitchFamily="34" charset="0"/>
+              </a:rPr>
+              <a:t>pengguna</a:t>
+            </a:r>
+            <a:endParaRPr lang="en-ID" sz="1600" dirty="0">
+              <a:latin typeface="Arial" panose="020B0604020202020204" pitchFamily="34" charset="0"/>
+              <a:cs typeface="Arial" panose="020B0604020202020204" pitchFamily="34" charset="0"/>
+            </a:endParaRPr>
+          </a:p>
+        </p:txBody>
+      </p:sp>
+      <p:sp>
+        <p:nvSpPr>
+          <p:cNvPr id="30" name="TextBox 29">
+            <a:extLst>
+              <a:ext uri="{FF2B5EF4-FFF2-40B4-BE49-F238E27FC236}">
+                <a16:creationId xmlns:a16="http://schemas.microsoft.com/office/drawing/2014/main" id="{E19D54EA-11D0-C4ED-CBAA-D124C6690E45}"/>
+              </a:ext>
+            </a:extLst>
+          </p:cNvPr>
+          <p:cNvSpPr txBox="1"/>
+          <p:nvPr/>
+        </p:nvSpPr>
+        <p:spPr>
+          <a:xfrm>
+            <a:off x="8211280" y="4845896"/>
+            <a:ext cx="3215326" cy="584775"/>
+          </a:xfrm>
+          <a:prstGeom prst="rect">
+            <a:avLst/>
+          </a:prstGeom>
+          <a:noFill/>
+        </p:spPr>
+        <p:txBody>
+          <a:bodyPr wrap="square" rtlCol="0">
+            <a:spAutoFit/>
+          </a:bodyPr>
+          <a:lstStyle/>
+          <a:p>
+            <a:pPr marL="342900" indent="-342900">
+              <a:buFont typeface="Courier New" panose="02070309020205020404" pitchFamily="49" charset="0"/>
+              <a:buChar char="o"/>
+            </a:pPr>
+            <a:r>
+              <a:rPr lang="en-US" sz="1600" dirty="0" err="1">
+                <a:latin typeface="Arial" panose="020B0604020202020204" pitchFamily="34" charset="0"/>
+                <a:cs typeface="Arial" panose="020B0604020202020204" pitchFamily="34" charset="0"/>
+              </a:rPr>
+              <a:t>Menyimpan</a:t>
+            </a:r>
+            <a:r>
+              <a:rPr lang="en-US" sz="1600" dirty="0">
+                <a:latin typeface="Arial" panose="020B0604020202020204" pitchFamily="34" charset="0"/>
+                <a:cs typeface="Arial" panose="020B0604020202020204" pitchFamily="34" charset="0"/>
+              </a:rPr>
+              <a:t> file </a:t>
+            </a:r>
+            <a:r>
+              <a:rPr lang="en-US" sz="1600" dirty="0" err="1">
+                <a:latin typeface="Arial" panose="020B0604020202020204" pitchFamily="34" charset="0"/>
+                <a:cs typeface="Arial" panose="020B0604020202020204" pitchFamily="34" charset="0"/>
+              </a:rPr>
+              <a:t>unggahan</a:t>
+            </a:r>
+            <a:r>
+              <a:rPr lang="en-US" sz="1600" dirty="0">
+                <a:latin typeface="Arial" panose="020B0604020202020204" pitchFamily="34" charset="0"/>
+                <a:cs typeface="Arial" panose="020B0604020202020204" pitchFamily="34" charset="0"/>
+              </a:rPr>
+              <a:t> </a:t>
+            </a:r>
+            <a:r>
+              <a:rPr lang="en-US" sz="1600" dirty="0" err="1">
+                <a:latin typeface="Arial" panose="020B0604020202020204" pitchFamily="34" charset="0"/>
+                <a:cs typeface="Arial" panose="020B0604020202020204" pitchFamily="34" charset="0"/>
+              </a:rPr>
+              <a:t>pengguna</a:t>
+            </a:r>
+            <a:r>
+              <a:rPr lang="en-US" sz="1600" dirty="0">
+                <a:latin typeface="Arial" panose="020B0604020202020204" pitchFamily="34" charset="0"/>
+                <a:cs typeface="Arial" panose="020B0604020202020204" pitchFamily="34" charset="0"/>
+              </a:rPr>
+              <a:t> </a:t>
+            </a:r>
+            <a:r>
+              <a:rPr lang="en-US" sz="1600" dirty="0" err="1">
+                <a:latin typeface="Arial" panose="020B0604020202020204" pitchFamily="34" charset="0"/>
+                <a:cs typeface="Arial" panose="020B0604020202020204" pitchFamily="34" charset="0"/>
+              </a:rPr>
+              <a:t>seperti</a:t>
+            </a:r>
+            <a:r>
+              <a:rPr lang="en-US" sz="1600" dirty="0">
+                <a:latin typeface="Arial" panose="020B0604020202020204" pitchFamily="34" charset="0"/>
+                <a:cs typeface="Arial" panose="020B0604020202020204" pitchFamily="34" charset="0"/>
+              </a:rPr>
+              <a:t> </a:t>
+            </a:r>
+            <a:r>
+              <a:rPr lang="en-US" sz="1600" dirty="0" err="1">
+                <a:latin typeface="Arial" panose="020B0604020202020204" pitchFamily="34" charset="0"/>
+                <a:cs typeface="Arial" panose="020B0604020202020204" pitchFamily="34" charset="0"/>
+              </a:rPr>
+              <a:t>foto</a:t>
+            </a:r>
+            <a:r>
+              <a:rPr lang="en-US" sz="1600" dirty="0">
+                <a:latin typeface="Arial" panose="020B0604020202020204" pitchFamily="34" charset="0"/>
+                <a:cs typeface="Arial" panose="020B0604020202020204" pitchFamily="34" charset="0"/>
+              </a:rPr>
+              <a:t> </a:t>
+            </a:r>
+            <a:r>
+              <a:rPr lang="en-US" sz="1600" dirty="0" err="1">
+                <a:latin typeface="Arial" panose="020B0604020202020204" pitchFamily="34" charset="0"/>
+                <a:cs typeface="Arial" panose="020B0604020202020204" pitchFamily="34" charset="0"/>
+              </a:rPr>
+              <a:t>profil</a:t>
+            </a:r>
+            <a:endParaRPr lang="en-ID" sz="1600" dirty="0">
+              <a:latin typeface="Arial" panose="020B0604020202020204" pitchFamily="34" charset="0"/>
+              <a:cs typeface="Arial" panose="020B0604020202020204" pitchFamily="34" charset="0"/>
+            </a:endParaRPr>
+          </a:p>
+        </p:txBody>
+      </p:sp>
+    </p:spTree>
+    <p:extLst>
+      <p:ext uri="{BB962C8B-B14F-4D97-AF65-F5344CB8AC3E}">
+        <p14:creationId xmlns:p14="http://schemas.microsoft.com/office/powerpoint/2010/main" val="3906455258"/>
+      </p:ext>
+    </p:extLst>
+  </p:cSld>
+  <p:clrMapOvr>
+    <a:masterClrMapping/>
+  </p:clrMapOvr>
+  <mc:AlternateContent xmlns:mc="http://schemas.openxmlformats.org/markup-compatibility/2006" xmlns:p159="http://schemas.microsoft.com/office/powerpoint/2015/09/main">
+    <mc:Choice Requires="p159">
+      <p:transition xmlns:p14="http://schemas.microsoft.com/office/powerpoint/2010/main" spd="slow" p14:dur="2000">
+        <p159:morph option="byObject"/>
+      </p:transition>
+    </mc:Choice>
+    <mc:Fallback xmlns="">
+      <p:transition spd="slow">
+        <p:fade/>
+      </p:transition>
+    </mc:Fallback>
+  </mc:AlternateContent>
+</p:sld>
+</file>
+
+<file path=ppt/slides/slide7.xml><?xml version="1.0" encoding="utf-8"?>
+<p:sld xmlns:a="http://schemas.openxmlformats.org/drawingml/2006/main" xmlns:r="http://schemas.openxmlformats.org/officeDocument/2006/relationships" xmlns:p="http://schemas.openxmlformats.org/presentationml/2006/main">
+  <p:cSld>
+    <p:spTree>
+      <p:nvGrpSpPr>
+        <p:cNvPr id="1" name=""/>
+        <p:cNvGrpSpPr/>
+        <p:nvPr/>
+      </p:nvGrpSpPr>
+      <p:grpSpPr>
+        <a:xfrm>
+          <a:off x="0" y="0"/>
+          <a:ext cx="0" cy="0"/>
+          <a:chOff x="0" y="0"/>
+          <a:chExt cx="0" cy="0"/>
+        </a:xfrm>
+      </p:grpSpPr>
+      <p:sp>
+        <p:nvSpPr>
+          <p:cNvPr id="2" name="TextBox 1">
+            <a:extLst>
+              <a:ext uri="{FF2B5EF4-FFF2-40B4-BE49-F238E27FC236}">
+                <a16:creationId xmlns:a16="http://schemas.microsoft.com/office/drawing/2014/main" id="{F5D344A1-39FE-052D-1B9C-3C500FCD5362}"/>
+              </a:ext>
+            </a:extLst>
+          </p:cNvPr>
+          <p:cNvSpPr txBox="1"/>
+          <p:nvPr/>
+        </p:nvSpPr>
+        <p:spPr>
+          <a:xfrm>
+            <a:off x="2522375" y="524445"/>
+            <a:ext cx="7147249" cy="458780"/>
+          </a:xfrm>
+          <a:prstGeom prst="rect">
+            <a:avLst/>
+          </a:prstGeom>
+          <a:noFill/>
+        </p:spPr>
+        <p:txBody>
+          <a:bodyPr wrap="square" rtlCol="0">
+            <a:spAutoFit/>
+          </a:bodyPr>
+          <a:lstStyle/>
+          <a:p>
+            <a:pPr algn="ctr">
+              <a:lnSpc>
+                <a:spcPct val="107000"/>
+              </a:lnSpc>
+              <a:spcAft>
+                <a:spcPts val="800"/>
+              </a:spcAft>
+            </a:pPr>
+            <a:r>
+              <a:rPr lang="en-US" sz="2400" b="1" spc="75" dirty="0">
+                <a:solidFill>
+                  <a:srgbClr val="000000"/>
+                </a:solidFill>
+                <a:latin typeface="Arial" panose="020B0604020202020204" pitchFamily="34" charset="0"/>
+                <a:ea typeface="Times New Roman" panose="02020603050405020304" pitchFamily="18" charset="0"/>
+                <a:cs typeface="Arial" panose="020B0604020202020204" pitchFamily="34" charset="0"/>
+              </a:rPr>
+              <a:t>LANDASAN TEORI</a:t>
+            </a:r>
+            <a:endParaRPr lang="en-ID" sz="2400" spc="75" dirty="0">
+              <a:solidFill>
+                <a:srgbClr val="000000"/>
+              </a:solidFill>
+              <a:effectLst/>
+              <a:latin typeface="Arial" panose="020B0604020202020204" pitchFamily="34" charset="0"/>
+              <a:ea typeface="Times New Roman" panose="02020603050405020304" pitchFamily="18" charset="0"/>
+              <a:cs typeface="Arial" panose="020B0604020202020204" pitchFamily="34" charset="0"/>
+            </a:endParaRPr>
+          </a:p>
+        </p:txBody>
+      </p:sp>
+      <p:pic>
+        <p:nvPicPr>
+          <p:cNvPr id="3" name="Picture 2">
+            <a:extLst>
+              <a:ext uri="{FF2B5EF4-FFF2-40B4-BE49-F238E27FC236}">
+                <a16:creationId xmlns:a16="http://schemas.microsoft.com/office/drawing/2014/main" id="{7F066D29-7D8F-FA43-C481-2058A9CC61DC}"/>
+              </a:ext>
+            </a:extLst>
+          </p:cNvPr>
+          <p:cNvPicPr>
+            <a:picLocks noChangeAspect="1"/>
+          </p:cNvPicPr>
+          <p:nvPr/>
+        </p:nvPicPr>
+        <p:blipFill>
+          <a:blip r:embed="rId2">
+            <a:extLst>
+              <a:ext uri="{28A0092B-C50C-407E-A947-70E740481C1C}">
+                <a14:useLocalDpi xmlns:a14="http://schemas.microsoft.com/office/drawing/2010/main" val="0"/>
+              </a:ext>
+            </a:extLst>
+          </a:blip>
+          <a:stretch>
+            <a:fillRect/>
+          </a:stretch>
+        </p:blipFill>
+        <p:spPr>
+          <a:xfrm>
+            <a:off x="11161903" y="5812413"/>
+            <a:ext cx="922432" cy="922432"/>
+          </a:xfrm>
+          <a:prstGeom prst="rect">
+            <a:avLst/>
+          </a:prstGeom>
+        </p:spPr>
+      </p:pic>
+      <p:sp>
+        <p:nvSpPr>
+          <p:cNvPr id="14" name="TextBox 13">
+            <a:extLst>
+              <a:ext uri="{FF2B5EF4-FFF2-40B4-BE49-F238E27FC236}">
+                <a16:creationId xmlns:a16="http://schemas.microsoft.com/office/drawing/2014/main" id="{DCED8A74-3B99-B381-1616-9BE7393F9E46}"/>
+              </a:ext>
+            </a:extLst>
+          </p:cNvPr>
+          <p:cNvSpPr txBox="1"/>
+          <p:nvPr/>
+        </p:nvSpPr>
+        <p:spPr>
+          <a:xfrm>
+            <a:off x="3006107" y="1010501"/>
+            <a:ext cx="6179783" cy="707886"/>
+          </a:xfrm>
+          <a:prstGeom prst="rect">
+            <a:avLst/>
+          </a:prstGeom>
+          <a:noFill/>
+        </p:spPr>
+        <p:txBody>
+          <a:bodyPr wrap="square">
+            <a:spAutoFit/>
+          </a:bodyPr>
+          <a:lstStyle/>
+          <a:p>
+            <a:pPr algn="ctr"/>
+            <a:r>
+              <a:rPr lang="en-US" sz="4000" b="1" dirty="0">
+                <a:solidFill>
+                  <a:schemeClr val="bg2">
+                    <a:lumMod val="75000"/>
+                  </a:schemeClr>
+                </a:solidFill>
+                <a:latin typeface="Arial" panose="020B0604020202020204" pitchFamily="34" charset="0"/>
+                <a:cs typeface="Arial" panose="020B0604020202020204" pitchFamily="34" charset="0"/>
+              </a:rPr>
+              <a:t>AKSES LOKASI</a:t>
+            </a:r>
+            <a:endParaRPr lang="en-ID" sz="4000" b="1" dirty="0">
+              <a:solidFill>
+                <a:schemeClr val="bg2">
+                  <a:lumMod val="75000"/>
+                </a:schemeClr>
+              </a:solidFill>
+              <a:latin typeface="Arial" panose="020B0604020202020204" pitchFamily="34" charset="0"/>
+              <a:cs typeface="Arial" panose="020B0604020202020204" pitchFamily="34" charset="0"/>
+            </a:endParaRPr>
+          </a:p>
+        </p:txBody>
+      </p:sp>
+      <p:pic>
+        <p:nvPicPr>
+          <p:cNvPr id="25" name="Picture 24">
+            <a:extLst>
+              <a:ext uri="{FF2B5EF4-FFF2-40B4-BE49-F238E27FC236}">
+                <a16:creationId xmlns:a16="http://schemas.microsoft.com/office/drawing/2014/main" id="{9D54D959-596D-DF70-45E7-A60EE98954CC}"/>
+              </a:ext>
+            </a:extLst>
+          </p:cNvPr>
+          <p:cNvPicPr>
+            <a:picLocks noChangeAspect="1"/>
+          </p:cNvPicPr>
+          <p:nvPr/>
+        </p:nvPicPr>
+        <p:blipFill>
+          <a:blip r:embed="rId3">
+            <a:lum bright="70000" contrast="-70000"/>
+            <a:extLst>
+              <a:ext uri="{BEBA8EAE-BF5A-486C-A8C5-ECC9F3942E4B}">
+                <a14:imgProps xmlns:a14="http://schemas.microsoft.com/office/drawing/2010/main">
+                  <a14:imgLayer r:embed="rId4">
+                    <a14:imgEffect>
+                      <a14:sharpenSoften amount="50000"/>
+                    </a14:imgEffect>
+                  </a14:imgLayer>
+                </a14:imgProps>
+              </a:ext>
+              <a:ext uri="{28A0092B-C50C-407E-A947-70E740481C1C}">
+                <a14:useLocalDpi xmlns:a14="http://schemas.microsoft.com/office/drawing/2010/main" val="0"/>
+              </a:ext>
+            </a:extLst>
+          </a:blip>
+          <a:stretch>
+            <a:fillRect/>
+          </a:stretch>
+        </p:blipFill>
+        <p:spPr>
+          <a:xfrm rot="2473072">
+            <a:off x="5526172" y="2603809"/>
+            <a:ext cx="1188721" cy="1188721"/>
+          </a:xfrm>
+          <a:prstGeom prst="rect">
+            <a:avLst/>
+          </a:prstGeom>
+        </p:spPr>
+      </p:pic>
+      <p:pic>
+        <p:nvPicPr>
+          <p:cNvPr id="23" name="Picture 22">
+            <a:extLst>
+              <a:ext uri="{FF2B5EF4-FFF2-40B4-BE49-F238E27FC236}">
+                <a16:creationId xmlns:a16="http://schemas.microsoft.com/office/drawing/2014/main" id="{0F49C6BD-9650-0068-2AED-9C65E867C8F0}"/>
+              </a:ext>
+            </a:extLst>
+          </p:cNvPr>
+          <p:cNvPicPr>
+            <a:picLocks noChangeAspect="1"/>
+          </p:cNvPicPr>
+          <p:nvPr/>
+        </p:nvPicPr>
+        <p:blipFill>
+          <a:blip r:embed="rId5">
+            <a:lum bright="70000" contrast="-70000"/>
+            <a:extLst>
+              <a:ext uri="{BEBA8EAE-BF5A-486C-A8C5-ECC9F3942E4B}">
+                <a14:imgProps xmlns:a14="http://schemas.microsoft.com/office/drawing/2010/main">
+                  <a14:imgLayer r:embed="rId6">
+                    <a14:imgEffect>
+                      <a14:sharpenSoften amount="50000"/>
+                    </a14:imgEffect>
+                  </a14:imgLayer>
+                </a14:imgProps>
+              </a:ext>
+              <a:ext uri="{28A0092B-C50C-407E-A947-70E740481C1C}">
+                <a14:useLocalDpi xmlns:a14="http://schemas.microsoft.com/office/drawing/2010/main" val="0"/>
+              </a:ext>
+            </a:extLst>
+          </a:blip>
+          <a:stretch>
+            <a:fillRect/>
+          </a:stretch>
+        </p:blipFill>
+        <p:spPr>
+          <a:xfrm>
+            <a:off x="3467266" y="2283768"/>
+            <a:ext cx="1828800" cy="1828800"/>
+          </a:xfrm>
+          <a:prstGeom prst="rect">
+            <a:avLst/>
+          </a:prstGeom>
+        </p:spPr>
+      </p:pic>
+      <p:sp>
+        <p:nvSpPr>
+          <p:cNvPr id="24" name="TextBox 23">
+            <a:extLst>
+              <a:ext uri="{FF2B5EF4-FFF2-40B4-BE49-F238E27FC236}">
+                <a16:creationId xmlns:a16="http://schemas.microsoft.com/office/drawing/2014/main" id="{7324C565-F58F-ED96-6CEA-CD57A9B92F33}"/>
+              </a:ext>
+            </a:extLst>
+          </p:cNvPr>
+          <p:cNvSpPr txBox="1"/>
+          <p:nvPr/>
+        </p:nvSpPr>
+        <p:spPr>
+          <a:xfrm>
+            <a:off x="6787273" y="2967335"/>
+            <a:ext cx="1986526" cy="461665"/>
+          </a:xfrm>
+          <a:prstGeom prst="rect">
+            <a:avLst/>
+          </a:prstGeom>
+          <a:noFill/>
+        </p:spPr>
+        <p:txBody>
+          <a:bodyPr wrap="square" rtlCol="0">
+            <a:spAutoFit/>
+          </a:bodyPr>
+          <a:lstStyle/>
+          <a:p>
+            <a:pPr algn="ctr"/>
+            <a:r>
+              <a:rPr lang="en-US" sz="2400" b="1" dirty="0">
+                <a:solidFill>
+                  <a:schemeClr val="bg2">
+                    <a:lumMod val="50000"/>
+                  </a:schemeClr>
+                </a:solidFill>
+                <a:latin typeface="Arial" panose="020B0604020202020204" pitchFamily="34" charset="0"/>
+                <a:cs typeface="Arial" panose="020B0604020202020204" pitchFamily="34" charset="0"/>
+              </a:rPr>
+              <a:t>GEOCODER</a:t>
+            </a:r>
+            <a:endParaRPr lang="en-ID" sz="2400" b="1" dirty="0">
+              <a:solidFill>
+                <a:schemeClr val="bg2">
+                  <a:lumMod val="50000"/>
+                </a:schemeClr>
+              </a:solidFill>
+              <a:latin typeface="Arial" panose="020B0604020202020204" pitchFamily="34" charset="0"/>
+              <a:cs typeface="Arial" panose="020B0604020202020204" pitchFamily="34" charset="0"/>
+            </a:endParaRPr>
+          </a:p>
+        </p:txBody>
+      </p:sp>
+      <p:sp>
+        <p:nvSpPr>
+          <p:cNvPr id="26" name="TextBox 25">
+            <a:extLst>
+              <a:ext uri="{FF2B5EF4-FFF2-40B4-BE49-F238E27FC236}">
+                <a16:creationId xmlns:a16="http://schemas.microsoft.com/office/drawing/2014/main" id="{7829DC15-C395-89B8-E870-23C146068D9C}"/>
+              </a:ext>
+            </a:extLst>
+          </p:cNvPr>
+          <p:cNvSpPr txBox="1"/>
+          <p:nvPr/>
+        </p:nvSpPr>
+        <p:spPr>
+          <a:xfrm>
+            <a:off x="2207937" y="4428068"/>
+            <a:ext cx="7776122" cy="1077218"/>
+          </a:xfrm>
+          <a:prstGeom prst="rect">
+            <a:avLst/>
+          </a:prstGeom>
+          <a:noFill/>
+        </p:spPr>
+        <p:txBody>
+          <a:bodyPr wrap="square" rtlCol="0">
+            <a:spAutoFit/>
+          </a:bodyPr>
+          <a:lstStyle/>
+          <a:p>
+            <a:pPr algn="ctr"/>
+            <a:r>
+              <a:rPr lang="en-US" sz="1600" dirty="0" err="1">
+                <a:latin typeface="Arial" panose="020B0604020202020204" pitchFamily="34" charset="0"/>
+                <a:cs typeface="Arial" panose="020B0604020202020204" pitchFamily="34" charset="0"/>
+              </a:rPr>
+              <a:t>Dengan</a:t>
+            </a:r>
+            <a:r>
+              <a:rPr lang="en-US" sz="1600" dirty="0">
+                <a:latin typeface="Arial" panose="020B0604020202020204" pitchFamily="34" charset="0"/>
+                <a:cs typeface="Arial" panose="020B0604020202020204" pitchFamily="34" charset="0"/>
+              </a:rPr>
+              <a:t> </a:t>
+            </a:r>
+            <a:r>
+              <a:rPr lang="en-US" sz="1600" dirty="0" err="1">
+                <a:latin typeface="Arial" panose="020B0604020202020204" pitchFamily="34" charset="0"/>
+                <a:cs typeface="Arial" panose="020B0604020202020204" pitchFamily="34" charset="0"/>
+              </a:rPr>
+              <a:t>menggunakan</a:t>
+            </a:r>
+            <a:r>
+              <a:rPr lang="en-US" sz="1600" dirty="0">
+                <a:latin typeface="Arial" panose="020B0604020202020204" pitchFamily="34" charset="0"/>
+                <a:cs typeface="Arial" panose="020B0604020202020204" pitchFamily="34" charset="0"/>
+              </a:rPr>
+              <a:t> Geocoder, </a:t>
+            </a:r>
+            <a:r>
+              <a:rPr lang="en-US" sz="1600" dirty="0" err="1">
+                <a:latin typeface="Arial" panose="020B0604020202020204" pitchFamily="34" charset="0"/>
+                <a:cs typeface="Arial" panose="020B0604020202020204" pitchFamily="34" charset="0"/>
+              </a:rPr>
+              <a:t>aplikasi</a:t>
+            </a:r>
+            <a:r>
+              <a:rPr lang="en-US" sz="1600" dirty="0">
+                <a:latin typeface="Arial" panose="020B0604020202020204" pitchFamily="34" charset="0"/>
+                <a:cs typeface="Arial" panose="020B0604020202020204" pitchFamily="34" charset="0"/>
+              </a:rPr>
+              <a:t> </a:t>
+            </a:r>
+            <a:r>
+              <a:rPr lang="en-US" sz="1600" dirty="0" err="1">
+                <a:latin typeface="Arial" panose="020B0604020202020204" pitchFamily="34" charset="0"/>
+                <a:cs typeface="Arial" panose="020B0604020202020204" pitchFamily="34" charset="0"/>
+              </a:rPr>
+              <a:t>akan</a:t>
+            </a:r>
+            <a:r>
+              <a:rPr lang="en-US" sz="1600" dirty="0">
+                <a:latin typeface="Arial" panose="020B0604020202020204" pitchFamily="34" charset="0"/>
+                <a:cs typeface="Arial" panose="020B0604020202020204" pitchFamily="34" charset="0"/>
+              </a:rPr>
+              <a:t> </a:t>
+            </a:r>
+            <a:r>
+              <a:rPr lang="en-US" sz="1600" dirty="0" err="1">
+                <a:latin typeface="Arial" panose="020B0604020202020204" pitchFamily="34" charset="0"/>
+                <a:cs typeface="Arial" panose="020B0604020202020204" pitchFamily="34" charset="0"/>
+              </a:rPr>
+              <a:t>mengubah</a:t>
+            </a:r>
+            <a:r>
+              <a:rPr lang="en-US" sz="1600" dirty="0">
+                <a:latin typeface="Arial" panose="020B0604020202020204" pitchFamily="34" charset="0"/>
+                <a:cs typeface="Arial" panose="020B0604020202020204" pitchFamily="34" charset="0"/>
+              </a:rPr>
+              <a:t> </a:t>
+            </a:r>
+            <a:r>
+              <a:rPr lang="en-US" sz="1600" dirty="0" err="1">
+                <a:latin typeface="Arial" panose="020B0604020202020204" pitchFamily="34" charset="0"/>
+                <a:cs typeface="Arial" panose="020B0604020202020204" pitchFamily="34" charset="0"/>
+              </a:rPr>
+              <a:t>letak</a:t>
+            </a:r>
+            <a:r>
+              <a:rPr lang="en-US" sz="1600" dirty="0">
+                <a:latin typeface="Arial" panose="020B0604020202020204" pitchFamily="34" charset="0"/>
+                <a:cs typeface="Arial" panose="020B0604020202020204" pitchFamily="34" charset="0"/>
+              </a:rPr>
+              <a:t> </a:t>
+            </a:r>
+            <a:r>
+              <a:rPr lang="en-US" sz="1600" dirty="0" err="1">
+                <a:latin typeface="Arial" panose="020B0604020202020204" pitchFamily="34" charset="0"/>
+                <a:cs typeface="Arial" panose="020B0604020202020204" pitchFamily="34" charset="0"/>
+              </a:rPr>
+              <a:t>kordinat</a:t>
+            </a:r>
+            <a:r>
+              <a:rPr lang="en-US" sz="1600" dirty="0">
+                <a:latin typeface="Arial" panose="020B0604020202020204" pitchFamily="34" charset="0"/>
+                <a:cs typeface="Arial" panose="020B0604020202020204" pitchFamily="34" charset="0"/>
+              </a:rPr>
+              <a:t> </a:t>
+            </a:r>
+            <a:r>
+              <a:rPr lang="en-US" sz="1600" i="1" dirty="0">
+                <a:latin typeface="Arial" panose="020B0604020202020204" pitchFamily="34" charset="0"/>
+                <a:cs typeface="Arial" panose="020B0604020202020204" pitchFamily="34" charset="0"/>
+              </a:rPr>
+              <a:t>longitude </a:t>
+            </a:r>
+            <a:r>
+              <a:rPr lang="en-US" sz="1600" dirty="0">
+                <a:latin typeface="Arial" panose="020B0604020202020204" pitchFamily="34" charset="0"/>
+                <a:cs typeface="Arial" panose="020B0604020202020204" pitchFamily="34" charset="0"/>
+              </a:rPr>
+              <a:t>dan </a:t>
+            </a:r>
+            <a:r>
+              <a:rPr lang="en-US" sz="1600" i="1" dirty="0">
+                <a:latin typeface="Arial" panose="020B0604020202020204" pitchFamily="34" charset="0"/>
+                <a:cs typeface="Arial" panose="020B0604020202020204" pitchFamily="34" charset="0"/>
+              </a:rPr>
+              <a:t>latitude </a:t>
+            </a:r>
+            <a:r>
+              <a:rPr lang="en-US" sz="1600" dirty="0" err="1">
+                <a:latin typeface="Arial" panose="020B0604020202020204" pitchFamily="34" charset="0"/>
+                <a:cs typeface="Arial" panose="020B0604020202020204" pitchFamily="34" charset="0"/>
+              </a:rPr>
+              <a:t>menjadi</a:t>
+            </a:r>
+            <a:r>
+              <a:rPr lang="en-US" sz="1600" dirty="0">
+                <a:latin typeface="Arial" panose="020B0604020202020204" pitchFamily="34" charset="0"/>
+                <a:cs typeface="Arial" panose="020B0604020202020204" pitchFamily="34" charset="0"/>
+              </a:rPr>
+              <a:t> </a:t>
+            </a:r>
+            <a:r>
+              <a:rPr lang="en-US" sz="1600" dirty="0" err="1">
+                <a:latin typeface="Arial" panose="020B0604020202020204" pitchFamily="34" charset="0"/>
+                <a:cs typeface="Arial" panose="020B0604020202020204" pitchFamily="34" charset="0"/>
+              </a:rPr>
+              <a:t>alamat</a:t>
+            </a:r>
+            <a:r>
+              <a:rPr lang="en-US" sz="1600" dirty="0">
+                <a:latin typeface="Arial" panose="020B0604020202020204" pitchFamily="34" charset="0"/>
+                <a:cs typeface="Arial" panose="020B0604020202020204" pitchFamily="34" charset="0"/>
+              </a:rPr>
+              <a:t> yang </a:t>
+            </a:r>
+            <a:r>
+              <a:rPr lang="en-US" sz="1600" dirty="0" err="1">
+                <a:latin typeface="Arial" panose="020B0604020202020204" pitchFamily="34" charset="0"/>
+                <a:cs typeface="Arial" panose="020B0604020202020204" pitchFamily="34" charset="0"/>
+              </a:rPr>
+              <a:t>dapat</a:t>
+            </a:r>
+            <a:r>
+              <a:rPr lang="en-US" sz="1600" dirty="0">
+                <a:latin typeface="Arial" panose="020B0604020202020204" pitchFamily="34" charset="0"/>
+                <a:cs typeface="Arial" panose="020B0604020202020204" pitchFamily="34" charset="0"/>
+              </a:rPr>
+              <a:t> </a:t>
+            </a:r>
+            <a:r>
+              <a:rPr lang="en-US" sz="1600" dirty="0" err="1">
+                <a:latin typeface="Arial" panose="020B0604020202020204" pitchFamily="34" charset="0"/>
+                <a:cs typeface="Arial" panose="020B0604020202020204" pitchFamily="34" charset="0"/>
+              </a:rPr>
+              <a:t>dipahami</a:t>
+            </a:r>
+            <a:r>
+              <a:rPr lang="en-US" sz="1600" dirty="0">
+                <a:latin typeface="Arial" panose="020B0604020202020204" pitchFamily="34" charset="0"/>
+                <a:cs typeface="Arial" panose="020B0604020202020204" pitchFamily="34" charset="0"/>
+              </a:rPr>
+              <a:t> oleh </a:t>
+            </a:r>
+            <a:r>
+              <a:rPr lang="en-US" sz="1600" dirty="0" err="1">
+                <a:latin typeface="Arial" panose="020B0604020202020204" pitchFamily="34" charset="0"/>
+                <a:cs typeface="Arial" panose="020B0604020202020204" pitchFamily="34" charset="0"/>
+              </a:rPr>
+              <a:t>manusia</a:t>
+            </a:r>
+            <a:r>
+              <a:rPr lang="en-US" sz="1600" dirty="0">
+                <a:latin typeface="Arial" panose="020B0604020202020204" pitchFamily="34" charset="0"/>
+                <a:cs typeface="Arial" panose="020B0604020202020204" pitchFamily="34" charset="0"/>
+              </a:rPr>
+              <a:t>. Ketika </a:t>
+            </a:r>
+            <a:r>
+              <a:rPr lang="en-US" sz="1600" dirty="0" err="1">
+                <a:latin typeface="Arial" panose="020B0604020202020204" pitchFamily="34" charset="0"/>
+                <a:cs typeface="Arial" panose="020B0604020202020204" pitchFamily="34" charset="0"/>
+              </a:rPr>
+              <a:t>lokasi</a:t>
+            </a:r>
+            <a:r>
+              <a:rPr lang="en-US" sz="1600" dirty="0">
+                <a:latin typeface="Arial" panose="020B0604020202020204" pitchFamily="34" charset="0"/>
+                <a:cs typeface="Arial" panose="020B0604020202020204" pitchFamily="34" charset="0"/>
+              </a:rPr>
+              <a:t> </a:t>
+            </a:r>
+            <a:r>
+              <a:rPr lang="en-US" sz="1600" dirty="0" err="1">
+                <a:latin typeface="Arial" panose="020B0604020202020204" pitchFamily="34" charset="0"/>
+                <a:cs typeface="Arial" panose="020B0604020202020204" pitchFamily="34" charset="0"/>
+              </a:rPr>
+              <a:t>pengguna</a:t>
+            </a:r>
+            <a:r>
+              <a:rPr lang="en-US" sz="1600" dirty="0">
+                <a:latin typeface="Arial" panose="020B0604020202020204" pitchFamily="34" charset="0"/>
+                <a:cs typeface="Arial" panose="020B0604020202020204" pitchFamily="34" charset="0"/>
+              </a:rPr>
+              <a:t> dan </a:t>
+            </a:r>
+            <a:r>
+              <a:rPr lang="en-US" sz="1600" dirty="0" err="1">
+                <a:latin typeface="Arial" panose="020B0604020202020204" pitchFamily="34" charset="0"/>
+                <a:cs typeface="Arial" panose="020B0604020202020204" pitchFamily="34" charset="0"/>
+              </a:rPr>
+              <a:t>kantor</a:t>
+            </a:r>
+            <a:r>
+              <a:rPr lang="en-US" sz="1600" dirty="0">
+                <a:latin typeface="Arial" panose="020B0604020202020204" pitchFamily="34" charset="0"/>
+                <a:cs typeface="Arial" panose="020B0604020202020204" pitchFamily="34" charset="0"/>
+              </a:rPr>
+              <a:t> </a:t>
+            </a:r>
+            <a:r>
+              <a:rPr lang="en-US" sz="1600" dirty="0" err="1">
+                <a:latin typeface="Arial" panose="020B0604020202020204" pitchFamily="34" charset="0"/>
+                <a:cs typeface="Arial" panose="020B0604020202020204" pitchFamily="34" charset="0"/>
+              </a:rPr>
+              <a:t>ditemukan</a:t>
+            </a:r>
+            <a:r>
+              <a:rPr lang="en-US" sz="1600" dirty="0">
+                <a:latin typeface="Arial" panose="020B0604020202020204" pitchFamily="34" charset="0"/>
+                <a:cs typeface="Arial" panose="020B0604020202020204" pitchFamily="34" charset="0"/>
+              </a:rPr>
+              <a:t>, </a:t>
+            </a:r>
+            <a:r>
+              <a:rPr lang="en-US" sz="1600" dirty="0" err="1">
+                <a:latin typeface="Arial" panose="020B0604020202020204" pitchFamily="34" charset="0"/>
+                <a:cs typeface="Arial" panose="020B0604020202020204" pitchFamily="34" charset="0"/>
+              </a:rPr>
+              <a:t>maka</a:t>
+            </a:r>
+            <a:r>
+              <a:rPr lang="en-US" sz="1600" dirty="0">
+                <a:latin typeface="Arial" panose="020B0604020202020204" pitchFamily="34" charset="0"/>
+                <a:cs typeface="Arial" panose="020B0604020202020204" pitchFamily="34" charset="0"/>
+              </a:rPr>
+              <a:t> </a:t>
+            </a:r>
+            <a:r>
+              <a:rPr lang="en-US" sz="1600" dirty="0" err="1">
+                <a:latin typeface="Arial" panose="020B0604020202020204" pitchFamily="34" charset="0"/>
+                <a:cs typeface="Arial" panose="020B0604020202020204" pitchFamily="34" charset="0"/>
+              </a:rPr>
+              <a:t>kalkulasi</a:t>
+            </a:r>
+            <a:r>
+              <a:rPr lang="en-US" sz="1600" dirty="0">
+                <a:latin typeface="Arial" panose="020B0604020202020204" pitchFamily="34" charset="0"/>
+                <a:cs typeface="Arial" panose="020B0604020202020204" pitchFamily="34" charset="0"/>
+              </a:rPr>
+              <a:t> </a:t>
+            </a:r>
+            <a:r>
+              <a:rPr lang="en-US" sz="1600" dirty="0" err="1">
+                <a:latin typeface="Arial" panose="020B0604020202020204" pitchFamily="34" charset="0"/>
+                <a:cs typeface="Arial" panose="020B0604020202020204" pitchFamily="34" charset="0"/>
+              </a:rPr>
+              <a:t>jarak</a:t>
+            </a:r>
+            <a:r>
+              <a:rPr lang="en-US" sz="1600" dirty="0">
+                <a:latin typeface="Arial" panose="020B0604020202020204" pitchFamily="34" charset="0"/>
+                <a:cs typeface="Arial" panose="020B0604020202020204" pitchFamily="34" charset="0"/>
+              </a:rPr>
+              <a:t> </a:t>
+            </a:r>
+            <a:r>
+              <a:rPr lang="en-US" sz="1600" dirty="0" err="1">
+                <a:latin typeface="Arial" panose="020B0604020202020204" pitchFamily="34" charset="0"/>
+                <a:cs typeface="Arial" panose="020B0604020202020204" pitchFamily="34" charset="0"/>
+              </a:rPr>
+              <a:t>dapat</a:t>
+            </a:r>
+            <a:r>
+              <a:rPr lang="en-US" sz="1600" dirty="0">
+                <a:latin typeface="Arial" panose="020B0604020202020204" pitchFamily="34" charset="0"/>
+                <a:cs typeface="Arial" panose="020B0604020202020204" pitchFamily="34" charset="0"/>
+              </a:rPr>
+              <a:t> </a:t>
+            </a:r>
+            <a:r>
+              <a:rPr lang="en-US" sz="1600" dirty="0" err="1">
+                <a:latin typeface="Arial" panose="020B0604020202020204" pitchFamily="34" charset="0"/>
+                <a:cs typeface="Arial" panose="020B0604020202020204" pitchFamily="34" charset="0"/>
+              </a:rPr>
+              <a:t>dilakukan</a:t>
+            </a:r>
+            <a:r>
+              <a:rPr lang="en-US" sz="1600" dirty="0">
+                <a:latin typeface="Arial" panose="020B0604020202020204" pitchFamily="34" charset="0"/>
+                <a:cs typeface="Arial" panose="020B0604020202020204" pitchFamily="34" charset="0"/>
+              </a:rPr>
+              <a:t> </a:t>
+            </a:r>
+            <a:r>
+              <a:rPr lang="en-US" sz="1600" dirty="0" err="1">
+                <a:latin typeface="Arial" panose="020B0604020202020204" pitchFamily="34" charset="0"/>
+                <a:cs typeface="Arial" panose="020B0604020202020204" pitchFamily="34" charset="0"/>
+              </a:rPr>
+              <a:t>menggunakan</a:t>
+            </a:r>
+            <a:r>
+              <a:rPr lang="en-US" sz="1600" dirty="0">
+                <a:latin typeface="Arial" panose="020B0604020202020204" pitchFamily="34" charset="0"/>
+                <a:cs typeface="Arial" panose="020B0604020202020204" pitchFamily="34" charset="0"/>
+              </a:rPr>
+              <a:t> </a:t>
+            </a:r>
+            <a:r>
+              <a:rPr lang="en-US" sz="1600" dirty="0" err="1">
+                <a:latin typeface="Arial" panose="020B0604020202020204" pitchFamily="34" charset="0"/>
+                <a:cs typeface="Arial" panose="020B0604020202020204" pitchFamily="34" charset="0"/>
+              </a:rPr>
+              <a:t>algoritma</a:t>
+            </a:r>
+            <a:r>
+              <a:rPr lang="en-US" sz="1600" dirty="0">
+                <a:latin typeface="Arial" panose="020B0604020202020204" pitchFamily="34" charset="0"/>
+                <a:cs typeface="Arial" panose="020B0604020202020204" pitchFamily="34" charset="0"/>
+              </a:rPr>
+              <a:t> yang </a:t>
+            </a:r>
+            <a:r>
+              <a:rPr lang="en-US" sz="1600" dirty="0" err="1">
+                <a:latin typeface="Arial" panose="020B0604020202020204" pitchFamily="34" charset="0"/>
+                <a:cs typeface="Arial" panose="020B0604020202020204" pitchFamily="34" charset="0"/>
+              </a:rPr>
+              <a:t>telah</a:t>
+            </a:r>
+            <a:r>
+              <a:rPr lang="en-US" sz="1600" dirty="0">
+                <a:latin typeface="Arial" panose="020B0604020202020204" pitchFamily="34" charset="0"/>
+                <a:cs typeface="Arial" panose="020B0604020202020204" pitchFamily="34" charset="0"/>
+              </a:rPr>
+              <a:t> </a:t>
+            </a:r>
+            <a:r>
+              <a:rPr lang="en-US" sz="1600" dirty="0" err="1">
+                <a:latin typeface="Arial" panose="020B0604020202020204" pitchFamily="34" charset="0"/>
+                <a:cs typeface="Arial" panose="020B0604020202020204" pitchFamily="34" charset="0"/>
+              </a:rPr>
+              <a:t>ditetapkan</a:t>
+            </a:r>
+            <a:r>
+              <a:rPr lang="en-US" sz="1600" dirty="0">
+                <a:latin typeface="Arial" panose="020B0604020202020204" pitchFamily="34" charset="0"/>
+                <a:cs typeface="Arial" panose="020B0604020202020204" pitchFamily="34" charset="0"/>
+              </a:rPr>
+              <a:t>.</a:t>
+            </a:r>
+            <a:endParaRPr lang="en-ID" sz="1600" dirty="0">
+              <a:latin typeface="Arial" panose="020B0604020202020204" pitchFamily="34" charset="0"/>
+              <a:cs typeface="Arial" panose="020B0604020202020204" pitchFamily="34" charset="0"/>
+            </a:endParaRPr>
+          </a:p>
+        </p:txBody>
+      </p:sp>
+    </p:spTree>
+    <p:extLst>
+      <p:ext uri="{BB962C8B-B14F-4D97-AF65-F5344CB8AC3E}">
+        <p14:creationId xmlns:p14="http://schemas.microsoft.com/office/powerpoint/2010/main" val="3451692212"/>
+      </p:ext>
+    </p:extLst>
+  </p:cSld>
+  <p:clrMapOvr>
+    <a:masterClrMapping/>
+  </p:clrMapOvr>
+  <mc:AlternateContent xmlns:mc="http://schemas.openxmlformats.org/markup-compatibility/2006" xmlns:p159="http://schemas.microsoft.com/office/powerpoint/2015/09/main">
+    <mc:Choice Requires="p159">
+      <p:transition xmlns:p14="http://schemas.microsoft.com/office/powerpoint/2010/main" spd="slow" p14:dur="2000">
+        <p159:morph option="byObject"/>
+      </p:transition>
+    </mc:Choice>
+    <mc:Fallback xmlns="">
+      <p:transition spd="slow">
+        <p:fade/>
+      </p:transition>
+    </mc:Fallback>
+  </mc:AlternateContent>
+</p:sld>
+</file>
+
+<file path=ppt/slides/slide8.xml><?xml version="1.0" encoding="utf-8"?>
+<p:sld xmlns:a="http://schemas.openxmlformats.org/drawingml/2006/main" xmlns:r="http://schemas.openxmlformats.org/officeDocument/2006/relationships" xmlns:p="http://schemas.openxmlformats.org/presentationml/2006/main">
+  <p:cSld>
+    <p:spTree>
+      <p:nvGrpSpPr>
+        <p:cNvPr id="1" name=""/>
+        <p:cNvGrpSpPr/>
+        <p:nvPr/>
+      </p:nvGrpSpPr>
+      <p:grpSpPr>
+        <a:xfrm>
+          <a:off x="0" y="0"/>
+          <a:ext cx="0" cy="0"/>
+          <a:chOff x="0" y="0"/>
+          <a:chExt cx="0" cy="0"/>
+        </a:xfrm>
+      </p:grpSpPr>
+      <p:pic>
+        <p:nvPicPr>
+          <p:cNvPr id="5" name="Picture 4">
+            <a:extLst>
+              <a:ext uri="{FF2B5EF4-FFF2-40B4-BE49-F238E27FC236}">
+                <a16:creationId xmlns:a16="http://schemas.microsoft.com/office/drawing/2014/main" id="{A3B0CDB6-7F6D-04FE-CCB8-51376AABA694}"/>
+              </a:ext>
+            </a:extLst>
+          </p:cNvPr>
+          <p:cNvPicPr>
+            <a:picLocks noChangeAspect="1"/>
+          </p:cNvPicPr>
+          <p:nvPr/>
+        </p:nvPicPr>
+        <p:blipFill>
+          <a:blip r:embed="rId2">
+            <a:extLst>
+              <a:ext uri="{28A0092B-C50C-407E-A947-70E740481C1C}">
+                <a14:useLocalDpi xmlns:a14="http://schemas.microsoft.com/office/drawing/2010/main" val="0"/>
+              </a:ext>
+            </a:extLst>
+          </a:blip>
+          <a:stretch>
+            <a:fillRect/>
+          </a:stretch>
+        </p:blipFill>
+        <p:spPr>
+          <a:xfrm>
+            <a:off x="5420544" y="2398611"/>
+            <a:ext cx="5198107" cy="1594475"/>
+          </a:xfrm>
+          <a:prstGeom prst="rect">
+            <a:avLst/>
+          </a:prstGeom>
+        </p:spPr>
+      </p:pic>
+      <p:pic>
+        <p:nvPicPr>
+          <p:cNvPr id="10" name="Picture 9">
+            <a:extLst>
+              <a:ext uri="{FF2B5EF4-FFF2-40B4-BE49-F238E27FC236}">
+                <a16:creationId xmlns:a16="http://schemas.microsoft.com/office/drawing/2014/main" id="{DFA7279F-32D0-0539-44EE-2BC0F83FEE38}"/>
+              </a:ext>
+            </a:extLst>
+          </p:cNvPr>
+          <p:cNvPicPr>
+            <a:picLocks noChangeAspect="1"/>
+          </p:cNvPicPr>
+          <p:nvPr/>
+        </p:nvPicPr>
+        <p:blipFill>
+          <a:blip r:embed="rId3" cstate="print">
+            <a:extLst>
+              <a:ext uri="{28A0092B-C50C-407E-A947-70E740481C1C}">
+                <a14:useLocalDpi xmlns:a14="http://schemas.microsoft.com/office/drawing/2010/main" val="0"/>
+              </a:ext>
+            </a:extLst>
+          </a:blip>
+          <a:stretch>
+            <a:fillRect/>
+          </a:stretch>
+        </p:blipFill>
+        <p:spPr>
+          <a:xfrm>
+            <a:off x="1795964" y="2149954"/>
+            <a:ext cx="3624580" cy="1799590"/>
+          </a:xfrm>
+          <a:prstGeom prst="rect">
+            <a:avLst/>
+          </a:prstGeom>
+          <a:ln w="12700">
+            <a:noFill/>
+          </a:ln>
+        </p:spPr>
+      </p:pic>
+      <p:sp>
+        <p:nvSpPr>
+          <p:cNvPr id="2" name="TextBox 1">
+            <a:extLst>
+              <a:ext uri="{FF2B5EF4-FFF2-40B4-BE49-F238E27FC236}">
+                <a16:creationId xmlns:a16="http://schemas.microsoft.com/office/drawing/2014/main" id="{F5D344A1-39FE-052D-1B9C-3C500FCD5362}"/>
+              </a:ext>
+            </a:extLst>
+          </p:cNvPr>
+          <p:cNvSpPr txBox="1"/>
+          <p:nvPr/>
+        </p:nvSpPr>
+        <p:spPr>
+          <a:xfrm>
+            <a:off x="2522375" y="524445"/>
+            <a:ext cx="7147249" cy="458780"/>
+          </a:xfrm>
+          <a:prstGeom prst="rect">
+            <a:avLst/>
+          </a:prstGeom>
+          <a:noFill/>
+        </p:spPr>
+        <p:txBody>
+          <a:bodyPr wrap="square" rtlCol="0">
+            <a:spAutoFit/>
+          </a:bodyPr>
+          <a:lstStyle/>
+          <a:p>
+            <a:pPr algn="ctr">
+              <a:lnSpc>
+                <a:spcPct val="107000"/>
+              </a:lnSpc>
+              <a:spcAft>
+                <a:spcPts val="800"/>
+              </a:spcAft>
+            </a:pPr>
+            <a:r>
+              <a:rPr lang="en-US" sz="2400" b="1" spc="75" dirty="0">
+                <a:solidFill>
+                  <a:srgbClr val="000000"/>
+                </a:solidFill>
+                <a:latin typeface="Arial" panose="020B0604020202020204" pitchFamily="34" charset="0"/>
+                <a:ea typeface="Times New Roman" panose="02020603050405020304" pitchFamily="18" charset="0"/>
+                <a:cs typeface="Arial" panose="020B0604020202020204" pitchFamily="34" charset="0"/>
+              </a:rPr>
+              <a:t>LANDASAN TEORI</a:t>
+            </a:r>
+            <a:endParaRPr lang="en-ID" sz="2400" spc="75" dirty="0">
+              <a:solidFill>
+                <a:srgbClr val="000000"/>
+              </a:solidFill>
+              <a:effectLst/>
+              <a:latin typeface="Arial" panose="020B0604020202020204" pitchFamily="34" charset="0"/>
+              <a:ea typeface="Times New Roman" panose="02020603050405020304" pitchFamily="18" charset="0"/>
+              <a:cs typeface="Arial" panose="020B0604020202020204" pitchFamily="34" charset="0"/>
+            </a:endParaRPr>
+          </a:p>
+        </p:txBody>
+      </p:sp>
+      <p:pic>
+        <p:nvPicPr>
+          <p:cNvPr id="3" name="Picture 2">
+            <a:extLst>
+              <a:ext uri="{FF2B5EF4-FFF2-40B4-BE49-F238E27FC236}">
+                <a16:creationId xmlns:a16="http://schemas.microsoft.com/office/drawing/2014/main" id="{7F066D29-7D8F-FA43-C481-2058A9CC61DC}"/>
+              </a:ext>
+            </a:extLst>
+          </p:cNvPr>
+          <p:cNvPicPr>
+            <a:picLocks noChangeAspect="1"/>
+          </p:cNvPicPr>
+          <p:nvPr/>
+        </p:nvPicPr>
+        <p:blipFill>
+          <a:blip r:embed="rId4">
+            <a:extLst>
+              <a:ext uri="{28A0092B-C50C-407E-A947-70E740481C1C}">
+                <a14:useLocalDpi xmlns:a14="http://schemas.microsoft.com/office/drawing/2010/main" val="0"/>
+              </a:ext>
+            </a:extLst>
+          </a:blip>
+          <a:stretch>
+            <a:fillRect/>
+          </a:stretch>
+        </p:blipFill>
+        <p:spPr>
+          <a:xfrm>
+            <a:off x="11161903" y="5812413"/>
+            <a:ext cx="922432" cy="922432"/>
+          </a:xfrm>
+          <a:prstGeom prst="rect">
+            <a:avLst/>
+          </a:prstGeom>
+        </p:spPr>
+      </p:pic>
+      <p:sp>
+        <p:nvSpPr>
+          <p:cNvPr id="14" name="TextBox 13">
+            <a:extLst>
+              <a:ext uri="{FF2B5EF4-FFF2-40B4-BE49-F238E27FC236}">
+                <a16:creationId xmlns:a16="http://schemas.microsoft.com/office/drawing/2014/main" id="{DCED8A74-3B99-B381-1616-9BE7393F9E46}"/>
+              </a:ext>
+            </a:extLst>
+          </p:cNvPr>
+          <p:cNvSpPr txBox="1"/>
+          <p:nvPr/>
+        </p:nvSpPr>
+        <p:spPr>
+          <a:xfrm>
+            <a:off x="3006107" y="1010501"/>
+            <a:ext cx="6179783" cy="707886"/>
+          </a:xfrm>
+          <a:prstGeom prst="rect">
+            <a:avLst/>
+          </a:prstGeom>
+          <a:noFill/>
+        </p:spPr>
+        <p:txBody>
+          <a:bodyPr wrap="square">
+            <a:spAutoFit/>
+          </a:bodyPr>
+          <a:lstStyle/>
+          <a:p>
+            <a:pPr algn="ctr"/>
+            <a:r>
+              <a:rPr lang="en-US" sz="4000" b="1" dirty="0">
+                <a:solidFill>
+                  <a:schemeClr val="bg2">
+                    <a:lumMod val="75000"/>
+                  </a:schemeClr>
+                </a:solidFill>
+                <a:latin typeface="Arial" panose="020B0604020202020204" pitchFamily="34" charset="0"/>
+                <a:cs typeface="Arial" panose="020B0604020202020204" pitchFamily="34" charset="0"/>
+              </a:rPr>
+              <a:t>ALGORITMA</a:t>
+            </a:r>
+            <a:endParaRPr lang="en-ID" sz="4000" b="1" dirty="0">
+              <a:solidFill>
+                <a:schemeClr val="bg2">
+                  <a:lumMod val="75000"/>
+                </a:schemeClr>
+              </a:solidFill>
+              <a:latin typeface="Arial" panose="020B0604020202020204" pitchFamily="34" charset="0"/>
+              <a:cs typeface="Arial" panose="020B0604020202020204" pitchFamily="34" charset="0"/>
+            </a:endParaRPr>
+          </a:p>
+        </p:txBody>
+      </p:sp>
+      <p:pic>
+        <p:nvPicPr>
+          <p:cNvPr id="25" name="Picture 24">
+            <a:extLst>
+              <a:ext uri="{FF2B5EF4-FFF2-40B4-BE49-F238E27FC236}">
+                <a16:creationId xmlns:a16="http://schemas.microsoft.com/office/drawing/2014/main" id="{9D54D959-596D-DF70-45E7-A60EE98954CC}"/>
+              </a:ext>
+            </a:extLst>
+          </p:cNvPr>
+          <p:cNvPicPr>
+            <a:picLocks noChangeAspect="1"/>
+          </p:cNvPicPr>
+          <p:nvPr/>
+        </p:nvPicPr>
+        <p:blipFill>
+          <a:blip r:embed="rId5">
+            <a:lum bright="70000" contrast="-70000"/>
+            <a:extLst>
+              <a:ext uri="{BEBA8EAE-BF5A-486C-A8C5-ECC9F3942E4B}">
+                <a14:imgProps xmlns:a14="http://schemas.microsoft.com/office/drawing/2010/main">
+                  <a14:imgLayer r:embed="rId6">
+                    <a14:imgEffect>
+                      <a14:sharpenSoften amount="50000"/>
+                    </a14:imgEffect>
+                  </a14:imgLayer>
+                </a14:imgProps>
+              </a:ext>
+              <a:ext uri="{28A0092B-C50C-407E-A947-70E740481C1C}">
+                <a14:useLocalDpi xmlns:a14="http://schemas.microsoft.com/office/drawing/2010/main" val="0"/>
+              </a:ext>
+            </a:extLst>
+          </a:blip>
+          <a:stretch>
+            <a:fillRect/>
+          </a:stretch>
+        </p:blipFill>
+        <p:spPr>
+          <a:xfrm rot="2473072">
+            <a:off x="4574450" y="2560003"/>
+            <a:ext cx="1188721" cy="1188721"/>
+          </a:xfrm>
+          <a:prstGeom prst="rect">
+            <a:avLst/>
+          </a:prstGeom>
+        </p:spPr>
+      </p:pic>
+      <p:sp>
+        <p:nvSpPr>
+          <p:cNvPr id="24" name="TextBox 23">
+            <a:extLst>
+              <a:ext uri="{FF2B5EF4-FFF2-40B4-BE49-F238E27FC236}">
+                <a16:creationId xmlns:a16="http://schemas.microsoft.com/office/drawing/2014/main" id="{7324C565-F58F-ED96-6CEA-CD57A9B92F33}"/>
+              </a:ext>
+            </a:extLst>
+          </p:cNvPr>
+          <p:cNvSpPr txBox="1"/>
+          <p:nvPr/>
+        </p:nvSpPr>
+        <p:spPr>
+          <a:xfrm>
+            <a:off x="2614991" y="3910116"/>
+            <a:ext cx="1986526" cy="461665"/>
+          </a:xfrm>
+          <a:prstGeom prst="rect">
+            <a:avLst/>
+          </a:prstGeom>
+          <a:noFill/>
+        </p:spPr>
+        <p:txBody>
+          <a:bodyPr wrap="square" rtlCol="0">
+            <a:spAutoFit/>
+          </a:bodyPr>
+          <a:lstStyle/>
+          <a:p>
+            <a:pPr algn="ctr"/>
+            <a:r>
+              <a:rPr lang="en-US" sz="2400" b="1" dirty="0">
+                <a:solidFill>
+                  <a:schemeClr val="bg2">
+                    <a:lumMod val="50000"/>
+                  </a:schemeClr>
+                </a:solidFill>
+                <a:latin typeface="Arial" panose="020B0604020202020204" pitchFamily="34" charset="0"/>
+                <a:cs typeface="Arial" panose="020B0604020202020204" pitchFamily="34" charset="0"/>
+              </a:rPr>
+              <a:t>HAVERSINE</a:t>
+            </a:r>
+            <a:endParaRPr lang="en-ID" sz="2400" b="1" dirty="0">
+              <a:solidFill>
+                <a:schemeClr val="bg2">
+                  <a:lumMod val="50000"/>
+                </a:schemeClr>
+              </a:solidFill>
+              <a:latin typeface="Arial" panose="020B0604020202020204" pitchFamily="34" charset="0"/>
+              <a:cs typeface="Arial" panose="020B0604020202020204" pitchFamily="34" charset="0"/>
+            </a:endParaRPr>
+          </a:p>
+        </p:txBody>
+      </p:sp>
+      <p:sp>
+        <p:nvSpPr>
+          <p:cNvPr id="11" name="TextBox 10">
+            <a:extLst>
+              <a:ext uri="{FF2B5EF4-FFF2-40B4-BE49-F238E27FC236}">
+                <a16:creationId xmlns:a16="http://schemas.microsoft.com/office/drawing/2014/main" id="{6CBDE4DF-5C0E-F720-6CF6-1F4336F885E4}"/>
+              </a:ext>
+            </a:extLst>
+          </p:cNvPr>
+          <p:cNvSpPr txBox="1"/>
+          <p:nvPr/>
+        </p:nvSpPr>
+        <p:spPr>
+          <a:xfrm>
+            <a:off x="2207937" y="4632488"/>
+            <a:ext cx="7776122" cy="1323439"/>
+          </a:xfrm>
+          <a:prstGeom prst="rect">
+            <a:avLst/>
+          </a:prstGeom>
+          <a:noFill/>
+        </p:spPr>
+        <p:txBody>
+          <a:bodyPr wrap="square" rtlCol="0">
+            <a:spAutoFit/>
+          </a:bodyPr>
+          <a:lstStyle/>
+          <a:p>
+            <a:pPr algn="ctr"/>
+            <a:r>
+              <a:rPr lang="en-US" sz="1600" dirty="0" err="1">
+                <a:latin typeface="Arial" panose="020B0604020202020204" pitchFamily="34" charset="0"/>
+                <a:cs typeface="Arial" panose="020B0604020202020204" pitchFamily="34" charset="0"/>
+              </a:rPr>
+              <a:t>Algortima</a:t>
+            </a:r>
+            <a:r>
+              <a:rPr lang="en-US" sz="1600" dirty="0">
+                <a:latin typeface="Arial" panose="020B0604020202020204" pitchFamily="34" charset="0"/>
+                <a:cs typeface="Arial" panose="020B0604020202020204" pitchFamily="34" charset="0"/>
+              </a:rPr>
+              <a:t> haversine </a:t>
+            </a:r>
+            <a:r>
+              <a:rPr lang="en-US" sz="1600" dirty="0" err="1">
+                <a:latin typeface="Arial" panose="020B0604020202020204" pitchFamily="34" charset="0"/>
+                <a:cs typeface="Arial" panose="020B0604020202020204" pitchFamily="34" charset="0"/>
+              </a:rPr>
+              <a:t>merupakan</a:t>
+            </a:r>
+            <a:r>
+              <a:rPr lang="en-US" sz="1600" dirty="0">
+                <a:latin typeface="Arial" panose="020B0604020202020204" pitchFamily="34" charset="0"/>
+                <a:cs typeface="Arial" panose="020B0604020202020204" pitchFamily="34" charset="0"/>
+              </a:rPr>
+              <a:t> </a:t>
+            </a:r>
+            <a:r>
+              <a:rPr lang="en-US" sz="1600" dirty="0" err="1">
+                <a:latin typeface="Arial" panose="020B0604020202020204" pitchFamily="34" charset="0"/>
+                <a:cs typeface="Arial" panose="020B0604020202020204" pitchFamily="34" charset="0"/>
+              </a:rPr>
+              <a:t>metode</a:t>
+            </a:r>
+            <a:r>
+              <a:rPr lang="en-US" sz="1600" dirty="0">
+                <a:latin typeface="Arial" panose="020B0604020202020204" pitchFamily="34" charset="0"/>
+                <a:cs typeface="Arial" panose="020B0604020202020204" pitchFamily="34" charset="0"/>
+              </a:rPr>
+              <a:t> </a:t>
+            </a:r>
+            <a:r>
+              <a:rPr lang="en-US" sz="1600" dirty="0" err="1">
+                <a:latin typeface="Arial" panose="020B0604020202020204" pitchFamily="34" charset="0"/>
+                <a:cs typeface="Arial" panose="020B0604020202020204" pitchFamily="34" charset="0"/>
+              </a:rPr>
+              <a:t>pengukuran</a:t>
+            </a:r>
+            <a:r>
+              <a:rPr lang="en-US" sz="1600" dirty="0">
+                <a:latin typeface="Arial" panose="020B0604020202020204" pitchFamily="34" charset="0"/>
+                <a:cs typeface="Arial" panose="020B0604020202020204" pitchFamily="34" charset="0"/>
+              </a:rPr>
+              <a:t> </a:t>
+            </a:r>
+            <a:r>
+              <a:rPr lang="en-US" sz="1600" dirty="0" err="1">
+                <a:latin typeface="Arial" panose="020B0604020202020204" pitchFamily="34" charset="0"/>
+                <a:cs typeface="Arial" panose="020B0604020202020204" pitchFamily="34" charset="0"/>
+              </a:rPr>
+              <a:t>jarak</a:t>
+            </a:r>
+            <a:r>
+              <a:rPr lang="en-US" sz="1600" dirty="0">
+                <a:latin typeface="Arial" panose="020B0604020202020204" pitchFamily="34" charset="0"/>
+                <a:cs typeface="Arial" panose="020B0604020202020204" pitchFamily="34" charset="0"/>
+              </a:rPr>
+              <a:t> </a:t>
+            </a:r>
+            <a:r>
+              <a:rPr lang="en-US" sz="1600" dirty="0" err="1">
+                <a:latin typeface="Arial" panose="020B0604020202020204" pitchFamily="34" charset="0"/>
+                <a:cs typeface="Arial" panose="020B0604020202020204" pitchFamily="34" charset="0"/>
+              </a:rPr>
+              <a:t>antara</a:t>
+            </a:r>
+            <a:r>
+              <a:rPr lang="en-US" sz="1600" dirty="0">
+                <a:latin typeface="Arial" panose="020B0604020202020204" pitchFamily="34" charset="0"/>
+                <a:cs typeface="Arial" panose="020B0604020202020204" pitchFamily="34" charset="0"/>
+              </a:rPr>
+              <a:t> </a:t>
+            </a:r>
+            <a:r>
+              <a:rPr lang="en-US" sz="1600" dirty="0" err="1">
+                <a:latin typeface="Arial" panose="020B0604020202020204" pitchFamily="34" charset="0"/>
+                <a:cs typeface="Arial" panose="020B0604020202020204" pitchFamily="34" charset="0"/>
+              </a:rPr>
+              <a:t>dua</a:t>
+            </a:r>
+            <a:r>
+              <a:rPr lang="en-US" sz="1600" dirty="0">
+                <a:latin typeface="Arial" panose="020B0604020202020204" pitchFamily="34" charset="0"/>
+                <a:cs typeface="Arial" panose="020B0604020202020204" pitchFamily="34" charset="0"/>
+              </a:rPr>
+              <a:t> </a:t>
+            </a:r>
+            <a:r>
+              <a:rPr lang="en-US" sz="1600" dirty="0" err="1">
+                <a:latin typeface="Arial" panose="020B0604020202020204" pitchFamily="34" charset="0"/>
+                <a:cs typeface="Arial" panose="020B0604020202020204" pitchFamily="34" charset="0"/>
+              </a:rPr>
+              <a:t>titik</a:t>
+            </a:r>
+            <a:r>
+              <a:rPr lang="en-US" sz="1600" dirty="0">
+                <a:latin typeface="Arial" panose="020B0604020202020204" pitchFamily="34" charset="0"/>
+                <a:cs typeface="Arial" panose="020B0604020202020204" pitchFamily="34" charset="0"/>
+              </a:rPr>
+              <a:t> di </a:t>
+            </a:r>
+            <a:r>
+              <a:rPr lang="en-US" sz="1600" dirty="0" err="1">
+                <a:latin typeface="Arial" panose="020B0604020202020204" pitchFamily="34" charset="0"/>
+                <a:cs typeface="Arial" panose="020B0604020202020204" pitchFamily="34" charset="0"/>
+              </a:rPr>
+              <a:t>bumi</a:t>
+            </a:r>
+            <a:r>
+              <a:rPr lang="en-US" sz="1600" dirty="0">
+                <a:latin typeface="Arial" panose="020B0604020202020204" pitchFamily="34" charset="0"/>
+                <a:cs typeface="Arial" panose="020B0604020202020204" pitchFamily="34" charset="0"/>
+              </a:rPr>
+              <a:t> </a:t>
+            </a:r>
+            <a:r>
+              <a:rPr lang="en-US" sz="1600" dirty="0" err="1">
+                <a:latin typeface="Arial" panose="020B0604020202020204" pitchFamily="34" charset="0"/>
+                <a:cs typeface="Arial" panose="020B0604020202020204" pitchFamily="34" charset="0"/>
+              </a:rPr>
+              <a:t>berdasarkan</a:t>
+            </a:r>
+            <a:r>
+              <a:rPr lang="en-US" sz="1600" dirty="0">
+                <a:latin typeface="Arial" panose="020B0604020202020204" pitchFamily="34" charset="0"/>
+                <a:cs typeface="Arial" panose="020B0604020202020204" pitchFamily="34" charset="0"/>
+              </a:rPr>
+              <a:t> garis </a:t>
+            </a:r>
+            <a:r>
+              <a:rPr lang="en-US" sz="1600" dirty="0" err="1">
+                <a:latin typeface="Arial" panose="020B0604020202020204" pitchFamily="34" charset="0"/>
+                <a:cs typeface="Arial" panose="020B0604020202020204" pitchFamily="34" charset="0"/>
+              </a:rPr>
+              <a:t>lurus</a:t>
+            </a:r>
+            <a:r>
+              <a:rPr lang="en-US" sz="1600" dirty="0">
+                <a:latin typeface="Arial" panose="020B0604020202020204" pitchFamily="34" charset="0"/>
+                <a:cs typeface="Arial" panose="020B0604020202020204" pitchFamily="34" charset="0"/>
+              </a:rPr>
+              <a:t> </a:t>
+            </a:r>
+            <a:r>
+              <a:rPr lang="en-US" sz="1600" dirty="0" err="1">
+                <a:latin typeface="Arial" panose="020B0604020202020204" pitchFamily="34" charset="0"/>
+                <a:cs typeface="Arial" panose="020B0604020202020204" pitchFamily="34" charset="0"/>
+              </a:rPr>
+              <a:t>dengan</a:t>
+            </a:r>
+            <a:r>
+              <a:rPr lang="en-US" sz="1600" dirty="0">
+                <a:latin typeface="Arial" panose="020B0604020202020204" pitchFamily="34" charset="0"/>
+                <a:cs typeface="Arial" panose="020B0604020202020204" pitchFamily="34" charset="0"/>
+              </a:rPr>
+              <a:t> </a:t>
+            </a:r>
+            <a:r>
+              <a:rPr lang="en-US" sz="1600" dirty="0" err="1">
+                <a:latin typeface="Arial" panose="020B0604020202020204" pitchFamily="34" charset="0"/>
+                <a:cs typeface="Arial" panose="020B0604020202020204" pitchFamily="34" charset="0"/>
+              </a:rPr>
+              <a:t>mengabaikan</a:t>
+            </a:r>
+            <a:r>
+              <a:rPr lang="en-US" sz="1600" dirty="0">
+                <a:latin typeface="Arial" panose="020B0604020202020204" pitchFamily="34" charset="0"/>
+                <a:cs typeface="Arial" panose="020B0604020202020204" pitchFamily="34" charset="0"/>
+              </a:rPr>
+              <a:t> </a:t>
+            </a:r>
+            <a:r>
+              <a:rPr lang="en-US" sz="1600" dirty="0" err="1">
+                <a:latin typeface="Arial" panose="020B0604020202020204" pitchFamily="34" charset="0"/>
+                <a:cs typeface="Arial" panose="020B0604020202020204" pitchFamily="34" charset="0"/>
+              </a:rPr>
+              <a:t>bentuk</a:t>
+            </a:r>
+            <a:r>
+              <a:rPr lang="en-US" sz="1600" dirty="0">
+                <a:latin typeface="Arial" panose="020B0604020202020204" pitchFamily="34" charset="0"/>
+                <a:cs typeface="Arial" panose="020B0604020202020204" pitchFamily="34" charset="0"/>
+              </a:rPr>
+              <a:t> </a:t>
+            </a:r>
+            <a:r>
+              <a:rPr lang="en-US" sz="1600" dirty="0" err="1">
+                <a:latin typeface="Arial" panose="020B0604020202020204" pitchFamily="34" charset="0"/>
+                <a:cs typeface="Arial" panose="020B0604020202020204" pitchFamily="34" charset="0"/>
+              </a:rPr>
+              <a:t>bumi</a:t>
+            </a:r>
+            <a:r>
+              <a:rPr lang="en-US" sz="1600" dirty="0">
+                <a:latin typeface="Arial" panose="020B0604020202020204" pitchFamily="34" charset="0"/>
+                <a:cs typeface="Arial" panose="020B0604020202020204" pitchFamily="34" charset="0"/>
+              </a:rPr>
+              <a:t> yang </a:t>
+            </a:r>
+            <a:r>
+              <a:rPr lang="en-US" sz="1600" dirty="0" err="1">
+                <a:latin typeface="Arial" panose="020B0604020202020204" pitchFamily="34" charset="0"/>
+                <a:cs typeface="Arial" panose="020B0604020202020204" pitchFamily="34" charset="0"/>
+              </a:rPr>
+              <a:t>agak</a:t>
+            </a:r>
+            <a:r>
+              <a:rPr lang="en-US" sz="1600" dirty="0">
+                <a:latin typeface="Arial" panose="020B0604020202020204" pitchFamily="34" charset="0"/>
+                <a:cs typeface="Arial" panose="020B0604020202020204" pitchFamily="34" charset="0"/>
+              </a:rPr>
+              <a:t> </a:t>
+            </a:r>
+            <a:r>
+              <a:rPr lang="en-US" sz="1600" dirty="0" err="1">
+                <a:latin typeface="Arial" panose="020B0604020202020204" pitchFamily="34" charset="0"/>
+                <a:cs typeface="Arial" panose="020B0604020202020204" pitchFamily="34" charset="0"/>
+              </a:rPr>
+              <a:t>lonjong</a:t>
+            </a:r>
+            <a:r>
+              <a:rPr lang="en-US" sz="1600" dirty="0">
+                <a:latin typeface="Arial" panose="020B0604020202020204" pitchFamily="34" charset="0"/>
+                <a:cs typeface="Arial" panose="020B0604020202020204" pitchFamily="34" charset="0"/>
+              </a:rPr>
+              <a:t>. </a:t>
+            </a:r>
+            <a:r>
+              <a:rPr lang="en-US" sz="1600" dirty="0" err="1">
+                <a:latin typeface="Arial" panose="020B0604020202020204" pitchFamily="34" charset="0"/>
+                <a:cs typeface="Arial" panose="020B0604020202020204" pitchFamily="34" charset="0"/>
+              </a:rPr>
+              <a:t>Algoritma</a:t>
+            </a:r>
+            <a:r>
+              <a:rPr lang="en-US" sz="1600" dirty="0">
+                <a:latin typeface="Arial" panose="020B0604020202020204" pitchFamily="34" charset="0"/>
+                <a:cs typeface="Arial" panose="020B0604020202020204" pitchFamily="34" charset="0"/>
+              </a:rPr>
+              <a:t> Haversine </a:t>
+            </a:r>
+            <a:r>
+              <a:rPr lang="en-US" sz="1600" dirty="0" err="1">
+                <a:latin typeface="Arial" panose="020B0604020202020204" pitchFamily="34" charset="0"/>
+                <a:cs typeface="Arial" panose="020B0604020202020204" pitchFamily="34" charset="0"/>
+              </a:rPr>
+              <a:t>adalah</a:t>
+            </a:r>
+            <a:r>
+              <a:rPr lang="en-US" sz="1600" dirty="0">
+                <a:latin typeface="Arial" panose="020B0604020202020204" pitchFamily="34" charset="0"/>
+                <a:cs typeface="Arial" panose="020B0604020202020204" pitchFamily="34" charset="0"/>
+              </a:rPr>
+              <a:t> </a:t>
+            </a:r>
+            <a:r>
+              <a:rPr lang="en-US" sz="1600" dirty="0" err="1">
+                <a:latin typeface="Arial" panose="020B0604020202020204" pitchFamily="34" charset="0"/>
+                <a:cs typeface="Arial" panose="020B0604020202020204" pitchFamily="34" charset="0"/>
+              </a:rPr>
+              <a:t>algortima</a:t>
+            </a:r>
+            <a:r>
+              <a:rPr lang="en-US" sz="1600" dirty="0">
+                <a:latin typeface="Arial" panose="020B0604020202020204" pitchFamily="34" charset="0"/>
+                <a:cs typeface="Arial" panose="020B0604020202020204" pitchFamily="34" charset="0"/>
+              </a:rPr>
+              <a:t> yang paling </a:t>
+            </a:r>
+            <a:r>
+              <a:rPr lang="en-US" sz="1600" dirty="0" err="1">
+                <a:latin typeface="Arial" panose="020B0604020202020204" pitchFamily="34" charset="0"/>
+                <a:cs typeface="Arial" panose="020B0604020202020204" pitchFamily="34" charset="0"/>
+              </a:rPr>
+              <a:t>mumpuni</a:t>
+            </a:r>
+            <a:r>
+              <a:rPr lang="en-US" sz="1600" dirty="0">
+                <a:latin typeface="Arial" panose="020B0604020202020204" pitchFamily="34" charset="0"/>
+                <a:cs typeface="Arial" panose="020B0604020202020204" pitchFamily="34" charset="0"/>
+              </a:rPr>
+              <a:t> </a:t>
+            </a:r>
+            <a:r>
+              <a:rPr lang="en-US" sz="1600" dirty="0" err="1">
+                <a:latin typeface="Arial" panose="020B0604020202020204" pitchFamily="34" charset="0"/>
+                <a:cs typeface="Arial" panose="020B0604020202020204" pitchFamily="34" charset="0"/>
+              </a:rPr>
+              <a:t>dalam</a:t>
+            </a:r>
+            <a:r>
+              <a:rPr lang="en-US" sz="1600" dirty="0">
+                <a:latin typeface="Arial" panose="020B0604020202020204" pitchFamily="34" charset="0"/>
+                <a:cs typeface="Arial" panose="020B0604020202020204" pitchFamily="34" charset="0"/>
+              </a:rPr>
+              <a:t> </a:t>
+            </a:r>
+            <a:r>
+              <a:rPr lang="en-US" sz="1600" dirty="0" err="1">
+                <a:latin typeface="Arial" panose="020B0604020202020204" pitchFamily="34" charset="0"/>
+                <a:cs typeface="Arial" panose="020B0604020202020204" pitchFamily="34" charset="0"/>
+              </a:rPr>
+              <a:t>hal</a:t>
+            </a:r>
+            <a:r>
+              <a:rPr lang="en-US" sz="1600" dirty="0">
+                <a:latin typeface="Arial" panose="020B0604020202020204" pitchFamily="34" charset="0"/>
+                <a:cs typeface="Arial" panose="020B0604020202020204" pitchFamily="34" charset="0"/>
+              </a:rPr>
+              <a:t> </a:t>
+            </a:r>
+            <a:r>
+              <a:rPr lang="en-US" sz="1600" dirty="0" err="1">
+                <a:latin typeface="Arial" panose="020B0604020202020204" pitchFamily="34" charset="0"/>
+                <a:cs typeface="Arial" panose="020B0604020202020204" pitchFamily="34" charset="0"/>
+              </a:rPr>
+              <a:t>kecepatan</a:t>
+            </a:r>
+            <a:r>
+              <a:rPr lang="en-US" sz="1600" dirty="0">
+                <a:latin typeface="Arial" panose="020B0604020202020204" pitchFamily="34" charset="0"/>
+                <a:cs typeface="Arial" panose="020B0604020202020204" pitchFamily="34" charset="0"/>
+              </a:rPr>
+              <a:t> </a:t>
+            </a:r>
+            <a:r>
+              <a:rPr lang="en-US" sz="1600" dirty="0" err="1">
+                <a:latin typeface="Arial" panose="020B0604020202020204" pitchFamily="34" charset="0"/>
+                <a:cs typeface="Arial" panose="020B0604020202020204" pitchFamily="34" charset="0"/>
+              </a:rPr>
+              <a:t>pemrosesan</a:t>
+            </a:r>
+            <a:r>
+              <a:rPr lang="en-US" sz="1600" dirty="0">
+                <a:latin typeface="Arial" panose="020B0604020202020204" pitchFamily="34" charset="0"/>
+                <a:cs typeface="Arial" panose="020B0604020202020204" pitchFamily="34" charset="0"/>
+              </a:rPr>
+              <a:t>, </a:t>
+            </a:r>
+            <a:r>
+              <a:rPr lang="en-US" sz="1600" dirty="0" err="1">
+                <a:latin typeface="Arial" panose="020B0604020202020204" pitchFamily="34" charset="0"/>
+                <a:cs typeface="Arial" panose="020B0604020202020204" pitchFamily="34" charset="0"/>
+              </a:rPr>
+              <a:t>ketepatan</a:t>
+            </a:r>
+            <a:r>
+              <a:rPr lang="en-US" sz="1600" dirty="0">
+                <a:latin typeface="Arial" panose="020B0604020202020204" pitchFamily="34" charset="0"/>
+                <a:cs typeface="Arial" panose="020B0604020202020204" pitchFamily="34" charset="0"/>
+              </a:rPr>
+              <a:t> </a:t>
+            </a:r>
+            <a:r>
+              <a:rPr lang="en-US" sz="1600" dirty="0" err="1">
+                <a:latin typeface="Arial" panose="020B0604020202020204" pitchFamily="34" charset="0"/>
+                <a:cs typeface="Arial" panose="020B0604020202020204" pitchFamily="34" charset="0"/>
+              </a:rPr>
+              <a:t>aplikasi</a:t>
+            </a:r>
+            <a:r>
+              <a:rPr lang="en-US" sz="1600" dirty="0">
+                <a:latin typeface="Arial" panose="020B0604020202020204" pitchFamily="34" charset="0"/>
+                <a:cs typeface="Arial" panose="020B0604020202020204" pitchFamily="34" charset="0"/>
+              </a:rPr>
+              <a:t>, </a:t>
+            </a:r>
+            <a:r>
+              <a:rPr lang="en-US" sz="1600" dirty="0" err="1">
+                <a:latin typeface="Arial" panose="020B0604020202020204" pitchFamily="34" charset="0"/>
+                <a:cs typeface="Arial" panose="020B0604020202020204" pitchFamily="34" charset="0"/>
+              </a:rPr>
+              <a:t>akurasi</a:t>
+            </a:r>
+            <a:r>
+              <a:rPr lang="en-US" sz="1600" dirty="0">
+                <a:latin typeface="Arial" panose="020B0604020202020204" pitchFamily="34" charset="0"/>
+                <a:cs typeface="Arial" panose="020B0604020202020204" pitchFamily="34" charset="0"/>
+              </a:rPr>
+              <a:t> </a:t>
+            </a:r>
+            <a:r>
+              <a:rPr lang="en-US" sz="1600" dirty="0" err="1">
+                <a:latin typeface="Arial" panose="020B0604020202020204" pitchFamily="34" charset="0"/>
+                <a:cs typeface="Arial" panose="020B0604020202020204" pitchFamily="34" charset="0"/>
+              </a:rPr>
+              <a:t>serta</a:t>
+            </a:r>
+            <a:r>
+              <a:rPr lang="en-US" sz="1600" dirty="0">
+                <a:latin typeface="Arial" panose="020B0604020202020204" pitchFamily="34" charset="0"/>
+                <a:cs typeface="Arial" panose="020B0604020202020204" pitchFamily="34" charset="0"/>
+              </a:rPr>
+              <a:t> </a:t>
+            </a:r>
+            <a:r>
+              <a:rPr lang="en-US" sz="1600" dirty="0" err="1">
+                <a:latin typeface="Arial" panose="020B0604020202020204" pitchFamily="34" charset="0"/>
+                <a:cs typeface="Arial" panose="020B0604020202020204" pitchFamily="34" charset="0"/>
+              </a:rPr>
+              <a:t>perbandingan</a:t>
+            </a:r>
+            <a:r>
+              <a:rPr lang="en-US" sz="1600" dirty="0">
+                <a:latin typeface="Arial" panose="020B0604020202020204" pitchFamily="34" charset="0"/>
+                <a:cs typeface="Arial" panose="020B0604020202020204" pitchFamily="34" charset="0"/>
+              </a:rPr>
+              <a:t> </a:t>
+            </a:r>
+            <a:r>
+              <a:rPr lang="en-US" sz="1600" dirty="0" err="1">
+                <a:latin typeface="Arial" panose="020B0604020202020204" pitchFamily="34" charset="0"/>
+                <a:cs typeface="Arial" panose="020B0604020202020204" pitchFamily="34" charset="0"/>
+              </a:rPr>
+              <a:t>kinerja</a:t>
+            </a:r>
+            <a:r>
+              <a:rPr lang="en-US" sz="1600" dirty="0">
+                <a:latin typeface="Arial" panose="020B0604020202020204" pitchFamily="34" charset="0"/>
+                <a:cs typeface="Arial" panose="020B0604020202020204" pitchFamily="34" charset="0"/>
+              </a:rPr>
+              <a:t> </a:t>
+            </a:r>
+            <a:r>
+              <a:rPr lang="en-US" sz="1600" dirty="0" err="1">
+                <a:latin typeface="Arial" panose="020B0604020202020204" pitchFamily="34" charset="0"/>
+                <a:cs typeface="Arial" panose="020B0604020202020204" pitchFamily="34" charset="0"/>
+              </a:rPr>
+              <a:t>secara</a:t>
+            </a:r>
+            <a:r>
+              <a:rPr lang="en-US" sz="1600" dirty="0">
+                <a:latin typeface="Arial" panose="020B0604020202020204" pitchFamily="34" charset="0"/>
+                <a:cs typeface="Arial" panose="020B0604020202020204" pitchFamily="34" charset="0"/>
+              </a:rPr>
+              <a:t> </a:t>
+            </a:r>
+            <a:r>
+              <a:rPr lang="en-US" sz="1600" dirty="0" err="1">
+                <a:latin typeface="Arial" panose="020B0604020202020204" pitchFamily="34" charset="0"/>
+                <a:cs typeface="Arial" panose="020B0604020202020204" pitchFamily="34" charset="0"/>
+              </a:rPr>
+              <a:t>keseluruhan</a:t>
+            </a:r>
+            <a:r>
+              <a:rPr lang="en-US" sz="1600" dirty="0">
+                <a:latin typeface="Arial" panose="020B0604020202020204" pitchFamily="34" charset="0"/>
+                <a:cs typeface="Arial" panose="020B0604020202020204" pitchFamily="34" charset="0"/>
+              </a:rPr>
+              <a:t> </a:t>
+            </a:r>
+            <a:r>
+              <a:rPr lang="en-US" sz="1600" dirty="0" err="1">
+                <a:latin typeface="Arial" panose="020B0604020202020204" pitchFamily="34" charset="0"/>
+                <a:cs typeface="Arial" panose="020B0604020202020204" pitchFamily="34" charset="0"/>
+              </a:rPr>
+              <a:t>jika</a:t>
+            </a:r>
+            <a:r>
+              <a:rPr lang="en-US" sz="1600" dirty="0">
+                <a:latin typeface="Arial" panose="020B0604020202020204" pitchFamily="34" charset="0"/>
+                <a:cs typeface="Arial" panose="020B0604020202020204" pitchFamily="34" charset="0"/>
+              </a:rPr>
+              <a:t> </a:t>
+            </a:r>
+            <a:r>
+              <a:rPr lang="en-US" sz="1600" dirty="0" err="1">
+                <a:latin typeface="Arial" panose="020B0604020202020204" pitchFamily="34" charset="0"/>
+                <a:cs typeface="Arial" panose="020B0604020202020204" pitchFamily="34" charset="0"/>
+              </a:rPr>
+              <a:t>dikomprasi</a:t>
+            </a:r>
+            <a:r>
+              <a:rPr lang="en-US" sz="1600" dirty="0">
+                <a:latin typeface="Arial" panose="020B0604020202020204" pitchFamily="34" charset="0"/>
+                <a:cs typeface="Arial" panose="020B0604020202020204" pitchFamily="34" charset="0"/>
+              </a:rPr>
+              <a:t> </a:t>
+            </a:r>
+            <a:r>
+              <a:rPr lang="en-US" sz="1600" dirty="0" err="1">
+                <a:latin typeface="Arial" panose="020B0604020202020204" pitchFamily="34" charset="0"/>
+                <a:cs typeface="Arial" panose="020B0604020202020204" pitchFamily="34" charset="0"/>
+              </a:rPr>
+              <a:t>dengan</a:t>
+            </a:r>
+            <a:r>
+              <a:rPr lang="en-US" sz="1600" dirty="0">
+                <a:latin typeface="Arial" panose="020B0604020202020204" pitchFamily="34" charset="0"/>
+                <a:cs typeface="Arial" panose="020B0604020202020204" pitchFamily="34" charset="0"/>
+              </a:rPr>
+              <a:t> </a:t>
+            </a:r>
+            <a:r>
+              <a:rPr lang="en-US" sz="1600" dirty="0" err="1">
+                <a:latin typeface="Arial" panose="020B0604020202020204" pitchFamily="34" charset="0"/>
+                <a:cs typeface="Arial" panose="020B0604020202020204" pitchFamily="34" charset="0"/>
+              </a:rPr>
+              <a:t>algoritma</a:t>
+            </a:r>
+            <a:r>
+              <a:rPr lang="en-US" sz="1600" dirty="0">
+                <a:latin typeface="Arial" panose="020B0604020202020204" pitchFamily="34" charset="0"/>
+                <a:cs typeface="Arial" panose="020B0604020202020204" pitchFamily="34" charset="0"/>
+              </a:rPr>
+              <a:t> </a:t>
+            </a:r>
+            <a:r>
+              <a:rPr lang="en-US" sz="1600" dirty="0" err="1">
+                <a:latin typeface="Arial" panose="020B0604020202020204" pitchFamily="34" charset="0"/>
+                <a:cs typeface="Arial" panose="020B0604020202020204" pitchFamily="34" charset="0"/>
+              </a:rPr>
+              <a:t>pengukur</a:t>
+            </a:r>
+            <a:r>
+              <a:rPr lang="en-US" sz="1600" dirty="0">
+                <a:latin typeface="Arial" panose="020B0604020202020204" pitchFamily="34" charset="0"/>
+                <a:cs typeface="Arial" panose="020B0604020202020204" pitchFamily="34" charset="0"/>
+              </a:rPr>
+              <a:t> </a:t>
+            </a:r>
+            <a:r>
+              <a:rPr lang="en-US" sz="1600" dirty="0" err="1">
+                <a:latin typeface="Arial" panose="020B0604020202020204" pitchFamily="34" charset="0"/>
+                <a:cs typeface="Arial" panose="020B0604020202020204" pitchFamily="34" charset="0"/>
+              </a:rPr>
+              <a:t>jarak</a:t>
+            </a:r>
+            <a:r>
+              <a:rPr lang="en-US" sz="1600" dirty="0">
+                <a:latin typeface="Arial" panose="020B0604020202020204" pitchFamily="34" charset="0"/>
+                <a:cs typeface="Arial" panose="020B0604020202020204" pitchFamily="34" charset="0"/>
+              </a:rPr>
+              <a:t> </a:t>
+            </a:r>
+            <a:r>
+              <a:rPr lang="en-US" sz="1600" dirty="0" err="1">
+                <a:latin typeface="Arial" panose="020B0604020202020204" pitchFamily="34" charset="0"/>
+                <a:cs typeface="Arial" panose="020B0604020202020204" pitchFamily="34" charset="0"/>
+              </a:rPr>
+              <a:t>lainya</a:t>
+            </a:r>
+            <a:r>
+              <a:rPr lang="en-US" sz="1600" dirty="0">
+                <a:latin typeface="Arial" panose="020B0604020202020204" pitchFamily="34" charset="0"/>
+                <a:cs typeface="Arial" panose="020B0604020202020204" pitchFamily="34" charset="0"/>
+              </a:rPr>
+              <a:t>.</a:t>
+            </a:r>
+            <a:endParaRPr lang="en-ID" sz="1600" dirty="0">
+              <a:latin typeface="Arial" panose="020B0604020202020204" pitchFamily="34" charset="0"/>
+              <a:cs typeface="Arial" panose="020B0604020202020204" pitchFamily="34" charset="0"/>
+            </a:endParaRPr>
+          </a:p>
+        </p:txBody>
+      </p:sp>
+    </p:spTree>
+    <p:extLst>
+      <p:ext uri="{BB962C8B-B14F-4D97-AF65-F5344CB8AC3E}">
+        <p14:creationId xmlns:p14="http://schemas.microsoft.com/office/powerpoint/2010/main" val="1847399736"/>
+      </p:ext>
+    </p:extLst>
+  </p:cSld>
+  <p:clrMapOvr>
+    <a:masterClrMapping/>
+  </p:clrMapOvr>
+  <mc:AlternateContent xmlns:mc="http://schemas.openxmlformats.org/markup-compatibility/2006" xmlns:p159="http://schemas.microsoft.com/office/powerpoint/2015/09/main">
+    <mc:Choice Requires="p159">
+      <p:transition xmlns:p14="http://schemas.microsoft.com/office/powerpoint/2010/main" spd="slow" p14:dur="2000">
+        <p159:morph option="byObject"/>
+      </p:transition>
+    </mc:Choice>
+    <mc:Fallback xmlns="">
+      <p:transition spd="slow">
+        <p:fade/>
+      </p:transition>
+    </mc:Fallback>
+  </mc:AlternateContent>
+</p:sld>
+</file>
+
+<file path=ppt/slides/slide9.xml><?xml version="1.0" encoding="utf-8"?>
 <p:sld xmlns:a="http://schemas.openxmlformats.org/drawingml/2006/main" xmlns:r="http://schemas.openxmlformats.org/officeDocument/2006/relationships" xmlns:p="http://schemas.openxmlformats.org/presentationml/2006/main">
   <p:cSld>
     <p:bg>

--- a/dokumen/ppt_skripsi.pptx
+++ b/dokumen/ppt_skripsi.pptx
@@ -13,7 +13,10 @@
     <p:sldId id="263" r:id="rId7"/>
     <p:sldId id="264" r:id="rId8"/>
     <p:sldId id="265" r:id="rId9"/>
-    <p:sldId id="256" r:id="rId10"/>
+    <p:sldId id="266" r:id="rId10"/>
+    <p:sldId id="267" r:id="rId11"/>
+    <p:sldId id="268" r:id="rId12"/>
+    <p:sldId id="256" r:id="rId13"/>
   </p:sldIdLst>
   <p:sldSz cx="12192000" cy="6858000"/>
   <p:notesSz cx="6858000" cy="9144000"/>
@@ -269,7 +272,7 @@
           <a:p>
             <a:fld id="{F5671809-4E7C-4B4C-B35D-BEB3A7116895}" type="datetimeFigureOut">
               <a:rPr lang="en-ID" smtClean="0"/>
-              <a:t>08/06/2022</a:t>
+              <a:t>09/06/2022</a:t>
             </a:fld>
             <a:endParaRPr lang="en-ID"/>
           </a:p>
@@ -469,7 +472,7 @@
           <a:p>
             <a:fld id="{F5671809-4E7C-4B4C-B35D-BEB3A7116895}" type="datetimeFigureOut">
               <a:rPr lang="en-ID" smtClean="0"/>
-              <a:t>08/06/2022</a:t>
+              <a:t>09/06/2022</a:t>
             </a:fld>
             <a:endParaRPr lang="en-ID"/>
           </a:p>
@@ -679,7 +682,7 @@
           <a:p>
             <a:fld id="{F5671809-4E7C-4B4C-B35D-BEB3A7116895}" type="datetimeFigureOut">
               <a:rPr lang="en-ID" smtClean="0"/>
-              <a:t>08/06/2022</a:t>
+              <a:t>09/06/2022</a:t>
             </a:fld>
             <a:endParaRPr lang="en-ID"/>
           </a:p>
@@ -879,7 +882,7 @@
           <a:p>
             <a:fld id="{F5671809-4E7C-4B4C-B35D-BEB3A7116895}" type="datetimeFigureOut">
               <a:rPr lang="en-ID" smtClean="0"/>
-              <a:t>08/06/2022</a:t>
+              <a:t>09/06/2022</a:t>
             </a:fld>
             <a:endParaRPr lang="en-ID"/>
           </a:p>
@@ -1155,7 +1158,7 @@
           <a:p>
             <a:fld id="{F5671809-4E7C-4B4C-B35D-BEB3A7116895}" type="datetimeFigureOut">
               <a:rPr lang="en-ID" smtClean="0"/>
-              <a:t>08/06/2022</a:t>
+              <a:t>09/06/2022</a:t>
             </a:fld>
             <a:endParaRPr lang="en-ID"/>
           </a:p>
@@ -1423,7 +1426,7 @@
           <a:p>
             <a:fld id="{F5671809-4E7C-4B4C-B35D-BEB3A7116895}" type="datetimeFigureOut">
               <a:rPr lang="en-ID" smtClean="0"/>
-              <a:t>08/06/2022</a:t>
+              <a:t>09/06/2022</a:t>
             </a:fld>
             <a:endParaRPr lang="en-ID"/>
           </a:p>
@@ -1838,7 +1841,7 @@
           <a:p>
             <a:fld id="{F5671809-4E7C-4B4C-B35D-BEB3A7116895}" type="datetimeFigureOut">
               <a:rPr lang="en-ID" smtClean="0"/>
-              <a:t>08/06/2022</a:t>
+              <a:t>09/06/2022</a:t>
             </a:fld>
             <a:endParaRPr lang="en-ID"/>
           </a:p>
@@ -1980,7 +1983,7 @@
           <a:p>
             <a:fld id="{F5671809-4E7C-4B4C-B35D-BEB3A7116895}" type="datetimeFigureOut">
               <a:rPr lang="en-ID" smtClean="0"/>
-              <a:t>08/06/2022</a:t>
+              <a:t>09/06/2022</a:t>
             </a:fld>
             <a:endParaRPr lang="en-ID"/>
           </a:p>
@@ -2093,7 +2096,7 @@
           <a:p>
             <a:fld id="{F5671809-4E7C-4B4C-B35D-BEB3A7116895}" type="datetimeFigureOut">
               <a:rPr lang="en-ID" smtClean="0"/>
-              <a:t>08/06/2022</a:t>
+              <a:t>09/06/2022</a:t>
             </a:fld>
             <a:endParaRPr lang="en-ID"/>
           </a:p>
@@ -2406,7 +2409,7 @@
           <a:p>
             <a:fld id="{F5671809-4E7C-4B4C-B35D-BEB3A7116895}" type="datetimeFigureOut">
               <a:rPr lang="en-ID" smtClean="0"/>
-              <a:t>08/06/2022</a:t>
+              <a:t>09/06/2022</a:t>
             </a:fld>
             <a:endParaRPr lang="en-ID"/>
           </a:p>
@@ -2695,7 +2698,7 @@
           <a:p>
             <a:fld id="{F5671809-4E7C-4B4C-B35D-BEB3A7116895}" type="datetimeFigureOut">
               <a:rPr lang="en-ID" smtClean="0"/>
-              <a:t>08/06/2022</a:t>
+              <a:t>09/06/2022</a:t>
             </a:fld>
             <a:endParaRPr lang="en-ID"/>
           </a:p>
@@ -2938,7 +2941,7 @@
           <a:p>
             <a:fld id="{F5671809-4E7C-4B4C-B35D-BEB3A7116895}" type="datetimeFigureOut">
               <a:rPr lang="en-ID" smtClean="0"/>
-              <a:t>08/06/2022</a:t>
+              <a:t>09/06/2022</a:t>
             </a:fld>
             <a:endParaRPr lang="en-ID"/>
           </a:p>
@@ -3664,6 +3667,3043 @@
       </p:transition>
     </mc:Fallback>
   </mc:AlternateContent>
+</p:sld>
+</file>
+
+<file path=ppt/slides/slide10.xml><?xml version="1.0" encoding="utf-8"?>
+<p:sld xmlns:a="http://schemas.openxmlformats.org/drawingml/2006/main" xmlns:r="http://schemas.openxmlformats.org/officeDocument/2006/relationships" xmlns:p="http://schemas.openxmlformats.org/presentationml/2006/main">
+  <p:cSld>
+    <p:spTree>
+      <p:nvGrpSpPr>
+        <p:cNvPr id="1" name=""/>
+        <p:cNvGrpSpPr/>
+        <p:nvPr/>
+      </p:nvGrpSpPr>
+      <p:grpSpPr>
+        <a:xfrm>
+          <a:off x="0" y="0"/>
+          <a:ext cx="0" cy="0"/>
+          <a:chOff x="0" y="0"/>
+          <a:chExt cx="0" cy="0"/>
+        </a:xfrm>
+      </p:grpSpPr>
+      <p:sp>
+        <p:nvSpPr>
+          <p:cNvPr id="2" name="TextBox 1">
+            <a:extLst>
+              <a:ext uri="{FF2B5EF4-FFF2-40B4-BE49-F238E27FC236}">
+                <a16:creationId xmlns:a16="http://schemas.microsoft.com/office/drawing/2014/main" id="{F5D344A1-39FE-052D-1B9C-3C500FCD5362}"/>
+              </a:ext>
+            </a:extLst>
+          </p:cNvPr>
+          <p:cNvSpPr txBox="1"/>
+          <p:nvPr/>
+        </p:nvSpPr>
+        <p:spPr>
+          <a:xfrm>
+            <a:off x="2522375" y="524445"/>
+            <a:ext cx="7147249" cy="458780"/>
+          </a:xfrm>
+          <a:prstGeom prst="rect">
+            <a:avLst/>
+          </a:prstGeom>
+          <a:noFill/>
+        </p:spPr>
+        <p:txBody>
+          <a:bodyPr wrap="square" rtlCol="0">
+            <a:spAutoFit/>
+          </a:bodyPr>
+          <a:lstStyle/>
+          <a:p>
+            <a:pPr algn="ctr">
+              <a:lnSpc>
+                <a:spcPct val="107000"/>
+              </a:lnSpc>
+              <a:spcAft>
+                <a:spcPts val="800"/>
+              </a:spcAft>
+            </a:pPr>
+            <a:r>
+              <a:rPr lang="en-US" sz="2400" b="1" spc="75" dirty="0">
+                <a:solidFill>
+                  <a:srgbClr val="000000"/>
+                </a:solidFill>
+                <a:latin typeface="Arial" panose="020B0604020202020204" pitchFamily="34" charset="0"/>
+                <a:ea typeface="Times New Roman" panose="02020603050405020304" pitchFamily="18" charset="0"/>
+                <a:cs typeface="Arial" panose="020B0604020202020204" pitchFamily="34" charset="0"/>
+              </a:rPr>
+              <a:t>METODE PENGEMBANGAN SISTEM</a:t>
+            </a:r>
+            <a:endParaRPr lang="en-ID" sz="2400" spc="75" dirty="0">
+              <a:solidFill>
+                <a:srgbClr val="000000"/>
+              </a:solidFill>
+              <a:effectLst/>
+              <a:latin typeface="Arial" panose="020B0604020202020204" pitchFamily="34" charset="0"/>
+              <a:ea typeface="Times New Roman" panose="02020603050405020304" pitchFamily="18" charset="0"/>
+              <a:cs typeface="Arial" panose="020B0604020202020204" pitchFamily="34" charset="0"/>
+            </a:endParaRPr>
+          </a:p>
+        </p:txBody>
+      </p:sp>
+      <p:pic>
+        <p:nvPicPr>
+          <p:cNvPr id="3" name="Picture 2">
+            <a:extLst>
+              <a:ext uri="{FF2B5EF4-FFF2-40B4-BE49-F238E27FC236}">
+                <a16:creationId xmlns:a16="http://schemas.microsoft.com/office/drawing/2014/main" id="{7F066D29-7D8F-FA43-C481-2058A9CC61DC}"/>
+              </a:ext>
+            </a:extLst>
+          </p:cNvPr>
+          <p:cNvPicPr>
+            <a:picLocks noChangeAspect="1"/>
+          </p:cNvPicPr>
+          <p:nvPr/>
+        </p:nvPicPr>
+        <p:blipFill>
+          <a:blip r:embed="rId2">
+            <a:extLst>
+              <a:ext uri="{28A0092B-C50C-407E-A947-70E740481C1C}">
+                <a14:useLocalDpi xmlns:a14="http://schemas.microsoft.com/office/drawing/2010/main" val="0"/>
+              </a:ext>
+            </a:extLst>
+          </a:blip>
+          <a:stretch>
+            <a:fillRect/>
+          </a:stretch>
+        </p:blipFill>
+        <p:spPr>
+          <a:xfrm>
+            <a:off x="11161903" y="5812413"/>
+            <a:ext cx="922432" cy="922432"/>
+          </a:xfrm>
+          <a:prstGeom prst="rect">
+            <a:avLst/>
+          </a:prstGeom>
+        </p:spPr>
+      </p:pic>
+      <p:pic>
+        <p:nvPicPr>
+          <p:cNvPr id="30" name="Picture 29">
+            <a:extLst>
+              <a:ext uri="{FF2B5EF4-FFF2-40B4-BE49-F238E27FC236}">
+                <a16:creationId xmlns:a16="http://schemas.microsoft.com/office/drawing/2014/main" id="{2732089F-1B58-E211-8BF6-7ED74B2957BD}"/>
+              </a:ext>
+            </a:extLst>
+          </p:cNvPr>
+          <p:cNvPicPr>
+            <a:picLocks noChangeAspect="1"/>
+          </p:cNvPicPr>
+          <p:nvPr/>
+        </p:nvPicPr>
+        <p:blipFill>
+          <a:blip r:embed="rId3">
+            <a:extLst>
+              <a:ext uri="{BEBA8EAE-BF5A-486C-A8C5-ECC9F3942E4B}">
+                <a14:imgProps xmlns:a14="http://schemas.microsoft.com/office/drawing/2010/main">
+                  <a14:imgLayer r:embed="rId4">
+                    <a14:imgEffect>
+                      <a14:sharpenSoften amount="25000"/>
+                    </a14:imgEffect>
+                    <a14:imgEffect>
+                      <a14:saturation sat="400000"/>
+                    </a14:imgEffect>
+                  </a14:imgLayer>
+                </a14:imgProps>
+              </a:ext>
+              <a:ext uri="{28A0092B-C50C-407E-A947-70E740481C1C}">
+                <a14:useLocalDpi xmlns:a14="http://schemas.microsoft.com/office/drawing/2010/main" val="0"/>
+              </a:ext>
+            </a:extLst>
+          </a:blip>
+          <a:stretch>
+            <a:fillRect/>
+          </a:stretch>
+        </p:blipFill>
+        <p:spPr>
+          <a:xfrm>
+            <a:off x="3410353" y="892092"/>
+            <a:ext cx="5371291" cy="2542973"/>
+          </a:xfrm>
+          <a:prstGeom prst="rect">
+            <a:avLst/>
+          </a:prstGeom>
+          <a:ln w="12700">
+            <a:noFill/>
+          </a:ln>
+        </p:spPr>
+      </p:pic>
+      <p:sp>
+        <p:nvSpPr>
+          <p:cNvPr id="35" name="TextBox 34">
+            <a:extLst>
+              <a:ext uri="{FF2B5EF4-FFF2-40B4-BE49-F238E27FC236}">
+                <a16:creationId xmlns:a16="http://schemas.microsoft.com/office/drawing/2014/main" id="{73849CEB-190A-CB49-5861-28C21F8F3A0C}"/>
+              </a:ext>
+            </a:extLst>
+          </p:cNvPr>
+          <p:cNvSpPr txBox="1"/>
+          <p:nvPr/>
+        </p:nvSpPr>
+        <p:spPr>
+          <a:xfrm>
+            <a:off x="292123" y="4029732"/>
+            <a:ext cx="2121100" cy="2062103"/>
+          </a:xfrm>
+          <a:prstGeom prst="rect">
+            <a:avLst/>
+          </a:prstGeom>
+          <a:noFill/>
+        </p:spPr>
+        <p:txBody>
+          <a:bodyPr wrap="square" rtlCol="0">
+            <a:spAutoFit/>
+          </a:bodyPr>
+          <a:lstStyle/>
+          <a:p>
+            <a:r>
+              <a:rPr lang="en-US" sz="1600" dirty="0" err="1">
+                <a:latin typeface="Arial" panose="020B0604020202020204" pitchFamily="34" charset="0"/>
+                <a:cs typeface="Arial" panose="020B0604020202020204" pitchFamily="34" charset="0"/>
+              </a:rPr>
+              <a:t>Melakukan</a:t>
+            </a:r>
+            <a:r>
+              <a:rPr lang="en-US" sz="1600" dirty="0">
+                <a:latin typeface="Arial" panose="020B0604020202020204" pitchFamily="34" charset="0"/>
+                <a:cs typeface="Arial" panose="020B0604020202020204" pitchFamily="34" charset="0"/>
+              </a:rPr>
+              <a:t> </a:t>
+            </a:r>
+            <a:r>
+              <a:rPr lang="en-US" sz="1600" dirty="0" err="1">
+                <a:latin typeface="Arial" panose="020B0604020202020204" pitchFamily="34" charset="0"/>
+                <a:cs typeface="Arial" panose="020B0604020202020204" pitchFamily="34" charset="0"/>
+              </a:rPr>
+              <a:t>diskusi</a:t>
+            </a:r>
+            <a:r>
+              <a:rPr lang="en-US" sz="1600" dirty="0">
+                <a:latin typeface="Arial" panose="020B0604020202020204" pitchFamily="34" charset="0"/>
+                <a:cs typeface="Arial" panose="020B0604020202020204" pitchFamily="34" charset="0"/>
+              </a:rPr>
+              <a:t> </a:t>
+            </a:r>
+            <a:r>
+              <a:rPr lang="en-US" sz="1600" dirty="0" err="1">
+                <a:latin typeface="Arial" panose="020B0604020202020204" pitchFamily="34" charset="0"/>
+                <a:cs typeface="Arial" panose="020B0604020202020204" pitchFamily="34" charset="0"/>
+              </a:rPr>
+              <a:t>dengan</a:t>
+            </a:r>
+            <a:r>
+              <a:rPr lang="en-US" sz="1600" dirty="0">
+                <a:latin typeface="Arial" panose="020B0604020202020204" pitchFamily="34" charset="0"/>
+                <a:cs typeface="Arial" panose="020B0604020202020204" pitchFamily="34" charset="0"/>
+              </a:rPr>
+              <a:t> </a:t>
+            </a:r>
+            <a:r>
+              <a:rPr lang="en-US" sz="1600" dirty="0" err="1">
+                <a:latin typeface="Arial" panose="020B0604020202020204" pitchFamily="34" charset="0"/>
+                <a:cs typeface="Arial" panose="020B0604020202020204" pitchFamily="34" charset="0"/>
+              </a:rPr>
+              <a:t>pihak</a:t>
+            </a:r>
+            <a:r>
+              <a:rPr lang="en-US" sz="1600" dirty="0">
+                <a:latin typeface="Arial" panose="020B0604020202020204" pitchFamily="34" charset="0"/>
+                <a:cs typeface="Arial" panose="020B0604020202020204" pitchFamily="34" charset="0"/>
+              </a:rPr>
+              <a:t> </a:t>
+            </a:r>
+            <a:r>
+              <a:rPr lang="en-US" sz="1600" dirty="0" err="1">
+                <a:latin typeface="Arial" panose="020B0604020202020204" pitchFamily="34" charset="0"/>
+                <a:cs typeface="Arial" panose="020B0604020202020204" pitchFamily="34" charset="0"/>
+              </a:rPr>
+              <a:t>terkait</a:t>
+            </a:r>
+            <a:r>
+              <a:rPr lang="en-US" sz="1600" dirty="0">
+                <a:latin typeface="Arial" panose="020B0604020202020204" pitchFamily="34" charset="0"/>
+                <a:cs typeface="Arial" panose="020B0604020202020204" pitchFamily="34" charset="0"/>
+              </a:rPr>
+              <a:t> </a:t>
+            </a:r>
+            <a:r>
+              <a:rPr lang="en-US" sz="1600" dirty="0" err="1">
+                <a:latin typeface="Arial" panose="020B0604020202020204" pitchFamily="34" charset="0"/>
+                <a:cs typeface="Arial" panose="020B0604020202020204" pitchFamily="34" charset="0"/>
+              </a:rPr>
+              <a:t>mengenai</a:t>
+            </a:r>
+            <a:r>
+              <a:rPr lang="en-US" sz="1600" dirty="0">
+                <a:latin typeface="Arial" panose="020B0604020202020204" pitchFamily="34" charset="0"/>
+                <a:cs typeface="Arial" panose="020B0604020202020204" pitchFamily="34" charset="0"/>
+              </a:rPr>
+              <a:t> </a:t>
+            </a:r>
+            <a:r>
+              <a:rPr lang="en-US" sz="1600" dirty="0" err="1">
+                <a:latin typeface="Arial" panose="020B0604020202020204" pitchFamily="34" charset="0"/>
+                <a:cs typeface="Arial" panose="020B0604020202020204" pitchFamily="34" charset="0"/>
+              </a:rPr>
+              <a:t>kebutuhan</a:t>
+            </a:r>
+            <a:r>
+              <a:rPr lang="en-US" sz="1600" dirty="0">
+                <a:latin typeface="Arial" panose="020B0604020202020204" pitchFamily="34" charset="0"/>
+                <a:cs typeface="Arial" panose="020B0604020202020204" pitchFamily="34" charset="0"/>
+              </a:rPr>
+              <a:t> </a:t>
+            </a:r>
+            <a:r>
+              <a:rPr lang="en-US" sz="1600" dirty="0" err="1">
+                <a:latin typeface="Arial" panose="020B0604020202020204" pitchFamily="34" charset="0"/>
+                <a:cs typeface="Arial" panose="020B0604020202020204" pitchFamily="34" charset="0"/>
+              </a:rPr>
+              <a:t>sistem</a:t>
+            </a:r>
+            <a:r>
+              <a:rPr lang="en-US" sz="1600" dirty="0">
+                <a:latin typeface="Arial" panose="020B0604020202020204" pitchFamily="34" charset="0"/>
+                <a:cs typeface="Arial" panose="020B0604020202020204" pitchFamily="34" charset="0"/>
+              </a:rPr>
+              <a:t> </a:t>
+            </a:r>
+            <a:r>
+              <a:rPr lang="en-US" sz="1600" dirty="0" err="1">
+                <a:latin typeface="Arial" panose="020B0604020202020204" pitchFamily="34" charset="0"/>
+                <a:cs typeface="Arial" panose="020B0604020202020204" pitchFamily="34" charset="0"/>
+              </a:rPr>
+              <a:t>serta</a:t>
+            </a:r>
+            <a:r>
+              <a:rPr lang="en-US" sz="1600" dirty="0">
+                <a:latin typeface="Arial" panose="020B0604020202020204" pitchFamily="34" charset="0"/>
+                <a:cs typeface="Arial" panose="020B0604020202020204" pitchFamily="34" charset="0"/>
+              </a:rPr>
+              <a:t> </a:t>
+            </a:r>
+            <a:r>
+              <a:rPr lang="en-US" sz="1600" dirty="0" err="1">
+                <a:latin typeface="Arial" panose="020B0604020202020204" pitchFamily="34" charset="0"/>
+                <a:cs typeface="Arial" panose="020B0604020202020204" pitchFamily="34" charset="0"/>
+              </a:rPr>
+              <a:t>pengkajian</a:t>
+            </a:r>
+            <a:r>
+              <a:rPr lang="en-US" sz="1600" dirty="0">
+                <a:latin typeface="Arial" panose="020B0604020202020204" pitchFamily="34" charset="0"/>
+                <a:cs typeface="Arial" panose="020B0604020202020204" pitchFamily="34" charset="0"/>
+              </a:rPr>
+              <a:t> </a:t>
+            </a:r>
+            <a:r>
+              <a:rPr lang="en-US" sz="1600" dirty="0" err="1">
+                <a:latin typeface="Arial" panose="020B0604020202020204" pitchFamily="34" charset="0"/>
+                <a:cs typeface="Arial" panose="020B0604020202020204" pitchFamily="34" charset="0"/>
+              </a:rPr>
+              <a:t>penelitian</a:t>
+            </a:r>
+            <a:r>
+              <a:rPr lang="en-US" sz="1600" dirty="0">
+                <a:latin typeface="Arial" panose="020B0604020202020204" pitchFamily="34" charset="0"/>
+                <a:cs typeface="Arial" panose="020B0604020202020204" pitchFamily="34" charset="0"/>
+              </a:rPr>
+              <a:t> yang </a:t>
+            </a:r>
+            <a:r>
+              <a:rPr lang="en-US" sz="1600" dirty="0" err="1">
+                <a:latin typeface="Arial" panose="020B0604020202020204" pitchFamily="34" charset="0"/>
+                <a:cs typeface="Arial" panose="020B0604020202020204" pitchFamily="34" charset="0"/>
+              </a:rPr>
+              <a:t>berkorelasi</a:t>
+            </a:r>
+            <a:r>
+              <a:rPr lang="en-US" sz="1600" dirty="0">
+                <a:latin typeface="Arial" panose="020B0604020202020204" pitchFamily="34" charset="0"/>
+                <a:cs typeface="Arial" panose="020B0604020202020204" pitchFamily="34" charset="0"/>
+              </a:rPr>
+              <a:t> </a:t>
+            </a:r>
+            <a:r>
+              <a:rPr lang="en-US" sz="1600" dirty="0" err="1">
+                <a:latin typeface="Arial" panose="020B0604020202020204" pitchFamily="34" charset="0"/>
+                <a:cs typeface="Arial" panose="020B0604020202020204" pitchFamily="34" charset="0"/>
+              </a:rPr>
+              <a:t>dengan</a:t>
+            </a:r>
+            <a:r>
+              <a:rPr lang="en-US" sz="1600" dirty="0">
+                <a:latin typeface="Arial" panose="020B0604020202020204" pitchFamily="34" charset="0"/>
+                <a:cs typeface="Arial" panose="020B0604020202020204" pitchFamily="34" charset="0"/>
+              </a:rPr>
+              <a:t> </a:t>
+            </a:r>
+            <a:r>
+              <a:rPr lang="en-US" sz="1600" dirty="0" err="1">
+                <a:latin typeface="Arial" panose="020B0604020202020204" pitchFamily="34" charset="0"/>
+                <a:cs typeface="Arial" panose="020B0604020202020204" pitchFamily="34" charset="0"/>
+              </a:rPr>
+              <a:t>sistem</a:t>
+            </a:r>
+            <a:r>
+              <a:rPr lang="en-US" sz="1600" dirty="0">
+                <a:latin typeface="Arial" panose="020B0604020202020204" pitchFamily="34" charset="0"/>
+                <a:cs typeface="Arial" panose="020B0604020202020204" pitchFamily="34" charset="0"/>
+              </a:rPr>
+              <a:t> </a:t>
+            </a:r>
+            <a:r>
+              <a:rPr lang="en-US" sz="1600" dirty="0" err="1">
+                <a:latin typeface="Arial" panose="020B0604020202020204" pitchFamily="34" charset="0"/>
+                <a:cs typeface="Arial" panose="020B0604020202020204" pitchFamily="34" charset="0"/>
+              </a:rPr>
+              <a:t>presensi</a:t>
+            </a:r>
+            <a:endParaRPr lang="en-ID" sz="1600" dirty="0">
+              <a:latin typeface="Arial" panose="020B0604020202020204" pitchFamily="34" charset="0"/>
+              <a:cs typeface="Arial" panose="020B0604020202020204" pitchFamily="34" charset="0"/>
+            </a:endParaRPr>
+          </a:p>
+        </p:txBody>
+      </p:sp>
+      <p:cxnSp>
+        <p:nvCxnSpPr>
+          <p:cNvPr id="43" name="Straight Connector 42">
+            <a:extLst>
+              <a:ext uri="{FF2B5EF4-FFF2-40B4-BE49-F238E27FC236}">
+                <a16:creationId xmlns:a16="http://schemas.microsoft.com/office/drawing/2014/main" id="{6FB93382-4E75-F5E2-1EB2-60088274ADB0}"/>
+              </a:ext>
+            </a:extLst>
+          </p:cNvPr>
+          <p:cNvCxnSpPr>
+            <a:cxnSpLocks/>
+          </p:cNvCxnSpPr>
+          <p:nvPr/>
+        </p:nvCxnSpPr>
+        <p:spPr>
+          <a:xfrm>
+            <a:off x="2500303" y="3582888"/>
+            <a:ext cx="0" cy="2463348"/>
+          </a:xfrm>
+          <a:prstGeom prst="line">
+            <a:avLst/>
+          </a:prstGeom>
+        </p:spPr>
+        <p:style>
+          <a:lnRef idx="3">
+            <a:schemeClr val="dk1"/>
+          </a:lnRef>
+          <a:fillRef idx="0">
+            <a:schemeClr val="dk1"/>
+          </a:fillRef>
+          <a:effectRef idx="2">
+            <a:schemeClr val="dk1"/>
+          </a:effectRef>
+          <a:fontRef idx="minor">
+            <a:schemeClr val="tx1"/>
+          </a:fontRef>
+        </p:style>
+      </p:cxnSp>
+      <p:sp>
+        <p:nvSpPr>
+          <p:cNvPr id="44" name="TextBox 43">
+            <a:extLst>
+              <a:ext uri="{FF2B5EF4-FFF2-40B4-BE49-F238E27FC236}">
+                <a16:creationId xmlns:a16="http://schemas.microsoft.com/office/drawing/2014/main" id="{3C08DEC4-03EE-4AF3-8E05-D76C2B009438}"/>
+              </a:ext>
+            </a:extLst>
+          </p:cNvPr>
+          <p:cNvSpPr txBox="1"/>
+          <p:nvPr/>
+        </p:nvSpPr>
+        <p:spPr>
+          <a:xfrm>
+            <a:off x="899499" y="3730193"/>
+            <a:ext cx="1173837" cy="307777"/>
+          </a:xfrm>
+          <a:prstGeom prst="rect">
+            <a:avLst/>
+          </a:prstGeom>
+          <a:noFill/>
+        </p:spPr>
+        <p:txBody>
+          <a:bodyPr wrap="square">
+            <a:spAutoFit/>
+          </a:bodyPr>
+          <a:lstStyle/>
+          <a:p>
+            <a:pPr algn="ctr"/>
+            <a:r>
+              <a:rPr lang="en-US" sz="1400" b="1" dirty="0">
+                <a:solidFill>
+                  <a:schemeClr val="bg2">
+                    <a:lumMod val="75000"/>
+                  </a:schemeClr>
+                </a:solidFill>
+                <a:latin typeface="Arial" panose="020B0604020202020204" pitchFamily="34" charset="0"/>
+                <a:cs typeface="Arial" panose="020B0604020202020204" pitchFamily="34" charset="0"/>
+              </a:rPr>
+              <a:t>PLANNING</a:t>
+            </a:r>
+            <a:endParaRPr lang="en-ID" sz="1400" b="1" dirty="0">
+              <a:solidFill>
+                <a:schemeClr val="bg2">
+                  <a:lumMod val="75000"/>
+                </a:schemeClr>
+              </a:solidFill>
+              <a:latin typeface="Arial" panose="020B0604020202020204" pitchFamily="34" charset="0"/>
+              <a:cs typeface="Arial" panose="020B0604020202020204" pitchFamily="34" charset="0"/>
+            </a:endParaRPr>
+          </a:p>
+        </p:txBody>
+      </p:sp>
+      <p:sp>
+        <p:nvSpPr>
+          <p:cNvPr id="45" name="TextBox 44">
+            <a:extLst>
+              <a:ext uri="{FF2B5EF4-FFF2-40B4-BE49-F238E27FC236}">
+                <a16:creationId xmlns:a16="http://schemas.microsoft.com/office/drawing/2014/main" id="{3D80088C-527C-DF3B-8E00-DAABE2D82681}"/>
+              </a:ext>
+            </a:extLst>
+          </p:cNvPr>
+          <p:cNvSpPr txBox="1"/>
+          <p:nvPr/>
+        </p:nvSpPr>
+        <p:spPr>
+          <a:xfrm>
+            <a:off x="2587384" y="4029732"/>
+            <a:ext cx="2121100" cy="1815882"/>
+          </a:xfrm>
+          <a:prstGeom prst="rect">
+            <a:avLst/>
+          </a:prstGeom>
+          <a:noFill/>
+        </p:spPr>
+        <p:txBody>
+          <a:bodyPr wrap="square" rtlCol="0">
+            <a:spAutoFit/>
+          </a:bodyPr>
+          <a:lstStyle/>
+          <a:p>
+            <a:r>
+              <a:rPr lang="en-US" sz="1600" dirty="0">
+                <a:latin typeface="Arial" panose="020B0604020202020204" pitchFamily="34" charset="0"/>
+                <a:cs typeface="Arial" panose="020B0604020202020204" pitchFamily="34" charset="0"/>
+              </a:rPr>
+              <a:t>Analisa </a:t>
+            </a:r>
+            <a:r>
+              <a:rPr lang="en-US" sz="1600" dirty="0" err="1">
+                <a:latin typeface="Arial" panose="020B0604020202020204" pitchFamily="34" charset="0"/>
+                <a:cs typeface="Arial" panose="020B0604020202020204" pitchFamily="34" charset="0"/>
+              </a:rPr>
+              <a:t>dilakukan</a:t>
+            </a:r>
+            <a:r>
+              <a:rPr lang="en-US" sz="1600" dirty="0">
+                <a:latin typeface="Arial" panose="020B0604020202020204" pitchFamily="34" charset="0"/>
+                <a:cs typeface="Arial" panose="020B0604020202020204" pitchFamily="34" charset="0"/>
+              </a:rPr>
+              <a:t> </a:t>
+            </a:r>
+            <a:r>
+              <a:rPr lang="en-US" sz="1600" dirty="0" err="1">
+                <a:latin typeface="Arial" panose="020B0604020202020204" pitchFamily="34" charset="0"/>
+                <a:cs typeface="Arial" panose="020B0604020202020204" pitchFamily="34" charset="0"/>
+              </a:rPr>
+              <a:t>dengan</a:t>
+            </a:r>
+            <a:r>
+              <a:rPr lang="en-US" sz="1600" dirty="0">
+                <a:latin typeface="Arial" panose="020B0604020202020204" pitchFamily="34" charset="0"/>
+                <a:cs typeface="Arial" panose="020B0604020202020204" pitchFamily="34" charset="0"/>
+              </a:rPr>
+              <a:t> </a:t>
+            </a:r>
+            <a:r>
+              <a:rPr lang="en-US" sz="1600" dirty="0" err="1">
+                <a:latin typeface="Arial" panose="020B0604020202020204" pitchFamily="34" charset="0"/>
+                <a:cs typeface="Arial" panose="020B0604020202020204" pitchFamily="34" charset="0"/>
+              </a:rPr>
+              <a:t>meninjau</a:t>
+            </a:r>
+            <a:r>
+              <a:rPr lang="en-US" sz="1600" dirty="0">
+                <a:latin typeface="Arial" panose="020B0604020202020204" pitchFamily="34" charset="0"/>
+                <a:cs typeface="Arial" panose="020B0604020202020204" pitchFamily="34" charset="0"/>
+              </a:rPr>
+              <a:t> </a:t>
+            </a:r>
+            <a:r>
+              <a:rPr lang="en-US" sz="1600" dirty="0" err="1">
+                <a:latin typeface="Arial" panose="020B0604020202020204" pitchFamily="34" charset="0"/>
+                <a:cs typeface="Arial" panose="020B0604020202020204" pitchFamily="34" charset="0"/>
+              </a:rPr>
+              <a:t>kebutuhan</a:t>
+            </a:r>
+            <a:r>
+              <a:rPr lang="en-US" sz="1600" dirty="0">
+                <a:latin typeface="Arial" panose="020B0604020202020204" pitchFamily="34" charset="0"/>
+                <a:cs typeface="Arial" panose="020B0604020202020204" pitchFamily="34" charset="0"/>
+              </a:rPr>
+              <a:t> </a:t>
+            </a:r>
+            <a:r>
+              <a:rPr lang="en-US" sz="1600" dirty="0" err="1">
+                <a:latin typeface="Arial" panose="020B0604020202020204" pitchFamily="34" charset="0"/>
+                <a:cs typeface="Arial" panose="020B0604020202020204" pitchFamily="34" charset="0"/>
+              </a:rPr>
+              <a:t>perangkat</a:t>
+            </a:r>
+            <a:r>
+              <a:rPr lang="en-US" sz="1600" dirty="0">
+                <a:latin typeface="Arial" panose="020B0604020202020204" pitchFamily="34" charset="0"/>
+                <a:cs typeface="Arial" panose="020B0604020202020204" pitchFamily="34" charset="0"/>
+              </a:rPr>
+              <a:t> </a:t>
+            </a:r>
+            <a:r>
+              <a:rPr lang="en-US" sz="1600" dirty="0" err="1">
+                <a:latin typeface="Arial" panose="020B0604020202020204" pitchFamily="34" charset="0"/>
+                <a:cs typeface="Arial" panose="020B0604020202020204" pitchFamily="34" charset="0"/>
+              </a:rPr>
+              <a:t>lunak</a:t>
+            </a:r>
+            <a:r>
+              <a:rPr lang="en-US" sz="1600" dirty="0">
+                <a:latin typeface="Arial" panose="020B0604020202020204" pitchFamily="34" charset="0"/>
+                <a:cs typeface="Arial" panose="020B0604020202020204" pitchFamily="34" charset="0"/>
+              </a:rPr>
+              <a:t> dan </a:t>
+            </a:r>
+            <a:r>
+              <a:rPr lang="en-US" sz="1600" dirty="0" err="1">
+                <a:latin typeface="Arial" panose="020B0604020202020204" pitchFamily="34" charset="0"/>
+                <a:cs typeface="Arial" panose="020B0604020202020204" pitchFamily="34" charset="0"/>
+              </a:rPr>
+              <a:t>perangkat</a:t>
+            </a:r>
+            <a:r>
+              <a:rPr lang="en-US" sz="1600" dirty="0">
+                <a:latin typeface="Arial" panose="020B0604020202020204" pitchFamily="34" charset="0"/>
+                <a:cs typeface="Arial" panose="020B0604020202020204" pitchFamily="34" charset="0"/>
+              </a:rPr>
+              <a:t> </a:t>
+            </a:r>
+            <a:r>
+              <a:rPr lang="en-US" sz="1600" dirty="0" err="1">
+                <a:latin typeface="Arial" panose="020B0604020202020204" pitchFamily="34" charset="0"/>
+                <a:cs typeface="Arial" panose="020B0604020202020204" pitchFamily="34" charset="0"/>
+              </a:rPr>
+              <a:t>keras</a:t>
+            </a:r>
+            <a:r>
+              <a:rPr lang="en-US" sz="1600" dirty="0">
+                <a:latin typeface="Arial" panose="020B0604020202020204" pitchFamily="34" charset="0"/>
+                <a:cs typeface="Arial" panose="020B0604020202020204" pitchFamily="34" charset="0"/>
+              </a:rPr>
+              <a:t> </a:t>
+            </a:r>
+            <a:r>
+              <a:rPr lang="en-US" sz="1600" dirty="0" err="1">
+                <a:latin typeface="Arial" panose="020B0604020202020204" pitchFamily="34" charset="0"/>
+                <a:cs typeface="Arial" panose="020B0604020202020204" pitchFamily="34" charset="0"/>
+              </a:rPr>
+              <a:t>pendukung</a:t>
+            </a:r>
+            <a:r>
+              <a:rPr lang="en-US" sz="1600" dirty="0">
+                <a:latin typeface="Arial" panose="020B0604020202020204" pitchFamily="34" charset="0"/>
+                <a:cs typeface="Arial" panose="020B0604020202020204" pitchFamily="34" charset="0"/>
+              </a:rPr>
+              <a:t> </a:t>
+            </a:r>
+            <a:r>
+              <a:rPr lang="en-US" sz="1600" dirty="0" err="1">
+                <a:latin typeface="Arial" panose="020B0604020202020204" pitchFamily="34" charset="0"/>
+                <a:cs typeface="Arial" panose="020B0604020202020204" pitchFamily="34" charset="0"/>
+              </a:rPr>
+              <a:t>pengembangan</a:t>
+            </a:r>
+            <a:r>
+              <a:rPr lang="en-US" sz="1600" dirty="0">
+                <a:latin typeface="Arial" panose="020B0604020202020204" pitchFamily="34" charset="0"/>
+                <a:cs typeface="Arial" panose="020B0604020202020204" pitchFamily="34" charset="0"/>
+              </a:rPr>
+              <a:t> </a:t>
+            </a:r>
+            <a:r>
+              <a:rPr lang="en-US" sz="1600" dirty="0" err="1">
+                <a:latin typeface="Arial" panose="020B0604020202020204" pitchFamily="34" charset="0"/>
+                <a:cs typeface="Arial" panose="020B0604020202020204" pitchFamily="34" charset="0"/>
+              </a:rPr>
+              <a:t>aplikasi</a:t>
+            </a:r>
+            <a:endParaRPr lang="en-ID" sz="1600" dirty="0">
+              <a:latin typeface="Arial" panose="020B0604020202020204" pitchFamily="34" charset="0"/>
+              <a:cs typeface="Arial" panose="020B0604020202020204" pitchFamily="34" charset="0"/>
+            </a:endParaRPr>
+          </a:p>
+        </p:txBody>
+      </p:sp>
+      <p:sp>
+        <p:nvSpPr>
+          <p:cNvPr id="46" name="TextBox 45">
+            <a:extLst>
+              <a:ext uri="{FF2B5EF4-FFF2-40B4-BE49-F238E27FC236}">
+                <a16:creationId xmlns:a16="http://schemas.microsoft.com/office/drawing/2014/main" id="{CB8232A4-5D33-4F87-377E-AC242283DFA6}"/>
+              </a:ext>
+            </a:extLst>
+          </p:cNvPr>
+          <p:cNvSpPr txBox="1"/>
+          <p:nvPr/>
+        </p:nvSpPr>
+        <p:spPr>
+          <a:xfrm>
+            <a:off x="3146972" y="3721955"/>
+            <a:ext cx="1095896" cy="307777"/>
+          </a:xfrm>
+          <a:prstGeom prst="rect">
+            <a:avLst/>
+          </a:prstGeom>
+          <a:noFill/>
+        </p:spPr>
+        <p:txBody>
+          <a:bodyPr wrap="square">
+            <a:spAutoFit/>
+          </a:bodyPr>
+          <a:lstStyle/>
+          <a:p>
+            <a:pPr algn="ctr"/>
+            <a:r>
+              <a:rPr lang="en-US" sz="1400" b="1" dirty="0">
+                <a:solidFill>
+                  <a:schemeClr val="bg2">
+                    <a:lumMod val="75000"/>
+                  </a:schemeClr>
+                </a:solidFill>
+                <a:latin typeface="Arial" panose="020B0604020202020204" pitchFamily="34" charset="0"/>
+                <a:cs typeface="Arial" panose="020B0604020202020204" pitchFamily="34" charset="0"/>
+              </a:rPr>
+              <a:t>ANALYSIS</a:t>
+            </a:r>
+            <a:endParaRPr lang="en-ID" sz="1400" b="1" dirty="0">
+              <a:solidFill>
+                <a:schemeClr val="bg2">
+                  <a:lumMod val="75000"/>
+                </a:schemeClr>
+              </a:solidFill>
+              <a:latin typeface="Arial" panose="020B0604020202020204" pitchFamily="34" charset="0"/>
+              <a:cs typeface="Arial" panose="020B0604020202020204" pitchFamily="34" charset="0"/>
+            </a:endParaRPr>
+          </a:p>
+        </p:txBody>
+      </p:sp>
+      <p:cxnSp>
+        <p:nvCxnSpPr>
+          <p:cNvPr id="47" name="Straight Connector 46">
+            <a:extLst>
+              <a:ext uri="{FF2B5EF4-FFF2-40B4-BE49-F238E27FC236}">
+                <a16:creationId xmlns:a16="http://schemas.microsoft.com/office/drawing/2014/main" id="{8DF98A42-53EB-EA35-880E-F75EDDDD102F}"/>
+              </a:ext>
+            </a:extLst>
+          </p:cNvPr>
+          <p:cNvCxnSpPr>
+            <a:cxnSpLocks/>
+          </p:cNvCxnSpPr>
+          <p:nvPr/>
+        </p:nvCxnSpPr>
+        <p:spPr>
+          <a:xfrm>
+            <a:off x="4826886" y="3721955"/>
+            <a:ext cx="0" cy="2463348"/>
+          </a:xfrm>
+          <a:prstGeom prst="line">
+            <a:avLst/>
+          </a:prstGeom>
+        </p:spPr>
+        <p:style>
+          <a:lnRef idx="3">
+            <a:schemeClr val="dk1"/>
+          </a:lnRef>
+          <a:fillRef idx="0">
+            <a:schemeClr val="dk1"/>
+          </a:fillRef>
+          <a:effectRef idx="2">
+            <a:schemeClr val="dk1"/>
+          </a:effectRef>
+          <a:fontRef idx="minor">
+            <a:schemeClr val="tx1"/>
+          </a:fontRef>
+        </p:style>
+      </p:cxnSp>
+      <p:sp>
+        <p:nvSpPr>
+          <p:cNvPr id="48" name="TextBox 47">
+            <a:extLst>
+              <a:ext uri="{FF2B5EF4-FFF2-40B4-BE49-F238E27FC236}">
+                <a16:creationId xmlns:a16="http://schemas.microsoft.com/office/drawing/2014/main" id="{94523511-3482-8FAC-26ED-313A2C63D2C9}"/>
+              </a:ext>
+            </a:extLst>
+          </p:cNvPr>
+          <p:cNvSpPr txBox="1"/>
+          <p:nvPr/>
+        </p:nvSpPr>
+        <p:spPr>
+          <a:xfrm>
+            <a:off x="4945289" y="4029732"/>
+            <a:ext cx="2121100" cy="1569660"/>
+          </a:xfrm>
+          <a:prstGeom prst="rect">
+            <a:avLst/>
+          </a:prstGeom>
+          <a:noFill/>
+        </p:spPr>
+        <p:txBody>
+          <a:bodyPr wrap="square" rtlCol="0">
+            <a:spAutoFit/>
+          </a:bodyPr>
+          <a:lstStyle/>
+          <a:p>
+            <a:r>
+              <a:rPr lang="en-US" sz="1600" dirty="0" err="1">
+                <a:latin typeface="Arial" panose="020B0604020202020204" pitchFamily="34" charset="0"/>
+                <a:cs typeface="Arial" panose="020B0604020202020204" pitchFamily="34" charset="0"/>
+              </a:rPr>
+              <a:t>Tahapan</a:t>
+            </a:r>
+            <a:r>
+              <a:rPr lang="en-US" sz="1600" dirty="0">
+                <a:latin typeface="Arial" panose="020B0604020202020204" pitchFamily="34" charset="0"/>
+                <a:cs typeface="Arial" panose="020B0604020202020204" pitchFamily="34" charset="0"/>
+              </a:rPr>
+              <a:t> </a:t>
+            </a:r>
+            <a:r>
+              <a:rPr lang="en-US" sz="1600" dirty="0" err="1">
+                <a:latin typeface="Arial" panose="020B0604020202020204" pitchFamily="34" charset="0"/>
+                <a:cs typeface="Arial" panose="020B0604020202020204" pitchFamily="34" charset="0"/>
+              </a:rPr>
+              <a:t>desain</a:t>
+            </a:r>
+            <a:r>
+              <a:rPr lang="en-US" sz="1600" dirty="0">
+                <a:latin typeface="Arial" panose="020B0604020202020204" pitchFamily="34" charset="0"/>
+                <a:cs typeface="Arial" panose="020B0604020202020204" pitchFamily="34" charset="0"/>
+              </a:rPr>
+              <a:t> wireframe, </a:t>
+            </a:r>
+            <a:r>
+              <a:rPr lang="en-US" sz="1600" dirty="0" err="1">
+                <a:latin typeface="Arial" panose="020B0604020202020204" pitchFamily="34" charset="0"/>
+                <a:cs typeface="Arial" panose="020B0604020202020204" pitchFamily="34" charset="0"/>
+              </a:rPr>
+              <a:t>ui</a:t>
+            </a:r>
+            <a:r>
+              <a:rPr lang="en-US" sz="1600" dirty="0">
+                <a:latin typeface="Arial" panose="020B0604020202020204" pitchFamily="34" charset="0"/>
+                <a:cs typeface="Arial" panose="020B0604020202020204" pitchFamily="34" charset="0"/>
+              </a:rPr>
+              <a:t> </a:t>
+            </a:r>
+            <a:r>
+              <a:rPr lang="en-US" sz="1600" dirty="0" err="1">
+                <a:latin typeface="Arial" panose="020B0604020202020204" pitchFamily="34" charset="0"/>
+                <a:cs typeface="Arial" panose="020B0604020202020204" pitchFamily="34" charset="0"/>
+              </a:rPr>
+              <a:t>aplikasi</a:t>
+            </a:r>
+            <a:r>
+              <a:rPr lang="en-US" sz="1600" dirty="0">
+                <a:latin typeface="Arial" panose="020B0604020202020204" pitchFamily="34" charset="0"/>
+                <a:cs typeface="Arial" panose="020B0604020202020204" pitchFamily="34" charset="0"/>
+              </a:rPr>
+              <a:t>, database </a:t>
+            </a:r>
+            <a:r>
+              <a:rPr lang="en-US" sz="1600" dirty="0" err="1">
+                <a:latin typeface="Arial" panose="020B0604020202020204" pitchFamily="34" charset="0"/>
+                <a:cs typeface="Arial" panose="020B0604020202020204" pitchFamily="34" charset="0"/>
+              </a:rPr>
+              <a:t>serta</a:t>
+            </a:r>
+            <a:r>
+              <a:rPr lang="en-US" sz="1600" dirty="0">
+                <a:latin typeface="Arial" panose="020B0604020202020204" pitchFamily="34" charset="0"/>
+                <a:cs typeface="Arial" panose="020B0604020202020204" pitchFamily="34" charset="0"/>
+              </a:rPr>
+              <a:t> diagram </a:t>
+            </a:r>
+            <a:r>
+              <a:rPr lang="en-US" sz="1600" dirty="0" err="1">
+                <a:latin typeface="Arial" panose="020B0604020202020204" pitchFamily="34" charset="0"/>
+                <a:cs typeface="Arial" panose="020B0604020202020204" pitchFamily="34" charset="0"/>
+              </a:rPr>
+              <a:t>pengembangan</a:t>
+            </a:r>
+            <a:r>
+              <a:rPr lang="en-US" sz="1600" dirty="0">
+                <a:latin typeface="Arial" panose="020B0604020202020204" pitchFamily="34" charset="0"/>
+                <a:cs typeface="Arial" panose="020B0604020202020204" pitchFamily="34" charset="0"/>
+              </a:rPr>
+              <a:t> </a:t>
+            </a:r>
+            <a:r>
+              <a:rPr lang="en-US" sz="1600" dirty="0" err="1">
+                <a:latin typeface="Arial" panose="020B0604020202020204" pitchFamily="34" charset="0"/>
+                <a:cs typeface="Arial" panose="020B0604020202020204" pitchFamily="34" charset="0"/>
+              </a:rPr>
+              <a:t>perangkat</a:t>
+            </a:r>
+            <a:r>
+              <a:rPr lang="en-US" sz="1600" dirty="0">
+                <a:latin typeface="Arial" panose="020B0604020202020204" pitchFamily="34" charset="0"/>
+                <a:cs typeface="Arial" panose="020B0604020202020204" pitchFamily="34" charset="0"/>
+              </a:rPr>
+              <a:t> </a:t>
+            </a:r>
+            <a:r>
+              <a:rPr lang="en-US" sz="1600" dirty="0" err="1">
+                <a:latin typeface="Arial" panose="020B0604020202020204" pitchFamily="34" charset="0"/>
+                <a:cs typeface="Arial" panose="020B0604020202020204" pitchFamily="34" charset="0"/>
+              </a:rPr>
+              <a:t>lunak</a:t>
+            </a:r>
+            <a:endParaRPr lang="en-ID" sz="1600" dirty="0">
+              <a:latin typeface="Arial" panose="020B0604020202020204" pitchFamily="34" charset="0"/>
+              <a:cs typeface="Arial" panose="020B0604020202020204" pitchFamily="34" charset="0"/>
+            </a:endParaRPr>
+          </a:p>
+        </p:txBody>
+      </p:sp>
+      <p:sp>
+        <p:nvSpPr>
+          <p:cNvPr id="49" name="TextBox 48">
+            <a:extLst>
+              <a:ext uri="{FF2B5EF4-FFF2-40B4-BE49-F238E27FC236}">
+                <a16:creationId xmlns:a16="http://schemas.microsoft.com/office/drawing/2014/main" id="{DF1C3196-5EF1-D243-9771-CEE5B6FD4DA3}"/>
+              </a:ext>
+            </a:extLst>
+          </p:cNvPr>
+          <p:cNvSpPr txBox="1"/>
+          <p:nvPr/>
+        </p:nvSpPr>
+        <p:spPr>
+          <a:xfrm>
+            <a:off x="5566000" y="3721955"/>
+            <a:ext cx="923456" cy="307777"/>
+          </a:xfrm>
+          <a:prstGeom prst="rect">
+            <a:avLst/>
+          </a:prstGeom>
+          <a:noFill/>
+        </p:spPr>
+        <p:txBody>
+          <a:bodyPr wrap="square">
+            <a:spAutoFit/>
+          </a:bodyPr>
+          <a:lstStyle/>
+          <a:p>
+            <a:pPr algn="ctr"/>
+            <a:r>
+              <a:rPr lang="en-US" sz="1400" b="1" dirty="0">
+                <a:solidFill>
+                  <a:schemeClr val="bg2">
+                    <a:lumMod val="75000"/>
+                  </a:schemeClr>
+                </a:solidFill>
+                <a:latin typeface="Arial" panose="020B0604020202020204" pitchFamily="34" charset="0"/>
+                <a:cs typeface="Arial" panose="020B0604020202020204" pitchFamily="34" charset="0"/>
+              </a:rPr>
+              <a:t>DESIGN </a:t>
+            </a:r>
+            <a:endParaRPr lang="en-ID" sz="1400" b="1" dirty="0">
+              <a:solidFill>
+                <a:schemeClr val="bg2">
+                  <a:lumMod val="75000"/>
+                </a:schemeClr>
+              </a:solidFill>
+              <a:latin typeface="Arial" panose="020B0604020202020204" pitchFamily="34" charset="0"/>
+              <a:cs typeface="Arial" panose="020B0604020202020204" pitchFamily="34" charset="0"/>
+            </a:endParaRPr>
+          </a:p>
+        </p:txBody>
+      </p:sp>
+      <p:cxnSp>
+        <p:nvCxnSpPr>
+          <p:cNvPr id="50" name="Straight Connector 49">
+            <a:extLst>
+              <a:ext uri="{FF2B5EF4-FFF2-40B4-BE49-F238E27FC236}">
+                <a16:creationId xmlns:a16="http://schemas.microsoft.com/office/drawing/2014/main" id="{0DF4998D-8C14-87F9-506E-D91878CB7420}"/>
+              </a:ext>
+            </a:extLst>
+          </p:cNvPr>
+          <p:cNvCxnSpPr>
+            <a:cxnSpLocks/>
+          </p:cNvCxnSpPr>
+          <p:nvPr/>
+        </p:nvCxnSpPr>
+        <p:spPr>
+          <a:xfrm>
+            <a:off x="7168585" y="3790582"/>
+            <a:ext cx="0" cy="2463348"/>
+          </a:xfrm>
+          <a:prstGeom prst="line">
+            <a:avLst/>
+          </a:prstGeom>
+        </p:spPr>
+        <p:style>
+          <a:lnRef idx="3">
+            <a:schemeClr val="dk1"/>
+          </a:lnRef>
+          <a:fillRef idx="0">
+            <a:schemeClr val="dk1"/>
+          </a:fillRef>
+          <a:effectRef idx="2">
+            <a:schemeClr val="dk1"/>
+          </a:effectRef>
+          <a:fontRef idx="minor">
+            <a:schemeClr val="tx1"/>
+          </a:fontRef>
+        </p:style>
+      </p:cxnSp>
+      <p:sp>
+        <p:nvSpPr>
+          <p:cNvPr id="51" name="TextBox 50">
+            <a:extLst>
+              <a:ext uri="{FF2B5EF4-FFF2-40B4-BE49-F238E27FC236}">
+                <a16:creationId xmlns:a16="http://schemas.microsoft.com/office/drawing/2014/main" id="{7158E134-F9F0-B2E2-BD1D-06C0EA46F873}"/>
+              </a:ext>
+            </a:extLst>
+          </p:cNvPr>
+          <p:cNvSpPr txBox="1"/>
+          <p:nvPr/>
+        </p:nvSpPr>
+        <p:spPr>
+          <a:xfrm>
+            <a:off x="7286988" y="4098359"/>
+            <a:ext cx="2121100" cy="1569660"/>
+          </a:xfrm>
+          <a:prstGeom prst="rect">
+            <a:avLst/>
+          </a:prstGeom>
+          <a:noFill/>
+        </p:spPr>
+        <p:txBody>
+          <a:bodyPr wrap="square" rtlCol="0">
+            <a:spAutoFit/>
+          </a:bodyPr>
+          <a:lstStyle/>
+          <a:p>
+            <a:r>
+              <a:rPr lang="en-US" sz="1600" dirty="0" err="1">
+                <a:latin typeface="Arial" panose="020B0604020202020204" pitchFamily="34" charset="0"/>
+                <a:cs typeface="Arial" panose="020B0604020202020204" pitchFamily="34" charset="0"/>
+              </a:rPr>
+              <a:t>Merupakan</a:t>
+            </a:r>
+            <a:r>
+              <a:rPr lang="en-US" sz="1600" dirty="0">
+                <a:latin typeface="Arial" panose="020B0604020202020204" pitchFamily="34" charset="0"/>
+                <a:cs typeface="Arial" panose="020B0604020202020204" pitchFamily="34" charset="0"/>
+              </a:rPr>
+              <a:t> </a:t>
+            </a:r>
+            <a:r>
+              <a:rPr lang="en-US" sz="1600" dirty="0" err="1">
+                <a:latin typeface="Arial" panose="020B0604020202020204" pitchFamily="34" charset="0"/>
+                <a:cs typeface="Arial" panose="020B0604020202020204" pitchFamily="34" charset="0"/>
+              </a:rPr>
+              <a:t>tahapan</a:t>
+            </a:r>
+            <a:r>
+              <a:rPr lang="en-US" sz="1600" dirty="0">
+                <a:latin typeface="Arial" panose="020B0604020202020204" pitchFamily="34" charset="0"/>
+                <a:cs typeface="Arial" panose="020B0604020202020204" pitchFamily="34" charset="0"/>
+              </a:rPr>
+              <a:t> </a:t>
+            </a:r>
+            <a:r>
+              <a:rPr lang="en-US" sz="1600" dirty="0" err="1">
+                <a:latin typeface="Arial" panose="020B0604020202020204" pitchFamily="34" charset="0"/>
+                <a:cs typeface="Arial" panose="020B0604020202020204" pitchFamily="34" charset="0"/>
+              </a:rPr>
+              <a:t>pembuatan</a:t>
+            </a:r>
+            <a:r>
+              <a:rPr lang="en-US" sz="1600" dirty="0">
+                <a:latin typeface="Arial" panose="020B0604020202020204" pitchFamily="34" charset="0"/>
+                <a:cs typeface="Arial" panose="020B0604020202020204" pitchFamily="34" charset="0"/>
+              </a:rPr>
+              <a:t> </a:t>
+            </a:r>
+            <a:r>
+              <a:rPr lang="en-US" sz="1600" dirty="0" err="1">
+                <a:latin typeface="Arial" panose="020B0604020202020204" pitchFamily="34" charset="0"/>
+                <a:cs typeface="Arial" panose="020B0604020202020204" pitchFamily="34" charset="0"/>
+              </a:rPr>
+              <a:t>sistem</a:t>
+            </a:r>
+            <a:r>
+              <a:rPr lang="en-US" sz="1600" dirty="0">
+                <a:latin typeface="Arial" panose="020B0604020202020204" pitchFamily="34" charset="0"/>
+                <a:cs typeface="Arial" panose="020B0604020202020204" pitchFamily="34" charset="0"/>
+              </a:rPr>
+              <a:t> </a:t>
+            </a:r>
+            <a:r>
+              <a:rPr lang="en-US" sz="1600" dirty="0" err="1">
+                <a:latin typeface="Arial" panose="020B0604020202020204" pitchFamily="34" charset="0"/>
+                <a:cs typeface="Arial" panose="020B0604020202020204" pitchFamily="34" charset="0"/>
+              </a:rPr>
+              <a:t>aplikasi</a:t>
+            </a:r>
+            <a:r>
+              <a:rPr lang="en-US" sz="1600" dirty="0">
+                <a:latin typeface="Arial" panose="020B0604020202020204" pitchFamily="34" charset="0"/>
+                <a:cs typeface="Arial" panose="020B0604020202020204" pitchFamily="34" charset="0"/>
+              </a:rPr>
+              <a:t> </a:t>
+            </a:r>
+            <a:r>
+              <a:rPr lang="en-US" sz="1600" dirty="0" err="1">
+                <a:latin typeface="Arial" panose="020B0604020202020204" pitchFamily="34" charset="0"/>
+                <a:cs typeface="Arial" panose="020B0604020202020204" pitchFamily="34" charset="0"/>
+              </a:rPr>
+              <a:t>dengan</a:t>
+            </a:r>
+            <a:r>
+              <a:rPr lang="en-US" sz="1600" dirty="0">
+                <a:latin typeface="Arial" panose="020B0604020202020204" pitchFamily="34" charset="0"/>
+                <a:cs typeface="Arial" panose="020B0604020202020204" pitchFamily="34" charset="0"/>
+              </a:rPr>
+              <a:t> </a:t>
+            </a:r>
+            <a:r>
+              <a:rPr lang="en-US" sz="1600" dirty="0" err="1">
+                <a:latin typeface="Arial" panose="020B0604020202020204" pitchFamily="34" charset="0"/>
+                <a:cs typeface="Arial" panose="020B0604020202020204" pitchFamily="34" charset="0"/>
+              </a:rPr>
+              <a:t>menggunakan</a:t>
+            </a:r>
+            <a:r>
+              <a:rPr lang="en-US" sz="1600" dirty="0">
+                <a:latin typeface="Arial" panose="020B0604020202020204" pitchFamily="34" charset="0"/>
+                <a:cs typeface="Arial" panose="020B0604020202020204" pitchFamily="34" charset="0"/>
+              </a:rPr>
+              <a:t> android studio dan </a:t>
+            </a:r>
+            <a:r>
+              <a:rPr lang="en-US" sz="1600" dirty="0" err="1">
+                <a:latin typeface="Arial" panose="020B0604020202020204" pitchFamily="34" charset="0"/>
+                <a:cs typeface="Arial" panose="020B0604020202020204" pitchFamily="34" charset="0"/>
+              </a:rPr>
+              <a:t>kotlin</a:t>
+            </a:r>
+            <a:endParaRPr lang="en-ID" sz="1600" dirty="0">
+              <a:latin typeface="Arial" panose="020B0604020202020204" pitchFamily="34" charset="0"/>
+              <a:cs typeface="Arial" panose="020B0604020202020204" pitchFamily="34" charset="0"/>
+            </a:endParaRPr>
+          </a:p>
+        </p:txBody>
+      </p:sp>
+      <p:sp>
+        <p:nvSpPr>
+          <p:cNvPr id="52" name="TextBox 51">
+            <a:extLst>
+              <a:ext uri="{FF2B5EF4-FFF2-40B4-BE49-F238E27FC236}">
+                <a16:creationId xmlns:a16="http://schemas.microsoft.com/office/drawing/2014/main" id="{7F33FD93-FBE7-5C60-1718-5CDF89A72BD7}"/>
+              </a:ext>
+            </a:extLst>
+          </p:cNvPr>
+          <p:cNvSpPr txBox="1"/>
+          <p:nvPr/>
+        </p:nvSpPr>
+        <p:spPr>
+          <a:xfrm>
+            <a:off x="7714255" y="3730193"/>
+            <a:ext cx="1832761" cy="307777"/>
+          </a:xfrm>
+          <a:prstGeom prst="rect">
+            <a:avLst/>
+          </a:prstGeom>
+          <a:noFill/>
+        </p:spPr>
+        <p:txBody>
+          <a:bodyPr wrap="square">
+            <a:spAutoFit/>
+          </a:bodyPr>
+          <a:lstStyle/>
+          <a:p>
+            <a:pPr algn="ctr"/>
+            <a:r>
+              <a:rPr lang="en-US" sz="1400" b="1" dirty="0">
+                <a:solidFill>
+                  <a:schemeClr val="bg2">
+                    <a:lumMod val="75000"/>
+                  </a:schemeClr>
+                </a:solidFill>
+                <a:latin typeface="Arial" panose="020B0604020202020204" pitchFamily="34" charset="0"/>
+                <a:cs typeface="Arial" panose="020B0604020202020204" pitchFamily="34" charset="0"/>
+              </a:rPr>
+              <a:t>IMPLEMENTATION </a:t>
+            </a:r>
+            <a:endParaRPr lang="en-ID" sz="1400" b="1" dirty="0">
+              <a:solidFill>
+                <a:schemeClr val="bg2">
+                  <a:lumMod val="75000"/>
+                </a:schemeClr>
+              </a:solidFill>
+              <a:latin typeface="Arial" panose="020B0604020202020204" pitchFamily="34" charset="0"/>
+              <a:cs typeface="Arial" panose="020B0604020202020204" pitchFamily="34" charset="0"/>
+            </a:endParaRPr>
+          </a:p>
+        </p:txBody>
+      </p:sp>
+      <p:cxnSp>
+        <p:nvCxnSpPr>
+          <p:cNvPr id="53" name="Straight Connector 52">
+            <a:extLst>
+              <a:ext uri="{FF2B5EF4-FFF2-40B4-BE49-F238E27FC236}">
+                <a16:creationId xmlns:a16="http://schemas.microsoft.com/office/drawing/2014/main" id="{096A7B4F-C475-1941-ABD2-C99E51A1B190}"/>
+              </a:ext>
+            </a:extLst>
+          </p:cNvPr>
+          <p:cNvCxnSpPr>
+            <a:cxnSpLocks/>
+          </p:cNvCxnSpPr>
+          <p:nvPr/>
+        </p:nvCxnSpPr>
+        <p:spPr>
+          <a:xfrm>
+            <a:off x="9594575" y="3790582"/>
+            <a:ext cx="0" cy="2463348"/>
+          </a:xfrm>
+          <a:prstGeom prst="line">
+            <a:avLst/>
+          </a:prstGeom>
+        </p:spPr>
+        <p:style>
+          <a:lnRef idx="3">
+            <a:schemeClr val="dk1"/>
+          </a:lnRef>
+          <a:fillRef idx="0">
+            <a:schemeClr val="dk1"/>
+          </a:fillRef>
+          <a:effectRef idx="2">
+            <a:schemeClr val="dk1"/>
+          </a:effectRef>
+          <a:fontRef idx="minor">
+            <a:schemeClr val="tx1"/>
+          </a:fontRef>
+        </p:style>
+      </p:cxnSp>
+      <p:sp>
+        <p:nvSpPr>
+          <p:cNvPr id="54" name="TextBox 53">
+            <a:extLst>
+              <a:ext uri="{FF2B5EF4-FFF2-40B4-BE49-F238E27FC236}">
+                <a16:creationId xmlns:a16="http://schemas.microsoft.com/office/drawing/2014/main" id="{D084EC3E-290A-8F74-2CC5-C3D5B8E8F942}"/>
+              </a:ext>
+            </a:extLst>
+          </p:cNvPr>
+          <p:cNvSpPr txBox="1"/>
+          <p:nvPr/>
+        </p:nvSpPr>
+        <p:spPr>
+          <a:xfrm>
+            <a:off x="9712978" y="4098359"/>
+            <a:ext cx="2121100" cy="1077218"/>
+          </a:xfrm>
+          <a:prstGeom prst="rect">
+            <a:avLst/>
+          </a:prstGeom>
+          <a:noFill/>
+        </p:spPr>
+        <p:txBody>
+          <a:bodyPr wrap="square" rtlCol="0">
+            <a:spAutoFit/>
+          </a:bodyPr>
+          <a:lstStyle/>
+          <a:p>
+            <a:r>
+              <a:rPr lang="en-US" sz="1600" dirty="0" err="1">
+                <a:latin typeface="Arial" panose="020B0604020202020204" pitchFamily="34" charset="0"/>
+                <a:cs typeface="Arial" panose="020B0604020202020204" pitchFamily="34" charset="0"/>
+              </a:rPr>
+              <a:t>Melakukan</a:t>
+            </a:r>
+            <a:r>
+              <a:rPr lang="en-US" sz="1600" dirty="0">
+                <a:latin typeface="Arial" panose="020B0604020202020204" pitchFamily="34" charset="0"/>
+                <a:cs typeface="Arial" panose="020B0604020202020204" pitchFamily="34" charset="0"/>
+              </a:rPr>
+              <a:t> </a:t>
+            </a:r>
+            <a:r>
+              <a:rPr lang="en-US" sz="1600" dirty="0" err="1">
+                <a:latin typeface="Arial" panose="020B0604020202020204" pitchFamily="34" charset="0"/>
+                <a:cs typeface="Arial" panose="020B0604020202020204" pitchFamily="34" charset="0"/>
+              </a:rPr>
+              <a:t>pengujian</a:t>
+            </a:r>
+            <a:r>
+              <a:rPr lang="en-US" sz="1600" dirty="0">
+                <a:latin typeface="Arial" panose="020B0604020202020204" pitchFamily="34" charset="0"/>
+                <a:cs typeface="Arial" panose="020B0604020202020204" pitchFamily="34" charset="0"/>
+              </a:rPr>
+              <a:t> </a:t>
+            </a:r>
+            <a:r>
+              <a:rPr lang="en-US" sz="1600" dirty="0" err="1">
+                <a:latin typeface="Arial" panose="020B0604020202020204" pitchFamily="34" charset="0"/>
+                <a:cs typeface="Arial" panose="020B0604020202020204" pitchFamily="34" charset="0"/>
+              </a:rPr>
+              <a:t>aplikasi</a:t>
+            </a:r>
+            <a:r>
+              <a:rPr lang="en-US" sz="1600" dirty="0">
+                <a:latin typeface="Arial" panose="020B0604020202020204" pitchFamily="34" charset="0"/>
+                <a:cs typeface="Arial" panose="020B0604020202020204" pitchFamily="34" charset="0"/>
+              </a:rPr>
+              <a:t> </a:t>
+            </a:r>
+            <a:r>
+              <a:rPr lang="en-US" sz="1600" dirty="0" err="1">
+                <a:latin typeface="Arial" panose="020B0604020202020204" pitchFamily="34" charset="0"/>
+                <a:cs typeface="Arial" panose="020B0604020202020204" pitchFamily="34" charset="0"/>
+              </a:rPr>
+              <a:t>sesuai</a:t>
+            </a:r>
+            <a:r>
+              <a:rPr lang="en-US" sz="1600" dirty="0">
+                <a:latin typeface="Arial" panose="020B0604020202020204" pitchFamily="34" charset="0"/>
+                <a:cs typeface="Arial" panose="020B0604020202020204" pitchFamily="34" charset="0"/>
+              </a:rPr>
+              <a:t> </a:t>
+            </a:r>
+            <a:r>
+              <a:rPr lang="en-US" sz="1600" dirty="0" err="1">
+                <a:latin typeface="Arial" panose="020B0604020202020204" pitchFamily="34" charset="0"/>
+                <a:cs typeface="Arial" panose="020B0604020202020204" pitchFamily="34" charset="0"/>
+              </a:rPr>
+              <a:t>dengan</a:t>
+            </a:r>
+            <a:r>
+              <a:rPr lang="en-US" sz="1600" dirty="0">
+                <a:latin typeface="Arial" panose="020B0604020202020204" pitchFamily="34" charset="0"/>
+                <a:cs typeface="Arial" panose="020B0604020202020204" pitchFamily="34" charset="0"/>
+              </a:rPr>
+              <a:t> </a:t>
+            </a:r>
+            <a:r>
+              <a:rPr lang="en-US" sz="1600" dirty="0" err="1">
+                <a:latin typeface="Arial" panose="020B0604020202020204" pitchFamily="34" charset="0"/>
+                <a:cs typeface="Arial" panose="020B0604020202020204" pitchFamily="34" charset="0"/>
+              </a:rPr>
+              <a:t>kebutuhan</a:t>
+            </a:r>
+            <a:r>
+              <a:rPr lang="en-US" sz="1600" dirty="0">
+                <a:latin typeface="Arial" panose="020B0604020202020204" pitchFamily="34" charset="0"/>
+                <a:cs typeface="Arial" panose="020B0604020202020204" pitchFamily="34" charset="0"/>
+              </a:rPr>
+              <a:t> </a:t>
+            </a:r>
+            <a:r>
+              <a:rPr lang="en-US" sz="1600" dirty="0" err="1">
+                <a:latin typeface="Arial" panose="020B0604020202020204" pitchFamily="34" charset="0"/>
+                <a:cs typeface="Arial" panose="020B0604020202020204" pitchFamily="34" charset="0"/>
+              </a:rPr>
+              <a:t>pengguna</a:t>
+            </a:r>
+            <a:endParaRPr lang="en-ID" sz="1600" dirty="0">
+              <a:latin typeface="Arial" panose="020B0604020202020204" pitchFamily="34" charset="0"/>
+              <a:cs typeface="Arial" panose="020B0604020202020204" pitchFamily="34" charset="0"/>
+            </a:endParaRPr>
+          </a:p>
+        </p:txBody>
+      </p:sp>
+      <p:sp>
+        <p:nvSpPr>
+          <p:cNvPr id="55" name="TextBox 54">
+            <a:extLst>
+              <a:ext uri="{FF2B5EF4-FFF2-40B4-BE49-F238E27FC236}">
+                <a16:creationId xmlns:a16="http://schemas.microsoft.com/office/drawing/2014/main" id="{C8A691EF-3FB1-4FE0-CE0D-01E04C79E889}"/>
+              </a:ext>
+            </a:extLst>
+          </p:cNvPr>
+          <p:cNvSpPr txBox="1"/>
+          <p:nvPr/>
+        </p:nvSpPr>
+        <p:spPr>
+          <a:xfrm>
+            <a:off x="10462189" y="3773358"/>
+            <a:ext cx="1290713" cy="307777"/>
+          </a:xfrm>
+          <a:prstGeom prst="rect">
+            <a:avLst/>
+          </a:prstGeom>
+          <a:noFill/>
+        </p:spPr>
+        <p:txBody>
+          <a:bodyPr wrap="square">
+            <a:spAutoFit/>
+          </a:bodyPr>
+          <a:lstStyle/>
+          <a:p>
+            <a:pPr algn="ctr"/>
+            <a:r>
+              <a:rPr lang="en-US" sz="1400" b="1" dirty="0">
+                <a:solidFill>
+                  <a:schemeClr val="bg2">
+                    <a:lumMod val="75000"/>
+                  </a:schemeClr>
+                </a:solidFill>
+                <a:latin typeface="Arial" panose="020B0604020202020204" pitchFamily="34" charset="0"/>
+                <a:cs typeface="Arial" panose="020B0604020202020204" pitchFamily="34" charset="0"/>
+              </a:rPr>
+              <a:t>PROTOTYPE </a:t>
+            </a:r>
+            <a:endParaRPr lang="en-ID" sz="1400" b="1" dirty="0">
+              <a:solidFill>
+                <a:schemeClr val="bg2">
+                  <a:lumMod val="75000"/>
+                </a:schemeClr>
+              </a:solidFill>
+              <a:latin typeface="Arial" panose="020B0604020202020204" pitchFamily="34" charset="0"/>
+              <a:cs typeface="Arial" panose="020B0604020202020204" pitchFamily="34" charset="0"/>
+            </a:endParaRPr>
+          </a:p>
+        </p:txBody>
+      </p:sp>
+      <p:pic>
+        <p:nvPicPr>
+          <p:cNvPr id="19" name="Picture 18">
+            <a:extLst>
+              <a:ext uri="{FF2B5EF4-FFF2-40B4-BE49-F238E27FC236}">
+                <a16:creationId xmlns:a16="http://schemas.microsoft.com/office/drawing/2014/main" id="{F2970CFD-1EFC-E95A-2FA7-15B5D9F41115}"/>
+              </a:ext>
+            </a:extLst>
+          </p:cNvPr>
+          <p:cNvPicPr>
+            <a:picLocks noChangeAspect="1"/>
+          </p:cNvPicPr>
+          <p:nvPr/>
+        </p:nvPicPr>
+        <p:blipFill>
+          <a:blip r:embed="rId5">
+            <a:lum bright="70000" contrast="-70000"/>
+            <a:extLst>
+              <a:ext uri="{BEBA8EAE-BF5A-486C-A8C5-ECC9F3942E4B}">
+                <a14:imgProps xmlns:a14="http://schemas.microsoft.com/office/drawing/2010/main">
+                  <a14:imgLayer r:embed="rId6">
+                    <a14:imgEffect>
+                      <a14:sharpenSoften amount="50000"/>
+                    </a14:imgEffect>
+                  </a14:imgLayer>
+                </a14:imgProps>
+              </a:ext>
+              <a:ext uri="{28A0092B-C50C-407E-A947-70E740481C1C}">
+                <a14:useLocalDpi xmlns:a14="http://schemas.microsoft.com/office/drawing/2010/main" val="0"/>
+              </a:ext>
+            </a:extLst>
+          </a:blip>
+          <a:stretch>
+            <a:fillRect/>
+          </a:stretch>
+        </p:blipFill>
+        <p:spPr>
+          <a:xfrm>
+            <a:off x="577656" y="3580770"/>
+            <a:ext cx="457200" cy="457200"/>
+          </a:xfrm>
+          <a:prstGeom prst="rect">
+            <a:avLst/>
+          </a:prstGeom>
+        </p:spPr>
+      </p:pic>
+      <p:pic>
+        <p:nvPicPr>
+          <p:cNvPr id="20" name="Picture 19">
+            <a:extLst>
+              <a:ext uri="{FF2B5EF4-FFF2-40B4-BE49-F238E27FC236}">
+                <a16:creationId xmlns:a16="http://schemas.microsoft.com/office/drawing/2014/main" id="{3086C9D6-8893-5CAA-467C-E01B63DD4CD5}"/>
+              </a:ext>
+            </a:extLst>
+          </p:cNvPr>
+          <p:cNvPicPr>
+            <a:picLocks noChangeAspect="1"/>
+          </p:cNvPicPr>
+          <p:nvPr/>
+        </p:nvPicPr>
+        <p:blipFill>
+          <a:blip r:embed="rId7">
+            <a:lum bright="70000" contrast="-70000"/>
+            <a:extLst>
+              <a:ext uri="{BEBA8EAE-BF5A-486C-A8C5-ECC9F3942E4B}">
+                <a14:imgProps xmlns:a14="http://schemas.microsoft.com/office/drawing/2010/main">
+                  <a14:imgLayer r:embed="rId8">
+                    <a14:imgEffect>
+                      <a14:sharpenSoften amount="50000"/>
+                    </a14:imgEffect>
+                  </a14:imgLayer>
+                </a14:imgProps>
+              </a:ext>
+              <a:ext uri="{28A0092B-C50C-407E-A947-70E740481C1C}">
+                <a14:useLocalDpi xmlns:a14="http://schemas.microsoft.com/office/drawing/2010/main" val="0"/>
+              </a:ext>
+            </a:extLst>
+          </a:blip>
+          <a:stretch>
+            <a:fillRect/>
+          </a:stretch>
+        </p:blipFill>
+        <p:spPr>
+          <a:xfrm>
+            <a:off x="2744397" y="3582888"/>
+            <a:ext cx="457200" cy="457200"/>
+          </a:xfrm>
+          <a:prstGeom prst="rect">
+            <a:avLst/>
+          </a:prstGeom>
+        </p:spPr>
+      </p:pic>
+      <p:pic>
+        <p:nvPicPr>
+          <p:cNvPr id="23" name="Picture 22">
+            <a:extLst>
+              <a:ext uri="{FF2B5EF4-FFF2-40B4-BE49-F238E27FC236}">
+                <a16:creationId xmlns:a16="http://schemas.microsoft.com/office/drawing/2014/main" id="{76FBC2C0-A45C-54EB-5265-C197C350AC91}"/>
+              </a:ext>
+            </a:extLst>
+          </p:cNvPr>
+          <p:cNvPicPr>
+            <a:picLocks noChangeAspect="1"/>
+          </p:cNvPicPr>
+          <p:nvPr/>
+        </p:nvPicPr>
+        <p:blipFill>
+          <a:blip r:embed="rId9">
+            <a:lum bright="70000" contrast="-70000"/>
+            <a:extLst>
+              <a:ext uri="{BEBA8EAE-BF5A-486C-A8C5-ECC9F3942E4B}">
+                <a14:imgProps xmlns:a14="http://schemas.microsoft.com/office/drawing/2010/main">
+                  <a14:imgLayer r:embed="rId10">
+                    <a14:imgEffect>
+                      <a14:sharpenSoften amount="50000"/>
+                    </a14:imgEffect>
+                  </a14:imgLayer>
+                </a14:imgProps>
+              </a:ext>
+              <a:ext uri="{28A0092B-C50C-407E-A947-70E740481C1C}">
+                <a14:useLocalDpi xmlns:a14="http://schemas.microsoft.com/office/drawing/2010/main" val="0"/>
+              </a:ext>
+            </a:extLst>
+          </a:blip>
+          <a:stretch>
+            <a:fillRect/>
+          </a:stretch>
+        </p:blipFill>
+        <p:spPr>
+          <a:xfrm>
+            <a:off x="5157320" y="3615698"/>
+            <a:ext cx="457200" cy="457200"/>
+          </a:xfrm>
+          <a:prstGeom prst="rect">
+            <a:avLst/>
+          </a:prstGeom>
+        </p:spPr>
+      </p:pic>
+      <p:pic>
+        <p:nvPicPr>
+          <p:cNvPr id="26" name="Picture 25">
+            <a:extLst>
+              <a:ext uri="{FF2B5EF4-FFF2-40B4-BE49-F238E27FC236}">
+                <a16:creationId xmlns:a16="http://schemas.microsoft.com/office/drawing/2014/main" id="{15BDA2C2-17DC-61C7-E09B-C48F1A726807}"/>
+              </a:ext>
+            </a:extLst>
+          </p:cNvPr>
+          <p:cNvPicPr>
+            <a:picLocks noChangeAspect="1"/>
+          </p:cNvPicPr>
+          <p:nvPr/>
+        </p:nvPicPr>
+        <p:blipFill>
+          <a:blip r:embed="rId11">
+            <a:lum bright="70000" contrast="-70000"/>
+            <a:extLst>
+              <a:ext uri="{BEBA8EAE-BF5A-486C-A8C5-ECC9F3942E4B}">
+                <a14:imgProps xmlns:a14="http://schemas.microsoft.com/office/drawing/2010/main">
+                  <a14:imgLayer r:embed="rId12">
+                    <a14:imgEffect>
+                      <a14:sharpenSoften amount="50000"/>
+                    </a14:imgEffect>
+                  </a14:imgLayer>
+                </a14:imgProps>
+              </a:ext>
+              <a:ext uri="{28A0092B-C50C-407E-A947-70E740481C1C}">
+                <a14:useLocalDpi xmlns:a14="http://schemas.microsoft.com/office/drawing/2010/main" val="0"/>
+              </a:ext>
+            </a:extLst>
+          </a:blip>
+          <a:stretch>
+            <a:fillRect/>
+          </a:stretch>
+        </p:blipFill>
+        <p:spPr>
+          <a:xfrm>
+            <a:off x="7383459" y="3620446"/>
+            <a:ext cx="457200" cy="457200"/>
+          </a:xfrm>
+          <a:prstGeom prst="rect">
+            <a:avLst/>
+          </a:prstGeom>
+        </p:spPr>
+      </p:pic>
+      <p:pic>
+        <p:nvPicPr>
+          <p:cNvPr id="9" name="Picture 8">
+            <a:extLst>
+              <a:ext uri="{FF2B5EF4-FFF2-40B4-BE49-F238E27FC236}">
+                <a16:creationId xmlns:a16="http://schemas.microsoft.com/office/drawing/2014/main" id="{B90DBEBE-537B-1AE7-7BCD-56AFBE735454}"/>
+              </a:ext>
+            </a:extLst>
+          </p:cNvPr>
+          <p:cNvPicPr>
+            <a:picLocks noChangeAspect="1"/>
+          </p:cNvPicPr>
+          <p:nvPr/>
+        </p:nvPicPr>
+        <p:blipFill>
+          <a:blip r:embed="rId13">
+            <a:lum bright="70000" contrast="-70000"/>
+            <a:extLst>
+              <a:ext uri="{BEBA8EAE-BF5A-486C-A8C5-ECC9F3942E4B}">
+                <a14:imgProps xmlns:a14="http://schemas.microsoft.com/office/drawing/2010/main">
+                  <a14:imgLayer r:embed="rId14">
+                    <a14:imgEffect>
+                      <a14:sharpenSoften amount="50000"/>
+                    </a14:imgEffect>
+                  </a14:imgLayer>
+                </a14:imgProps>
+              </a:ext>
+              <a:ext uri="{28A0092B-C50C-407E-A947-70E740481C1C}">
+                <a14:useLocalDpi xmlns:a14="http://schemas.microsoft.com/office/drawing/2010/main" val="0"/>
+              </a:ext>
+            </a:extLst>
+          </a:blip>
+          <a:stretch>
+            <a:fillRect/>
+          </a:stretch>
+        </p:blipFill>
+        <p:spPr>
+          <a:xfrm>
+            <a:off x="10004989" y="3698646"/>
+            <a:ext cx="457200" cy="457200"/>
+          </a:xfrm>
+          <a:prstGeom prst="rect">
+            <a:avLst/>
+          </a:prstGeom>
+        </p:spPr>
+      </p:pic>
+    </p:spTree>
+    <p:extLst>
+      <p:ext uri="{BB962C8B-B14F-4D97-AF65-F5344CB8AC3E}">
+        <p14:creationId xmlns:p14="http://schemas.microsoft.com/office/powerpoint/2010/main" val="1751789757"/>
+      </p:ext>
+    </p:extLst>
+  </p:cSld>
+  <p:clrMapOvr>
+    <a:masterClrMapping/>
+  </p:clrMapOvr>
+  <mc:AlternateContent xmlns:mc="http://schemas.openxmlformats.org/markup-compatibility/2006" xmlns:p159="http://schemas.microsoft.com/office/powerpoint/2015/09/main">
+    <mc:Choice Requires="p159">
+      <p:transition xmlns:p14="http://schemas.microsoft.com/office/powerpoint/2010/main" spd="slow" p14:dur="2000">
+        <p159:morph option="byObject"/>
+      </p:transition>
+    </mc:Choice>
+    <mc:Fallback xmlns="">
+      <p:transition spd="slow">
+        <p:fade/>
+      </p:transition>
+    </mc:Fallback>
+  </mc:AlternateContent>
+</p:sld>
+</file>
+
+<file path=ppt/slides/slide11.xml><?xml version="1.0" encoding="utf-8"?>
+<p:sld xmlns:a="http://schemas.openxmlformats.org/drawingml/2006/main" xmlns:r="http://schemas.openxmlformats.org/officeDocument/2006/relationships" xmlns:p="http://schemas.openxmlformats.org/presentationml/2006/main">
+  <p:cSld>
+    <p:spTree>
+      <p:nvGrpSpPr>
+        <p:cNvPr id="1" name=""/>
+        <p:cNvGrpSpPr/>
+        <p:nvPr/>
+      </p:nvGrpSpPr>
+      <p:grpSpPr>
+        <a:xfrm>
+          <a:off x="0" y="0"/>
+          <a:ext cx="0" cy="0"/>
+          <a:chOff x="0" y="0"/>
+          <a:chExt cx="0" cy="0"/>
+        </a:xfrm>
+      </p:grpSpPr>
+      <p:sp>
+        <p:nvSpPr>
+          <p:cNvPr id="2" name="TextBox 1">
+            <a:extLst>
+              <a:ext uri="{FF2B5EF4-FFF2-40B4-BE49-F238E27FC236}">
+                <a16:creationId xmlns:a16="http://schemas.microsoft.com/office/drawing/2014/main" id="{F5D344A1-39FE-052D-1B9C-3C500FCD5362}"/>
+              </a:ext>
+            </a:extLst>
+          </p:cNvPr>
+          <p:cNvSpPr txBox="1"/>
+          <p:nvPr/>
+        </p:nvSpPr>
+        <p:spPr>
+          <a:xfrm>
+            <a:off x="2522375" y="524445"/>
+            <a:ext cx="7147249" cy="458780"/>
+          </a:xfrm>
+          <a:prstGeom prst="rect">
+            <a:avLst/>
+          </a:prstGeom>
+          <a:noFill/>
+        </p:spPr>
+        <p:txBody>
+          <a:bodyPr wrap="square" rtlCol="0">
+            <a:spAutoFit/>
+          </a:bodyPr>
+          <a:lstStyle/>
+          <a:p>
+            <a:pPr algn="ctr">
+              <a:lnSpc>
+                <a:spcPct val="107000"/>
+              </a:lnSpc>
+              <a:spcAft>
+                <a:spcPts val="800"/>
+              </a:spcAft>
+            </a:pPr>
+            <a:r>
+              <a:rPr lang="en-US" sz="2400" b="1" spc="75" dirty="0">
+                <a:solidFill>
+                  <a:srgbClr val="000000"/>
+                </a:solidFill>
+                <a:latin typeface="Arial" panose="020B0604020202020204" pitchFamily="34" charset="0"/>
+                <a:ea typeface="Times New Roman" panose="02020603050405020304" pitchFamily="18" charset="0"/>
+                <a:cs typeface="Arial" panose="020B0604020202020204" pitchFamily="34" charset="0"/>
+              </a:rPr>
+              <a:t>HASIL DAN PEMBAHASAN</a:t>
+            </a:r>
+            <a:endParaRPr lang="en-ID" sz="2400" spc="75" dirty="0">
+              <a:solidFill>
+                <a:srgbClr val="000000"/>
+              </a:solidFill>
+              <a:effectLst/>
+              <a:latin typeface="Arial" panose="020B0604020202020204" pitchFamily="34" charset="0"/>
+              <a:ea typeface="Times New Roman" panose="02020603050405020304" pitchFamily="18" charset="0"/>
+              <a:cs typeface="Arial" panose="020B0604020202020204" pitchFamily="34" charset="0"/>
+            </a:endParaRPr>
+          </a:p>
+        </p:txBody>
+      </p:sp>
+      <p:pic>
+        <p:nvPicPr>
+          <p:cNvPr id="3" name="Picture 2">
+            <a:extLst>
+              <a:ext uri="{FF2B5EF4-FFF2-40B4-BE49-F238E27FC236}">
+                <a16:creationId xmlns:a16="http://schemas.microsoft.com/office/drawing/2014/main" id="{7F066D29-7D8F-FA43-C481-2058A9CC61DC}"/>
+              </a:ext>
+            </a:extLst>
+          </p:cNvPr>
+          <p:cNvPicPr>
+            <a:picLocks noChangeAspect="1"/>
+          </p:cNvPicPr>
+          <p:nvPr/>
+        </p:nvPicPr>
+        <p:blipFill>
+          <a:blip r:embed="rId2">
+            <a:extLst>
+              <a:ext uri="{28A0092B-C50C-407E-A947-70E740481C1C}">
+                <a14:useLocalDpi xmlns:a14="http://schemas.microsoft.com/office/drawing/2010/main" val="0"/>
+              </a:ext>
+            </a:extLst>
+          </a:blip>
+          <a:stretch>
+            <a:fillRect/>
+          </a:stretch>
+        </p:blipFill>
+        <p:spPr>
+          <a:xfrm>
+            <a:off x="11161903" y="5812413"/>
+            <a:ext cx="922432" cy="922432"/>
+          </a:xfrm>
+          <a:prstGeom prst="rect">
+            <a:avLst/>
+          </a:prstGeom>
+        </p:spPr>
+      </p:pic>
+      <p:sp>
+        <p:nvSpPr>
+          <p:cNvPr id="44" name="TextBox 43">
+            <a:extLst>
+              <a:ext uri="{FF2B5EF4-FFF2-40B4-BE49-F238E27FC236}">
+                <a16:creationId xmlns:a16="http://schemas.microsoft.com/office/drawing/2014/main" id="{3C08DEC4-03EE-4AF3-8E05-D76C2B009438}"/>
+              </a:ext>
+            </a:extLst>
+          </p:cNvPr>
+          <p:cNvSpPr txBox="1"/>
+          <p:nvPr/>
+        </p:nvSpPr>
+        <p:spPr>
+          <a:xfrm>
+            <a:off x="1855223" y="3363943"/>
+            <a:ext cx="1206278" cy="307777"/>
+          </a:xfrm>
+          <a:prstGeom prst="rect">
+            <a:avLst/>
+          </a:prstGeom>
+          <a:noFill/>
+        </p:spPr>
+        <p:txBody>
+          <a:bodyPr wrap="square">
+            <a:spAutoFit/>
+          </a:bodyPr>
+          <a:lstStyle/>
+          <a:p>
+            <a:pPr algn="ctr"/>
+            <a:r>
+              <a:rPr lang="en-US" sz="1400" b="1" dirty="0">
+                <a:solidFill>
+                  <a:srgbClr val="4D8A23"/>
+                </a:solidFill>
+                <a:latin typeface="Arial" panose="020B0604020202020204" pitchFamily="34" charset="0"/>
+                <a:cs typeface="Arial" panose="020B0604020202020204" pitchFamily="34" charset="0"/>
+              </a:rPr>
+              <a:t>PLANNING</a:t>
+            </a:r>
+            <a:endParaRPr lang="en-ID" sz="1400" b="1" dirty="0">
+              <a:solidFill>
+                <a:srgbClr val="4D8A23"/>
+              </a:solidFill>
+              <a:latin typeface="Arial" panose="020B0604020202020204" pitchFamily="34" charset="0"/>
+              <a:cs typeface="Arial" panose="020B0604020202020204" pitchFamily="34" charset="0"/>
+            </a:endParaRPr>
+          </a:p>
+        </p:txBody>
+      </p:sp>
+      <p:sp>
+        <p:nvSpPr>
+          <p:cNvPr id="19" name="TextBox 18">
+            <a:extLst>
+              <a:ext uri="{FF2B5EF4-FFF2-40B4-BE49-F238E27FC236}">
+                <a16:creationId xmlns:a16="http://schemas.microsoft.com/office/drawing/2014/main" id="{7EAC223B-9700-B4AB-CC3E-C9B0B63B19CE}"/>
+              </a:ext>
+            </a:extLst>
+          </p:cNvPr>
+          <p:cNvSpPr txBox="1"/>
+          <p:nvPr/>
+        </p:nvSpPr>
+        <p:spPr>
+          <a:xfrm>
+            <a:off x="3006107" y="1010501"/>
+            <a:ext cx="6179783" cy="707886"/>
+          </a:xfrm>
+          <a:prstGeom prst="rect">
+            <a:avLst/>
+          </a:prstGeom>
+          <a:noFill/>
+        </p:spPr>
+        <p:txBody>
+          <a:bodyPr wrap="square">
+            <a:spAutoFit/>
+          </a:bodyPr>
+          <a:lstStyle/>
+          <a:p>
+            <a:pPr algn="ctr"/>
+            <a:r>
+              <a:rPr lang="en-US" sz="4000" b="1" dirty="0">
+                <a:solidFill>
+                  <a:schemeClr val="bg2">
+                    <a:lumMod val="75000"/>
+                  </a:schemeClr>
+                </a:solidFill>
+                <a:latin typeface="Arial" panose="020B0604020202020204" pitchFamily="34" charset="0"/>
+                <a:cs typeface="Arial" panose="020B0604020202020204" pitchFamily="34" charset="0"/>
+              </a:rPr>
+              <a:t>RANCANGAN SISTEM</a:t>
+            </a:r>
+            <a:endParaRPr lang="en-ID" sz="4000" b="1" dirty="0">
+              <a:solidFill>
+                <a:schemeClr val="bg2">
+                  <a:lumMod val="75000"/>
+                </a:schemeClr>
+              </a:solidFill>
+              <a:latin typeface="Arial" panose="020B0604020202020204" pitchFamily="34" charset="0"/>
+              <a:cs typeface="Arial" panose="020B0604020202020204" pitchFamily="34" charset="0"/>
+            </a:endParaRPr>
+          </a:p>
+        </p:txBody>
+      </p:sp>
+      <p:pic>
+        <p:nvPicPr>
+          <p:cNvPr id="5" name="Picture 4">
+            <a:extLst>
+              <a:ext uri="{FF2B5EF4-FFF2-40B4-BE49-F238E27FC236}">
+                <a16:creationId xmlns:a16="http://schemas.microsoft.com/office/drawing/2014/main" id="{A9A39E92-830F-3F16-F546-8E0460CC5725}"/>
+              </a:ext>
+            </a:extLst>
+          </p:cNvPr>
+          <p:cNvPicPr>
+            <a:picLocks noChangeAspect="1"/>
+          </p:cNvPicPr>
+          <p:nvPr/>
+        </p:nvPicPr>
+        <p:blipFill>
+          <a:blip r:embed="rId3">
+            <a:duotone>
+              <a:schemeClr val="accent6">
+                <a:shade val="45000"/>
+                <a:satMod val="135000"/>
+              </a:schemeClr>
+              <a:prstClr val="white"/>
+            </a:duotone>
+            <a:extLst>
+              <a:ext uri="{BEBA8EAE-BF5A-486C-A8C5-ECC9F3942E4B}">
+                <a14:imgProps xmlns:a14="http://schemas.microsoft.com/office/drawing/2010/main">
+                  <a14:imgLayer r:embed="rId4">
+                    <a14:imgEffect>
+                      <a14:sharpenSoften amount="50000"/>
+                    </a14:imgEffect>
+                  </a14:imgLayer>
+                </a14:imgProps>
+              </a:ext>
+              <a:ext uri="{28A0092B-C50C-407E-A947-70E740481C1C}">
+                <a14:useLocalDpi xmlns:a14="http://schemas.microsoft.com/office/drawing/2010/main" val="0"/>
+              </a:ext>
+            </a:extLst>
+          </a:blip>
+          <a:stretch>
+            <a:fillRect/>
+          </a:stretch>
+        </p:blipFill>
+        <p:spPr>
+          <a:xfrm>
+            <a:off x="2077043" y="2449544"/>
+            <a:ext cx="914400" cy="914400"/>
+          </a:xfrm>
+          <a:prstGeom prst="rect">
+            <a:avLst/>
+          </a:prstGeom>
+        </p:spPr>
+      </p:pic>
+      <p:pic>
+        <p:nvPicPr>
+          <p:cNvPr id="22" name="Picture 21">
+            <a:extLst>
+              <a:ext uri="{FF2B5EF4-FFF2-40B4-BE49-F238E27FC236}">
+                <a16:creationId xmlns:a16="http://schemas.microsoft.com/office/drawing/2014/main" id="{CAF64BD4-194B-B7D6-28E8-731C6C271B64}"/>
+              </a:ext>
+            </a:extLst>
+          </p:cNvPr>
+          <p:cNvPicPr>
+            <a:picLocks noChangeAspect="1"/>
+          </p:cNvPicPr>
+          <p:nvPr/>
+        </p:nvPicPr>
+        <p:blipFill>
+          <a:blip r:embed="rId5">
+            <a:lum bright="70000" contrast="-70000"/>
+            <a:extLst>
+              <a:ext uri="{BEBA8EAE-BF5A-486C-A8C5-ECC9F3942E4B}">
+                <a14:imgProps xmlns:a14="http://schemas.microsoft.com/office/drawing/2010/main">
+                  <a14:imgLayer r:embed="rId6">
+                    <a14:imgEffect>
+                      <a14:sharpenSoften amount="50000"/>
+                    </a14:imgEffect>
+                  </a14:imgLayer>
+                </a14:imgProps>
+              </a:ext>
+              <a:ext uri="{28A0092B-C50C-407E-A947-70E740481C1C}">
+                <a14:useLocalDpi xmlns:a14="http://schemas.microsoft.com/office/drawing/2010/main" val="0"/>
+              </a:ext>
+            </a:extLst>
+          </a:blip>
+          <a:stretch>
+            <a:fillRect/>
+          </a:stretch>
+        </p:blipFill>
+        <p:spPr>
+          <a:xfrm rot="10442177">
+            <a:off x="2834298" y="1576763"/>
+            <a:ext cx="924807" cy="924807"/>
+          </a:xfrm>
+          <a:prstGeom prst="rect">
+            <a:avLst/>
+          </a:prstGeom>
+        </p:spPr>
+      </p:pic>
+      <p:pic>
+        <p:nvPicPr>
+          <p:cNvPr id="7" name="Picture 6">
+            <a:extLst>
+              <a:ext uri="{FF2B5EF4-FFF2-40B4-BE49-F238E27FC236}">
+                <a16:creationId xmlns:a16="http://schemas.microsoft.com/office/drawing/2014/main" id="{48E943AC-7B48-3A2A-B9AC-4594CB01CAB0}"/>
+              </a:ext>
+            </a:extLst>
+          </p:cNvPr>
+          <p:cNvPicPr>
+            <a:picLocks noChangeAspect="1"/>
+          </p:cNvPicPr>
+          <p:nvPr/>
+        </p:nvPicPr>
+        <p:blipFill>
+          <a:blip r:embed="rId7">
+            <a:duotone>
+              <a:schemeClr val="accent2">
+                <a:shade val="45000"/>
+                <a:satMod val="135000"/>
+              </a:schemeClr>
+              <a:prstClr val="white"/>
+            </a:duotone>
+            <a:extLst>
+              <a:ext uri="{BEBA8EAE-BF5A-486C-A8C5-ECC9F3942E4B}">
+                <a14:imgProps xmlns:a14="http://schemas.microsoft.com/office/drawing/2010/main">
+                  <a14:imgLayer r:embed="rId8">
+                    <a14:imgEffect>
+                      <a14:sharpenSoften amount="50000"/>
+                    </a14:imgEffect>
+                  </a14:imgLayer>
+                </a14:imgProps>
+              </a:ext>
+              <a:ext uri="{28A0092B-C50C-407E-A947-70E740481C1C}">
+                <a14:useLocalDpi xmlns:a14="http://schemas.microsoft.com/office/drawing/2010/main" val="0"/>
+              </a:ext>
+            </a:extLst>
+          </a:blip>
+          <a:stretch>
+            <a:fillRect/>
+          </a:stretch>
+        </p:blipFill>
+        <p:spPr>
+          <a:xfrm>
+            <a:off x="4629717" y="2449544"/>
+            <a:ext cx="914400" cy="914400"/>
+          </a:xfrm>
+          <a:prstGeom prst="rect">
+            <a:avLst/>
+          </a:prstGeom>
+        </p:spPr>
+      </p:pic>
+      <p:pic>
+        <p:nvPicPr>
+          <p:cNvPr id="25" name="Picture 24">
+            <a:extLst>
+              <a:ext uri="{FF2B5EF4-FFF2-40B4-BE49-F238E27FC236}">
+                <a16:creationId xmlns:a16="http://schemas.microsoft.com/office/drawing/2014/main" id="{537E22CC-4367-99CA-577C-ED05B85F8E82}"/>
+              </a:ext>
+            </a:extLst>
+          </p:cNvPr>
+          <p:cNvPicPr>
+            <a:picLocks noChangeAspect="1"/>
+          </p:cNvPicPr>
+          <p:nvPr/>
+        </p:nvPicPr>
+        <p:blipFill>
+          <a:blip r:embed="rId9">
+            <a:duotone>
+              <a:schemeClr val="accent4">
+                <a:shade val="45000"/>
+                <a:satMod val="135000"/>
+              </a:schemeClr>
+              <a:prstClr val="white"/>
+            </a:duotone>
+            <a:extLst>
+              <a:ext uri="{BEBA8EAE-BF5A-486C-A8C5-ECC9F3942E4B}">
+                <a14:imgProps xmlns:a14="http://schemas.microsoft.com/office/drawing/2010/main">
+                  <a14:imgLayer r:embed="rId10">
+                    <a14:imgEffect>
+                      <a14:sharpenSoften amount="50000"/>
+                    </a14:imgEffect>
+                  </a14:imgLayer>
+                </a14:imgProps>
+              </a:ext>
+              <a:ext uri="{28A0092B-C50C-407E-A947-70E740481C1C}">
+                <a14:useLocalDpi xmlns:a14="http://schemas.microsoft.com/office/drawing/2010/main" val="0"/>
+              </a:ext>
+            </a:extLst>
+          </a:blip>
+          <a:stretch>
+            <a:fillRect/>
+          </a:stretch>
+        </p:blipFill>
+        <p:spPr>
+          <a:xfrm>
+            <a:off x="7048322" y="2405127"/>
+            <a:ext cx="914400" cy="914400"/>
+          </a:xfrm>
+          <a:prstGeom prst="rect">
+            <a:avLst/>
+          </a:prstGeom>
+        </p:spPr>
+      </p:pic>
+      <p:pic>
+        <p:nvPicPr>
+          <p:cNvPr id="26" name="Picture 25">
+            <a:extLst>
+              <a:ext uri="{FF2B5EF4-FFF2-40B4-BE49-F238E27FC236}">
+                <a16:creationId xmlns:a16="http://schemas.microsoft.com/office/drawing/2014/main" id="{B5479C71-4BF8-D4BA-1C61-712F253ED6F6}"/>
+              </a:ext>
+            </a:extLst>
+          </p:cNvPr>
+          <p:cNvPicPr>
+            <a:picLocks noChangeAspect="1"/>
+          </p:cNvPicPr>
+          <p:nvPr/>
+        </p:nvPicPr>
+        <p:blipFill>
+          <a:blip r:embed="rId11">
+            <a:duotone>
+              <a:schemeClr val="accent5">
+                <a:shade val="45000"/>
+                <a:satMod val="135000"/>
+              </a:schemeClr>
+              <a:prstClr val="white"/>
+            </a:duotone>
+            <a:extLst>
+              <a:ext uri="{BEBA8EAE-BF5A-486C-A8C5-ECC9F3942E4B}">
+                <a14:imgProps xmlns:a14="http://schemas.microsoft.com/office/drawing/2010/main">
+                  <a14:imgLayer r:embed="rId12">
+                    <a14:imgEffect>
+                      <a14:sharpenSoften amount="50000"/>
+                    </a14:imgEffect>
+                  </a14:imgLayer>
+                </a14:imgProps>
+              </a:ext>
+              <a:ext uri="{28A0092B-C50C-407E-A947-70E740481C1C}">
+                <a14:useLocalDpi xmlns:a14="http://schemas.microsoft.com/office/drawing/2010/main" val="0"/>
+              </a:ext>
+            </a:extLst>
+          </a:blip>
+          <a:stretch>
+            <a:fillRect/>
+          </a:stretch>
+        </p:blipFill>
+        <p:spPr>
+          <a:xfrm>
+            <a:off x="9212424" y="2405128"/>
+            <a:ext cx="914400" cy="914400"/>
+          </a:xfrm>
+          <a:prstGeom prst="rect">
+            <a:avLst/>
+          </a:prstGeom>
+        </p:spPr>
+      </p:pic>
+      <p:sp>
+        <p:nvSpPr>
+          <p:cNvPr id="27" name="TextBox 26">
+            <a:extLst>
+              <a:ext uri="{FF2B5EF4-FFF2-40B4-BE49-F238E27FC236}">
+                <a16:creationId xmlns:a16="http://schemas.microsoft.com/office/drawing/2014/main" id="{686CD667-B9B3-068F-1EA7-A4CE043C9141}"/>
+              </a:ext>
+            </a:extLst>
+          </p:cNvPr>
+          <p:cNvSpPr txBox="1"/>
+          <p:nvPr/>
+        </p:nvSpPr>
+        <p:spPr>
+          <a:xfrm>
+            <a:off x="4483777" y="3363943"/>
+            <a:ext cx="1206280" cy="307777"/>
+          </a:xfrm>
+          <a:prstGeom prst="rect">
+            <a:avLst/>
+          </a:prstGeom>
+          <a:noFill/>
+        </p:spPr>
+        <p:txBody>
+          <a:bodyPr wrap="square">
+            <a:spAutoFit/>
+          </a:bodyPr>
+          <a:lstStyle/>
+          <a:p>
+            <a:pPr algn="ctr"/>
+            <a:r>
+              <a:rPr lang="en-US" sz="1400" b="1" dirty="0">
+                <a:solidFill>
+                  <a:srgbClr val="BE5108"/>
+                </a:solidFill>
+                <a:latin typeface="Arial" panose="020B0604020202020204" pitchFamily="34" charset="0"/>
+                <a:cs typeface="Arial" panose="020B0604020202020204" pitchFamily="34" charset="0"/>
+              </a:rPr>
+              <a:t>ANALYSIS </a:t>
+            </a:r>
+            <a:endParaRPr lang="en-ID" sz="1400" b="1" dirty="0">
+              <a:solidFill>
+                <a:srgbClr val="BE5108"/>
+              </a:solidFill>
+              <a:latin typeface="Arial" panose="020B0604020202020204" pitchFamily="34" charset="0"/>
+              <a:cs typeface="Arial" panose="020B0604020202020204" pitchFamily="34" charset="0"/>
+            </a:endParaRPr>
+          </a:p>
+        </p:txBody>
+      </p:sp>
+      <p:sp>
+        <p:nvSpPr>
+          <p:cNvPr id="28" name="TextBox 27">
+            <a:extLst>
+              <a:ext uri="{FF2B5EF4-FFF2-40B4-BE49-F238E27FC236}">
+                <a16:creationId xmlns:a16="http://schemas.microsoft.com/office/drawing/2014/main" id="{FF035777-51E1-3A99-6138-02B7BEE62CD3}"/>
+              </a:ext>
+            </a:extLst>
+          </p:cNvPr>
+          <p:cNvSpPr txBox="1"/>
+          <p:nvPr/>
+        </p:nvSpPr>
+        <p:spPr>
+          <a:xfrm>
+            <a:off x="6902381" y="3363943"/>
+            <a:ext cx="1206280" cy="307777"/>
+          </a:xfrm>
+          <a:prstGeom prst="rect">
+            <a:avLst/>
+          </a:prstGeom>
+          <a:noFill/>
+        </p:spPr>
+        <p:txBody>
+          <a:bodyPr wrap="square">
+            <a:spAutoFit/>
+          </a:bodyPr>
+          <a:lstStyle/>
+          <a:p>
+            <a:pPr algn="ctr"/>
+            <a:r>
+              <a:rPr lang="en-US" sz="1400" b="1" dirty="0">
+                <a:solidFill>
+                  <a:srgbClr val="DA9B00"/>
+                </a:solidFill>
+                <a:latin typeface="Arial" panose="020B0604020202020204" pitchFamily="34" charset="0"/>
+                <a:cs typeface="Arial" panose="020B0604020202020204" pitchFamily="34" charset="0"/>
+              </a:rPr>
+              <a:t>DESIGN</a:t>
+            </a:r>
+            <a:endParaRPr lang="en-ID" sz="1400" b="1" dirty="0">
+              <a:solidFill>
+                <a:srgbClr val="DA9B00"/>
+              </a:solidFill>
+              <a:latin typeface="Arial" panose="020B0604020202020204" pitchFamily="34" charset="0"/>
+              <a:cs typeface="Arial" panose="020B0604020202020204" pitchFamily="34" charset="0"/>
+            </a:endParaRPr>
+          </a:p>
+        </p:txBody>
+      </p:sp>
+      <p:pic>
+        <p:nvPicPr>
+          <p:cNvPr id="31" name="Picture 30">
+            <a:extLst>
+              <a:ext uri="{FF2B5EF4-FFF2-40B4-BE49-F238E27FC236}">
+                <a16:creationId xmlns:a16="http://schemas.microsoft.com/office/drawing/2014/main" id="{C30B485B-C42A-5727-4A1E-77E7196B0338}"/>
+              </a:ext>
+            </a:extLst>
+          </p:cNvPr>
+          <p:cNvPicPr>
+            <a:picLocks noChangeAspect="1"/>
+          </p:cNvPicPr>
+          <p:nvPr/>
+        </p:nvPicPr>
+        <p:blipFill>
+          <a:blip r:embed="rId5">
+            <a:lum bright="70000" contrast="-70000"/>
+            <a:extLst>
+              <a:ext uri="{BEBA8EAE-BF5A-486C-A8C5-ECC9F3942E4B}">
+                <a14:imgProps xmlns:a14="http://schemas.microsoft.com/office/drawing/2010/main">
+                  <a14:imgLayer r:embed="rId6">
+                    <a14:imgEffect>
+                      <a14:sharpenSoften amount="50000"/>
+                    </a14:imgEffect>
+                  </a14:imgLayer>
+                </a14:imgProps>
+              </a:ext>
+              <a:ext uri="{28A0092B-C50C-407E-A947-70E740481C1C}">
+                <a14:useLocalDpi xmlns:a14="http://schemas.microsoft.com/office/drawing/2010/main" val="0"/>
+              </a:ext>
+            </a:extLst>
+          </a:blip>
+          <a:stretch>
+            <a:fillRect/>
+          </a:stretch>
+        </p:blipFill>
+        <p:spPr>
+          <a:xfrm rot="7258122">
+            <a:off x="4590275" y="1567418"/>
+            <a:ext cx="874563" cy="874563"/>
+          </a:xfrm>
+          <a:prstGeom prst="rect">
+            <a:avLst/>
+          </a:prstGeom>
+        </p:spPr>
+      </p:pic>
+      <p:pic>
+        <p:nvPicPr>
+          <p:cNvPr id="32" name="Picture 31">
+            <a:extLst>
+              <a:ext uri="{FF2B5EF4-FFF2-40B4-BE49-F238E27FC236}">
+                <a16:creationId xmlns:a16="http://schemas.microsoft.com/office/drawing/2014/main" id="{7693E47B-0CDA-DAF9-E661-E8F18B28BA55}"/>
+              </a:ext>
+            </a:extLst>
+          </p:cNvPr>
+          <p:cNvPicPr>
+            <a:picLocks noChangeAspect="1"/>
+          </p:cNvPicPr>
+          <p:nvPr/>
+        </p:nvPicPr>
+        <p:blipFill>
+          <a:blip r:embed="rId5">
+            <a:lum bright="70000" contrast="-70000"/>
+            <a:extLst>
+              <a:ext uri="{BEBA8EAE-BF5A-486C-A8C5-ECC9F3942E4B}">
+                <a14:imgProps xmlns:a14="http://schemas.microsoft.com/office/drawing/2010/main">
+                  <a14:imgLayer r:embed="rId6">
+                    <a14:imgEffect>
+                      <a14:sharpenSoften amount="50000"/>
+                    </a14:imgEffect>
+                  </a14:imgLayer>
+                </a14:imgProps>
+              </a:ext>
+              <a:ext uri="{28A0092B-C50C-407E-A947-70E740481C1C}">
+                <a14:useLocalDpi xmlns:a14="http://schemas.microsoft.com/office/drawing/2010/main" val="0"/>
+              </a:ext>
+            </a:extLst>
+          </a:blip>
+          <a:stretch>
+            <a:fillRect/>
+          </a:stretch>
+        </p:blipFill>
+        <p:spPr>
+          <a:xfrm rot="7258122">
+            <a:off x="6925216" y="1527122"/>
+            <a:ext cx="874563" cy="874563"/>
+          </a:xfrm>
+          <a:prstGeom prst="rect">
+            <a:avLst/>
+          </a:prstGeom>
+        </p:spPr>
+      </p:pic>
+      <p:pic>
+        <p:nvPicPr>
+          <p:cNvPr id="33" name="Picture 32">
+            <a:extLst>
+              <a:ext uri="{FF2B5EF4-FFF2-40B4-BE49-F238E27FC236}">
+                <a16:creationId xmlns:a16="http://schemas.microsoft.com/office/drawing/2014/main" id="{E6B8F55D-AD39-B405-7EEF-B993F5E4AD74}"/>
+              </a:ext>
+            </a:extLst>
+          </p:cNvPr>
+          <p:cNvPicPr>
+            <a:picLocks noChangeAspect="1"/>
+          </p:cNvPicPr>
+          <p:nvPr/>
+        </p:nvPicPr>
+        <p:blipFill>
+          <a:blip r:embed="rId5">
+            <a:lum bright="70000" contrast="-70000"/>
+            <a:extLst>
+              <a:ext uri="{BEBA8EAE-BF5A-486C-A8C5-ECC9F3942E4B}">
+                <a14:imgProps xmlns:a14="http://schemas.microsoft.com/office/drawing/2010/main">
+                  <a14:imgLayer r:embed="rId6">
+                    <a14:imgEffect>
+                      <a14:sharpenSoften amount="50000"/>
+                    </a14:imgEffect>
+                  </a14:imgLayer>
+                </a14:imgProps>
+              </a:ext>
+              <a:ext uri="{28A0092B-C50C-407E-A947-70E740481C1C}">
+                <a14:useLocalDpi xmlns:a14="http://schemas.microsoft.com/office/drawing/2010/main" val="0"/>
+              </a:ext>
+            </a:extLst>
+          </a:blip>
+          <a:stretch>
+            <a:fillRect/>
+          </a:stretch>
+        </p:blipFill>
+        <p:spPr>
+          <a:xfrm rot="5400000">
+            <a:off x="8748608" y="1508357"/>
+            <a:ext cx="874563" cy="874563"/>
+          </a:xfrm>
+          <a:prstGeom prst="rect">
+            <a:avLst/>
+          </a:prstGeom>
+        </p:spPr>
+      </p:pic>
+      <p:sp>
+        <p:nvSpPr>
+          <p:cNvPr id="36" name="TextBox 35">
+            <a:extLst>
+              <a:ext uri="{FF2B5EF4-FFF2-40B4-BE49-F238E27FC236}">
+                <a16:creationId xmlns:a16="http://schemas.microsoft.com/office/drawing/2014/main" id="{78B016AD-3C3C-8357-185B-DC10C0F7F092}"/>
+              </a:ext>
+            </a:extLst>
+          </p:cNvPr>
+          <p:cNvSpPr txBox="1"/>
+          <p:nvPr/>
+        </p:nvSpPr>
+        <p:spPr>
+          <a:xfrm>
+            <a:off x="8706790" y="3363942"/>
+            <a:ext cx="1832761" cy="307777"/>
+          </a:xfrm>
+          <a:prstGeom prst="rect">
+            <a:avLst/>
+          </a:prstGeom>
+          <a:noFill/>
+        </p:spPr>
+        <p:txBody>
+          <a:bodyPr wrap="square">
+            <a:spAutoFit/>
+          </a:bodyPr>
+          <a:lstStyle/>
+          <a:p>
+            <a:pPr algn="ctr"/>
+            <a:r>
+              <a:rPr lang="en-US" sz="1400" b="1" dirty="0">
+                <a:solidFill>
+                  <a:srgbClr val="2E6CA4"/>
+                </a:solidFill>
+                <a:latin typeface="Arial" panose="020B0604020202020204" pitchFamily="34" charset="0"/>
+                <a:cs typeface="Arial" panose="020B0604020202020204" pitchFamily="34" charset="0"/>
+              </a:rPr>
+              <a:t>IMPLEMENTATION </a:t>
+            </a:r>
+            <a:endParaRPr lang="en-ID" sz="1400" b="1" dirty="0">
+              <a:solidFill>
+                <a:srgbClr val="2E6CA4"/>
+              </a:solidFill>
+              <a:latin typeface="Arial" panose="020B0604020202020204" pitchFamily="34" charset="0"/>
+              <a:cs typeface="Arial" panose="020B0604020202020204" pitchFamily="34" charset="0"/>
+            </a:endParaRPr>
+          </a:p>
+        </p:txBody>
+      </p:sp>
+      <p:sp>
+        <p:nvSpPr>
+          <p:cNvPr id="37" name="TextBox 36">
+            <a:extLst>
+              <a:ext uri="{FF2B5EF4-FFF2-40B4-BE49-F238E27FC236}">
+                <a16:creationId xmlns:a16="http://schemas.microsoft.com/office/drawing/2014/main" id="{7CE41339-6582-A57A-8C05-B57F449698B3}"/>
+              </a:ext>
+            </a:extLst>
+          </p:cNvPr>
+          <p:cNvSpPr txBox="1"/>
+          <p:nvPr/>
+        </p:nvSpPr>
+        <p:spPr>
+          <a:xfrm>
+            <a:off x="1461825" y="3799211"/>
+            <a:ext cx="2121100" cy="2308324"/>
+          </a:xfrm>
+          <a:prstGeom prst="rect">
+            <a:avLst/>
+          </a:prstGeom>
+          <a:noFill/>
+        </p:spPr>
+        <p:txBody>
+          <a:bodyPr wrap="square" rtlCol="0">
+            <a:spAutoFit/>
+          </a:bodyPr>
+          <a:lstStyle/>
+          <a:p>
+            <a:pPr marL="285750" indent="-285750">
+              <a:buFont typeface="Courier New" panose="02070309020205020404" pitchFamily="49" charset="0"/>
+              <a:buChar char="o"/>
+            </a:pPr>
+            <a:r>
+              <a:rPr lang="en-US" sz="1600" dirty="0" err="1">
+                <a:solidFill>
+                  <a:srgbClr val="4C8923"/>
+                </a:solidFill>
+                <a:latin typeface="Arial" panose="020B0604020202020204" pitchFamily="34" charset="0"/>
+                <a:cs typeface="Arial" panose="020B0604020202020204" pitchFamily="34" charset="0"/>
+              </a:rPr>
+              <a:t>Berdiskusi</a:t>
+            </a:r>
+            <a:r>
+              <a:rPr lang="en-US" sz="1600" dirty="0">
+                <a:solidFill>
+                  <a:srgbClr val="4C8923"/>
+                </a:solidFill>
+                <a:latin typeface="Arial" panose="020B0604020202020204" pitchFamily="34" charset="0"/>
+                <a:cs typeface="Arial" panose="020B0604020202020204" pitchFamily="34" charset="0"/>
+              </a:rPr>
+              <a:t> </a:t>
+            </a:r>
+            <a:r>
+              <a:rPr lang="en-US" sz="1600" dirty="0" err="1">
+                <a:solidFill>
+                  <a:srgbClr val="4C8923"/>
+                </a:solidFill>
+                <a:latin typeface="Arial" panose="020B0604020202020204" pitchFamily="34" charset="0"/>
+                <a:cs typeface="Arial" panose="020B0604020202020204" pitchFamily="34" charset="0"/>
+              </a:rPr>
+              <a:t>untuk</a:t>
+            </a:r>
+            <a:r>
+              <a:rPr lang="en-US" sz="1600" dirty="0">
+                <a:solidFill>
+                  <a:srgbClr val="4C8923"/>
+                </a:solidFill>
+                <a:latin typeface="Arial" panose="020B0604020202020204" pitchFamily="34" charset="0"/>
+                <a:cs typeface="Arial" panose="020B0604020202020204" pitchFamily="34" charset="0"/>
+              </a:rPr>
+              <a:t> </a:t>
+            </a:r>
+            <a:r>
+              <a:rPr lang="en-US" sz="1600" dirty="0" err="1">
+                <a:solidFill>
+                  <a:srgbClr val="4C8923"/>
+                </a:solidFill>
+                <a:latin typeface="Arial" panose="020B0604020202020204" pitchFamily="34" charset="0"/>
+                <a:cs typeface="Arial" panose="020B0604020202020204" pitchFamily="34" charset="0"/>
+              </a:rPr>
+              <a:t>menentukan</a:t>
+            </a:r>
+            <a:r>
+              <a:rPr lang="en-US" sz="1600" dirty="0">
+                <a:solidFill>
+                  <a:srgbClr val="4C8923"/>
+                </a:solidFill>
+                <a:latin typeface="Arial" panose="020B0604020202020204" pitchFamily="34" charset="0"/>
+                <a:cs typeface="Arial" panose="020B0604020202020204" pitchFamily="34" charset="0"/>
+              </a:rPr>
+              <a:t> </a:t>
+            </a:r>
+            <a:r>
+              <a:rPr lang="en-US" sz="1600" dirty="0" err="1">
+                <a:solidFill>
+                  <a:srgbClr val="4C8923"/>
+                </a:solidFill>
+                <a:latin typeface="Arial" panose="020B0604020202020204" pitchFamily="34" charset="0"/>
+                <a:cs typeface="Arial" panose="020B0604020202020204" pitchFamily="34" charset="0"/>
+              </a:rPr>
+              <a:t>kebutuhan</a:t>
+            </a:r>
+            <a:r>
+              <a:rPr lang="en-US" sz="1600" dirty="0">
+                <a:solidFill>
+                  <a:srgbClr val="4C8923"/>
+                </a:solidFill>
+                <a:latin typeface="Arial" panose="020B0604020202020204" pitchFamily="34" charset="0"/>
+                <a:cs typeface="Arial" panose="020B0604020202020204" pitchFamily="34" charset="0"/>
+              </a:rPr>
+              <a:t> </a:t>
+            </a:r>
+            <a:r>
+              <a:rPr lang="en-US" sz="1600" dirty="0" err="1">
+                <a:solidFill>
+                  <a:srgbClr val="4C8923"/>
+                </a:solidFill>
+                <a:latin typeface="Arial" panose="020B0604020202020204" pitchFamily="34" charset="0"/>
+                <a:cs typeface="Arial" panose="020B0604020202020204" pitchFamily="34" charset="0"/>
+              </a:rPr>
+              <a:t>pengembangan</a:t>
+            </a:r>
+            <a:r>
+              <a:rPr lang="en-US" sz="1600" dirty="0">
+                <a:solidFill>
+                  <a:srgbClr val="4C8923"/>
+                </a:solidFill>
+                <a:latin typeface="Arial" panose="020B0604020202020204" pitchFamily="34" charset="0"/>
+                <a:cs typeface="Arial" panose="020B0604020202020204" pitchFamily="34" charset="0"/>
+              </a:rPr>
+              <a:t> </a:t>
+            </a:r>
+            <a:r>
+              <a:rPr lang="en-US" sz="1600" dirty="0" err="1">
+                <a:solidFill>
+                  <a:srgbClr val="4C8923"/>
+                </a:solidFill>
+                <a:latin typeface="Arial" panose="020B0604020202020204" pitchFamily="34" charset="0"/>
+                <a:cs typeface="Arial" panose="020B0604020202020204" pitchFamily="34" charset="0"/>
+              </a:rPr>
+              <a:t>sistem</a:t>
+            </a:r>
+            <a:endParaRPr lang="en-US" sz="1600" dirty="0">
+              <a:solidFill>
+                <a:srgbClr val="4C8923"/>
+              </a:solidFill>
+              <a:latin typeface="Arial" panose="020B0604020202020204" pitchFamily="34" charset="0"/>
+              <a:cs typeface="Arial" panose="020B0604020202020204" pitchFamily="34" charset="0"/>
+            </a:endParaRPr>
+          </a:p>
+          <a:p>
+            <a:pPr marL="285750" indent="-285750">
+              <a:buFont typeface="Courier New" panose="02070309020205020404" pitchFamily="49" charset="0"/>
+              <a:buChar char="o"/>
+            </a:pPr>
+            <a:r>
+              <a:rPr lang="en-US" sz="1600" dirty="0" err="1">
+                <a:solidFill>
+                  <a:srgbClr val="4C8923"/>
+                </a:solidFill>
+                <a:latin typeface="Arial" panose="020B0604020202020204" pitchFamily="34" charset="0"/>
+                <a:cs typeface="Arial" panose="020B0604020202020204" pitchFamily="34" charset="0"/>
+              </a:rPr>
+              <a:t>Referensi</a:t>
+            </a:r>
+            <a:r>
+              <a:rPr lang="en-US" sz="1600" dirty="0">
+                <a:solidFill>
+                  <a:srgbClr val="4C8923"/>
+                </a:solidFill>
+                <a:latin typeface="Arial" panose="020B0604020202020204" pitchFamily="34" charset="0"/>
+                <a:cs typeface="Arial" panose="020B0604020202020204" pitchFamily="34" charset="0"/>
+              </a:rPr>
+              <a:t> </a:t>
+            </a:r>
+            <a:r>
+              <a:rPr lang="en-US" sz="1600" dirty="0" err="1">
+                <a:solidFill>
+                  <a:srgbClr val="4C8923"/>
+                </a:solidFill>
+                <a:latin typeface="Arial" panose="020B0604020202020204" pitchFamily="34" charset="0"/>
+                <a:cs typeface="Arial" panose="020B0604020202020204" pitchFamily="34" charset="0"/>
+              </a:rPr>
+              <a:t>ilmiah</a:t>
+            </a:r>
+            <a:endParaRPr lang="en-US" sz="1600" dirty="0">
+              <a:solidFill>
+                <a:srgbClr val="4C8923"/>
+              </a:solidFill>
+              <a:latin typeface="Arial" panose="020B0604020202020204" pitchFamily="34" charset="0"/>
+              <a:cs typeface="Arial" panose="020B0604020202020204" pitchFamily="34" charset="0"/>
+            </a:endParaRPr>
+          </a:p>
+          <a:p>
+            <a:pPr marL="285750" indent="-285750">
+              <a:buFont typeface="Courier New" panose="02070309020205020404" pitchFamily="49" charset="0"/>
+              <a:buChar char="o"/>
+            </a:pPr>
+            <a:r>
+              <a:rPr lang="en-ID" sz="1600" dirty="0" err="1">
+                <a:solidFill>
+                  <a:srgbClr val="4C8923"/>
+                </a:solidFill>
+                <a:latin typeface="Arial" panose="020B0604020202020204" pitchFamily="34" charset="0"/>
+                <a:cs typeface="Arial" panose="020B0604020202020204" pitchFamily="34" charset="0"/>
+              </a:rPr>
+              <a:t>Sampel</a:t>
+            </a:r>
+            <a:r>
+              <a:rPr lang="en-ID" sz="1600" dirty="0">
+                <a:solidFill>
+                  <a:srgbClr val="4C8923"/>
+                </a:solidFill>
+                <a:latin typeface="Arial" panose="020B0604020202020204" pitchFamily="34" charset="0"/>
+                <a:cs typeface="Arial" panose="020B0604020202020204" pitchFamily="34" charset="0"/>
+              </a:rPr>
+              <a:t> </a:t>
+            </a:r>
+            <a:r>
+              <a:rPr lang="en-ID" sz="1600" dirty="0" err="1">
+                <a:solidFill>
+                  <a:srgbClr val="4C8923"/>
+                </a:solidFill>
+                <a:latin typeface="Arial" panose="020B0604020202020204" pitchFamily="34" charset="0"/>
+                <a:cs typeface="Arial" panose="020B0604020202020204" pitchFamily="34" charset="0"/>
+              </a:rPr>
+              <a:t>aplikasi</a:t>
+            </a:r>
+            <a:r>
+              <a:rPr lang="en-ID" sz="1600" dirty="0">
+                <a:solidFill>
+                  <a:srgbClr val="4C8923"/>
+                </a:solidFill>
+                <a:latin typeface="Arial" panose="020B0604020202020204" pitchFamily="34" charset="0"/>
+                <a:cs typeface="Arial" panose="020B0604020202020204" pitchFamily="34" charset="0"/>
+              </a:rPr>
+              <a:t> yang </a:t>
+            </a:r>
+            <a:r>
+              <a:rPr lang="en-ID" sz="1600" dirty="0" err="1">
+                <a:solidFill>
+                  <a:srgbClr val="4C8923"/>
+                </a:solidFill>
+                <a:latin typeface="Arial" panose="020B0604020202020204" pitchFamily="34" charset="0"/>
+                <a:cs typeface="Arial" panose="020B0604020202020204" pitchFamily="34" charset="0"/>
+              </a:rPr>
+              <a:t>telah</a:t>
+            </a:r>
+            <a:r>
+              <a:rPr lang="en-ID" sz="1600" dirty="0">
+                <a:solidFill>
+                  <a:srgbClr val="4C8923"/>
+                </a:solidFill>
+                <a:latin typeface="Arial" panose="020B0604020202020204" pitchFamily="34" charset="0"/>
+                <a:cs typeface="Arial" panose="020B0604020202020204" pitchFamily="34" charset="0"/>
+              </a:rPr>
+              <a:t> </a:t>
+            </a:r>
+            <a:r>
+              <a:rPr lang="en-ID" sz="1600" dirty="0" err="1">
+                <a:solidFill>
+                  <a:srgbClr val="4C8923"/>
+                </a:solidFill>
+                <a:latin typeface="Arial" panose="020B0604020202020204" pitchFamily="34" charset="0"/>
+                <a:cs typeface="Arial" panose="020B0604020202020204" pitchFamily="34" charset="0"/>
+              </a:rPr>
+              <a:t>ada</a:t>
+            </a:r>
+            <a:endParaRPr lang="en-ID" sz="1600" dirty="0">
+              <a:solidFill>
+                <a:srgbClr val="4C8923"/>
+              </a:solidFill>
+              <a:latin typeface="Arial" panose="020B0604020202020204" pitchFamily="34" charset="0"/>
+              <a:cs typeface="Arial" panose="020B0604020202020204" pitchFamily="34" charset="0"/>
+            </a:endParaRPr>
+          </a:p>
+          <a:p>
+            <a:pPr marL="285750" indent="-285750">
+              <a:buFont typeface="Courier New" panose="02070309020205020404" pitchFamily="49" charset="0"/>
+              <a:buChar char="o"/>
+            </a:pPr>
+            <a:r>
+              <a:rPr lang="en-ID" sz="1600" dirty="0" err="1">
+                <a:solidFill>
+                  <a:srgbClr val="4C8923"/>
+                </a:solidFill>
+                <a:latin typeface="Arial" panose="020B0604020202020204" pitchFamily="34" charset="0"/>
+                <a:cs typeface="Arial" panose="020B0604020202020204" pitchFamily="34" charset="0"/>
+              </a:rPr>
+              <a:t>Pembuatan</a:t>
+            </a:r>
+            <a:r>
+              <a:rPr lang="en-ID" sz="1600" dirty="0">
+                <a:solidFill>
+                  <a:srgbClr val="4C8923"/>
+                </a:solidFill>
+                <a:latin typeface="Arial" panose="020B0604020202020204" pitchFamily="34" charset="0"/>
+                <a:cs typeface="Arial" panose="020B0604020202020204" pitchFamily="34" charset="0"/>
+              </a:rPr>
+              <a:t> WBS </a:t>
+            </a:r>
+          </a:p>
+        </p:txBody>
+      </p:sp>
+      <p:sp>
+        <p:nvSpPr>
+          <p:cNvPr id="38" name="TextBox 37">
+            <a:extLst>
+              <a:ext uri="{FF2B5EF4-FFF2-40B4-BE49-F238E27FC236}">
+                <a16:creationId xmlns:a16="http://schemas.microsoft.com/office/drawing/2014/main" id="{65BCAD63-A3C1-E0FA-CCEC-FC180F9B7124}"/>
+              </a:ext>
+            </a:extLst>
+          </p:cNvPr>
+          <p:cNvSpPr txBox="1"/>
+          <p:nvPr/>
+        </p:nvSpPr>
+        <p:spPr>
+          <a:xfrm>
+            <a:off x="3974898" y="3799211"/>
+            <a:ext cx="2121100" cy="1323439"/>
+          </a:xfrm>
+          <a:prstGeom prst="rect">
+            <a:avLst/>
+          </a:prstGeom>
+          <a:noFill/>
+        </p:spPr>
+        <p:txBody>
+          <a:bodyPr wrap="square" rtlCol="0">
+            <a:spAutoFit/>
+          </a:bodyPr>
+          <a:lstStyle/>
+          <a:p>
+            <a:pPr marL="285750" indent="-285750">
+              <a:buFont typeface="Courier New" panose="02070309020205020404" pitchFamily="49" charset="0"/>
+              <a:buChar char="o"/>
+            </a:pPr>
+            <a:r>
+              <a:rPr lang="en-US" sz="1600" dirty="0" err="1">
+                <a:solidFill>
+                  <a:srgbClr val="BE5108"/>
+                </a:solidFill>
+                <a:latin typeface="Arial" panose="020B0604020202020204" pitchFamily="34" charset="0"/>
+                <a:cs typeface="Arial" panose="020B0604020202020204" pitchFamily="34" charset="0"/>
+              </a:rPr>
+              <a:t>Identifikasi</a:t>
+            </a:r>
+            <a:r>
+              <a:rPr lang="en-US" sz="1600" dirty="0">
+                <a:solidFill>
+                  <a:srgbClr val="BE5108"/>
+                </a:solidFill>
+                <a:latin typeface="Arial" panose="020B0604020202020204" pitchFamily="34" charset="0"/>
+                <a:cs typeface="Arial" panose="020B0604020202020204" pitchFamily="34" charset="0"/>
+              </a:rPr>
+              <a:t> </a:t>
+            </a:r>
+            <a:r>
+              <a:rPr lang="en-US" sz="1600" dirty="0" err="1">
+                <a:solidFill>
+                  <a:srgbClr val="BE5108"/>
+                </a:solidFill>
+                <a:latin typeface="Arial" panose="020B0604020202020204" pitchFamily="34" charset="0"/>
+                <a:cs typeface="Arial" panose="020B0604020202020204" pitchFamily="34" charset="0"/>
+              </a:rPr>
+              <a:t>kebutuhan</a:t>
+            </a:r>
+            <a:r>
+              <a:rPr lang="en-US" sz="1600" dirty="0">
+                <a:solidFill>
+                  <a:srgbClr val="BE5108"/>
+                </a:solidFill>
+                <a:latin typeface="Arial" panose="020B0604020202020204" pitchFamily="34" charset="0"/>
+                <a:cs typeface="Arial" panose="020B0604020202020204" pitchFamily="34" charset="0"/>
+              </a:rPr>
+              <a:t> </a:t>
+            </a:r>
+            <a:r>
+              <a:rPr lang="en-US" sz="1600" dirty="0" err="1">
+                <a:solidFill>
+                  <a:srgbClr val="BE5108"/>
+                </a:solidFill>
+                <a:latin typeface="Arial" panose="020B0604020202020204" pitchFamily="34" charset="0"/>
+                <a:cs typeface="Arial" panose="020B0604020202020204" pitchFamily="34" charset="0"/>
+              </a:rPr>
+              <a:t>perangkat</a:t>
+            </a:r>
+            <a:r>
+              <a:rPr lang="en-US" sz="1600" dirty="0">
+                <a:solidFill>
+                  <a:srgbClr val="BE5108"/>
+                </a:solidFill>
+                <a:latin typeface="Arial" panose="020B0604020202020204" pitchFamily="34" charset="0"/>
+                <a:cs typeface="Arial" panose="020B0604020202020204" pitchFamily="34" charset="0"/>
+              </a:rPr>
+              <a:t> </a:t>
+            </a:r>
+            <a:r>
+              <a:rPr lang="en-US" sz="1600" dirty="0" err="1">
+                <a:solidFill>
+                  <a:srgbClr val="BE5108"/>
+                </a:solidFill>
+                <a:latin typeface="Arial" panose="020B0604020202020204" pitchFamily="34" charset="0"/>
+                <a:cs typeface="Arial" panose="020B0604020202020204" pitchFamily="34" charset="0"/>
+              </a:rPr>
+              <a:t>keras</a:t>
+            </a:r>
+            <a:r>
+              <a:rPr lang="en-US" sz="1600" dirty="0">
+                <a:solidFill>
+                  <a:srgbClr val="BE5108"/>
+                </a:solidFill>
+                <a:latin typeface="Arial" panose="020B0604020202020204" pitchFamily="34" charset="0"/>
+                <a:cs typeface="Arial" panose="020B0604020202020204" pitchFamily="34" charset="0"/>
+              </a:rPr>
+              <a:t> dan </a:t>
+            </a:r>
+            <a:r>
+              <a:rPr lang="en-US" sz="1600" dirty="0" err="1">
+                <a:solidFill>
+                  <a:srgbClr val="BE5108"/>
+                </a:solidFill>
+                <a:latin typeface="Arial" panose="020B0604020202020204" pitchFamily="34" charset="0"/>
+                <a:cs typeface="Arial" panose="020B0604020202020204" pitchFamily="34" charset="0"/>
+              </a:rPr>
+              <a:t>perangkat</a:t>
+            </a:r>
+            <a:r>
+              <a:rPr lang="en-US" sz="1600" dirty="0">
+                <a:solidFill>
+                  <a:srgbClr val="BE5108"/>
+                </a:solidFill>
+                <a:latin typeface="Arial" panose="020B0604020202020204" pitchFamily="34" charset="0"/>
+                <a:cs typeface="Arial" panose="020B0604020202020204" pitchFamily="34" charset="0"/>
+              </a:rPr>
+              <a:t> </a:t>
+            </a:r>
+            <a:r>
+              <a:rPr lang="en-US" sz="1600" dirty="0" err="1">
+                <a:solidFill>
+                  <a:srgbClr val="BE5108"/>
+                </a:solidFill>
+                <a:latin typeface="Arial" panose="020B0604020202020204" pitchFamily="34" charset="0"/>
+                <a:cs typeface="Arial" panose="020B0604020202020204" pitchFamily="34" charset="0"/>
+              </a:rPr>
+              <a:t>lunak</a:t>
+            </a:r>
+            <a:r>
+              <a:rPr lang="en-US" sz="1600" dirty="0">
+                <a:solidFill>
+                  <a:srgbClr val="BE5108"/>
+                </a:solidFill>
+                <a:latin typeface="Arial" panose="020B0604020202020204" pitchFamily="34" charset="0"/>
+                <a:cs typeface="Arial" panose="020B0604020202020204" pitchFamily="34" charset="0"/>
+              </a:rPr>
+              <a:t> </a:t>
+            </a:r>
+            <a:endParaRPr lang="en-ID" sz="1600" dirty="0">
+              <a:solidFill>
+                <a:srgbClr val="BE5108"/>
+              </a:solidFill>
+              <a:latin typeface="Arial" panose="020B0604020202020204" pitchFamily="34" charset="0"/>
+              <a:cs typeface="Arial" panose="020B0604020202020204" pitchFamily="34" charset="0"/>
+            </a:endParaRPr>
+          </a:p>
+        </p:txBody>
+      </p:sp>
+    </p:spTree>
+    <p:extLst>
+      <p:ext uri="{BB962C8B-B14F-4D97-AF65-F5344CB8AC3E}">
+        <p14:creationId xmlns:p14="http://schemas.microsoft.com/office/powerpoint/2010/main" val="1972308490"/>
+      </p:ext>
+    </p:extLst>
+  </p:cSld>
+  <p:clrMapOvr>
+    <a:masterClrMapping/>
+  </p:clrMapOvr>
+  <mc:AlternateContent xmlns:mc="http://schemas.openxmlformats.org/markup-compatibility/2006" xmlns:p159="http://schemas.microsoft.com/office/powerpoint/2015/09/main">
+    <mc:Choice Requires="p159">
+      <p:transition xmlns:p14="http://schemas.microsoft.com/office/powerpoint/2010/main" spd="slow" p14:dur="2000">
+        <p159:morph option="byObject"/>
+      </p:transition>
+    </mc:Choice>
+    <mc:Fallback xmlns="">
+      <p:transition spd="slow">
+        <p:fade/>
+      </p:transition>
+    </mc:Fallback>
+  </mc:AlternateContent>
+</p:sld>
+</file>
+
+<file path=ppt/slides/slide12.xml><?xml version="1.0" encoding="utf-8"?>
+<p:sld xmlns:a="http://schemas.openxmlformats.org/drawingml/2006/main" xmlns:r="http://schemas.openxmlformats.org/officeDocument/2006/relationships" xmlns:p="http://schemas.openxmlformats.org/presentationml/2006/main">
+  <p:cSld>
+    <p:bg>
+      <p:bgPr>
+        <a:solidFill>
+          <a:srgbClr val="5CA0CA"/>
+        </a:solidFill>
+        <a:effectLst/>
+      </p:bgPr>
+    </p:bg>
+    <p:spTree>
+      <p:nvGrpSpPr>
+        <p:cNvPr id="1" name=""/>
+        <p:cNvGrpSpPr/>
+        <p:nvPr/>
+      </p:nvGrpSpPr>
+      <p:grpSpPr>
+        <a:xfrm>
+          <a:off x="0" y="0"/>
+          <a:ext cx="0" cy="0"/>
+          <a:chOff x="0" y="0"/>
+          <a:chExt cx="0" cy="0"/>
+        </a:xfrm>
+      </p:grpSpPr>
+      <p:sp>
+        <p:nvSpPr>
+          <p:cNvPr id="2" name="Title 1">
+            <a:extLst>
+              <a:ext uri="{FF2B5EF4-FFF2-40B4-BE49-F238E27FC236}">
+                <a16:creationId xmlns:a16="http://schemas.microsoft.com/office/drawing/2014/main" id="{4152192D-3FA2-C559-D8B0-E1AADB0DB65F}"/>
+              </a:ext>
+            </a:extLst>
+          </p:cNvPr>
+          <p:cNvSpPr>
+            <a:spLocks noGrp="1"/>
+          </p:cNvSpPr>
+          <p:nvPr>
+            <p:ph type="ctrTitle"/>
+          </p:nvPr>
+        </p:nvSpPr>
+        <p:spPr>
+          <a:xfrm>
+            <a:off x="1524000" y="2966308"/>
+            <a:ext cx="9144000" cy="925383"/>
+          </a:xfrm>
+        </p:spPr>
+        <p:txBody>
+          <a:bodyPr>
+            <a:normAutofit fontScale="90000"/>
+          </a:bodyPr>
+          <a:lstStyle/>
+          <a:p>
+            <a:r>
+              <a:rPr lang="en-US" sz="4000" dirty="0">
+                <a:latin typeface="+mn-lt"/>
+              </a:rPr>
+              <a:t>‘Lean production’</a:t>
+            </a:r>
+            <a:br>
+              <a:rPr lang="en-US" dirty="0">
+                <a:latin typeface="+mn-lt"/>
+              </a:rPr>
+            </a:br>
+            <a:r>
+              <a:rPr lang="en-US" sz="2200" dirty="0">
+                <a:latin typeface="+mn-lt"/>
+              </a:rPr>
+              <a:t>better all the time – James </a:t>
+            </a:r>
+            <a:r>
+              <a:rPr lang="en-US" sz="2200" dirty="0" err="1">
+                <a:latin typeface="+mn-lt"/>
+              </a:rPr>
+              <a:t>Suroweicki</a:t>
+            </a:r>
+            <a:r>
+              <a:rPr lang="en-US" sz="2200" dirty="0">
+                <a:latin typeface="+mn-lt"/>
+              </a:rPr>
+              <a:t> (James clear – </a:t>
+            </a:r>
+            <a:r>
+              <a:rPr lang="en-US" sz="2200" dirty="0" err="1">
+                <a:latin typeface="+mn-lt"/>
+              </a:rPr>
+              <a:t>Buku</a:t>
+            </a:r>
+            <a:r>
+              <a:rPr lang="en-US" sz="2200" dirty="0">
+                <a:latin typeface="+mn-lt"/>
+              </a:rPr>
+              <a:t> atomic </a:t>
+            </a:r>
+            <a:r>
+              <a:rPr lang="en-US" sz="2200" dirty="0" err="1">
+                <a:latin typeface="+mn-lt"/>
+              </a:rPr>
+              <a:t>habbits</a:t>
+            </a:r>
+            <a:r>
+              <a:rPr lang="en-US" sz="2200" dirty="0">
+                <a:latin typeface="+mn-lt"/>
+              </a:rPr>
+              <a:t>)</a:t>
+            </a:r>
+            <a:endParaRPr lang="en-ID" sz="2200" dirty="0">
+              <a:latin typeface="+mn-lt"/>
+            </a:endParaRPr>
+          </a:p>
+        </p:txBody>
+      </p:sp>
+    </p:spTree>
+    <p:extLst>
+      <p:ext uri="{BB962C8B-B14F-4D97-AF65-F5344CB8AC3E}">
+        <p14:creationId xmlns:p14="http://schemas.microsoft.com/office/powerpoint/2010/main" val="934767854"/>
+      </p:ext>
+    </p:extLst>
+  </p:cSld>
+  <p:clrMapOvr>
+    <a:masterClrMapping/>
+  </p:clrMapOvr>
 </p:sld>
 </file>
 
@@ -5221,7 +8261,7 @@
           </a:bodyPr>
           <a:lstStyle/>
           <a:p>
-            <a:pPr marL="342900" indent="-342900" algn="just">
+            <a:pPr marL="342900" indent="-342900">
               <a:buFont typeface="Courier New" panose="02070309020205020404" pitchFamily="49" charset="0"/>
               <a:buChar char="o"/>
             </a:pPr>
@@ -5280,7 +8320,7 @@
             </a:endParaRPr>
           </a:p>
           <a:p>
-            <a:pPr marL="342900" indent="-342900" algn="just">
+            <a:pPr marL="342900" indent="-342900">
               <a:buFont typeface="Courier New" panose="02070309020205020404" pitchFamily="49" charset="0"/>
               <a:buChar char="o"/>
             </a:pPr>
@@ -5384,7 +8424,7 @@
           </a:bodyPr>
           <a:lstStyle/>
           <a:p>
-            <a:pPr marL="342900" indent="-342900" algn="just">
+            <a:pPr marL="342900" indent="-342900">
               <a:buFont typeface="Courier New" panose="02070309020205020404" pitchFamily="49" charset="0"/>
               <a:buChar char="o"/>
             </a:pPr>
@@ -5418,7 +8458,7 @@
             </a:r>
           </a:p>
           <a:p>
-            <a:pPr marL="342900" indent="-342900" algn="just">
+            <a:pPr marL="342900" indent="-342900">
               <a:buFont typeface="Courier New" panose="02070309020205020404" pitchFamily="49" charset="0"/>
               <a:buChar char="o"/>
             </a:pPr>
@@ -5445,7 +8485,7 @@
             </a:r>
           </a:p>
           <a:p>
-            <a:pPr marL="342900" indent="-342900" algn="just">
+            <a:pPr marL="342900" indent="-342900">
               <a:buFont typeface="Courier New" panose="02070309020205020404" pitchFamily="49" charset="0"/>
               <a:buChar char="o"/>
             </a:pPr>
@@ -5664,7 +8704,7 @@
           </a:bodyPr>
           <a:lstStyle/>
           <a:p>
-            <a:pPr marL="342900" indent="-342900" algn="just">
+            <a:pPr marL="342900" indent="-342900">
               <a:buFont typeface="Courier New" panose="02070309020205020404" pitchFamily="49" charset="0"/>
               <a:buChar char="o"/>
             </a:pPr>
@@ -5726,7 +8766,7 @@
             </a:r>
           </a:p>
           <a:p>
-            <a:pPr marL="342900" indent="-342900" algn="just">
+            <a:pPr marL="342900" indent="-342900">
               <a:buFont typeface="Courier New" panose="02070309020205020404" pitchFamily="49" charset="0"/>
               <a:buChar char="o"/>
             </a:pPr>
@@ -5821,7 +8861,7 @@
           </a:bodyPr>
           <a:lstStyle/>
           <a:p>
-            <a:pPr marL="342900" indent="-342900" algn="just">
+            <a:pPr marL="342900" indent="-342900">
               <a:buFont typeface="Courier New" panose="02070309020205020404" pitchFamily="49" charset="0"/>
               <a:buChar char="o"/>
             </a:pPr>
@@ -5922,7 +8962,7 @@
             </a:endParaRPr>
           </a:p>
           <a:p>
-            <a:pPr marL="342900" indent="-342900" algn="just">
+            <a:pPr marL="342900" indent="-342900">
               <a:buFont typeface="Courier New" panose="02070309020205020404" pitchFamily="49" charset="0"/>
               <a:buChar char="o"/>
             </a:pPr>
@@ -6161,7 +9201,7 @@
           </a:bodyPr>
           <a:lstStyle/>
           <a:p>
-            <a:pPr marL="342900" indent="-342900" algn="just">
+            <a:pPr marL="342900" indent="-342900">
               <a:buFont typeface="Courier New" panose="02070309020205020404" pitchFamily="49" charset="0"/>
               <a:buChar char="o"/>
             </a:pPr>
@@ -6188,7 +9228,7 @@
             </a:r>
           </a:p>
           <a:p>
-            <a:pPr marL="342900" indent="-342900" algn="just">
+            <a:pPr marL="342900" indent="-342900">
               <a:buFont typeface="Courier New" panose="02070309020205020404" pitchFamily="49" charset="0"/>
               <a:buChar char="o"/>
             </a:pPr>
@@ -6234,7 +9274,7 @@
           </a:bodyPr>
           <a:lstStyle/>
           <a:p>
-            <a:pPr marL="342900" indent="-342900" algn="just">
+            <a:pPr marL="342900" indent="-342900">
               <a:buFont typeface="Courier New" panose="02070309020205020404" pitchFamily="49" charset="0"/>
               <a:buChar char="o"/>
             </a:pPr>
@@ -6247,7 +9287,7 @@
             </a:r>
           </a:p>
           <a:p>
-            <a:pPr marL="625475" lvl="1" indent="-285750" algn="just">
+            <a:pPr marL="625475" lvl="1" indent="-285750">
               <a:buFont typeface="Wingdings" panose="05000000000000000000" pitchFamily="2" charset="2"/>
               <a:buChar char="§"/>
             </a:pPr>
@@ -6264,7 +9304,7 @@
             </a:endParaRPr>
           </a:p>
           <a:p>
-            <a:pPr marL="625475" lvl="1" indent="-285750" algn="just">
+            <a:pPr marL="625475" lvl="1" indent="-285750">
               <a:buFont typeface="Wingdings" panose="05000000000000000000" pitchFamily="2" charset="2"/>
               <a:buChar char="§"/>
             </a:pPr>
@@ -6277,7 +9317,7 @@
             </a:r>
           </a:p>
           <a:p>
-            <a:pPr marL="625475" lvl="1" indent="-285750" algn="just">
+            <a:pPr marL="625475" lvl="1" indent="-285750">
               <a:buFont typeface="Wingdings" panose="05000000000000000000" pitchFamily="2" charset="2"/>
               <a:buChar char="§"/>
             </a:pPr>
@@ -6323,7 +9363,7 @@
           </a:bodyPr>
           <a:lstStyle/>
           <a:p>
-            <a:pPr marL="342900" indent="-342900" algn="just">
+            <a:pPr marL="342900" indent="-342900">
               <a:buFont typeface="Courier New" panose="02070309020205020404" pitchFamily="49" charset="0"/>
               <a:buChar char="o"/>
             </a:pPr>
@@ -6411,7 +9451,7 @@
           </a:bodyPr>
           <a:lstStyle/>
           <a:p>
-            <a:pPr marL="342900" indent="-342900" algn="just">
+            <a:pPr marL="342900" indent="-342900">
               <a:buFont typeface="Courier New" panose="02070309020205020404" pitchFamily="49" charset="0"/>
               <a:buChar char="o"/>
             </a:pPr>
@@ -8704,7 +11744,7 @@
         </p:blipFill>
         <p:spPr>
           <a:xfrm rot="2473072">
-            <a:off x="5526172" y="2603809"/>
+            <a:off x="5440181" y="2597928"/>
             <a:ext cx="1188721" cy="1188721"/>
           </a:xfrm>
           <a:prstGeom prst="rect">
@@ -8750,7 +11790,7 @@
         </p:blipFill>
         <p:spPr>
           <a:xfrm>
-            <a:off x="3467266" y="2283768"/>
+            <a:off x="3453010" y="2109563"/>
             <a:ext cx="1828800" cy="1828800"/>
           </a:xfrm>
           <a:prstGeom prst="rect">
@@ -8772,7 +11812,7 @@
         </p:nvSpPr>
         <p:spPr>
           <a:xfrm>
-            <a:off x="6787273" y="2967335"/>
+            <a:off x="6740620" y="2958314"/>
             <a:ext cx="1986526" cy="461665"/>
           </a:xfrm>
           <a:prstGeom prst="rect">
@@ -8825,7 +11865,7 @@
         </p:nvSpPr>
         <p:spPr>
           <a:xfrm>
-            <a:off x="2207937" y="4428068"/>
+            <a:off x="2207937" y="4546251"/>
             <a:ext cx="7776122" cy="1077218"/>
           </a:xfrm>
           <a:prstGeom prst="rect">
@@ -9212,6 +12252,59 @@
               <a:t>.</a:t>
             </a:r>
             <a:endParaRPr lang="en-ID" sz="1600" dirty="0">
+              <a:latin typeface="Arial" panose="020B0604020202020204" pitchFamily="34" charset="0"/>
+              <a:cs typeface="Arial" panose="020B0604020202020204" pitchFamily="34" charset="0"/>
+            </a:endParaRPr>
+          </a:p>
+        </p:txBody>
+      </p:sp>
+      <p:sp>
+        <p:nvSpPr>
+          <p:cNvPr id="9" name="TextBox 8">
+            <a:extLst>
+              <a:ext uri="{FF2B5EF4-FFF2-40B4-BE49-F238E27FC236}">
+                <a16:creationId xmlns:a16="http://schemas.microsoft.com/office/drawing/2014/main" id="{627DFF7C-29E2-74C5-AF6A-3DED2BA0850E}"/>
+              </a:ext>
+            </a:extLst>
+          </p:cNvPr>
+          <p:cNvSpPr txBox="1"/>
+          <p:nvPr/>
+        </p:nvSpPr>
+        <p:spPr>
+          <a:xfrm>
+            <a:off x="2884737" y="3952383"/>
+            <a:ext cx="1986526" cy="461665"/>
+          </a:xfrm>
+          <a:prstGeom prst="rect">
+            <a:avLst/>
+          </a:prstGeom>
+          <a:noFill/>
+        </p:spPr>
+        <p:txBody>
+          <a:bodyPr wrap="square" rtlCol="0">
+            <a:spAutoFit/>
+          </a:bodyPr>
+          <a:lstStyle/>
+          <a:p>
+            <a:pPr algn="ctr"/>
+            <a:r>
+              <a:rPr lang="en-US" sz="2400" b="1" dirty="0">
+                <a:solidFill>
+                  <a:schemeClr val="bg2">
+                    <a:lumMod val="50000"/>
+                  </a:schemeClr>
+                </a:solidFill>
+                <a:latin typeface="Arial" panose="020B0604020202020204" pitchFamily="34" charset="0"/>
+                <a:cs typeface="Arial" panose="020B0604020202020204" pitchFamily="34" charset="0"/>
+              </a:rPr>
+              <a:t>GPS</a:t>
+            </a:r>
+            <a:endParaRPr lang="en-ID" sz="2400" b="1" dirty="0">
+              <a:solidFill>
+                <a:schemeClr val="bg2">
+                  <a:lumMod val="50000"/>
+                </a:schemeClr>
+              </a:solidFill>
               <a:latin typeface="Arial" panose="020B0604020202020204" pitchFamily="34" charset="0"/>
               <a:cs typeface="Arial" panose="020B0604020202020204" pitchFamily="34" charset="0"/>
             </a:endParaRPr>
@@ -9543,7 +12636,7 @@
         </p:nvSpPr>
         <p:spPr>
           <a:xfrm>
-            <a:off x="2614991" y="3910116"/>
+            <a:off x="2614991" y="3851121"/>
             <a:ext cx="1986526" cy="461665"/>
           </a:xfrm>
           <a:prstGeom prst="rect">
@@ -9597,7 +12690,7 @@
         <p:spPr>
           <a:xfrm>
             <a:off x="2207937" y="4632488"/>
-            <a:ext cx="7776122" cy="1323439"/>
+            <a:ext cx="7776122" cy="1569660"/>
           </a:xfrm>
           <a:prstGeom prst="rect">
             <a:avLst/>
@@ -9848,6 +12941,62 @@
                 <a:cs typeface="Arial" panose="020B0604020202020204" pitchFamily="34" charset="0"/>
               </a:rPr>
               <a:t>. </a:t>
+            </a:r>
+            <a:r>
+              <a:rPr lang="en-US" sz="1600" dirty="0" err="1">
+                <a:latin typeface="Arial" panose="020B0604020202020204" pitchFamily="34" charset="0"/>
+                <a:cs typeface="Arial" panose="020B0604020202020204" pitchFamily="34" charset="0"/>
+              </a:rPr>
+              <a:t>Menurut</a:t>
+            </a:r>
+            <a:r>
+              <a:rPr lang="en-US" sz="1600" dirty="0">
+                <a:latin typeface="Arial" panose="020B0604020202020204" pitchFamily="34" charset="0"/>
+                <a:cs typeface="Arial" panose="020B0604020202020204" pitchFamily="34" charset="0"/>
+              </a:rPr>
+              <a:t> </a:t>
+            </a:r>
+            <a:r>
+              <a:rPr lang="en-US" sz="1600" dirty="0" err="1">
+                <a:latin typeface="Arial" panose="020B0604020202020204" pitchFamily="34" charset="0"/>
+                <a:cs typeface="Arial" panose="020B0604020202020204" pitchFamily="34" charset="0"/>
+              </a:rPr>
+              <a:t>Yusup</a:t>
+            </a:r>
+            <a:r>
+              <a:rPr lang="en-US" sz="1600" dirty="0">
+                <a:latin typeface="Arial" panose="020B0604020202020204" pitchFamily="34" charset="0"/>
+                <a:cs typeface="Arial" panose="020B0604020202020204" pitchFamily="34" charset="0"/>
+              </a:rPr>
+              <a:t> </a:t>
+            </a:r>
+            <a:r>
+              <a:rPr lang="en-US" sz="1600" dirty="0" err="1">
+                <a:latin typeface="Arial" panose="020B0604020202020204" pitchFamily="34" charset="0"/>
+                <a:cs typeface="Arial" panose="020B0604020202020204" pitchFamily="34" charset="0"/>
+              </a:rPr>
+              <a:t>Miftahudin</a:t>
+            </a:r>
+            <a:r>
+              <a:rPr lang="en-US" sz="1600" dirty="0">
+                <a:latin typeface="Arial" panose="020B0604020202020204" pitchFamily="34" charset="0"/>
+                <a:cs typeface="Arial" panose="020B0604020202020204" pitchFamily="34" charset="0"/>
+              </a:rPr>
+              <a:t> </a:t>
+            </a:r>
+            <a:r>
+              <a:rPr lang="en-US" sz="1600" dirty="0" err="1">
+                <a:latin typeface="Arial" panose="020B0604020202020204" pitchFamily="34" charset="0"/>
+                <a:cs typeface="Arial" panose="020B0604020202020204" pitchFamily="34" charset="0"/>
+              </a:rPr>
+              <a:t>dkk</a:t>
+            </a:r>
+            <a:r>
+              <a:rPr lang="en-US" sz="1600" dirty="0">
+                <a:latin typeface="Arial" panose="020B0604020202020204" pitchFamily="34" charset="0"/>
+                <a:cs typeface="Arial" panose="020B0604020202020204" pitchFamily="34" charset="0"/>
+              </a:rPr>
+              <a:t>, </a:t>
             </a:r>
             <a:r>
               <a:rPr lang="en-US" sz="1600" dirty="0" err="1">
@@ -10206,14 +13355,6 @@
 <file path=ppt/slides/slide9.xml><?xml version="1.0" encoding="utf-8"?>
 <p:sld xmlns:a="http://schemas.openxmlformats.org/drawingml/2006/main" xmlns:r="http://schemas.openxmlformats.org/officeDocument/2006/relationships" xmlns:p="http://schemas.openxmlformats.org/presentationml/2006/main">
   <p:cSld>
-    <p:bg>
-      <p:bgPr>
-        <a:solidFill>
-          <a:srgbClr val="5CA0CA"/>
-        </a:solidFill>
-        <a:effectLst/>
-      </p:bgPr>
-    </p:bg>
     <p:spTree>
       <p:nvGrpSpPr>
         <p:cNvPr id="1" name=""/>
@@ -10230,101 +13371,1903 @@
       </p:grpSpPr>
       <p:sp>
         <p:nvSpPr>
-          <p:cNvPr id="2" name="Title 1">
-            <a:extLst>
-              <a:ext uri="{FF2B5EF4-FFF2-40B4-BE49-F238E27FC236}">
-                <a16:creationId xmlns:a16="http://schemas.microsoft.com/office/drawing/2014/main" id="{4152192D-3FA2-C559-D8B0-E1AADB0DB65F}"/>
-              </a:ext>
-            </a:extLst>
-          </p:cNvPr>
-          <p:cNvSpPr>
-            <a:spLocks noGrp="1"/>
-          </p:cNvSpPr>
-          <p:nvPr>
-            <p:ph type="ctrTitle"/>
-          </p:nvPr>
+          <p:cNvPr id="2" name="TextBox 1">
+            <a:extLst>
+              <a:ext uri="{FF2B5EF4-FFF2-40B4-BE49-F238E27FC236}">
+                <a16:creationId xmlns:a16="http://schemas.microsoft.com/office/drawing/2014/main" id="{F5D344A1-39FE-052D-1B9C-3C500FCD5362}"/>
+              </a:ext>
+            </a:extLst>
+          </p:cNvPr>
+          <p:cNvSpPr txBox="1"/>
+          <p:nvPr/>
         </p:nvSpPr>
         <p:spPr>
           <a:xfrm>
-            <a:off x="1524000" y="2966308"/>
-            <a:ext cx="9144000" cy="925383"/>
-          </a:xfrm>
+            <a:off x="2522375" y="524445"/>
+            <a:ext cx="7147249" cy="458780"/>
+          </a:xfrm>
+          <a:prstGeom prst="rect">
+            <a:avLst/>
+          </a:prstGeom>
+          <a:noFill/>
         </p:spPr>
         <p:txBody>
-          <a:bodyPr>
-            <a:normAutofit fontScale="90000"/>
+          <a:bodyPr wrap="square" rtlCol="0">
+            <a:spAutoFit/>
           </a:bodyPr>
           <a:lstStyle/>
           <a:p>
-            <a:r>
-              <a:rPr lang="en-US" sz="4000" dirty="0">
-                <a:latin typeface="+mn-lt"/>
-              </a:rPr>
-              <a:t>‘Lean production’</a:t>
-            </a:r>
-            <a:br>
-              <a:rPr lang="en-US" dirty="0">
-                <a:latin typeface="+mn-lt"/>
-              </a:rPr>
-            </a:br>
-            <a:r>
-              <a:rPr lang="en-US" sz="2200" dirty="0">
-                <a:latin typeface="+mn-lt"/>
-              </a:rPr>
-              <a:t>better all the time – James </a:t>
-            </a:r>
-            <a:r>
-              <a:rPr lang="en-US" sz="2200" dirty="0" err="1">
-                <a:latin typeface="+mn-lt"/>
-              </a:rPr>
-              <a:t>Suroweicki</a:t>
-            </a:r>
-            <a:r>
-              <a:rPr lang="en-US" sz="2200" dirty="0">
-                <a:latin typeface="+mn-lt"/>
-              </a:rPr>
-              <a:t> (James clear – </a:t>
-            </a:r>
-            <a:r>
-              <a:rPr lang="en-US" sz="2200" dirty="0" err="1">
-                <a:latin typeface="+mn-lt"/>
-              </a:rPr>
-              <a:t>Buku</a:t>
-            </a:r>
-            <a:r>
-              <a:rPr lang="en-US" sz="2200" dirty="0">
-                <a:latin typeface="+mn-lt"/>
-              </a:rPr>
-              <a:t> atomic </a:t>
-            </a:r>
-            <a:r>
-              <a:rPr lang="en-US" sz="2200" dirty="0" err="1">
-                <a:latin typeface="+mn-lt"/>
-              </a:rPr>
-              <a:t>habbits</a:t>
-            </a:r>
-            <a:r>
-              <a:rPr lang="en-US" sz="2200" dirty="0">
-                <a:latin typeface="+mn-lt"/>
-              </a:rPr>
-              <a:t>)</a:t>
-            </a:r>
-            <a:endParaRPr lang="en-ID" sz="2200" dirty="0">
-              <a:latin typeface="+mn-lt"/>
+            <a:pPr algn="ctr">
+              <a:lnSpc>
+                <a:spcPct val="107000"/>
+              </a:lnSpc>
+              <a:spcAft>
+                <a:spcPts val="800"/>
+              </a:spcAft>
+            </a:pPr>
+            <a:r>
+              <a:rPr lang="en-US" sz="2400" b="1" spc="75" dirty="0">
+                <a:solidFill>
+                  <a:srgbClr val="000000"/>
+                </a:solidFill>
+                <a:latin typeface="Arial" panose="020B0604020202020204" pitchFamily="34" charset="0"/>
+                <a:ea typeface="Times New Roman" panose="02020603050405020304" pitchFamily="18" charset="0"/>
+                <a:cs typeface="Arial" panose="020B0604020202020204" pitchFamily="34" charset="0"/>
+              </a:rPr>
+              <a:t>METODOLOGI PENELITIAN </a:t>
+            </a:r>
+            <a:endParaRPr lang="en-ID" sz="2400" spc="75" dirty="0">
+              <a:solidFill>
+                <a:srgbClr val="000000"/>
+              </a:solidFill>
+              <a:effectLst/>
+              <a:latin typeface="Arial" panose="020B0604020202020204" pitchFamily="34" charset="0"/>
+              <a:ea typeface="Times New Roman" panose="02020603050405020304" pitchFamily="18" charset="0"/>
+              <a:cs typeface="Arial" panose="020B0604020202020204" pitchFamily="34" charset="0"/>
             </a:endParaRPr>
           </a:p>
         </p:txBody>
       </p:sp>
+      <p:pic>
+        <p:nvPicPr>
+          <p:cNvPr id="3" name="Picture 2">
+            <a:extLst>
+              <a:ext uri="{FF2B5EF4-FFF2-40B4-BE49-F238E27FC236}">
+                <a16:creationId xmlns:a16="http://schemas.microsoft.com/office/drawing/2014/main" id="{7F066D29-7D8F-FA43-C481-2058A9CC61DC}"/>
+              </a:ext>
+            </a:extLst>
+          </p:cNvPr>
+          <p:cNvPicPr>
+            <a:picLocks noChangeAspect="1"/>
+          </p:cNvPicPr>
+          <p:nvPr/>
+        </p:nvPicPr>
+        <p:blipFill>
+          <a:blip r:embed="rId2">
+            <a:extLst>
+              <a:ext uri="{28A0092B-C50C-407E-A947-70E740481C1C}">
+                <a14:useLocalDpi xmlns:a14="http://schemas.microsoft.com/office/drawing/2010/main" val="0"/>
+              </a:ext>
+            </a:extLst>
+          </a:blip>
+          <a:stretch>
+            <a:fillRect/>
+          </a:stretch>
+        </p:blipFill>
+        <p:spPr>
+          <a:xfrm>
+            <a:off x="11161903" y="5812413"/>
+            <a:ext cx="922432" cy="922432"/>
+          </a:xfrm>
+          <a:prstGeom prst="rect">
+            <a:avLst/>
+          </a:prstGeom>
+        </p:spPr>
+      </p:pic>
+      <p:sp>
+        <p:nvSpPr>
+          <p:cNvPr id="9" name="TextBox 8">
+            <a:extLst>
+              <a:ext uri="{FF2B5EF4-FFF2-40B4-BE49-F238E27FC236}">
+                <a16:creationId xmlns:a16="http://schemas.microsoft.com/office/drawing/2014/main" id="{80A57D68-CBCF-D235-F676-F3B6E2DFC6A9}"/>
+              </a:ext>
+            </a:extLst>
+          </p:cNvPr>
+          <p:cNvSpPr txBox="1"/>
+          <p:nvPr/>
+        </p:nvSpPr>
+        <p:spPr>
+          <a:xfrm>
+            <a:off x="534720" y="3429000"/>
+            <a:ext cx="2121100" cy="1569660"/>
+          </a:xfrm>
+          <a:prstGeom prst="rect">
+            <a:avLst/>
+          </a:prstGeom>
+          <a:noFill/>
+        </p:spPr>
+        <p:txBody>
+          <a:bodyPr wrap="square" rtlCol="0">
+            <a:spAutoFit/>
+          </a:bodyPr>
+          <a:lstStyle/>
+          <a:p>
+            <a:r>
+              <a:rPr lang="en-US" sz="1600" dirty="0" err="1">
+                <a:latin typeface="Arial" panose="020B0604020202020204" pitchFamily="34" charset="0"/>
+                <a:cs typeface="Arial" panose="020B0604020202020204" pitchFamily="34" charset="0"/>
+              </a:rPr>
+              <a:t>Pemahaman</a:t>
+            </a:r>
+            <a:r>
+              <a:rPr lang="en-US" sz="1600" dirty="0">
+                <a:latin typeface="Arial" panose="020B0604020202020204" pitchFamily="34" charset="0"/>
+                <a:cs typeface="Arial" panose="020B0604020202020204" pitchFamily="34" charset="0"/>
+              </a:rPr>
+              <a:t> dan </a:t>
+            </a:r>
+            <a:r>
+              <a:rPr lang="en-US" sz="1600" dirty="0" err="1">
+                <a:latin typeface="Arial" panose="020B0604020202020204" pitchFamily="34" charset="0"/>
+                <a:cs typeface="Arial" panose="020B0604020202020204" pitchFamily="34" charset="0"/>
+              </a:rPr>
+              <a:t>konsep</a:t>
+            </a:r>
+            <a:r>
+              <a:rPr lang="en-US" sz="1600" dirty="0">
+                <a:latin typeface="Arial" panose="020B0604020202020204" pitchFamily="34" charset="0"/>
+                <a:cs typeface="Arial" panose="020B0604020202020204" pitchFamily="34" charset="0"/>
+              </a:rPr>
+              <a:t> </a:t>
+            </a:r>
+            <a:r>
+              <a:rPr lang="en-US" sz="1600" dirty="0" err="1">
+                <a:latin typeface="Arial" panose="020B0604020202020204" pitchFamily="34" charset="0"/>
+                <a:cs typeface="Arial" panose="020B0604020202020204" pitchFamily="34" charset="0"/>
+              </a:rPr>
+              <a:t>presensi</a:t>
+            </a:r>
+            <a:r>
+              <a:rPr lang="en-US" sz="1600" dirty="0">
+                <a:latin typeface="Arial" panose="020B0604020202020204" pitchFamily="34" charset="0"/>
+                <a:cs typeface="Arial" panose="020B0604020202020204" pitchFamily="34" charset="0"/>
+              </a:rPr>
+              <a:t> </a:t>
+            </a:r>
+            <a:r>
+              <a:rPr lang="en-US" sz="1600" dirty="0" err="1">
+                <a:latin typeface="Arial" panose="020B0604020202020204" pitchFamily="34" charset="0"/>
+                <a:cs typeface="Arial" panose="020B0604020202020204" pitchFamily="34" charset="0"/>
+              </a:rPr>
+              <a:t>menggunakan</a:t>
+            </a:r>
+            <a:r>
+              <a:rPr lang="en-US" sz="1600" dirty="0">
+                <a:latin typeface="Arial" panose="020B0604020202020204" pitchFamily="34" charset="0"/>
+                <a:cs typeface="Arial" panose="020B0604020202020204" pitchFamily="34" charset="0"/>
+              </a:rPr>
+              <a:t> </a:t>
+            </a:r>
+            <a:r>
+              <a:rPr lang="en-US" sz="1600" dirty="0" err="1">
+                <a:latin typeface="Arial" panose="020B0604020202020204" pitchFamily="34" charset="0"/>
+                <a:cs typeface="Arial" panose="020B0604020202020204" pitchFamily="34" charset="0"/>
+              </a:rPr>
+              <a:t>metode</a:t>
+            </a:r>
+            <a:r>
+              <a:rPr lang="en-US" sz="1600" dirty="0">
+                <a:latin typeface="Arial" panose="020B0604020202020204" pitchFamily="34" charset="0"/>
+                <a:cs typeface="Arial" panose="020B0604020202020204" pitchFamily="34" charset="0"/>
+              </a:rPr>
+              <a:t> </a:t>
+            </a:r>
+            <a:r>
+              <a:rPr lang="en-US" sz="1600" dirty="0" err="1">
+                <a:latin typeface="Arial" panose="020B0604020202020204" pitchFamily="34" charset="0"/>
+                <a:cs typeface="Arial" panose="020B0604020202020204" pitchFamily="34" charset="0"/>
+              </a:rPr>
+              <a:t>pengukuran</a:t>
+            </a:r>
+            <a:r>
+              <a:rPr lang="en-US" sz="1600" dirty="0">
+                <a:latin typeface="Arial" panose="020B0604020202020204" pitchFamily="34" charset="0"/>
+                <a:cs typeface="Arial" panose="020B0604020202020204" pitchFamily="34" charset="0"/>
+              </a:rPr>
+              <a:t> </a:t>
+            </a:r>
+            <a:r>
+              <a:rPr lang="en-US" sz="1600" dirty="0" err="1">
+                <a:latin typeface="Arial" panose="020B0604020202020204" pitchFamily="34" charset="0"/>
+                <a:cs typeface="Arial" panose="020B0604020202020204" pitchFamily="34" charset="0"/>
+              </a:rPr>
+              <a:t>jarak</a:t>
+            </a:r>
+            <a:r>
+              <a:rPr lang="en-US" sz="1600" dirty="0">
+                <a:latin typeface="Arial" panose="020B0604020202020204" pitchFamily="34" charset="0"/>
+                <a:cs typeface="Arial" panose="020B0604020202020204" pitchFamily="34" charset="0"/>
+              </a:rPr>
+              <a:t> yang </a:t>
+            </a:r>
+            <a:r>
+              <a:rPr lang="en-US" sz="1600" dirty="0" err="1">
+                <a:latin typeface="Arial" panose="020B0604020202020204" pitchFamily="34" charset="0"/>
+                <a:cs typeface="Arial" panose="020B0604020202020204" pitchFamily="34" charset="0"/>
+              </a:rPr>
+              <a:t>telah</a:t>
+            </a:r>
+            <a:r>
+              <a:rPr lang="en-US" sz="1600" dirty="0">
+                <a:latin typeface="Arial" panose="020B0604020202020204" pitchFamily="34" charset="0"/>
+                <a:cs typeface="Arial" panose="020B0604020202020204" pitchFamily="34" charset="0"/>
+              </a:rPr>
+              <a:t> </a:t>
+            </a:r>
+            <a:r>
+              <a:rPr lang="en-US" sz="1600" dirty="0" err="1">
+                <a:latin typeface="Arial" panose="020B0604020202020204" pitchFamily="34" charset="0"/>
+                <a:cs typeface="Arial" panose="020B0604020202020204" pitchFamily="34" charset="0"/>
+              </a:rPr>
+              <a:t>ditentukan</a:t>
+            </a:r>
+            <a:r>
+              <a:rPr lang="en-US" sz="1600" dirty="0">
+                <a:latin typeface="Arial" panose="020B0604020202020204" pitchFamily="34" charset="0"/>
+                <a:cs typeface="Arial" panose="020B0604020202020204" pitchFamily="34" charset="0"/>
+              </a:rPr>
+              <a:t> </a:t>
+            </a:r>
+            <a:endParaRPr lang="en-ID" sz="1600" dirty="0">
+              <a:latin typeface="Arial" panose="020B0604020202020204" pitchFamily="34" charset="0"/>
+              <a:cs typeface="Arial" panose="020B0604020202020204" pitchFamily="34" charset="0"/>
+            </a:endParaRPr>
+          </a:p>
+        </p:txBody>
+      </p:sp>
+      <p:sp>
+        <p:nvSpPr>
+          <p:cNvPr id="14" name="TextBox 13">
+            <a:extLst>
+              <a:ext uri="{FF2B5EF4-FFF2-40B4-BE49-F238E27FC236}">
+                <a16:creationId xmlns:a16="http://schemas.microsoft.com/office/drawing/2014/main" id="{DCED8A74-3B99-B381-1616-9BE7393F9E46}"/>
+              </a:ext>
+            </a:extLst>
+          </p:cNvPr>
+          <p:cNvSpPr txBox="1"/>
+          <p:nvPr/>
+        </p:nvSpPr>
+        <p:spPr>
+          <a:xfrm>
+            <a:off x="534720" y="2753040"/>
+            <a:ext cx="2717540" cy="307777"/>
+          </a:xfrm>
+          <a:prstGeom prst="rect">
+            <a:avLst/>
+          </a:prstGeom>
+          <a:noFill/>
+        </p:spPr>
+        <p:txBody>
+          <a:bodyPr wrap="square">
+            <a:spAutoFit/>
+          </a:bodyPr>
+          <a:lstStyle/>
+          <a:p>
+            <a:pPr algn="ctr"/>
+            <a:r>
+              <a:rPr lang="en-US" sz="1400" b="1" dirty="0">
+                <a:solidFill>
+                  <a:schemeClr val="bg2">
+                    <a:lumMod val="75000"/>
+                  </a:schemeClr>
+                </a:solidFill>
+                <a:latin typeface="Arial" panose="020B0604020202020204" pitchFamily="34" charset="0"/>
+                <a:cs typeface="Arial" panose="020B0604020202020204" pitchFamily="34" charset="0"/>
+              </a:rPr>
+              <a:t>STUDI LITERATUR</a:t>
+            </a:r>
+            <a:endParaRPr lang="en-ID" sz="1400" b="1" dirty="0">
+              <a:solidFill>
+                <a:schemeClr val="bg2">
+                  <a:lumMod val="75000"/>
+                </a:schemeClr>
+              </a:solidFill>
+              <a:latin typeface="Arial" panose="020B0604020202020204" pitchFamily="34" charset="0"/>
+              <a:cs typeface="Arial" panose="020B0604020202020204" pitchFamily="34" charset="0"/>
+            </a:endParaRPr>
+          </a:p>
+        </p:txBody>
+      </p:sp>
+      <p:pic>
+        <p:nvPicPr>
+          <p:cNvPr id="5" name="Picture 4">
+            <a:extLst>
+              <a:ext uri="{FF2B5EF4-FFF2-40B4-BE49-F238E27FC236}">
+                <a16:creationId xmlns:a16="http://schemas.microsoft.com/office/drawing/2014/main" id="{36AB4C86-BD33-BCA8-461B-84601F8E66A2}"/>
+              </a:ext>
+            </a:extLst>
+          </p:cNvPr>
+          <p:cNvPicPr>
+            <a:picLocks noChangeAspect="1"/>
+          </p:cNvPicPr>
+          <p:nvPr/>
+        </p:nvPicPr>
+        <p:blipFill>
+          <a:blip r:embed="rId3">
+            <a:lum bright="70000" contrast="-70000"/>
+            <a:extLst>
+              <a:ext uri="{BEBA8EAE-BF5A-486C-A8C5-ECC9F3942E4B}">
+                <a14:imgProps xmlns:a14="http://schemas.microsoft.com/office/drawing/2010/main">
+                  <a14:imgLayer r:embed="rId4">
+                    <a14:imgEffect>
+                      <a14:sharpenSoften amount="50000"/>
+                    </a14:imgEffect>
+                  </a14:imgLayer>
+                </a14:imgProps>
+              </a:ext>
+              <a:ext uri="{28A0092B-C50C-407E-A947-70E740481C1C}">
+                <a14:useLocalDpi xmlns:a14="http://schemas.microsoft.com/office/drawing/2010/main" val="0"/>
+              </a:ext>
+            </a:extLst>
+          </a:blip>
+          <a:stretch>
+            <a:fillRect/>
+          </a:stretch>
+        </p:blipFill>
+        <p:spPr>
+          <a:xfrm>
+            <a:off x="1436290" y="1670422"/>
+            <a:ext cx="914400" cy="914400"/>
+          </a:xfrm>
+          <a:prstGeom prst="rect">
+            <a:avLst/>
+          </a:prstGeom>
+        </p:spPr>
+      </p:pic>
+      <p:pic>
+        <p:nvPicPr>
+          <p:cNvPr id="22" name="Picture 21">
+            <a:extLst>
+              <a:ext uri="{FF2B5EF4-FFF2-40B4-BE49-F238E27FC236}">
+                <a16:creationId xmlns:a16="http://schemas.microsoft.com/office/drawing/2014/main" id="{FA1544E3-4D62-43C4-46C3-D9152821ED32}"/>
+              </a:ext>
+            </a:extLst>
+          </p:cNvPr>
+          <p:cNvPicPr>
+            <a:picLocks noChangeAspect="1"/>
+          </p:cNvPicPr>
+          <p:nvPr/>
+        </p:nvPicPr>
+        <p:blipFill>
+          <a:blip r:embed="rId5">
+            <a:lum bright="70000" contrast="-70000"/>
+            <a:extLst>
+              <a:ext uri="{BEBA8EAE-BF5A-486C-A8C5-ECC9F3942E4B}">
+                <a14:imgProps xmlns:a14="http://schemas.microsoft.com/office/drawing/2010/main">
+                  <a14:imgLayer r:embed="rId6">
+                    <a14:imgEffect>
+                      <a14:sharpenSoften amount="50000"/>
+                    </a14:imgEffect>
+                  </a14:imgLayer>
+                </a14:imgProps>
+              </a:ext>
+              <a:ext uri="{28A0092B-C50C-407E-A947-70E740481C1C}">
+                <a14:useLocalDpi xmlns:a14="http://schemas.microsoft.com/office/drawing/2010/main" val="0"/>
+              </a:ext>
+            </a:extLst>
+          </a:blip>
+          <a:stretch>
+            <a:fillRect/>
+          </a:stretch>
+        </p:blipFill>
+        <p:spPr>
+          <a:xfrm rot="2473072">
+            <a:off x="2350890" y="1692771"/>
+            <a:ext cx="1188721" cy="1188721"/>
+          </a:xfrm>
+          <a:prstGeom prst="rect">
+            <a:avLst/>
+          </a:prstGeom>
+        </p:spPr>
+      </p:pic>
+      <p:pic>
+        <p:nvPicPr>
+          <p:cNvPr id="8" name="Picture 7">
+            <a:extLst>
+              <a:ext uri="{FF2B5EF4-FFF2-40B4-BE49-F238E27FC236}">
+                <a16:creationId xmlns:a16="http://schemas.microsoft.com/office/drawing/2014/main" id="{D59E02EE-1097-A05C-6069-FB3799AD2D42}"/>
+              </a:ext>
+            </a:extLst>
+          </p:cNvPr>
+          <p:cNvPicPr>
+            <a:picLocks noChangeAspect="1"/>
+          </p:cNvPicPr>
+          <p:nvPr/>
+        </p:nvPicPr>
+        <p:blipFill>
+          <a:blip r:embed="rId7">
+            <a:lum bright="70000" contrast="-70000"/>
+            <a:extLst>
+              <a:ext uri="{BEBA8EAE-BF5A-486C-A8C5-ECC9F3942E4B}">
+                <a14:imgProps xmlns:a14="http://schemas.microsoft.com/office/drawing/2010/main">
+                  <a14:imgLayer r:embed="rId8">
+                    <a14:imgEffect>
+                      <a14:sharpenSoften amount="50000"/>
+                    </a14:imgEffect>
+                  </a14:imgLayer>
+                </a14:imgProps>
+              </a:ext>
+              <a:ext uri="{28A0092B-C50C-407E-A947-70E740481C1C}">
+                <a14:useLocalDpi xmlns:a14="http://schemas.microsoft.com/office/drawing/2010/main" val="0"/>
+              </a:ext>
+            </a:extLst>
+          </a:blip>
+          <a:stretch>
+            <a:fillRect/>
+          </a:stretch>
+        </p:blipFill>
+        <p:spPr>
+          <a:xfrm>
+            <a:off x="3522676" y="1759293"/>
+            <a:ext cx="914400" cy="914400"/>
+          </a:xfrm>
+          <a:prstGeom prst="rect">
+            <a:avLst/>
+          </a:prstGeom>
+        </p:spPr>
+      </p:pic>
+      <p:sp>
+        <p:nvSpPr>
+          <p:cNvPr id="23" name="TextBox 22">
+            <a:extLst>
+              <a:ext uri="{FF2B5EF4-FFF2-40B4-BE49-F238E27FC236}">
+                <a16:creationId xmlns:a16="http://schemas.microsoft.com/office/drawing/2014/main" id="{061C318C-3F47-D7DC-C720-B92F7A2B5C57}"/>
+              </a:ext>
+            </a:extLst>
+          </p:cNvPr>
+          <p:cNvSpPr txBox="1"/>
+          <p:nvPr/>
+        </p:nvSpPr>
+        <p:spPr>
+          <a:xfrm>
+            <a:off x="2929519" y="2753040"/>
+            <a:ext cx="2287366" cy="307777"/>
+          </a:xfrm>
+          <a:prstGeom prst="rect">
+            <a:avLst/>
+          </a:prstGeom>
+          <a:noFill/>
+        </p:spPr>
+        <p:txBody>
+          <a:bodyPr wrap="square">
+            <a:spAutoFit/>
+          </a:bodyPr>
+          <a:lstStyle/>
+          <a:p>
+            <a:pPr algn="ctr"/>
+            <a:r>
+              <a:rPr lang="en-US" sz="1400" b="1" dirty="0">
+                <a:solidFill>
+                  <a:schemeClr val="bg2">
+                    <a:lumMod val="75000"/>
+                  </a:schemeClr>
+                </a:solidFill>
+                <a:latin typeface="Arial" panose="020B0604020202020204" pitchFamily="34" charset="0"/>
+                <a:cs typeface="Arial" panose="020B0604020202020204" pitchFamily="34" charset="0"/>
+              </a:rPr>
+              <a:t>PENGUMPULAN DATA</a:t>
+            </a:r>
+            <a:endParaRPr lang="en-ID" sz="1400" b="1" dirty="0">
+              <a:solidFill>
+                <a:schemeClr val="bg2">
+                  <a:lumMod val="75000"/>
+                </a:schemeClr>
+              </a:solidFill>
+              <a:latin typeface="Arial" panose="020B0604020202020204" pitchFamily="34" charset="0"/>
+              <a:cs typeface="Arial" panose="020B0604020202020204" pitchFamily="34" charset="0"/>
+            </a:endParaRPr>
+          </a:p>
+        </p:txBody>
+      </p:sp>
+      <p:pic>
+        <p:nvPicPr>
+          <p:cNvPr id="12" name="Picture 11">
+            <a:extLst>
+              <a:ext uri="{FF2B5EF4-FFF2-40B4-BE49-F238E27FC236}">
+                <a16:creationId xmlns:a16="http://schemas.microsoft.com/office/drawing/2014/main" id="{3331A763-CA25-570A-D865-0B2FA7B958AE}"/>
+              </a:ext>
+            </a:extLst>
+          </p:cNvPr>
+          <p:cNvPicPr>
+            <a:picLocks noChangeAspect="1"/>
+          </p:cNvPicPr>
+          <p:nvPr/>
+        </p:nvPicPr>
+        <p:blipFill>
+          <a:blip r:embed="rId9">
+            <a:lum bright="70000" contrast="-70000"/>
+            <a:extLst>
+              <a:ext uri="{BEBA8EAE-BF5A-486C-A8C5-ECC9F3942E4B}">
+                <a14:imgProps xmlns:a14="http://schemas.microsoft.com/office/drawing/2010/main">
+                  <a14:imgLayer r:embed="rId10">
+                    <a14:imgEffect>
+                      <a14:sharpenSoften amount="50000"/>
+                    </a14:imgEffect>
+                  </a14:imgLayer>
+                </a14:imgProps>
+              </a:ext>
+              <a:ext uri="{28A0092B-C50C-407E-A947-70E740481C1C}">
+                <a14:useLocalDpi xmlns:a14="http://schemas.microsoft.com/office/drawing/2010/main" val="0"/>
+              </a:ext>
+            </a:extLst>
+          </a:blip>
+          <a:stretch>
+            <a:fillRect/>
+          </a:stretch>
+        </p:blipFill>
+        <p:spPr>
+          <a:xfrm>
+            <a:off x="5750646" y="1786771"/>
+            <a:ext cx="914400" cy="914400"/>
+          </a:xfrm>
+          <a:prstGeom prst="rect">
+            <a:avLst/>
+          </a:prstGeom>
+        </p:spPr>
+      </p:pic>
+      <p:sp>
+        <p:nvSpPr>
+          <p:cNvPr id="24" name="TextBox 23">
+            <a:extLst>
+              <a:ext uri="{FF2B5EF4-FFF2-40B4-BE49-F238E27FC236}">
+                <a16:creationId xmlns:a16="http://schemas.microsoft.com/office/drawing/2014/main" id="{6E234D93-63B7-8228-9927-5A438EF411A4}"/>
+              </a:ext>
+            </a:extLst>
+          </p:cNvPr>
+          <p:cNvSpPr txBox="1"/>
+          <p:nvPr/>
+        </p:nvSpPr>
+        <p:spPr>
+          <a:xfrm>
+            <a:off x="5368393" y="2753040"/>
+            <a:ext cx="1811184" cy="307777"/>
+          </a:xfrm>
+          <a:prstGeom prst="rect">
+            <a:avLst/>
+          </a:prstGeom>
+          <a:noFill/>
+        </p:spPr>
+        <p:txBody>
+          <a:bodyPr wrap="square">
+            <a:spAutoFit/>
+          </a:bodyPr>
+          <a:lstStyle/>
+          <a:p>
+            <a:pPr algn="ctr"/>
+            <a:r>
+              <a:rPr lang="en-US" sz="1400" b="1" dirty="0">
+                <a:solidFill>
+                  <a:schemeClr val="bg2">
+                    <a:lumMod val="75000"/>
+                  </a:schemeClr>
+                </a:solidFill>
+                <a:latin typeface="Arial" panose="020B0604020202020204" pitchFamily="34" charset="0"/>
+                <a:cs typeface="Arial" panose="020B0604020202020204" pitchFamily="34" charset="0"/>
+              </a:rPr>
+              <a:t>ANALISA SISTEM</a:t>
+            </a:r>
+            <a:endParaRPr lang="en-ID" sz="1400" b="1" dirty="0">
+              <a:solidFill>
+                <a:schemeClr val="bg2">
+                  <a:lumMod val="75000"/>
+                </a:schemeClr>
+              </a:solidFill>
+              <a:latin typeface="Arial" panose="020B0604020202020204" pitchFamily="34" charset="0"/>
+              <a:cs typeface="Arial" panose="020B0604020202020204" pitchFamily="34" charset="0"/>
+            </a:endParaRPr>
+          </a:p>
+        </p:txBody>
+      </p:sp>
+      <p:pic>
+        <p:nvPicPr>
+          <p:cNvPr id="25" name="Picture 24">
+            <a:extLst>
+              <a:ext uri="{FF2B5EF4-FFF2-40B4-BE49-F238E27FC236}">
+                <a16:creationId xmlns:a16="http://schemas.microsoft.com/office/drawing/2014/main" id="{859832B3-6EDA-EC18-4BC8-81F7516F7CF1}"/>
+              </a:ext>
+            </a:extLst>
+          </p:cNvPr>
+          <p:cNvPicPr>
+            <a:picLocks noChangeAspect="1"/>
+          </p:cNvPicPr>
+          <p:nvPr/>
+        </p:nvPicPr>
+        <p:blipFill>
+          <a:blip r:embed="rId5">
+            <a:lum bright="70000" contrast="-70000"/>
+            <a:extLst>
+              <a:ext uri="{BEBA8EAE-BF5A-486C-A8C5-ECC9F3942E4B}">
+                <a14:imgProps xmlns:a14="http://schemas.microsoft.com/office/drawing/2010/main">
+                  <a14:imgLayer r:embed="rId6">
+                    <a14:imgEffect>
+                      <a14:sharpenSoften amount="50000"/>
+                    </a14:imgEffect>
+                  </a14:imgLayer>
+                </a14:imgProps>
+              </a:ext>
+              <a:ext uri="{28A0092B-C50C-407E-A947-70E740481C1C}">
+                <a14:useLocalDpi xmlns:a14="http://schemas.microsoft.com/office/drawing/2010/main" val="0"/>
+              </a:ext>
+            </a:extLst>
+          </a:blip>
+          <a:stretch>
+            <a:fillRect/>
+          </a:stretch>
+        </p:blipFill>
+        <p:spPr>
+          <a:xfrm rot="2473072">
+            <a:off x="4317563" y="1692770"/>
+            <a:ext cx="1188721" cy="1188721"/>
+          </a:xfrm>
+          <a:prstGeom prst="rect">
+            <a:avLst/>
+          </a:prstGeom>
+        </p:spPr>
+      </p:pic>
+      <p:pic>
+        <p:nvPicPr>
+          <p:cNvPr id="27" name="Picture 26">
+            <a:extLst>
+              <a:ext uri="{FF2B5EF4-FFF2-40B4-BE49-F238E27FC236}">
+                <a16:creationId xmlns:a16="http://schemas.microsoft.com/office/drawing/2014/main" id="{8BB87786-868A-9B28-320D-D6E9DDC8B7C9}"/>
+              </a:ext>
+            </a:extLst>
+          </p:cNvPr>
+          <p:cNvPicPr>
+            <a:picLocks noChangeAspect="1"/>
+          </p:cNvPicPr>
+          <p:nvPr/>
+        </p:nvPicPr>
+        <p:blipFill>
+          <a:blip r:embed="rId11">
+            <a:lum bright="70000" contrast="-70000"/>
+            <a:extLst>
+              <a:ext uri="{BEBA8EAE-BF5A-486C-A8C5-ECC9F3942E4B}">
+                <a14:imgProps xmlns:a14="http://schemas.microsoft.com/office/drawing/2010/main">
+                  <a14:imgLayer r:embed="rId12">
+                    <a14:imgEffect>
+                      <a14:sharpenSoften amount="50000"/>
+                    </a14:imgEffect>
+                  </a14:imgLayer>
+                </a14:imgProps>
+              </a:ext>
+              <a:ext uri="{28A0092B-C50C-407E-A947-70E740481C1C}">
+                <a14:useLocalDpi xmlns:a14="http://schemas.microsoft.com/office/drawing/2010/main" val="0"/>
+              </a:ext>
+            </a:extLst>
+          </a:blip>
+          <a:stretch>
+            <a:fillRect/>
+          </a:stretch>
+        </p:blipFill>
+        <p:spPr>
+          <a:xfrm>
+            <a:off x="7838678" y="1791909"/>
+            <a:ext cx="914400" cy="914400"/>
+          </a:xfrm>
+          <a:prstGeom prst="rect">
+            <a:avLst/>
+          </a:prstGeom>
+        </p:spPr>
+      </p:pic>
+      <p:pic>
+        <p:nvPicPr>
+          <p:cNvPr id="28" name="Picture 27">
+            <a:extLst>
+              <a:ext uri="{FF2B5EF4-FFF2-40B4-BE49-F238E27FC236}">
+                <a16:creationId xmlns:a16="http://schemas.microsoft.com/office/drawing/2014/main" id="{A58283C8-5C32-DD17-62F2-0ED7D49DE5CE}"/>
+              </a:ext>
+            </a:extLst>
+          </p:cNvPr>
+          <p:cNvPicPr>
+            <a:picLocks noChangeAspect="1"/>
+          </p:cNvPicPr>
+          <p:nvPr/>
+        </p:nvPicPr>
+        <p:blipFill>
+          <a:blip r:embed="rId5">
+            <a:lum bright="70000" contrast="-70000"/>
+            <a:extLst>
+              <a:ext uri="{BEBA8EAE-BF5A-486C-A8C5-ECC9F3942E4B}">
+                <a14:imgProps xmlns:a14="http://schemas.microsoft.com/office/drawing/2010/main">
+                  <a14:imgLayer r:embed="rId6">
+                    <a14:imgEffect>
+                      <a14:sharpenSoften amount="50000"/>
+                    </a14:imgEffect>
+                  </a14:imgLayer>
+                </a14:imgProps>
+              </a:ext>
+              <a:ext uri="{28A0092B-C50C-407E-A947-70E740481C1C}">
+                <a14:useLocalDpi xmlns:a14="http://schemas.microsoft.com/office/drawing/2010/main" val="0"/>
+              </a:ext>
+            </a:extLst>
+          </a:blip>
+          <a:stretch>
+            <a:fillRect/>
+          </a:stretch>
+        </p:blipFill>
+        <p:spPr>
+          <a:xfrm rot="2473072">
+            <a:off x="6609788" y="1692771"/>
+            <a:ext cx="1188721" cy="1188721"/>
+          </a:xfrm>
+          <a:prstGeom prst="rect">
+            <a:avLst/>
+          </a:prstGeom>
+        </p:spPr>
+      </p:pic>
+      <p:sp>
+        <p:nvSpPr>
+          <p:cNvPr id="29" name="TextBox 28">
+            <a:extLst>
+              <a:ext uri="{FF2B5EF4-FFF2-40B4-BE49-F238E27FC236}">
+                <a16:creationId xmlns:a16="http://schemas.microsoft.com/office/drawing/2014/main" id="{67BEC8D2-CDC6-CDB7-72F7-8DD080225D6F}"/>
+              </a:ext>
+            </a:extLst>
+          </p:cNvPr>
+          <p:cNvSpPr txBox="1"/>
+          <p:nvPr/>
+        </p:nvSpPr>
+        <p:spPr>
+          <a:xfrm>
+            <a:off x="7412542" y="2753040"/>
+            <a:ext cx="1811184" cy="307777"/>
+          </a:xfrm>
+          <a:prstGeom prst="rect">
+            <a:avLst/>
+          </a:prstGeom>
+          <a:noFill/>
+        </p:spPr>
+        <p:txBody>
+          <a:bodyPr wrap="square">
+            <a:spAutoFit/>
+          </a:bodyPr>
+          <a:lstStyle/>
+          <a:p>
+            <a:pPr algn="ctr"/>
+            <a:r>
+              <a:rPr lang="en-US" sz="1400" b="1" dirty="0">
+                <a:solidFill>
+                  <a:schemeClr val="bg2">
+                    <a:lumMod val="75000"/>
+                  </a:schemeClr>
+                </a:solidFill>
+                <a:latin typeface="Arial" panose="020B0604020202020204" pitchFamily="34" charset="0"/>
+                <a:cs typeface="Arial" panose="020B0604020202020204" pitchFamily="34" charset="0"/>
+              </a:rPr>
+              <a:t>PENGEMBANGAN</a:t>
+            </a:r>
+            <a:endParaRPr lang="en-ID" sz="1400" b="1" dirty="0">
+              <a:solidFill>
+                <a:schemeClr val="bg2">
+                  <a:lumMod val="75000"/>
+                </a:schemeClr>
+              </a:solidFill>
+              <a:latin typeface="Arial" panose="020B0604020202020204" pitchFamily="34" charset="0"/>
+              <a:cs typeface="Arial" panose="020B0604020202020204" pitchFamily="34" charset="0"/>
+            </a:endParaRPr>
+          </a:p>
+        </p:txBody>
+      </p:sp>
+      <p:pic>
+        <p:nvPicPr>
+          <p:cNvPr id="31" name="Picture 30">
+            <a:extLst>
+              <a:ext uri="{FF2B5EF4-FFF2-40B4-BE49-F238E27FC236}">
+                <a16:creationId xmlns:a16="http://schemas.microsoft.com/office/drawing/2014/main" id="{FA57CBB9-43E9-5C99-2961-5E28E50455C9}"/>
+              </a:ext>
+            </a:extLst>
+          </p:cNvPr>
+          <p:cNvPicPr>
+            <a:picLocks noChangeAspect="1"/>
+          </p:cNvPicPr>
+          <p:nvPr/>
+        </p:nvPicPr>
+        <p:blipFill>
+          <a:blip r:embed="rId13">
+            <a:lum bright="70000" contrast="-70000"/>
+            <a:extLst>
+              <a:ext uri="{BEBA8EAE-BF5A-486C-A8C5-ECC9F3942E4B}">
+                <a14:imgProps xmlns:a14="http://schemas.microsoft.com/office/drawing/2010/main">
+                  <a14:imgLayer r:embed="rId14">
+                    <a14:imgEffect>
+                      <a14:sharpenSoften amount="50000"/>
+                    </a14:imgEffect>
+                  </a14:imgLayer>
+                </a14:imgProps>
+              </a:ext>
+              <a:ext uri="{28A0092B-C50C-407E-A947-70E740481C1C}">
+                <a14:useLocalDpi xmlns:a14="http://schemas.microsoft.com/office/drawing/2010/main" val="0"/>
+              </a:ext>
+            </a:extLst>
+          </a:blip>
+          <a:stretch>
+            <a:fillRect/>
+          </a:stretch>
+        </p:blipFill>
+        <p:spPr>
+          <a:xfrm>
+            <a:off x="10029400" y="1786771"/>
+            <a:ext cx="914400" cy="914400"/>
+          </a:xfrm>
+          <a:prstGeom prst="rect">
+            <a:avLst/>
+          </a:prstGeom>
+        </p:spPr>
+      </p:pic>
+      <p:sp>
+        <p:nvSpPr>
+          <p:cNvPr id="32" name="TextBox 31">
+            <a:extLst>
+              <a:ext uri="{FF2B5EF4-FFF2-40B4-BE49-F238E27FC236}">
+                <a16:creationId xmlns:a16="http://schemas.microsoft.com/office/drawing/2014/main" id="{7E295F42-60D6-AE50-D784-8CB78EFBADA1}"/>
+              </a:ext>
+            </a:extLst>
+          </p:cNvPr>
+          <p:cNvSpPr txBox="1"/>
+          <p:nvPr/>
+        </p:nvSpPr>
+        <p:spPr>
+          <a:xfrm>
+            <a:off x="9359539" y="2753040"/>
+            <a:ext cx="2331718" cy="307777"/>
+          </a:xfrm>
+          <a:prstGeom prst="rect">
+            <a:avLst/>
+          </a:prstGeom>
+          <a:noFill/>
+        </p:spPr>
+        <p:txBody>
+          <a:bodyPr wrap="square">
+            <a:spAutoFit/>
+          </a:bodyPr>
+          <a:lstStyle/>
+          <a:p>
+            <a:pPr algn="ctr"/>
+            <a:r>
+              <a:rPr lang="en-US" sz="1400" b="1" dirty="0">
+                <a:solidFill>
+                  <a:schemeClr val="bg2">
+                    <a:lumMod val="75000"/>
+                  </a:schemeClr>
+                </a:solidFill>
+                <a:latin typeface="Arial" panose="020B0604020202020204" pitchFamily="34" charset="0"/>
+                <a:cs typeface="Arial" panose="020B0604020202020204" pitchFamily="34" charset="0"/>
+              </a:rPr>
+              <a:t>PEMBUATAN LAPORAN</a:t>
+            </a:r>
+            <a:endParaRPr lang="en-ID" sz="1400" b="1" dirty="0">
+              <a:solidFill>
+                <a:schemeClr val="bg2">
+                  <a:lumMod val="75000"/>
+                </a:schemeClr>
+              </a:solidFill>
+              <a:latin typeface="Arial" panose="020B0604020202020204" pitchFamily="34" charset="0"/>
+              <a:cs typeface="Arial" panose="020B0604020202020204" pitchFamily="34" charset="0"/>
+            </a:endParaRPr>
+          </a:p>
+        </p:txBody>
+      </p:sp>
+      <p:pic>
+        <p:nvPicPr>
+          <p:cNvPr id="33" name="Picture 32">
+            <a:extLst>
+              <a:ext uri="{FF2B5EF4-FFF2-40B4-BE49-F238E27FC236}">
+                <a16:creationId xmlns:a16="http://schemas.microsoft.com/office/drawing/2014/main" id="{6B30B120-CCC5-62BD-D6AF-8EF227D396F5}"/>
+              </a:ext>
+            </a:extLst>
+          </p:cNvPr>
+          <p:cNvPicPr>
+            <a:picLocks noChangeAspect="1"/>
+          </p:cNvPicPr>
+          <p:nvPr/>
+        </p:nvPicPr>
+        <p:blipFill>
+          <a:blip r:embed="rId5">
+            <a:lum bright="70000" contrast="-70000"/>
+            <a:extLst>
+              <a:ext uri="{BEBA8EAE-BF5A-486C-A8C5-ECC9F3942E4B}">
+                <a14:imgProps xmlns:a14="http://schemas.microsoft.com/office/drawing/2010/main">
+                  <a14:imgLayer r:embed="rId6">
+                    <a14:imgEffect>
+                      <a14:sharpenSoften amount="50000"/>
+                    </a14:imgEffect>
+                  </a14:imgLayer>
+                </a14:imgProps>
+              </a:ext>
+              <a:ext uri="{28A0092B-C50C-407E-A947-70E740481C1C}">
+                <a14:useLocalDpi xmlns:a14="http://schemas.microsoft.com/office/drawing/2010/main" val="0"/>
+              </a:ext>
+            </a:extLst>
+          </a:blip>
+          <a:stretch>
+            <a:fillRect/>
+          </a:stretch>
+        </p:blipFill>
+        <p:spPr>
+          <a:xfrm rot="2473072">
+            <a:off x="8763261" y="1692771"/>
+            <a:ext cx="1188721" cy="1188721"/>
+          </a:xfrm>
+          <a:prstGeom prst="rect">
+            <a:avLst/>
+          </a:prstGeom>
+        </p:spPr>
+      </p:pic>
+      <p:sp>
+        <p:nvSpPr>
+          <p:cNvPr id="34" name="TextBox 33">
+            <a:extLst>
+              <a:ext uri="{FF2B5EF4-FFF2-40B4-BE49-F238E27FC236}">
+                <a16:creationId xmlns:a16="http://schemas.microsoft.com/office/drawing/2014/main" id="{100F68BA-CC0A-9CA7-2970-F7C9097A1F61}"/>
+              </a:ext>
+            </a:extLst>
+          </p:cNvPr>
+          <p:cNvSpPr txBox="1"/>
+          <p:nvPr/>
+        </p:nvSpPr>
+        <p:spPr>
+          <a:xfrm>
+            <a:off x="2900679" y="3429000"/>
+            <a:ext cx="2121100" cy="1815882"/>
+          </a:xfrm>
+          <a:prstGeom prst="rect">
+            <a:avLst/>
+          </a:prstGeom>
+          <a:noFill/>
+        </p:spPr>
+        <p:txBody>
+          <a:bodyPr wrap="square" rtlCol="0">
+            <a:spAutoFit/>
+          </a:bodyPr>
+          <a:lstStyle/>
+          <a:p>
+            <a:r>
+              <a:rPr lang="en-US" sz="1600" dirty="0" err="1">
+                <a:latin typeface="Arial" panose="020B0604020202020204" pitchFamily="34" charset="0"/>
+                <a:cs typeface="Arial" panose="020B0604020202020204" pitchFamily="34" charset="0"/>
+              </a:rPr>
+              <a:t>Dilakukan</a:t>
+            </a:r>
+            <a:r>
+              <a:rPr lang="en-US" sz="1600" dirty="0">
+                <a:latin typeface="Arial" panose="020B0604020202020204" pitchFamily="34" charset="0"/>
+                <a:cs typeface="Arial" panose="020B0604020202020204" pitchFamily="34" charset="0"/>
+              </a:rPr>
+              <a:t> </a:t>
+            </a:r>
+            <a:r>
+              <a:rPr lang="en-US" sz="1600" dirty="0" err="1">
+                <a:latin typeface="Arial" panose="020B0604020202020204" pitchFamily="34" charset="0"/>
+                <a:cs typeface="Arial" panose="020B0604020202020204" pitchFamily="34" charset="0"/>
+              </a:rPr>
+              <a:t>dengan</a:t>
+            </a:r>
+            <a:r>
+              <a:rPr lang="en-US" sz="1600" dirty="0">
+                <a:latin typeface="Arial" panose="020B0604020202020204" pitchFamily="34" charset="0"/>
+                <a:cs typeface="Arial" panose="020B0604020202020204" pitchFamily="34" charset="0"/>
+              </a:rPr>
+              <a:t> </a:t>
+            </a:r>
+            <a:r>
+              <a:rPr lang="en-US" sz="1600" dirty="0" err="1">
+                <a:latin typeface="Arial" panose="020B0604020202020204" pitchFamily="34" charset="0"/>
+                <a:cs typeface="Arial" panose="020B0604020202020204" pitchFamily="34" charset="0"/>
+              </a:rPr>
+              <a:t>wawancara</a:t>
+            </a:r>
+            <a:r>
+              <a:rPr lang="en-US" sz="1600" dirty="0">
+                <a:latin typeface="Arial" panose="020B0604020202020204" pitchFamily="34" charset="0"/>
+                <a:cs typeface="Arial" panose="020B0604020202020204" pitchFamily="34" charset="0"/>
+              </a:rPr>
+              <a:t> </a:t>
+            </a:r>
+            <a:r>
+              <a:rPr lang="en-US" sz="1600" dirty="0" err="1">
+                <a:latin typeface="Arial" panose="020B0604020202020204" pitchFamily="34" charset="0"/>
+                <a:cs typeface="Arial" panose="020B0604020202020204" pitchFamily="34" charset="0"/>
+              </a:rPr>
+              <a:t>secara</a:t>
+            </a:r>
+            <a:r>
+              <a:rPr lang="en-US" sz="1600" dirty="0">
+                <a:latin typeface="Arial" panose="020B0604020202020204" pitchFamily="34" charset="0"/>
+                <a:cs typeface="Arial" panose="020B0604020202020204" pitchFamily="34" charset="0"/>
+              </a:rPr>
+              <a:t> </a:t>
+            </a:r>
+            <a:r>
+              <a:rPr lang="en-US" sz="1600" dirty="0" err="1">
+                <a:latin typeface="Arial" panose="020B0604020202020204" pitchFamily="34" charset="0"/>
+                <a:cs typeface="Arial" panose="020B0604020202020204" pitchFamily="34" charset="0"/>
+              </a:rPr>
+              <a:t>langsung</a:t>
+            </a:r>
+            <a:r>
+              <a:rPr lang="en-US" sz="1600" dirty="0">
+                <a:latin typeface="Arial" panose="020B0604020202020204" pitchFamily="34" charset="0"/>
+                <a:cs typeface="Arial" panose="020B0604020202020204" pitchFamily="34" charset="0"/>
+              </a:rPr>
+              <a:t> </a:t>
+            </a:r>
+            <a:r>
+              <a:rPr lang="en-US" sz="1600" dirty="0" err="1">
+                <a:latin typeface="Arial" panose="020B0604020202020204" pitchFamily="34" charset="0"/>
+                <a:cs typeface="Arial" panose="020B0604020202020204" pitchFamily="34" charset="0"/>
+              </a:rPr>
+              <a:t>kepada</a:t>
+            </a:r>
+            <a:r>
+              <a:rPr lang="en-US" sz="1600" dirty="0">
+                <a:latin typeface="Arial" panose="020B0604020202020204" pitchFamily="34" charset="0"/>
+                <a:cs typeface="Arial" panose="020B0604020202020204" pitchFamily="34" charset="0"/>
+              </a:rPr>
+              <a:t> </a:t>
+            </a:r>
+            <a:r>
+              <a:rPr lang="en-US" sz="1600" dirty="0" err="1">
+                <a:latin typeface="Arial" panose="020B0604020202020204" pitchFamily="34" charset="0"/>
+                <a:cs typeface="Arial" panose="020B0604020202020204" pitchFamily="34" charset="0"/>
+              </a:rPr>
+              <a:t>pihak</a:t>
+            </a:r>
+            <a:r>
+              <a:rPr lang="en-US" sz="1600" dirty="0">
+                <a:latin typeface="Arial" panose="020B0604020202020204" pitchFamily="34" charset="0"/>
+                <a:cs typeface="Arial" panose="020B0604020202020204" pitchFamily="34" charset="0"/>
+              </a:rPr>
+              <a:t> </a:t>
+            </a:r>
+            <a:r>
+              <a:rPr lang="en-US" sz="1600" dirty="0" err="1">
+                <a:latin typeface="Arial" panose="020B0604020202020204" pitchFamily="34" charset="0"/>
+                <a:cs typeface="Arial" panose="020B0604020202020204" pitchFamily="34" charset="0"/>
+              </a:rPr>
+              <a:t>terkait</a:t>
+            </a:r>
+            <a:r>
+              <a:rPr lang="en-US" sz="1600" dirty="0">
+                <a:latin typeface="Arial" panose="020B0604020202020204" pitchFamily="34" charset="0"/>
+                <a:cs typeface="Arial" panose="020B0604020202020204" pitchFamily="34" charset="0"/>
+              </a:rPr>
+              <a:t> </a:t>
+            </a:r>
+            <a:r>
+              <a:rPr lang="en-US" sz="1600" dirty="0" err="1">
+                <a:latin typeface="Arial" panose="020B0604020202020204" pitchFamily="34" charset="0"/>
+                <a:cs typeface="Arial" panose="020B0604020202020204" pitchFamily="34" charset="0"/>
+              </a:rPr>
+              <a:t>mengenai</a:t>
+            </a:r>
+            <a:r>
+              <a:rPr lang="en-US" sz="1600" dirty="0">
+                <a:latin typeface="Arial" panose="020B0604020202020204" pitchFamily="34" charset="0"/>
+                <a:cs typeface="Arial" panose="020B0604020202020204" pitchFamily="34" charset="0"/>
+              </a:rPr>
+              <a:t> </a:t>
+            </a:r>
+            <a:r>
+              <a:rPr lang="en-US" sz="1600" dirty="0" err="1">
+                <a:latin typeface="Arial" panose="020B0604020202020204" pitchFamily="34" charset="0"/>
+                <a:cs typeface="Arial" panose="020B0604020202020204" pitchFamily="34" charset="0"/>
+              </a:rPr>
+              <a:t>problematika</a:t>
+            </a:r>
+            <a:r>
+              <a:rPr lang="en-US" sz="1600" dirty="0">
+                <a:latin typeface="Arial" panose="020B0604020202020204" pitchFamily="34" charset="0"/>
+                <a:cs typeface="Arial" panose="020B0604020202020204" pitchFamily="34" charset="0"/>
+              </a:rPr>
+              <a:t> yang </a:t>
+            </a:r>
+            <a:r>
+              <a:rPr lang="en-US" sz="1600" dirty="0" err="1">
+                <a:latin typeface="Arial" panose="020B0604020202020204" pitchFamily="34" charset="0"/>
+                <a:cs typeface="Arial" panose="020B0604020202020204" pitchFamily="34" charset="0"/>
+              </a:rPr>
+              <a:t>ada</a:t>
+            </a:r>
+            <a:r>
+              <a:rPr lang="en-US" sz="1600" dirty="0">
+                <a:latin typeface="Arial" panose="020B0604020202020204" pitchFamily="34" charset="0"/>
+                <a:cs typeface="Arial" panose="020B0604020202020204" pitchFamily="34" charset="0"/>
+              </a:rPr>
+              <a:t>.</a:t>
+            </a:r>
+            <a:endParaRPr lang="en-ID" sz="1600" dirty="0">
+              <a:latin typeface="Arial" panose="020B0604020202020204" pitchFamily="34" charset="0"/>
+              <a:cs typeface="Arial" panose="020B0604020202020204" pitchFamily="34" charset="0"/>
+            </a:endParaRPr>
+          </a:p>
+        </p:txBody>
+      </p:sp>
+      <p:cxnSp>
+        <p:nvCxnSpPr>
+          <p:cNvPr id="36" name="Straight Connector 35">
+            <a:extLst>
+              <a:ext uri="{FF2B5EF4-FFF2-40B4-BE49-F238E27FC236}">
+                <a16:creationId xmlns:a16="http://schemas.microsoft.com/office/drawing/2014/main" id="{325CE7F0-3CA0-262B-8EF1-5083CA252624}"/>
+              </a:ext>
+            </a:extLst>
+          </p:cNvPr>
+          <p:cNvCxnSpPr/>
+          <p:nvPr/>
+        </p:nvCxnSpPr>
+        <p:spPr>
+          <a:xfrm>
+            <a:off x="2742899" y="3265714"/>
+            <a:ext cx="0" cy="2757196"/>
+          </a:xfrm>
+          <a:prstGeom prst="line">
+            <a:avLst/>
+          </a:prstGeom>
+        </p:spPr>
+        <p:style>
+          <a:lnRef idx="3">
+            <a:schemeClr val="dk1"/>
+          </a:lnRef>
+          <a:fillRef idx="0">
+            <a:schemeClr val="dk1"/>
+          </a:fillRef>
+          <a:effectRef idx="2">
+            <a:schemeClr val="dk1"/>
+          </a:effectRef>
+          <a:fontRef idx="minor">
+            <a:schemeClr val="tx1"/>
+          </a:fontRef>
+        </p:style>
+      </p:cxnSp>
+      <p:cxnSp>
+        <p:nvCxnSpPr>
+          <p:cNvPr id="37" name="Straight Connector 36">
+            <a:extLst>
+              <a:ext uri="{FF2B5EF4-FFF2-40B4-BE49-F238E27FC236}">
+                <a16:creationId xmlns:a16="http://schemas.microsoft.com/office/drawing/2014/main" id="{2D499570-906D-A3D2-8FD7-E3A1AF633B29}"/>
+              </a:ext>
+            </a:extLst>
+          </p:cNvPr>
+          <p:cNvCxnSpPr/>
+          <p:nvPr/>
+        </p:nvCxnSpPr>
+        <p:spPr>
+          <a:xfrm>
+            <a:off x="5088473" y="3265714"/>
+            <a:ext cx="0" cy="2757196"/>
+          </a:xfrm>
+          <a:prstGeom prst="line">
+            <a:avLst/>
+          </a:prstGeom>
+        </p:spPr>
+        <p:style>
+          <a:lnRef idx="3">
+            <a:schemeClr val="dk1"/>
+          </a:lnRef>
+          <a:fillRef idx="0">
+            <a:schemeClr val="dk1"/>
+          </a:fillRef>
+          <a:effectRef idx="2">
+            <a:schemeClr val="dk1"/>
+          </a:effectRef>
+          <a:fontRef idx="minor">
+            <a:schemeClr val="tx1"/>
+          </a:fontRef>
+        </p:style>
+      </p:cxnSp>
+      <p:sp>
+        <p:nvSpPr>
+          <p:cNvPr id="38" name="TextBox 37">
+            <a:extLst>
+              <a:ext uri="{FF2B5EF4-FFF2-40B4-BE49-F238E27FC236}">
+                <a16:creationId xmlns:a16="http://schemas.microsoft.com/office/drawing/2014/main" id="{40128895-4812-8DD0-50E1-F2C8BA1855D8}"/>
+              </a:ext>
+            </a:extLst>
+          </p:cNvPr>
+          <p:cNvSpPr txBox="1"/>
+          <p:nvPr/>
+        </p:nvSpPr>
+        <p:spPr>
+          <a:xfrm>
+            <a:off x="5173411" y="3429000"/>
+            <a:ext cx="2121100" cy="1569660"/>
+          </a:xfrm>
+          <a:prstGeom prst="rect">
+            <a:avLst/>
+          </a:prstGeom>
+          <a:noFill/>
+        </p:spPr>
+        <p:txBody>
+          <a:bodyPr wrap="square" rtlCol="0">
+            <a:spAutoFit/>
+          </a:bodyPr>
+          <a:lstStyle/>
+          <a:p>
+            <a:r>
+              <a:rPr lang="en-US" sz="1600" dirty="0" err="1">
+                <a:latin typeface="Arial" panose="020B0604020202020204" pitchFamily="34" charset="0"/>
+                <a:cs typeface="Arial" panose="020B0604020202020204" pitchFamily="34" charset="0"/>
+              </a:rPr>
+              <a:t>Masalah</a:t>
+            </a:r>
+            <a:r>
+              <a:rPr lang="en-US" sz="1600" dirty="0">
+                <a:latin typeface="Arial" panose="020B0604020202020204" pitchFamily="34" charset="0"/>
+                <a:cs typeface="Arial" panose="020B0604020202020204" pitchFamily="34" charset="0"/>
+              </a:rPr>
+              <a:t> </a:t>
+            </a:r>
+            <a:r>
+              <a:rPr lang="en-US" sz="1600" dirty="0" err="1">
+                <a:latin typeface="Arial" panose="020B0604020202020204" pitchFamily="34" charset="0"/>
+                <a:cs typeface="Arial" panose="020B0604020202020204" pitchFamily="34" charset="0"/>
+              </a:rPr>
+              <a:t>presensi</a:t>
+            </a:r>
+            <a:r>
+              <a:rPr lang="en-US" sz="1600" dirty="0">
+                <a:latin typeface="Arial" panose="020B0604020202020204" pitchFamily="34" charset="0"/>
+                <a:cs typeface="Arial" panose="020B0604020202020204" pitchFamily="34" charset="0"/>
+              </a:rPr>
+              <a:t> </a:t>
+            </a:r>
+            <a:r>
+              <a:rPr lang="en-US" sz="1600" dirty="0" err="1">
+                <a:latin typeface="Arial" panose="020B0604020202020204" pitchFamily="34" charset="0"/>
+                <a:cs typeface="Arial" panose="020B0604020202020204" pitchFamily="34" charset="0"/>
+              </a:rPr>
+              <a:t>akan</a:t>
+            </a:r>
+            <a:r>
+              <a:rPr lang="en-US" sz="1600" dirty="0">
+                <a:latin typeface="Arial" panose="020B0604020202020204" pitchFamily="34" charset="0"/>
+                <a:cs typeface="Arial" panose="020B0604020202020204" pitchFamily="34" charset="0"/>
+              </a:rPr>
+              <a:t> </a:t>
+            </a:r>
+            <a:r>
+              <a:rPr lang="en-US" sz="1600" dirty="0" err="1">
+                <a:latin typeface="Arial" panose="020B0604020202020204" pitchFamily="34" charset="0"/>
+                <a:cs typeface="Arial" panose="020B0604020202020204" pitchFamily="34" charset="0"/>
+              </a:rPr>
+              <a:t>dilakukan</a:t>
+            </a:r>
+            <a:r>
+              <a:rPr lang="en-US" sz="1600" dirty="0">
+                <a:latin typeface="Arial" panose="020B0604020202020204" pitchFamily="34" charset="0"/>
+                <a:cs typeface="Arial" panose="020B0604020202020204" pitchFamily="34" charset="0"/>
+              </a:rPr>
+              <a:t> </a:t>
+            </a:r>
+            <a:r>
+              <a:rPr lang="en-US" sz="1600" dirty="0" err="1">
+                <a:latin typeface="Arial" panose="020B0604020202020204" pitchFamily="34" charset="0"/>
+                <a:cs typeface="Arial" panose="020B0604020202020204" pitchFamily="34" charset="0"/>
+              </a:rPr>
+              <a:t>analisa</a:t>
+            </a:r>
+            <a:r>
+              <a:rPr lang="en-US" sz="1600" dirty="0">
+                <a:latin typeface="Arial" panose="020B0604020202020204" pitchFamily="34" charset="0"/>
+                <a:cs typeface="Arial" panose="020B0604020202020204" pitchFamily="34" charset="0"/>
+              </a:rPr>
+              <a:t> </a:t>
+            </a:r>
+            <a:r>
+              <a:rPr lang="en-US" sz="1600" dirty="0" err="1">
+                <a:latin typeface="Arial" panose="020B0604020202020204" pitchFamily="34" charset="0"/>
+                <a:cs typeface="Arial" panose="020B0604020202020204" pitchFamily="34" charset="0"/>
+              </a:rPr>
+              <a:t>berkelanjutan</a:t>
+            </a:r>
+            <a:r>
+              <a:rPr lang="en-US" sz="1600" dirty="0">
+                <a:latin typeface="Arial" panose="020B0604020202020204" pitchFamily="34" charset="0"/>
+                <a:cs typeface="Arial" panose="020B0604020202020204" pitchFamily="34" charset="0"/>
+              </a:rPr>
+              <a:t> </a:t>
+            </a:r>
+            <a:r>
+              <a:rPr lang="en-US" sz="1600" dirty="0" err="1">
+                <a:latin typeface="Arial" panose="020B0604020202020204" pitchFamily="34" charset="0"/>
+                <a:cs typeface="Arial" panose="020B0604020202020204" pitchFamily="34" charset="0"/>
+              </a:rPr>
+              <a:t>untuk</a:t>
+            </a:r>
+            <a:r>
+              <a:rPr lang="en-US" sz="1600" dirty="0">
+                <a:latin typeface="Arial" panose="020B0604020202020204" pitchFamily="34" charset="0"/>
+                <a:cs typeface="Arial" panose="020B0604020202020204" pitchFamily="34" charset="0"/>
+              </a:rPr>
+              <a:t> </a:t>
+            </a:r>
+            <a:r>
+              <a:rPr lang="en-US" sz="1600" dirty="0" err="1">
+                <a:latin typeface="Arial" panose="020B0604020202020204" pitchFamily="34" charset="0"/>
+                <a:cs typeface="Arial" panose="020B0604020202020204" pitchFamily="34" charset="0"/>
+              </a:rPr>
+              <a:t>menemukan</a:t>
+            </a:r>
+            <a:r>
+              <a:rPr lang="en-US" sz="1600" dirty="0">
+                <a:latin typeface="Arial" panose="020B0604020202020204" pitchFamily="34" charset="0"/>
+                <a:cs typeface="Arial" panose="020B0604020202020204" pitchFamily="34" charset="0"/>
+              </a:rPr>
+              <a:t> </a:t>
+            </a:r>
+            <a:r>
+              <a:rPr lang="en-US" sz="1600" dirty="0" err="1">
+                <a:latin typeface="Arial" panose="020B0604020202020204" pitchFamily="34" charset="0"/>
+                <a:cs typeface="Arial" panose="020B0604020202020204" pitchFamily="34" charset="0"/>
+              </a:rPr>
+              <a:t>solusi</a:t>
+            </a:r>
+            <a:r>
+              <a:rPr lang="en-US" sz="1600" dirty="0">
+                <a:latin typeface="Arial" panose="020B0604020202020204" pitchFamily="34" charset="0"/>
+                <a:cs typeface="Arial" panose="020B0604020202020204" pitchFamily="34" charset="0"/>
+              </a:rPr>
+              <a:t> </a:t>
+            </a:r>
+            <a:r>
+              <a:rPr lang="en-US" sz="1600" dirty="0" err="1">
+                <a:latin typeface="Arial" panose="020B0604020202020204" pitchFamily="34" charset="0"/>
+                <a:cs typeface="Arial" panose="020B0604020202020204" pitchFamily="34" charset="0"/>
+              </a:rPr>
+              <a:t>jangka</a:t>
+            </a:r>
+            <a:r>
+              <a:rPr lang="en-US" sz="1600" dirty="0">
+                <a:latin typeface="Arial" panose="020B0604020202020204" pitchFamily="34" charset="0"/>
+                <a:cs typeface="Arial" panose="020B0604020202020204" pitchFamily="34" charset="0"/>
+              </a:rPr>
+              <a:t> </a:t>
+            </a:r>
+            <a:r>
+              <a:rPr lang="en-US" sz="1600" dirty="0" err="1">
+                <a:latin typeface="Arial" panose="020B0604020202020204" pitchFamily="34" charset="0"/>
+                <a:cs typeface="Arial" panose="020B0604020202020204" pitchFamily="34" charset="0"/>
+              </a:rPr>
+              <a:t>panjang</a:t>
+            </a:r>
+            <a:endParaRPr lang="en-ID" sz="1600" dirty="0">
+              <a:latin typeface="Arial" panose="020B0604020202020204" pitchFamily="34" charset="0"/>
+              <a:cs typeface="Arial" panose="020B0604020202020204" pitchFamily="34" charset="0"/>
+            </a:endParaRPr>
+          </a:p>
+        </p:txBody>
+      </p:sp>
+      <p:cxnSp>
+        <p:nvCxnSpPr>
+          <p:cNvPr id="39" name="Straight Connector 38">
+            <a:extLst>
+              <a:ext uri="{FF2B5EF4-FFF2-40B4-BE49-F238E27FC236}">
+                <a16:creationId xmlns:a16="http://schemas.microsoft.com/office/drawing/2014/main" id="{23893C24-809A-7C52-3A92-FC2A4F281EF3}"/>
+              </a:ext>
+            </a:extLst>
+          </p:cNvPr>
+          <p:cNvCxnSpPr/>
+          <p:nvPr/>
+        </p:nvCxnSpPr>
+        <p:spPr>
+          <a:xfrm>
+            <a:off x="7412542" y="3265714"/>
+            <a:ext cx="0" cy="2757196"/>
+          </a:xfrm>
+          <a:prstGeom prst="line">
+            <a:avLst/>
+          </a:prstGeom>
+        </p:spPr>
+        <p:style>
+          <a:lnRef idx="3">
+            <a:schemeClr val="dk1"/>
+          </a:lnRef>
+          <a:fillRef idx="0">
+            <a:schemeClr val="dk1"/>
+          </a:fillRef>
+          <a:effectRef idx="2">
+            <a:schemeClr val="dk1"/>
+          </a:effectRef>
+          <a:fontRef idx="minor">
+            <a:schemeClr val="tx1"/>
+          </a:fontRef>
+        </p:style>
+      </p:cxnSp>
+      <p:sp>
+        <p:nvSpPr>
+          <p:cNvPr id="40" name="TextBox 39">
+            <a:extLst>
+              <a:ext uri="{FF2B5EF4-FFF2-40B4-BE49-F238E27FC236}">
+                <a16:creationId xmlns:a16="http://schemas.microsoft.com/office/drawing/2014/main" id="{1A892E44-0967-E8DB-2503-930F54D74CE2}"/>
+              </a:ext>
+            </a:extLst>
+          </p:cNvPr>
+          <p:cNvSpPr txBox="1"/>
+          <p:nvPr/>
+        </p:nvSpPr>
+        <p:spPr>
+          <a:xfrm>
+            <a:off x="7497479" y="3429000"/>
+            <a:ext cx="2121100" cy="2308324"/>
+          </a:xfrm>
+          <a:prstGeom prst="rect">
+            <a:avLst/>
+          </a:prstGeom>
+          <a:noFill/>
+        </p:spPr>
+        <p:txBody>
+          <a:bodyPr wrap="square" rtlCol="0">
+            <a:spAutoFit/>
+          </a:bodyPr>
+          <a:lstStyle/>
+          <a:p>
+            <a:r>
+              <a:rPr lang="en-US" sz="1600" dirty="0" err="1">
+                <a:latin typeface="Arial" panose="020B0604020202020204" pitchFamily="34" charset="0"/>
+                <a:cs typeface="Arial" panose="020B0604020202020204" pitchFamily="34" charset="0"/>
+              </a:rPr>
+              <a:t>Pengembangan</a:t>
+            </a:r>
+            <a:r>
+              <a:rPr lang="en-US" sz="1600" dirty="0">
+                <a:latin typeface="Arial" panose="020B0604020202020204" pitchFamily="34" charset="0"/>
+                <a:cs typeface="Arial" panose="020B0604020202020204" pitchFamily="34" charset="0"/>
+              </a:rPr>
+              <a:t> </a:t>
+            </a:r>
+            <a:r>
+              <a:rPr lang="en-US" sz="1600" dirty="0" err="1">
+                <a:latin typeface="Arial" panose="020B0604020202020204" pitchFamily="34" charset="0"/>
+                <a:cs typeface="Arial" panose="020B0604020202020204" pitchFamily="34" charset="0"/>
+              </a:rPr>
+              <a:t>sistem</a:t>
+            </a:r>
+            <a:r>
+              <a:rPr lang="en-US" sz="1600" dirty="0">
+                <a:latin typeface="Arial" panose="020B0604020202020204" pitchFamily="34" charset="0"/>
+                <a:cs typeface="Arial" panose="020B0604020202020204" pitchFamily="34" charset="0"/>
+              </a:rPr>
+              <a:t> </a:t>
+            </a:r>
+            <a:r>
+              <a:rPr lang="en-US" sz="1600" dirty="0" err="1">
+                <a:latin typeface="Arial" panose="020B0604020202020204" pitchFamily="34" charset="0"/>
+                <a:cs typeface="Arial" panose="020B0604020202020204" pitchFamily="34" charset="0"/>
+              </a:rPr>
+              <a:t>dilakukan</a:t>
+            </a:r>
+            <a:r>
+              <a:rPr lang="en-US" sz="1600" dirty="0">
+                <a:latin typeface="Arial" panose="020B0604020202020204" pitchFamily="34" charset="0"/>
+                <a:cs typeface="Arial" panose="020B0604020202020204" pitchFamily="34" charset="0"/>
+              </a:rPr>
+              <a:t> </a:t>
+            </a:r>
+            <a:r>
+              <a:rPr lang="en-US" sz="1600" dirty="0" err="1">
+                <a:latin typeface="Arial" panose="020B0604020202020204" pitchFamily="34" charset="0"/>
+                <a:cs typeface="Arial" panose="020B0604020202020204" pitchFamily="34" charset="0"/>
+              </a:rPr>
+              <a:t>menggunakan</a:t>
+            </a:r>
+            <a:r>
+              <a:rPr lang="en-US" sz="1600" dirty="0">
+                <a:latin typeface="Arial" panose="020B0604020202020204" pitchFamily="34" charset="0"/>
+                <a:cs typeface="Arial" panose="020B0604020202020204" pitchFamily="34" charset="0"/>
+              </a:rPr>
+              <a:t> </a:t>
+            </a:r>
+            <a:r>
+              <a:rPr lang="en-US" sz="1600" dirty="0" err="1">
+                <a:latin typeface="Arial" panose="020B0604020202020204" pitchFamily="34" charset="0"/>
+                <a:cs typeface="Arial" panose="020B0604020202020204" pitchFamily="34" charset="0"/>
+              </a:rPr>
+              <a:t>metode</a:t>
+            </a:r>
+            <a:r>
+              <a:rPr lang="en-US" sz="1600" dirty="0">
+                <a:latin typeface="Arial" panose="020B0604020202020204" pitchFamily="34" charset="0"/>
+                <a:cs typeface="Arial" panose="020B0604020202020204" pitchFamily="34" charset="0"/>
+              </a:rPr>
+              <a:t> prototype </a:t>
+            </a:r>
+            <a:r>
+              <a:rPr lang="en-US" sz="1600" dirty="0" err="1">
+                <a:latin typeface="Arial" panose="020B0604020202020204" pitchFamily="34" charset="0"/>
+                <a:cs typeface="Arial" panose="020B0604020202020204" pitchFamily="34" charset="0"/>
+              </a:rPr>
+              <a:t>untuk</a:t>
+            </a:r>
+            <a:r>
+              <a:rPr lang="en-US" sz="1600" dirty="0">
+                <a:latin typeface="Arial" panose="020B0604020202020204" pitchFamily="34" charset="0"/>
+                <a:cs typeface="Arial" panose="020B0604020202020204" pitchFamily="34" charset="0"/>
+              </a:rPr>
+              <a:t> </a:t>
+            </a:r>
+            <a:r>
+              <a:rPr lang="en-US" sz="1600" dirty="0" err="1">
+                <a:latin typeface="Arial" panose="020B0604020202020204" pitchFamily="34" charset="0"/>
+                <a:cs typeface="Arial" panose="020B0604020202020204" pitchFamily="34" charset="0"/>
+              </a:rPr>
+              <a:t>mendapatkan</a:t>
+            </a:r>
+            <a:r>
+              <a:rPr lang="en-US" sz="1600" dirty="0">
+                <a:latin typeface="Arial" panose="020B0604020202020204" pitchFamily="34" charset="0"/>
+                <a:cs typeface="Arial" panose="020B0604020202020204" pitchFamily="34" charset="0"/>
+              </a:rPr>
+              <a:t> </a:t>
+            </a:r>
+            <a:r>
+              <a:rPr lang="en-US" sz="1600" dirty="0" err="1">
+                <a:latin typeface="Arial" panose="020B0604020202020204" pitchFamily="34" charset="0"/>
+                <a:cs typeface="Arial" panose="020B0604020202020204" pitchFamily="34" charset="0"/>
+              </a:rPr>
+              <a:t>sistem</a:t>
+            </a:r>
+            <a:r>
+              <a:rPr lang="en-US" sz="1600" dirty="0">
+                <a:latin typeface="Arial" panose="020B0604020202020204" pitchFamily="34" charset="0"/>
+                <a:cs typeface="Arial" panose="020B0604020202020204" pitchFamily="34" charset="0"/>
+              </a:rPr>
+              <a:t> </a:t>
+            </a:r>
+            <a:r>
+              <a:rPr lang="en-US" sz="1600" dirty="0" err="1">
+                <a:latin typeface="Arial" panose="020B0604020202020204" pitchFamily="34" charset="0"/>
+                <a:cs typeface="Arial" panose="020B0604020202020204" pitchFamily="34" charset="0"/>
+              </a:rPr>
+              <a:t>aplikasi</a:t>
+            </a:r>
+            <a:r>
+              <a:rPr lang="en-US" sz="1600" dirty="0">
+                <a:latin typeface="Arial" panose="020B0604020202020204" pitchFamily="34" charset="0"/>
+                <a:cs typeface="Arial" panose="020B0604020202020204" pitchFamily="34" charset="0"/>
+              </a:rPr>
+              <a:t> yang </a:t>
+            </a:r>
+            <a:r>
+              <a:rPr lang="en-US" sz="1600" dirty="0" err="1">
+                <a:latin typeface="Arial" panose="020B0604020202020204" pitchFamily="34" charset="0"/>
+                <a:cs typeface="Arial" panose="020B0604020202020204" pitchFamily="34" charset="0"/>
+              </a:rPr>
+              <a:t>dinamis</a:t>
+            </a:r>
+            <a:r>
+              <a:rPr lang="en-US" sz="1600" dirty="0">
+                <a:latin typeface="Arial" panose="020B0604020202020204" pitchFamily="34" charset="0"/>
+                <a:cs typeface="Arial" panose="020B0604020202020204" pitchFamily="34" charset="0"/>
+              </a:rPr>
+              <a:t> </a:t>
+            </a:r>
+            <a:r>
+              <a:rPr lang="en-US" sz="1600" dirty="0" err="1">
+                <a:latin typeface="Arial" panose="020B0604020202020204" pitchFamily="34" charset="0"/>
+                <a:cs typeface="Arial" panose="020B0604020202020204" pitchFamily="34" charset="0"/>
+              </a:rPr>
+              <a:t>sesuai</a:t>
+            </a:r>
+            <a:r>
+              <a:rPr lang="en-US" sz="1600" dirty="0">
+                <a:latin typeface="Arial" panose="020B0604020202020204" pitchFamily="34" charset="0"/>
+                <a:cs typeface="Arial" panose="020B0604020202020204" pitchFamily="34" charset="0"/>
+              </a:rPr>
+              <a:t> </a:t>
+            </a:r>
+            <a:r>
+              <a:rPr lang="en-US" sz="1600" dirty="0" err="1">
+                <a:latin typeface="Arial" panose="020B0604020202020204" pitchFamily="34" charset="0"/>
+                <a:cs typeface="Arial" panose="020B0604020202020204" pitchFamily="34" charset="0"/>
+              </a:rPr>
+              <a:t>dengan</a:t>
+            </a:r>
+            <a:r>
+              <a:rPr lang="en-US" sz="1600" dirty="0">
+                <a:latin typeface="Arial" panose="020B0604020202020204" pitchFamily="34" charset="0"/>
+                <a:cs typeface="Arial" panose="020B0604020202020204" pitchFamily="34" charset="0"/>
+              </a:rPr>
+              <a:t> </a:t>
+            </a:r>
+            <a:r>
+              <a:rPr lang="en-US" sz="1600" dirty="0" err="1">
+                <a:latin typeface="Arial" panose="020B0604020202020204" pitchFamily="34" charset="0"/>
+                <a:cs typeface="Arial" panose="020B0604020202020204" pitchFamily="34" charset="0"/>
+              </a:rPr>
+              <a:t>kebutuhan</a:t>
+            </a:r>
+            <a:r>
+              <a:rPr lang="en-US" sz="1600" dirty="0">
+                <a:latin typeface="Arial" panose="020B0604020202020204" pitchFamily="34" charset="0"/>
+                <a:cs typeface="Arial" panose="020B0604020202020204" pitchFamily="34" charset="0"/>
+              </a:rPr>
+              <a:t> </a:t>
+            </a:r>
+            <a:r>
+              <a:rPr lang="en-US" sz="1600" dirty="0" err="1">
+                <a:latin typeface="Arial" panose="020B0604020202020204" pitchFamily="34" charset="0"/>
+                <a:cs typeface="Arial" panose="020B0604020202020204" pitchFamily="34" charset="0"/>
+              </a:rPr>
+              <a:t>pengguna</a:t>
+            </a:r>
+            <a:endParaRPr lang="en-ID" sz="1600" dirty="0">
+              <a:latin typeface="Arial" panose="020B0604020202020204" pitchFamily="34" charset="0"/>
+              <a:cs typeface="Arial" panose="020B0604020202020204" pitchFamily="34" charset="0"/>
+            </a:endParaRPr>
+          </a:p>
+        </p:txBody>
+      </p:sp>
+      <p:sp>
+        <p:nvSpPr>
+          <p:cNvPr id="41" name="TextBox 40">
+            <a:extLst>
+              <a:ext uri="{FF2B5EF4-FFF2-40B4-BE49-F238E27FC236}">
+                <a16:creationId xmlns:a16="http://schemas.microsoft.com/office/drawing/2014/main" id="{05C90DED-006F-024F-7260-38C0832C02A6}"/>
+              </a:ext>
+            </a:extLst>
+          </p:cNvPr>
+          <p:cNvSpPr txBox="1"/>
+          <p:nvPr/>
+        </p:nvSpPr>
+        <p:spPr>
+          <a:xfrm>
+            <a:off x="9736611" y="3389030"/>
+            <a:ext cx="2121100" cy="1569660"/>
+          </a:xfrm>
+          <a:prstGeom prst="rect">
+            <a:avLst/>
+          </a:prstGeom>
+          <a:noFill/>
+        </p:spPr>
+        <p:txBody>
+          <a:bodyPr wrap="square" rtlCol="0">
+            <a:spAutoFit/>
+          </a:bodyPr>
+          <a:lstStyle/>
+          <a:p>
+            <a:r>
+              <a:rPr lang="en-US" sz="1600" dirty="0" err="1">
+                <a:latin typeface="Arial" panose="020B0604020202020204" pitchFamily="34" charset="0"/>
+                <a:cs typeface="Arial" panose="020B0604020202020204" pitchFamily="34" charset="0"/>
+              </a:rPr>
+              <a:t>Laporan</a:t>
+            </a:r>
+            <a:r>
+              <a:rPr lang="en-US" sz="1600" dirty="0">
+                <a:latin typeface="Arial" panose="020B0604020202020204" pitchFamily="34" charset="0"/>
+                <a:cs typeface="Arial" panose="020B0604020202020204" pitchFamily="34" charset="0"/>
+              </a:rPr>
+              <a:t> </a:t>
+            </a:r>
+            <a:r>
+              <a:rPr lang="en-US" sz="1600" dirty="0" err="1">
+                <a:latin typeface="Arial" panose="020B0604020202020204" pitchFamily="34" charset="0"/>
+                <a:cs typeface="Arial" panose="020B0604020202020204" pitchFamily="34" charset="0"/>
+              </a:rPr>
+              <a:t>hasil</a:t>
+            </a:r>
+            <a:r>
+              <a:rPr lang="en-US" sz="1600" dirty="0">
+                <a:latin typeface="Arial" panose="020B0604020202020204" pitchFamily="34" charset="0"/>
+                <a:cs typeface="Arial" panose="020B0604020202020204" pitchFamily="34" charset="0"/>
+              </a:rPr>
+              <a:t> </a:t>
+            </a:r>
+            <a:r>
+              <a:rPr lang="en-US" sz="1600" dirty="0" err="1">
+                <a:latin typeface="Arial" panose="020B0604020202020204" pitchFamily="34" charset="0"/>
+                <a:cs typeface="Arial" panose="020B0604020202020204" pitchFamily="34" charset="0"/>
+              </a:rPr>
+              <a:t>penelitian</a:t>
+            </a:r>
+            <a:r>
+              <a:rPr lang="en-US" sz="1600" dirty="0">
+                <a:latin typeface="Arial" panose="020B0604020202020204" pitchFamily="34" charset="0"/>
+                <a:cs typeface="Arial" panose="020B0604020202020204" pitchFamily="34" charset="0"/>
+              </a:rPr>
+              <a:t> </a:t>
+            </a:r>
+            <a:r>
+              <a:rPr lang="en-US" sz="1600" dirty="0" err="1">
+                <a:latin typeface="Arial" panose="020B0604020202020204" pitchFamily="34" charset="0"/>
+                <a:cs typeface="Arial" panose="020B0604020202020204" pitchFamily="34" charset="0"/>
+              </a:rPr>
+              <a:t>berupa</a:t>
+            </a:r>
+            <a:r>
+              <a:rPr lang="en-US" sz="1600" dirty="0">
+                <a:latin typeface="Arial" panose="020B0604020202020204" pitchFamily="34" charset="0"/>
+                <a:cs typeface="Arial" panose="020B0604020202020204" pitchFamily="34" charset="0"/>
+              </a:rPr>
+              <a:t> </a:t>
+            </a:r>
+            <a:r>
+              <a:rPr lang="en-US" sz="1600" dirty="0" err="1">
+                <a:latin typeface="Arial" panose="020B0604020202020204" pitchFamily="34" charset="0"/>
+                <a:cs typeface="Arial" panose="020B0604020202020204" pitchFamily="34" charset="0"/>
+              </a:rPr>
+              <a:t>karya</a:t>
+            </a:r>
+            <a:r>
+              <a:rPr lang="en-US" sz="1600" dirty="0">
+                <a:latin typeface="Arial" panose="020B0604020202020204" pitchFamily="34" charset="0"/>
+                <a:cs typeface="Arial" panose="020B0604020202020204" pitchFamily="34" charset="0"/>
+              </a:rPr>
+              <a:t> </a:t>
+            </a:r>
+            <a:r>
+              <a:rPr lang="en-US" sz="1600" dirty="0" err="1">
+                <a:latin typeface="Arial" panose="020B0604020202020204" pitchFamily="34" charset="0"/>
+                <a:cs typeface="Arial" panose="020B0604020202020204" pitchFamily="34" charset="0"/>
+              </a:rPr>
+              <a:t>ilmiah</a:t>
+            </a:r>
+            <a:r>
+              <a:rPr lang="en-US" sz="1600" dirty="0">
+                <a:latin typeface="Arial" panose="020B0604020202020204" pitchFamily="34" charset="0"/>
+                <a:cs typeface="Arial" panose="020B0604020202020204" pitchFamily="34" charset="0"/>
+              </a:rPr>
+              <a:t> </a:t>
+            </a:r>
+            <a:r>
+              <a:rPr lang="en-US" sz="1600" dirty="0" err="1">
+                <a:latin typeface="Arial" panose="020B0604020202020204" pitchFamily="34" charset="0"/>
+                <a:cs typeface="Arial" panose="020B0604020202020204" pitchFamily="34" charset="0"/>
+              </a:rPr>
+              <a:t>skripsi</a:t>
+            </a:r>
+            <a:r>
+              <a:rPr lang="en-US" sz="1600" dirty="0">
+                <a:latin typeface="Arial" panose="020B0604020202020204" pitchFamily="34" charset="0"/>
+                <a:cs typeface="Arial" panose="020B0604020202020204" pitchFamily="34" charset="0"/>
+              </a:rPr>
+              <a:t> dan </a:t>
+            </a:r>
+            <a:r>
+              <a:rPr lang="en-US" sz="1600" dirty="0" err="1">
+                <a:latin typeface="Arial" panose="020B0604020202020204" pitchFamily="34" charset="0"/>
+                <a:cs typeface="Arial" panose="020B0604020202020204" pitchFamily="34" charset="0"/>
+              </a:rPr>
+              <a:t>publikasi</a:t>
+            </a:r>
+            <a:r>
+              <a:rPr lang="en-US" sz="1600" dirty="0">
+                <a:latin typeface="Arial" panose="020B0604020202020204" pitchFamily="34" charset="0"/>
+                <a:cs typeface="Arial" panose="020B0604020202020204" pitchFamily="34" charset="0"/>
+              </a:rPr>
+              <a:t> </a:t>
+            </a:r>
+            <a:r>
+              <a:rPr lang="en-US" sz="1600" dirty="0" err="1">
+                <a:latin typeface="Arial" panose="020B0604020202020204" pitchFamily="34" charset="0"/>
+                <a:cs typeface="Arial" panose="020B0604020202020204" pitchFamily="34" charset="0"/>
+              </a:rPr>
+              <a:t>sebagai</a:t>
+            </a:r>
+            <a:r>
+              <a:rPr lang="en-US" sz="1600" dirty="0">
+                <a:latin typeface="Arial" panose="020B0604020202020204" pitchFamily="34" charset="0"/>
+                <a:cs typeface="Arial" panose="020B0604020202020204" pitchFamily="34" charset="0"/>
+              </a:rPr>
+              <a:t> </a:t>
+            </a:r>
+            <a:r>
+              <a:rPr lang="en-US" sz="1600" dirty="0" err="1">
+                <a:latin typeface="Arial" panose="020B0604020202020204" pitchFamily="34" charset="0"/>
+                <a:cs typeface="Arial" panose="020B0604020202020204" pitchFamily="34" charset="0"/>
+              </a:rPr>
+              <a:t>bahan</a:t>
+            </a:r>
+            <a:r>
+              <a:rPr lang="en-US" sz="1600" dirty="0">
+                <a:latin typeface="Arial" panose="020B0604020202020204" pitchFamily="34" charset="0"/>
+                <a:cs typeface="Arial" panose="020B0604020202020204" pitchFamily="34" charset="0"/>
+              </a:rPr>
+              <a:t> </a:t>
+            </a:r>
+            <a:r>
+              <a:rPr lang="en-US" sz="1600" dirty="0" err="1">
+                <a:latin typeface="Arial" panose="020B0604020202020204" pitchFamily="34" charset="0"/>
+                <a:cs typeface="Arial" panose="020B0604020202020204" pitchFamily="34" charset="0"/>
+              </a:rPr>
+              <a:t>penelitian</a:t>
+            </a:r>
+            <a:r>
+              <a:rPr lang="en-US" sz="1600" dirty="0">
+                <a:latin typeface="Arial" panose="020B0604020202020204" pitchFamily="34" charset="0"/>
+                <a:cs typeface="Arial" panose="020B0604020202020204" pitchFamily="34" charset="0"/>
+              </a:rPr>
+              <a:t> </a:t>
+            </a:r>
+            <a:r>
+              <a:rPr lang="en-US" sz="1600" dirty="0" err="1">
+                <a:latin typeface="Arial" panose="020B0604020202020204" pitchFamily="34" charset="0"/>
+                <a:cs typeface="Arial" panose="020B0604020202020204" pitchFamily="34" charset="0"/>
+              </a:rPr>
+              <a:t>berikutnya</a:t>
+            </a:r>
+            <a:r>
+              <a:rPr lang="en-US" sz="1600" dirty="0">
+                <a:latin typeface="Arial" panose="020B0604020202020204" pitchFamily="34" charset="0"/>
+                <a:cs typeface="Arial" panose="020B0604020202020204" pitchFamily="34" charset="0"/>
+              </a:rPr>
+              <a:t>.</a:t>
+            </a:r>
+            <a:endParaRPr lang="en-ID" sz="1600" dirty="0">
+              <a:latin typeface="Arial" panose="020B0604020202020204" pitchFamily="34" charset="0"/>
+              <a:cs typeface="Arial" panose="020B0604020202020204" pitchFamily="34" charset="0"/>
+            </a:endParaRPr>
+          </a:p>
+        </p:txBody>
+      </p:sp>
+      <p:cxnSp>
+        <p:nvCxnSpPr>
+          <p:cNvPr id="42" name="Straight Connector 41">
+            <a:extLst>
+              <a:ext uri="{FF2B5EF4-FFF2-40B4-BE49-F238E27FC236}">
+                <a16:creationId xmlns:a16="http://schemas.microsoft.com/office/drawing/2014/main" id="{A78AE922-A2F8-BECC-01F3-C6F2A7D25E3D}"/>
+              </a:ext>
+            </a:extLst>
+          </p:cNvPr>
+          <p:cNvCxnSpPr/>
+          <p:nvPr/>
+        </p:nvCxnSpPr>
+        <p:spPr>
+          <a:xfrm>
+            <a:off x="9669624" y="3389030"/>
+            <a:ext cx="0" cy="2757196"/>
+          </a:xfrm>
+          <a:prstGeom prst="line">
+            <a:avLst/>
+          </a:prstGeom>
+        </p:spPr>
+        <p:style>
+          <a:lnRef idx="3">
+            <a:schemeClr val="dk1"/>
+          </a:lnRef>
+          <a:fillRef idx="0">
+            <a:schemeClr val="dk1"/>
+          </a:fillRef>
+          <a:effectRef idx="2">
+            <a:schemeClr val="dk1"/>
+          </a:effectRef>
+          <a:fontRef idx="minor">
+            <a:schemeClr val="tx1"/>
+          </a:fontRef>
+        </p:style>
+      </p:cxnSp>
     </p:spTree>
     <p:extLst>
       <p:ext uri="{BB962C8B-B14F-4D97-AF65-F5344CB8AC3E}">
-        <p14:creationId xmlns:p14="http://schemas.microsoft.com/office/powerpoint/2010/main" val="934767854"/>
+        <p14:creationId xmlns:p14="http://schemas.microsoft.com/office/powerpoint/2010/main" val="2897545066"/>
       </p:ext>
     </p:extLst>
   </p:cSld>
   <p:clrMapOvr>
     <a:masterClrMapping/>
   </p:clrMapOvr>
+  <mc:AlternateContent xmlns:mc="http://schemas.openxmlformats.org/markup-compatibility/2006" xmlns:p159="http://schemas.microsoft.com/office/powerpoint/2015/09/main">
+    <mc:Choice Requires="p159">
+      <p:transition xmlns:p14="http://schemas.microsoft.com/office/powerpoint/2010/main" spd="slow" p14:dur="2000">
+        <p159:morph option="byObject"/>
+      </p:transition>
+    </mc:Choice>
+    <mc:Fallback xmlns="">
+      <p:transition spd="slow">
+        <p:fade/>
+      </p:transition>
+    </mc:Fallback>
+  </mc:AlternateContent>
 </p:sld>
 </file>
 

--- a/dokumen/ppt_skripsi.pptx
+++ b/dokumen/ppt_skripsi.pptx
@@ -16,7 +16,9 @@
     <p:sldId id="266" r:id="rId10"/>
     <p:sldId id="267" r:id="rId11"/>
     <p:sldId id="268" r:id="rId12"/>
-    <p:sldId id="256" r:id="rId13"/>
+    <p:sldId id="269" r:id="rId13"/>
+    <p:sldId id="270" r:id="rId14"/>
+    <p:sldId id="256" r:id="rId15"/>
   </p:sldIdLst>
   <p:sldSz cx="12192000" cy="6858000"/>
   <p:notesSz cx="6858000" cy="9144000"/>
@@ -272,7 +274,7 @@
           <a:p>
             <a:fld id="{F5671809-4E7C-4B4C-B35D-BEB3A7116895}" type="datetimeFigureOut">
               <a:rPr lang="en-ID" smtClean="0"/>
-              <a:t>09/06/2022</a:t>
+              <a:t>14/06/2022</a:t>
             </a:fld>
             <a:endParaRPr lang="en-ID"/>
           </a:p>
@@ -472,7 +474,7 @@
           <a:p>
             <a:fld id="{F5671809-4E7C-4B4C-B35D-BEB3A7116895}" type="datetimeFigureOut">
               <a:rPr lang="en-ID" smtClean="0"/>
-              <a:t>09/06/2022</a:t>
+              <a:t>14/06/2022</a:t>
             </a:fld>
             <a:endParaRPr lang="en-ID"/>
           </a:p>
@@ -682,7 +684,7 @@
           <a:p>
             <a:fld id="{F5671809-4E7C-4B4C-B35D-BEB3A7116895}" type="datetimeFigureOut">
               <a:rPr lang="en-ID" smtClean="0"/>
-              <a:t>09/06/2022</a:t>
+              <a:t>14/06/2022</a:t>
             </a:fld>
             <a:endParaRPr lang="en-ID"/>
           </a:p>
@@ -882,7 +884,7 @@
           <a:p>
             <a:fld id="{F5671809-4E7C-4B4C-B35D-BEB3A7116895}" type="datetimeFigureOut">
               <a:rPr lang="en-ID" smtClean="0"/>
-              <a:t>09/06/2022</a:t>
+              <a:t>14/06/2022</a:t>
             </a:fld>
             <a:endParaRPr lang="en-ID"/>
           </a:p>
@@ -1158,7 +1160,7 @@
           <a:p>
             <a:fld id="{F5671809-4E7C-4B4C-B35D-BEB3A7116895}" type="datetimeFigureOut">
               <a:rPr lang="en-ID" smtClean="0"/>
-              <a:t>09/06/2022</a:t>
+              <a:t>14/06/2022</a:t>
             </a:fld>
             <a:endParaRPr lang="en-ID"/>
           </a:p>
@@ -1426,7 +1428,7 @@
           <a:p>
             <a:fld id="{F5671809-4E7C-4B4C-B35D-BEB3A7116895}" type="datetimeFigureOut">
               <a:rPr lang="en-ID" smtClean="0"/>
-              <a:t>09/06/2022</a:t>
+              <a:t>14/06/2022</a:t>
             </a:fld>
             <a:endParaRPr lang="en-ID"/>
           </a:p>
@@ -1841,7 +1843,7 @@
           <a:p>
             <a:fld id="{F5671809-4E7C-4B4C-B35D-BEB3A7116895}" type="datetimeFigureOut">
               <a:rPr lang="en-ID" smtClean="0"/>
-              <a:t>09/06/2022</a:t>
+              <a:t>14/06/2022</a:t>
             </a:fld>
             <a:endParaRPr lang="en-ID"/>
           </a:p>
@@ -1983,7 +1985,7 @@
           <a:p>
             <a:fld id="{F5671809-4E7C-4B4C-B35D-BEB3A7116895}" type="datetimeFigureOut">
               <a:rPr lang="en-ID" smtClean="0"/>
-              <a:t>09/06/2022</a:t>
+              <a:t>14/06/2022</a:t>
             </a:fld>
             <a:endParaRPr lang="en-ID"/>
           </a:p>
@@ -2096,7 +2098,7 @@
           <a:p>
             <a:fld id="{F5671809-4E7C-4B4C-B35D-BEB3A7116895}" type="datetimeFigureOut">
               <a:rPr lang="en-ID" smtClean="0"/>
-              <a:t>09/06/2022</a:t>
+              <a:t>14/06/2022</a:t>
             </a:fld>
             <a:endParaRPr lang="en-ID"/>
           </a:p>
@@ -2409,7 +2411,7 @@
           <a:p>
             <a:fld id="{F5671809-4E7C-4B4C-B35D-BEB3A7116895}" type="datetimeFigureOut">
               <a:rPr lang="en-ID" smtClean="0"/>
-              <a:t>09/06/2022</a:t>
+              <a:t>14/06/2022</a:t>
             </a:fld>
             <a:endParaRPr lang="en-ID"/>
           </a:p>
@@ -2698,7 +2700,7 @@
           <a:p>
             <a:fld id="{F5671809-4E7C-4B4C-B35D-BEB3A7116895}" type="datetimeFigureOut">
               <a:rPr lang="en-ID" smtClean="0"/>
-              <a:t>09/06/2022</a:t>
+              <a:t>14/06/2022</a:t>
             </a:fld>
             <a:endParaRPr lang="en-ID"/>
           </a:p>
@@ -2941,7 +2943,7 @@
           <a:p>
             <a:fld id="{F5671809-4E7C-4B4C-B35D-BEB3A7116895}" type="datetimeFigureOut">
               <a:rPr lang="en-ID" smtClean="0"/>
-              <a:t>09/06/2022</a:t>
+              <a:t>14/06/2022</a:t>
             </a:fld>
             <a:endParaRPr lang="en-ID"/>
           </a:p>
@@ -6557,6 +6559,292 @@
           </a:p>
         </p:txBody>
       </p:sp>
+      <p:sp>
+        <p:nvSpPr>
+          <p:cNvPr id="20" name="TextBox 19">
+            <a:extLst>
+              <a:ext uri="{FF2B5EF4-FFF2-40B4-BE49-F238E27FC236}">
+                <a16:creationId xmlns:a16="http://schemas.microsoft.com/office/drawing/2014/main" id="{317763BB-C08E-1707-1F35-45B5530CC572}"/>
+              </a:ext>
+            </a:extLst>
+          </p:cNvPr>
+          <p:cNvSpPr txBox="1"/>
+          <p:nvPr/>
+        </p:nvSpPr>
+        <p:spPr>
+          <a:xfrm>
+            <a:off x="6487971" y="3799211"/>
+            <a:ext cx="2121100" cy="1815882"/>
+          </a:xfrm>
+          <a:prstGeom prst="rect">
+            <a:avLst/>
+          </a:prstGeom>
+          <a:noFill/>
+        </p:spPr>
+        <p:txBody>
+          <a:bodyPr wrap="square" rtlCol="0">
+            <a:spAutoFit/>
+          </a:bodyPr>
+          <a:lstStyle/>
+          <a:p>
+            <a:pPr marL="285750" indent="-285750">
+              <a:buFont typeface="Courier New" panose="02070309020205020404" pitchFamily="49" charset="0"/>
+              <a:buChar char="o"/>
+            </a:pPr>
+            <a:r>
+              <a:rPr lang="en-US" sz="1600" dirty="0" err="1">
+                <a:solidFill>
+                  <a:srgbClr val="D69802"/>
+                </a:solidFill>
+                <a:latin typeface="Arial" panose="020B0604020202020204" pitchFamily="34" charset="0"/>
+                <a:cs typeface="Arial" panose="020B0604020202020204" pitchFamily="34" charset="0"/>
+              </a:rPr>
+              <a:t>Pembuatan</a:t>
+            </a:r>
+            <a:r>
+              <a:rPr lang="en-US" sz="1600" dirty="0">
+                <a:solidFill>
+                  <a:srgbClr val="D69802"/>
+                </a:solidFill>
+                <a:latin typeface="Arial" panose="020B0604020202020204" pitchFamily="34" charset="0"/>
+                <a:cs typeface="Arial" panose="020B0604020202020204" pitchFamily="34" charset="0"/>
+              </a:rPr>
+              <a:t> ERD, Use case, Activity dan Sequence diagram</a:t>
+            </a:r>
+          </a:p>
+          <a:p>
+            <a:pPr marL="285750" indent="-285750">
+              <a:buFont typeface="Courier New" panose="02070309020205020404" pitchFamily="49" charset="0"/>
+              <a:buChar char="o"/>
+            </a:pPr>
+            <a:r>
+              <a:rPr lang="en-US" sz="1600" dirty="0" err="1">
+                <a:solidFill>
+                  <a:srgbClr val="D69802"/>
+                </a:solidFill>
+                <a:latin typeface="Arial" panose="020B0604020202020204" pitchFamily="34" charset="0"/>
+                <a:cs typeface="Arial" panose="020B0604020202020204" pitchFamily="34" charset="0"/>
+              </a:rPr>
+              <a:t>Merancang</a:t>
+            </a:r>
+            <a:r>
+              <a:rPr lang="en-US" sz="1600" dirty="0">
+                <a:solidFill>
+                  <a:srgbClr val="D69802"/>
+                </a:solidFill>
+                <a:latin typeface="Arial" panose="020B0604020202020204" pitchFamily="34" charset="0"/>
+                <a:cs typeface="Arial" panose="020B0604020202020204" pitchFamily="34" charset="0"/>
+              </a:rPr>
+              <a:t> Wireframe </a:t>
+            </a:r>
+            <a:r>
+              <a:rPr lang="en-US" sz="1600" dirty="0" err="1">
+                <a:solidFill>
+                  <a:srgbClr val="D69802"/>
+                </a:solidFill>
+                <a:latin typeface="Arial" panose="020B0604020202020204" pitchFamily="34" charset="0"/>
+                <a:cs typeface="Arial" panose="020B0604020202020204" pitchFamily="34" charset="0"/>
+              </a:rPr>
+              <a:t>aplikasi</a:t>
+            </a:r>
+            <a:endParaRPr lang="en-ID" sz="1600" dirty="0">
+              <a:solidFill>
+                <a:srgbClr val="D69802"/>
+              </a:solidFill>
+              <a:latin typeface="Arial" panose="020B0604020202020204" pitchFamily="34" charset="0"/>
+              <a:cs typeface="Arial" panose="020B0604020202020204" pitchFamily="34" charset="0"/>
+            </a:endParaRPr>
+          </a:p>
+        </p:txBody>
+      </p:sp>
+      <p:sp>
+        <p:nvSpPr>
+          <p:cNvPr id="21" name="TextBox 20">
+            <a:extLst>
+              <a:ext uri="{FF2B5EF4-FFF2-40B4-BE49-F238E27FC236}">
+                <a16:creationId xmlns:a16="http://schemas.microsoft.com/office/drawing/2014/main" id="{3AE2308B-EF8E-046F-4BA2-F87DD4DC0557}"/>
+              </a:ext>
+            </a:extLst>
+          </p:cNvPr>
+          <p:cNvSpPr txBox="1"/>
+          <p:nvPr/>
+        </p:nvSpPr>
+        <p:spPr>
+          <a:xfrm>
+            <a:off x="8609075" y="3799210"/>
+            <a:ext cx="2121100" cy="1815882"/>
+          </a:xfrm>
+          <a:prstGeom prst="rect">
+            <a:avLst/>
+          </a:prstGeom>
+          <a:noFill/>
+        </p:spPr>
+        <p:txBody>
+          <a:bodyPr wrap="square" rtlCol="0">
+            <a:spAutoFit/>
+          </a:bodyPr>
+          <a:lstStyle/>
+          <a:p>
+            <a:pPr marL="285750" indent="-285750">
+              <a:buFont typeface="Courier New" panose="02070309020205020404" pitchFamily="49" charset="0"/>
+              <a:buChar char="o"/>
+            </a:pPr>
+            <a:r>
+              <a:rPr lang="en-US" sz="1600" dirty="0" err="1">
+                <a:solidFill>
+                  <a:srgbClr val="2F6FA9"/>
+                </a:solidFill>
+                <a:latin typeface="Arial" panose="020B0604020202020204" pitchFamily="34" charset="0"/>
+                <a:cs typeface="Arial" panose="020B0604020202020204" pitchFamily="34" charset="0"/>
+              </a:rPr>
+              <a:t>Melakukan</a:t>
+            </a:r>
+            <a:r>
+              <a:rPr lang="en-US" sz="1600" dirty="0">
+                <a:solidFill>
+                  <a:srgbClr val="2F6FA9"/>
+                </a:solidFill>
+                <a:latin typeface="Arial" panose="020B0604020202020204" pitchFamily="34" charset="0"/>
+                <a:cs typeface="Arial" panose="020B0604020202020204" pitchFamily="34" charset="0"/>
+              </a:rPr>
+              <a:t> </a:t>
+            </a:r>
+            <a:r>
+              <a:rPr lang="en-US" sz="1600" dirty="0" err="1">
+                <a:solidFill>
+                  <a:srgbClr val="2F6FA9"/>
+                </a:solidFill>
+                <a:latin typeface="Arial" panose="020B0604020202020204" pitchFamily="34" charset="0"/>
+                <a:cs typeface="Arial" panose="020B0604020202020204" pitchFamily="34" charset="0"/>
+              </a:rPr>
+              <a:t>implementasi</a:t>
+            </a:r>
+            <a:r>
+              <a:rPr lang="en-US" sz="1600" dirty="0">
+                <a:solidFill>
+                  <a:srgbClr val="2F6FA9"/>
+                </a:solidFill>
+                <a:latin typeface="Arial" panose="020B0604020202020204" pitchFamily="34" charset="0"/>
+                <a:cs typeface="Arial" panose="020B0604020202020204" pitchFamily="34" charset="0"/>
+              </a:rPr>
+              <a:t> </a:t>
+            </a:r>
+            <a:r>
+              <a:rPr lang="en-US" sz="1600" dirty="0" err="1">
+                <a:solidFill>
+                  <a:srgbClr val="2F6FA9"/>
+                </a:solidFill>
+                <a:latin typeface="Arial" panose="020B0604020202020204" pitchFamily="34" charset="0"/>
+                <a:cs typeface="Arial" panose="020B0604020202020204" pitchFamily="34" charset="0"/>
+              </a:rPr>
+              <a:t>desain</a:t>
+            </a:r>
+            <a:r>
+              <a:rPr lang="en-US" sz="1600" dirty="0">
+                <a:solidFill>
+                  <a:srgbClr val="2F6FA9"/>
+                </a:solidFill>
+                <a:latin typeface="Arial" panose="020B0604020202020204" pitchFamily="34" charset="0"/>
+                <a:cs typeface="Arial" panose="020B0604020202020204" pitchFamily="34" charset="0"/>
+              </a:rPr>
+              <a:t> wireframe</a:t>
+            </a:r>
+          </a:p>
+          <a:p>
+            <a:pPr marL="285750" indent="-285750">
+              <a:buFont typeface="Courier New" panose="02070309020205020404" pitchFamily="49" charset="0"/>
+              <a:buChar char="o"/>
+            </a:pPr>
+            <a:r>
+              <a:rPr lang="en-US" sz="1600" dirty="0" err="1">
+                <a:solidFill>
+                  <a:srgbClr val="2F6FA9"/>
+                </a:solidFill>
+                <a:latin typeface="Arial" panose="020B0604020202020204" pitchFamily="34" charset="0"/>
+                <a:cs typeface="Arial" panose="020B0604020202020204" pitchFamily="34" charset="0"/>
+              </a:rPr>
+              <a:t>Membuat</a:t>
+            </a:r>
+            <a:r>
+              <a:rPr lang="en-US" sz="1600" dirty="0">
+                <a:solidFill>
+                  <a:srgbClr val="2F6FA9"/>
+                </a:solidFill>
+                <a:latin typeface="Arial" panose="020B0604020202020204" pitchFamily="34" charset="0"/>
+                <a:cs typeface="Arial" panose="020B0604020202020204" pitchFamily="34" charset="0"/>
+              </a:rPr>
+              <a:t> </a:t>
+            </a:r>
+            <a:r>
+              <a:rPr lang="en-US" sz="1600" dirty="0" err="1">
+                <a:solidFill>
+                  <a:srgbClr val="2F6FA9"/>
+                </a:solidFill>
+                <a:latin typeface="Arial" panose="020B0604020202020204" pitchFamily="34" charset="0"/>
+                <a:cs typeface="Arial" panose="020B0604020202020204" pitchFamily="34" charset="0"/>
+              </a:rPr>
+              <a:t>skema</a:t>
+            </a:r>
+            <a:r>
+              <a:rPr lang="en-US" sz="1600" dirty="0">
+                <a:solidFill>
+                  <a:srgbClr val="2F6FA9"/>
+                </a:solidFill>
+                <a:latin typeface="Arial" panose="020B0604020202020204" pitchFamily="34" charset="0"/>
+                <a:cs typeface="Arial" panose="020B0604020202020204" pitchFamily="34" charset="0"/>
+              </a:rPr>
+              <a:t> testing </a:t>
+            </a:r>
+            <a:r>
+              <a:rPr lang="en-US" sz="1600" dirty="0" err="1">
+                <a:solidFill>
+                  <a:srgbClr val="2F6FA9"/>
+                </a:solidFill>
+                <a:latin typeface="Arial" panose="020B0604020202020204" pitchFamily="34" charset="0"/>
+                <a:cs typeface="Arial" panose="020B0604020202020204" pitchFamily="34" charset="0"/>
+              </a:rPr>
+              <a:t>aplikasi</a:t>
+            </a:r>
+            <a:r>
+              <a:rPr lang="en-US" sz="1600" dirty="0">
+                <a:solidFill>
+                  <a:srgbClr val="2F6FA9"/>
+                </a:solidFill>
+                <a:latin typeface="Arial" panose="020B0604020202020204" pitchFamily="34" charset="0"/>
+                <a:cs typeface="Arial" panose="020B0604020202020204" pitchFamily="34" charset="0"/>
+              </a:rPr>
+              <a:t>, </a:t>
+            </a:r>
+            <a:r>
+              <a:rPr lang="en-US" sz="1600" dirty="0" err="1">
+                <a:solidFill>
+                  <a:srgbClr val="2F6FA9"/>
+                </a:solidFill>
+                <a:latin typeface="Arial" panose="020B0604020202020204" pitchFamily="34" charset="0"/>
+                <a:cs typeface="Arial" panose="020B0604020202020204" pitchFamily="34" charset="0"/>
+              </a:rPr>
+              <a:t>meliputi</a:t>
+            </a:r>
+            <a:r>
+              <a:rPr lang="en-US" sz="1600" dirty="0">
+                <a:solidFill>
+                  <a:srgbClr val="2F6FA9"/>
+                </a:solidFill>
+                <a:latin typeface="Arial" panose="020B0604020202020204" pitchFamily="34" charset="0"/>
+                <a:cs typeface="Arial" panose="020B0604020202020204" pitchFamily="34" charset="0"/>
+              </a:rPr>
+              <a:t> Blackbox dan Whitebox </a:t>
+            </a:r>
+            <a:endParaRPr lang="en-ID" sz="1600" dirty="0">
+              <a:solidFill>
+                <a:srgbClr val="2F6FA9"/>
+              </a:solidFill>
+              <a:latin typeface="Arial" panose="020B0604020202020204" pitchFamily="34" charset="0"/>
+              <a:cs typeface="Arial" panose="020B0604020202020204" pitchFamily="34" charset="0"/>
+            </a:endParaRPr>
+          </a:p>
+        </p:txBody>
+      </p:sp>
     </p:spTree>
     <p:extLst>
       <p:ext uri="{BB962C8B-B14F-4D97-AF65-F5344CB8AC3E}">
@@ -6583,6 +6871,1421 @@
 </file>
 
 <file path=ppt/slides/slide12.xml><?xml version="1.0" encoding="utf-8"?>
+<p:sld xmlns:a="http://schemas.openxmlformats.org/drawingml/2006/main" xmlns:r="http://schemas.openxmlformats.org/officeDocument/2006/relationships" xmlns:p="http://schemas.openxmlformats.org/presentationml/2006/main">
+  <p:cSld>
+    <p:spTree>
+      <p:nvGrpSpPr>
+        <p:cNvPr id="1" name=""/>
+        <p:cNvGrpSpPr/>
+        <p:nvPr/>
+      </p:nvGrpSpPr>
+      <p:grpSpPr>
+        <a:xfrm>
+          <a:off x="0" y="0"/>
+          <a:ext cx="0" cy="0"/>
+          <a:chOff x="0" y="0"/>
+          <a:chExt cx="0" cy="0"/>
+        </a:xfrm>
+      </p:grpSpPr>
+      <p:sp>
+        <p:nvSpPr>
+          <p:cNvPr id="2" name="TextBox 1">
+            <a:extLst>
+              <a:ext uri="{FF2B5EF4-FFF2-40B4-BE49-F238E27FC236}">
+                <a16:creationId xmlns:a16="http://schemas.microsoft.com/office/drawing/2014/main" id="{F5D344A1-39FE-052D-1B9C-3C500FCD5362}"/>
+              </a:ext>
+            </a:extLst>
+          </p:cNvPr>
+          <p:cNvSpPr txBox="1"/>
+          <p:nvPr/>
+        </p:nvSpPr>
+        <p:spPr>
+          <a:xfrm>
+            <a:off x="2522375" y="524445"/>
+            <a:ext cx="7147249" cy="458780"/>
+          </a:xfrm>
+          <a:prstGeom prst="rect">
+            <a:avLst/>
+          </a:prstGeom>
+          <a:noFill/>
+        </p:spPr>
+        <p:txBody>
+          <a:bodyPr wrap="square" rtlCol="0">
+            <a:spAutoFit/>
+          </a:bodyPr>
+          <a:lstStyle/>
+          <a:p>
+            <a:pPr algn="ctr">
+              <a:lnSpc>
+                <a:spcPct val="107000"/>
+              </a:lnSpc>
+              <a:spcAft>
+                <a:spcPts val="800"/>
+              </a:spcAft>
+            </a:pPr>
+            <a:r>
+              <a:rPr lang="en-US" sz="2400" b="1" spc="75" dirty="0">
+                <a:solidFill>
+                  <a:srgbClr val="000000"/>
+                </a:solidFill>
+                <a:latin typeface="Arial" panose="020B0604020202020204" pitchFamily="34" charset="0"/>
+                <a:ea typeface="Times New Roman" panose="02020603050405020304" pitchFamily="18" charset="0"/>
+                <a:cs typeface="Arial" panose="020B0604020202020204" pitchFamily="34" charset="0"/>
+              </a:rPr>
+              <a:t>HASIL DAN PEMBAHASAN</a:t>
+            </a:r>
+            <a:endParaRPr lang="en-ID" sz="2400" spc="75" dirty="0">
+              <a:solidFill>
+                <a:srgbClr val="000000"/>
+              </a:solidFill>
+              <a:effectLst/>
+              <a:latin typeface="Arial" panose="020B0604020202020204" pitchFamily="34" charset="0"/>
+              <a:ea typeface="Times New Roman" panose="02020603050405020304" pitchFamily="18" charset="0"/>
+              <a:cs typeface="Arial" panose="020B0604020202020204" pitchFamily="34" charset="0"/>
+            </a:endParaRPr>
+          </a:p>
+        </p:txBody>
+      </p:sp>
+      <p:pic>
+        <p:nvPicPr>
+          <p:cNvPr id="3" name="Picture 2">
+            <a:extLst>
+              <a:ext uri="{FF2B5EF4-FFF2-40B4-BE49-F238E27FC236}">
+                <a16:creationId xmlns:a16="http://schemas.microsoft.com/office/drawing/2014/main" id="{7F066D29-7D8F-FA43-C481-2058A9CC61DC}"/>
+              </a:ext>
+            </a:extLst>
+          </p:cNvPr>
+          <p:cNvPicPr>
+            <a:picLocks noChangeAspect="1"/>
+          </p:cNvPicPr>
+          <p:nvPr/>
+        </p:nvPicPr>
+        <p:blipFill>
+          <a:blip r:embed="rId2">
+            <a:extLst>
+              <a:ext uri="{28A0092B-C50C-407E-A947-70E740481C1C}">
+                <a14:useLocalDpi xmlns:a14="http://schemas.microsoft.com/office/drawing/2010/main" val="0"/>
+              </a:ext>
+            </a:extLst>
+          </a:blip>
+          <a:stretch>
+            <a:fillRect/>
+          </a:stretch>
+        </p:blipFill>
+        <p:spPr>
+          <a:xfrm>
+            <a:off x="11161903" y="5812413"/>
+            <a:ext cx="922432" cy="922432"/>
+          </a:xfrm>
+          <a:prstGeom prst="rect">
+            <a:avLst/>
+          </a:prstGeom>
+        </p:spPr>
+      </p:pic>
+      <p:sp>
+        <p:nvSpPr>
+          <p:cNvPr id="19" name="TextBox 18">
+            <a:extLst>
+              <a:ext uri="{FF2B5EF4-FFF2-40B4-BE49-F238E27FC236}">
+                <a16:creationId xmlns:a16="http://schemas.microsoft.com/office/drawing/2014/main" id="{7EAC223B-9700-B4AB-CC3E-C9B0B63B19CE}"/>
+              </a:ext>
+            </a:extLst>
+          </p:cNvPr>
+          <p:cNvSpPr txBox="1"/>
+          <p:nvPr/>
+        </p:nvSpPr>
+        <p:spPr>
+          <a:xfrm>
+            <a:off x="3006107" y="1010501"/>
+            <a:ext cx="6179783" cy="707886"/>
+          </a:xfrm>
+          <a:prstGeom prst="rect">
+            <a:avLst/>
+          </a:prstGeom>
+          <a:noFill/>
+        </p:spPr>
+        <p:txBody>
+          <a:bodyPr wrap="square">
+            <a:spAutoFit/>
+          </a:bodyPr>
+          <a:lstStyle/>
+          <a:p>
+            <a:pPr algn="ctr"/>
+            <a:r>
+              <a:rPr lang="en-US" sz="4000" b="1" dirty="0">
+                <a:solidFill>
+                  <a:schemeClr val="bg2">
+                    <a:lumMod val="75000"/>
+                  </a:schemeClr>
+                </a:solidFill>
+                <a:latin typeface="Arial" panose="020B0604020202020204" pitchFamily="34" charset="0"/>
+                <a:cs typeface="Arial" panose="020B0604020202020204" pitchFamily="34" charset="0"/>
+              </a:rPr>
+              <a:t>RANCANGAN SISTEM</a:t>
+            </a:r>
+            <a:endParaRPr lang="en-ID" sz="4000" b="1" dirty="0">
+              <a:solidFill>
+                <a:schemeClr val="bg2">
+                  <a:lumMod val="75000"/>
+                </a:schemeClr>
+              </a:solidFill>
+              <a:latin typeface="Arial" panose="020B0604020202020204" pitchFamily="34" charset="0"/>
+              <a:cs typeface="Arial" panose="020B0604020202020204" pitchFamily="34" charset="0"/>
+            </a:endParaRPr>
+          </a:p>
+        </p:txBody>
+      </p:sp>
+      <p:pic>
+        <p:nvPicPr>
+          <p:cNvPr id="25" name="Picture 24">
+            <a:extLst>
+              <a:ext uri="{FF2B5EF4-FFF2-40B4-BE49-F238E27FC236}">
+                <a16:creationId xmlns:a16="http://schemas.microsoft.com/office/drawing/2014/main" id="{537E22CC-4367-99CA-577C-ED05B85F8E82}"/>
+              </a:ext>
+            </a:extLst>
+          </p:cNvPr>
+          <p:cNvPicPr>
+            <a:picLocks noChangeAspect="1"/>
+          </p:cNvPicPr>
+          <p:nvPr/>
+        </p:nvPicPr>
+        <p:blipFill>
+          <a:blip r:embed="rId3">
+            <a:duotone>
+              <a:schemeClr val="accent4">
+                <a:shade val="45000"/>
+                <a:satMod val="135000"/>
+              </a:schemeClr>
+              <a:prstClr val="white"/>
+            </a:duotone>
+            <a:extLst>
+              <a:ext uri="{BEBA8EAE-BF5A-486C-A8C5-ECC9F3942E4B}">
+                <a14:imgProps xmlns:a14="http://schemas.microsoft.com/office/drawing/2010/main">
+                  <a14:imgLayer r:embed="rId4">
+                    <a14:imgEffect>
+                      <a14:sharpenSoften amount="50000"/>
+                    </a14:imgEffect>
+                  </a14:imgLayer>
+                </a14:imgProps>
+              </a:ext>
+              <a:ext uri="{28A0092B-C50C-407E-A947-70E740481C1C}">
+                <a14:useLocalDpi xmlns:a14="http://schemas.microsoft.com/office/drawing/2010/main" val="0"/>
+              </a:ext>
+            </a:extLst>
+          </a:blip>
+          <a:stretch>
+            <a:fillRect/>
+          </a:stretch>
+        </p:blipFill>
+        <p:spPr>
+          <a:xfrm>
+            <a:off x="394993" y="2899849"/>
+            <a:ext cx="2286000" cy="2286000"/>
+          </a:xfrm>
+          <a:prstGeom prst="rect">
+            <a:avLst/>
+          </a:prstGeom>
+        </p:spPr>
+      </p:pic>
+      <p:sp>
+        <p:nvSpPr>
+          <p:cNvPr id="28" name="TextBox 27">
+            <a:extLst>
+              <a:ext uri="{FF2B5EF4-FFF2-40B4-BE49-F238E27FC236}">
+                <a16:creationId xmlns:a16="http://schemas.microsoft.com/office/drawing/2014/main" id="{FF035777-51E1-3A99-6138-02B7BEE62CD3}"/>
+              </a:ext>
+            </a:extLst>
+          </p:cNvPr>
+          <p:cNvSpPr txBox="1"/>
+          <p:nvPr/>
+        </p:nvSpPr>
+        <p:spPr>
+          <a:xfrm>
+            <a:off x="748242" y="5185850"/>
+            <a:ext cx="1206280" cy="307777"/>
+          </a:xfrm>
+          <a:prstGeom prst="rect">
+            <a:avLst/>
+          </a:prstGeom>
+          <a:noFill/>
+        </p:spPr>
+        <p:txBody>
+          <a:bodyPr wrap="square">
+            <a:spAutoFit/>
+          </a:bodyPr>
+          <a:lstStyle/>
+          <a:p>
+            <a:pPr algn="ctr"/>
+            <a:r>
+              <a:rPr lang="en-US" sz="1400" b="1" dirty="0">
+                <a:solidFill>
+                  <a:srgbClr val="DA9B00"/>
+                </a:solidFill>
+                <a:latin typeface="Arial" panose="020B0604020202020204" pitchFamily="34" charset="0"/>
+                <a:cs typeface="Arial" panose="020B0604020202020204" pitchFamily="34" charset="0"/>
+              </a:rPr>
+              <a:t>DESIGN</a:t>
+            </a:r>
+            <a:endParaRPr lang="en-ID" sz="1400" b="1" dirty="0">
+              <a:solidFill>
+                <a:srgbClr val="DA9B00"/>
+              </a:solidFill>
+              <a:latin typeface="Arial" panose="020B0604020202020204" pitchFamily="34" charset="0"/>
+              <a:cs typeface="Arial" panose="020B0604020202020204" pitchFamily="34" charset="0"/>
+            </a:endParaRPr>
+          </a:p>
+        </p:txBody>
+      </p:sp>
+      <p:pic>
+        <p:nvPicPr>
+          <p:cNvPr id="32" name="Picture 31">
+            <a:extLst>
+              <a:ext uri="{FF2B5EF4-FFF2-40B4-BE49-F238E27FC236}">
+                <a16:creationId xmlns:a16="http://schemas.microsoft.com/office/drawing/2014/main" id="{7693E47B-0CDA-DAF9-E661-E8F18B28BA55}"/>
+              </a:ext>
+            </a:extLst>
+          </p:cNvPr>
+          <p:cNvPicPr>
+            <a:picLocks noChangeAspect="1"/>
+          </p:cNvPicPr>
+          <p:nvPr/>
+        </p:nvPicPr>
+        <p:blipFill>
+          <a:blip r:embed="rId5">
+            <a:lum bright="70000" contrast="-70000"/>
+            <a:extLst>
+              <a:ext uri="{BEBA8EAE-BF5A-486C-A8C5-ECC9F3942E4B}">
+                <a14:imgProps xmlns:a14="http://schemas.microsoft.com/office/drawing/2010/main">
+                  <a14:imgLayer r:embed="rId6">
+                    <a14:imgEffect>
+                      <a14:sharpenSoften amount="50000"/>
+                    </a14:imgEffect>
+                  </a14:imgLayer>
+                </a14:imgProps>
+              </a:ext>
+              <a:ext uri="{28A0092B-C50C-407E-A947-70E740481C1C}">
+                <a14:useLocalDpi xmlns:a14="http://schemas.microsoft.com/office/drawing/2010/main" val="0"/>
+              </a:ext>
+            </a:extLst>
+          </a:blip>
+          <a:stretch>
+            <a:fillRect/>
+          </a:stretch>
+        </p:blipFill>
+        <p:spPr>
+          <a:xfrm rot="2282293">
+            <a:off x="2243712" y="3605568"/>
+            <a:ext cx="874563" cy="874563"/>
+          </a:xfrm>
+          <a:prstGeom prst="rect">
+            <a:avLst/>
+          </a:prstGeom>
+        </p:spPr>
+      </p:pic>
+      <p:pic>
+        <p:nvPicPr>
+          <p:cNvPr id="23" name="Picture 22" descr="Diagram&#10;&#10;Description automatically generated">
+            <a:extLst>
+              <a:ext uri="{FF2B5EF4-FFF2-40B4-BE49-F238E27FC236}">
+                <a16:creationId xmlns:a16="http://schemas.microsoft.com/office/drawing/2014/main" id="{503A394D-B31B-1A02-A138-E1A2233A58FA}"/>
+              </a:ext>
+            </a:extLst>
+          </p:cNvPr>
+          <p:cNvPicPr>
+            <a:picLocks noChangeAspect="1"/>
+          </p:cNvPicPr>
+          <p:nvPr/>
+        </p:nvPicPr>
+        <p:blipFill>
+          <a:blip r:embed="rId7">
+            <a:extLst>
+              <a:ext uri="{28A0092B-C50C-407E-A947-70E740481C1C}">
+                <a14:useLocalDpi xmlns:a14="http://schemas.microsoft.com/office/drawing/2010/main" val="0"/>
+              </a:ext>
+            </a:extLst>
+          </a:blip>
+          <a:srcRect/>
+          <a:stretch>
+            <a:fillRect/>
+          </a:stretch>
+        </p:blipFill>
+        <p:spPr bwMode="auto">
+          <a:xfrm>
+            <a:off x="3164726" y="2899850"/>
+            <a:ext cx="4010293" cy="2286000"/>
+          </a:xfrm>
+          <a:prstGeom prst="rect">
+            <a:avLst/>
+          </a:prstGeom>
+          <a:noFill/>
+          <a:ln w="12700">
+            <a:solidFill>
+              <a:schemeClr val="tx1"/>
+            </a:solidFill>
+          </a:ln>
+        </p:spPr>
+      </p:pic>
+      <p:sp>
+        <p:nvSpPr>
+          <p:cNvPr id="24" name="TextBox 23">
+            <a:extLst>
+              <a:ext uri="{FF2B5EF4-FFF2-40B4-BE49-F238E27FC236}">
+                <a16:creationId xmlns:a16="http://schemas.microsoft.com/office/drawing/2014/main" id="{DF193EB5-49CE-85D5-839B-08FEECFA8FF8}"/>
+              </a:ext>
+            </a:extLst>
+          </p:cNvPr>
+          <p:cNvSpPr txBox="1"/>
+          <p:nvPr/>
+        </p:nvSpPr>
+        <p:spPr>
+          <a:xfrm>
+            <a:off x="3604708" y="5185850"/>
+            <a:ext cx="3130327" cy="307777"/>
+          </a:xfrm>
+          <a:prstGeom prst="rect">
+            <a:avLst/>
+          </a:prstGeom>
+          <a:noFill/>
+        </p:spPr>
+        <p:txBody>
+          <a:bodyPr wrap="square">
+            <a:spAutoFit/>
+          </a:bodyPr>
+          <a:lstStyle/>
+          <a:p>
+            <a:pPr algn="ctr"/>
+            <a:r>
+              <a:rPr lang="en-US" sz="1400" b="1" dirty="0">
+                <a:solidFill>
+                  <a:schemeClr val="bg2">
+                    <a:lumMod val="75000"/>
+                  </a:schemeClr>
+                </a:solidFill>
+                <a:latin typeface="Arial" panose="020B0604020202020204" pitchFamily="34" charset="0"/>
+                <a:cs typeface="Arial" panose="020B0604020202020204" pitchFamily="34" charset="0"/>
+              </a:rPr>
+              <a:t>ERD </a:t>
+            </a:r>
+            <a:r>
+              <a:rPr lang="en-US" sz="1400" b="1" dirty="0" err="1">
+                <a:solidFill>
+                  <a:schemeClr val="bg2">
+                    <a:lumMod val="75000"/>
+                  </a:schemeClr>
+                </a:solidFill>
+                <a:latin typeface="Arial" panose="020B0604020202020204" pitchFamily="34" charset="0"/>
+                <a:cs typeface="Arial" panose="020B0604020202020204" pitchFamily="34" charset="0"/>
+              </a:rPr>
+              <a:t>NoSql</a:t>
+            </a:r>
+            <a:r>
+              <a:rPr lang="en-US" sz="1400" b="1" dirty="0">
+                <a:solidFill>
+                  <a:schemeClr val="bg2">
+                    <a:lumMod val="75000"/>
+                  </a:schemeClr>
+                </a:solidFill>
+                <a:latin typeface="Arial" panose="020B0604020202020204" pitchFamily="34" charset="0"/>
+                <a:cs typeface="Arial" panose="020B0604020202020204" pitchFamily="34" charset="0"/>
+              </a:rPr>
+              <a:t> Firebase</a:t>
+            </a:r>
+            <a:endParaRPr lang="en-ID" sz="1400" b="1" dirty="0">
+              <a:solidFill>
+                <a:schemeClr val="bg2">
+                  <a:lumMod val="75000"/>
+                </a:schemeClr>
+              </a:solidFill>
+              <a:latin typeface="Arial" panose="020B0604020202020204" pitchFamily="34" charset="0"/>
+              <a:cs typeface="Arial" panose="020B0604020202020204" pitchFamily="34" charset="0"/>
+            </a:endParaRPr>
+          </a:p>
+        </p:txBody>
+      </p:sp>
+      <p:pic>
+        <p:nvPicPr>
+          <p:cNvPr id="29" name="Picture 28" descr="A picture containing text, different, lined&#10;&#10;Description automatically generated">
+            <a:extLst>
+              <a:ext uri="{FF2B5EF4-FFF2-40B4-BE49-F238E27FC236}">
+                <a16:creationId xmlns:a16="http://schemas.microsoft.com/office/drawing/2014/main" id="{A103772D-6E8E-4FED-A0A3-4197E116D3A9}"/>
+              </a:ext>
+            </a:extLst>
+          </p:cNvPr>
+          <p:cNvPicPr>
+            <a:picLocks noChangeAspect="1"/>
+          </p:cNvPicPr>
+          <p:nvPr/>
+        </p:nvPicPr>
+        <p:blipFill rotWithShape="1">
+          <a:blip r:embed="rId8" cstate="print">
+            <a:extLst>
+              <a:ext uri="{28A0092B-C50C-407E-A947-70E740481C1C}">
+                <a14:useLocalDpi xmlns:a14="http://schemas.microsoft.com/office/drawing/2010/main" val="0"/>
+              </a:ext>
+            </a:extLst>
+          </a:blip>
+          <a:srcRect t="50000" r="52400"/>
+          <a:stretch/>
+        </p:blipFill>
+        <p:spPr>
+          <a:xfrm>
+            <a:off x="8109312" y="2526626"/>
+            <a:ext cx="2713594" cy="2743200"/>
+          </a:xfrm>
+          <a:prstGeom prst="rect">
+            <a:avLst/>
+          </a:prstGeom>
+          <a:ln w="12700">
+            <a:noFill/>
+          </a:ln>
+        </p:spPr>
+      </p:pic>
+      <p:sp>
+        <p:nvSpPr>
+          <p:cNvPr id="30" name="TextBox 29">
+            <a:extLst>
+              <a:ext uri="{FF2B5EF4-FFF2-40B4-BE49-F238E27FC236}">
+                <a16:creationId xmlns:a16="http://schemas.microsoft.com/office/drawing/2014/main" id="{B0919C37-EA03-599A-FD15-A75FD46F2B75}"/>
+              </a:ext>
+            </a:extLst>
+          </p:cNvPr>
+          <p:cNvSpPr txBox="1"/>
+          <p:nvPr/>
+        </p:nvSpPr>
+        <p:spPr>
+          <a:xfrm>
+            <a:off x="7669328" y="5185849"/>
+            <a:ext cx="3572402" cy="307777"/>
+          </a:xfrm>
+          <a:prstGeom prst="rect">
+            <a:avLst/>
+          </a:prstGeom>
+          <a:noFill/>
+        </p:spPr>
+        <p:txBody>
+          <a:bodyPr wrap="square">
+            <a:spAutoFit/>
+          </a:bodyPr>
+          <a:lstStyle/>
+          <a:p>
+            <a:pPr algn="ctr"/>
+            <a:r>
+              <a:rPr lang="en-US" sz="1400" b="1" dirty="0">
+                <a:solidFill>
+                  <a:schemeClr val="bg2">
+                    <a:lumMod val="75000"/>
+                  </a:schemeClr>
+                </a:solidFill>
+                <a:latin typeface="Arial" panose="020B0604020202020204" pitchFamily="34" charset="0"/>
+                <a:cs typeface="Arial" panose="020B0604020202020204" pitchFamily="34" charset="0"/>
+              </a:rPr>
+              <a:t>Wireframe </a:t>
+            </a:r>
+            <a:r>
+              <a:rPr lang="en-US" sz="1400" b="1" dirty="0" err="1">
+                <a:solidFill>
+                  <a:schemeClr val="bg2">
+                    <a:lumMod val="75000"/>
+                  </a:schemeClr>
+                </a:solidFill>
+                <a:latin typeface="Arial" panose="020B0604020202020204" pitchFamily="34" charset="0"/>
+                <a:cs typeface="Arial" panose="020B0604020202020204" pitchFamily="34" charset="0"/>
+              </a:rPr>
+              <a:t>presensi</a:t>
+            </a:r>
+            <a:r>
+              <a:rPr lang="en-US" sz="1400" b="1" dirty="0">
+                <a:solidFill>
+                  <a:schemeClr val="bg2">
+                    <a:lumMod val="75000"/>
+                  </a:schemeClr>
+                </a:solidFill>
+                <a:latin typeface="Arial" panose="020B0604020202020204" pitchFamily="34" charset="0"/>
+                <a:cs typeface="Arial" panose="020B0604020202020204" pitchFamily="34" charset="0"/>
+              </a:rPr>
+              <a:t> dan </a:t>
+            </a:r>
+            <a:r>
+              <a:rPr lang="en-US" sz="1400" b="1" dirty="0" err="1">
+                <a:solidFill>
+                  <a:schemeClr val="bg2">
+                    <a:lumMod val="75000"/>
+                  </a:schemeClr>
+                </a:solidFill>
+                <a:latin typeface="Arial" panose="020B0604020202020204" pitchFamily="34" charset="0"/>
+                <a:cs typeface="Arial" panose="020B0604020202020204" pitchFamily="34" charset="0"/>
+              </a:rPr>
+              <a:t>histori</a:t>
+            </a:r>
+            <a:r>
+              <a:rPr lang="en-US" sz="1400" b="1" dirty="0">
+                <a:solidFill>
+                  <a:schemeClr val="bg2">
+                    <a:lumMod val="75000"/>
+                  </a:schemeClr>
+                </a:solidFill>
+                <a:latin typeface="Arial" panose="020B0604020202020204" pitchFamily="34" charset="0"/>
+                <a:cs typeface="Arial" panose="020B0604020202020204" pitchFamily="34" charset="0"/>
+              </a:rPr>
+              <a:t> </a:t>
+            </a:r>
+            <a:r>
+              <a:rPr lang="en-US" sz="1400" b="1" dirty="0" err="1">
+                <a:solidFill>
+                  <a:schemeClr val="bg2">
+                    <a:lumMod val="75000"/>
+                  </a:schemeClr>
+                </a:solidFill>
+                <a:latin typeface="Arial" panose="020B0604020202020204" pitchFamily="34" charset="0"/>
+                <a:cs typeface="Arial" panose="020B0604020202020204" pitchFamily="34" charset="0"/>
+              </a:rPr>
+              <a:t>presensi</a:t>
+            </a:r>
+            <a:endParaRPr lang="en-ID" sz="1400" b="1" dirty="0">
+              <a:solidFill>
+                <a:schemeClr val="bg2">
+                  <a:lumMod val="75000"/>
+                </a:schemeClr>
+              </a:solidFill>
+              <a:latin typeface="Arial" panose="020B0604020202020204" pitchFamily="34" charset="0"/>
+              <a:cs typeface="Arial" panose="020B0604020202020204" pitchFamily="34" charset="0"/>
+            </a:endParaRPr>
+          </a:p>
+        </p:txBody>
+      </p:sp>
+    </p:spTree>
+    <p:extLst>
+      <p:ext uri="{BB962C8B-B14F-4D97-AF65-F5344CB8AC3E}">
+        <p14:creationId xmlns:p14="http://schemas.microsoft.com/office/powerpoint/2010/main" val="2224217408"/>
+      </p:ext>
+    </p:extLst>
+  </p:cSld>
+  <p:clrMapOvr>
+    <a:masterClrMapping/>
+  </p:clrMapOvr>
+  <mc:AlternateContent xmlns:mc="http://schemas.openxmlformats.org/markup-compatibility/2006" xmlns:p159="http://schemas.microsoft.com/office/powerpoint/2015/09/main">
+    <mc:Choice Requires="p159">
+      <p:transition xmlns:p14="http://schemas.microsoft.com/office/powerpoint/2010/main" spd="slow" p14:dur="2000">
+        <p159:morph option="byObject"/>
+      </p:transition>
+    </mc:Choice>
+    <mc:Fallback xmlns="">
+      <p:transition spd="slow">
+        <p:fade/>
+      </p:transition>
+    </mc:Fallback>
+  </mc:AlternateContent>
+</p:sld>
+</file>
+
+<file path=ppt/slides/slide13.xml><?xml version="1.0" encoding="utf-8"?>
+<p:sld xmlns:a="http://schemas.openxmlformats.org/drawingml/2006/main" xmlns:r="http://schemas.openxmlformats.org/officeDocument/2006/relationships" xmlns:p="http://schemas.openxmlformats.org/presentationml/2006/main">
+  <p:cSld>
+    <p:spTree>
+      <p:nvGrpSpPr>
+        <p:cNvPr id="1" name=""/>
+        <p:cNvGrpSpPr/>
+        <p:nvPr/>
+      </p:nvGrpSpPr>
+      <p:grpSpPr>
+        <a:xfrm>
+          <a:off x="0" y="0"/>
+          <a:ext cx="0" cy="0"/>
+          <a:chOff x="0" y="0"/>
+          <a:chExt cx="0" cy="0"/>
+        </a:xfrm>
+      </p:grpSpPr>
+      <p:sp>
+        <p:nvSpPr>
+          <p:cNvPr id="2" name="TextBox 1">
+            <a:extLst>
+              <a:ext uri="{FF2B5EF4-FFF2-40B4-BE49-F238E27FC236}">
+                <a16:creationId xmlns:a16="http://schemas.microsoft.com/office/drawing/2014/main" id="{F5D344A1-39FE-052D-1B9C-3C500FCD5362}"/>
+              </a:ext>
+            </a:extLst>
+          </p:cNvPr>
+          <p:cNvSpPr txBox="1"/>
+          <p:nvPr/>
+        </p:nvSpPr>
+        <p:spPr>
+          <a:xfrm>
+            <a:off x="2522375" y="524445"/>
+            <a:ext cx="7147249" cy="458780"/>
+          </a:xfrm>
+          <a:prstGeom prst="rect">
+            <a:avLst/>
+          </a:prstGeom>
+          <a:noFill/>
+        </p:spPr>
+        <p:txBody>
+          <a:bodyPr wrap="square" rtlCol="0">
+            <a:spAutoFit/>
+          </a:bodyPr>
+          <a:lstStyle/>
+          <a:p>
+            <a:pPr algn="ctr">
+              <a:lnSpc>
+                <a:spcPct val="107000"/>
+              </a:lnSpc>
+              <a:spcAft>
+                <a:spcPts val="800"/>
+              </a:spcAft>
+            </a:pPr>
+            <a:r>
+              <a:rPr lang="en-US" sz="2400" b="1" spc="75" dirty="0">
+                <a:solidFill>
+                  <a:srgbClr val="000000"/>
+                </a:solidFill>
+                <a:latin typeface="Arial" panose="020B0604020202020204" pitchFamily="34" charset="0"/>
+                <a:ea typeface="Times New Roman" panose="02020603050405020304" pitchFamily="18" charset="0"/>
+                <a:cs typeface="Arial" panose="020B0604020202020204" pitchFamily="34" charset="0"/>
+              </a:rPr>
+              <a:t>HASIL DAN PEMBAHASAN</a:t>
+            </a:r>
+            <a:endParaRPr lang="en-ID" sz="2400" spc="75" dirty="0">
+              <a:solidFill>
+                <a:srgbClr val="000000"/>
+              </a:solidFill>
+              <a:effectLst/>
+              <a:latin typeface="Arial" panose="020B0604020202020204" pitchFamily="34" charset="0"/>
+              <a:ea typeface="Times New Roman" panose="02020603050405020304" pitchFamily="18" charset="0"/>
+              <a:cs typeface="Arial" panose="020B0604020202020204" pitchFamily="34" charset="0"/>
+            </a:endParaRPr>
+          </a:p>
+        </p:txBody>
+      </p:sp>
+      <p:pic>
+        <p:nvPicPr>
+          <p:cNvPr id="3" name="Picture 2">
+            <a:extLst>
+              <a:ext uri="{FF2B5EF4-FFF2-40B4-BE49-F238E27FC236}">
+                <a16:creationId xmlns:a16="http://schemas.microsoft.com/office/drawing/2014/main" id="{7F066D29-7D8F-FA43-C481-2058A9CC61DC}"/>
+              </a:ext>
+            </a:extLst>
+          </p:cNvPr>
+          <p:cNvPicPr>
+            <a:picLocks noChangeAspect="1"/>
+          </p:cNvPicPr>
+          <p:nvPr/>
+        </p:nvPicPr>
+        <p:blipFill>
+          <a:blip r:embed="rId2">
+            <a:extLst>
+              <a:ext uri="{28A0092B-C50C-407E-A947-70E740481C1C}">
+                <a14:useLocalDpi xmlns:a14="http://schemas.microsoft.com/office/drawing/2010/main" val="0"/>
+              </a:ext>
+            </a:extLst>
+          </a:blip>
+          <a:stretch>
+            <a:fillRect/>
+          </a:stretch>
+        </p:blipFill>
+        <p:spPr>
+          <a:xfrm>
+            <a:off x="11161903" y="5812413"/>
+            <a:ext cx="922432" cy="922432"/>
+          </a:xfrm>
+          <a:prstGeom prst="rect">
+            <a:avLst/>
+          </a:prstGeom>
+        </p:spPr>
+      </p:pic>
+      <p:sp>
+        <p:nvSpPr>
+          <p:cNvPr id="19" name="TextBox 18">
+            <a:extLst>
+              <a:ext uri="{FF2B5EF4-FFF2-40B4-BE49-F238E27FC236}">
+                <a16:creationId xmlns:a16="http://schemas.microsoft.com/office/drawing/2014/main" id="{7EAC223B-9700-B4AB-CC3E-C9B0B63B19CE}"/>
+              </a:ext>
+            </a:extLst>
+          </p:cNvPr>
+          <p:cNvSpPr txBox="1"/>
+          <p:nvPr/>
+        </p:nvSpPr>
+        <p:spPr>
+          <a:xfrm>
+            <a:off x="3006107" y="1010501"/>
+            <a:ext cx="6179783" cy="707886"/>
+          </a:xfrm>
+          <a:prstGeom prst="rect">
+            <a:avLst/>
+          </a:prstGeom>
+          <a:noFill/>
+        </p:spPr>
+        <p:txBody>
+          <a:bodyPr wrap="square">
+            <a:spAutoFit/>
+          </a:bodyPr>
+          <a:lstStyle/>
+          <a:p>
+            <a:pPr algn="ctr"/>
+            <a:r>
+              <a:rPr lang="en-US" sz="4000" b="1" dirty="0">
+                <a:solidFill>
+                  <a:schemeClr val="bg2">
+                    <a:lumMod val="75000"/>
+                  </a:schemeClr>
+                </a:solidFill>
+                <a:latin typeface="Arial" panose="020B0604020202020204" pitchFamily="34" charset="0"/>
+                <a:cs typeface="Arial" panose="020B0604020202020204" pitchFamily="34" charset="0"/>
+              </a:rPr>
+              <a:t>IMPLEMENTASI</a:t>
+            </a:r>
+            <a:endParaRPr lang="en-ID" sz="4000" b="1" dirty="0">
+              <a:solidFill>
+                <a:schemeClr val="bg2">
+                  <a:lumMod val="75000"/>
+                </a:schemeClr>
+              </a:solidFill>
+              <a:latin typeface="Arial" panose="020B0604020202020204" pitchFamily="34" charset="0"/>
+              <a:cs typeface="Arial" panose="020B0604020202020204" pitchFamily="34" charset="0"/>
+            </a:endParaRPr>
+          </a:p>
+        </p:txBody>
+      </p:sp>
+      <p:pic>
+        <p:nvPicPr>
+          <p:cNvPr id="32" name="Picture 31">
+            <a:extLst>
+              <a:ext uri="{FF2B5EF4-FFF2-40B4-BE49-F238E27FC236}">
+                <a16:creationId xmlns:a16="http://schemas.microsoft.com/office/drawing/2014/main" id="{7693E47B-0CDA-DAF9-E661-E8F18B28BA55}"/>
+              </a:ext>
+            </a:extLst>
+          </p:cNvPr>
+          <p:cNvPicPr>
+            <a:picLocks noChangeAspect="1"/>
+          </p:cNvPicPr>
+          <p:nvPr/>
+        </p:nvPicPr>
+        <p:blipFill>
+          <a:blip r:embed="rId3">
+            <a:lum bright="70000" contrast="-70000"/>
+            <a:extLst>
+              <a:ext uri="{BEBA8EAE-BF5A-486C-A8C5-ECC9F3942E4B}">
+                <a14:imgProps xmlns:a14="http://schemas.microsoft.com/office/drawing/2010/main">
+                  <a14:imgLayer r:embed="rId4">
+                    <a14:imgEffect>
+                      <a14:sharpenSoften amount="50000"/>
+                    </a14:imgEffect>
+                  </a14:imgLayer>
+                </a14:imgProps>
+              </a:ext>
+              <a:ext uri="{28A0092B-C50C-407E-A947-70E740481C1C}">
+                <a14:useLocalDpi xmlns:a14="http://schemas.microsoft.com/office/drawing/2010/main" val="0"/>
+              </a:ext>
+            </a:extLst>
+          </a:blip>
+          <a:stretch>
+            <a:fillRect/>
+          </a:stretch>
+        </p:blipFill>
+        <p:spPr>
+          <a:xfrm rot="2282293">
+            <a:off x="2012323" y="3576689"/>
+            <a:ext cx="731520" cy="731520"/>
+          </a:xfrm>
+          <a:prstGeom prst="rect">
+            <a:avLst/>
+          </a:prstGeom>
+        </p:spPr>
+      </p:pic>
+      <p:pic>
+        <p:nvPicPr>
+          <p:cNvPr id="29" name="Picture 28" descr="A picture containing text, different, lined&#10;&#10;Description automatically generated">
+            <a:extLst>
+              <a:ext uri="{FF2B5EF4-FFF2-40B4-BE49-F238E27FC236}">
+                <a16:creationId xmlns:a16="http://schemas.microsoft.com/office/drawing/2014/main" id="{A103772D-6E8E-4FED-A0A3-4197E116D3A9}"/>
+              </a:ext>
+            </a:extLst>
+          </p:cNvPr>
+          <p:cNvPicPr>
+            <a:picLocks noChangeAspect="1"/>
+          </p:cNvPicPr>
+          <p:nvPr/>
+        </p:nvPicPr>
+        <p:blipFill rotWithShape="1">
+          <a:blip r:embed="rId5" cstate="print">
+            <a:extLst>
+              <a:ext uri="{28A0092B-C50C-407E-A947-70E740481C1C}">
+                <a14:useLocalDpi xmlns:a14="http://schemas.microsoft.com/office/drawing/2010/main" val="0"/>
+              </a:ext>
+            </a:extLst>
+          </a:blip>
+          <a:srcRect t="50000" r="52400"/>
+          <a:stretch/>
+        </p:blipFill>
+        <p:spPr>
+          <a:xfrm>
+            <a:off x="2673199" y="2270464"/>
+            <a:ext cx="2713594" cy="2743200"/>
+          </a:xfrm>
+          <a:prstGeom prst="rect">
+            <a:avLst/>
+          </a:prstGeom>
+          <a:ln w="12700">
+            <a:noFill/>
+          </a:ln>
+        </p:spPr>
+      </p:pic>
+      <p:sp>
+        <p:nvSpPr>
+          <p:cNvPr id="30" name="TextBox 29">
+            <a:extLst>
+              <a:ext uri="{FF2B5EF4-FFF2-40B4-BE49-F238E27FC236}">
+                <a16:creationId xmlns:a16="http://schemas.microsoft.com/office/drawing/2014/main" id="{B0919C37-EA03-599A-FD15-A75FD46F2B75}"/>
+              </a:ext>
+            </a:extLst>
+          </p:cNvPr>
+          <p:cNvSpPr txBox="1"/>
+          <p:nvPr/>
+        </p:nvSpPr>
+        <p:spPr>
+          <a:xfrm>
+            <a:off x="3392510" y="5156552"/>
+            <a:ext cx="1432272" cy="307777"/>
+          </a:xfrm>
+          <a:prstGeom prst="rect">
+            <a:avLst/>
+          </a:prstGeom>
+          <a:noFill/>
+        </p:spPr>
+        <p:txBody>
+          <a:bodyPr wrap="square">
+            <a:spAutoFit/>
+          </a:bodyPr>
+          <a:lstStyle/>
+          <a:p>
+            <a:pPr algn="ctr"/>
+            <a:r>
+              <a:rPr lang="en-US" sz="1400" b="1" dirty="0">
+                <a:solidFill>
+                  <a:schemeClr val="bg2">
+                    <a:lumMod val="75000"/>
+                  </a:schemeClr>
+                </a:solidFill>
+                <a:latin typeface="Arial" panose="020B0604020202020204" pitchFamily="34" charset="0"/>
+                <a:cs typeface="Arial" panose="020B0604020202020204" pitchFamily="34" charset="0"/>
+              </a:rPr>
+              <a:t>WIREFRAME</a:t>
+            </a:r>
+            <a:endParaRPr lang="en-ID" sz="1400" b="1" dirty="0">
+              <a:solidFill>
+                <a:schemeClr val="bg2">
+                  <a:lumMod val="75000"/>
+                </a:schemeClr>
+              </a:solidFill>
+              <a:latin typeface="Arial" panose="020B0604020202020204" pitchFamily="34" charset="0"/>
+              <a:cs typeface="Arial" panose="020B0604020202020204" pitchFamily="34" charset="0"/>
+            </a:endParaRPr>
+          </a:p>
+        </p:txBody>
+      </p:sp>
+      <p:pic>
+        <p:nvPicPr>
+          <p:cNvPr id="12" name="Picture 11">
+            <a:extLst>
+              <a:ext uri="{FF2B5EF4-FFF2-40B4-BE49-F238E27FC236}">
+                <a16:creationId xmlns:a16="http://schemas.microsoft.com/office/drawing/2014/main" id="{F6758FB2-11EA-1B83-9493-51AC48376140}"/>
+              </a:ext>
+            </a:extLst>
+          </p:cNvPr>
+          <p:cNvPicPr>
+            <a:picLocks noChangeAspect="1"/>
+          </p:cNvPicPr>
+          <p:nvPr/>
+        </p:nvPicPr>
+        <p:blipFill>
+          <a:blip r:embed="rId6">
+            <a:duotone>
+              <a:schemeClr val="accent5">
+                <a:shade val="45000"/>
+                <a:satMod val="135000"/>
+              </a:schemeClr>
+              <a:prstClr val="white"/>
+            </a:duotone>
+            <a:extLst>
+              <a:ext uri="{BEBA8EAE-BF5A-486C-A8C5-ECC9F3942E4B}">
+                <a14:imgProps xmlns:a14="http://schemas.microsoft.com/office/drawing/2010/main">
+                  <a14:imgLayer r:embed="rId7">
+                    <a14:imgEffect>
+                      <a14:sharpenSoften amount="50000"/>
+                    </a14:imgEffect>
+                  </a14:imgLayer>
+                </a14:imgProps>
+              </a:ext>
+              <a:ext uri="{28A0092B-C50C-407E-A947-70E740481C1C}">
+                <a14:useLocalDpi xmlns:a14="http://schemas.microsoft.com/office/drawing/2010/main" val="0"/>
+              </a:ext>
+            </a:extLst>
+          </a:blip>
+          <a:stretch>
+            <a:fillRect/>
+          </a:stretch>
+        </p:blipFill>
+        <p:spPr>
+          <a:xfrm>
+            <a:off x="208382" y="2741030"/>
+            <a:ext cx="1828800" cy="1828800"/>
+          </a:xfrm>
+          <a:prstGeom prst="rect">
+            <a:avLst/>
+          </a:prstGeom>
+        </p:spPr>
+      </p:pic>
+      <p:sp>
+        <p:nvSpPr>
+          <p:cNvPr id="13" name="TextBox 12">
+            <a:extLst>
+              <a:ext uri="{FF2B5EF4-FFF2-40B4-BE49-F238E27FC236}">
+                <a16:creationId xmlns:a16="http://schemas.microsoft.com/office/drawing/2014/main" id="{FC14ECD4-1049-9F80-12E5-A9B5405D8B83}"/>
+              </a:ext>
+            </a:extLst>
+          </p:cNvPr>
+          <p:cNvSpPr txBox="1"/>
+          <p:nvPr/>
+        </p:nvSpPr>
+        <p:spPr>
+          <a:xfrm>
+            <a:off x="304624" y="4635342"/>
+            <a:ext cx="1832761" cy="307777"/>
+          </a:xfrm>
+          <a:prstGeom prst="rect">
+            <a:avLst/>
+          </a:prstGeom>
+          <a:noFill/>
+        </p:spPr>
+        <p:txBody>
+          <a:bodyPr wrap="square">
+            <a:spAutoFit/>
+          </a:bodyPr>
+          <a:lstStyle/>
+          <a:p>
+            <a:pPr algn="ctr"/>
+            <a:r>
+              <a:rPr lang="en-US" sz="1400" b="1" dirty="0">
+                <a:solidFill>
+                  <a:srgbClr val="2E6CA4"/>
+                </a:solidFill>
+                <a:latin typeface="Arial" panose="020B0604020202020204" pitchFamily="34" charset="0"/>
+                <a:cs typeface="Arial" panose="020B0604020202020204" pitchFamily="34" charset="0"/>
+              </a:rPr>
+              <a:t>IMPLEMENTATION </a:t>
+            </a:r>
+            <a:endParaRPr lang="en-ID" sz="1400" b="1" dirty="0">
+              <a:solidFill>
+                <a:srgbClr val="2E6CA4"/>
+              </a:solidFill>
+              <a:latin typeface="Arial" panose="020B0604020202020204" pitchFamily="34" charset="0"/>
+              <a:cs typeface="Arial" panose="020B0604020202020204" pitchFamily="34" charset="0"/>
+            </a:endParaRPr>
+          </a:p>
+        </p:txBody>
+      </p:sp>
+      <p:pic>
+        <p:nvPicPr>
+          <p:cNvPr id="14" name="Picture 13">
+            <a:extLst>
+              <a:ext uri="{FF2B5EF4-FFF2-40B4-BE49-F238E27FC236}">
+                <a16:creationId xmlns:a16="http://schemas.microsoft.com/office/drawing/2014/main" id="{3FC45BDE-C93C-D734-F2C2-7E53F5C83EE0}"/>
+              </a:ext>
+            </a:extLst>
+          </p:cNvPr>
+          <p:cNvPicPr>
+            <a:picLocks noChangeAspect="1"/>
+          </p:cNvPicPr>
+          <p:nvPr/>
+        </p:nvPicPr>
+        <p:blipFill>
+          <a:blip r:embed="rId3">
+            <a:lum bright="70000" contrast="-70000"/>
+            <a:extLst>
+              <a:ext uri="{BEBA8EAE-BF5A-486C-A8C5-ECC9F3942E4B}">
+                <a14:imgProps xmlns:a14="http://schemas.microsoft.com/office/drawing/2010/main">
+                  <a14:imgLayer r:embed="rId4">
+                    <a14:imgEffect>
+                      <a14:sharpenSoften amount="50000"/>
+                    </a14:imgEffect>
+                  </a14:imgLayer>
+                </a14:imgProps>
+              </a:ext>
+              <a:ext uri="{28A0092B-C50C-407E-A947-70E740481C1C}">
+                <a14:useLocalDpi xmlns:a14="http://schemas.microsoft.com/office/drawing/2010/main" val="0"/>
+              </a:ext>
+            </a:extLst>
+          </a:blip>
+          <a:stretch>
+            <a:fillRect/>
+          </a:stretch>
+        </p:blipFill>
+        <p:spPr>
+          <a:xfrm rot="2282293">
+            <a:off x="5251885" y="3576688"/>
+            <a:ext cx="731520" cy="731520"/>
+          </a:xfrm>
+          <a:prstGeom prst="rect">
+            <a:avLst/>
+          </a:prstGeom>
+        </p:spPr>
+      </p:pic>
+      <p:grpSp>
+        <p:nvGrpSpPr>
+          <p:cNvPr id="15" name="Group 14">
+            <a:extLst>
+              <a:ext uri="{FF2B5EF4-FFF2-40B4-BE49-F238E27FC236}">
+                <a16:creationId xmlns:a16="http://schemas.microsoft.com/office/drawing/2014/main" id="{69557264-2EBC-0753-3FFC-B698FC818D3D}"/>
+              </a:ext>
+            </a:extLst>
+          </p:cNvPr>
+          <p:cNvGrpSpPr/>
+          <p:nvPr/>
+        </p:nvGrpSpPr>
+        <p:grpSpPr>
+          <a:xfrm>
+            <a:off x="5862396" y="2270247"/>
+            <a:ext cx="2860040" cy="2743200"/>
+            <a:chOff x="0" y="34636"/>
+            <a:chExt cx="3217032" cy="3245583"/>
+          </a:xfrm>
+        </p:grpSpPr>
+        <p:pic>
+          <p:nvPicPr>
+            <p:cNvPr id="16" name="Picture 15">
+              <a:extLst>
+                <a:ext uri="{FF2B5EF4-FFF2-40B4-BE49-F238E27FC236}">
+                  <a16:creationId xmlns:a16="http://schemas.microsoft.com/office/drawing/2014/main" id="{EAE1EBE8-00D8-0AB8-C8C9-9AD8E8199143}"/>
+                </a:ext>
+              </a:extLst>
+            </p:cNvPr>
+            <p:cNvPicPr>
+              <a:picLocks noChangeAspect="1"/>
+            </p:cNvPicPr>
+            <p:nvPr/>
+          </p:nvPicPr>
+          <p:blipFill>
+            <a:blip r:embed="rId8" cstate="print">
+              <a:extLst>
+                <a:ext uri="{28A0092B-C50C-407E-A947-70E740481C1C}">
+                  <a14:useLocalDpi xmlns:a14="http://schemas.microsoft.com/office/drawing/2010/main" val="0"/>
+                </a:ext>
+              </a:extLst>
+            </a:blip>
+            <a:stretch>
+              <a:fillRect/>
+            </a:stretch>
+          </p:blipFill>
+          <p:spPr>
+            <a:xfrm>
+              <a:off x="1605982" y="40757"/>
+              <a:ext cx="1611050" cy="3239462"/>
+            </a:xfrm>
+            <a:prstGeom prst="rect">
+              <a:avLst/>
+            </a:prstGeom>
+            <a:ln w="12700">
+              <a:noFill/>
+            </a:ln>
+          </p:spPr>
+        </p:pic>
+        <p:pic>
+          <p:nvPicPr>
+            <p:cNvPr id="17" name="Picture 16">
+              <a:extLst>
+                <a:ext uri="{FF2B5EF4-FFF2-40B4-BE49-F238E27FC236}">
+                  <a16:creationId xmlns:a16="http://schemas.microsoft.com/office/drawing/2014/main" id="{C916FAC9-29F3-C908-60F6-1C097561832D}"/>
+                </a:ext>
+              </a:extLst>
+            </p:cNvPr>
+            <p:cNvPicPr>
+              <a:picLocks noChangeAspect="1"/>
+            </p:cNvPicPr>
+            <p:nvPr/>
+          </p:nvPicPr>
+          <p:blipFill>
+            <a:blip r:embed="rId9" cstate="print">
+              <a:extLst>
+                <a:ext uri="{28A0092B-C50C-407E-A947-70E740481C1C}">
+                  <a14:useLocalDpi xmlns:a14="http://schemas.microsoft.com/office/drawing/2010/main" val="0"/>
+                </a:ext>
+              </a:extLst>
+            </a:blip>
+            <a:stretch>
+              <a:fillRect/>
+            </a:stretch>
+          </p:blipFill>
+          <p:spPr>
+            <a:xfrm>
+              <a:off x="0" y="34636"/>
+              <a:ext cx="1595755" cy="3239770"/>
+            </a:xfrm>
+            <a:prstGeom prst="rect">
+              <a:avLst/>
+            </a:prstGeom>
+            <a:ln w="12700">
+              <a:noFill/>
+            </a:ln>
+          </p:spPr>
+        </p:pic>
+      </p:grpSp>
+      <p:pic>
+        <p:nvPicPr>
+          <p:cNvPr id="18" name="Picture 17">
+            <a:extLst>
+              <a:ext uri="{FF2B5EF4-FFF2-40B4-BE49-F238E27FC236}">
+                <a16:creationId xmlns:a16="http://schemas.microsoft.com/office/drawing/2014/main" id="{92BEC924-62D9-C9CB-A794-73EA1DA48D7F}"/>
+              </a:ext>
+            </a:extLst>
+          </p:cNvPr>
+          <p:cNvPicPr>
+            <a:picLocks noChangeAspect="1"/>
+          </p:cNvPicPr>
+          <p:nvPr/>
+        </p:nvPicPr>
+        <p:blipFill>
+          <a:blip r:embed="rId10" cstate="print">
+            <a:extLst>
+              <a:ext uri="{28A0092B-C50C-407E-A947-70E740481C1C}">
+                <a14:useLocalDpi xmlns:a14="http://schemas.microsoft.com/office/drawing/2010/main" val="0"/>
+              </a:ext>
+            </a:extLst>
+          </a:blip>
+          <a:stretch>
+            <a:fillRect/>
+          </a:stretch>
+        </p:blipFill>
+        <p:spPr>
+          <a:xfrm>
+            <a:off x="9304863" y="2270247"/>
+            <a:ext cx="1265826" cy="2743200"/>
+          </a:xfrm>
+          <a:prstGeom prst="rect">
+            <a:avLst/>
+          </a:prstGeom>
+          <a:ln w="12700">
+            <a:solidFill>
+              <a:schemeClr val="tx1"/>
+            </a:solidFill>
+          </a:ln>
+        </p:spPr>
+      </p:pic>
+      <p:pic>
+        <p:nvPicPr>
+          <p:cNvPr id="20" name="Picture 19">
+            <a:extLst>
+              <a:ext uri="{FF2B5EF4-FFF2-40B4-BE49-F238E27FC236}">
+                <a16:creationId xmlns:a16="http://schemas.microsoft.com/office/drawing/2014/main" id="{93E8A190-3E58-8456-0A70-8DDA8C8A4479}"/>
+              </a:ext>
+            </a:extLst>
+          </p:cNvPr>
+          <p:cNvPicPr>
+            <a:picLocks noChangeAspect="1"/>
+          </p:cNvPicPr>
+          <p:nvPr/>
+        </p:nvPicPr>
+        <p:blipFill>
+          <a:blip r:embed="rId11" cstate="print">
+            <a:extLst>
+              <a:ext uri="{28A0092B-C50C-407E-A947-70E740481C1C}">
+                <a14:useLocalDpi xmlns:a14="http://schemas.microsoft.com/office/drawing/2010/main" val="0"/>
+              </a:ext>
+            </a:extLst>
+          </a:blip>
+          <a:stretch>
+            <a:fillRect/>
+          </a:stretch>
+        </p:blipFill>
+        <p:spPr>
+          <a:xfrm>
+            <a:off x="10627127" y="2270247"/>
+            <a:ext cx="1265826" cy="2743200"/>
+          </a:xfrm>
+          <a:prstGeom prst="rect">
+            <a:avLst/>
+          </a:prstGeom>
+          <a:ln w="12700">
+            <a:solidFill>
+              <a:schemeClr val="tx1"/>
+            </a:solidFill>
+          </a:ln>
+        </p:spPr>
+      </p:pic>
+      <p:pic>
+        <p:nvPicPr>
+          <p:cNvPr id="21" name="Picture 20">
+            <a:extLst>
+              <a:ext uri="{FF2B5EF4-FFF2-40B4-BE49-F238E27FC236}">
+                <a16:creationId xmlns:a16="http://schemas.microsoft.com/office/drawing/2014/main" id="{9C877EB7-6F86-989C-3120-EA6FFD1B4A86}"/>
+              </a:ext>
+            </a:extLst>
+          </p:cNvPr>
+          <p:cNvPicPr>
+            <a:picLocks noChangeAspect="1"/>
+          </p:cNvPicPr>
+          <p:nvPr/>
+        </p:nvPicPr>
+        <p:blipFill>
+          <a:blip r:embed="rId3">
+            <a:lum bright="70000" contrast="-70000"/>
+            <a:extLst>
+              <a:ext uri="{BEBA8EAE-BF5A-486C-A8C5-ECC9F3942E4B}">
+                <a14:imgProps xmlns:a14="http://schemas.microsoft.com/office/drawing/2010/main">
+                  <a14:imgLayer r:embed="rId4">
+                    <a14:imgEffect>
+                      <a14:sharpenSoften amount="50000"/>
+                    </a14:imgEffect>
+                  </a14:imgLayer>
+                </a14:imgProps>
+              </a:ext>
+              <a:ext uri="{28A0092B-C50C-407E-A947-70E740481C1C}">
+                <a14:useLocalDpi xmlns:a14="http://schemas.microsoft.com/office/drawing/2010/main" val="0"/>
+              </a:ext>
+            </a:extLst>
+          </a:blip>
+          <a:stretch>
+            <a:fillRect/>
+          </a:stretch>
+        </p:blipFill>
+        <p:spPr>
+          <a:xfrm rot="2282293">
+            <a:off x="8564946" y="3576687"/>
+            <a:ext cx="731520" cy="731520"/>
+          </a:xfrm>
+          <a:prstGeom prst="rect">
+            <a:avLst/>
+          </a:prstGeom>
+        </p:spPr>
+      </p:pic>
+      <p:sp>
+        <p:nvSpPr>
+          <p:cNvPr id="22" name="TextBox 21">
+            <a:extLst>
+              <a:ext uri="{FF2B5EF4-FFF2-40B4-BE49-F238E27FC236}">
+                <a16:creationId xmlns:a16="http://schemas.microsoft.com/office/drawing/2014/main" id="{4EC1882B-ADD7-C35D-E48C-452D113FA5C4}"/>
+              </a:ext>
+            </a:extLst>
+          </p:cNvPr>
+          <p:cNvSpPr txBox="1"/>
+          <p:nvPr/>
+        </p:nvSpPr>
+        <p:spPr>
+          <a:xfrm>
+            <a:off x="6860010" y="5139614"/>
+            <a:ext cx="1176092" cy="307777"/>
+          </a:xfrm>
+          <a:prstGeom prst="rect">
+            <a:avLst/>
+          </a:prstGeom>
+          <a:noFill/>
+        </p:spPr>
+        <p:txBody>
+          <a:bodyPr wrap="square">
+            <a:spAutoFit/>
+          </a:bodyPr>
+          <a:lstStyle/>
+          <a:p>
+            <a:pPr algn="ctr"/>
+            <a:r>
+              <a:rPr lang="en-US" sz="1400" b="1" dirty="0">
+                <a:solidFill>
+                  <a:schemeClr val="bg2">
+                    <a:lumMod val="75000"/>
+                  </a:schemeClr>
+                </a:solidFill>
+                <a:latin typeface="Arial" panose="020B0604020202020204" pitchFamily="34" charset="0"/>
+                <a:cs typeface="Arial" panose="020B0604020202020204" pitchFamily="34" charset="0"/>
+              </a:rPr>
+              <a:t>EMULATOR</a:t>
+            </a:r>
+            <a:endParaRPr lang="en-ID" sz="1400" b="1" dirty="0">
+              <a:solidFill>
+                <a:schemeClr val="bg2">
+                  <a:lumMod val="75000"/>
+                </a:schemeClr>
+              </a:solidFill>
+              <a:latin typeface="Arial" panose="020B0604020202020204" pitchFamily="34" charset="0"/>
+              <a:cs typeface="Arial" panose="020B0604020202020204" pitchFamily="34" charset="0"/>
+            </a:endParaRPr>
+          </a:p>
+        </p:txBody>
+      </p:sp>
+      <p:sp>
+        <p:nvSpPr>
+          <p:cNvPr id="26" name="TextBox 25">
+            <a:extLst>
+              <a:ext uri="{FF2B5EF4-FFF2-40B4-BE49-F238E27FC236}">
+                <a16:creationId xmlns:a16="http://schemas.microsoft.com/office/drawing/2014/main" id="{A748C862-2128-3297-9F3C-BE7BDB56C198}"/>
+              </a:ext>
+            </a:extLst>
+          </p:cNvPr>
+          <p:cNvSpPr txBox="1"/>
+          <p:nvPr/>
+        </p:nvSpPr>
+        <p:spPr>
+          <a:xfrm>
+            <a:off x="10071330" y="5156552"/>
+            <a:ext cx="1545281" cy="307777"/>
+          </a:xfrm>
+          <a:prstGeom prst="rect">
+            <a:avLst/>
+          </a:prstGeom>
+          <a:noFill/>
+        </p:spPr>
+        <p:txBody>
+          <a:bodyPr wrap="square">
+            <a:spAutoFit/>
+          </a:bodyPr>
+          <a:lstStyle/>
+          <a:p>
+            <a:pPr algn="ctr"/>
+            <a:r>
+              <a:rPr lang="en-US" sz="1400" b="1" dirty="0">
+                <a:solidFill>
+                  <a:schemeClr val="bg2">
+                    <a:lumMod val="75000"/>
+                  </a:schemeClr>
+                </a:solidFill>
+                <a:latin typeface="Arial" panose="020B0604020202020204" pitchFamily="34" charset="0"/>
+                <a:cs typeface="Arial" panose="020B0604020202020204" pitchFamily="34" charset="0"/>
+              </a:rPr>
+              <a:t>REAL DEVICE</a:t>
+            </a:r>
+            <a:endParaRPr lang="en-ID" sz="1400" b="1" dirty="0">
+              <a:solidFill>
+                <a:schemeClr val="bg2">
+                  <a:lumMod val="75000"/>
+                </a:schemeClr>
+              </a:solidFill>
+              <a:latin typeface="Arial" panose="020B0604020202020204" pitchFamily="34" charset="0"/>
+              <a:cs typeface="Arial" panose="020B0604020202020204" pitchFamily="34" charset="0"/>
+            </a:endParaRPr>
+          </a:p>
+        </p:txBody>
+      </p:sp>
+    </p:spTree>
+    <p:extLst>
+      <p:ext uri="{BB962C8B-B14F-4D97-AF65-F5344CB8AC3E}">
+        <p14:creationId xmlns:p14="http://schemas.microsoft.com/office/powerpoint/2010/main" val="123508124"/>
+      </p:ext>
+    </p:extLst>
+  </p:cSld>
+  <p:clrMapOvr>
+    <a:masterClrMapping/>
+  </p:clrMapOvr>
+  <mc:AlternateContent xmlns:mc="http://schemas.openxmlformats.org/markup-compatibility/2006" xmlns:p159="http://schemas.microsoft.com/office/powerpoint/2015/09/main">
+    <mc:Choice Requires="p159">
+      <p:transition xmlns:p14="http://schemas.microsoft.com/office/powerpoint/2010/main" spd="slow" p14:dur="2000">
+        <p159:morph option="byObject"/>
+      </p:transition>
+    </mc:Choice>
+    <mc:Fallback xmlns="">
+      <p:transition spd="slow">
+        <p:fade/>
+      </p:transition>
+    </mc:Fallback>
+  </mc:AlternateContent>
+</p:sld>
+</file>
+
+<file path=ppt/slides/slide14.xml><?xml version="1.0" encoding="utf-8"?>
 <p:sld xmlns:a="http://schemas.openxmlformats.org/drawingml/2006/main" xmlns:r="http://schemas.openxmlformats.org/officeDocument/2006/relationships" xmlns:p="http://schemas.openxmlformats.org/presentationml/2006/main">
   <p:cSld>
     <p:bg>

--- a/dokumen/ppt_skripsi.pptx
+++ b/dokumen/ppt_skripsi.pptx
@@ -18,7 +18,13 @@
     <p:sldId id="268" r:id="rId12"/>
     <p:sldId id="269" r:id="rId13"/>
     <p:sldId id="270" r:id="rId14"/>
-    <p:sldId id="256" r:id="rId15"/>
+    <p:sldId id="271" r:id="rId15"/>
+    <p:sldId id="274" r:id="rId16"/>
+    <p:sldId id="275" r:id="rId17"/>
+    <p:sldId id="276" r:id="rId18"/>
+    <p:sldId id="277" r:id="rId19"/>
+    <p:sldId id="256" r:id="rId20"/>
+    <p:sldId id="273" r:id="rId21"/>
   </p:sldIdLst>
   <p:sldSz cx="12192000" cy="6858000"/>
   <p:notesSz cx="6858000" cy="9144000"/>
@@ -274,7 +280,7 @@
           <a:p>
             <a:fld id="{F5671809-4E7C-4B4C-B35D-BEB3A7116895}" type="datetimeFigureOut">
               <a:rPr lang="en-ID" smtClean="0"/>
-              <a:t>14/06/2022</a:t>
+              <a:t>16/06/2022</a:t>
             </a:fld>
             <a:endParaRPr lang="en-ID"/>
           </a:p>
@@ -474,7 +480,7 @@
           <a:p>
             <a:fld id="{F5671809-4E7C-4B4C-B35D-BEB3A7116895}" type="datetimeFigureOut">
               <a:rPr lang="en-ID" smtClean="0"/>
-              <a:t>14/06/2022</a:t>
+              <a:t>16/06/2022</a:t>
             </a:fld>
             <a:endParaRPr lang="en-ID"/>
           </a:p>
@@ -684,7 +690,7 @@
           <a:p>
             <a:fld id="{F5671809-4E7C-4B4C-B35D-BEB3A7116895}" type="datetimeFigureOut">
               <a:rPr lang="en-ID" smtClean="0"/>
-              <a:t>14/06/2022</a:t>
+              <a:t>16/06/2022</a:t>
             </a:fld>
             <a:endParaRPr lang="en-ID"/>
           </a:p>
@@ -884,7 +890,7 @@
           <a:p>
             <a:fld id="{F5671809-4E7C-4B4C-B35D-BEB3A7116895}" type="datetimeFigureOut">
               <a:rPr lang="en-ID" smtClean="0"/>
-              <a:t>14/06/2022</a:t>
+              <a:t>16/06/2022</a:t>
             </a:fld>
             <a:endParaRPr lang="en-ID"/>
           </a:p>
@@ -1160,7 +1166,7 @@
           <a:p>
             <a:fld id="{F5671809-4E7C-4B4C-B35D-BEB3A7116895}" type="datetimeFigureOut">
               <a:rPr lang="en-ID" smtClean="0"/>
-              <a:t>14/06/2022</a:t>
+              <a:t>16/06/2022</a:t>
             </a:fld>
             <a:endParaRPr lang="en-ID"/>
           </a:p>
@@ -1428,7 +1434,7 @@
           <a:p>
             <a:fld id="{F5671809-4E7C-4B4C-B35D-BEB3A7116895}" type="datetimeFigureOut">
               <a:rPr lang="en-ID" smtClean="0"/>
-              <a:t>14/06/2022</a:t>
+              <a:t>16/06/2022</a:t>
             </a:fld>
             <a:endParaRPr lang="en-ID"/>
           </a:p>
@@ -1843,7 +1849,7 @@
           <a:p>
             <a:fld id="{F5671809-4E7C-4B4C-B35D-BEB3A7116895}" type="datetimeFigureOut">
               <a:rPr lang="en-ID" smtClean="0"/>
-              <a:t>14/06/2022</a:t>
+              <a:t>16/06/2022</a:t>
             </a:fld>
             <a:endParaRPr lang="en-ID"/>
           </a:p>
@@ -1985,7 +1991,7 @@
           <a:p>
             <a:fld id="{F5671809-4E7C-4B4C-B35D-BEB3A7116895}" type="datetimeFigureOut">
               <a:rPr lang="en-ID" smtClean="0"/>
-              <a:t>14/06/2022</a:t>
+              <a:t>16/06/2022</a:t>
             </a:fld>
             <a:endParaRPr lang="en-ID"/>
           </a:p>
@@ -2098,7 +2104,7 @@
           <a:p>
             <a:fld id="{F5671809-4E7C-4B4C-B35D-BEB3A7116895}" type="datetimeFigureOut">
               <a:rPr lang="en-ID" smtClean="0"/>
-              <a:t>14/06/2022</a:t>
+              <a:t>16/06/2022</a:t>
             </a:fld>
             <a:endParaRPr lang="en-ID"/>
           </a:p>
@@ -2411,7 +2417,7 @@
           <a:p>
             <a:fld id="{F5671809-4E7C-4B4C-B35D-BEB3A7116895}" type="datetimeFigureOut">
               <a:rPr lang="en-ID" smtClean="0"/>
-              <a:t>14/06/2022</a:t>
+              <a:t>16/06/2022</a:t>
             </a:fld>
             <a:endParaRPr lang="en-ID"/>
           </a:p>
@@ -2700,7 +2706,7 @@
           <a:p>
             <a:fld id="{F5671809-4E7C-4B4C-B35D-BEB3A7116895}" type="datetimeFigureOut">
               <a:rPr lang="en-ID" smtClean="0"/>
-              <a:t>14/06/2022</a:t>
+              <a:t>16/06/2022</a:t>
             </a:fld>
             <a:endParaRPr lang="en-ID"/>
           </a:p>
@@ -2943,7 +2949,7 @@
           <a:p>
             <a:fld id="{F5671809-4E7C-4B4C-B35D-BEB3A7116895}" type="datetimeFigureOut">
               <a:rPr lang="en-ID" smtClean="0"/>
-              <a:t>14/06/2022</a:t>
+              <a:t>16/06/2022</a:t>
             </a:fld>
             <a:endParaRPr lang="en-ID"/>
           </a:p>
@@ -8286,6 +8292,3132 @@
 </file>
 
 <file path=ppt/slides/slide14.xml><?xml version="1.0" encoding="utf-8"?>
+<p:sld xmlns:a="http://schemas.openxmlformats.org/drawingml/2006/main" xmlns:r="http://schemas.openxmlformats.org/officeDocument/2006/relationships" xmlns:p="http://schemas.openxmlformats.org/presentationml/2006/main">
+  <p:cSld>
+    <p:spTree>
+      <p:nvGrpSpPr>
+        <p:cNvPr id="1" name=""/>
+        <p:cNvGrpSpPr/>
+        <p:nvPr/>
+      </p:nvGrpSpPr>
+      <p:grpSpPr>
+        <a:xfrm>
+          <a:off x="0" y="0"/>
+          <a:ext cx="0" cy="0"/>
+          <a:chOff x="0" y="0"/>
+          <a:chExt cx="0" cy="0"/>
+        </a:xfrm>
+      </p:grpSpPr>
+      <p:pic>
+        <p:nvPicPr>
+          <p:cNvPr id="7" name="Picture 6">
+            <a:extLst>
+              <a:ext uri="{FF2B5EF4-FFF2-40B4-BE49-F238E27FC236}">
+                <a16:creationId xmlns:a16="http://schemas.microsoft.com/office/drawing/2014/main" id="{740CFA1F-4D69-D6F5-D9E1-60CE29B5E4DC}"/>
+              </a:ext>
+            </a:extLst>
+          </p:cNvPr>
+          <p:cNvPicPr>
+            <a:picLocks noChangeAspect="1"/>
+          </p:cNvPicPr>
+          <p:nvPr/>
+        </p:nvPicPr>
+        <p:blipFill rotWithShape="1">
+          <a:blip r:embed="rId2">
+            <a:extLst>
+              <a:ext uri="{28A0092B-C50C-407E-A947-70E740481C1C}">
+                <a14:useLocalDpi xmlns:a14="http://schemas.microsoft.com/office/drawing/2010/main" val="0"/>
+              </a:ext>
+              <a:ext uri="{837473B0-CC2E-450A-ABE3-18F120FF3D39}">
+                <a1611:picAttrSrcUrl xmlns:a1611="http://schemas.microsoft.com/office/drawing/2016/11/main" r:id="rId3"/>
+              </a:ext>
+            </a:extLst>
+          </a:blip>
+          <a:srcRect l="4297" t="16326" r="2485" b="15059"/>
+          <a:stretch/>
+        </p:blipFill>
+        <p:spPr>
+          <a:xfrm>
+            <a:off x="1282730" y="2910752"/>
+            <a:ext cx="2648053" cy="1299413"/>
+          </a:xfrm>
+          <a:prstGeom prst="rect">
+            <a:avLst/>
+          </a:prstGeom>
+        </p:spPr>
+      </p:pic>
+      <p:pic>
+        <p:nvPicPr>
+          <p:cNvPr id="5" name="Picture 4">
+            <a:extLst>
+              <a:ext uri="{FF2B5EF4-FFF2-40B4-BE49-F238E27FC236}">
+                <a16:creationId xmlns:a16="http://schemas.microsoft.com/office/drawing/2014/main" id="{32E77652-D3DE-0B7E-BE4D-FFE1F4DC3187}"/>
+              </a:ext>
+            </a:extLst>
+          </p:cNvPr>
+          <p:cNvPicPr>
+            <a:picLocks noChangeAspect="1"/>
+          </p:cNvPicPr>
+          <p:nvPr/>
+        </p:nvPicPr>
+        <p:blipFill rotWithShape="1">
+          <a:blip r:embed="rId4">
+            <a:extLst>
+              <a:ext uri="{28A0092B-C50C-407E-A947-70E740481C1C}">
+                <a14:useLocalDpi xmlns:a14="http://schemas.microsoft.com/office/drawing/2010/main" val="0"/>
+              </a:ext>
+              <a:ext uri="{837473B0-CC2E-450A-ABE3-18F120FF3D39}">
+                <a1611:picAttrSrcUrl xmlns:a1611="http://schemas.microsoft.com/office/drawing/2016/11/main" r:id="rId5"/>
+              </a:ext>
+            </a:extLst>
+          </a:blip>
+          <a:srcRect l="5970" t="31765" r="7153" b="17699"/>
+          <a:stretch/>
+        </p:blipFill>
+        <p:spPr>
+          <a:xfrm>
+            <a:off x="7822162" y="2910752"/>
+            <a:ext cx="3694923" cy="1238384"/>
+          </a:xfrm>
+          <a:prstGeom prst="rect">
+            <a:avLst/>
+          </a:prstGeom>
+        </p:spPr>
+      </p:pic>
+      <p:sp>
+        <p:nvSpPr>
+          <p:cNvPr id="2" name="TextBox 1">
+            <a:extLst>
+              <a:ext uri="{FF2B5EF4-FFF2-40B4-BE49-F238E27FC236}">
+                <a16:creationId xmlns:a16="http://schemas.microsoft.com/office/drawing/2014/main" id="{F5D344A1-39FE-052D-1B9C-3C500FCD5362}"/>
+              </a:ext>
+            </a:extLst>
+          </p:cNvPr>
+          <p:cNvSpPr txBox="1"/>
+          <p:nvPr/>
+        </p:nvSpPr>
+        <p:spPr>
+          <a:xfrm>
+            <a:off x="2522375" y="524445"/>
+            <a:ext cx="7147249" cy="458780"/>
+          </a:xfrm>
+          <a:prstGeom prst="rect">
+            <a:avLst/>
+          </a:prstGeom>
+          <a:noFill/>
+        </p:spPr>
+        <p:txBody>
+          <a:bodyPr wrap="square" rtlCol="0">
+            <a:spAutoFit/>
+          </a:bodyPr>
+          <a:lstStyle/>
+          <a:p>
+            <a:pPr algn="ctr">
+              <a:lnSpc>
+                <a:spcPct val="107000"/>
+              </a:lnSpc>
+              <a:spcAft>
+                <a:spcPts val="800"/>
+              </a:spcAft>
+            </a:pPr>
+            <a:r>
+              <a:rPr lang="en-US" sz="2400" b="1" spc="75" dirty="0">
+                <a:solidFill>
+                  <a:srgbClr val="000000"/>
+                </a:solidFill>
+                <a:latin typeface="Arial" panose="020B0604020202020204" pitchFamily="34" charset="0"/>
+                <a:ea typeface="Times New Roman" panose="02020603050405020304" pitchFamily="18" charset="0"/>
+                <a:cs typeface="Arial" panose="020B0604020202020204" pitchFamily="34" charset="0"/>
+              </a:rPr>
+              <a:t>HASIL DAN PEMBAHASAN</a:t>
+            </a:r>
+            <a:endParaRPr lang="en-ID" sz="2400" spc="75" dirty="0">
+              <a:solidFill>
+                <a:srgbClr val="000000"/>
+              </a:solidFill>
+              <a:effectLst/>
+              <a:latin typeface="Arial" panose="020B0604020202020204" pitchFamily="34" charset="0"/>
+              <a:ea typeface="Times New Roman" panose="02020603050405020304" pitchFamily="18" charset="0"/>
+              <a:cs typeface="Arial" panose="020B0604020202020204" pitchFamily="34" charset="0"/>
+            </a:endParaRPr>
+          </a:p>
+        </p:txBody>
+      </p:sp>
+      <p:pic>
+        <p:nvPicPr>
+          <p:cNvPr id="3" name="Picture 2">
+            <a:extLst>
+              <a:ext uri="{FF2B5EF4-FFF2-40B4-BE49-F238E27FC236}">
+                <a16:creationId xmlns:a16="http://schemas.microsoft.com/office/drawing/2014/main" id="{7F066D29-7D8F-FA43-C481-2058A9CC61DC}"/>
+              </a:ext>
+            </a:extLst>
+          </p:cNvPr>
+          <p:cNvPicPr>
+            <a:picLocks noChangeAspect="1"/>
+          </p:cNvPicPr>
+          <p:nvPr/>
+        </p:nvPicPr>
+        <p:blipFill>
+          <a:blip r:embed="rId6">
+            <a:extLst>
+              <a:ext uri="{28A0092B-C50C-407E-A947-70E740481C1C}">
+                <a14:useLocalDpi xmlns:a14="http://schemas.microsoft.com/office/drawing/2010/main" val="0"/>
+              </a:ext>
+            </a:extLst>
+          </a:blip>
+          <a:stretch>
+            <a:fillRect/>
+          </a:stretch>
+        </p:blipFill>
+        <p:spPr>
+          <a:xfrm>
+            <a:off x="11161903" y="5812413"/>
+            <a:ext cx="922432" cy="922432"/>
+          </a:xfrm>
+          <a:prstGeom prst="rect">
+            <a:avLst/>
+          </a:prstGeom>
+        </p:spPr>
+      </p:pic>
+      <p:sp>
+        <p:nvSpPr>
+          <p:cNvPr id="19" name="TextBox 18">
+            <a:extLst>
+              <a:ext uri="{FF2B5EF4-FFF2-40B4-BE49-F238E27FC236}">
+                <a16:creationId xmlns:a16="http://schemas.microsoft.com/office/drawing/2014/main" id="{7EAC223B-9700-B4AB-CC3E-C9B0B63B19CE}"/>
+              </a:ext>
+            </a:extLst>
+          </p:cNvPr>
+          <p:cNvSpPr txBox="1"/>
+          <p:nvPr/>
+        </p:nvSpPr>
+        <p:spPr>
+          <a:xfrm>
+            <a:off x="3006107" y="1010501"/>
+            <a:ext cx="6179783" cy="707886"/>
+          </a:xfrm>
+          <a:prstGeom prst="rect">
+            <a:avLst/>
+          </a:prstGeom>
+          <a:noFill/>
+        </p:spPr>
+        <p:txBody>
+          <a:bodyPr wrap="square">
+            <a:spAutoFit/>
+          </a:bodyPr>
+          <a:lstStyle/>
+          <a:p>
+            <a:pPr algn="ctr"/>
+            <a:r>
+              <a:rPr lang="en-US" sz="4000" b="1" dirty="0">
+                <a:solidFill>
+                  <a:schemeClr val="bg2">
+                    <a:lumMod val="75000"/>
+                  </a:schemeClr>
+                </a:solidFill>
+                <a:latin typeface="Arial" panose="020B0604020202020204" pitchFamily="34" charset="0"/>
+                <a:cs typeface="Arial" panose="020B0604020202020204" pitchFamily="34" charset="0"/>
+              </a:rPr>
+              <a:t>PENGUJIAN</a:t>
+            </a:r>
+            <a:endParaRPr lang="en-ID" sz="4000" b="1" dirty="0">
+              <a:solidFill>
+                <a:schemeClr val="bg2">
+                  <a:lumMod val="75000"/>
+                </a:schemeClr>
+              </a:solidFill>
+              <a:latin typeface="Arial" panose="020B0604020202020204" pitchFamily="34" charset="0"/>
+              <a:cs typeface="Arial" panose="020B0604020202020204" pitchFamily="34" charset="0"/>
+            </a:endParaRPr>
+          </a:p>
+        </p:txBody>
+      </p:sp>
+      <p:sp>
+        <p:nvSpPr>
+          <p:cNvPr id="30" name="TextBox 29">
+            <a:extLst>
+              <a:ext uri="{FF2B5EF4-FFF2-40B4-BE49-F238E27FC236}">
+                <a16:creationId xmlns:a16="http://schemas.microsoft.com/office/drawing/2014/main" id="{B0919C37-EA03-599A-FD15-A75FD46F2B75}"/>
+              </a:ext>
+            </a:extLst>
+          </p:cNvPr>
+          <p:cNvSpPr txBox="1"/>
+          <p:nvPr/>
+        </p:nvSpPr>
+        <p:spPr>
+          <a:xfrm>
+            <a:off x="1424078" y="4331507"/>
+            <a:ext cx="2196594" cy="307777"/>
+          </a:xfrm>
+          <a:prstGeom prst="rect">
+            <a:avLst/>
+          </a:prstGeom>
+          <a:noFill/>
+        </p:spPr>
+        <p:txBody>
+          <a:bodyPr wrap="square">
+            <a:spAutoFit/>
+          </a:bodyPr>
+          <a:lstStyle/>
+          <a:p>
+            <a:pPr algn="ctr"/>
+            <a:r>
+              <a:rPr lang="en-US" sz="1400" b="1" dirty="0">
+                <a:solidFill>
+                  <a:schemeClr val="bg2">
+                    <a:lumMod val="75000"/>
+                  </a:schemeClr>
+                </a:solidFill>
+                <a:latin typeface="Arial" panose="020B0604020202020204" pitchFamily="34" charset="0"/>
+                <a:cs typeface="Arial" panose="020B0604020202020204" pitchFamily="34" charset="0"/>
+              </a:rPr>
+              <a:t>WHITEBOX TESTING</a:t>
+            </a:r>
+            <a:endParaRPr lang="en-ID" sz="1400" b="1" dirty="0">
+              <a:solidFill>
+                <a:schemeClr val="bg2">
+                  <a:lumMod val="75000"/>
+                </a:schemeClr>
+              </a:solidFill>
+              <a:latin typeface="Arial" panose="020B0604020202020204" pitchFamily="34" charset="0"/>
+              <a:cs typeface="Arial" panose="020B0604020202020204" pitchFamily="34" charset="0"/>
+            </a:endParaRPr>
+          </a:p>
+        </p:txBody>
+      </p:sp>
+      <p:pic>
+        <p:nvPicPr>
+          <p:cNvPr id="14" name="Picture 13">
+            <a:extLst>
+              <a:ext uri="{FF2B5EF4-FFF2-40B4-BE49-F238E27FC236}">
+                <a16:creationId xmlns:a16="http://schemas.microsoft.com/office/drawing/2014/main" id="{3FC45BDE-C93C-D734-F2C2-7E53F5C83EE0}"/>
+              </a:ext>
+            </a:extLst>
+          </p:cNvPr>
+          <p:cNvPicPr>
+            <a:picLocks noChangeAspect="1"/>
+          </p:cNvPicPr>
+          <p:nvPr/>
+        </p:nvPicPr>
+        <p:blipFill>
+          <a:blip r:embed="rId7">
+            <a:lum bright="70000" contrast="-70000"/>
+            <a:extLst>
+              <a:ext uri="{BEBA8EAE-BF5A-486C-A8C5-ECC9F3942E4B}">
+                <a14:imgProps xmlns:a14="http://schemas.microsoft.com/office/drawing/2010/main">
+                  <a14:imgLayer r:embed="rId8">
+                    <a14:imgEffect>
+                      <a14:sharpenSoften amount="50000"/>
+                    </a14:imgEffect>
+                  </a14:imgLayer>
+                </a14:imgProps>
+              </a:ext>
+              <a:ext uri="{28A0092B-C50C-407E-A947-70E740481C1C}">
+                <a14:useLocalDpi xmlns:a14="http://schemas.microsoft.com/office/drawing/2010/main" val="0"/>
+              </a:ext>
+            </a:extLst>
+          </a:blip>
+          <a:stretch>
+            <a:fillRect/>
+          </a:stretch>
+        </p:blipFill>
+        <p:spPr>
+          <a:xfrm rot="12922337">
+            <a:off x="3742885" y="3488317"/>
+            <a:ext cx="731520" cy="731520"/>
+          </a:xfrm>
+          <a:prstGeom prst="rect">
+            <a:avLst/>
+          </a:prstGeom>
+        </p:spPr>
+      </p:pic>
+      <p:grpSp>
+        <p:nvGrpSpPr>
+          <p:cNvPr id="15" name="Group 14">
+            <a:extLst>
+              <a:ext uri="{FF2B5EF4-FFF2-40B4-BE49-F238E27FC236}">
+                <a16:creationId xmlns:a16="http://schemas.microsoft.com/office/drawing/2014/main" id="{69557264-2EBC-0753-3FFC-B698FC818D3D}"/>
+              </a:ext>
+            </a:extLst>
+          </p:cNvPr>
+          <p:cNvGrpSpPr/>
+          <p:nvPr/>
+        </p:nvGrpSpPr>
+        <p:grpSpPr>
+          <a:xfrm>
+            <a:off x="4665978" y="2476417"/>
+            <a:ext cx="2860040" cy="2743200"/>
+            <a:chOff x="0" y="34636"/>
+            <a:chExt cx="3217032" cy="3245583"/>
+          </a:xfrm>
+        </p:grpSpPr>
+        <p:pic>
+          <p:nvPicPr>
+            <p:cNvPr id="16" name="Picture 15">
+              <a:extLst>
+                <a:ext uri="{FF2B5EF4-FFF2-40B4-BE49-F238E27FC236}">
+                  <a16:creationId xmlns:a16="http://schemas.microsoft.com/office/drawing/2014/main" id="{EAE1EBE8-00D8-0AB8-C8C9-9AD8E8199143}"/>
+                </a:ext>
+              </a:extLst>
+            </p:cNvPr>
+            <p:cNvPicPr>
+              <a:picLocks noChangeAspect="1"/>
+            </p:cNvPicPr>
+            <p:nvPr/>
+          </p:nvPicPr>
+          <p:blipFill>
+            <a:blip r:embed="rId9" cstate="print">
+              <a:extLst>
+                <a:ext uri="{28A0092B-C50C-407E-A947-70E740481C1C}">
+                  <a14:useLocalDpi xmlns:a14="http://schemas.microsoft.com/office/drawing/2010/main" val="0"/>
+                </a:ext>
+              </a:extLst>
+            </a:blip>
+            <a:stretch>
+              <a:fillRect/>
+            </a:stretch>
+          </p:blipFill>
+          <p:spPr>
+            <a:xfrm>
+              <a:off x="1605982" y="40757"/>
+              <a:ext cx="1611050" cy="3239462"/>
+            </a:xfrm>
+            <a:prstGeom prst="rect">
+              <a:avLst/>
+            </a:prstGeom>
+            <a:ln w="12700">
+              <a:noFill/>
+            </a:ln>
+          </p:spPr>
+        </p:pic>
+        <p:pic>
+          <p:nvPicPr>
+            <p:cNvPr id="17" name="Picture 16">
+              <a:extLst>
+                <a:ext uri="{FF2B5EF4-FFF2-40B4-BE49-F238E27FC236}">
+                  <a16:creationId xmlns:a16="http://schemas.microsoft.com/office/drawing/2014/main" id="{C916FAC9-29F3-C908-60F6-1C097561832D}"/>
+                </a:ext>
+              </a:extLst>
+            </p:cNvPr>
+            <p:cNvPicPr>
+              <a:picLocks noChangeAspect="1"/>
+            </p:cNvPicPr>
+            <p:nvPr/>
+          </p:nvPicPr>
+          <p:blipFill>
+            <a:blip r:embed="rId10" cstate="print">
+              <a:extLst>
+                <a:ext uri="{28A0092B-C50C-407E-A947-70E740481C1C}">
+                  <a14:useLocalDpi xmlns:a14="http://schemas.microsoft.com/office/drawing/2010/main" val="0"/>
+                </a:ext>
+              </a:extLst>
+            </a:blip>
+            <a:stretch>
+              <a:fillRect/>
+            </a:stretch>
+          </p:blipFill>
+          <p:spPr>
+            <a:xfrm>
+              <a:off x="0" y="34636"/>
+              <a:ext cx="1595755" cy="3239770"/>
+            </a:xfrm>
+            <a:prstGeom prst="rect">
+              <a:avLst/>
+            </a:prstGeom>
+            <a:ln w="12700">
+              <a:noFill/>
+            </a:ln>
+          </p:spPr>
+        </p:pic>
+      </p:grpSp>
+      <p:pic>
+        <p:nvPicPr>
+          <p:cNvPr id="21" name="Picture 20">
+            <a:extLst>
+              <a:ext uri="{FF2B5EF4-FFF2-40B4-BE49-F238E27FC236}">
+                <a16:creationId xmlns:a16="http://schemas.microsoft.com/office/drawing/2014/main" id="{9C877EB7-6F86-989C-3120-EA6FFD1B4A86}"/>
+              </a:ext>
+            </a:extLst>
+          </p:cNvPr>
+          <p:cNvPicPr>
+            <a:picLocks noChangeAspect="1"/>
+          </p:cNvPicPr>
+          <p:nvPr/>
+        </p:nvPicPr>
+        <p:blipFill>
+          <a:blip r:embed="rId7">
+            <a:lum bright="70000" contrast="-70000"/>
+            <a:extLst>
+              <a:ext uri="{BEBA8EAE-BF5A-486C-A8C5-ECC9F3942E4B}">
+                <a14:imgProps xmlns:a14="http://schemas.microsoft.com/office/drawing/2010/main">
+                  <a14:imgLayer r:embed="rId8">
+                    <a14:imgEffect>
+                      <a14:sharpenSoften amount="50000"/>
+                    </a14:imgEffect>
+                  </a14:imgLayer>
+                </a14:imgProps>
+              </a:ext>
+              <a:ext uri="{28A0092B-C50C-407E-A947-70E740481C1C}">
+                <a14:useLocalDpi xmlns:a14="http://schemas.microsoft.com/office/drawing/2010/main" val="0"/>
+              </a:ext>
+            </a:extLst>
+          </a:blip>
+          <a:stretch>
+            <a:fillRect/>
+          </a:stretch>
+        </p:blipFill>
+        <p:spPr>
+          <a:xfrm rot="2282293">
+            <a:off x="7595102" y="3492620"/>
+            <a:ext cx="731520" cy="731520"/>
+          </a:xfrm>
+          <a:prstGeom prst="rect">
+            <a:avLst/>
+          </a:prstGeom>
+        </p:spPr>
+      </p:pic>
+      <p:sp>
+        <p:nvSpPr>
+          <p:cNvPr id="26" name="TextBox 25">
+            <a:extLst>
+              <a:ext uri="{FF2B5EF4-FFF2-40B4-BE49-F238E27FC236}">
+                <a16:creationId xmlns:a16="http://schemas.microsoft.com/office/drawing/2014/main" id="{A748C862-2128-3297-9F3C-BE7BDB56C198}"/>
+              </a:ext>
+            </a:extLst>
+          </p:cNvPr>
+          <p:cNvSpPr txBox="1"/>
+          <p:nvPr/>
+        </p:nvSpPr>
+        <p:spPr>
+          <a:xfrm>
+            <a:off x="8622383" y="4331507"/>
+            <a:ext cx="2094479" cy="307777"/>
+          </a:xfrm>
+          <a:prstGeom prst="rect">
+            <a:avLst/>
+          </a:prstGeom>
+          <a:noFill/>
+        </p:spPr>
+        <p:txBody>
+          <a:bodyPr wrap="square">
+            <a:spAutoFit/>
+          </a:bodyPr>
+          <a:lstStyle/>
+          <a:p>
+            <a:pPr algn="ctr"/>
+            <a:r>
+              <a:rPr lang="en-US" sz="1400" b="1" dirty="0">
+                <a:solidFill>
+                  <a:schemeClr val="bg2">
+                    <a:lumMod val="75000"/>
+                  </a:schemeClr>
+                </a:solidFill>
+                <a:latin typeface="Arial" panose="020B0604020202020204" pitchFamily="34" charset="0"/>
+                <a:cs typeface="Arial" panose="020B0604020202020204" pitchFamily="34" charset="0"/>
+              </a:rPr>
+              <a:t>BLACKBOX TESTING</a:t>
+            </a:r>
+            <a:endParaRPr lang="en-ID" sz="1400" b="1" dirty="0">
+              <a:solidFill>
+                <a:schemeClr val="bg2">
+                  <a:lumMod val="75000"/>
+                </a:schemeClr>
+              </a:solidFill>
+              <a:latin typeface="Arial" panose="020B0604020202020204" pitchFamily="34" charset="0"/>
+              <a:cs typeface="Arial" panose="020B0604020202020204" pitchFamily="34" charset="0"/>
+            </a:endParaRPr>
+          </a:p>
+        </p:txBody>
+      </p:sp>
+    </p:spTree>
+    <p:extLst>
+      <p:ext uri="{BB962C8B-B14F-4D97-AF65-F5344CB8AC3E}">
+        <p14:creationId xmlns:p14="http://schemas.microsoft.com/office/powerpoint/2010/main" val="652403353"/>
+      </p:ext>
+    </p:extLst>
+  </p:cSld>
+  <p:clrMapOvr>
+    <a:masterClrMapping/>
+  </p:clrMapOvr>
+  <mc:AlternateContent xmlns:mc="http://schemas.openxmlformats.org/markup-compatibility/2006" xmlns:p159="http://schemas.microsoft.com/office/powerpoint/2015/09/main">
+    <mc:Choice Requires="p159">
+      <p:transition xmlns:p14="http://schemas.microsoft.com/office/powerpoint/2010/main" spd="slow" p14:dur="2000">
+        <p159:morph option="byObject"/>
+      </p:transition>
+    </mc:Choice>
+    <mc:Fallback xmlns="">
+      <p:transition spd="slow">
+        <p:fade/>
+      </p:transition>
+    </mc:Fallback>
+  </mc:AlternateContent>
+</p:sld>
+</file>
+
+<file path=ppt/slides/slide15.xml><?xml version="1.0" encoding="utf-8"?>
+<p:sld xmlns:a="http://schemas.openxmlformats.org/drawingml/2006/main" xmlns:r="http://schemas.openxmlformats.org/officeDocument/2006/relationships" xmlns:p="http://schemas.openxmlformats.org/presentationml/2006/main">
+  <p:cSld>
+    <p:spTree>
+      <p:nvGrpSpPr>
+        <p:cNvPr id="1" name=""/>
+        <p:cNvGrpSpPr/>
+        <p:nvPr/>
+      </p:nvGrpSpPr>
+      <p:grpSpPr>
+        <a:xfrm>
+          <a:off x="0" y="0"/>
+          <a:ext cx="0" cy="0"/>
+          <a:chOff x="0" y="0"/>
+          <a:chExt cx="0" cy="0"/>
+        </a:xfrm>
+      </p:grpSpPr>
+      <p:sp>
+        <p:nvSpPr>
+          <p:cNvPr id="2" name="TextBox 1">
+            <a:extLst>
+              <a:ext uri="{FF2B5EF4-FFF2-40B4-BE49-F238E27FC236}">
+                <a16:creationId xmlns:a16="http://schemas.microsoft.com/office/drawing/2014/main" id="{F5D344A1-39FE-052D-1B9C-3C500FCD5362}"/>
+              </a:ext>
+            </a:extLst>
+          </p:cNvPr>
+          <p:cNvSpPr txBox="1"/>
+          <p:nvPr/>
+        </p:nvSpPr>
+        <p:spPr>
+          <a:xfrm>
+            <a:off x="2522375" y="524445"/>
+            <a:ext cx="7147249" cy="458780"/>
+          </a:xfrm>
+          <a:prstGeom prst="rect">
+            <a:avLst/>
+          </a:prstGeom>
+          <a:noFill/>
+        </p:spPr>
+        <p:txBody>
+          <a:bodyPr wrap="square" rtlCol="0">
+            <a:spAutoFit/>
+          </a:bodyPr>
+          <a:lstStyle/>
+          <a:p>
+            <a:pPr algn="ctr">
+              <a:lnSpc>
+                <a:spcPct val="107000"/>
+              </a:lnSpc>
+              <a:spcAft>
+                <a:spcPts val="800"/>
+              </a:spcAft>
+            </a:pPr>
+            <a:r>
+              <a:rPr lang="en-US" sz="2400" b="1" spc="75" dirty="0">
+                <a:solidFill>
+                  <a:srgbClr val="000000"/>
+                </a:solidFill>
+                <a:latin typeface="Arial" panose="020B0604020202020204" pitchFamily="34" charset="0"/>
+                <a:ea typeface="Times New Roman" panose="02020603050405020304" pitchFamily="18" charset="0"/>
+                <a:cs typeface="Arial" panose="020B0604020202020204" pitchFamily="34" charset="0"/>
+              </a:rPr>
+              <a:t>HASIL DAN PEMBAHASAN</a:t>
+            </a:r>
+            <a:endParaRPr lang="en-ID" sz="2400" spc="75" dirty="0">
+              <a:solidFill>
+                <a:srgbClr val="000000"/>
+              </a:solidFill>
+              <a:effectLst/>
+              <a:latin typeface="Arial" panose="020B0604020202020204" pitchFamily="34" charset="0"/>
+              <a:ea typeface="Times New Roman" panose="02020603050405020304" pitchFamily="18" charset="0"/>
+              <a:cs typeface="Arial" panose="020B0604020202020204" pitchFamily="34" charset="0"/>
+            </a:endParaRPr>
+          </a:p>
+        </p:txBody>
+      </p:sp>
+      <p:pic>
+        <p:nvPicPr>
+          <p:cNvPr id="3" name="Picture 2">
+            <a:extLst>
+              <a:ext uri="{FF2B5EF4-FFF2-40B4-BE49-F238E27FC236}">
+                <a16:creationId xmlns:a16="http://schemas.microsoft.com/office/drawing/2014/main" id="{7F066D29-7D8F-FA43-C481-2058A9CC61DC}"/>
+              </a:ext>
+            </a:extLst>
+          </p:cNvPr>
+          <p:cNvPicPr>
+            <a:picLocks noChangeAspect="1"/>
+          </p:cNvPicPr>
+          <p:nvPr/>
+        </p:nvPicPr>
+        <p:blipFill>
+          <a:blip r:embed="rId2">
+            <a:extLst>
+              <a:ext uri="{28A0092B-C50C-407E-A947-70E740481C1C}">
+                <a14:useLocalDpi xmlns:a14="http://schemas.microsoft.com/office/drawing/2010/main" val="0"/>
+              </a:ext>
+            </a:extLst>
+          </a:blip>
+          <a:stretch>
+            <a:fillRect/>
+          </a:stretch>
+        </p:blipFill>
+        <p:spPr>
+          <a:xfrm>
+            <a:off x="11161903" y="5812413"/>
+            <a:ext cx="922432" cy="922432"/>
+          </a:xfrm>
+          <a:prstGeom prst="rect">
+            <a:avLst/>
+          </a:prstGeom>
+        </p:spPr>
+      </p:pic>
+      <p:sp>
+        <p:nvSpPr>
+          <p:cNvPr id="19" name="TextBox 18">
+            <a:extLst>
+              <a:ext uri="{FF2B5EF4-FFF2-40B4-BE49-F238E27FC236}">
+                <a16:creationId xmlns:a16="http://schemas.microsoft.com/office/drawing/2014/main" id="{7EAC223B-9700-B4AB-CC3E-C9B0B63B19CE}"/>
+              </a:ext>
+            </a:extLst>
+          </p:cNvPr>
+          <p:cNvSpPr txBox="1"/>
+          <p:nvPr/>
+        </p:nvSpPr>
+        <p:spPr>
+          <a:xfrm>
+            <a:off x="3006107" y="1010501"/>
+            <a:ext cx="6179783" cy="707886"/>
+          </a:xfrm>
+          <a:prstGeom prst="rect">
+            <a:avLst/>
+          </a:prstGeom>
+          <a:noFill/>
+        </p:spPr>
+        <p:txBody>
+          <a:bodyPr wrap="square">
+            <a:spAutoFit/>
+          </a:bodyPr>
+          <a:lstStyle/>
+          <a:p>
+            <a:pPr algn="ctr"/>
+            <a:r>
+              <a:rPr lang="en-US" sz="4000" b="1" dirty="0">
+                <a:solidFill>
+                  <a:schemeClr val="bg2">
+                    <a:lumMod val="75000"/>
+                  </a:schemeClr>
+                </a:solidFill>
+                <a:latin typeface="Arial" panose="020B0604020202020204" pitchFamily="34" charset="0"/>
+                <a:cs typeface="Arial" panose="020B0604020202020204" pitchFamily="34" charset="0"/>
+              </a:rPr>
+              <a:t>PENGUJIAN HASIL</a:t>
+            </a:r>
+            <a:endParaRPr lang="en-ID" sz="4000" b="1" dirty="0">
+              <a:solidFill>
+                <a:schemeClr val="bg2">
+                  <a:lumMod val="75000"/>
+                </a:schemeClr>
+              </a:solidFill>
+              <a:latin typeface="Arial" panose="020B0604020202020204" pitchFamily="34" charset="0"/>
+              <a:cs typeface="Arial" panose="020B0604020202020204" pitchFamily="34" charset="0"/>
+            </a:endParaRPr>
+          </a:p>
+        </p:txBody>
+      </p:sp>
+      <p:sp>
+        <p:nvSpPr>
+          <p:cNvPr id="30" name="TextBox 29">
+            <a:extLst>
+              <a:ext uri="{FF2B5EF4-FFF2-40B4-BE49-F238E27FC236}">
+                <a16:creationId xmlns:a16="http://schemas.microsoft.com/office/drawing/2014/main" id="{B0919C37-EA03-599A-FD15-A75FD46F2B75}"/>
+              </a:ext>
+            </a:extLst>
+          </p:cNvPr>
+          <p:cNvSpPr txBox="1"/>
+          <p:nvPr/>
+        </p:nvSpPr>
+        <p:spPr>
+          <a:xfrm>
+            <a:off x="2573697" y="4796051"/>
+            <a:ext cx="1371600" cy="307777"/>
+          </a:xfrm>
+          <a:prstGeom prst="rect">
+            <a:avLst/>
+          </a:prstGeom>
+          <a:noFill/>
+        </p:spPr>
+        <p:txBody>
+          <a:bodyPr wrap="square">
+            <a:spAutoFit/>
+          </a:bodyPr>
+          <a:lstStyle/>
+          <a:p>
+            <a:pPr algn="ctr"/>
+            <a:r>
+              <a:rPr lang="en-US" sz="1400" b="1" dirty="0" err="1">
+                <a:solidFill>
+                  <a:schemeClr val="bg2">
+                    <a:lumMod val="75000"/>
+                  </a:schemeClr>
+                </a:solidFill>
+                <a:latin typeface="Arial" panose="020B0604020202020204" pitchFamily="34" charset="0"/>
+                <a:cs typeface="Arial" panose="020B0604020202020204" pitchFamily="34" charset="0"/>
+              </a:rPr>
+              <a:t>Kuisioner</a:t>
+            </a:r>
+            <a:endParaRPr lang="en-ID" sz="1400" b="1" dirty="0">
+              <a:solidFill>
+                <a:schemeClr val="bg2">
+                  <a:lumMod val="75000"/>
+                </a:schemeClr>
+              </a:solidFill>
+              <a:latin typeface="Arial" panose="020B0604020202020204" pitchFamily="34" charset="0"/>
+              <a:cs typeface="Arial" panose="020B0604020202020204" pitchFamily="34" charset="0"/>
+            </a:endParaRPr>
+          </a:p>
+        </p:txBody>
+      </p:sp>
+      <p:pic>
+        <p:nvPicPr>
+          <p:cNvPr id="14" name="Picture 13">
+            <a:extLst>
+              <a:ext uri="{FF2B5EF4-FFF2-40B4-BE49-F238E27FC236}">
+                <a16:creationId xmlns:a16="http://schemas.microsoft.com/office/drawing/2014/main" id="{3FC45BDE-C93C-D734-F2C2-7E53F5C83EE0}"/>
+              </a:ext>
+            </a:extLst>
+          </p:cNvPr>
+          <p:cNvPicPr>
+            <a:picLocks noChangeAspect="1"/>
+          </p:cNvPicPr>
+          <p:nvPr/>
+        </p:nvPicPr>
+        <p:blipFill>
+          <a:blip r:embed="rId3">
+            <a:lum bright="70000" contrast="-70000"/>
+            <a:extLst>
+              <a:ext uri="{BEBA8EAE-BF5A-486C-A8C5-ECC9F3942E4B}">
+                <a14:imgProps xmlns:a14="http://schemas.microsoft.com/office/drawing/2010/main">
+                  <a14:imgLayer r:embed="rId4">
+                    <a14:imgEffect>
+                      <a14:sharpenSoften amount="50000"/>
+                    </a14:imgEffect>
+                  </a14:imgLayer>
+                </a14:imgProps>
+              </a:ext>
+              <a:ext uri="{28A0092B-C50C-407E-A947-70E740481C1C}">
+                <a14:useLocalDpi xmlns:a14="http://schemas.microsoft.com/office/drawing/2010/main" val="0"/>
+              </a:ext>
+            </a:extLst>
+          </a:blip>
+          <a:stretch>
+            <a:fillRect/>
+          </a:stretch>
+        </p:blipFill>
+        <p:spPr>
+          <a:xfrm rot="2068101">
+            <a:off x="4088085" y="3832057"/>
+            <a:ext cx="731520" cy="731520"/>
+          </a:xfrm>
+          <a:prstGeom prst="rect">
+            <a:avLst/>
+          </a:prstGeom>
+        </p:spPr>
+      </p:pic>
+      <p:pic>
+        <p:nvPicPr>
+          <p:cNvPr id="21" name="Picture 20">
+            <a:extLst>
+              <a:ext uri="{FF2B5EF4-FFF2-40B4-BE49-F238E27FC236}">
+                <a16:creationId xmlns:a16="http://schemas.microsoft.com/office/drawing/2014/main" id="{9C877EB7-6F86-989C-3120-EA6FFD1B4A86}"/>
+              </a:ext>
+            </a:extLst>
+          </p:cNvPr>
+          <p:cNvPicPr>
+            <a:picLocks noChangeAspect="1"/>
+          </p:cNvPicPr>
+          <p:nvPr/>
+        </p:nvPicPr>
+        <p:blipFill>
+          <a:blip r:embed="rId3">
+            <a:lum bright="70000" contrast="-70000"/>
+            <a:extLst>
+              <a:ext uri="{BEBA8EAE-BF5A-486C-A8C5-ECC9F3942E4B}">
+                <a14:imgProps xmlns:a14="http://schemas.microsoft.com/office/drawing/2010/main">
+                  <a14:imgLayer r:embed="rId4">
+                    <a14:imgEffect>
+                      <a14:sharpenSoften amount="50000"/>
+                    </a14:imgEffect>
+                  </a14:imgLayer>
+                </a14:imgProps>
+              </a:ext>
+              <a:ext uri="{28A0092B-C50C-407E-A947-70E740481C1C}">
+                <a14:useLocalDpi xmlns:a14="http://schemas.microsoft.com/office/drawing/2010/main" val="0"/>
+              </a:ext>
+            </a:extLst>
+          </a:blip>
+          <a:stretch>
+            <a:fillRect/>
+          </a:stretch>
+        </p:blipFill>
+        <p:spPr>
+          <a:xfrm rot="2282293">
+            <a:off x="7066328" y="3836957"/>
+            <a:ext cx="731520" cy="731520"/>
+          </a:xfrm>
+          <a:prstGeom prst="rect">
+            <a:avLst/>
+          </a:prstGeom>
+        </p:spPr>
+      </p:pic>
+      <p:sp>
+        <p:nvSpPr>
+          <p:cNvPr id="26" name="TextBox 25">
+            <a:extLst>
+              <a:ext uri="{FF2B5EF4-FFF2-40B4-BE49-F238E27FC236}">
+                <a16:creationId xmlns:a16="http://schemas.microsoft.com/office/drawing/2014/main" id="{A748C862-2128-3297-9F3C-BE7BDB56C198}"/>
+              </a:ext>
+            </a:extLst>
+          </p:cNvPr>
+          <p:cNvSpPr txBox="1"/>
+          <p:nvPr/>
+        </p:nvSpPr>
+        <p:spPr>
+          <a:xfrm>
+            <a:off x="7782205" y="2980201"/>
+            <a:ext cx="1504439" cy="307777"/>
+          </a:xfrm>
+          <a:prstGeom prst="rect">
+            <a:avLst/>
+          </a:prstGeom>
+          <a:noFill/>
+        </p:spPr>
+        <p:txBody>
+          <a:bodyPr wrap="square">
+            <a:spAutoFit/>
+          </a:bodyPr>
+          <a:lstStyle/>
+          <a:p>
+            <a:pPr algn="ctr"/>
+            <a:r>
+              <a:rPr lang="en-US" sz="1400" b="1" dirty="0">
+                <a:solidFill>
+                  <a:schemeClr val="bg2">
+                    <a:lumMod val="75000"/>
+                  </a:schemeClr>
+                </a:solidFill>
+                <a:latin typeface="Arial" panose="020B0604020202020204" pitchFamily="34" charset="0"/>
+                <a:cs typeface="Arial" panose="020B0604020202020204" pitchFamily="34" charset="0"/>
+              </a:rPr>
+              <a:t>10 </a:t>
+            </a:r>
+            <a:r>
+              <a:rPr lang="en-US" sz="1400" b="1" dirty="0" err="1">
+                <a:solidFill>
+                  <a:schemeClr val="bg2">
+                    <a:lumMod val="75000"/>
+                  </a:schemeClr>
+                </a:solidFill>
+                <a:latin typeface="Arial" panose="020B0604020202020204" pitchFamily="34" charset="0"/>
+                <a:cs typeface="Arial" panose="020B0604020202020204" pitchFamily="34" charset="0"/>
+              </a:rPr>
+              <a:t>Pertanyaan</a:t>
+            </a:r>
+            <a:r>
+              <a:rPr lang="en-US" sz="1400" b="1" dirty="0">
+                <a:solidFill>
+                  <a:schemeClr val="bg2">
+                    <a:lumMod val="75000"/>
+                  </a:schemeClr>
+                </a:solidFill>
+                <a:latin typeface="Arial" panose="020B0604020202020204" pitchFamily="34" charset="0"/>
+                <a:cs typeface="Arial" panose="020B0604020202020204" pitchFamily="34" charset="0"/>
+              </a:rPr>
+              <a:t> </a:t>
+            </a:r>
+            <a:endParaRPr lang="en-ID" sz="1400" b="1" dirty="0">
+              <a:solidFill>
+                <a:schemeClr val="bg2">
+                  <a:lumMod val="75000"/>
+                </a:schemeClr>
+              </a:solidFill>
+              <a:latin typeface="Arial" panose="020B0604020202020204" pitchFamily="34" charset="0"/>
+              <a:cs typeface="Arial" panose="020B0604020202020204" pitchFamily="34" charset="0"/>
+            </a:endParaRPr>
+          </a:p>
+        </p:txBody>
+      </p:sp>
+      <p:pic>
+        <p:nvPicPr>
+          <p:cNvPr id="6" name="Picture 5">
+            <a:extLst>
+              <a:ext uri="{FF2B5EF4-FFF2-40B4-BE49-F238E27FC236}">
+                <a16:creationId xmlns:a16="http://schemas.microsoft.com/office/drawing/2014/main" id="{A8703595-2336-B9DC-B1BC-DE9C7BB79F26}"/>
+              </a:ext>
+            </a:extLst>
+          </p:cNvPr>
+          <p:cNvPicPr>
+            <a:picLocks noChangeAspect="1"/>
+          </p:cNvPicPr>
+          <p:nvPr/>
+        </p:nvPicPr>
+        <p:blipFill>
+          <a:blip r:embed="rId5">
+            <a:extLst>
+              <a:ext uri="{28A0092B-C50C-407E-A947-70E740481C1C}">
+                <a14:useLocalDpi xmlns:a14="http://schemas.microsoft.com/office/drawing/2010/main" val="0"/>
+              </a:ext>
+            </a:extLst>
+          </a:blip>
+          <a:stretch>
+            <a:fillRect/>
+          </a:stretch>
+        </p:blipFill>
+        <p:spPr>
+          <a:xfrm>
+            <a:off x="2573697" y="3334766"/>
+            <a:ext cx="1371600" cy="1371600"/>
+          </a:xfrm>
+          <a:prstGeom prst="rect">
+            <a:avLst/>
+          </a:prstGeom>
+        </p:spPr>
+      </p:pic>
+      <p:pic>
+        <p:nvPicPr>
+          <p:cNvPr id="9" name="Picture 8">
+            <a:extLst>
+              <a:ext uri="{FF2B5EF4-FFF2-40B4-BE49-F238E27FC236}">
+                <a16:creationId xmlns:a16="http://schemas.microsoft.com/office/drawing/2014/main" id="{712402F5-41B0-E361-495A-7C8757153115}"/>
+              </a:ext>
+            </a:extLst>
+          </p:cNvPr>
+          <p:cNvPicPr>
+            <a:picLocks noChangeAspect="1"/>
+          </p:cNvPicPr>
+          <p:nvPr/>
+        </p:nvPicPr>
+        <p:blipFill>
+          <a:blip r:embed="rId6">
+            <a:lum bright="70000" contrast="-70000"/>
+            <a:extLst>
+              <a:ext uri="{BEBA8EAE-BF5A-486C-A8C5-ECC9F3942E4B}">
+                <a14:imgProps xmlns:a14="http://schemas.microsoft.com/office/drawing/2010/main">
+                  <a14:imgLayer r:embed="rId7">
+                    <a14:imgEffect>
+                      <a14:sharpenSoften amount="50000"/>
+                    </a14:imgEffect>
+                  </a14:imgLayer>
+                </a14:imgProps>
+              </a:ext>
+              <a:ext uri="{28A0092B-C50C-407E-A947-70E740481C1C}">
+                <a14:useLocalDpi xmlns:a14="http://schemas.microsoft.com/office/drawing/2010/main" val="0"/>
+              </a:ext>
+            </a:extLst>
+          </a:blip>
+          <a:stretch>
+            <a:fillRect/>
+          </a:stretch>
+        </p:blipFill>
+        <p:spPr>
+          <a:xfrm>
+            <a:off x="5374409" y="3334766"/>
+            <a:ext cx="1371600" cy="1371600"/>
+          </a:xfrm>
+          <a:prstGeom prst="rect">
+            <a:avLst/>
+          </a:prstGeom>
+        </p:spPr>
+      </p:pic>
+      <p:sp>
+        <p:nvSpPr>
+          <p:cNvPr id="18" name="TextBox 17">
+            <a:extLst>
+              <a:ext uri="{FF2B5EF4-FFF2-40B4-BE49-F238E27FC236}">
+                <a16:creationId xmlns:a16="http://schemas.microsoft.com/office/drawing/2014/main" id="{BAEAC66E-D022-0699-8B5F-76B090CE47FB}"/>
+              </a:ext>
+            </a:extLst>
+          </p:cNvPr>
+          <p:cNvSpPr txBox="1"/>
+          <p:nvPr/>
+        </p:nvSpPr>
+        <p:spPr>
+          <a:xfrm>
+            <a:off x="5201778" y="4796051"/>
+            <a:ext cx="1716861" cy="523220"/>
+          </a:xfrm>
+          <a:prstGeom prst="rect">
+            <a:avLst/>
+          </a:prstGeom>
+          <a:noFill/>
+        </p:spPr>
+        <p:txBody>
+          <a:bodyPr wrap="square">
+            <a:spAutoFit/>
+          </a:bodyPr>
+          <a:lstStyle/>
+          <a:p>
+            <a:pPr algn="ctr"/>
+            <a:r>
+              <a:rPr lang="en-US" sz="1400" b="1" dirty="0">
+                <a:solidFill>
+                  <a:schemeClr val="bg2">
+                    <a:lumMod val="75000"/>
+                  </a:schemeClr>
+                </a:solidFill>
+                <a:latin typeface="Arial" panose="020B0604020202020204" pitchFamily="34" charset="0"/>
+                <a:cs typeface="Arial" panose="020B0604020202020204" pitchFamily="34" charset="0"/>
+              </a:rPr>
+              <a:t>System Usability Testing (SUS)</a:t>
+            </a:r>
+            <a:endParaRPr lang="en-ID" sz="1400" b="1" dirty="0">
+              <a:solidFill>
+                <a:schemeClr val="bg2">
+                  <a:lumMod val="75000"/>
+                </a:schemeClr>
+              </a:solidFill>
+              <a:latin typeface="Arial" panose="020B0604020202020204" pitchFamily="34" charset="0"/>
+              <a:cs typeface="Arial" panose="020B0604020202020204" pitchFamily="34" charset="0"/>
+            </a:endParaRPr>
+          </a:p>
+        </p:txBody>
+      </p:sp>
+      <p:pic>
+        <p:nvPicPr>
+          <p:cNvPr id="20" name="Picture 19">
+            <a:extLst>
+              <a:ext uri="{FF2B5EF4-FFF2-40B4-BE49-F238E27FC236}">
+                <a16:creationId xmlns:a16="http://schemas.microsoft.com/office/drawing/2014/main" id="{2F398DC8-C496-2DA6-2406-5E183230DCBB}"/>
+              </a:ext>
+            </a:extLst>
+          </p:cNvPr>
+          <p:cNvPicPr>
+            <a:picLocks noChangeAspect="1"/>
+          </p:cNvPicPr>
+          <p:nvPr/>
+        </p:nvPicPr>
+        <p:blipFill>
+          <a:blip r:embed="rId3">
+            <a:lum bright="70000" contrast="-70000"/>
+            <a:extLst>
+              <a:ext uri="{BEBA8EAE-BF5A-486C-A8C5-ECC9F3942E4B}">
+                <a14:imgProps xmlns:a14="http://schemas.microsoft.com/office/drawing/2010/main">
+                  <a14:imgLayer r:embed="rId4">
+                    <a14:imgEffect>
+                      <a14:sharpenSoften amount="50000"/>
+                    </a14:imgEffect>
+                  </a14:imgLayer>
+                </a14:imgProps>
+              </a:ext>
+              <a:ext uri="{28A0092B-C50C-407E-A947-70E740481C1C}">
+                <a14:useLocalDpi xmlns:a14="http://schemas.microsoft.com/office/drawing/2010/main" val="0"/>
+              </a:ext>
+            </a:extLst>
+          </a:blip>
+          <a:stretch>
+            <a:fillRect/>
+          </a:stretch>
+        </p:blipFill>
+        <p:spPr>
+          <a:xfrm rot="737609">
+            <a:off x="7045858" y="3123797"/>
+            <a:ext cx="731520" cy="731520"/>
+          </a:xfrm>
+          <a:prstGeom prst="rect">
+            <a:avLst/>
+          </a:prstGeom>
+        </p:spPr>
+      </p:pic>
+      <p:pic>
+        <p:nvPicPr>
+          <p:cNvPr id="22" name="Picture 21">
+            <a:extLst>
+              <a:ext uri="{FF2B5EF4-FFF2-40B4-BE49-F238E27FC236}">
+                <a16:creationId xmlns:a16="http://schemas.microsoft.com/office/drawing/2014/main" id="{9158C832-9C31-28F4-9BCD-83135DAE99A7}"/>
+              </a:ext>
+            </a:extLst>
+          </p:cNvPr>
+          <p:cNvPicPr>
+            <a:picLocks noChangeAspect="1"/>
+          </p:cNvPicPr>
+          <p:nvPr/>
+        </p:nvPicPr>
+        <p:blipFill>
+          <a:blip r:embed="rId3">
+            <a:lum bright="70000" contrast="-70000"/>
+            <a:extLst>
+              <a:ext uri="{BEBA8EAE-BF5A-486C-A8C5-ECC9F3942E4B}">
+                <a14:imgProps xmlns:a14="http://schemas.microsoft.com/office/drawing/2010/main">
+                  <a14:imgLayer r:embed="rId4">
+                    <a14:imgEffect>
+                      <a14:sharpenSoften amount="50000"/>
+                    </a14:imgEffect>
+                  </a14:imgLayer>
+                </a14:imgProps>
+              </a:ext>
+              <a:ext uri="{28A0092B-C50C-407E-A947-70E740481C1C}">
+                <a14:useLocalDpi xmlns:a14="http://schemas.microsoft.com/office/drawing/2010/main" val="0"/>
+              </a:ext>
+            </a:extLst>
+          </a:blip>
+          <a:stretch>
+            <a:fillRect/>
+          </a:stretch>
+        </p:blipFill>
+        <p:spPr>
+          <a:xfrm rot="4218307">
+            <a:off x="7066328" y="4703601"/>
+            <a:ext cx="731520" cy="731520"/>
+          </a:xfrm>
+          <a:prstGeom prst="rect">
+            <a:avLst/>
+          </a:prstGeom>
+        </p:spPr>
+      </p:pic>
+      <p:pic>
+        <p:nvPicPr>
+          <p:cNvPr id="11" name="Picture 10">
+            <a:extLst>
+              <a:ext uri="{FF2B5EF4-FFF2-40B4-BE49-F238E27FC236}">
+                <a16:creationId xmlns:a16="http://schemas.microsoft.com/office/drawing/2014/main" id="{17524AFA-0750-98A3-892F-FEF7B92D54E0}"/>
+              </a:ext>
+            </a:extLst>
+          </p:cNvPr>
+          <p:cNvPicPr>
+            <a:picLocks noChangeAspect="1"/>
+          </p:cNvPicPr>
+          <p:nvPr/>
+        </p:nvPicPr>
+        <p:blipFill>
+          <a:blip r:embed="rId8">
+            <a:lum bright="70000" contrast="-70000"/>
+            <a:extLst>
+              <a:ext uri="{BEBA8EAE-BF5A-486C-A8C5-ECC9F3942E4B}">
+                <a14:imgProps xmlns:a14="http://schemas.microsoft.com/office/drawing/2010/main">
+                  <a14:imgLayer r:embed="rId9">
+                    <a14:imgEffect>
+                      <a14:sharpenSoften amount="50000"/>
+                    </a14:imgEffect>
+                  </a14:imgLayer>
+                </a14:imgProps>
+              </a:ext>
+              <a:ext uri="{28A0092B-C50C-407E-A947-70E740481C1C}">
+                <a14:useLocalDpi xmlns:a14="http://schemas.microsoft.com/office/drawing/2010/main" val="0"/>
+              </a:ext>
+            </a:extLst>
+          </a:blip>
+          <a:stretch>
+            <a:fillRect/>
+          </a:stretch>
+        </p:blipFill>
+        <p:spPr>
+          <a:xfrm>
+            <a:off x="8077225" y="2010084"/>
+            <a:ext cx="914400" cy="914400"/>
+          </a:xfrm>
+          <a:prstGeom prst="rect">
+            <a:avLst/>
+          </a:prstGeom>
+        </p:spPr>
+      </p:pic>
+      <p:pic>
+        <p:nvPicPr>
+          <p:cNvPr id="13" name="Picture 12">
+            <a:extLst>
+              <a:ext uri="{FF2B5EF4-FFF2-40B4-BE49-F238E27FC236}">
+                <a16:creationId xmlns:a16="http://schemas.microsoft.com/office/drawing/2014/main" id="{6265A168-A38A-B358-97A3-60C79266C16B}"/>
+              </a:ext>
+            </a:extLst>
+          </p:cNvPr>
+          <p:cNvPicPr>
+            <a:picLocks noChangeAspect="1"/>
+          </p:cNvPicPr>
+          <p:nvPr/>
+        </p:nvPicPr>
+        <p:blipFill>
+          <a:blip r:embed="rId10">
+            <a:lum bright="70000" contrast="-70000"/>
+            <a:extLst>
+              <a:ext uri="{BEBA8EAE-BF5A-486C-A8C5-ECC9F3942E4B}">
+                <a14:imgProps xmlns:a14="http://schemas.microsoft.com/office/drawing/2010/main">
+                  <a14:imgLayer r:embed="rId11">
+                    <a14:imgEffect>
+                      <a14:sharpenSoften amount="50000"/>
+                    </a14:imgEffect>
+                  </a14:imgLayer>
+                </a14:imgProps>
+              </a:ext>
+              <a:ext uri="{28A0092B-C50C-407E-A947-70E740481C1C}">
+                <a14:useLocalDpi xmlns:a14="http://schemas.microsoft.com/office/drawing/2010/main" val="0"/>
+              </a:ext>
+            </a:extLst>
+          </a:blip>
+          <a:stretch>
+            <a:fillRect/>
+          </a:stretch>
+        </p:blipFill>
+        <p:spPr>
+          <a:xfrm rot="20867221">
+            <a:off x="8109556" y="3538732"/>
+            <a:ext cx="914400" cy="914400"/>
+          </a:xfrm>
+          <a:prstGeom prst="rect">
+            <a:avLst/>
+          </a:prstGeom>
+        </p:spPr>
+      </p:pic>
+      <p:sp>
+        <p:nvSpPr>
+          <p:cNvPr id="25" name="TextBox 24">
+            <a:extLst>
+              <a:ext uri="{FF2B5EF4-FFF2-40B4-BE49-F238E27FC236}">
+                <a16:creationId xmlns:a16="http://schemas.microsoft.com/office/drawing/2014/main" id="{531E048C-CD1F-36E9-2F9F-D0AFC0B8527E}"/>
+              </a:ext>
+            </a:extLst>
+          </p:cNvPr>
+          <p:cNvSpPr txBox="1"/>
+          <p:nvPr/>
+        </p:nvSpPr>
+        <p:spPr>
+          <a:xfrm>
+            <a:off x="7841185" y="4549997"/>
+            <a:ext cx="1504439" cy="307777"/>
+          </a:xfrm>
+          <a:prstGeom prst="rect">
+            <a:avLst/>
+          </a:prstGeom>
+          <a:noFill/>
+        </p:spPr>
+        <p:txBody>
+          <a:bodyPr wrap="square">
+            <a:spAutoFit/>
+          </a:bodyPr>
+          <a:lstStyle/>
+          <a:p>
+            <a:pPr algn="ctr"/>
+            <a:r>
+              <a:rPr lang="en-US" sz="1400" b="1" dirty="0">
+                <a:solidFill>
+                  <a:schemeClr val="bg2">
+                    <a:lumMod val="75000"/>
+                  </a:schemeClr>
+                </a:solidFill>
+                <a:latin typeface="Arial" panose="020B0604020202020204" pitchFamily="34" charset="0"/>
+                <a:cs typeface="Arial" panose="020B0604020202020204" pitchFamily="34" charset="0"/>
+              </a:rPr>
+              <a:t>Analisa Nilai</a:t>
+            </a:r>
+            <a:endParaRPr lang="en-ID" sz="1400" b="1" dirty="0">
+              <a:solidFill>
+                <a:schemeClr val="bg2">
+                  <a:lumMod val="75000"/>
+                </a:schemeClr>
+              </a:solidFill>
+              <a:latin typeface="Arial" panose="020B0604020202020204" pitchFamily="34" charset="0"/>
+              <a:cs typeface="Arial" panose="020B0604020202020204" pitchFamily="34" charset="0"/>
+            </a:endParaRPr>
+          </a:p>
+        </p:txBody>
+      </p:sp>
+      <p:pic>
+        <p:nvPicPr>
+          <p:cNvPr id="24" name="Picture 23">
+            <a:extLst>
+              <a:ext uri="{FF2B5EF4-FFF2-40B4-BE49-F238E27FC236}">
+                <a16:creationId xmlns:a16="http://schemas.microsoft.com/office/drawing/2014/main" id="{34A042DA-A5D7-6F83-F287-E9007A13FB44}"/>
+              </a:ext>
+            </a:extLst>
+          </p:cNvPr>
+          <p:cNvPicPr>
+            <a:picLocks noChangeAspect="1"/>
+          </p:cNvPicPr>
+          <p:nvPr/>
+        </p:nvPicPr>
+        <p:blipFill>
+          <a:blip r:embed="rId12">
+            <a:lum bright="70000" contrast="-70000"/>
+            <a:extLst>
+              <a:ext uri="{BEBA8EAE-BF5A-486C-A8C5-ECC9F3942E4B}">
+                <a14:imgProps xmlns:a14="http://schemas.microsoft.com/office/drawing/2010/main">
+                  <a14:imgLayer r:embed="rId13">
+                    <a14:imgEffect>
+                      <a14:sharpenSoften amount="50000"/>
+                    </a14:imgEffect>
+                  </a14:imgLayer>
+                </a14:imgProps>
+              </a:ext>
+              <a:ext uri="{28A0092B-C50C-407E-A947-70E740481C1C}">
+                <a14:useLocalDpi xmlns:a14="http://schemas.microsoft.com/office/drawing/2010/main" val="0"/>
+              </a:ext>
+            </a:extLst>
+          </a:blip>
+          <a:stretch>
+            <a:fillRect/>
+          </a:stretch>
+        </p:blipFill>
+        <p:spPr>
+          <a:xfrm>
+            <a:off x="8074135" y="5103828"/>
+            <a:ext cx="914400" cy="914400"/>
+          </a:xfrm>
+          <a:prstGeom prst="rect">
+            <a:avLst/>
+          </a:prstGeom>
+        </p:spPr>
+      </p:pic>
+      <p:sp>
+        <p:nvSpPr>
+          <p:cNvPr id="28" name="TextBox 27">
+            <a:extLst>
+              <a:ext uri="{FF2B5EF4-FFF2-40B4-BE49-F238E27FC236}">
+                <a16:creationId xmlns:a16="http://schemas.microsoft.com/office/drawing/2014/main" id="{7CE30BF6-D4E3-6B50-2E72-957701B891FA}"/>
+              </a:ext>
+            </a:extLst>
+          </p:cNvPr>
+          <p:cNvSpPr txBox="1"/>
+          <p:nvPr/>
+        </p:nvSpPr>
+        <p:spPr>
+          <a:xfrm>
+            <a:off x="7779115" y="6086980"/>
+            <a:ext cx="1504439" cy="307777"/>
+          </a:xfrm>
+          <a:prstGeom prst="rect">
+            <a:avLst/>
+          </a:prstGeom>
+          <a:noFill/>
+        </p:spPr>
+        <p:txBody>
+          <a:bodyPr wrap="square">
+            <a:spAutoFit/>
+          </a:bodyPr>
+          <a:lstStyle/>
+          <a:p>
+            <a:pPr algn="ctr"/>
+            <a:r>
+              <a:rPr lang="en-US" sz="1400" b="1" dirty="0">
+                <a:solidFill>
+                  <a:schemeClr val="bg2">
+                    <a:lumMod val="75000"/>
+                  </a:schemeClr>
+                </a:solidFill>
+                <a:latin typeface="Arial" panose="020B0604020202020204" pitchFamily="34" charset="0"/>
+                <a:cs typeface="Arial" panose="020B0604020202020204" pitchFamily="34" charset="0"/>
+              </a:rPr>
+              <a:t>Hasil Akhir</a:t>
+            </a:r>
+            <a:endParaRPr lang="en-ID" sz="1400" b="1" dirty="0">
+              <a:solidFill>
+                <a:schemeClr val="bg2">
+                  <a:lumMod val="75000"/>
+                </a:schemeClr>
+              </a:solidFill>
+              <a:latin typeface="Arial" panose="020B0604020202020204" pitchFamily="34" charset="0"/>
+              <a:cs typeface="Arial" panose="020B0604020202020204" pitchFamily="34" charset="0"/>
+            </a:endParaRPr>
+          </a:p>
+        </p:txBody>
+      </p:sp>
+    </p:spTree>
+    <p:extLst>
+      <p:ext uri="{BB962C8B-B14F-4D97-AF65-F5344CB8AC3E}">
+        <p14:creationId xmlns:p14="http://schemas.microsoft.com/office/powerpoint/2010/main" val="3639094245"/>
+      </p:ext>
+    </p:extLst>
+  </p:cSld>
+  <p:clrMapOvr>
+    <a:masterClrMapping/>
+  </p:clrMapOvr>
+  <mc:AlternateContent xmlns:mc="http://schemas.openxmlformats.org/markup-compatibility/2006" xmlns:p159="http://schemas.microsoft.com/office/powerpoint/2015/09/main">
+    <mc:Choice Requires="p159">
+      <p:transition xmlns:p14="http://schemas.microsoft.com/office/powerpoint/2010/main" spd="slow" p14:dur="2000">
+        <p159:morph option="byObject"/>
+      </p:transition>
+    </mc:Choice>
+    <mc:Fallback xmlns="">
+      <p:transition spd="slow">
+        <p:fade/>
+      </p:transition>
+    </mc:Fallback>
+  </mc:AlternateContent>
+</p:sld>
+</file>
+
+<file path=ppt/slides/slide16.xml><?xml version="1.0" encoding="utf-8"?>
+<p:sld xmlns:a="http://schemas.openxmlformats.org/drawingml/2006/main" xmlns:r="http://schemas.openxmlformats.org/officeDocument/2006/relationships" xmlns:p="http://schemas.openxmlformats.org/presentationml/2006/main">
+  <p:cSld>
+    <p:spTree>
+      <p:nvGrpSpPr>
+        <p:cNvPr id="1" name=""/>
+        <p:cNvGrpSpPr/>
+        <p:nvPr/>
+      </p:nvGrpSpPr>
+      <p:grpSpPr>
+        <a:xfrm>
+          <a:off x="0" y="0"/>
+          <a:ext cx="0" cy="0"/>
+          <a:chOff x="0" y="0"/>
+          <a:chExt cx="0" cy="0"/>
+        </a:xfrm>
+      </p:grpSpPr>
+      <p:pic>
+        <p:nvPicPr>
+          <p:cNvPr id="3" name="Picture 2">
+            <a:extLst>
+              <a:ext uri="{FF2B5EF4-FFF2-40B4-BE49-F238E27FC236}">
+                <a16:creationId xmlns:a16="http://schemas.microsoft.com/office/drawing/2014/main" id="{7F066D29-7D8F-FA43-C481-2058A9CC61DC}"/>
+              </a:ext>
+            </a:extLst>
+          </p:cNvPr>
+          <p:cNvPicPr>
+            <a:picLocks noChangeAspect="1"/>
+          </p:cNvPicPr>
+          <p:nvPr/>
+        </p:nvPicPr>
+        <p:blipFill>
+          <a:blip r:embed="rId2">
+            <a:extLst>
+              <a:ext uri="{28A0092B-C50C-407E-A947-70E740481C1C}">
+                <a14:useLocalDpi xmlns:a14="http://schemas.microsoft.com/office/drawing/2010/main" val="0"/>
+              </a:ext>
+            </a:extLst>
+          </a:blip>
+          <a:stretch>
+            <a:fillRect/>
+          </a:stretch>
+        </p:blipFill>
+        <p:spPr>
+          <a:xfrm>
+            <a:off x="11161903" y="5812413"/>
+            <a:ext cx="922432" cy="922432"/>
+          </a:xfrm>
+          <a:prstGeom prst="rect">
+            <a:avLst/>
+          </a:prstGeom>
+        </p:spPr>
+      </p:pic>
+      <p:sp>
+        <p:nvSpPr>
+          <p:cNvPr id="19" name="TextBox 18">
+            <a:extLst>
+              <a:ext uri="{FF2B5EF4-FFF2-40B4-BE49-F238E27FC236}">
+                <a16:creationId xmlns:a16="http://schemas.microsoft.com/office/drawing/2014/main" id="{7EAC223B-9700-B4AB-CC3E-C9B0B63B19CE}"/>
+              </a:ext>
+            </a:extLst>
+          </p:cNvPr>
+          <p:cNvSpPr txBox="1"/>
+          <p:nvPr/>
+        </p:nvSpPr>
+        <p:spPr>
+          <a:xfrm>
+            <a:off x="2677155" y="470041"/>
+            <a:ext cx="6837689" cy="707886"/>
+          </a:xfrm>
+          <a:prstGeom prst="rect">
+            <a:avLst/>
+          </a:prstGeom>
+          <a:noFill/>
+        </p:spPr>
+        <p:txBody>
+          <a:bodyPr wrap="square">
+            <a:spAutoFit/>
+          </a:bodyPr>
+          <a:lstStyle/>
+          <a:p>
+            <a:pPr algn="ctr"/>
+            <a:r>
+              <a:rPr lang="en-US" sz="4000" b="1" dirty="0">
+                <a:solidFill>
+                  <a:schemeClr val="bg2">
+                    <a:lumMod val="75000"/>
+                  </a:schemeClr>
+                </a:solidFill>
+                <a:latin typeface="Arial" panose="020B0604020202020204" pitchFamily="34" charset="0"/>
+                <a:cs typeface="Arial" panose="020B0604020202020204" pitchFamily="34" charset="0"/>
+              </a:rPr>
+              <a:t>KESIMPULAN DAN SARAN</a:t>
+            </a:r>
+            <a:endParaRPr lang="en-ID" sz="4000" b="1" dirty="0">
+              <a:solidFill>
+                <a:schemeClr val="bg2">
+                  <a:lumMod val="75000"/>
+                </a:schemeClr>
+              </a:solidFill>
+              <a:latin typeface="Arial" panose="020B0604020202020204" pitchFamily="34" charset="0"/>
+              <a:cs typeface="Arial" panose="020B0604020202020204" pitchFamily="34" charset="0"/>
+            </a:endParaRPr>
+          </a:p>
+        </p:txBody>
+      </p:sp>
+      <p:sp>
+        <p:nvSpPr>
+          <p:cNvPr id="30" name="TextBox 29">
+            <a:extLst>
+              <a:ext uri="{FF2B5EF4-FFF2-40B4-BE49-F238E27FC236}">
+                <a16:creationId xmlns:a16="http://schemas.microsoft.com/office/drawing/2014/main" id="{B0919C37-EA03-599A-FD15-A75FD46F2B75}"/>
+              </a:ext>
+            </a:extLst>
+          </p:cNvPr>
+          <p:cNvSpPr txBox="1"/>
+          <p:nvPr/>
+        </p:nvSpPr>
+        <p:spPr>
+          <a:xfrm>
+            <a:off x="2958055" y="3121223"/>
+            <a:ext cx="1248335" cy="307777"/>
+          </a:xfrm>
+          <a:prstGeom prst="rect">
+            <a:avLst/>
+          </a:prstGeom>
+          <a:noFill/>
+        </p:spPr>
+        <p:txBody>
+          <a:bodyPr wrap="square">
+            <a:spAutoFit/>
+          </a:bodyPr>
+          <a:lstStyle/>
+          <a:p>
+            <a:pPr algn="ctr"/>
+            <a:r>
+              <a:rPr lang="en-US" sz="1400" b="1" dirty="0">
+                <a:solidFill>
+                  <a:schemeClr val="bg2">
+                    <a:lumMod val="75000"/>
+                  </a:schemeClr>
+                </a:solidFill>
+                <a:latin typeface="Arial" panose="020B0604020202020204" pitchFamily="34" charset="0"/>
+                <a:cs typeface="Arial" panose="020B0604020202020204" pitchFamily="34" charset="0"/>
+              </a:rPr>
+              <a:t>Kesimpulan </a:t>
+            </a:r>
+            <a:endParaRPr lang="en-ID" sz="1400" b="1" dirty="0">
+              <a:solidFill>
+                <a:schemeClr val="bg2">
+                  <a:lumMod val="75000"/>
+                </a:schemeClr>
+              </a:solidFill>
+              <a:latin typeface="Arial" panose="020B0604020202020204" pitchFamily="34" charset="0"/>
+              <a:cs typeface="Arial" panose="020B0604020202020204" pitchFamily="34" charset="0"/>
+            </a:endParaRPr>
+          </a:p>
+        </p:txBody>
+      </p:sp>
+      <p:pic>
+        <p:nvPicPr>
+          <p:cNvPr id="29" name="Picture 28">
+            <a:extLst>
+              <a:ext uri="{FF2B5EF4-FFF2-40B4-BE49-F238E27FC236}">
+                <a16:creationId xmlns:a16="http://schemas.microsoft.com/office/drawing/2014/main" id="{ECC674BA-2D3F-66D2-2CB7-5C630B349DD7}"/>
+              </a:ext>
+            </a:extLst>
+          </p:cNvPr>
+          <p:cNvPicPr>
+            <a:picLocks noChangeAspect="1"/>
+          </p:cNvPicPr>
+          <p:nvPr/>
+        </p:nvPicPr>
+        <p:blipFill>
+          <a:blip r:embed="rId3">
+            <a:duotone>
+              <a:schemeClr val="bg2">
+                <a:shade val="45000"/>
+                <a:satMod val="135000"/>
+              </a:schemeClr>
+              <a:prstClr val="white"/>
+            </a:duotone>
+            <a:extLst>
+              <a:ext uri="{BEBA8EAE-BF5A-486C-A8C5-ECC9F3942E4B}">
+                <a14:imgProps xmlns:a14="http://schemas.microsoft.com/office/drawing/2010/main">
+                  <a14:imgLayer r:embed="rId4">
+                    <a14:imgEffect>
+                      <a14:sharpenSoften amount="50000"/>
+                    </a14:imgEffect>
+                  </a14:imgLayer>
+                </a14:imgProps>
+              </a:ext>
+              <a:ext uri="{28A0092B-C50C-407E-A947-70E740481C1C}">
+                <a14:useLocalDpi xmlns:a14="http://schemas.microsoft.com/office/drawing/2010/main" val="0"/>
+              </a:ext>
+            </a:extLst>
+          </a:blip>
+          <a:stretch>
+            <a:fillRect/>
+          </a:stretch>
+        </p:blipFill>
+        <p:spPr>
+          <a:xfrm>
+            <a:off x="2896423" y="1749623"/>
+            <a:ext cx="1371600" cy="1371600"/>
+          </a:xfrm>
+          <a:prstGeom prst="rect">
+            <a:avLst/>
+          </a:prstGeom>
+        </p:spPr>
+      </p:pic>
+      <p:sp>
+        <p:nvSpPr>
+          <p:cNvPr id="4" name="Rectangle 3">
+            <a:extLst>
+              <a:ext uri="{FF2B5EF4-FFF2-40B4-BE49-F238E27FC236}">
+                <a16:creationId xmlns:a16="http://schemas.microsoft.com/office/drawing/2014/main" id="{E785E866-5805-819E-22D4-04B1B3D8BC37}"/>
+              </a:ext>
+            </a:extLst>
+          </p:cNvPr>
+          <p:cNvSpPr/>
+          <p:nvPr/>
+        </p:nvSpPr>
+        <p:spPr>
+          <a:xfrm>
+            <a:off x="6002692" y="2799184"/>
+            <a:ext cx="186612" cy="4254759"/>
+          </a:xfrm>
+          <a:prstGeom prst="rect">
+            <a:avLst/>
+          </a:prstGeom>
+          <a:ln/>
+        </p:spPr>
+        <p:style>
+          <a:lnRef idx="2">
+            <a:schemeClr val="dk1">
+              <a:shade val="50000"/>
+            </a:schemeClr>
+          </a:lnRef>
+          <a:fillRef idx="1">
+            <a:schemeClr val="dk1"/>
+          </a:fillRef>
+          <a:effectRef idx="0">
+            <a:schemeClr val="dk1"/>
+          </a:effectRef>
+          <a:fontRef idx="minor">
+            <a:schemeClr val="lt1"/>
+          </a:fontRef>
+        </p:style>
+        <p:txBody>
+          <a:bodyPr rtlCol="0" anchor="ctr"/>
+          <a:lstStyle/>
+          <a:p>
+            <a:pPr algn="ctr"/>
+            <a:endParaRPr lang="en-ID"/>
+          </a:p>
+        </p:txBody>
+      </p:sp>
+      <p:pic>
+        <p:nvPicPr>
+          <p:cNvPr id="1026" name="Picture 2" descr="Suggestion ">
+            <a:extLst>
+              <a:ext uri="{FF2B5EF4-FFF2-40B4-BE49-F238E27FC236}">
+                <a16:creationId xmlns:a16="http://schemas.microsoft.com/office/drawing/2014/main" id="{26C6773D-E0B6-17F2-2EC9-5CB596703CDE}"/>
+              </a:ext>
+            </a:extLst>
+          </p:cNvPr>
+          <p:cNvPicPr>
+            <a:picLocks noChangeAspect="1" noChangeArrowheads="1"/>
+          </p:cNvPicPr>
+          <p:nvPr/>
+        </p:nvPicPr>
+        <p:blipFill>
+          <a:blip r:embed="rId5">
+            <a:duotone>
+              <a:schemeClr val="bg2">
+                <a:shade val="45000"/>
+                <a:satMod val="135000"/>
+              </a:schemeClr>
+              <a:prstClr val="white"/>
+            </a:duotone>
+            <a:extLst>
+              <a:ext uri="{BEBA8EAE-BF5A-486C-A8C5-ECC9F3942E4B}">
+                <a14:imgProps xmlns:a14="http://schemas.microsoft.com/office/drawing/2010/main">
+                  <a14:imgLayer r:embed="rId6">
+                    <a14:imgEffect>
+                      <a14:sharpenSoften amount="50000"/>
+                    </a14:imgEffect>
+                  </a14:imgLayer>
+                </a14:imgProps>
+              </a:ext>
+              <a:ext uri="{28A0092B-C50C-407E-A947-70E740481C1C}">
+                <a14:useLocalDpi xmlns:a14="http://schemas.microsoft.com/office/drawing/2010/main" val="0"/>
+              </a:ext>
+            </a:extLst>
+          </a:blip>
+          <a:srcRect/>
+          <a:stretch>
+            <a:fillRect/>
+          </a:stretch>
+        </p:blipFill>
+        <p:spPr bwMode="auto">
+          <a:xfrm>
+            <a:off x="8245152" y="1749623"/>
+            <a:ext cx="1371600" cy="1371600"/>
+          </a:xfrm>
+          <a:prstGeom prst="rect">
+            <a:avLst/>
+          </a:prstGeom>
+          <a:noFill/>
+          <a:extLst>
+            <a:ext uri="{909E8E84-426E-40DD-AFC4-6F175D3DCCD1}">
+              <a14:hiddenFill xmlns:a14="http://schemas.microsoft.com/office/drawing/2010/main">
+                <a:solidFill>
+                  <a:srgbClr val="FFFFFF"/>
+                </a:solidFill>
+              </a14:hiddenFill>
+            </a:ext>
+          </a:extLst>
+        </p:spPr>
+      </p:pic>
+      <p:sp>
+        <p:nvSpPr>
+          <p:cNvPr id="23" name="TextBox 22">
+            <a:extLst>
+              <a:ext uri="{FF2B5EF4-FFF2-40B4-BE49-F238E27FC236}">
+                <a16:creationId xmlns:a16="http://schemas.microsoft.com/office/drawing/2014/main" id="{14398B2F-D5F2-E150-7DF4-F22117324449}"/>
+              </a:ext>
+            </a:extLst>
+          </p:cNvPr>
+          <p:cNvSpPr txBox="1"/>
+          <p:nvPr/>
+        </p:nvSpPr>
+        <p:spPr>
+          <a:xfrm>
+            <a:off x="8577658" y="3121222"/>
+            <a:ext cx="706587" cy="307777"/>
+          </a:xfrm>
+          <a:prstGeom prst="rect">
+            <a:avLst/>
+          </a:prstGeom>
+          <a:noFill/>
+        </p:spPr>
+        <p:txBody>
+          <a:bodyPr wrap="square">
+            <a:spAutoFit/>
+          </a:bodyPr>
+          <a:lstStyle/>
+          <a:p>
+            <a:pPr algn="ctr"/>
+            <a:r>
+              <a:rPr lang="en-US" sz="1400" b="1" dirty="0">
+                <a:solidFill>
+                  <a:schemeClr val="bg2">
+                    <a:lumMod val="75000"/>
+                  </a:schemeClr>
+                </a:solidFill>
+                <a:latin typeface="Arial" panose="020B0604020202020204" pitchFamily="34" charset="0"/>
+                <a:cs typeface="Arial" panose="020B0604020202020204" pitchFamily="34" charset="0"/>
+              </a:rPr>
+              <a:t>Saran</a:t>
+            </a:r>
+            <a:endParaRPr lang="en-ID" sz="1400" b="1" dirty="0">
+              <a:solidFill>
+                <a:schemeClr val="bg2">
+                  <a:lumMod val="75000"/>
+                </a:schemeClr>
+              </a:solidFill>
+              <a:latin typeface="Arial" panose="020B0604020202020204" pitchFamily="34" charset="0"/>
+              <a:cs typeface="Arial" panose="020B0604020202020204" pitchFamily="34" charset="0"/>
+            </a:endParaRPr>
+          </a:p>
+        </p:txBody>
+      </p:sp>
+      <p:sp>
+        <p:nvSpPr>
+          <p:cNvPr id="5" name="TextBox 4">
+            <a:extLst>
+              <a:ext uri="{FF2B5EF4-FFF2-40B4-BE49-F238E27FC236}">
+                <a16:creationId xmlns:a16="http://schemas.microsoft.com/office/drawing/2014/main" id="{7C1532AA-7019-7E5D-80BE-5F83ED24D813}"/>
+              </a:ext>
+            </a:extLst>
+          </p:cNvPr>
+          <p:cNvSpPr txBox="1"/>
+          <p:nvPr/>
+        </p:nvSpPr>
+        <p:spPr>
+          <a:xfrm>
+            <a:off x="1903445" y="3498980"/>
+            <a:ext cx="3508310" cy="3170099"/>
+          </a:xfrm>
+          <a:prstGeom prst="rect">
+            <a:avLst/>
+          </a:prstGeom>
+          <a:noFill/>
+        </p:spPr>
+        <p:txBody>
+          <a:bodyPr wrap="square" rtlCol="0">
+            <a:spAutoFit/>
+          </a:bodyPr>
+          <a:lstStyle/>
+          <a:p>
+            <a:pPr marL="285750" indent="-285750">
+              <a:buFont typeface="Courier New" panose="02070309020205020404" pitchFamily="49" charset="0"/>
+              <a:buChar char="o"/>
+            </a:pPr>
+            <a:r>
+              <a:rPr lang="en-US" sz="2000" dirty="0" err="1"/>
+              <a:t>Sistem</a:t>
+            </a:r>
+            <a:r>
+              <a:rPr lang="en-US" sz="2000" dirty="0"/>
+              <a:t> </a:t>
+            </a:r>
+            <a:r>
+              <a:rPr lang="en-US" sz="2000" dirty="0" err="1"/>
+              <a:t>telah</a:t>
+            </a:r>
+            <a:r>
+              <a:rPr lang="en-US" sz="2000" dirty="0"/>
+              <a:t> </a:t>
+            </a:r>
+            <a:r>
+              <a:rPr lang="en-US" sz="2000" b="1" dirty="0" err="1"/>
+              <a:t>selesai</a:t>
+            </a:r>
+            <a:r>
+              <a:rPr lang="en-US" sz="2000" b="1" dirty="0"/>
+              <a:t> </a:t>
+            </a:r>
+            <a:r>
+              <a:rPr lang="en-US" sz="2000" b="1" dirty="0" err="1"/>
+              <a:t>dibangun</a:t>
+            </a:r>
+            <a:r>
+              <a:rPr lang="en-US" sz="2000" b="1" dirty="0"/>
+              <a:t> </a:t>
+            </a:r>
+            <a:r>
+              <a:rPr lang="en-US" sz="2000" dirty="0" err="1"/>
+              <a:t>menggunakan</a:t>
+            </a:r>
+            <a:r>
+              <a:rPr lang="en-US" sz="2000" dirty="0"/>
+              <a:t> platform Android</a:t>
+            </a:r>
+          </a:p>
+          <a:p>
+            <a:pPr marL="285750" indent="-285750">
+              <a:buFont typeface="Courier New" panose="02070309020205020404" pitchFamily="49" charset="0"/>
+              <a:buChar char="o"/>
+            </a:pPr>
+            <a:r>
+              <a:rPr lang="en-US" sz="2000" dirty="0" err="1"/>
+              <a:t>Aplikasi</a:t>
+            </a:r>
+            <a:r>
+              <a:rPr lang="en-US" sz="2000" dirty="0"/>
+              <a:t> </a:t>
+            </a:r>
+            <a:r>
+              <a:rPr lang="en-US" sz="2000" dirty="0" err="1"/>
+              <a:t>memperoleh</a:t>
+            </a:r>
+            <a:r>
+              <a:rPr lang="en-US" sz="2000" dirty="0"/>
+              <a:t> </a:t>
+            </a:r>
+            <a:r>
+              <a:rPr lang="en-US" sz="2000" dirty="0" err="1"/>
+              <a:t>hasil</a:t>
+            </a:r>
+            <a:r>
+              <a:rPr lang="en-US" sz="2000" dirty="0"/>
+              <a:t> </a:t>
+            </a:r>
+            <a:r>
+              <a:rPr lang="en-US" sz="2000" dirty="0" err="1"/>
+              <a:t>dengan</a:t>
+            </a:r>
+            <a:r>
+              <a:rPr lang="en-US" sz="2000" dirty="0"/>
+              <a:t> </a:t>
+            </a:r>
+            <a:r>
+              <a:rPr lang="en-US" sz="2000" dirty="0" err="1"/>
+              <a:t>skala</a:t>
+            </a:r>
+            <a:r>
+              <a:rPr lang="en-US" sz="2000" dirty="0"/>
+              <a:t> </a:t>
+            </a:r>
+            <a:r>
+              <a:rPr lang="en-US" sz="2000" b="1" dirty="0"/>
+              <a:t>Marginal High</a:t>
+            </a:r>
+            <a:r>
+              <a:rPr lang="en-US" sz="2000" dirty="0"/>
+              <a:t> dan adjective rating </a:t>
+            </a:r>
+            <a:r>
+              <a:rPr lang="en-US" sz="2000" b="1" dirty="0"/>
+              <a:t>Good</a:t>
+            </a:r>
+            <a:r>
+              <a:rPr lang="en-US" sz="2000" dirty="0"/>
+              <a:t> </a:t>
+            </a:r>
+          </a:p>
+          <a:p>
+            <a:pPr marL="285750" indent="-285750">
+              <a:buFont typeface="Courier New" panose="02070309020205020404" pitchFamily="49" charset="0"/>
+              <a:buChar char="o"/>
+            </a:pPr>
+            <a:r>
+              <a:rPr lang="en-US" sz="2000" dirty="0" err="1"/>
+              <a:t>Metode</a:t>
+            </a:r>
+            <a:r>
+              <a:rPr lang="en-US" sz="2000" dirty="0"/>
+              <a:t> </a:t>
+            </a:r>
+            <a:r>
+              <a:rPr lang="en-US" sz="2000" b="1" dirty="0"/>
+              <a:t>haversine</a:t>
+            </a:r>
+            <a:r>
+              <a:rPr lang="en-US" sz="2000" dirty="0"/>
+              <a:t> </a:t>
+            </a:r>
+            <a:r>
+              <a:rPr lang="en-US" sz="2000" dirty="0" err="1"/>
+              <a:t>akan</a:t>
+            </a:r>
+            <a:r>
+              <a:rPr lang="en-US" sz="2000" dirty="0"/>
+              <a:t> </a:t>
+            </a:r>
+            <a:r>
+              <a:rPr lang="en-US" sz="2000" dirty="0" err="1"/>
+              <a:t>membatasi</a:t>
+            </a:r>
+            <a:r>
+              <a:rPr lang="en-US" sz="2000" dirty="0"/>
+              <a:t> area </a:t>
+            </a:r>
+            <a:r>
+              <a:rPr lang="en-US" sz="2000" dirty="0" err="1"/>
+              <a:t>presensi</a:t>
+            </a:r>
+            <a:endParaRPr lang="en-US" sz="2000" dirty="0"/>
+          </a:p>
+          <a:p>
+            <a:pPr marL="285750" indent="-285750">
+              <a:buFont typeface="Courier New" panose="02070309020205020404" pitchFamily="49" charset="0"/>
+              <a:buChar char="o"/>
+            </a:pPr>
+            <a:r>
+              <a:rPr lang="en-US" sz="2000" b="1" dirty="0" err="1"/>
+              <a:t>Kedisplinan</a:t>
+            </a:r>
+            <a:r>
+              <a:rPr lang="en-US" sz="2000" dirty="0"/>
+              <a:t> </a:t>
+            </a:r>
+            <a:r>
+              <a:rPr lang="en-US" sz="2000" dirty="0" err="1"/>
+              <a:t>pegawai</a:t>
+            </a:r>
+            <a:r>
+              <a:rPr lang="en-US" sz="2000" dirty="0"/>
+              <a:t> </a:t>
+            </a:r>
+            <a:r>
+              <a:rPr lang="en-US" sz="2000" dirty="0" err="1"/>
+              <a:t>diharapkan</a:t>
+            </a:r>
+            <a:r>
+              <a:rPr lang="en-US" sz="2000" dirty="0"/>
+              <a:t> </a:t>
+            </a:r>
+            <a:r>
+              <a:rPr lang="en-US" sz="2000" dirty="0" err="1"/>
+              <a:t>dapat</a:t>
+            </a:r>
+            <a:r>
+              <a:rPr lang="en-US" sz="2000" dirty="0"/>
+              <a:t> </a:t>
+            </a:r>
+            <a:r>
+              <a:rPr lang="en-US" sz="2000" dirty="0" err="1"/>
+              <a:t>meningkat</a:t>
+            </a:r>
+            <a:endParaRPr lang="en-ID" sz="2000" dirty="0"/>
+          </a:p>
+        </p:txBody>
+      </p:sp>
+      <p:sp>
+        <p:nvSpPr>
+          <p:cNvPr id="27" name="TextBox 26">
+            <a:extLst>
+              <a:ext uri="{FF2B5EF4-FFF2-40B4-BE49-F238E27FC236}">
+                <a16:creationId xmlns:a16="http://schemas.microsoft.com/office/drawing/2014/main" id="{D331D820-6084-7839-909A-FF2C9B813920}"/>
+              </a:ext>
+            </a:extLst>
+          </p:cNvPr>
+          <p:cNvSpPr txBox="1"/>
+          <p:nvPr/>
+        </p:nvSpPr>
+        <p:spPr>
+          <a:xfrm>
+            <a:off x="7176796" y="3498980"/>
+            <a:ext cx="3508310" cy="2246769"/>
+          </a:xfrm>
+          <a:prstGeom prst="rect">
+            <a:avLst/>
+          </a:prstGeom>
+          <a:noFill/>
+        </p:spPr>
+        <p:txBody>
+          <a:bodyPr wrap="square" rtlCol="0">
+            <a:spAutoFit/>
+          </a:bodyPr>
+          <a:lstStyle/>
+          <a:p>
+            <a:pPr marL="285750" indent="-285750">
+              <a:buFont typeface="Courier New" panose="02070309020205020404" pitchFamily="49" charset="0"/>
+              <a:buChar char="o"/>
+            </a:pPr>
+            <a:r>
+              <a:rPr lang="en-US" sz="2000" dirty="0" err="1"/>
+              <a:t>Perlu</a:t>
+            </a:r>
+            <a:r>
+              <a:rPr lang="en-US" sz="2000" dirty="0"/>
+              <a:t> </a:t>
+            </a:r>
+            <a:r>
+              <a:rPr lang="en-US" sz="2000" dirty="0" err="1"/>
+              <a:t>penggunaan</a:t>
+            </a:r>
+            <a:r>
+              <a:rPr lang="en-US" sz="2000" dirty="0"/>
+              <a:t> </a:t>
+            </a:r>
+            <a:r>
+              <a:rPr lang="en-US" sz="2000" b="1" dirty="0"/>
+              <a:t>database </a:t>
+            </a:r>
+            <a:r>
+              <a:rPr lang="en-US" sz="2000" b="1" dirty="0" err="1"/>
+              <a:t>Sql</a:t>
+            </a:r>
+            <a:r>
+              <a:rPr lang="en-US" sz="2000" dirty="0"/>
+              <a:t> </a:t>
+            </a:r>
+            <a:r>
+              <a:rPr lang="en-US" sz="2000" dirty="0" err="1"/>
+              <a:t>untuk</a:t>
+            </a:r>
+            <a:r>
+              <a:rPr lang="en-US" sz="2000" dirty="0"/>
+              <a:t> </a:t>
+            </a:r>
+            <a:r>
+              <a:rPr lang="en-US" sz="2000" dirty="0" err="1"/>
+              <a:t>manajemen</a:t>
+            </a:r>
+            <a:r>
+              <a:rPr lang="en-US" sz="2000" dirty="0"/>
+              <a:t> user yang </a:t>
+            </a:r>
+            <a:r>
+              <a:rPr lang="en-US" sz="2000" dirty="0" err="1"/>
+              <a:t>lebih</a:t>
+            </a:r>
+            <a:r>
+              <a:rPr lang="en-US" sz="2000" dirty="0"/>
+              <a:t> </a:t>
+            </a:r>
+            <a:r>
+              <a:rPr lang="en-US" sz="2000" dirty="0" err="1"/>
+              <a:t>baik</a:t>
+            </a:r>
+            <a:endParaRPr lang="en-US" sz="2000" dirty="0"/>
+          </a:p>
+          <a:p>
+            <a:pPr marL="285750" indent="-285750">
+              <a:buFont typeface="Courier New" panose="02070309020205020404" pitchFamily="49" charset="0"/>
+              <a:buChar char="o"/>
+            </a:pPr>
+            <a:r>
+              <a:rPr lang="en-US" sz="2000" dirty="0"/>
+              <a:t>Fitur </a:t>
+            </a:r>
+            <a:r>
+              <a:rPr lang="en-US" sz="2000" b="1" dirty="0" err="1"/>
+              <a:t>presensi</a:t>
+            </a:r>
+            <a:r>
+              <a:rPr lang="en-US" sz="2000" b="1" dirty="0"/>
+              <a:t> </a:t>
+            </a:r>
+            <a:r>
+              <a:rPr lang="en-US" sz="2000" b="1" dirty="0" err="1"/>
+              <a:t>pulang</a:t>
+            </a:r>
+            <a:r>
+              <a:rPr lang="en-US" sz="2000" b="1" dirty="0"/>
+              <a:t> </a:t>
+            </a:r>
+            <a:r>
+              <a:rPr lang="en-US" sz="2000" dirty="0" err="1"/>
+              <a:t>bisa</a:t>
+            </a:r>
+            <a:r>
+              <a:rPr lang="en-US" sz="2000" dirty="0"/>
+              <a:t> </a:t>
+            </a:r>
+            <a:r>
+              <a:rPr lang="en-US" sz="2000" dirty="0" err="1"/>
+              <a:t>ditambahkan</a:t>
+            </a:r>
+            <a:endParaRPr lang="en-US" sz="2000" dirty="0"/>
+          </a:p>
+          <a:p>
+            <a:pPr marL="285750" indent="-285750">
+              <a:buFont typeface="Courier New" panose="02070309020205020404" pitchFamily="49" charset="0"/>
+              <a:buChar char="o"/>
+            </a:pPr>
+            <a:r>
+              <a:rPr lang="en-US" sz="2000" dirty="0" err="1"/>
+              <a:t>Mengingatkan</a:t>
+            </a:r>
+            <a:r>
+              <a:rPr lang="en-US" sz="2000" dirty="0"/>
+              <a:t> </a:t>
+            </a:r>
+            <a:r>
+              <a:rPr lang="en-US" sz="2000" dirty="0" err="1"/>
+              <a:t>skor</a:t>
+            </a:r>
+            <a:r>
+              <a:rPr lang="en-US" sz="2000" dirty="0"/>
+              <a:t> </a:t>
+            </a:r>
+            <a:r>
+              <a:rPr lang="en-US" sz="2000" b="1" dirty="0"/>
+              <a:t>System Usability Testing (SUS)</a:t>
+            </a:r>
+            <a:endParaRPr lang="en-ID" sz="2000" b="1" dirty="0"/>
+          </a:p>
+        </p:txBody>
+      </p:sp>
+    </p:spTree>
+    <p:extLst>
+      <p:ext uri="{BB962C8B-B14F-4D97-AF65-F5344CB8AC3E}">
+        <p14:creationId xmlns:p14="http://schemas.microsoft.com/office/powerpoint/2010/main" val="732389747"/>
+      </p:ext>
+    </p:extLst>
+  </p:cSld>
+  <p:clrMapOvr>
+    <a:masterClrMapping/>
+  </p:clrMapOvr>
+  <mc:AlternateContent xmlns:mc="http://schemas.openxmlformats.org/markup-compatibility/2006" xmlns:p159="http://schemas.microsoft.com/office/powerpoint/2015/09/main">
+    <mc:Choice Requires="p159">
+      <p:transition xmlns:p14="http://schemas.microsoft.com/office/powerpoint/2010/main" spd="slow" p14:dur="2000">
+        <p159:morph option="byObject"/>
+      </p:transition>
+    </mc:Choice>
+    <mc:Fallback xmlns="">
+      <p:transition spd="slow">
+        <p:fade/>
+      </p:transition>
+    </mc:Fallback>
+  </mc:AlternateContent>
+</p:sld>
+</file>
+
+<file path=ppt/slides/slide17.xml><?xml version="1.0" encoding="utf-8"?>
+<p:sld xmlns:a="http://schemas.openxmlformats.org/drawingml/2006/main" xmlns:r="http://schemas.openxmlformats.org/officeDocument/2006/relationships" xmlns:p="http://schemas.openxmlformats.org/presentationml/2006/main">
+  <p:cSld>
+    <p:spTree>
+      <p:nvGrpSpPr>
+        <p:cNvPr id="1" name=""/>
+        <p:cNvGrpSpPr/>
+        <p:nvPr/>
+      </p:nvGrpSpPr>
+      <p:grpSpPr>
+        <a:xfrm>
+          <a:off x="0" y="0"/>
+          <a:ext cx="0" cy="0"/>
+          <a:chOff x="0" y="0"/>
+          <a:chExt cx="0" cy="0"/>
+        </a:xfrm>
+      </p:grpSpPr>
+      <p:pic>
+        <p:nvPicPr>
+          <p:cNvPr id="3" name="Picture 2">
+            <a:extLst>
+              <a:ext uri="{FF2B5EF4-FFF2-40B4-BE49-F238E27FC236}">
+                <a16:creationId xmlns:a16="http://schemas.microsoft.com/office/drawing/2014/main" id="{7F066D29-7D8F-FA43-C481-2058A9CC61DC}"/>
+              </a:ext>
+            </a:extLst>
+          </p:cNvPr>
+          <p:cNvPicPr>
+            <a:picLocks noChangeAspect="1"/>
+          </p:cNvPicPr>
+          <p:nvPr/>
+        </p:nvPicPr>
+        <p:blipFill>
+          <a:blip r:embed="rId2">
+            <a:duotone>
+              <a:schemeClr val="bg2">
+                <a:shade val="45000"/>
+                <a:satMod val="135000"/>
+              </a:schemeClr>
+              <a:prstClr val="white"/>
+            </a:duotone>
+            <a:extLst>
+              <a:ext uri="{28A0092B-C50C-407E-A947-70E740481C1C}">
+                <a14:useLocalDpi xmlns:a14="http://schemas.microsoft.com/office/drawing/2010/main" val="0"/>
+              </a:ext>
+            </a:extLst>
+          </a:blip>
+          <a:stretch>
+            <a:fillRect/>
+          </a:stretch>
+        </p:blipFill>
+        <p:spPr>
+          <a:xfrm>
+            <a:off x="4267545" y="1144999"/>
+            <a:ext cx="3545042" cy="3545042"/>
+          </a:xfrm>
+          <a:prstGeom prst="rect">
+            <a:avLst/>
+          </a:prstGeom>
+        </p:spPr>
+      </p:pic>
+      <p:pic>
+        <p:nvPicPr>
+          <p:cNvPr id="18" name="Picture 2" descr="Party popper ">
+            <a:extLst>
+              <a:ext uri="{FF2B5EF4-FFF2-40B4-BE49-F238E27FC236}">
+                <a16:creationId xmlns:a16="http://schemas.microsoft.com/office/drawing/2014/main" id="{D1AFF941-10AE-AC34-D98A-171E1747EA81}"/>
+              </a:ext>
+            </a:extLst>
+          </p:cNvPr>
+          <p:cNvPicPr>
+            <a:picLocks noChangeAspect="1" noChangeArrowheads="1"/>
+          </p:cNvPicPr>
+          <p:nvPr/>
+        </p:nvPicPr>
+        <p:blipFill>
+          <a:blip r:embed="rId3">
+            <a:extLst>
+              <a:ext uri="{BEBA8EAE-BF5A-486C-A8C5-ECC9F3942E4B}">
+                <a14:imgProps xmlns:a14="http://schemas.microsoft.com/office/drawing/2010/main">
+                  <a14:imgLayer r:embed="rId4">
+                    <a14:imgEffect>
+                      <a14:saturation sat="66000"/>
+                    </a14:imgEffect>
+                  </a14:imgLayer>
+                </a14:imgProps>
+              </a:ext>
+              <a:ext uri="{28A0092B-C50C-407E-A947-70E740481C1C}">
+                <a14:useLocalDpi xmlns:a14="http://schemas.microsoft.com/office/drawing/2010/main" val="0"/>
+              </a:ext>
+            </a:extLst>
+          </a:blip>
+          <a:srcRect/>
+          <a:stretch>
+            <a:fillRect/>
+          </a:stretch>
+        </p:blipFill>
+        <p:spPr bwMode="auto">
+          <a:xfrm flipH="1">
+            <a:off x="4214905" y="3756302"/>
+            <a:ext cx="1340118" cy="1258842"/>
+          </a:xfrm>
+          <a:prstGeom prst="rect">
+            <a:avLst/>
+          </a:prstGeom>
+          <a:noFill/>
+          <a:extLst>
+            <a:ext uri="{909E8E84-426E-40DD-AFC4-6F175D3DCCD1}">
+              <a14:hiddenFill xmlns:a14="http://schemas.microsoft.com/office/drawing/2010/main">
+                <a:solidFill>
+                  <a:srgbClr val="FFFFFF"/>
+                </a:solidFill>
+              </a14:hiddenFill>
+            </a:ext>
+          </a:extLst>
+        </p:spPr>
+      </p:pic>
+      <p:pic>
+        <p:nvPicPr>
+          <p:cNvPr id="20" name="Picture 2" descr="Party popper ">
+            <a:extLst>
+              <a:ext uri="{FF2B5EF4-FFF2-40B4-BE49-F238E27FC236}">
+                <a16:creationId xmlns:a16="http://schemas.microsoft.com/office/drawing/2014/main" id="{DCA46158-616E-29C5-DC0E-6B86EE8D8D20}"/>
+              </a:ext>
+            </a:extLst>
+          </p:cNvPr>
+          <p:cNvPicPr>
+            <a:picLocks noChangeAspect="1" noChangeArrowheads="1"/>
+          </p:cNvPicPr>
+          <p:nvPr/>
+        </p:nvPicPr>
+        <p:blipFill>
+          <a:blip r:embed="rId5">
+            <a:extLst>
+              <a:ext uri="{28A0092B-C50C-407E-A947-70E740481C1C}">
+                <a14:useLocalDpi xmlns:a14="http://schemas.microsoft.com/office/drawing/2010/main" val="0"/>
+              </a:ext>
+            </a:extLst>
+          </a:blip>
+          <a:srcRect/>
+          <a:stretch>
+            <a:fillRect/>
+          </a:stretch>
+        </p:blipFill>
+        <p:spPr bwMode="auto">
+          <a:xfrm flipH="1">
+            <a:off x="4642760" y="4848988"/>
+            <a:ext cx="648958" cy="609600"/>
+          </a:xfrm>
+          <a:prstGeom prst="rect">
+            <a:avLst/>
+          </a:prstGeom>
+          <a:noFill/>
+          <a:extLst>
+            <a:ext uri="{909E8E84-426E-40DD-AFC4-6F175D3DCCD1}">
+              <a14:hiddenFill xmlns:a14="http://schemas.microsoft.com/office/drawing/2010/main">
+                <a:solidFill>
+                  <a:srgbClr val="FFFFFF"/>
+                </a:solidFill>
+              </a14:hiddenFill>
+            </a:ext>
+          </a:extLst>
+        </p:spPr>
+      </p:pic>
+      <p:pic>
+        <p:nvPicPr>
+          <p:cNvPr id="17" name="Picture 2" descr="Party popper ">
+            <a:extLst>
+              <a:ext uri="{FF2B5EF4-FFF2-40B4-BE49-F238E27FC236}">
+                <a16:creationId xmlns:a16="http://schemas.microsoft.com/office/drawing/2014/main" id="{4FF4A7F4-C377-2708-6920-C1F4EE87F1D2}"/>
+              </a:ext>
+            </a:extLst>
+          </p:cNvPr>
+          <p:cNvPicPr>
+            <a:picLocks noChangeAspect="1" noChangeArrowheads="1"/>
+          </p:cNvPicPr>
+          <p:nvPr/>
+        </p:nvPicPr>
+        <p:blipFill>
+          <a:blip r:embed="rId3">
+            <a:extLst>
+              <a:ext uri="{BEBA8EAE-BF5A-486C-A8C5-ECC9F3942E4B}">
+                <a14:imgProps xmlns:a14="http://schemas.microsoft.com/office/drawing/2010/main">
+                  <a14:imgLayer r:embed="rId4">
+                    <a14:imgEffect>
+                      <a14:saturation sat="66000"/>
+                    </a14:imgEffect>
+                  </a14:imgLayer>
+                </a14:imgProps>
+              </a:ext>
+              <a:ext uri="{28A0092B-C50C-407E-A947-70E740481C1C}">
+                <a14:useLocalDpi xmlns:a14="http://schemas.microsoft.com/office/drawing/2010/main" val="0"/>
+              </a:ext>
+            </a:extLst>
+          </a:blip>
+          <a:srcRect/>
+          <a:stretch>
+            <a:fillRect/>
+          </a:stretch>
+        </p:blipFill>
+        <p:spPr bwMode="auto">
+          <a:xfrm>
+            <a:off x="6595337" y="3758731"/>
+            <a:ext cx="1258842" cy="1258842"/>
+          </a:xfrm>
+          <a:prstGeom prst="rect">
+            <a:avLst/>
+          </a:prstGeom>
+          <a:noFill/>
+          <a:extLst>
+            <a:ext uri="{909E8E84-426E-40DD-AFC4-6F175D3DCCD1}">
+              <a14:hiddenFill xmlns:a14="http://schemas.microsoft.com/office/drawing/2010/main">
+                <a:solidFill>
+                  <a:srgbClr val="FFFFFF"/>
+                </a:solidFill>
+              </a14:hiddenFill>
+            </a:ext>
+          </a:extLst>
+        </p:spPr>
+      </p:pic>
+      <p:pic>
+        <p:nvPicPr>
+          <p:cNvPr id="2050" name="Picture 2" descr="Party popper ">
+            <a:extLst>
+              <a:ext uri="{FF2B5EF4-FFF2-40B4-BE49-F238E27FC236}">
+                <a16:creationId xmlns:a16="http://schemas.microsoft.com/office/drawing/2014/main" id="{4116C8C9-58F3-58AD-D3C4-F6C77B108F30}"/>
+              </a:ext>
+            </a:extLst>
+          </p:cNvPr>
+          <p:cNvPicPr>
+            <a:picLocks noChangeAspect="1" noChangeArrowheads="1"/>
+          </p:cNvPicPr>
+          <p:nvPr/>
+        </p:nvPicPr>
+        <p:blipFill>
+          <a:blip r:embed="rId5">
+            <a:extLst>
+              <a:ext uri="{28A0092B-C50C-407E-A947-70E740481C1C}">
+                <a14:useLocalDpi xmlns:a14="http://schemas.microsoft.com/office/drawing/2010/main" val="0"/>
+              </a:ext>
+            </a:extLst>
+          </a:blip>
+          <a:srcRect/>
+          <a:stretch>
+            <a:fillRect/>
+          </a:stretch>
+        </p:blipFill>
+        <p:spPr bwMode="auto">
+          <a:xfrm>
+            <a:off x="6919958" y="4848988"/>
+            <a:ext cx="609600" cy="609600"/>
+          </a:xfrm>
+          <a:prstGeom prst="rect">
+            <a:avLst/>
+          </a:prstGeom>
+          <a:noFill/>
+          <a:extLst>
+            <a:ext uri="{909E8E84-426E-40DD-AFC4-6F175D3DCCD1}">
+              <a14:hiddenFill xmlns:a14="http://schemas.microsoft.com/office/drawing/2010/main">
+                <a:solidFill>
+                  <a:srgbClr val="FFFFFF"/>
+                </a:solidFill>
+              </a14:hiddenFill>
+            </a:ext>
+          </a:extLst>
+        </p:spPr>
+      </p:pic>
+      <p:sp>
+        <p:nvSpPr>
+          <p:cNvPr id="30" name="TextBox 29">
+            <a:extLst>
+              <a:ext uri="{FF2B5EF4-FFF2-40B4-BE49-F238E27FC236}">
+                <a16:creationId xmlns:a16="http://schemas.microsoft.com/office/drawing/2014/main" id="{B0919C37-EA03-599A-FD15-A75FD46F2B75}"/>
+              </a:ext>
+            </a:extLst>
+          </p:cNvPr>
+          <p:cNvSpPr txBox="1"/>
+          <p:nvPr/>
+        </p:nvSpPr>
+        <p:spPr>
+          <a:xfrm>
+            <a:off x="4039290" y="392860"/>
+            <a:ext cx="4001552" cy="523220"/>
+          </a:xfrm>
+          <a:prstGeom prst="rect">
+            <a:avLst/>
+          </a:prstGeom>
+          <a:noFill/>
+        </p:spPr>
+        <p:txBody>
+          <a:bodyPr wrap="square">
+            <a:spAutoFit/>
+          </a:bodyPr>
+          <a:lstStyle/>
+          <a:p>
+            <a:pPr algn="ctr"/>
+            <a:r>
+              <a:rPr lang="en-US" sz="2800" b="1" dirty="0">
+                <a:solidFill>
+                  <a:schemeClr val="bg2">
+                    <a:lumMod val="75000"/>
+                  </a:schemeClr>
+                </a:solidFill>
+                <a:latin typeface="Arial" panose="020B0604020202020204" pitchFamily="34" charset="0"/>
+                <a:cs typeface="Arial" panose="020B0604020202020204" pitchFamily="34" charset="0"/>
+              </a:rPr>
+              <a:t>BEST REGARDS TO:</a:t>
+            </a:r>
+            <a:endParaRPr lang="en-ID" sz="2800" b="1" dirty="0">
+              <a:solidFill>
+                <a:schemeClr val="bg2">
+                  <a:lumMod val="75000"/>
+                </a:schemeClr>
+              </a:solidFill>
+              <a:latin typeface="Arial" panose="020B0604020202020204" pitchFamily="34" charset="0"/>
+              <a:cs typeface="Arial" panose="020B0604020202020204" pitchFamily="34" charset="0"/>
+            </a:endParaRPr>
+          </a:p>
+        </p:txBody>
+      </p:sp>
+      <p:pic>
+        <p:nvPicPr>
+          <p:cNvPr id="1028" name="Picture 4">
+            <a:extLst>
+              <a:ext uri="{FF2B5EF4-FFF2-40B4-BE49-F238E27FC236}">
+                <a16:creationId xmlns:a16="http://schemas.microsoft.com/office/drawing/2014/main" id="{417A27EB-510E-0977-0074-67DC99AC378A}"/>
+              </a:ext>
+            </a:extLst>
+          </p:cNvPr>
+          <p:cNvPicPr>
+            <a:picLocks noChangeAspect="1" noChangeArrowheads="1"/>
+          </p:cNvPicPr>
+          <p:nvPr/>
+        </p:nvPicPr>
+        <p:blipFill>
+          <a:blip r:embed="rId6">
+            <a:extLst>
+              <a:ext uri="{28A0092B-C50C-407E-A947-70E740481C1C}">
+                <a14:useLocalDpi xmlns:a14="http://schemas.microsoft.com/office/drawing/2010/main" val="0"/>
+              </a:ext>
+            </a:extLst>
+          </a:blip>
+          <a:srcRect/>
+          <a:stretch>
+            <a:fillRect/>
+          </a:stretch>
+        </p:blipFill>
+        <p:spPr bwMode="auto">
+          <a:xfrm>
+            <a:off x="5238748" y="2933923"/>
+            <a:ext cx="1714500" cy="2571750"/>
+          </a:xfrm>
+          <a:prstGeom prst="rect">
+            <a:avLst/>
+          </a:prstGeom>
+          <a:noFill/>
+          <a:extLst>
+            <a:ext uri="{909E8E84-426E-40DD-AFC4-6F175D3DCCD1}">
+              <a14:hiddenFill xmlns:a14="http://schemas.microsoft.com/office/drawing/2010/main">
+                <a:solidFill>
+                  <a:srgbClr val="FFFFFF"/>
+                </a:solidFill>
+              </a14:hiddenFill>
+            </a:ext>
+          </a:extLst>
+        </p:spPr>
+      </p:pic>
+      <p:sp>
+        <p:nvSpPr>
+          <p:cNvPr id="12" name="TextBox 11">
+            <a:extLst>
+              <a:ext uri="{FF2B5EF4-FFF2-40B4-BE49-F238E27FC236}">
+                <a16:creationId xmlns:a16="http://schemas.microsoft.com/office/drawing/2014/main" id="{5C0F6E30-AB8E-9D5F-9BA2-D7335330A214}"/>
+              </a:ext>
+            </a:extLst>
+          </p:cNvPr>
+          <p:cNvSpPr txBox="1"/>
+          <p:nvPr/>
+        </p:nvSpPr>
+        <p:spPr>
+          <a:xfrm>
+            <a:off x="4566022" y="5673268"/>
+            <a:ext cx="3246564" cy="338554"/>
+          </a:xfrm>
+          <a:prstGeom prst="rect">
+            <a:avLst/>
+          </a:prstGeom>
+          <a:noFill/>
+        </p:spPr>
+        <p:txBody>
+          <a:bodyPr wrap="square">
+            <a:spAutoFit/>
+          </a:bodyPr>
+          <a:lstStyle/>
+          <a:p>
+            <a:pPr algn="ctr"/>
+            <a:r>
+              <a:rPr lang="it-IT" sz="1600" b="1" i="0" dirty="0">
+                <a:solidFill>
+                  <a:srgbClr val="333333"/>
+                </a:solidFill>
+                <a:effectLst/>
+                <a:latin typeface="Arial" panose="020B0604020202020204" pitchFamily="34" charset="0"/>
+                <a:cs typeface="Arial" panose="020B0604020202020204" pitchFamily="34" charset="0"/>
+              </a:rPr>
+              <a:t>FAUZI ADI RAFRASTARA M.CS</a:t>
+            </a:r>
+            <a:endParaRPr lang="en-ID" sz="1600" b="1" dirty="0">
+              <a:solidFill>
+                <a:schemeClr val="bg2">
+                  <a:lumMod val="75000"/>
+                </a:schemeClr>
+              </a:solidFill>
+              <a:latin typeface="Arial" panose="020B0604020202020204" pitchFamily="34" charset="0"/>
+              <a:cs typeface="Arial" panose="020B0604020202020204" pitchFamily="34" charset="0"/>
+            </a:endParaRPr>
+          </a:p>
+        </p:txBody>
+      </p:sp>
+      <p:sp>
+        <p:nvSpPr>
+          <p:cNvPr id="14" name="TextBox 13">
+            <a:extLst>
+              <a:ext uri="{FF2B5EF4-FFF2-40B4-BE49-F238E27FC236}">
+                <a16:creationId xmlns:a16="http://schemas.microsoft.com/office/drawing/2014/main" id="{4D9635A9-3493-8098-EB16-54530AB8B70F}"/>
+              </a:ext>
+            </a:extLst>
+          </p:cNvPr>
+          <p:cNvSpPr txBox="1"/>
+          <p:nvPr/>
+        </p:nvSpPr>
+        <p:spPr>
+          <a:xfrm>
+            <a:off x="4566022" y="6008458"/>
+            <a:ext cx="3246564" cy="338554"/>
+          </a:xfrm>
+          <a:prstGeom prst="rect">
+            <a:avLst/>
+          </a:prstGeom>
+          <a:noFill/>
+        </p:spPr>
+        <p:txBody>
+          <a:bodyPr wrap="square">
+            <a:spAutoFit/>
+          </a:bodyPr>
+          <a:lstStyle/>
+          <a:p>
+            <a:pPr algn="ctr"/>
+            <a:r>
+              <a:rPr lang="en-ID" sz="1600" b="0" i="0" dirty="0">
+                <a:solidFill>
+                  <a:srgbClr val="333333"/>
+                </a:solidFill>
+                <a:effectLst/>
+                <a:latin typeface="Open Sans" panose="020B0606030504020204" pitchFamily="34" charset="0"/>
+              </a:rPr>
+              <a:t>0686.11.2011.398</a:t>
+            </a:r>
+            <a:endParaRPr lang="en-ID" sz="1600" b="1" dirty="0">
+              <a:solidFill>
+                <a:schemeClr val="bg2">
+                  <a:lumMod val="75000"/>
+                </a:schemeClr>
+              </a:solidFill>
+              <a:latin typeface="Arial" panose="020B0604020202020204" pitchFamily="34" charset="0"/>
+              <a:cs typeface="Arial" panose="020B0604020202020204" pitchFamily="34" charset="0"/>
+            </a:endParaRPr>
+          </a:p>
+        </p:txBody>
+      </p:sp>
+    </p:spTree>
+    <p:extLst>
+      <p:ext uri="{BB962C8B-B14F-4D97-AF65-F5344CB8AC3E}">
+        <p14:creationId xmlns:p14="http://schemas.microsoft.com/office/powerpoint/2010/main" val="827843276"/>
+      </p:ext>
+    </p:extLst>
+  </p:cSld>
+  <p:clrMapOvr>
+    <a:masterClrMapping/>
+  </p:clrMapOvr>
+  <mc:AlternateContent xmlns:mc="http://schemas.openxmlformats.org/markup-compatibility/2006" xmlns:p159="http://schemas.microsoft.com/office/powerpoint/2015/09/main">
+    <mc:Choice Requires="p159">
+      <p:transition xmlns:p14="http://schemas.microsoft.com/office/powerpoint/2010/main" spd="slow" p14:dur="2000">
+        <p159:morph option="byObject"/>
+      </p:transition>
+    </mc:Choice>
+    <mc:Fallback xmlns="">
+      <p:transition spd="slow">
+        <p:fade/>
+      </p:transition>
+    </mc:Fallback>
+  </mc:AlternateContent>
+</p:sld>
+</file>
+
+<file path=ppt/slides/slide18.xml><?xml version="1.0" encoding="utf-8"?>
+<p:sld xmlns:a="http://schemas.openxmlformats.org/drawingml/2006/main" xmlns:r="http://schemas.openxmlformats.org/officeDocument/2006/relationships" xmlns:p="http://schemas.openxmlformats.org/presentationml/2006/main">
+  <p:cSld>
+    <p:spTree>
+      <p:nvGrpSpPr>
+        <p:cNvPr id="1" name=""/>
+        <p:cNvGrpSpPr/>
+        <p:nvPr/>
+      </p:nvGrpSpPr>
+      <p:grpSpPr>
+        <a:xfrm>
+          <a:off x="0" y="0"/>
+          <a:ext cx="0" cy="0"/>
+          <a:chOff x="0" y="0"/>
+          <a:chExt cx="0" cy="0"/>
+        </a:xfrm>
+      </p:grpSpPr>
+      <p:pic>
+        <p:nvPicPr>
+          <p:cNvPr id="3" name="Picture 2">
+            <a:extLst>
+              <a:ext uri="{FF2B5EF4-FFF2-40B4-BE49-F238E27FC236}">
+                <a16:creationId xmlns:a16="http://schemas.microsoft.com/office/drawing/2014/main" id="{7F066D29-7D8F-FA43-C481-2058A9CC61DC}"/>
+              </a:ext>
+            </a:extLst>
+          </p:cNvPr>
+          <p:cNvPicPr>
+            <a:picLocks noChangeAspect="1"/>
+          </p:cNvPicPr>
+          <p:nvPr/>
+        </p:nvPicPr>
+        <p:blipFill>
+          <a:blip r:embed="rId2">
+            <a:extLst>
+              <a:ext uri="{28A0092B-C50C-407E-A947-70E740481C1C}">
+                <a14:useLocalDpi xmlns:a14="http://schemas.microsoft.com/office/drawing/2010/main" val="0"/>
+              </a:ext>
+            </a:extLst>
+          </a:blip>
+          <a:stretch>
+            <a:fillRect/>
+          </a:stretch>
+        </p:blipFill>
+        <p:spPr>
+          <a:xfrm>
+            <a:off x="3888463" y="2514600"/>
+            <a:ext cx="1828800" cy="1828800"/>
+          </a:xfrm>
+          <a:prstGeom prst="rect">
+            <a:avLst/>
+          </a:prstGeom>
+        </p:spPr>
+      </p:pic>
+      <p:sp>
+        <p:nvSpPr>
+          <p:cNvPr id="30" name="TextBox 29">
+            <a:extLst>
+              <a:ext uri="{FF2B5EF4-FFF2-40B4-BE49-F238E27FC236}">
+                <a16:creationId xmlns:a16="http://schemas.microsoft.com/office/drawing/2014/main" id="{B0919C37-EA03-599A-FD15-A75FD46F2B75}"/>
+              </a:ext>
+            </a:extLst>
+          </p:cNvPr>
+          <p:cNvSpPr txBox="1"/>
+          <p:nvPr/>
+        </p:nvSpPr>
+        <p:spPr>
+          <a:xfrm>
+            <a:off x="3888463" y="561422"/>
+            <a:ext cx="4184949" cy="707886"/>
+          </a:xfrm>
+          <a:prstGeom prst="rect">
+            <a:avLst/>
+          </a:prstGeom>
+          <a:noFill/>
+        </p:spPr>
+        <p:txBody>
+          <a:bodyPr wrap="square">
+            <a:spAutoFit/>
+          </a:bodyPr>
+          <a:lstStyle/>
+          <a:p>
+            <a:pPr algn="ctr"/>
+            <a:r>
+              <a:rPr lang="en-US" sz="4000" b="1" dirty="0">
+                <a:solidFill>
+                  <a:schemeClr val="bg2">
+                    <a:lumMod val="75000"/>
+                  </a:schemeClr>
+                </a:solidFill>
+                <a:latin typeface="Arial" panose="020B0604020202020204" pitchFamily="34" charset="0"/>
+                <a:cs typeface="Arial" panose="020B0604020202020204" pitchFamily="34" charset="0"/>
+              </a:rPr>
+              <a:t>SELESAI, YEAY!</a:t>
+            </a:r>
+            <a:endParaRPr lang="en-ID" sz="4000" b="1" dirty="0">
+              <a:solidFill>
+                <a:schemeClr val="bg2">
+                  <a:lumMod val="75000"/>
+                </a:schemeClr>
+              </a:solidFill>
+              <a:latin typeface="Arial" panose="020B0604020202020204" pitchFamily="34" charset="0"/>
+              <a:cs typeface="Arial" panose="020B0604020202020204" pitchFamily="34" charset="0"/>
+            </a:endParaRPr>
+          </a:p>
+        </p:txBody>
+      </p:sp>
+      <p:sp>
+        <p:nvSpPr>
+          <p:cNvPr id="12" name="TextBox 11">
+            <a:extLst>
+              <a:ext uri="{FF2B5EF4-FFF2-40B4-BE49-F238E27FC236}">
+                <a16:creationId xmlns:a16="http://schemas.microsoft.com/office/drawing/2014/main" id="{5C0F6E30-AB8E-9D5F-9BA2-D7335330A214}"/>
+              </a:ext>
+            </a:extLst>
+          </p:cNvPr>
+          <p:cNvSpPr txBox="1"/>
+          <p:nvPr/>
+        </p:nvSpPr>
+        <p:spPr>
+          <a:xfrm>
+            <a:off x="5185265" y="3090446"/>
+            <a:ext cx="3246564" cy="338554"/>
+          </a:xfrm>
+          <a:prstGeom prst="rect">
+            <a:avLst/>
+          </a:prstGeom>
+          <a:noFill/>
+        </p:spPr>
+        <p:txBody>
+          <a:bodyPr wrap="square">
+            <a:spAutoFit/>
+          </a:bodyPr>
+          <a:lstStyle/>
+          <a:p>
+            <a:pPr algn="ctr"/>
+            <a:r>
+              <a:rPr lang="it-IT" sz="1600" b="1" i="0" dirty="0">
+                <a:solidFill>
+                  <a:srgbClr val="333333"/>
+                </a:solidFill>
+                <a:effectLst/>
+                <a:latin typeface="Arial" panose="020B0604020202020204" pitchFamily="34" charset="0"/>
+                <a:cs typeface="Arial" panose="020B0604020202020204" pitchFamily="34" charset="0"/>
+              </a:rPr>
+              <a:t>GUNA DERMAWAN</a:t>
+            </a:r>
+            <a:endParaRPr lang="en-ID" sz="1600" b="1" dirty="0">
+              <a:solidFill>
+                <a:schemeClr val="bg2">
+                  <a:lumMod val="75000"/>
+                </a:schemeClr>
+              </a:solidFill>
+              <a:latin typeface="Arial" panose="020B0604020202020204" pitchFamily="34" charset="0"/>
+              <a:cs typeface="Arial" panose="020B0604020202020204" pitchFamily="34" charset="0"/>
+            </a:endParaRPr>
+          </a:p>
+        </p:txBody>
+      </p:sp>
+      <p:sp>
+        <p:nvSpPr>
+          <p:cNvPr id="14" name="TextBox 13">
+            <a:extLst>
+              <a:ext uri="{FF2B5EF4-FFF2-40B4-BE49-F238E27FC236}">
+                <a16:creationId xmlns:a16="http://schemas.microsoft.com/office/drawing/2014/main" id="{4D9635A9-3493-8098-EB16-54530AB8B70F}"/>
+              </a:ext>
+            </a:extLst>
+          </p:cNvPr>
+          <p:cNvSpPr txBox="1"/>
+          <p:nvPr/>
+        </p:nvSpPr>
+        <p:spPr>
+          <a:xfrm>
+            <a:off x="5278569" y="3429000"/>
+            <a:ext cx="3246564" cy="338554"/>
+          </a:xfrm>
+          <a:prstGeom prst="rect">
+            <a:avLst/>
+          </a:prstGeom>
+          <a:noFill/>
+        </p:spPr>
+        <p:txBody>
+          <a:bodyPr wrap="square">
+            <a:spAutoFit/>
+          </a:bodyPr>
+          <a:lstStyle/>
+          <a:p>
+            <a:pPr algn="ctr"/>
+            <a:r>
+              <a:rPr lang="en-ID" sz="1600" b="0" i="0" dirty="0">
+                <a:solidFill>
+                  <a:srgbClr val="333333"/>
+                </a:solidFill>
+                <a:effectLst/>
+                <a:latin typeface="Open Sans" panose="020B0606030504020204" pitchFamily="34" charset="0"/>
+              </a:rPr>
+              <a:t>A11.2018.11538</a:t>
+            </a:r>
+            <a:endParaRPr lang="en-ID" sz="1600" b="1" dirty="0">
+              <a:solidFill>
+                <a:schemeClr val="bg2">
+                  <a:lumMod val="75000"/>
+                </a:schemeClr>
+              </a:solidFill>
+              <a:latin typeface="Arial" panose="020B0604020202020204" pitchFamily="34" charset="0"/>
+              <a:cs typeface="Arial" panose="020B0604020202020204" pitchFamily="34" charset="0"/>
+            </a:endParaRPr>
+          </a:p>
+        </p:txBody>
+      </p:sp>
+      <p:pic>
+        <p:nvPicPr>
+          <p:cNvPr id="7" name="Picture 6">
+            <a:extLst>
+              <a:ext uri="{FF2B5EF4-FFF2-40B4-BE49-F238E27FC236}">
+                <a16:creationId xmlns:a16="http://schemas.microsoft.com/office/drawing/2014/main" id="{6E4AA704-51FB-A520-FFF9-C7C826716F10}"/>
+              </a:ext>
+            </a:extLst>
+          </p:cNvPr>
+          <p:cNvPicPr>
+            <a:picLocks noChangeAspect="1"/>
+          </p:cNvPicPr>
+          <p:nvPr/>
+        </p:nvPicPr>
+        <p:blipFill>
+          <a:blip r:embed="rId3">
+            <a:duotone>
+              <a:schemeClr val="accent3">
+                <a:shade val="45000"/>
+                <a:satMod val="135000"/>
+              </a:schemeClr>
+              <a:prstClr val="white"/>
+            </a:duotone>
+            <a:extLst>
+              <a:ext uri="{28A0092B-C50C-407E-A947-70E740481C1C}">
+                <a14:useLocalDpi xmlns:a14="http://schemas.microsoft.com/office/drawing/2010/main" val="0"/>
+              </a:ext>
+            </a:extLst>
+          </a:blip>
+          <a:stretch>
+            <a:fillRect/>
+          </a:stretch>
+        </p:blipFill>
+        <p:spPr>
+          <a:xfrm>
+            <a:off x="3986902" y="915365"/>
+            <a:ext cx="914400" cy="914400"/>
+          </a:xfrm>
+          <a:prstGeom prst="rect">
+            <a:avLst/>
+          </a:prstGeom>
+        </p:spPr>
+      </p:pic>
+      <p:pic>
+        <p:nvPicPr>
+          <p:cNvPr id="16" name="Picture 15">
+            <a:extLst>
+              <a:ext uri="{FF2B5EF4-FFF2-40B4-BE49-F238E27FC236}">
+                <a16:creationId xmlns:a16="http://schemas.microsoft.com/office/drawing/2014/main" id="{41925ECF-E930-6543-8FFB-0A061A65CC46}"/>
+              </a:ext>
+            </a:extLst>
+          </p:cNvPr>
+          <p:cNvPicPr>
+            <a:picLocks noChangeAspect="1"/>
+          </p:cNvPicPr>
+          <p:nvPr/>
+        </p:nvPicPr>
+        <p:blipFill>
+          <a:blip r:embed="rId3">
+            <a:duotone>
+              <a:schemeClr val="accent3">
+                <a:shade val="45000"/>
+                <a:satMod val="135000"/>
+              </a:schemeClr>
+              <a:prstClr val="white"/>
+            </a:duotone>
+            <a:extLst>
+              <a:ext uri="{28A0092B-C50C-407E-A947-70E740481C1C}">
+                <a14:useLocalDpi xmlns:a14="http://schemas.microsoft.com/office/drawing/2010/main" val="0"/>
+              </a:ext>
+            </a:extLst>
+          </a:blip>
+          <a:stretch>
+            <a:fillRect/>
+          </a:stretch>
+        </p:blipFill>
+        <p:spPr>
+          <a:xfrm>
+            <a:off x="5059680" y="949737"/>
+            <a:ext cx="914400" cy="914400"/>
+          </a:xfrm>
+          <a:prstGeom prst="rect">
+            <a:avLst/>
+          </a:prstGeom>
+        </p:spPr>
+      </p:pic>
+      <p:pic>
+        <p:nvPicPr>
+          <p:cNvPr id="19" name="Picture 18">
+            <a:extLst>
+              <a:ext uri="{FF2B5EF4-FFF2-40B4-BE49-F238E27FC236}">
+                <a16:creationId xmlns:a16="http://schemas.microsoft.com/office/drawing/2014/main" id="{88964A56-CF2F-1D57-D852-F9EF7CB4CF03}"/>
+              </a:ext>
+            </a:extLst>
+          </p:cNvPr>
+          <p:cNvPicPr>
+            <a:picLocks noChangeAspect="1"/>
+          </p:cNvPicPr>
+          <p:nvPr/>
+        </p:nvPicPr>
+        <p:blipFill>
+          <a:blip r:embed="rId3">
+            <a:duotone>
+              <a:schemeClr val="accent3">
+                <a:shade val="45000"/>
+                <a:satMod val="135000"/>
+              </a:schemeClr>
+              <a:prstClr val="white"/>
+            </a:duotone>
+            <a:extLst>
+              <a:ext uri="{28A0092B-C50C-407E-A947-70E740481C1C}">
+                <a14:useLocalDpi xmlns:a14="http://schemas.microsoft.com/office/drawing/2010/main" val="0"/>
+              </a:ext>
+            </a:extLst>
+          </a:blip>
+          <a:stretch>
+            <a:fillRect/>
+          </a:stretch>
+        </p:blipFill>
+        <p:spPr>
+          <a:xfrm>
+            <a:off x="6132458" y="961044"/>
+            <a:ext cx="914400" cy="914400"/>
+          </a:xfrm>
+          <a:prstGeom prst="rect">
+            <a:avLst/>
+          </a:prstGeom>
+        </p:spPr>
+      </p:pic>
+      <p:pic>
+        <p:nvPicPr>
+          <p:cNvPr id="21" name="Picture 20">
+            <a:extLst>
+              <a:ext uri="{FF2B5EF4-FFF2-40B4-BE49-F238E27FC236}">
+                <a16:creationId xmlns:a16="http://schemas.microsoft.com/office/drawing/2014/main" id="{1EE965A6-3F75-9183-82A0-CEF4094BC8D2}"/>
+              </a:ext>
+            </a:extLst>
+          </p:cNvPr>
+          <p:cNvPicPr>
+            <a:picLocks noChangeAspect="1"/>
+          </p:cNvPicPr>
+          <p:nvPr/>
+        </p:nvPicPr>
+        <p:blipFill>
+          <a:blip r:embed="rId3">
+            <a:duotone>
+              <a:schemeClr val="accent3">
+                <a:shade val="45000"/>
+                <a:satMod val="135000"/>
+              </a:schemeClr>
+              <a:prstClr val="white"/>
+            </a:duotone>
+            <a:extLst>
+              <a:ext uri="{28A0092B-C50C-407E-A947-70E740481C1C}">
+                <a14:useLocalDpi xmlns:a14="http://schemas.microsoft.com/office/drawing/2010/main" val="0"/>
+              </a:ext>
+            </a:extLst>
+          </a:blip>
+          <a:stretch>
+            <a:fillRect/>
+          </a:stretch>
+        </p:blipFill>
+        <p:spPr>
+          <a:xfrm>
+            <a:off x="7140162" y="950884"/>
+            <a:ext cx="914400" cy="914400"/>
+          </a:xfrm>
+          <a:prstGeom prst="rect">
+            <a:avLst/>
+          </a:prstGeom>
+        </p:spPr>
+      </p:pic>
+    </p:spTree>
+    <p:extLst>
+      <p:ext uri="{BB962C8B-B14F-4D97-AF65-F5344CB8AC3E}">
+        <p14:creationId xmlns:p14="http://schemas.microsoft.com/office/powerpoint/2010/main" val="1011839656"/>
+      </p:ext>
+    </p:extLst>
+  </p:cSld>
+  <p:clrMapOvr>
+    <a:masterClrMapping/>
+  </p:clrMapOvr>
+  <mc:AlternateContent xmlns:mc="http://schemas.openxmlformats.org/markup-compatibility/2006" xmlns:p159="http://schemas.microsoft.com/office/powerpoint/2015/09/main">
+    <mc:Choice Requires="p159">
+      <p:transition xmlns:p14="http://schemas.microsoft.com/office/powerpoint/2010/main" spd="slow" p14:dur="2000">
+        <p159:morph option="byObject"/>
+      </p:transition>
+    </mc:Choice>
+    <mc:Fallback xmlns="">
+      <p:transition spd="slow">
+        <p:fade/>
+      </p:transition>
+    </mc:Fallback>
+  </mc:AlternateContent>
+</p:sld>
+</file>
+
+<file path=ppt/slides/slide19.xml><?xml version="1.0" encoding="utf-8"?>
 <p:sld xmlns:a="http://schemas.openxmlformats.org/drawingml/2006/main" xmlns:r="http://schemas.openxmlformats.org/officeDocument/2006/relationships" xmlns:p="http://schemas.openxmlformats.org/presentationml/2006/main">
   <p:cSld>
     <p:bg>
@@ -9582,6 +12714,165 @@
 </p:sld>
 </file>
 
+<file path=ppt/slides/slide20.xml><?xml version="1.0" encoding="utf-8"?>
+<p:sld xmlns:a="http://schemas.openxmlformats.org/drawingml/2006/main" xmlns:r="http://schemas.openxmlformats.org/officeDocument/2006/relationships" xmlns:p="http://schemas.openxmlformats.org/presentationml/2006/main">
+  <p:cSld>
+    <p:spTree>
+      <p:nvGrpSpPr>
+        <p:cNvPr id="1" name=""/>
+        <p:cNvGrpSpPr/>
+        <p:nvPr/>
+      </p:nvGrpSpPr>
+      <p:grpSpPr>
+        <a:xfrm>
+          <a:off x="0" y="0"/>
+          <a:ext cx="0" cy="0"/>
+          <a:chOff x="0" y="0"/>
+          <a:chExt cx="0" cy="0"/>
+        </a:xfrm>
+      </p:grpSpPr>
+      <p:grpSp>
+        <p:nvGrpSpPr>
+          <p:cNvPr id="5" name="Group 4">
+            <a:extLst>
+              <a:ext uri="{FF2B5EF4-FFF2-40B4-BE49-F238E27FC236}">
+                <a16:creationId xmlns:a16="http://schemas.microsoft.com/office/drawing/2014/main" id="{37180081-D86E-BDE0-B85E-2FFB4768CC5A}"/>
+              </a:ext>
+            </a:extLst>
+          </p:cNvPr>
+          <p:cNvGrpSpPr/>
+          <p:nvPr/>
+        </p:nvGrpSpPr>
+        <p:grpSpPr>
+          <a:xfrm>
+            <a:off x="989730" y="936163"/>
+            <a:ext cx="4767257" cy="4985672"/>
+            <a:chOff x="989731" y="1548151"/>
+            <a:chExt cx="4767257" cy="4985672"/>
+          </a:xfrm>
+        </p:grpSpPr>
+        <p:pic>
+          <p:nvPicPr>
+            <p:cNvPr id="6" name="Picture 5">
+              <a:extLst>
+                <a:ext uri="{FF2B5EF4-FFF2-40B4-BE49-F238E27FC236}">
+                  <a16:creationId xmlns:a16="http://schemas.microsoft.com/office/drawing/2014/main" id="{CB85998C-A2AF-364D-C3C8-F5BA8E24DAC0}"/>
+                </a:ext>
+              </a:extLst>
+            </p:cNvPr>
+            <p:cNvPicPr>
+              <a:picLocks noChangeAspect="1"/>
+            </p:cNvPicPr>
+            <p:nvPr/>
+          </p:nvPicPr>
+          <p:blipFill>
+            <a:blip r:embed="rId2">
+              <a:extLst>
+                <a:ext uri="{28A0092B-C50C-407E-A947-70E740481C1C}">
+                  <a14:useLocalDpi xmlns:a14="http://schemas.microsoft.com/office/drawing/2010/main" val="0"/>
+                </a:ext>
+              </a:extLst>
+            </a:blip>
+            <a:stretch>
+              <a:fillRect/>
+            </a:stretch>
+          </p:blipFill>
+          <p:spPr>
+            <a:xfrm>
+              <a:off x="989731" y="4216504"/>
+              <a:ext cx="4767257" cy="2317319"/>
+            </a:xfrm>
+            <a:prstGeom prst="rect">
+              <a:avLst/>
+            </a:prstGeom>
+          </p:spPr>
+        </p:pic>
+        <p:pic>
+          <p:nvPicPr>
+            <p:cNvPr id="7" name="Picture 6">
+              <a:extLst>
+                <a:ext uri="{FF2B5EF4-FFF2-40B4-BE49-F238E27FC236}">
+                  <a16:creationId xmlns:a16="http://schemas.microsoft.com/office/drawing/2014/main" id="{93BA5F63-E30A-DA51-382F-EB49A0905D16}"/>
+                </a:ext>
+              </a:extLst>
+            </p:cNvPr>
+            <p:cNvPicPr>
+              <a:picLocks noChangeAspect="1"/>
+            </p:cNvPicPr>
+            <p:nvPr/>
+          </p:nvPicPr>
+          <p:blipFill>
+            <a:blip r:embed="rId3">
+              <a:extLst>
+                <a:ext uri="{28A0092B-C50C-407E-A947-70E740481C1C}">
+                  <a14:useLocalDpi xmlns:a14="http://schemas.microsoft.com/office/drawing/2010/main" val="0"/>
+                </a:ext>
+              </a:extLst>
+            </a:blip>
+            <a:stretch>
+              <a:fillRect/>
+            </a:stretch>
+          </p:blipFill>
+          <p:spPr>
+            <a:xfrm>
+              <a:off x="989731" y="1548151"/>
+              <a:ext cx="4767257" cy="2775075"/>
+            </a:xfrm>
+            <a:prstGeom prst="rect">
+              <a:avLst/>
+            </a:prstGeom>
+          </p:spPr>
+        </p:pic>
+      </p:grpSp>
+      <p:pic>
+        <p:nvPicPr>
+          <p:cNvPr id="8" name="Picture 7">
+            <a:extLst>
+              <a:ext uri="{FF2B5EF4-FFF2-40B4-BE49-F238E27FC236}">
+                <a16:creationId xmlns:a16="http://schemas.microsoft.com/office/drawing/2014/main" id="{2CEF4D4B-507D-A84F-9E50-1B6093933964}"/>
+              </a:ext>
+            </a:extLst>
+          </p:cNvPr>
+          <p:cNvPicPr>
+            <a:picLocks noChangeAspect="1"/>
+          </p:cNvPicPr>
+          <p:nvPr/>
+        </p:nvPicPr>
+        <p:blipFill>
+          <a:blip r:embed="rId4">
+            <a:extLst>
+              <a:ext uri="{28A0092B-C50C-407E-A947-70E740481C1C}">
+                <a14:useLocalDpi xmlns:a14="http://schemas.microsoft.com/office/drawing/2010/main" val="0"/>
+              </a:ext>
+            </a:extLst>
+          </a:blip>
+          <a:stretch>
+            <a:fillRect/>
+          </a:stretch>
+        </p:blipFill>
+        <p:spPr>
+          <a:xfrm>
+            <a:off x="6435015" y="2811726"/>
+            <a:ext cx="5197290" cy="1234547"/>
+          </a:xfrm>
+          <a:prstGeom prst="rect">
+            <a:avLst/>
+          </a:prstGeom>
+        </p:spPr>
+      </p:pic>
+    </p:spTree>
+    <p:extLst>
+      <p:ext uri="{BB962C8B-B14F-4D97-AF65-F5344CB8AC3E}">
+        <p14:creationId xmlns:p14="http://schemas.microsoft.com/office/powerpoint/2010/main" val="3527894245"/>
+      </p:ext>
+    </p:extLst>
+  </p:cSld>
+  <p:clrMapOvr>
+    <a:masterClrMapping/>
+  </p:clrMapOvr>
+</p:sld>
+</file>
+
 <file path=ppt/slides/slide3.xml><?xml version="1.0" encoding="utf-8"?>
 <p:sld xmlns:a="http://schemas.openxmlformats.org/drawingml/2006/main" xmlns:r="http://schemas.openxmlformats.org/officeDocument/2006/relationships" xmlns:p="http://schemas.openxmlformats.org/presentationml/2006/main">
   <p:cSld>
@@ -11884,10 +15175,10 @@
       </p:sp>
       <p:pic>
         <p:nvPicPr>
-          <p:cNvPr id="5" name="Picture 4">
-            <a:extLst>
-              <a:ext uri="{FF2B5EF4-FFF2-40B4-BE49-F238E27FC236}">
-                <a16:creationId xmlns:a16="http://schemas.microsoft.com/office/drawing/2014/main" id="{C4CC401B-D268-FFA0-E380-4D1F40639874}"/>
+          <p:cNvPr id="8" name="Picture 7">
+            <a:extLst>
+              <a:ext uri="{FF2B5EF4-FFF2-40B4-BE49-F238E27FC236}">
+                <a16:creationId xmlns:a16="http://schemas.microsoft.com/office/drawing/2014/main" id="{06BDF1C5-C294-97AE-9BBC-C81F222B25E6}"/>
               </a:ext>
             </a:extLst>
           </p:cNvPr>
@@ -11910,20 +15201,77 @@
         </p:blipFill>
         <p:spPr>
           <a:xfrm>
-            <a:off x="1678961" y="2558047"/>
-            <a:ext cx="2298364" cy="1519580"/>
+            <a:off x="8196013" y="2973566"/>
+            <a:ext cx="3200400" cy="694834"/>
           </a:xfrm>
           <a:prstGeom prst="rect">
             <a:avLst/>
           </a:prstGeom>
         </p:spPr>
       </p:pic>
+      <p:sp>
+        <p:nvSpPr>
+          <p:cNvPr id="23" name="TextBox 22">
+            <a:extLst>
+              <a:ext uri="{FF2B5EF4-FFF2-40B4-BE49-F238E27FC236}">
+                <a16:creationId xmlns:a16="http://schemas.microsoft.com/office/drawing/2014/main" id="{F8705D82-26F3-61F8-7D58-1935C1360A08}"/>
+              </a:ext>
+            </a:extLst>
+          </p:cNvPr>
+          <p:cNvSpPr txBox="1"/>
+          <p:nvPr/>
+        </p:nvSpPr>
+        <p:spPr>
+          <a:xfrm>
+            <a:off x="8408854" y="3818570"/>
+            <a:ext cx="2987559" cy="338554"/>
+          </a:xfrm>
+          <a:prstGeom prst="rect">
+            <a:avLst/>
+          </a:prstGeom>
+          <a:noFill/>
+        </p:spPr>
+        <p:txBody>
+          <a:bodyPr wrap="square" rtlCol="0">
+            <a:spAutoFit/>
+          </a:bodyPr>
+          <a:lstStyle/>
+          <a:p>
+            <a:pPr algn="ctr"/>
+            <a:r>
+              <a:rPr lang="en-US" sz="1600" dirty="0">
+                <a:latin typeface="Arial" panose="020B0604020202020204" pitchFamily="34" charset="0"/>
+                <a:cs typeface="Arial" panose="020B0604020202020204" pitchFamily="34" charset="0"/>
+              </a:rPr>
+              <a:t>Bahasa </a:t>
+            </a:r>
+            <a:r>
+              <a:rPr lang="en-US" sz="1600" dirty="0" err="1">
+                <a:latin typeface="Arial" panose="020B0604020202020204" pitchFamily="34" charset="0"/>
+                <a:cs typeface="Arial" panose="020B0604020202020204" pitchFamily="34" charset="0"/>
+              </a:rPr>
+              <a:t>pemrograman</a:t>
+            </a:r>
+            <a:r>
+              <a:rPr lang="en-US" sz="1600" dirty="0">
+                <a:latin typeface="Arial" panose="020B0604020202020204" pitchFamily="34" charset="0"/>
+                <a:cs typeface="Arial" panose="020B0604020202020204" pitchFamily="34" charset="0"/>
+              </a:rPr>
+              <a:t> Kotlin</a:t>
+            </a:r>
+            <a:endParaRPr lang="en-ID" sz="1600" dirty="0">
+              <a:latin typeface="Arial" panose="020B0604020202020204" pitchFamily="34" charset="0"/>
+              <a:cs typeface="Arial" panose="020B0604020202020204" pitchFamily="34" charset="0"/>
+            </a:endParaRPr>
+          </a:p>
+        </p:txBody>
+      </p:sp>
       <p:pic>
         <p:nvPicPr>
-          <p:cNvPr id="8" name="Picture 7">
-            <a:extLst>
-              <a:ext uri="{FF2B5EF4-FFF2-40B4-BE49-F238E27FC236}">
-                <a16:creationId xmlns:a16="http://schemas.microsoft.com/office/drawing/2014/main" id="{06BDF1C5-C294-97AE-9BBC-C81F222B25E6}"/>
+          <p:cNvPr id="24" name="Picture 23">
+            <a:extLst>
+              <a:ext uri="{FF2B5EF4-FFF2-40B4-BE49-F238E27FC236}">
+                <a16:creationId xmlns:a16="http://schemas.microsoft.com/office/drawing/2014/main" id="{87971E23-A89C-F098-6CC6-1F336FE8EB88}"/>
               </a:ext>
             </a:extLst>
           </p:cNvPr>
@@ -11934,7 +15282,17 @@
         </p:nvPicPr>
         <p:blipFill>
           <a:blip r:embed="rId6">
-            <a:extLst>
+            <a:lum bright="70000" contrast="-70000"/>
+            <a:extLst>
+              <a:ext uri="{BEBA8EAE-BF5A-486C-A8C5-ECC9F3942E4B}">
+                <a14:imgProps xmlns:a14="http://schemas.microsoft.com/office/drawing/2010/main">
+                  <a14:imgLayer r:embed="rId7">
+                    <a14:imgEffect>
+                      <a14:sharpenSoften amount="50000"/>
+                    </a14:imgEffect>
+                  </a14:imgLayer>
+                </a14:imgProps>
+              </a:ext>
               <a:ext uri="{28A0092B-C50C-407E-A947-70E740481C1C}">
                 <a14:useLocalDpi xmlns:a14="http://schemas.microsoft.com/office/drawing/2010/main" val="0"/>
               </a:ext>
@@ -11945,9 +15303,55 @@
           </a:stretch>
         </p:blipFill>
         <p:spPr>
-          <a:xfrm>
-            <a:off x="8196013" y="2973566"/>
-            <a:ext cx="3200400" cy="694834"/>
+          <a:xfrm rot="12026241">
+            <a:off x="3980437" y="2291417"/>
+            <a:ext cx="1188720" cy="1188720"/>
+          </a:xfrm>
+          <a:prstGeom prst="rect">
+            <a:avLst/>
+          </a:prstGeom>
+        </p:spPr>
+      </p:pic>
+      <p:pic>
+        <p:nvPicPr>
+          <p:cNvPr id="25" name="Picture 24">
+            <a:extLst>
+              <a:ext uri="{FF2B5EF4-FFF2-40B4-BE49-F238E27FC236}">
+                <a16:creationId xmlns:a16="http://schemas.microsoft.com/office/drawing/2014/main" id="{9D54D959-596D-DF70-45E7-A60EE98954CC}"/>
+              </a:ext>
+            </a:extLst>
+          </p:cNvPr>
+          <p:cNvPicPr>
+            <a:picLocks noChangeAspect="1"/>
+          </p:cNvPicPr>
+          <p:nvPr/>
+        </p:nvPicPr>
+        <p:blipFill>
+          <a:blip r:embed="rId6">
+            <a:lum bright="70000" contrast="-70000"/>
+            <a:extLst>
+              <a:ext uri="{BEBA8EAE-BF5A-486C-A8C5-ECC9F3942E4B}">
+                <a14:imgProps xmlns:a14="http://schemas.microsoft.com/office/drawing/2010/main">
+                  <a14:imgLayer r:embed="rId7">
+                    <a14:imgEffect>
+                      <a14:sharpenSoften amount="50000"/>
+                    </a14:imgEffect>
+                  </a14:imgLayer>
+                </a14:imgProps>
+              </a:ext>
+              <a:ext uri="{28A0092B-C50C-407E-A947-70E740481C1C}">
+                <a14:useLocalDpi xmlns:a14="http://schemas.microsoft.com/office/drawing/2010/main" val="0"/>
+              </a:ext>
+            </a:extLst>
+          </a:blip>
+          <a:stretch>
+            <a:fillRect/>
+          </a:stretch>
+        </p:blipFill>
+        <p:spPr>
+          <a:xfrm rot="3603491">
+            <a:off x="6918577" y="2224483"/>
+            <a:ext cx="1188720" cy="1188720"/>
           </a:xfrm>
           <a:prstGeom prst="rect">
             <a:avLst/>
@@ -11956,10 +15360,10 @@
       </p:pic>
       <p:sp>
         <p:nvSpPr>
-          <p:cNvPr id="23" name="TextBox 22">
-            <a:extLst>
-              <a:ext uri="{FF2B5EF4-FFF2-40B4-BE49-F238E27FC236}">
-                <a16:creationId xmlns:a16="http://schemas.microsoft.com/office/drawing/2014/main" id="{F8705D82-26F3-61F8-7D58-1935C1360A08}"/>
+          <p:cNvPr id="26" name="TextBox 25">
+            <a:extLst>
+              <a:ext uri="{FF2B5EF4-FFF2-40B4-BE49-F238E27FC236}">
+                <a16:creationId xmlns:a16="http://schemas.microsoft.com/office/drawing/2014/main" id="{D2C4A663-4E68-4D2C-A23D-230BA8A9BD45}"/>
               </a:ext>
             </a:extLst>
           </p:cNvPr>
@@ -11968,8 +15372,8 @@
         </p:nvSpPr>
         <p:spPr>
           <a:xfrm>
-            <a:off x="8408854" y="3818570"/>
-            <a:ext cx="2987559" cy="338554"/>
+            <a:off x="8487287" y="4184915"/>
+            <a:ext cx="2909126" cy="1477328"/>
           </a:xfrm>
           <a:prstGeom prst="rect">
             <a:avLst/>
@@ -11982,41 +15386,203 @@
           </a:bodyPr>
           <a:lstStyle/>
           <a:p>
-            <a:pPr algn="ctr"/>
-            <a:r>
-              <a:rPr lang="en-US" sz="1600" dirty="0">
-                <a:latin typeface="Arial" panose="020B0604020202020204" pitchFamily="34" charset="0"/>
-                <a:cs typeface="Arial" panose="020B0604020202020204" pitchFamily="34" charset="0"/>
-              </a:rPr>
-              <a:t>Bahasa </a:t>
-            </a:r>
-            <a:r>
-              <a:rPr lang="en-US" sz="1600" dirty="0" err="1">
-                <a:latin typeface="Arial" panose="020B0604020202020204" pitchFamily="34" charset="0"/>
-                <a:cs typeface="Arial" panose="020B0604020202020204" pitchFamily="34" charset="0"/>
-              </a:rPr>
-              <a:t>pemrograman</a:t>
-            </a:r>
-            <a:r>
-              <a:rPr lang="en-US" sz="1600" dirty="0">
-                <a:latin typeface="Arial" panose="020B0604020202020204" pitchFamily="34" charset="0"/>
-                <a:cs typeface="Arial" panose="020B0604020202020204" pitchFamily="34" charset="0"/>
-              </a:rPr>
-              <a:t> Kotlin</a:t>
-            </a:r>
-            <a:endParaRPr lang="en-ID" sz="1600" dirty="0">
-              <a:latin typeface="Arial" panose="020B0604020202020204" pitchFamily="34" charset="0"/>
-              <a:cs typeface="Arial" panose="020B0604020202020204" pitchFamily="34" charset="0"/>
-            </a:endParaRPr>
+            <a:pPr marL="285750" indent="-285750">
+              <a:buFont typeface="Courier New" panose="02070309020205020404" pitchFamily="49" charset="0"/>
+              <a:buChar char="o"/>
+            </a:pPr>
+            <a:r>
+              <a:rPr lang="en-US" dirty="0" err="1"/>
+              <a:t>Kompatibel</a:t>
+            </a:r>
+            <a:r>
+              <a:rPr lang="en-US" dirty="0"/>
+              <a:t> JDK 6</a:t>
+            </a:r>
+          </a:p>
+          <a:p>
+            <a:pPr marL="285750" indent="-285750">
+              <a:buFont typeface="Courier New" panose="02070309020205020404" pitchFamily="49" charset="0"/>
+              <a:buChar char="o"/>
+            </a:pPr>
+            <a:r>
+              <a:rPr lang="en-US" dirty="0"/>
+              <a:t>Performa </a:t>
+            </a:r>
+            <a:r>
+              <a:rPr lang="en-US" dirty="0" err="1"/>
+              <a:t>cepat</a:t>
+            </a:r>
+            <a:endParaRPr lang="en-US" dirty="0"/>
+          </a:p>
+          <a:p>
+            <a:pPr marL="285750" indent="-285750">
+              <a:buFont typeface="Courier New" panose="02070309020205020404" pitchFamily="49" charset="0"/>
+              <a:buChar char="o"/>
+            </a:pPr>
+            <a:r>
+              <a:rPr lang="en-US" dirty="0"/>
+              <a:t>Interoperability </a:t>
+            </a:r>
+          </a:p>
+          <a:p>
+            <a:pPr marL="285750" indent="-285750">
+              <a:buFont typeface="Courier New" panose="02070309020205020404" pitchFamily="49" charset="0"/>
+              <a:buChar char="o"/>
+            </a:pPr>
+            <a:r>
+              <a:rPr lang="en-US" dirty="0" err="1"/>
+              <a:t>Kompilasi</a:t>
+            </a:r>
+            <a:r>
+              <a:rPr lang="en-US" dirty="0"/>
+              <a:t> incremental yang </a:t>
+            </a:r>
+            <a:r>
+              <a:rPr lang="en-US" dirty="0" err="1"/>
+              <a:t>efisien</a:t>
+            </a:r>
+            <a:endParaRPr lang="en-ID" dirty="0"/>
+          </a:p>
+        </p:txBody>
+      </p:sp>
+      <p:sp>
+        <p:nvSpPr>
+          <p:cNvPr id="27" name="TextBox 26">
+            <a:extLst>
+              <a:ext uri="{FF2B5EF4-FFF2-40B4-BE49-F238E27FC236}">
+                <a16:creationId xmlns:a16="http://schemas.microsoft.com/office/drawing/2014/main" id="{B4B2ADCF-3F7E-EEF2-3AAE-7999D105B214}"/>
+              </a:ext>
+            </a:extLst>
+          </p:cNvPr>
+          <p:cNvSpPr txBox="1"/>
+          <p:nvPr/>
+        </p:nvSpPr>
+        <p:spPr>
+          <a:xfrm>
+            <a:off x="1678961" y="4486423"/>
+            <a:ext cx="3594017" cy="1477328"/>
+          </a:xfrm>
+          <a:prstGeom prst="rect">
+            <a:avLst/>
+          </a:prstGeom>
+          <a:noFill/>
+        </p:spPr>
+        <p:txBody>
+          <a:bodyPr wrap="square" rtlCol="0">
+            <a:spAutoFit/>
+          </a:bodyPr>
+          <a:lstStyle/>
+          <a:p>
+            <a:pPr marL="285750" indent="-285750">
+              <a:buFont typeface="Courier New" panose="02070309020205020404" pitchFamily="49" charset="0"/>
+              <a:buChar char="o"/>
+            </a:pPr>
+            <a:r>
+              <a:rPr lang="en-US" dirty="0"/>
+              <a:t>Integrasi </a:t>
+            </a:r>
+            <a:r>
+              <a:rPr lang="en-US" dirty="0" err="1"/>
+              <a:t>layanan</a:t>
+            </a:r>
+            <a:r>
+              <a:rPr lang="en-US" dirty="0"/>
+              <a:t> Google</a:t>
+            </a:r>
+          </a:p>
+          <a:p>
+            <a:pPr marL="285750" indent="-285750">
+              <a:buFont typeface="Courier New" panose="02070309020205020404" pitchFamily="49" charset="0"/>
+              <a:buChar char="o"/>
+            </a:pPr>
+            <a:r>
+              <a:rPr lang="en-US" dirty="0" err="1"/>
+              <a:t>Mendukung</a:t>
+            </a:r>
+            <a:r>
+              <a:rPr lang="en-US" dirty="0"/>
+              <a:t> </a:t>
+            </a:r>
+            <a:r>
+              <a:rPr lang="en-US" dirty="0" err="1"/>
+              <a:t>pengembangan</a:t>
+            </a:r>
+            <a:r>
+              <a:rPr lang="en-US" dirty="0"/>
+              <a:t> </a:t>
+            </a:r>
+            <a:r>
+              <a:rPr lang="en-US" dirty="0" err="1"/>
+              <a:t>penuh</a:t>
+            </a:r>
+            <a:r>
+              <a:rPr lang="en-US" dirty="0"/>
+              <a:t> </a:t>
+            </a:r>
+            <a:r>
+              <a:rPr lang="en-US" dirty="0" err="1"/>
+              <a:t>aplikasi</a:t>
+            </a:r>
+            <a:r>
+              <a:rPr lang="en-US" dirty="0"/>
+              <a:t> android</a:t>
+            </a:r>
+          </a:p>
+          <a:p>
+            <a:pPr marL="285750" indent="-285750">
+              <a:buFont typeface="Courier New" panose="02070309020205020404" pitchFamily="49" charset="0"/>
+              <a:buChar char="o"/>
+            </a:pPr>
+            <a:r>
+              <a:rPr lang="en-US" dirty="0"/>
+              <a:t>Built in </a:t>
+            </a:r>
+            <a:r>
+              <a:rPr lang="en-US" dirty="0" err="1"/>
+              <a:t>fitur</a:t>
+            </a:r>
+            <a:r>
+              <a:rPr lang="en-US" dirty="0"/>
+              <a:t> </a:t>
+            </a:r>
+            <a:r>
+              <a:rPr lang="en-US" dirty="0" err="1"/>
+              <a:t>untuk</a:t>
+            </a:r>
+            <a:r>
+              <a:rPr lang="en-US" dirty="0"/>
+              <a:t> </a:t>
+            </a:r>
+            <a:r>
+              <a:rPr lang="en-US" dirty="0" err="1"/>
+              <a:t>membantu</a:t>
+            </a:r>
+            <a:r>
+              <a:rPr lang="en-US" dirty="0"/>
+              <a:t> proses </a:t>
+            </a:r>
+            <a:r>
+              <a:rPr lang="en-US" dirty="0" err="1"/>
+              <a:t>penambangan</a:t>
+            </a:r>
+            <a:r>
+              <a:rPr lang="en-US" dirty="0"/>
+              <a:t> </a:t>
+            </a:r>
+            <a:r>
+              <a:rPr lang="en-US" dirty="0" err="1"/>
+              <a:t>aplikasi</a:t>
+            </a:r>
+            <a:endParaRPr lang="en-ID" dirty="0"/>
           </a:p>
         </p:txBody>
       </p:sp>
       <p:pic>
         <p:nvPicPr>
-          <p:cNvPr id="24" name="Picture 23">
-            <a:extLst>
-              <a:ext uri="{FF2B5EF4-FFF2-40B4-BE49-F238E27FC236}">
-                <a16:creationId xmlns:a16="http://schemas.microsoft.com/office/drawing/2014/main" id="{87971E23-A89C-F098-6CC6-1F336FE8EB88}"/>
+          <p:cNvPr id="6" name="Picture 5">
+            <a:extLst>
+              <a:ext uri="{FF2B5EF4-FFF2-40B4-BE49-F238E27FC236}">
+                <a16:creationId xmlns:a16="http://schemas.microsoft.com/office/drawing/2014/main" id="{22882904-B572-A124-E73D-51672BC712AA}"/>
               </a:ext>
             </a:extLst>
           </p:cNvPr>
@@ -12026,12 +15592,11 @@
           <p:nvPr/>
         </p:nvPicPr>
         <p:blipFill>
-          <a:blip r:embed="rId7">
-            <a:lum bright="70000" contrast="-70000"/>
+          <a:blip r:embed="rId8">
             <a:extLst>
               <a:ext uri="{BEBA8EAE-BF5A-486C-A8C5-ECC9F3942E4B}">
                 <a14:imgProps xmlns:a14="http://schemas.microsoft.com/office/drawing/2010/main">
-                  <a14:imgLayer r:embed="rId8">
+                  <a14:imgLayer r:embed="rId9">
                     <a14:imgEffect>
                       <a14:sharpenSoften amount="50000"/>
                     </a14:imgEffect>
@@ -12041,6 +15606,9 @@
               <a:ext uri="{28A0092B-C50C-407E-A947-70E740481C1C}">
                 <a14:useLocalDpi xmlns:a14="http://schemas.microsoft.com/office/drawing/2010/main" val="0"/>
               </a:ext>
+              <a:ext uri="{837473B0-CC2E-450A-ABE3-18F120FF3D39}">
+                <a1611:picAttrSrcUrl xmlns:a1611="http://schemas.microsoft.com/office/drawing/2016/11/main" r:id="rId10"/>
+              </a:ext>
             </a:extLst>
           </a:blip>
           <a:stretch>
@@ -12048,280 +15616,15 @@
           </a:stretch>
         </p:blipFill>
         <p:spPr>
-          <a:xfrm rot="12026241">
-            <a:off x="3980437" y="2291417"/>
-            <a:ext cx="1188720" cy="1188720"/>
+          <a:xfrm>
+            <a:off x="1950775" y="2406583"/>
+            <a:ext cx="1832372" cy="1828800"/>
           </a:xfrm>
           <a:prstGeom prst="rect">
             <a:avLst/>
           </a:prstGeom>
         </p:spPr>
       </p:pic>
-      <p:pic>
-        <p:nvPicPr>
-          <p:cNvPr id="25" name="Picture 24">
-            <a:extLst>
-              <a:ext uri="{FF2B5EF4-FFF2-40B4-BE49-F238E27FC236}">
-                <a16:creationId xmlns:a16="http://schemas.microsoft.com/office/drawing/2014/main" id="{9D54D959-596D-DF70-45E7-A60EE98954CC}"/>
-              </a:ext>
-            </a:extLst>
-          </p:cNvPr>
-          <p:cNvPicPr>
-            <a:picLocks noChangeAspect="1"/>
-          </p:cNvPicPr>
-          <p:nvPr/>
-        </p:nvPicPr>
-        <p:blipFill>
-          <a:blip r:embed="rId7">
-            <a:lum bright="70000" contrast="-70000"/>
-            <a:extLst>
-              <a:ext uri="{BEBA8EAE-BF5A-486C-A8C5-ECC9F3942E4B}">
-                <a14:imgProps xmlns:a14="http://schemas.microsoft.com/office/drawing/2010/main">
-                  <a14:imgLayer r:embed="rId8">
-                    <a14:imgEffect>
-                      <a14:sharpenSoften amount="50000"/>
-                    </a14:imgEffect>
-                  </a14:imgLayer>
-                </a14:imgProps>
-              </a:ext>
-              <a:ext uri="{28A0092B-C50C-407E-A947-70E740481C1C}">
-                <a14:useLocalDpi xmlns:a14="http://schemas.microsoft.com/office/drawing/2010/main" val="0"/>
-              </a:ext>
-            </a:extLst>
-          </a:blip>
-          <a:stretch>
-            <a:fillRect/>
-          </a:stretch>
-        </p:blipFill>
-        <p:spPr>
-          <a:xfrm rot="3603491">
-            <a:off x="6918577" y="2224483"/>
-            <a:ext cx="1188720" cy="1188720"/>
-          </a:xfrm>
-          <a:prstGeom prst="rect">
-            <a:avLst/>
-          </a:prstGeom>
-        </p:spPr>
-      </p:pic>
-      <p:sp>
-        <p:nvSpPr>
-          <p:cNvPr id="26" name="TextBox 25">
-            <a:extLst>
-              <a:ext uri="{FF2B5EF4-FFF2-40B4-BE49-F238E27FC236}">
-                <a16:creationId xmlns:a16="http://schemas.microsoft.com/office/drawing/2014/main" id="{D2C4A663-4E68-4D2C-A23D-230BA8A9BD45}"/>
-              </a:ext>
-            </a:extLst>
-          </p:cNvPr>
-          <p:cNvSpPr txBox="1"/>
-          <p:nvPr/>
-        </p:nvSpPr>
-        <p:spPr>
-          <a:xfrm>
-            <a:off x="8487287" y="4184915"/>
-            <a:ext cx="2909126" cy="1477328"/>
-          </a:xfrm>
-          <a:prstGeom prst="rect">
-            <a:avLst/>
-          </a:prstGeom>
-          <a:noFill/>
-        </p:spPr>
-        <p:txBody>
-          <a:bodyPr wrap="square" rtlCol="0">
-            <a:spAutoFit/>
-          </a:bodyPr>
-          <a:lstStyle/>
-          <a:p>
-            <a:pPr marL="285750" indent="-285750">
-              <a:buFont typeface="Courier New" panose="02070309020205020404" pitchFamily="49" charset="0"/>
-              <a:buChar char="o"/>
-            </a:pPr>
-            <a:r>
-              <a:rPr lang="en-US" dirty="0" err="1"/>
-              <a:t>Kompatibel</a:t>
-            </a:r>
-            <a:r>
-              <a:rPr lang="en-US" dirty="0"/>
-              <a:t> JDK 6</a:t>
-            </a:r>
-          </a:p>
-          <a:p>
-            <a:pPr marL="285750" indent="-285750">
-              <a:buFont typeface="Courier New" panose="02070309020205020404" pitchFamily="49" charset="0"/>
-              <a:buChar char="o"/>
-            </a:pPr>
-            <a:r>
-              <a:rPr lang="en-US" dirty="0"/>
-              <a:t>Performa </a:t>
-            </a:r>
-            <a:r>
-              <a:rPr lang="en-US" dirty="0" err="1"/>
-              <a:t>cepat</a:t>
-            </a:r>
-            <a:endParaRPr lang="en-US" dirty="0"/>
-          </a:p>
-          <a:p>
-            <a:pPr marL="285750" indent="-285750">
-              <a:buFont typeface="Courier New" panose="02070309020205020404" pitchFamily="49" charset="0"/>
-              <a:buChar char="o"/>
-            </a:pPr>
-            <a:r>
-              <a:rPr lang="en-US" dirty="0"/>
-              <a:t>Interoperability </a:t>
-            </a:r>
-          </a:p>
-          <a:p>
-            <a:pPr marL="285750" indent="-285750">
-              <a:buFont typeface="Courier New" panose="02070309020205020404" pitchFamily="49" charset="0"/>
-              <a:buChar char="o"/>
-            </a:pPr>
-            <a:r>
-              <a:rPr lang="en-US" dirty="0" err="1"/>
-              <a:t>Kompilasi</a:t>
-            </a:r>
-            <a:r>
-              <a:rPr lang="en-US" dirty="0"/>
-              <a:t> incremental yang </a:t>
-            </a:r>
-            <a:r>
-              <a:rPr lang="en-US" dirty="0" err="1"/>
-              <a:t>efisien</a:t>
-            </a:r>
-            <a:endParaRPr lang="en-ID" dirty="0"/>
-          </a:p>
-        </p:txBody>
-      </p:sp>
-      <p:sp>
-        <p:nvSpPr>
-          <p:cNvPr id="27" name="TextBox 26">
-            <a:extLst>
-              <a:ext uri="{FF2B5EF4-FFF2-40B4-BE49-F238E27FC236}">
-                <a16:creationId xmlns:a16="http://schemas.microsoft.com/office/drawing/2014/main" id="{B4B2ADCF-3F7E-EEF2-3AAE-7999D105B214}"/>
-              </a:ext>
-            </a:extLst>
-          </p:cNvPr>
-          <p:cNvSpPr txBox="1"/>
-          <p:nvPr/>
-        </p:nvSpPr>
-        <p:spPr>
-          <a:xfrm>
-            <a:off x="1678961" y="4486423"/>
-            <a:ext cx="3594017" cy="1477328"/>
-          </a:xfrm>
-          <a:prstGeom prst="rect">
-            <a:avLst/>
-          </a:prstGeom>
-          <a:noFill/>
-        </p:spPr>
-        <p:txBody>
-          <a:bodyPr wrap="square" rtlCol="0">
-            <a:spAutoFit/>
-          </a:bodyPr>
-          <a:lstStyle/>
-          <a:p>
-            <a:pPr marL="285750" indent="-285750">
-              <a:buFont typeface="Courier New" panose="02070309020205020404" pitchFamily="49" charset="0"/>
-              <a:buChar char="o"/>
-            </a:pPr>
-            <a:r>
-              <a:rPr lang="en-US" dirty="0"/>
-              <a:t>Integrasi </a:t>
-            </a:r>
-            <a:r>
-              <a:rPr lang="en-US" dirty="0" err="1"/>
-              <a:t>layanan</a:t>
-            </a:r>
-            <a:r>
-              <a:rPr lang="en-US" dirty="0"/>
-              <a:t> Google</a:t>
-            </a:r>
-          </a:p>
-          <a:p>
-            <a:pPr marL="285750" indent="-285750">
-              <a:buFont typeface="Courier New" panose="02070309020205020404" pitchFamily="49" charset="0"/>
-              <a:buChar char="o"/>
-            </a:pPr>
-            <a:r>
-              <a:rPr lang="en-US" dirty="0" err="1"/>
-              <a:t>Mendukung</a:t>
-            </a:r>
-            <a:r>
-              <a:rPr lang="en-US" dirty="0"/>
-              <a:t> </a:t>
-            </a:r>
-            <a:r>
-              <a:rPr lang="en-US" dirty="0" err="1"/>
-              <a:t>pengembangan</a:t>
-            </a:r>
-            <a:r>
-              <a:rPr lang="en-US" dirty="0"/>
-              <a:t> </a:t>
-            </a:r>
-            <a:r>
-              <a:rPr lang="en-US" dirty="0" err="1"/>
-              <a:t>penuh</a:t>
-            </a:r>
-            <a:r>
-              <a:rPr lang="en-US" dirty="0"/>
-              <a:t> </a:t>
-            </a:r>
-            <a:r>
-              <a:rPr lang="en-US" dirty="0" err="1"/>
-              <a:t>aplikasi</a:t>
-            </a:r>
-            <a:r>
-              <a:rPr lang="en-US" dirty="0"/>
-              <a:t> android</a:t>
-            </a:r>
-          </a:p>
-          <a:p>
-            <a:pPr marL="285750" indent="-285750">
-              <a:buFont typeface="Courier New" panose="02070309020205020404" pitchFamily="49" charset="0"/>
-              <a:buChar char="o"/>
-            </a:pPr>
-            <a:r>
-              <a:rPr lang="en-US" dirty="0"/>
-              <a:t>Built in </a:t>
-            </a:r>
-            <a:r>
-              <a:rPr lang="en-US" dirty="0" err="1"/>
-              <a:t>fitur</a:t>
-            </a:r>
-            <a:r>
-              <a:rPr lang="en-US" dirty="0"/>
-              <a:t> </a:t>
-            </a:r>
-            <a:r>
-              <a:rPr lang="en-US" dirty="0" err="1"/>
-              <a:t>untuk</a:t>
-            </a:r>
-            <a:r>
-              <a:rPr lang="en-US" dirty="0"/>
-              <a:t> </a:t>
-            </a:r>
-            <a:r>
-              <a:rPr lang="en-US" dirty="0" err="1"/>
-              <a:t>membantu</a:t>
-            </a:r>
-            <a:r>
-              <a:rPr lang="en-US" dirty="0"/>
-              <a:t> proses </a:t>
-            </a:r>
-            <a:r>
-              <a:rPr lang="en-US" dirty="0" err="1"/>
-              <a:t>penambangan</a:t>
-            </a:r>
-            <a:r>
-              <a:rPr lang="en-US" dirty="0"/>
-              <a:t> </a:t>
-            </a:r>
-            <a:r>
-              <a:rPr lang="en-US" dirty="0" err="1"/>
-              <a:t>aplikasi</a:t>
-            </a:r>
-            <a:endParaRPr lang="en-ID" dirty="0"/>
-          </a:p>
-        </p:txBody>
-      </p:sp>
     </p:spTree>
     <p:extLst>
       <p:ext uri="{BB962C8B-B14F-4D97-AF65-F5344CB8AC3E}">

--- a/dokumen/ppt_skripsi.pptx
+++ b/dokumen/ppt_skripsi.pptx
@@ -24,7 +24,21 @@
     <p:sldId id="276" r:id="rId18"/>
     <p:sldId id="277" r:id="rId19"/>
     <p:sldId id="256" r:id="rId20"/>
-    <p:sldId id="273" r:id="rId21"/>
+    <p:sldId id="291" r:id="rId21"/>
+    <p:sldId id="278" r:id="rId22"/>
+    <p:sldId id="279" r:id="rId23"/>
+    <p:sldId id="280" r:id="rId24"/>
+    <p:sldId id="281" r:id="rId25"/>
+    <p:sldId id="282" r:id="rId26"/>
+    <p:sldId id="283" r:id="rId27"/>
+    <p:sldId id="284" r:id="rId28"/>
+    <p:sldId id="290" r:id="rId29"/>
+    <p:sldId id="285" r:id="rId30"/>
+    <p:sldId id="286" r:id="rId31"/>
+    <p:sldId id="287" r:id="rId32"/>
+    <p:sldId id="288" r:id="rId33"/>
+    <p:sldId id="289" r:id="rId34"/>
+    <p:sldId id="273" r:id="rId35"/>
   </p:sldIdLst>
   <p:sldSz cx="12192000" cy="6858000"/>
   <p:notesSz cx="6858000" cy="9144000"/>
@@ -280,7 +294,7 @@
           <a:p>
             <a:fld id="{F5671809-4E7C-4B4C-B35D-BEB3A7116895}" type="datetimeFigureOut">
               <a:rPr lang="en-ID" smtClean="0"/>
-              <a:t>16/06/2022</a:t>
+              <a:t>19/06/2022</a:t>
             </a:fld>
             <a:endParaRPr lang="en-ID"/>
           </a:p>
@@ -480,7 +494,7 @@
           <a:p>
             <a:fld id="{F5671809-4E7C-4B4C-B35D-BEB3A7116895}" type="datetimeFigureOut">
               <a:rPr lang="en-ID" smtClean="0"/>
-              <a:t>16/06/2022</a:t>
+              <a:t>19/06/2022</a:t>
             </a:fld>
             <a:endParaRPr lang="en-ID"/>
           </a:p>
@@ -690,7 +704,7 @@
           <a:p>
             <a:fld id="{F5671809-4E7C-4B4C-B35D-BEB3A7116895}" type="datetimeFigureOut">
               <a:rPr lang="en-ID" smtClean="0"/>
-              <a:t>16/06/2022</a:t>
+              <a:t>19/06/2022</a:t>
             </a:fld>
             <a:endParaRPr lang="en-ID"/>
           </a:p>
@@ -890,7 +904,7 @@
           <a:p>
             <a:fld id="{F5671809-4E7C-4B4C-B35D-BEB3A7116895}" type="datetimeFigureOut">
               <a:rPr lang="en-ID" smtClean="0"/>
-              <a:t>16/06/2022</a:t>
+              <a:t>19/06/2022</a:t>
             </a:fld>
             <a:endParaRPr lang="en-ID"/>
           </a:p>
@@ -1166,7 +1180,7 @@
           <a:p>
             <a:fld id="{F5671809-4E7C-4B4C-B35D-BEB3A7116895}" type="datetimeFigureOut">
               <a:rPr lang="en-ID" smtClean="0"/>
-              <a:t>16/06/2022</a:t>
+              <a:t>19/06/2022</a:t>
             </a:fld>
             <a:endParaRPr lang="en-ID"/>
           </a:p>
@@ -1434,7 +1448,7 @@
           <a:p>
             <a:fld id="{F5671809-4E7C-4B4C-B35D-BEB3A7116895}" type="datetimeFigureOut">
               <a:rPr lang="en-ID" smtClean="0"/>
-              <a:t>16/06/2022</a:t>
+              <a:t>19/06/2022</a:t>
             </a:fld>
             <a:endParaRPr lang="en-ID"/>
           </a:p>
@@ -1849,7 +1863,7 @@
           <a:p>
             <a:fld id="{F5671809-4E7C-4B4C-B35D-BEB3A7116895}" type="datetimeFigureOut">
               <a:rPr lang="en-ID" smtClean="0"/>
-              <a:t>16/06/2022</a:t>
+              <a:t>19/06/2022</a:t>
             </a:fld>
             <a:endParaRPr lang="en-ID"/>
           </a:p>
@@ -1991,7 +2005,7 @@
           <a:p>
             <a:fld id="{F5671809-4E7C-4B4C-B35D-BEB3A7116895}" type="datetimeFigureOut">
               <a:rPr lang="en-ID" smtClean="0"/>
-              <a:t>16/06/2022</a:t>
+              <a:t>19/06/2022</a:t>
             </a:fld>
             <a:endParaRPr lang="en-ID"/>
           </a:p>
@@ -2104,7 +2118,7 @@
           <a:p>
             <a:fld id="{F5671809-4E7C-4B4C-B35D-BEB3A7116895}" type="datetimeFigureOut">
               <a:rPr lang="en-ID" smtClean="0"/>
-              <a:t>16/06/2022</a:t>
+              <a:t>19/06/2022</a:t>
             </a:fld>
             <a:endParaRPr lang="en-ID"/>
           </a:p>
@@ -2417,7 +2431,7 @@
           <a:p>
             <a:fld id="{F5671809-4E7C-4B4C-B35D-BEB3A7116895}" type="datetimeFigureOut">
               <a:rPr lang="en-ID" smtClean="0"/>
-              <a:t>16/06/2022</a:t>
+              <a:t>19/06/2022</a:t>
             </a:fld>
             <a:endParaRPr lang="en-ID"/>
           </a:p>
@@ -2706,7 +2720,7 @@
           <a:p>
             <a:fld id="{F5671809-4E7C-4B4C-B35D-BEB3A7116895}" type="datetimeFigureOut">
               <a:rPr lang="en-ID" smtClean="0"/>
-              <a:t>16/06/2022</a:t>
+              <a:t>19/06/2022</a:t>
             </a:fld>
             <a:endParaRPr lang="en-ID"/>
           </a:p>
@@ -2949,7 +2963,7 @@
           <a:p>
             <a:fld id="{F5671809-4E7C-4B4C-B35D-BEB3A7116895}" type="datetimeFigureOut">
               <a:rPr lang="en-ID" smtClean="0"/>
-              <a:t>16/06/2022</a:t>
+              <a:t>19/06/2022</a:t>
             </a:fld>
             <a:endParaRPr lang="en-ID"/>
           </a:p>
@@ -7107,7 +7121,7 @@
         </p:nvSpPr>
         <p:spPr>
           <a:xfrm>
-            <a:off x="748242" y="5185850"/>
+            <a:off x="860863" y="5316632"/>
             <a:ext cx="1206280" cy="307777"/>
           </a:xfrm>
           <a:prstGeom prst="rect">
@@ -7245,7 +7259,7 @@
         </p:nvSpPr>
         <p:spPr>
           <a:xfrm>
-            <a:off x="3604708" y="5185850"/>
+            <a:off x="3604708" y="5316633"/>
             <a:ext cx="3130327" cy="307777"/>
           </a:xfrm>
           <a:prstGeom prst="rect">
@@ -7330,13 +7344,13 @@
               </a:ext>
             </a:extLst>
           </a:blip>
-          <a:srcRect t="50000" r="52400"/>
+          <a:srcRect t="53097" r="52400" b="1"/>
           <a:stretch/>
         </p:blipFill>
         <p:spPr>
           <a:xfrm>
-            <a:off x="8109312" y="2526626"/>
-            <a:ext cx="2713594" cy="2743200"/>
+            <a:off x="8098734" y="2756209"/>
+            <a:ext cx="2713594" cy="2573279"/>
           </a:xfrm>
           <a:prstGeom prst="rect">
             <a:avLst/>
@@ -7360,7 +7374,7 @@
         </p:nvSpPr>
         <p:spPr>
           <a:xfrm>
-            <a:off x="7669328" y="5185849"/>
+            <a:off x="7669330" y="5318604"/>
             <a:ext cx="3572402" cy="307777"/>
           </a:xfrm>
           <a:prstGeom prst="rect">
@@ -12731,105 +12745,94 @@
           <a:chExt cx="0" cy="0"/>
         </a:xfrm>
       </p:grpSpPr>
-      <p:grpSp>
-        <p:nvGrpSpPr>
-          <p:cNvPr id="5" name="Group 4">
-            <a:extLst>
-              <a:ext uri="{FF2B5EF4-FFF2-40B4-BE49-F238E27FC236}">
-                <a16:creationId xmlns:a16="http://schemas.microsoft.com/office/drawing/2014/main" id="{37180081-D86E-BDE0-B85E-2FFB4768CC5A}"/>
-              </a:ext>
-            </a:extLst>
-          </p:cNvPr>
-          <p:cNvGrpSpPr/>
-          <p:nvPr/>
-        </p:nvGrpSpPr>
-        <p:grpSpPr>
-          <a:xfrm>
-            <a:off x="989730" y="936163"/>
-            <a:ext cx="4767257" cy="4985672"/>
-            <a:chOff x="989731" y="1548151"/>
-            <a:chExt cx="4767257" cy="4985672"/>
-          </a:xfrm>
-        </p:grpSpPr>
-        <p:pic>
-          <p:nvPicPr>
-            <p:cNvPr id="6" name="Picture 5">
-              <a:extLst>
-                <a:ext uri="{FF2B5EF4-FFF2-40B4-BE49-F238E27FC236}">
-                  <a16:creationId xmlns:a16="http://schemas.microsoft.com/office/drawing/2014/main" id="{CB85998C-A2AF-364D-C3C8-F5BA8E24DAC0}"/>
-                </a:ext>
-              </a:extLst>
-            </p:cNvPr>
-            <p:cNvPicPr>
-              <a:picLocks noChangeAspect="1"/>
-            </p:cNvPicPr>
-            <p:nvPr/>
-          </p:nvPicPr>
-          <p:blipFill>
-            <a:blip r:embed="rId2">
-              <a:extLst>
-                <a:ext uri="{28A0092B-C50C-407E-A947-70E740481C1C}">
-                  <a14:useLocalDpi xmlns:a14="http://schemas.microsoft.com/office/drawing/2010/main" val="0"/>
-                </a:ext>
-              </a:extLst>
-            </a:blip>
-            <a:stretch>
-              <a:fillRect/>
-            </a:stretch>
-          </p:blipFill>
-          <p:spPr>
-            <a:xfrm>
-              <a:off x="989731" y="4216504"/>
-              <a:ext cx="4767257" cy="2317319"/>
-            </a:xfrm>
-            <a:prstGeom prst="rect">
-              <a:avLst/>
-            </a:prstGeom>
-          </p:spPr>
-        </p:pic>
-        <p:pic>
-          <p:nvPicPr>
-            <p:cNvPr id="7" name="Picture 6">
-              <a:extLst>
-                <a:ext uri="{FF2B5EF4-FFF2-40B4-BE49-F238E27FC236}">
-                  <a16:creationId xmlns:a16="http://schemas.microsoft.com/office/drawing/2014/main" id="{93BA5F63-E30A-DA51-382F-EB49A0905D16}"/>
-                </a:ext>
-              </a:extLst>
-            </p:cNvPr>
-            <p:cNvPicPr>
-              <a:picLocks noChangeAspect="1"/>
-            </p:cNvPicPr>
-            <p:nvPr/>
-          </p:nvPicPr>
-          <p:blipFill>
-            <a:blip r:embed="rId3">
-              <a:extLst>
-                <a:ext uri="{28A0092B-C50C-407E-A947-70E740481C1C}">
-                  <a14:useLocalDpi xmlns:a14="http://schemas.microsoft.com/office/drawing/2010/main" val="0"/>
-                </a:ext>
-              </a:extLst>
-            </a:blip>
-            <a:stretch>
-              <a:fillRect/>
-            </a:stretch>
-          </p:blipFill>
-          <p:spPr>
-            <a:xfrm>
-              <a:off x="989731" y="1548151"/>
-              <a:ext cx="4767257" cy="2775075"/>
-            </a:xfrm>
-            <a:prstGeom prst="rect">
-              <a:avLst/>
-            </a:prstGeom>
-          </p:spPr>
-        </p:pic>
-      </p:grpSp>
+      <p:sp>
+        <p:nvSpPr>
+          <p:cNvPr id="2" name="Title 1">
+            <a:extLst>
+              <a:ext uri="{FF2B5EF4-FFF2-40B4-BE49-F238E27FC236}">
+                <a16:creationId xmlns:a16="http://schemas.microsoft.com/office/drawing/2014/main" id="{4152192D-3FA2-C559-D8B0-E1AADB0DB65F}"/>
+              </a:ext>
+            </a:extLst>
+          </p:cNvPr>
+          <p:cNvSpPr>
+            <a:spLocks noGrp="1"/>
+          </p:cNvSpPr>
+          <p:nvPr>
+            <p:ph type="ctrTitle"/>
+          </p:nvPr>
+        </p:nvSpPr>
+        <p:spPr>
+          <a:xfrm>
+            <a:off x="1524000" y="2966308"/>
+            <a:ext cx="9144000" cy="925383"/>
+          </a:xfrm>
+        </p:spPr>
+        <p:txBody>
+          <a:bodyPr>
+            <a:normAutofit/>
+          </a:bodyPr>
+          <a:lstStyle/>
+          <a:p>
+            <a:r>
+              <a:rPr lang="en-US" sz="4000" dirty="0">
+                <a:latin typeface="+mn-lt"/>
+              </a:rPr>
+              <a:t>Slide </a:t>
+            </a:r>
+            <a:r>
+              <a:rPr lang="en-US" sz="4000" dirty="0" err="1">
+                <a:latin typeface="+mn-lt"/>
+              </a:rPr>
+              <a:t>pendukung</a:t>
+            </a:r>
+            <a:r>
+              <a:rPr lang="en-US" sz="4000" dirty="0">
+                <a:latin typeface="+mn-lt"/>
+              </a:rPr>
+              <a:t> </a:t>
+            </a:r>
+            <a:endParaRPr lang="en-ID" sz="2200" dirty="0">
+              <a:latin typeface="+mn-lt"/>
+            </a:endParaRPr>
+          </a:p>
+        </p:txBody>
+      </p:sp>
+    </p:spTree>
+    <p:extLst>
+      <p:ext uri="{BB962C8B-B14F-4D97-AF65-F5344CB8AC3E}">
+        <p14:creationId xmlns:p14="http://schemas.microsoft.com/office/powerpoint/2010/main" val="773260645"/>
+      </p:ext>
+    </p:extLst>
+  </p:cSld>
+  <p:clrMapOvr>
+    <a:masterClrMapping/>
+  </p:clrMapOvr>
+</p:sld>
+</file>
+
+<file path=ppt/slides/slide21.xml><?xml version="1.0" encoding="utf-8"?>
+<p:sld xmlns:a="http://schemas.openxmlformats.org/drawingml/2006/main" xmlns:r="http://schemas.openxmlformats.org/officeDocument/2006/relationships" xmlns:p="http://schemas.openxmlformats.org/presentationml/2006/main">
+  <p:cSld>
+    <p:spTree>
+      <p:nvGrpSpPr>
+        <p:cNvPr id="1" name=""/>
+        <p:cNvGrpSpPr/>
+        <p:nvPr/>
+      </p:nvGrpSpPr>
+      <p:grpSpPr>
+        <a:xfrm>
+          <a:off x="0" y="0"/>
+          <a:ext cx="0" cy="0"/>
+          <a:chOff x="0" y="0"/>
+          <a:chExt cx="0" cy="0"/>
+        </a:xfrm>
+      </p:grpSpPr>
       <p:pic>
         <p:nvPicPr>
-          <p:cNvPr id="8" name="Picture 7">
-            <a:extLst>
-              <a:ext uri="{FF2B5EF4-FFF2-40B4-BE49-F238E27FC236}">
-                <a16:creationId xmlns:a16="http://schemas.microsoft.com/office/drawing/2014/main" id="{2CEF4D4B-507D-A84F-9E50-1B6093933964}"/>
+          <p:cNvPr id="4" name="Picture 3" descr="Chart, diagram, funnel chart&#10;&#10;Description automatically generated">
+            <a:extLst>
+              <a:ext uri="{FF2B5EF4-FFF2-40B4-BE49-F238E27FC236}">
+                <a16:creationId xmlns:a16="http://schemas.microsoft.com/office/drawing/2014/main" id="{71388BEB-EE1B-C372-A453-8B04994569F7}"/>
               </a:ext>
             </a:extLst>
           </p:cNvPr>
@@ -12839,7 +12842,952 @@
           <p:nvPr/>
         </p:nvPicPr>
         <p:blipFill>
-          <a:blip r:embed="rId4">
+          <a:blip r:embed="rId2" cstate="print">
+            <a:extLst>
+              <a:ext uri="{28A0092B-C50C-407E-A947-70E740481C1C}">
+                <a14:useLocalDpi xmlns:a14="http://schemas.microsoft.com/office/drawing/2010/main" val="0"/>
+              </a:ext>
+            </a:extLst>
+          </a:blip>
+          <a:srcRect/>
+          <a:stretch>
+            <a:fillRect/>
+          </a:stretch>
+        </p:blipFill>
+        <p:spPr bwMode="auto">
+          <a:xfrm>
+            <a:off x="3450469" y="1600200"/>
+            <a:ext cx="5291061" cy="3657600"/>
+          </a:xfrm>
+          <a:prstGeom prst="rect">
+            <a:avLst/>
+          </a:prstGeom>
+          <a:noFill/>
+          <a:ln w="12700">
+            <a:solidFill>
+              <a:schemeClr val="tx1"/>
+            </a:solidFill>
+          </a:ln>
+        </p:spPr>
+      </p:pic>
+      <p:sp>
+        <p:nvSpPr>
+          <p:cNvPr id="5" name="TextBox 4">
+            <a:extLst>
+              <a:ext uri="{FF2B5EF4-FFF2-40B4-BE49-F238E27FC236}">
+                <a16:creationId xmlns:a16="http://schemas.microsoft.com/office/drawing/2014/main" id="{139CD6B4-99E5-4F71-E0A0-A8C3D5C5888A}"/>
+              </a:ext>
+            </a:extLst>
+          </p:cNvPr>
+          <p:cNvSpPr txBox="1"/>
+          <p:nvPr/>
+        </p:nvSpPr>
+        <p:spPr>
+          <a:xfrm>
+            <a:off x="3657600" y="5337110"/>
+            <a:ext cx="5029200" cy="369332"/>
+          </a:xfrm>
+          <a:prstGeom prst="rect">
+            <a:avLst/>
+          </a:prstGeom>
+          <a:noFill/>
+        </p:spPr>
+        <p:txBody>
+          <a:bodyPr wrap="square" rtlCol="0">
+            <a:spAutoFit/>
+          </a:bodyPr>
+          <a:lstStyle/>
+          <a:p>
+            <a:pPr algn="ctr"/>
+            <a:r>
+              <a:rPr lang="en-US" dirty="0"/>
+              <a:t>Use case diagram </a:t>
+            </a:r>
+            <a:endParaRPr lang="en-ID" dirty="0"/>
+          </a:p>
+        </p:txBody>
+      </p:sp>
+    </p:spTree>
+    <p:extLst>
+      <p:ext uri="{BB962C8B-B14F-4D97-AF65-F5344CB8AC3E}">
+        <p14:creationId xmlns:p14="http://schemas.microsoft.com/office/powerpoint/2010/main" val="2299669409"/>
+      </p:ext>
+    </p:extLst>
+  </p:cSld>
+  <p:clrMapOvr>
+    <a:masterClrMapping/>
+  </p:clrMapOvr>
+</p:sld>
+</file>
+
+<file path=ppt/slides/slide22.xml><?xml version="1.0" encoding="utf-8"?>
+<p:sld xmlns:a="http://schemas.openxmlformats.org/drawingml/2006/main" xmlns:r="http://schemas.openxmlformats.org/officeDocument/2006/relationships" xmlns:p="http://schemas.openxmlformats.org/presentationml/2006/main">
+  <p:cSld>
+    <p:spTree>
+      <p:nvGrpSpPr>
+        <p:cNvPr id="1" name=""/>
+        <p:cNvGrpSpPr/>
+        <p:nvPr/>
+      </p:nvGrpSpPr>
+      <p:grpSpPr>
+        <a:xfrm>
+          <a:off x="0" y="0"/>
+          <a:ext cx="0" cy="0"/>
+          <a:chOff x="0" y="0"/>
+          <a:chExt cx="0" cy="0"/>
+        </a:xfrm>
+      </p:grpSpPr>
+      <p:sp>
+        <p:nvSpPr>
+          <p:cNvPr id="5" name="TextBox 4">
+            <a:extLst>
+              <a:ext uri="{FF2B5EF4-FFF2-40B4-BE49-F238E27FC236}">
+                <a16:creationId xmlns:a16="http://schemas.microsoft.com/office/drawing/2014/main" id="{139CD6B4-99E5-4F71-E0A0-A8C3D5C5888A}"/>
+              </a:ext>
+            </a:extLst>
+          </p:cNvPr>
+          <p:cNvSpPr txBox="1"/>
+          <p:nvPr/>
+        </p:nvSpPr>
+        <p:spPr>
+          <a:xfrm>
+            <a:off x="3657600" y="5337110"/>
+            <a:ext cx="5029200" cy="369332"/>
+          </a:xfrm>
+          <a:prstGeom prst="rect">
+            <a:avLst/>
+          </a:prstGeom>
+          <a:noFill/>
+        </p:spPr>
+        <p:txBody>
+          <a:bodyPr wrap="square" rtlCol="0">
+            <a:spAutoFit/>
+          </a:bodyPr>
+          <a:lstStyle/>
+          <a:p>
+            <a:pPr algn="ctr"/>
+            <a:r>
+              <a:rPr lang="en-US" dirty="0"/>
+              <a:t>Activity diagram login </a:t>
+            </a:r>
+            <a:endParaRPr lang="en-ID" dirty="0"/>
+          </a:p>
+        </p:txBody>
+      </p:sp>
+      <p:pic>
+        <p:nvPicPr>
+          <p:cNvPr id="6" name="Picture 5" descr="A picture containing timeline&#10;&#10;Description automatically generated">
+            <a:extLst>
+              <a:ext uri="{FF2B5EF4-FFF2-40B4-BE49-F238E27FC236}">
+                <a16:creationId xmlns:a16="http://schemas.microsoft.com/office/drawing/2014/main" id="{575716B8-5526-C03C-B904-98E6DEBB147F}"/>
+              </a:ext>
+            </a:extLst>
+          </p:cNvPr>
+          <p:cNvPicPr>
+            <a:picLocks noChangeAspect="1"/>
+          </p:cNvPicPr>
+          <p:nvPr/>
+        </p:nvPicPr>
+        <p:blipFill>
+          <a:blip r:embed="rId2">
+            <a:extLst>
+              <a:ext uri="{28A0092B-C50C-407E-A947-70E740481C1C}">
+                <a14:useLocalDpi xmlns:a14="http://schemas.microsoft.com/office/drawing/2010/main" val="0"/>
+              </a:ext>
+            </a:extLst>
+          </a:blip>
+          <a:srcRect/>
+          <a:stretch>
+            <a:fillRect/>
+          </a:stretch>
+        </p:blipFill>
+        <p:spPr bwMode="auto">
+          <a:xfrm>
+            <a:off x="4344624" y="1600200"/>
+            <a:ext cx="3502751" cy="3657600"/>
+          </a:xfrm>
+          <a:prstGeom prst="rect">
+            <a:avLst/>
+          </a:prstGeom>
+          <a:noFill/>
+          <a:ln w="12700">
+            <a:solidFill>
+              <a:schemeClr val="tx1"/>
+            </a:solidFill>
+          </a:ln>
+        </p:spPr>
+      </p:pic>
+    </p:spTree>
+    <p:extLst>
+      <p:ext uri="{BB962C8B-B14F-4D97-AF65-F5344CB8AC3E}">
+        <p14:creationId xmlns:p14="http://schemas.microsoft.com/office/powerpoint/2010/main" val="840472740"/>
+      </p:ext>
+    </p:extLst>
+  </p:cSld>
+  <p:clrMapOvr>
+    <a:masterClrMapping/>
+  </p:clrMapOvr>
+</p:sld>
+</file>
+
+<file path=ppt/slides/slide23.xml><?xml version="1.0" encoding="utf-8"?>
+<p:sld xmlns:a="http://schemas.openxmlformats.org/drawingml/2006/main" xmlns:r="http://schemas.openxmlformats.org/officeDocument/2006/relationships" xmlns:p="http://schemas.openxmlformats.org/presentationml/2006/main">
+  <p:cSld>
+    <p:spTree>
+      <p:nvGrpSpPr>
+        <p:cNvPr id="1" name=""/>
+        <p:cNvGrpSpPr/>
+        <p:nvPr/>
+      </p:nvGrpSpPr>
+      <p:grpSpPr>
+        <a:xfrm>
+          <a:off x="0" y="0"/>
+          <a:ext cx="0" cy="0"/>
+          <a:chOff x="0" y="0"/>
+          <a:chExt cx="0" cy="0"/>
+        </a:xfrm>
+      </p:grpSpPr>
+      <p:sp>
+        <p:nvSpPr>
+          <p:cNvPr id="5" name="TextBox 4">
+            <a:extLst>
+              <a:ext uri="{FF2B5EF4-FFF2-40B4-BE49-F238E27FC236}">
+                <a16:creationId xmlns:a16="http://schemas.microsoft.com/office/drawing/2014/main" id="{139CD6B4-99E5-4F71-E0A0-A8C3D5C5888A}"/>
+              </a:ext>
+            </a:extLst>
+          </p:cNvPr>
+          <p:cNvSpPr txBox="1"/>
+          <p:nvPr/>
+        </p:nvSpPr>
+        <p:spPr>
+          <a:xfrm>
+            <a:off x="3581399" y="6172200"/>
+            <a:ext cx="5029200" cy="369332"/>
+          </a:xfrm>
+          <a:prstGeom prst="rect">
+            <a:avLst/>
+          </a:prstGeom>
+          <a:noFill/>
+        </p:spPr>
+        <p:txBody>
+          <a:bodyPr wrap="square" rtlCol="0">
+            <a:spAutoFit/>
+          </a:bodyPr>
+          <a:lstStyle/>
+          <a:p>
+            <a:pPr algn="ctr"/>
+            <a:r>
+              <a:rPr lang="en-US" dirty="0"/>
+              <a:t>Activity diagram </a:t>
+            </a:r>
+            <a:r>
+              <a:rPr lang="en-US" dirty="0" err="1"/>
+              <a:t>presensi</a:t>
+            </a:r>
+            <a:r>
+              <a:rPr lang="en-US" dirty="0"/>
+              <a:t> </a:t>
+            </a:r>
+            <a:endParaRPr lang="en-ID" dirty="0"/>
+          </a:p>
+        </p:txBody>
+      </p:sp>
+      <p:pic>
+        <p:nvPicPr>
+          <p:cNvPr id="4" name="Picture 3" descr="A screenshot of a computer&#10;&#10;Description automatically generated with low confidence">
+            <a:extLst>
+              <a:ext uri="{FF2B5EF4-FFF2-40B4-BE49-F238E27FC236}">
+                <a16:creationId xmlns:a16="http://schemas.microsoft.com/office/drawing/2014/main" id="{AA4DEC84-1FE4-4678-1EA0-690585AA9D95}"/>
+              </a:ext>
+            </a:extLst>
+          </p:cNvPr>
+          <p:cNvPicPr>
+            <a:picLocks noChangeAspect="1"/>
+          </p:cNvPicPr>
+          <p:nvPr/>
+        </p:nvPicPr>
+        <p:blipFill>
+          <a:blip r:embed="rId2">
+            <a:extLst>
+              <a:ext uri="{28A0092B-C50C-407E-A947-70E740481C1C}">
+                <a14:useLocalDpi xmlns:a14="http://schemas.microsoft.com/office/drawing/2010/main" val="0"/>
+              </a:ext>
+            </a:extLst>
+          </a:blip>
+          <a:srcRect/>
+          <a:stretch>
+            <a:fillRect/>
+          </a:stretch>
+        </p:blipFill>
+        <p:spPr bwMode="auto">
+          <a:xfrm>
+            <a:off x="5121834" y="685800"/>
+            <a:ext cx="1948331" cy="5486400"/>
+          </a:xfrm>
+          <a:prstGeom prst="rect">
+            <a:avLst/>
+          </a:prstGeom>
+          <a:noFill/>
+          <a:ln w="12700">
+            <a:solidFill>
+              <a:schemeClr val="tx1"/>
+            </a:solidFill>
+          </a:ln>
+        </p:spPr>
+      </p:pic>
+    </p:spTree>
+    <p:extLst>
+      <p:ext uri="{BB962C8B-B14F-4D97-AF65-F5344CB8AC3E}">
+        <p14:creationId xmlns:p14="http://schemas.microsoft.com/office/powerpoint/2010/main" val="1227298233"/>
+      </p:ext>
+    </p:extLst>
+  </p:cSld>
+  <p:clrMapOvr>
+    <a:masterClrMapping/>
+  </p:clrMapOvr>
+</p:sld>
+</file>
+
+<file path=ppt/slides/slide24.xml><?xml version="1.0" encoding="utf-8"?>
+<p:sld xmlns:a="http://schemas.openxmlformats.org/drawingml/2006/main" xmlns:r="http://schemas.openxmlformats.org/officeDocument/2006/relationships" xmlns:p="http://schemas.openxmlformats.org/presentationml/2006/main">
+  <p:cSld>
+    <p:spTree>
+      <p:nvGrpSpPr>
+        <p:cNvPr id="1" name=""/>
+        <p:cNvGrpSpPr/>
+        <p:nvPr/>
+      </p:nvGrpSpPr>
+      <p:grpSpPr>
+        <a:xfrm>
+          <a:off x="0" y="0"/>
+          <a:ext cx="0" cy="0"/>
+          <a:chOff x="0" y="0"/>
+          <a:chExt cx="0" cy="0"/>
+        </a:xfrm>
+      </p:grpSpPr>
+      <p:sp>
+        <p:nvSpPr>
+          <p:cNvPr id="5" name="TextBox 4">
+            <a:extLst>
+              <a:ext uri="{FF2B5EF4-FFF2-40B4-BE49-F238E27FC236}">
+                <a16:creationId xmlns:a16="http://schemas.microsoft.com/office/drawing/2014/main" id="{139CD6B4-99E5-4F71-E0A0-A8C3D5C5888A}"/>
+              </a:ext>
+            </a:extLst>
+          </p:cNvPr>
+          <p:cNvSpPr txBox="1"/>
+          <p:nvPr/>
+        </p:nvSpPr>
+        <p:spPr>
+          <a:xfrm>
+            <a:off x="3581400" y="4917404"/>
+            <a:ext cx="5029200" cy="369332"/>
+          </a:xfrm>
+          <a:prstGeom prst="rect">
+            <a:avLst/>
+          </a:prstGeom>
+          <a:noFill/>
+        </p:spPr>
+        <p:txBody>
+          <a:bodyPr wrap="square" rtlCol="0">
+            <a:spAutoFit/>
+          </a:bodyPr>
+          <a:lstStyle/>
+          <a:p>
+            <a:pPr algn="ctr"/>
+            <a:r>
+              <a:rPr lang="en-US" dirty="0"/>
+              <a:t>Seq diagram </a:t>
+            </a:r>
+            <a:r>
+              <a:rPr lang="en-US" dirty="0" err="1"/>
+              <a:t>presensi</a:t>
+            </a:r>
+            <a:endParaRPr lang="en-ID" dirty="0"/>
+          </a:p>
+        </p:txBody>
+      </p:sp>
+      <p:pic>
+        <p:nvPicPr>
+          <p:cNvPr id="6" name="Picture 5">
+            <a:extLst>
+              <a:ext uri="{FF2B5EF4-FFF2-40B4-BE49-F238E27FC236}">
+                <a16:creationId xmlns:a16="http://schemas.microsoft.com/office/drawing/2014/main" id="{0519C371-7E10-ED42-FD41-12A02CF64938}"/>
+              </a:ext>
+            </a:extLst>
+          </p:cNvPr>
+          <p:cNvPicPr>
+            <a:picLocks noChangeAspect="1"/>
+          </p:cNvPicPr>
+          <p:nvPr/>
+        </p:nvPicPr>
+        <p:blipFill>
+          <a:blip r:embed="rId2">
+            <a:extLst>
+              <a:ext uri="{28A0092B-C50C-407E-A947-70E740481C1C}">
+                <a14:useLocalDpi xmlns:a14="http://schemas.microsoft.com/office/drawing/2010/main" val="0"/>
+              </a:ext>
+            </a:extLst>
+          </a:blip>
+          <a:srcRect/>
+          <a:stretch>
+            <a:fillRect/>
+          </a:stretch>
+        </p:blipFill>
+        <p:spPr bwMode="auto">
+          <a:xfrm>
+            <a:off x="844239" y="1259804"/>
+            <a:ext cx="10967960" cy="3657600"/>
+          </a:xfrm>
+          <a:prstGeom prst="rect">
+            <a:avLst/>
+          </a:prstGeom>
+          <a:noFill/>
+          <a:ln w="12700">
+            <a:solidFill>
+              <a:schemeClr val="tx1"/>
+            </a:solidFill>
+          </a:ln>
+        </p:spPr>
+      </p:pic>
+    </p:spTree>
+    <p:extLst>
+      <p:ext uri="{BB962C8B-B14F-4D97-AF65-F5344CB8AC3E}">
+        <p14:creationId xmlns:p14="http://schemas.microsoft.com/office/powerpoint/2010/main" val="1652065340"/>
+      </p:ext>
+    </p:extLst>
+  </p:cSld>
+  <p:clrMapOvr>
+    <a:masterClrMapping/>
+  </p:clrMapOvr>
+</p:sld>
+</file>
+
+<file path=ppt/slides/slide25.xml><?xml version="1.0" encoding="utf-8"?>
+<p:sld xmlns:a="http://schemas.openxmlformats.org/drawingml/2006/main" xmlns:r="http://schemas.openxmlformats.org/officeDocument/2006/relationships" xmlns:p="http://schemas.openxmlformats.org/presentationml/2006/main">
+  <p:cSld>
+    <p:spTree>
+      <p:nvGrpSpPr>
+        <p:cNvPr id="1" name=""/>
+        <p:cNvGrpSpPr/>
+        <p:nvPr/>
+      </p:nvGrpSpPr>
+      <p:grpSpPr>
+        <a:xfrm>
+          <a:off x="0" y="0"/>
+          <a:ext cx="0" cy="0"/>
+          <a:chOff x="0" y="0"/>
+          <a:chExt cx="0" cy="0"/>
+        </a:xfrm>
+      </p:grpSpPr>
+      <p:sp>
+        <p:nvSpPr>
+          <p:cNvPr id="5" name="TextBox 4">
+            <a:extLst>
+              <a:ext uri="{FF2B5EF4-FFF2-40B4-BE49-F238E27FC236}">
+                <a16:creationId xmlns:a16="http://schemas.microsoft.com/office/drawing/2014/main" id="{139CD6B4-99E5-4F71-E0A0-A8C3D5C5888A}"/>
+              </a:ext>
+            </a:extLst>
+          </p:cNvPr>
+          <p:cNvSpPr txBox="1"/>
+          <p:nvPr/>
+        </p:nvSpPr>
+        <p:spPr>
+          <a:xfrm>
+            <a:off x="3581400" y="4982719"/>
+            <a:ext cx="5029200" cy="369332"/>
+          </a:xfrm>
+          <a:prstGeom prst="rect">
+            <a:avLst/>
+          </a:prstGeom>
+          <a:noFill/>
+        </p:spPr>
+        <p:txBody>
+          <a:bodyPr wrap="square" rtlCol="0">
+            <a:spAutoFit/>
+          </a:bodyPr>
+          <a:lstStyle/>
+          <a:p>
+            <a:pPr algn="ctr"/>
+            <a:r>
+              <a:rPr lang="en-US" dirty="0"/>
+              <a:t>Wireframe </a:t>
+            </a:r>
+            <a:r>
+              <a:rPr lang="en-US" dirty="0" err="1"/>
+              <a:t>aplikasi</a:t>
+            </a:r>
+            <a:endParaRPr lang="en-ID" dirty="0"/>
+          </a:p>
+        </p:txBody>
+      </p:sp>
+      <p:pic>
+        <p:nvPicPr>
+          <p:cNvPr id="4" name="Picture 3" descr="A picture containing text, different, bunch, lined&#10;&#10;Description automatically generated">
+            <a:extLst>
+              <a:ext uri="{FF2B5EF4-FFF2-40B4-BE49-F238E27FC236}">
+                <a16:creationId xmlns:a16="http://schemas.microsoft.com/office/drawing/2014/main" id="{4B79C3FF-342F-413D-87E5-BF1F8FE1E0E8}"/>
+              </a:ext>
+            </a:extLst>
+          </p:cNvPr>
+          <p:cNvPicPr>
+            <a:picLocks noChangeAspect="1"/>
+          </p:cNvPicPr>
+          <p:nvPr/>
+        </p:nvPicPr>
+        <p:blipFill rotWithShape="1">
+          <a:blip r:embed="rId2" cstate="print">
+            <a:extLst>
+              <a:ext uri="{28A0092B-C50C-407E-A947-70E740481C1C}">
+                <a14:useLocalDpi xmlns:a14="http://schemas.microsoft.com/office/drawing/2010/main" val="0"/>
+              </a:ext>
+            </a:extLst>
+          </a:blip>
+          <a:srcRect r="51877" b="51428"/>
+          <a:stretch/>
+        </p:blipFill>
+        <p:spPr>
+          <a:xfrm>
+            <a:off x="397666" y="2057400"/>
+            <a:ext cx="2823851" cy="2743200"/>
+          </a:xfrm>
+          <a:prstGeom prst="rect">
+            <a:avLst/>
+          </a:prstGeom>
+          <a:ln w="12700">
+            <a:solidFill>
+              <a:schemeClr val="tx1"/>
+            </a:solidFill>
+          </a:ln>
+        </p:spPr>
+      </p:pic>
+      <p:pic>
+        <p:nvPicPr>
+          <p:cNvPr id="7" name="Picture 6" descr="A picture containing text, different, bunch, lined&#10;&#10;Description automatically generated">
+            <a:extLst>
+              <a:ext uri="{FF2B5EF4-FFF2-40B4-BE49-F238E27FC236}">
+                <a16:creationId xmlns:a16="http://schemas.microsoft.com/office/drawing/2014/main" id="{443F1DFB-B8CA-4C9F-A999-BFAC2BC67344}"/>
+              </a:ext>
+            </a:extLst>
+          </p:cNvPr>
+          <p:cNvPicPr>
+            <a:picLocks noChangeAspect="1"/>
+          </p:cNvPicPr>
+          <p:nvPr/>
+        </p:nvPicPr>
+        <p:blipFill rotWithShape="1">
+          <a:blip r:embed="rId3" cstate="print">
+            <a:extLst>
+              <a:ext uri="{28A0092B-C50C-407E-A947-70E740481C1C}">
+                <a14:useLocalDpi xmlns:a14="http://schemas.microsoft.com/office/drawing/2010/main" val="0"/>
+              </a:ext>
+            </a:extLst>
+          </a:blip>
+          <a:srcRect l="47397" b="50885"/>
+          <a:stretch/>
+        </p:blipFill>
+        <p:spPr>
+          <a:xfrm>
+            <a:off x="3221517" y="2065706"/>
+            <a:ext cx="3052899" cy="2743200"/>
+          </a:xfrm>
+          <a:prstGeom prst="rect">
+            <a:avLst/>
+          </a:prstGeom>
+          <a:ln w="12700">
+            <a:solidFill>
+              <a:schemeClr val="tx1"/>
+            </a:solidFill>
+          </a:ln>
+        </p:spPr>
+      </p:pic>
+      <p:pic>
+        <p:nvPicPr>
+          <p:cNvPr id="8" name="Picture 7" descr="A picture containing text, different, lined&#10;&#10;Description automatically generated">
+            <a:extLst>
+              <a:ext uri="{FF2B5EF4-FFF2-40B4-BE49-F238E27FC236}">
+                <a16:creationId xmlns:a16="http://schemas.microsoft.com/office/drawing/2014/main" id="{A103772D-6E8E-4FED-A0A3-4197E116D3A9}"/>
+              </a:ext>
+            </a:extLst>
+          </p:cNvPr>
+          <p:cNvPicPr>
+            <a:picLocks noChangeAspect="1"/>
+          </p:cNvPicPr>
+          <p:nvPr/>
+        </p:nvPicPr>
+        <p:blipFill rotWithShape="1">
+          <a:blip r:embed="rId4" cstate="print">
+            <a:extLst>
+              <a:ext uri="{28A0092B-C50C-407E-A947-70E740481C1C}">
+                <a14:useLocalDpi xmlns:a14="http://schemas.microsoft.com/office/drawing/2010/main" val="0"/>
+              </a:ext>
+            </a:extLst>
+          </a:blip>
+          <a:srcRect t="50000" r="52400"/>
+          <a:stretch/>
+        </p:blipFill>
+        <p:spPr>
+          <a:xfrm>
+            <a:off x="9110695" y="2057400"/>
+            <a:ext cx="2713593" cy="2743200"/>
+          </a:xfrm>
+          <a:prstGeom prst="rect">
+            <a:avLst/>
+          </a:prstGeom>
+          <a:ln w="12700">
+            <a:solidFill>
+              <a:schemeClr val="tx1"/>
+            </a:solidFill>
+          </a:ln>
+        </p:spPr>
+      </p:pic>
+      <p:pic>
+        <p:nvPicPr>
+          <p:cNvPr id="9" name="Picture 8" descr="A picture containing text, different, lined&#10;&#10;Description automatically generated">
+            <a:extLst>
+              <a:ext uri="{FF2B5EF4-FFF2-40B4-BE49-F238E27FC236}">
+                <a16:creationId xmlns:a16="http://schemas.microsoft.com/office/drawing/2014/main" id="{8CD65CAC-73D4-40D4-A538-0DB405BDC92F}"/>
+              </a:ext>
+            </a:extLst>
+          </p:cNvPr>
+          <p:cNvPicPr>
+            <a:picLocks noChangeAspect="1"/>
+          </p:cNvPicPr>
+          <p:nvPr/>
+        </p:nvPicPr>
+        <p:blipFill rotWithShape="1">
+          <a:blip r:embed="rId4" cstate="print">
+            <a:extLst>
+              <a:ext uri="{28A0092B-C50C-407E-A947-70E740481C1C}">
+                <a14:useLocalDpi xmlns:a14="http://schemas.microsoft.com/office/drawing/2010/main" val="0"/>
+              </a:ext>
+            </a:extLst>
+          </a:blip>
+          <a:srcRect l="23376" t="50000" r="27261" b="-1"/>
+          <a:stretch/>
+        </p:blipFill>
+        <p:spPr>
+          <a:xfrm>
+            <a:off x="6296894" y="2057400"/>
+            <a:ext cx="2813801" cy="2743200"/>
+          </a:xfrm>
+          <a:prstGeom prst="rect">
+            <a:avLst/>
+          </a:prstGeom>
+          <a:ln w="12700">
+            <a:solidFill>
+              <a:schemeClr val="tx1"/>
+            </a:solidFill>
+          </a:ln>
+        </p:spPr>
+      </p:pic>
+    </p:spTree>
+    <p:extLst>
+      <p:ext uri="{BB962C8B-B14F-4D97-AF65-F5344CB8AC3E}">
+        <p14:creationId xmlns:p14="http://schemas.microsoft.com/office/powerpoint/2010/main" val="1900522669"/>
+      </p:ext>
+    </p:extLst>
+  </p:cSld>
+  <p:clrMapOvr>
+    <a:masterClrMapping/>
+  </p:clrMapOvr>
+</p:sld>
+</file>
+
+<file path=ppt/slides/slide26.xml><?xml version="1.0" encoding="utf-8"?>
+<p:sld xmlns:a="http://schemas.openxmlformats.org/drawingml/2006/main" xmlns:r="http://schemas.openxmlformats.org/officeDocument/2006/relationships" xmlns:p="http://schemas.openxmlformats.org/presentationml/2006/main">
+  <p:cSld>
+    <p:spTree>
+      <p:nvGrpSpPr>
+        <p:cNvPr id="1" name=""/>
+        <p:cNvGrpSpPr/>
+        <p:nvPr/>
+      </p:nvGrpSpPr>
+      <p:grpSpPr>
+        <a:xfrm>
+          <a:off x="0" y="0"/>
+          <a:ext cx="0" cy="0"/>
+          <a:chOff x="0" y="0"/>
+          <a:chExt cx="0" cy="0"/>
+        </a:xfrm>
+      </p:grpSpPr>
+      <p:sp>
+        <p:nvSpPr>
+          <p:cNvPr id="5" name="TextBox 4">
+            <a:extLst>
+              <a:ext uri="{FF2B5EF4-FFF2-40B4-BE49-F238E27FC236}">
+                <a16:creationId xmlns:a16="http://schemas.microsoft.com/office/drawing/2014/main" id="{139CD6B4-99E5-4F71-E0A0-A8C3D5C5888A}"/>
+              </a:ext>
+            </a:extLst>
+          </p:cNvPr>
+          <p:cNvSpPr txBox="1"/>
+          <p:nvPr/>
+        </p:nvSpPr>
+        <p:spPr>
+          <a:xfrm>
+            <a:off x="5615473" y="4721461"/>
+            <a:ext cx="5029200" cy="369332"/>
+          </a:xfrm>
+          <a:prstGeom prst="rect">
+            <a:avLst/>
+          </a:prstGeom>
+          <a:noFill/>
+        </p:spPr>
+        <p:txBody>
+          <a:bodyPr wrap="square" rtlCol="0">
+            <a:spAutoFit/>
+          </a:bodyPr>
+          <a:lstStyle/>
+          <a:p>
+            <a:pPr algn="ctr"/>
+            <a:r>
+              <a:rPr lang="en-US" dirty="0" err="1"/>
+              <a:t>Pengujian</a:t>
+            </a:r>
+            <a:r>
+              <a:rPr lang="en-US" dirty="0"/>
+              <a:t> </a:t>
+            </a:r>
+            <a:r>
+              <a:rPr lang="en-US" dirty="0" err="1"/>
+              <a:t>whitebox</a:t>
+            </a:r>
+            <a:endParaRPr lang="en-ID" dirty="0"/>
+          </a:p>
+        </p:txBody>
+      </p:sp>
+      <p:pic>
+        <p:nvPicPr>
+          <p:cNvPr id="3" name="Picture 2">
+            <a:extLst>
+              <a:ext uri="{FF2B5EF4-FFF2-40B4-BE49-F238E27FC236}">
+                <a16:creationId xmlns:a16="http://schemas.microsoft.com/office/drawing/2014/main" id="{B3B56B3D-7B3E-56E3-7E57-D8BE0991ECF2}"/>
+              </a:ext>
+            </a:extLst>
+          </p:cNvPr>
+          <p:cNvPicPr>
+            <a:picLocks noChangeAspect="1"/>
+          </p:cNvPicPr>
+          <p:nvPr/>
+        </p:nvPicPr>
+        <p:blipFill>
+          <a:blip r:embed="rId2"/>
+          <a:stretch>
+            <a:fillRect/>
+          </a:stretch>
+        </p:blipFill>
+        <p:spPr>
+          <a:xfrm>
+            <a:off x="657614" y="238125"/>
+            <a:ext cx="4438650" cy="6381750"/>
+          </a:xfrm>
+          <a:prstGeom prst="rect">
+            <a:avLst/>
+          </a:prstGeom>
+        </p:spPr>
+      </p:pic>
+      <p:pic>
+        <p:nvPicPr>
+          <p:cNvPr id="10" name="Picture 9">
+            <a:extLst>
+              <a:ext uri="{FF2B5EF4-FFF2-40B4-BE49-F238E27FC236}">
+                <a16:creationId xmlns:a16="http://schemas.microsoft.com/office/drawing/2014/main" id="{CA578FA9-1302-096E-AF67-888AA57E2069}"/>
+              </a:ext>
+            </a:extLst>
+          </p:cNvPr>
+          <p:cNvPicPr>
+            <a:picLocks noChangeAspect="1"/>
+          </p:cNvPicPr>
+          <p:nvPr/>
+        </p:nvPicPr>
+        <p:blipFill rotWithShape="1">
+          <a:blip r:embed="rId3" cstate="print">
+            <a:extLst>
+              <a:ext uri="{28A0092B-C50C-407E-A947-70E740481C1C}">
+                <a14:useLocalDpi xmlns:a14="http://schemas.microsoft.com/office/drawing/2010/main" val="0"/>
+              </a:ext>
+            </a:extLst>
+          </a:blip>
+          <a:srcRect l="7371" t="6351" r="6791" b="6574"/>
+          <a:stretch/>
+        </p:blipFill>
+        <p:spPr bwMode="auto">
+          <a:xfrm>
+            <a:off x="6096000" y="238125"/>
+            <a:ext cx="3913505" cy="4319905"/>
+          </a:xfrm>
+          <a:prstGeom prst="rect">
+            <a:avLst/>
+          </a:prstGeom>
+          <a:ln w="12700">
+            <a:solidFill>
+              <a:schemeClr val="tx1"/>
+            </a:solidFill>
+          </a:ln>
+          <a:extLst>
+            <a:ext uri="{53640926-AAD7-44D8-BBD7-CCE9431645EC}">
+              <a14:shadowObscured xmlns:a14="http://schemas.microsoft.com/office/drawing/2010/main"/>
+            </a:ext>
+          </a:extLst>
+        </p:spPr>
+      </p:pic>
+      <p:sp>
+        <p:nvSpPr>
+          <p:cNvPr id="11" name="TextBox 10">
+            <a:extLst>
+              <a:ext uri="{FF2B5EF4-FFF2-40B4-BE49-F238E27FC236}">
+                <a16:creationId xmlns:a16="http://schemas.microsoft.com/office/drawing/2014/main" id="{F7450B13-0C86-84E6-1E2C-2057C45BF284}"/>
+              </a:ext>
+            </a:extLst>
+          </p:cNvPr>
+          <p:cNvSpPr txBox="1"/>
+          <p:nvPr/>
+        </p:nvSpPr>
+        <p:spPr>
+          <a:xfrm>
+            <a:off x="4107024" y="6250543"/>
+            <a:ext cx="5029200" cy="369332"/>
+          </a:xfrm>
+          <a:prstGeom prst="rect">
+            <a:avLst/>
+          </a:prstGeom>
+          <a:noFill/>
+        </p:spPr>
+        <p:txBody>
+          <a:bodyPr wrap="square" rtlCol="0">
+            <a:spAutoFit/>
+          </a:bodyPr>
+          <a:lstStyle/>
+          <a:p>
+            <a:pPr algn="ctr"/>
+            <a:r>
+              <a:rPr lang="en-US" dirty="0"/>
+              <a:t>Flowchart whiteboard testing </a:t>
+            </a:r>
+            <a:endParaRPr lang="en-ID" dirty="0"/>
+          </a:p>
+        </p:txBody>
+      </p:sp>
+    </p:spTree>
+    <p:extLst>
+      <p:ext uri="{BB962C8B-B14F-4D97-AF65-F5344CB8AC3E}">
+        <p14:creationId xmlns:p14="http://schemas.microsoft.com/office/powerpoint/2010/main" val="1972640069"/>
+      </p:ext>
+    </p:extLst>
+  </p:cSld>
+  <p:clrMapOvr>
+    <a:masterClrMapping/>
+  </p:clrMapOvr>
+</p:sld>
+</file>
+
+<file path=ppt/slides/slide27.xml><?xml version="1.0" encoding="utf-8"?>
+<p:sld xmlns:a="http://schemas.openxmlformats.org/drawingml/2006/main" xmlns:r="http://schemas.openxmlformats.org/officeDocument/2006/relationships" xmlns:p="http://schemas.openxmlformats.org/presentationml/2006/main">
+  <p:cSld>
+    <p:spTree>
+      <p:nvGrpSpPr>
+        <p:cNvPr id="1" name=""/>
+        <p:cNvGrpSpPr/>
+        <p:nvPr/>
+      </p:nvGrpSpPr>
+      <p:grpSpPr>
+        <a:xfrm>
+          <a:off x="0" y="0"/>
+          <a:ext cx="0" cy="0"/>
+          <a:chOff x="0" y="0"/>
+          <a:chExt cx="0" cy="0"/>
+        </a:xfrm>
+      </p:grpSpPr>
+      <p:sp>
+        <p:nvSpPr>
+          <p:cNvPr id="5" name="TextBox 4">
+            <a:extLst>
+              <a:ext uri="{FF2B5EF4-FFF2-40B4-BE49-F238E27FC236}">
+                <a16:creationId xmlns:a16="http://schemas.microsoft.com/office/drawing/2014/main" id="{139CD6B4-99E5-4F71-E0A0-A8C3D5C5888A}"/>
+              </a:ext>
+            </a:extLst>
+          </p:cNvPr>
+          <p:cNvSpPr txBox="1"/>
+          <p:nvPr/>
+        </p:nvSpPr>
+        <p:spPr>
+          <a:xfrm>
+            <a:off x="940837" y="6055739"/>
+            <a:ext cx="5029200" cy="369332"/>
+          </a:xfrm>
+          <a:prstGeom prst="rect">
+            <a:avLst/>
+          </a:prstGeom>
+          <a:noFill/>
+        </p:spPr>
+        <p:txBody>
+          <a:bodyPr wrap="square" rtlCol="0">
+            <a:spAutoFit/>
+          </a:bodyPr>
+          <a:lstStyle/>
+          <a:p>
+            <a:pPr algn="ctr"/>
+            <a:r>
+              <a:rPr lang="en-US" dirty="0"/>
+              <a:t>Flowgraph </a:t>
+            </a:r>
+            <a:r>
+              <a:rPr lang="en-US" dirty="0" err="1"/>
+              <a:t>whitebox</a:t>
+            </a:r>
+            <a:r>
+              <a:rPr lang="en-US" dirty="0"/>
+              <a:t> testing</a:t>
+            </a:r>
+            <a:endParaRPr lang="en-ID" dirty="0"/>
+          </a:p>
+        </p:txBody>
+      </p:sp>
+      <p:pic>
+        <p:nvPicPr>
+          <p:cNvPr id="4" name="Picture 3">
+            <a:extLst>
+              <a:ext uri="{FF2B5EF4-FFF2-40B4-BE49-F238E27FC236}">
+                <a16:creationId xmlns:a16="http://schemas.microsoft.com/office/drawing/2014/main" id="{BDC870CF-C301-4884-E5B9-E454332FAF0D}"/>
+              </a:ext>
+            </a:extLst>
+          </p:cNvPr>
+          <p:cNvPicPr>
+            <a:picLocks noChangeAspect="1"/>
+          </p:cNvPicPr>
+          <p:nvPr/>
+        </p:nvPicPr>
+        <p:blipFill>
+          <a:blip r:embed="rId2"/>
+          <a:stretch>
+            <a:fillRect/>
+          </a:stretch>
+        </p:blipFill>
+        <p:spPr>
+          <a:xfrm>
+            <a:off x="1131337" y="890587"/>
+            <a:ext cx="4648200" cy="5076825"/>
+          </a:xfrm>
+          <a:prstGeom prst="rect">
+            <a:avLst/>
+          </a:prstGeom>
+        </p:spPr>
+      </p:pic>
+      <p:pic>
+        <p:nvPicPr>
+          <p:cNvPr id="7" name="Picture 6">
+            <a:extLst>
+              <a:ext uri="{FF2B5EF4-FFF2-40B4-BE49-F238E27FC236}">
+                <a16:creationId xmlns:a16="http://schemas.microsoft.com/office/drawing/2014/main" id="{D4080501-82FE-4F5E-6371-5F1BF7F4D997}"/>
+              </a:ext>
+            </a:extLst>
+          </p:cNvPr>
+          <p:cNvPicPr>
+            <a:picLocks noChangeAspect="1"/>
+          </p:cNvPicPr>
+          <p:nvPr/>
+        </p:nvPicPr>
+        <p:blipFill>
+          <a:blip r:embed="rId3">
             <a:extLst>
               <a:ext uri="{28A0092B-C50C-407E-A947-70E740481C1C}">
                 <a14:useLocalDpi xmlns:a14="http://schemas.microsoft.com/office/drawing/2010/main" val="0"/>
@@ -12852,8 +13800,8 @@
         </p:blipFill>
         <p:spPr>
           <a:xfrm>
-            <a:off x="6435015" y="2811726"/>
-            <a:ext cx="5197290" cy="1234547"/>
+            <a:off x="5970037" y="890587"/>
+            <a:ext cx="5456393" cy="1463167"/>
           </a:xfrm>
           <a:prstGeom prst="rect">
             <a:avLst/>
@@ -12863,7 +13811,257 @@
     </p:spTree>
     <p:extLst>
       <p:ext uri="{BB962C8B-B14F-4D97-AF65-F5344CB8AC3E}">
-        <p14:creationId xmlns:p14="http://schemas.microsoft.com/office/powerpoint/2010/main" val="3527894245"/>
+        <p14:creationId xmlns:p14="http://schemas.microsoft.com/office/powerpoint/2010/main" val="131774355"/>
+      </p:ext>
+    </p:extLst>
+  </p:cSld>
+  <p:clrMapOvr>
+    <a:masterClrMapping/>
+  </p:clrMapOvr>
+</p:sld>
+</file>
+
+<file path=ppt/slides/slide28.xml><?xml version="1.0" encoding="utf-8"?>
+<p:sld xmlns:a="http://schemas.openxmlformats.org/drawingml/2006/main" xmlns:r="http://schemas.openxmlformats.org/officeDocument/2006/relationships" xmlns:p="http://schemas.openxmlformats.org/presentationml/2006/main">
+  <p:cSld>
+    <p:spTree>
+      <p:nvGrpSpPr>
+        <p:cNvPr id="1" name=""/>
+        <p:cNvGrpSpPr/>
+        <p:nvPr/>
+      </p:nvGrpSpPr>
+      <p:grpSpPr>
+        <a:xfrm>
+          <a:off x="0" y="0"/>
+          <a:ext cx="0" cy="0"/>
+          <a:chOff x="0" y="0"/>
+          <a:chExt cx="0" cy="0"/>
+        </a:xfrm>
+      </p:grpSpPr>
+      <p:sp>
+        <p:nvSpPr>
+          <p:cNvPr id="5" name="TextBox 4">
+            <a:extLst>
+              <a:ext uri="{FF2B5EF4-FFF2-40B4-BE49-F238E27FC236}">
+                <a16:creationId xmlns:a16="http://schemas.microsoft.com/office/drawing/2014/main" id="{139CD6B4-99E5-4F71-E0A0-A8C3D5C5888A}"/>
+              </a:ext>
+            </a:extLst>
+          </p:cNvPr>
+          <p:cNvSpPr txBox="1"/>
+          <p:nvPr/>
+        </p:nvSpPr>
+        <p:spPr>
+          <a:xfrm>
+            <a:off x="3665376" y="5393266"/>
+            <a:ext cx="5029200" cy="369332"/>
+          </a:xfrm>
+          <a:prstGeom prst="rect">
+            <a:avLst/>
+          </a:prstGeom>
+          <a:noFill/>
+        </p:spPr>
+        <p:txBody>
+          <a:bodyPr wrap="square" rtlCol="0">
+            <a:spAutoFit/>
+          </a:bodyPr>
+          <a:lstStyle/>
+          <a:p>
+            <a:pPr algn="ctr"/>
+            <a:r>
+              <a:rPr lang="en-US" dirty="0" err="1"/>
+              <a:t>Tabel</a:t>
+            </a:r>
+            <a:r>
+              <a:rPr lang="en-US" dirty="0"/>
+              <a:t> graph </a:t>
+            </a:r>
+            <a:r>
+              <a:rPr lang="en-US" dirty="0" err="1"/>
+              <a:t>matriks</a:t>
+            </a:r>
+            <a:endParaRPr lang="en-ID" dirty="0"/>
+          </a:p>
+        </p:txBody>
+      </p:sp>
+      <p:pic>
+        <p:nvPicPr>
+          <p:cNvPr id="3" name="Picture 2">
+            <a:extLst>
+              <a:ext uri="{FF2B5EF4-FFF2-40B4-BE49-F238E27FC236}">
+                <a16:creationId xmlns:a16="http://schemas.microsoft.com/office/drawing/2014/main" id="{3A1C6362-ECDE-7A37-C176-F54759F2C455}"/>
+              </a:ext>
+            </a:extLst>
+          </p:cNvPr>
+          <p:cNvPicPr>
+            <a:picLocks noChangeAspect="1"/>
+          </p:cNvPicPr>
+          <p:nvPr/>
+        </p:nvPicPr>
+        <p:blipFill>
+          <a:blip r:embed="rId2"/>
+          <a:stretch>
+            <a:fillRect/>
+          </a:stretch>
+        </p:blipFill>
+        <p:spPr>
+          <a:xfrm>
+            <a:off x="1426028" y="719623"/>
+            <a:ext cx="9339943" cy="4572000"/>
+          </a:xfrm>
+          <a:prstGeom prst="rect">
+            <a:avLst/>
+          </a:prstGeom>
+        </p:spPr>
+      </p:pic>
+    </p:spTree>
+    <p:extLst>
+      <p:ext uri="{BB962C8B-B14F-4D97-AF65-F5344CB8AC3E}">
+        <p14:creationId xmlns:p14="http://schemas.microsoft.com/office/powerpoint/2010/main" val="18595924"/>
+      </p:ext>
+    </p:extLst>
+  </p:cSld>
+  <p:clrMapOvr>
+    <a:masterClrMapping/>
+  </p:clrMapOvr>
+</p:sld>
+</file>
+
+<file path=ppt/slides/slide29.xml><?xml version="1.0" encoding="utf-8"?>
+<p:sld xmlns:a="http://schemas.openxmlformats.org/drawingml/2006/main" xmlns:r="http://schemas.openxmlformats.org/officeDocument/2006/relationships" xmlns:p="http://schemas.openxmlformats.org/presentationml/2006/main">
+  <p:cSld>
+    <p:spTree>
+      <p:nvGrpSpPr>
+        <p:cNvPr id="1" name=""/>
+        <p:cNvGrpSpPr/>
+        <p:nvPr/>
+      </p:nvGrpSpPr>
+      <p:grpSpPr>
+        <a:xfrm>
+          <a:off x="0" y="0"/>
+          <a:ext cx="0" cy="0"/>
+          <a:chOff x="0" y="0"/>
+          <a:chExt cx="0" cy="0"/>
+        </a:xfrm>
+      </p:grpSpPr>
+      <p:sp>
+        <p:nvSpPr>
+          <p:cNvPr id="5" name="TextBox 4">
+            <a:extLst>
+              <a:ext uri="{FF2B5EF4-FFF2-40B4-BE49-F238E27FC236}">
+                <a16:creationId xmlns:a16="http://schemas.microsoft.com/office/drawing/2014/main" id="{139CD6B4-99E5-4F71-E0A0-A8C3D5C5888A}"/>
+              </a:ext>
+            </a:extLst>
+          </p:cNvPr>
+          <p:cNvSpPr txBox="1"/>
+          <p:nvPr/>
+        </p:nvSpPr>
+        <p:spPr>
+          <a:xfrm>
+            <a:off x="893212" y="5785151"/>
+            <a:ext cx="5029200" cy="369332"/>
+          </a:xfrm>
+          <a:prstGeom prst="rect">
+            <a:avLst/>
+          </a:prstGeom>
+          <a:noFill/>
+        </p:spPr>
+        <p:txBody>
+          <a:bodyPr wrap="square" rtlCol="0">
+            <a:spAutoFit/>
+          </a:bodyPr>
+          <a:lstStyle/>
+          <a:p>
+            <a:pPr algn="ctr"/>
+            <a:r>
+              <a:rPr lang="en-US" dirty="0" err="1"/>
+              <a:t>Konversi</a:t>
+            </a:r>
+            <a:r>
+              <a:rPr lang="en-US" dirty="0"/>
+              <a:t> flowgraph </a:t>
+            </a:r>
+            <a:r>
+              <a:rPr lang="en-US" dirty="0" err="1"/>
+              <a:t>whitebox</a:t>
+            </a:r>
+            <a:r>
+              <a:rPr lang="en-US" dirty="0"/>
+              <a:t> testing </a:t>
+            </a:r>
+            <a:endParaRPr lang="en-ID" dirty="0"/>
+          </a:p>
+        </p:txBody>
+      </p:sp>
+      <p:pic>
+        <p:nvPicPr>
+          <p:cNvPr id="3" name="Picture 2">
+            <a:extLst>
+              <a:ext uri="{FF2B5EF4-FFF2-40B4-BE49-F238E27FC236}">
+                <a16:creationId xmlns:a16="http://schemas.microsoft.com/office/drawing/2014/main" id="{897581CB-9287-7FAC-645B-B249DE7B5FEB}"/>
+              </a:ext>
+            </a:extLst>
+          </p:cNvPr>
+          <p:cNvPicPr>
+            <a:picLocks noChangeAspect="1"/>
+          </p:cNvPicPr>
+          <p:nvPr/>
+        </p:nvPicPr>
+        <p:blipFill>
+          <a:blip r:embed="rId2"/>
+          <a:stretch>
+            <a:fillRect/>
+          </a:stretch>
+        </p:blipFill>
+        <p:spPr>
+          <a:xfrm>
+            <a:off x="893212" y="565451"/>
+            <a:ext cx="5076825" cy="5219700"/>
+          </a:xfrm>
+          <a:prstGeom prst="rect">
+            <a:avLst/>
+          </a:prstGeom>
+        </p:spPr>
+      </p:pic>
+      <p:pic>
+        <p:nvPicPr>
+          <p:cNvPr id="8" name="Picture 7">
+            <a:extLst>
+              <a:ext uri="{FF2B5EF4-FFF2-40B4-BE49-F238E27FC236}">
+                <a16:creationId xmlns:a16="http://schemas.microsoft.com/office/drawing/2014/main" id="{D9BFE172-0C8B-5CBB-3505-9A418FD39BF6}"/>
+              </a:ext>
+            </a:extLst>
+          </p:cNvPr>
+          <p:cNvPicPr>
+            <a:picLocks noChangeAspect="1"/>
+          </p:cNvPicPr>
+          <p:nvPr/>
+        </p:nvPicPr>
+        <p:blipFill>
+          <a:blip r:embed="rId3">
+            <a:extLst>
+              <a:ext uri="{28A0092B-C50C-407E-A947-70E740481C1C}">
+                <a14:useLocalDpi xmlns:a14="http://schemas.microsoft.com/office/drawing/2010/main" val="0"/>
+              </a:ext>
+            </a:extLst>
+          </a:blip>
+          <a:stretch>
+            <a:fillRect/>
+          </a:stretch>
+        </p:blipFill>
+        <p:spPr>
+          <a:xfrm>
+            <a:off x="6221965" y="565451"/>
+            <a:ext cx="5319221" cy="2110923"/>
+          </a:xfrm>
+          <a:prstGeom prst="rect">
+            <a:avLst/>
+          </a:prstGeom>
+        </p:spPr>
+      </p:pic>
+    </p:spTree>
+    <p:extLst>
+      <p:ext uri="{BB962C8B-B14F-4D97-AF65-F5344CB8AC3E}">
+        <p14:creationId xmlns:p14="http://schemas.microsoft.com/office/powerpoint/2010/main" val="2962272850"/>
       </p:ext>
     </p:extLst>
   </p:cSld>
@@ -14052,6 +15250,772 @@
       </p:transition>
     </mc:Fallback>
   </mc:AlternateContent>
+</p:sld>
+</file>
+
+<file path=ppt/slides/slide30.xml><?xml version="1.0" encoding="utf-8"?>
+<p:sld xmlns:a="http://schemas.openxmlformats.org/drawingml/2006/main" xmlns:r="http://schemas.openxmlformats.org/officeDocument/2006/relationships" xmlns:p="http://schemas.openxmlformats.org/presentationml/2006/main">
+  <p:cSld>
+    <p:spTree>
+      <p:nvGrpSpPr>
+        <p:cNvPr id="1" name=""/>
+        <p:cNvGrpSpPr/>
+        <p:nvPr/>
+      </p:nvGrpSpPr>
+      <p:grpSpPr>
+        <a:xfrm>
+          <a:off x="0" y="0"/>
+          <a:ext cx="0" cy="0"/>
+          <a:chOff x="0" y="0"/>
+          <a:chExt cx="0" cy="0"/>
+        </a:xfrm>
+      </p:grpSpPr>
+      <p:pic>
+        <p:nvPicPr>
+          <p:cNvPr id="7" name="Picture 6">
+            <a:extLst>
+              <a:ext uri="{FF2B5EF4-FFF2-40B4-BE49-F238E27FC236}">
+                <a16:creationId xmlns:a16="http://schemas.microsoft.com/office/drawing/2014/main" id="{1F6ABF47-465D-5730-AC51-1AB736F89F7A}"/>
+              </a:ext>
+            </a:extLst>
+          </p:cNvPr>
+          <p:cNvPicPr>
+            <a:picLocks noChangeAspect="1"/>
+          </p:cNvPicPr>
+          <p:nvPr/>
+        </p:nvPicPr>
+        <p:blipFill>
+          <a:blip r:embed="rId2">
+            <a:extLst>
+              <a:ext uri="{28A0092B-C50C-407E-A947-70E740481C1C}">
+                <a14:useLocalDpi xmlns:a14="http://schemas.microsoft.com/office/drawing/2010/main" val="0"/>
+              </a:ext>
+            </a:extLst>
+          </a:blip>
+          <a:stretch>
+            <a:fillRect/>
+          </a:stretch>
+        </p:blipFill>
+        <p:spPr>
+          <a:xfrm>
+            <a:off x="3607205" y="3037110"/>
+            <a:ext cx="4630414" cy="2348664"/>
+          </a:xfrm>
+          <a:prstGeom prst="rect">
+            <a:avLst/>
+          </a:prstGeom>
+        </p:spPr>
+      </p:pic>
+      <p:sp>
+        <p:nvSpPr>
+          <p:cNvPr id="5" name="TextBox 4">
+            <a:extLst>
+              <a:ext uri="{FF2B5EF4-FFF2-40B4-BE49-F238E27FC236}">
+                <a16:creationId xmlns:a16="http://schemas.microsoft.com/office/drawing/2014/main" id="{139CD6B4-99E5-4F71-E0A0-A8C3D5C5888A}"/>
+              </a:ext>
+            </a:extLst>
+          </p:cNvPr>
+          <p:cNvSpPr txBox="1"/>
+          <p:nvPr/>
+        </p:nvSpPr>
+        <p:spPr>
+          <a:xfrm>
+            <a:off x="3581400" y="5299959"/>
+            <a:ext cx="5029200" cy="369332"/>
+          </a:xfrm>
+          <a:prstGeom prst="rect">
+            <a:avLst/>
+          </a:prstGeom>
+          <a:noFill/>
+        </p:spPr>
+        <p:txBody>
+          <a:bodyPr wrap="square" rtlCol="0">
+            <a:spAutoFit/>
+          </a:bodyPr>
+          <a:lstStyle/>
+          <a:p>
+            <a:pPr algn="ctr"/>
+            <a:r>
+              <a:rPr lang="en-US" dirty="0" err="1"/>
+              <a:t>Tabel</a:t>
+            </a:r>
+            <a:r>
+              <a:rPr lang="en-US" dirty="0"/>
+              <a:t> </a:t>
+            </a:r>
+            <a:r>
+              <a:rPr lang="en-US" dirty="0" err="1"/>
+              <a:t>hasil</a:t>
+            </a:r>
+            <a:r>
+              <a:rPr lang="en-US" dirty="0"/>
+              <a:t> </a:t>
+            </a:r>
+            <a:r>
+              <a:rPr lang="en-US" dirty="0" err="1"/>
+              <a:t>kuisioner</a:t>
+            </a:r>
+            <a:r>
+              <a:rPr lang="en-US" dirty="0"/>
+              <a:t> SUS</a:t>
+            </a:r>
+            <a:endParaRPr lang="en-ID" dirty="0"/>
+          </a:p>
+        </p:txBody>
+      </p:sp>
+      <p:pic>
+        <p:nvPicPr>
+          <p:cNvPr id="4" name="Picture 3">
+            <a:extLst>
+              <a:ext uri="{FF2B5EF4-FFF2-40B4-BE49-F238E27FC236}">
+                <a16:creationId xmlns:a16="http://schemas.microsoft.com/office/drawing/2014/main" id="{366B7DF2-B248-B82B-3432-A4A927D60BEA}"/>
+              </a:ext>
+            </a:extLst>
+          </p:cNvPr>
+          <p:cNvPicPr>
+            <a:picLocks noChangeAspect="1"/>
+          </p:cNvPicPr>
+          <p:nvPr/>
+        </p:nvPicPr>
+        <p:blipFill>
+          <a:blip r:embed="rId3">
+            <a:extLst>
+              <a:ext uri="{28A0092B-C50C-407E-A947-70E740481C1C}">
+                <a14:useLocalDpi xmlns:a14="http://schemas.microsoft.com/office/drawing/2010/main" val="0"/>
+              </a:ext>
+            </a:extLst>
+          </a:blip>
+          <a:stretch>
+            <a:fillRect/>
+          </a:stretch>
+        </p:blipFill>
+        <p:spPr>
+          <a:xfrm>
+            <a:off x="3607205" y="374043"/>
+            <a:ext cx="4630414" cy="2743200"/>
+          </a:xfrm>
+          <a:prstGeom prst="rect">
+            <a:avLst/>
+          </a:prstGeom>
+        </p:spPr>
+      </p:pic>
+    </p:spTree>
+    <p:extLst>
+      <p:ext uri="{BB962C8B-B14F-4D97-AF65-F5344CB8AC3E}">
+        <p14:creationId xmlns:p14="http://schemas.microsoft.com/office/powerpoint/2010/main" val="2251081255"/>
+      </p:ext>
+    </p:extLst>
+  </p:cSld>
+  <p:clrMapOvr>
+    <a:masterClrMapping/>
+  </p:clrMapOvr>
+</p:sld>
+</file>
+
+<file path=ppt/slides/slide31.xml><?xml version="1.0" encoding="utf-8"?>
+<p:sld xmlns:a="http://schemas.openxmlformats.org/drawingml/2006/main" xmlns:r="http://schemas.openxmlformats.org/officeDocument/2006/relationships" xmlns:p="http://schemas.openxmlformats.org/presentationml/2006/main">
+  <p:cSld>
+    <p:spTree>
+      <p:nvGrpSpPr>
+        <p:cNvPr id="1" name=""/>
+        <p:cNvGrpSpPr/>
+        <p:nvPr/>
+      </p:nvGrpSpPr>
+      <p:grpSpPr>
+        <a:xfrm>
+          <a:off x="0" y="0"/>
+          <a:ext cx="0" cy="0"/>
+          <a:chOff x="0" y="0"/>
+          <a:chExt cx="0" cy="0"/>
+        </a:xfrm>
+      </p:grpSpPr>
+      <p:sp>
+        <p:nvSpPr>
+          <p:cNvPr id="5" name="TextBox 4">
+            <a:extLst>
+              <a:ext uri="{FF2B5EF4-FFF2-40B4-BE49-F238E27FC236}">
+                <a16:creationId xmlns:a16="http://schemas.microsoft.com/office/drawing/2014/main" id="{139CD6B4-99E5-4F71-E0A0-A8C3D5C5888A}"/>
+              </a:ext>
+            </a:extLst>
+          </p:cNvPr>
+          <p:cNvSpPr txBox="1"/>
+          <p:nvPr/>
+        </p:nvSpPr>
+        <p:spPr>
+          <a:xfrm>
+            <a:off x="3581400" y="5484625"/>
+            <a:ext cx="5029200" cy="369332"/>
+          </a:xfrm>
+          <a:prstGeom prst="rect">
+            <a:avLst/>
+          </a:prstGeom>
+          <a:noFill/>
+        </p:spPr>
+        <p:txBody>
+          <a:bodyPr wrap="square" rtlCol="0">
+            <a:spAutoFit/>
+          </a:bodyPr>
+          <a:lstStyle/>
+          <a:p>
+            <a:pPr algn="ctr"/>
+            <a:r>
+              <a:rPr lang="en-US" dirty="0" err="1"/>
+              <a:t>Tabel</a:t>
+            </a:r>
+            <a:r>
+              <a:rPr lang="en-US" dirty="0"/>
+              <a:t> </a:t>
+            </a:r>
+            <a:r>
+              <a:rPr lang="en-US" dirty="0" err="1"/>
+              <a:t>responden</a:t>
+            </a:r>
+            <a:r>
+              <a:rPr lang="en-US" dirty="0"/>
+              <a:t> </a:t>
+            </a:r>
+            <a:r>
+              <a:rPr lang="en-US" dirty="0" err="1"/>
+              <a:t>kuisioner</a:t>
+            </a:r>
+            <a:r>
+              <a:rPr lang="en-US" dirty="0"/>
+              <a:t> SUS</a:t>
+            </a:r>
+            <a:endParaRPr lang="en-ID" dirty="0"/>
+          </a:p>
+        </p:txBody>
+      </p:sp>
+      <p:pic>
+        <p:nvPicPr>
+          <p:cNvPr id="3" name="Picture 2">
+            <a:extLst>
+              <a:ext uri="{FF2B5EF4-FFF2-40B4-BE49-F238E27FC236}">
+                <a16:creationId xmlns:a16="http://schemas.microsoft.com/office/drawing/2014/main" id="{51C84A06-0151-4C34-E115-158027D0DD98}"/>
+              </a:ext>
+            </a:extLst>
+          </p:cNvPr>
+          <p:cNvPicPr>
+            <a:picLocks noChangeAspect="1"/>
+          </p:cNvPicPr>
+          <p:nvPr/>
+        </p:nvPicPr>
+        <p:blipFill>
+          <a:blip r:embed="rId2">
+            <a:extLst>
+              <a:ext uri="{28A0092B-C50C-407E-A947-70E740481C1C}">
+                <a14:useLocalDpi xmlns:a14="http://schemas.microsoft.com/office/drawing/2010/main" val="0"/>
+              </a:ext>
+            </a:extLst>
+          </a:blip>
+          <a:stretch>
+            <a:fillRect/>
+          </a:stretch>
+        </p:blipFill>
+        <p:spPr>
+          <a:xfrm>
+            <a:off x="3440200" y="165404"/>
+            <a:ext cx="5311600" cy="5319221"/>
+          </a:xfrm>
+          <a:prstGeom prst="rect">
+            <a:avLst/>
+          </a:prstGeom>
+        </p:spPr>
+      </p:pic>
+    </p:spTree>
+    <p:extLst>
+      <p:ext uri="{BB962C8B-B14F-4D97-AF65-F5344CB8AC3E}">
+        <p14:creationId xmlns:p14="http://schemas.microsoft.com/office/powerpoint/2010/main" val="2286643355"/>
+      </p:ext>
+    </p:extLst>
+  </p:cSld>
+  <p:clrMapOvr>
+    <a:masterClrMapping/>
+  </p:clrMapOvr>
+</p:sld>
+</file>
+
+<file path=ppt/slides/slide32.xml><?xml version="1.0" encoding="utf-8"?>
+<p:sld xmlns:a="http://schemas.openxmlformats.org/drawingml/2006/main" xmlns:r="http://schemas.openxmlformats.org/officeDocument/2006/relationships" xmlns:p="http://schemas.openxmlformats.org/presentationml/2006/main">
+  <p:cSld>
+    <p:spTree>
+      <p:nvGrpSpPr>
+        <p:cNvPr id="1" name=""/>
+        <p:cNvGrpSpPr/>
+        <p:nvPr/>
+      </p:nvGrpSpPr>
+      <p:grpSpPr>
+        <a:xfrm>
+          <a:off x="0" y="0"/>
+          <a:ext cx="0" cy="0"/>
+          <a:chOff x="0" y="0"/>
+          <a:chExt cx="0" cy="0"/>
+        </a:xfrm>
+      </p:grpSpPr>
+      <p:pic>
+        <p:nvPicPr>
+          <p:cNvPr id="4" name="Picture 3">
+            <a:extLst>
+              <a:ext uri="{FF2B5EF4-FFF2-40B4-BE49-F238E27FC236}">
+                <a16:creationId xmlns:a16="http://schemas.microsoft.com/office/drawing/2014/main" id="{9B0BED18-CDE2-E1EF-D204-1EDDA3322534}"/>
+              </a:ext>
+            </a:extLst>
+          </p:cNvPr>
+          <p:cNvPicPr>
+            <a:picLocks noChangeAspect="1"/>
+          </p:cNvPicPr>
+          <p:nvPr/>
+        </p:nvPicPr>
+        <p:blipFill>
+          <a:blip r:embed="rId2"/>
+          <a:stretch>
+            <a:fillRect/>
+          </a:stretch>
+        </p:blipFill>
+        <p:spPr>
+          <a:xfrm>
+            <a:off x="2752725" y="642937"/>
+            <a:ext cx="6686550" cy="5572125"/>
+          </a:xfrm>
+          <a:prstGeom prst="rect">
+            <a:avLst/>
+          </a:prstGeom>
+        </p:spPr>
+      </p:pic>
+    </p:spTree>
+    <p:extLst>
+      <p:ext uri="{BB962C8B-B14F-4D97-AF65-F5344CB8AC3E}">
+        <p14:creationId xmlns:p14="http://schemas.microsoft.com/office/powerpoint/2010/main" val="3725636534"/>
+      </p:ext>
+    </p:extLst>
+  </p:cSld>
+  <p:clrMapOvr>
+    <a:masterClrMapping/>
+  </p:clrMapOvr>
+</p:sld>
+</file>
+
+<file path=ppt/slides/slide33.xml><?xml version="1.0" encoding="utf-8"?>
+<p:sld xmlns:a="http://schemas.openxmlformats.org/drawingml/2006/main" xmlns:r="http://schemas.openxmlformats.org/officeDocument/2006/relationships" xmlns:p="http://schemas.openxmlformats.org/presentationml/2006/main">
+  <p:cSld>
+    <p:spTree>
+      <p:nvGrpSpPr>
+        <p:cNvPr id="1" name=""/>
+        <p:cNvGrpSpPr/>
+        <p:nvPr/>
+      </p:nvGrpSpPr>
+      <p:grpSpPr>
+        <a:xfrm>
+          <a:off x="0" y="0"/>
+          <a:ext cx="0" cy="0"/>
+          <a:chOff x="0" y="0"/>
+          <a:chExt cx="0" cy="0"/>
+        </a:xfrm>
+      </p:grpSpPr>
+      <p:pic>
+        <p:nvPicPr>
+          <p:cNvPr id="3" name="Picture 2">
+            <a:extLst>
+              <a:ext uri="{FF2B5EF4-FFF2-40B4-BE49-F238E27FC236}">
+                <a16:creationId xmlns:a16="http://schemas.microsoft.com/office/drawing/2014/main" id="{877794A6-942A-7B61-71F6-CC94FCD8491E}"/>
+              </a:ext>
+            </a:extLst>
+          </p:cNvPr>
+          <p:cNvPicPr>
+            <a:picLocks noChangeAspect="1"/>
+          </p:cNvPicPr>
+          <p:nvPr/>
+        </p:nvPicPr>
+        <p:blipFill>
+          <a:blip r:embed="rId2"/>
+          <a:stretch>
+            <a:fillRect/>
+          </a:stretch>
+        </p:blipFill>
+        <p:spPr>
+          <a:xfrm>
+            <a:off x="1215603" y="2600325"/>
+            <a:ext cx="5076825" cy="1657350"/>
+          </a:xfrm>
+          <a:prstGeom prst="rect">
+            <a:avLst/>
+          </a:prstGeom>
+        </p:spPr>
+      </p:pic>
+      <p:pic>
+        <p:nvPicPr>
+          <p:cNvPr id="5" name="Picture 4">
+            <a:extLst>
+              <a:ext uri="{FF2B5EF4-FFF2-40B4-BE49-F238E27FC236}">
+                <a16:creationId xmlns:a16="http://schemas.microsoft.com/office/drawing/2014/main" id="{15F920DB-5B52-E80F-0EE5-3D42B0242792}"/>
+              </a:ext>
+            </a:extLst>
+          </p:cNvPr>
+          <p:cNvPicPr>
+            <a:picLocks noChangeAspect="1"/>
+          </p:cNvPicPr>
+          <p:nvPr/>
+        </p:nvPicPr>
+        <p:blipFill>
+          <a:blip r:embed="rId3">
+            <a:extLst>
+              <a:ext uri="{BEBA8EAE-BF5A-486C-A8C5-ECC9F3942E4B}">
+                <a14:imgProps xmlns:a14="http://schemas.microsoft.com/office/drawing/2010/main">
+                  <a14:imgLayer r:embed="rId4">
+                    <a14:imgEffect>
+                      <a14:sharpenSoften amount="25000"/>
+                    </a14:imgEffect>
+                  </a14:imgLayer>
+                </a14:imgProps>
+              </a:ext>
+              <a:ext uri="{28A0092B-C50C-407E-A947-70E740481C1C}">
+                <a14:useLocalDpi xmlns:a14="http://schemas.microsoft.com/office/drawing/2010/main" val="0"/>
+              </a:ext>
+            </a:extLst>
+          </a:blip>
+          <a:stretch>
+            <a:fillRect/>
+          </a:stretch>
+        </p:blipFill>
+        <p:spPr>
+          <a:xfrm>
+            <a:off x="7150870" y="1809115"/>
+            <a:ext cx="3637915" cy="3239770"/>
+          </a:xfrm>
+          <a:prstGeom prst="rect">
+            <a:avLst/>
+          </a:prstGeom>
+          <a:ln w="19050">
+            <a:solidFill>
+              <a:schemeClr val="tx1"/>
+            </a:solidFill>
+          </a:ln>
+        </p:spPr>
+      </p:pic>
+      <p:sp>
+        <p:nvSpPr>
+          <p:cNvPr id="6" name="TextBox 5">
+            <a:extLst>
+              <a:ext uri="{FF2B5EF4-FFF2-40B4-BE49-F238E27FC236}">
+                <a16:creationId xmlns:a16="http://schemas.microsoft.com/office/drawing/2014/main" id="{9244F0A8-10AB-D282-540D-A9CC5FF73C6B}"/>
+              </a:ext>
+            </a:extLst>
+          </p:cNvPr>
+          <p:cNvSpPr txBox="1"/>
+          <p:nvPr/>
+        </p:nvSpPr>
+        <p:spPr>
+          <a:xfrm>
+            <a:off x="3118757" y="800657"/>
+            <a:ext cx="5954486" cy="369332"/>
+          </a:xfrm>
+          <a:prstGeom prst="rect">
+            <a:avLst/>
+          </a:prstGeom>
+          <a:noFill/>
+        </p:spPr>
+        <p:txBody>
+          <a:bodyPr wrap="square" rtlCol="0">
+            <a:spAutoFit/>
+          </a:bodyPr>
+          <a:lstStyle/>
+          <a:p>
+            <a:pPr algn="ctr"/>
+            <a:r>
+              <a:rPr lang="en-US" dirty="0"/>
+              <a:t>Tingkat </a:t>
+            </a:r>
+            <a:r>
+              <a:rPr lang="en-US" dirty="0" err="1"/>
+              <a:t>penerimaan</a:t>
+            </a:r>
+            <a:r>
+              <a:rPr lang="en-US" dirty="0"/>
+              <a:t> dan curved grade </a:t>
+            </a:r>
+            <a:r>
+              <a:rPr lang="en-US" dirty="0" err="1"/>
+              <a:t>skor</a:t>
+            </a:r>
+            <a:r>
+              <a:rPr lang="en-US" dirty="0"/>
+              <a:t> </a:t>
+            </a:r>
+            <a:r>
+              <a:rPr lang="en-US" dirty="0" err="1"/>
+              <a:t>kuisioner</a:t>
+            </a:r>
+            <a:r>
+              <a:rPr lang="en-US" dirty="0"/>
+              <a:t> SUS</a:t>
+            </a:r>
+            <a:endParaRPr lang="en-ID" dirty="0"/>
+          </a:p>
+        </p:txBody>
+      </p:sp>
+    </p:spTree>
+    <p:extLst>
+      <p:ext uri="{BB962C8B-B14F-4D97-AF65-F5344CB8AC3E}">
+        <p14:creationId xmlns:p14="http://schemas.microsoft.com/office/powerpoint/2010/main" val="2797216287"/>
+      </p:ext>
+    </p:extLst>
+  </p:cSld>
+  <p:clrMapOvr>
+    <a:masterClrMapping/>
+  </p:clrMapOvr>
+</p:sld>
+</file>
+
+<file path=ppt/slides/slide34.xml><?xml version="1.0" encoding="utf-8"?>
+<p:sld xmlns:a="http://schemas.openxmlformats.org/drawingml/2006/main" xmlns:r="http://schemas.openxmlformats.org/officeDocument/2006/relationships" xmlns:p="http://schemas.openxmlformats.org/presentationml/2006/main">
+  <p:cSld>
+    <p:spTree>
+      <p:nvGrpSpPr>
+        <p:cNvPr id="1" name=""/>
+        <p:cNvGrpSpPr/>
+        <p:nvPr/>
+      </p:nvGrpSpPr>
+      <p:grpSpPr>
+        <a:xfrm>
+          <a:off x="0" y="0"/>
+          <a:ext cx="0" cy="0"/>
+          <a:chOff x="0" y="0"/>
+          <a:chExt cx="0" cy="0"/>
+        </a:xfrm>
+      </p:grpSpPr>
+      <p:grpSp>
+        <p:nvGrpSpPr>
+          <p:cNvPr id="5" name="Group 4">
+            <a:extLst>
+              <a:ext uri="{FF2B5EF4-FFF2-40B4-BE49-F238E27FC236}">
+                <a16:creationId xmlns:a16="http://schemas.microsoft.com/office/drawing/2014/main" id="{37180081-D86E-BDE0-B85E-2FFB4768CC5A}"/>
+              </a:ext>
+            </a:extLst>
+          </p:cNvPr>
+          <p:cNvGrpSpPr/>
+          <p:nvPr/>
+        </p:nvGrpSpPr>
+        <p:grpSpPr>
+          <a:xfrm>
+            <a:off x="989730" y="936163"/>
+            <a:ext cx="4767257" cy="4985672"/>
+            <a:chOff x="989731" y="1548151"/>
+            <a:chExt cx="4767257" cy="4985672"/>
+          </a:xfrm>
+        </p:grpSpPr>
+        <p:pic>
+          <p:nvPicPr>
+            <p:cNvPr id="6" name="Picture 5">
+              <a:extLst>
+                <a:ext uri="{FF2B5EF4-FFF2-40B4-BE49-F238E27FC236}">
+                  <a16:creationId xmlns:a16="http://schemas.microsoft.com/office/drawing/2014/main" id="{CB85998C-A2AF-364D-C3C8-F5BA8E24DAC0}"/>
+                </a:ext>
+              </a:extLst>
+            </p:cNvPr>
+            <p:cNvPicPr>
+              <a:picLocks noChangeAspect="1"/>
+            </p:cNvPicPr>
+            <p:nvPr/>
+          </p:nvPicPr>
+          <p:blipFill>
+            <a:blip r:embed="rId2">
+              <a:extLst>
+                <a:ext uri="{28A0092B-C50C-407E-A947-70E740481C1C}">
+                  <a14:useLocalDpi xmlns:a14="http://schemas.microsoft.com/office/drawing/2010/main" val="0"/>
+                </a:ext>
+              </a:extLst>
+            </a:blip>
+            <a:stretch>
+              <a:fillRect/>
+            </a:stretch>
+          </p:blipFill>
+          <p:spPr>
+            <a:xfrm>
+              <a:off x="989731" y="4216504"/>
+              <a:ext cx="4767257" cy="2317319"/>
+            </a:xfrm>
+            <a:prstGeom prst="rect">
+              <a:avLst/>
+            </a:prstGeom>
+          </p:spPr>
+        </p:pic>
+        <p:pic>
+          <p:nvPicPr>
+            <p:cNvPr id="7" name="Picture 6">
+              <a:extLst>
+                <a:ext uri="{FF2B5EF4-FFF2-40B4-BE49-F238E27FC236}">
+                  <a16:creationId xmlns:a16="http://schemas.microsoft.com/office/drawing/2014/main" id="{93BA5F63-E30A-DA51-382F-EB49A0905D16}"/>
+                </a:ext>
+              </a:extLst>
+            </p:cNvPr>
+            <p:cNvPicPr>
+              <a:picLocks noChangeAspect="1"/>
+            </p:cNvPicPr>
+            <p:nvPr/>
+          </p:nvPicPr>
+          <p:blipFill>
+            <a:blip r:embed="rId3">
+              <a:extLst>
+                <a:ext uri="{28A0092B-C50C-407E-A947-70E740481C1C}">
+                  <a14:useLocalDpi xmlns:a14="http://schemas.microsoft.com/office/drawing/2010/main" val="0"/>
+                </a:ext>
+              </a:extLst>
+            </a:blip>
+            <a:stretch>
+              <a:fillRect/>
+            </a:stretch>
+          </p:blipFill>
+          <p:spPr>
+            <a:xfrm>
+              <a:off x="989731" y="1548151"/>
+              <a:ext cx="4767257" cy="2775075"/>
+            </a:xfrm>
+            <a:prstGeom prst="rect">
+              <a:avLst/>
+            </a:prstGeom>
+          </p:spPr>
+        </p:pic>
+      </p:grpSp>
+      <p:pic>
+        <p:nvPicPr>
+          <p:cNvPr id="8" name="Picture 7">
+            <a:extLst>
+              <a:ext uri="{FF2B5EF4-FFF2-40B4-BE49-F238E27FC236}">
+                <a16:creationId xmlns:a16="http://schemas.microsoft.com/office/drawing/2014/main" id="{2CEF4D4B-507D-A84F-9E50-1B6093933964}"/>
+              </a:ext>
+            </a:extLst>
+          </p:cNvPr>
+          <p:cNvPicPr>
+            <a:picLocks noChangeAspect="1"/>
+          </p:cNvPicPr>
+          <p:nvPr/>
+        </p:nvPicPr>
+        <p:blipFill>
+          <a:blip r:embed="rId4">
+            <a:extLst>
+              <a:ext uri="{28A0092B-C50C-407E-A947-70E740481C1C}">
+                <a14:useLocalDpi xmlns:a14="http://schemas.microsoft.com/office/drawing/2010/main" val="0"/>
+              </a:ext>
+            </a:extLst>
+          </a:blip>
+          <a:stretch>
+            <a:fillRect/>
+          </a:stretch>
+        </p:blipFill>
+        <p:spPr>
+          <a:xfrm>
+            <a:off x="6435015" y="2811726"/>
+            <a:ext cx="5197290" cy="1234547"/>
+          </a:xfrm>
+          <a:prstGeom prst="rect">
+            <a:avLst/>
+          </a:prstGeom>
+        </p:spPr>
+      </p:pic>
+      <p:sp>
+        <p:nvSpPr>
+          <p:cNvPr id="9" name="TextBox 8">
+            <a:extLst>
+              <a:ext uri="{FF2B5EF4-FFF2-40B4-BE49-F238E27FC236}">
+                <a16:creationId xmlns:a16="http://schemas.microsoft.com/office/drawing/2014/main" id="{B43A2F68-AE00-9FAF-5E81-178084640621}"/>
+              </a:ext>
+            </a:extLst>
+          </p:cNvPr>
+          <p:cNvSpPr txBox="1"/>
+          <p:nvPr/>
+        </p:nvSpPr>
+        <p:spPr>
+          <a:xfrm>
+            <a:off x="475862" y="5921835"/>
+            <a:ext cx="5029200" cy="369332"/>
+          </a:xfrm>
+          <a:prstGeom prst="rect">
+            <a:avLst/>
+          </a:prstGeom>
+          <a:noFill/>
+        </p:spPr>
+        <p:txBody>
+          <a:bodyPr wrap="square" rtlCol="0">
+            <a:spAutoFit/>
+          </a:bodyPr>
+          <a:lstStyle/>
+          <a:p>
+            <a:pPr algn="ctr"/>
+            <a:r>
+              <a:rPr lang="en-US" dirty="0" err="1"/>
+              <a:t>Tabel</a:t>
+            </a:r>
+            <a:r>
+              <a:rPr lang="en-US" dirty="0"/>
+              <a:t> SUS</a:t>
+            </a:r>
+            <a:endParaRPr lang="en-ID" dirty="0"/>
+          </a:p>
+        </p:txBody>
+      </p:sp>
+      <p:sp>
+        <p:nvSpPr>
+          <p:cNvPr id="10" name="TextBox 9">
+            <a:extLst>
+              <a:ext uri="{FF2B5EF4-FFF2-40B4-BE49-F238E27FC236}">
+                <a16:creationId xmlns:a16="http://schemas.microsoft.com/office/drawing/2014/main" id="{52A0C5D0-A0FB-F220-9F5A-7DC198092BC5}"/>
+              </a:ext>
+            </a:extLst>
+          </p:cNvPr>
+          <p:cNvSpPr txBox="1"/>
+          <p:nvPr/>
+        </p:nvSpPr>
+        <p:spPr>
+          <a:xfrm>
+            <a:off x="6519060" y="3997072"/>
+            <a:ext cx="5029200" cy="369332"/>
+          </a:xfrm>
+          <a:prstGeom prst="rect">
+            <a:avLst/>
+          </a:prstGeom>
+          <a:noFill/>
+        </p:spPr>
+        <p:txBody>
+          <a:bodyPr wrap="square" rtlCol="0">
+            <a:spAutoFit/>
+          </a:bodyPr>
+          <a:lstStyle/>
+          <a:p>
+            <a:pPr algn="ctr"/>
+            <a:r>
+              <a:rPr lang="en-US" dirty="0" err="1"/>
+              <a:t>Acaun</a:t>
+            </a:r>
+            <a:r>
+              <a:rPr lang="en-US" dirty="0"/>
+              <a:t> </a:t>
+            </a:r>
+            <a:r>
+              <a:rPr lang="en-US" dirty="0" err="1"/>
+              <a:t>penilaian</a:t>
+            </a:r>
+            <a:r>
+              <a:rPr lang="en-US" dirty="0"/>
+              <a:t> </a:t>
+            </a:r>
+            <a:r>
+              <a:rPr lang="en-US" dirty="0" err="1"/>
+              <a:t>skor</a:t>
+            </a:r>
+            <a:endParaRPr lang="en-ID" dirty="0"/>
+          </a:p>
+        </p:txBody>
+      </p:sp>
+    </p:spTree>
+    <p:extLst>
+      <p:ext uri="{BB962C8B-B14F-4D97-AF65-F5344CB8AC3E}">
+        <p14:creationId xmlns:p14="http://schemas.microsoft.com/office/powerpoint/2010/main" val="3527894245"/>
+      </p:ext>
+    </p:extLst>
+  </p:cSld>
+  <p:clrMapOvr>
+    <a:masterClrMapping/>
+  </p:clrMapOvr>
 </p:sld>
 </file>
 
